--- a/2DGP_project1.pptx
+++ b/2DGP_project1.pptx
@@ -1,6 +1,6 @@
 
 <file path=ppt/presentation.xml><?xml version="1.0" encoding="utf-8"?>
-<p:presentation xmlns:a="http://schemas.openxmlformats.org/drawingml/2006/main" xmlns:r="http://schemas.openxmlformats.org/officeDocument/2006/relationships" xmlns:p="http://schemas.openxmlformats.org/presentationml/2006/main" saveSubsetFonts="1">
+<p:presentation xmlns:a="http://schemas.openxmlformats.org/drawingml/2006/main" xmlns:r="http://schemas.openxmlformats.org/officeDocument/2006/relationships" xmlns:p="http://schemas.openxmlformats.org/presentationml/2006/main" embedTrueTypeFonts="1" saveSubsetFonts="1">
   <p:sldMasterIdLst>
     <p:sldMasterId id="2147483689" r:id="rId1"/>
   </p:sldMasterIdLst>
@@ -12,10 +12,34 @@
     <p:sldId id="263" r:id="rId6"/>
     <p:sldId id="261" r:id="rId7"/>
     <p:sldId id="265" r:id="rId8"/>
-    <p:sldId id="259" r:id="rId9"/>
+    <p:sldId id="266" r:id="rId9"/>
+    <p:sldId id="259" r:id="rId10"/>
   </p:sldIdLst>
   <p:sldSz cx="12192000" cy="6858000"/>
   <p:notesSz cx="6858000" cy="9144000"/>
+  <p:embeddedFontLst>
+    <p:embeddedFont>
+      <p:font typeface="HY견고딕" panose="02030600000101010101" pitchFamily="18" charset="-127"/>
+      <p:regular r:id="rId11"/>
+    </p:embeddedFont>
+    <p:embeddedFont>
+      <p:font typeface="HY헤드라인M" panose="02030600000101010101" pitchFamily="18" charset="-127"/>
+      <p:regular r:id="rId12"/>
+    </p:embeddedFont>
+    <p:embeddedFont>
+      <p:font typeface="맑은 고딕" panose="020B0503020000020004" pitchFamily="50" charset="-127"/>
+      <p:regular r:id="rId13"/>
+      <p:bold r:id="rId14"/>
+    </p:embeddedFont>
+    <p:embeddedFont>
+      <p:font typeface="프리젠테이션 4 Regular" charset="-127"/>
+      <p:regular r:id="rId15"/>
+    </p:embeddedFont>
+    <p:embeddedFont>
+      <p:font typeface="DungeonFont" charset="0"/>
+      <p:regular r:id="rId16"/>
+    </p:embeddedFont>
+  </p:embeddedFontLst>
   <p:defaultTextStyle>
     <a:defPPr>
       <a:defRPr lang="ko-KR"/>
@@ -3317,7 +3341,7 @@
     <p:bg>
       <p:bgPr>
         <a:solidFill>
-          <a:schemeClr val="bg1"/>
+          <a:srgbClr val="000000"/>
         </a:solidFill>
         <a:effectLst/>
       </p:bgPr>
@@ -3338,6 +3362,105 @@
       </p:grpSpPr>
       <p:sp>
         <p:nvSpPr>
+          <p:cNvPr id="10" name="Rectangle 9">
+            <a:extLst>
+              <a:ext uri="{FF2B5EF4-FFF2-40B4-BE49-F238E27FC236}">
+                <a16:creationId xmlns:a16="http://schemas.microsoft.com/office/drawing/2014/main" id="{71B2258F-86CA-4D4D-8270-BC05FCDEBFB3}"/>
+              </a:ext>
+              <a:ext uri="{C183D7F6-B498-43B3-948B-1728B52AA6E4}">
+                <adec:decorative xmlns:adec="http://schemas.microsoft.com/office/drawing/2017/decorative" val="1"/>
+              </a:ext>
+            </a:extLst>
+          </p:cNvPr>
+          <p:cNvSpPr>
+            <a:spLocks noGrp="1" noRot="1" noChangeAspect="1" noMove="1" noResize="1" noEditPoints="1" noAdjustHandles="1" noChangeArrowheads="1" noChangeShapeType="1" noTextEdit="1"/>
+          </p:cNvSpPr>
+          <p:nvPr>
+            <p:extLst>
+              <p:ext uri="{386F3935-93C4-4BCD-93E2-E3B085C9AB24}">
+                <p16:designElem xmlns:p16="http://schemas.microsoft.com/office/powerpoint/2015/main" val="1"/>
+              </p:ext>
+            </p:extLst>
+          </p:nvPr>
+        </p:nvSpPr>
+        <p:spPr>
+          <a:xfrm>
+            <a:off x="0" y="0"/>
+            <a:ext cx="12192000" cy="6857999"/>
+          </a:xfrm>
+          <a:prstGeom prst="rect">
+            <a:avLst/>
+          </a:prstGeom>
+          <a:solidFill>
+            <a:srgbClr val="000000"/>
+          </a:solidFill>
+          <a:ln>
+            <a:noFill/>
+          </a:ln>
+        </p:spPr>
+        <p:style>
+          <a:lnRef idx="2">
+            <a:schemeClr val="accent1">
+              <a:shade val="50000"/>
+            </a:schemeClr>
+          </a:lnRef>
+          <a:fillRef idx="1">
+            <a:schemeClr val="accent1"/>
+          </a:fillRef>
+          <a:effectRef idx="0">
+            <a:schemeClr val="accent1"/>
+          </a:effectRef>
+          <a:fontRef idx="minor">
+            <a:schemeClr val="lt1"/>
+          </a:fontRef>
+        </p:style>
+        <p:txBody>
+          <a:bodyPr rtlCol="0" anchor="ctr"/>
+          <a:lstStyle/>
+          <a:p>
+            <a:pPr algn="ctr"/>
+            <a:endParaRPr lang="en-US"/>
+          </a:p>
+        </p:txBody>
+      </p:sp>
+      <p:pic>
+        <p:nvPicPr>
+          <p:cNvPr id="5" name="그림 4" descr="페인팅, 스케치, 예술, 그림이(가) 표시된 사진&#10;&#10;자동 생성된 설명">
+            <a:extLst>
+              <a:ext uri="{FF2B5EF4-FFF2-40B4-BE49-F238E27FC236}">
+                <a16:creationId xmlns:a16="http://schemas.microsoft.com/office/drawing/2014/main" id="{5D14D668-4C75-164F-A989-7A359D53D231}"/>
+              </a:ext>
+            </a:extLst>
+          </p:cNvPr>
+          <p:cNvPicPr>
+            <a:picLocks noChangeAspect="1"/>
+          </p:cNvPicPr>
+          <p:nvPr/>
+        </p:nvPicPr>
+        <p:blipFill>
+          <a:blip r:embed="rId2">
+            <a:alphaModFix amt="50000"/>
+            <a:extLst>
+              <a:ext uri="{28A0092B-C50C-407E-A947-70E740481C1C}">
+                <a14:useLocalDpi xmlns:a14="http://schemas.microsoft.com/office/drawing/2010/main" val="0"/>
+              </a:ext>
+            </a:extLst>
+          </a:blip>
+          <a:srcRect t="50642" r="1" b="5624"/>
+          <a:stretch/>
+        </p:blipFill>
+        <p:spPr>
+          <a:xfrm>
+            <a:off x="20" y="1"/>
+            <a:ext cx="12191980" cy="6857999"/>
+          </a:xfrm>
+          <a:prstGeom prst="rect">
+            <a:avLst/>
+          </a:prstGeom>
+        </p:spPr>
+      </p:pic>
+      <p:sp>
+        <p:nvSpPr>
           <p:cNvPr id="2" name="제목 1">
             <a:extLst>
               <a:ext uri="{FF2B5EF4-FFF2-40B4-BE49-F238E27FC236}">
@@ -3352,25 +3475,56 @@
             <p:ph type="ctrTitle"/>
           </p:nvPr>
         </p:nvSpPr>
-        <p:spPr/>
+        <p:spPr>
+          <a:xfrm>
+            <a:off x="1524000" y="1122362"/>
+            <a:ext cx="9144000" cy="2900518"/>
+          </a:xfrm>
+        </p:spPr>
         <p:txBody>
-          <a:bodyPr/>
+          <a:bodyPr>
+            <a:normAutofit/>
+          </a:bodyPr>
           <a:lstStyle/>
           <a:p>
             <a:r>
-              <a:rPr lang="en-US" altLang="ko-KR" dirty="0"/>
+              <a:rPr lang="en-US" altLang="ko-KR" dirty="0">
+                <a:solidFill>
+                  <a:srgbClr val="FFFFFF"/>
+                </a:solidFill>
+              </a:rPr>
               <a:t>2DGP</a:t>
             </a:r>
             <a:br>
-              <a:rPr lang="en-US" altLang="ko-KR" dirty="0"/>
+              <a:rPr lang="en-US" altLang="ko-KR" dirty="0">
+                <a:solidFill>
+                  <a:srgbClr val="FFFFFF"/>
+                </a:solidFill>
+              </a:rPr>
             </a:br>
             <a:r>
-              <a:rPr lang="en-US" altLang="ko-KR" dirty="0"/>
+              <a:rPr lang="ko-KR" altLang="en-US" dirty="0">
+                <a:solidFill>
+                  <a:srgbClr val="FFFFFF"/>
+                </a:solidFill>
+              </a:rPr>
+              <a:t>프로젝트 </a:t>
+            </a:r>
+            <a:r>
+              <a:rPr lang="en-US" altLang="ko-KR" dirty="0">
+                <a:solidFill>
+                  <a:srgbClr val="FFFFFF"/>
+                </a:solidFill>
+              </a:rPr>
               <a:t>1</a:t>
             </a:r>
             <a:r>
-              <a:rPr lang="ko-KR" altLang="en-US" dirty="0"/>
-              <a:t>차 프로젝트 발표</a:t>
+              <a:rPr lang="ko-KR" altLang="en-US" dirty="0">
+                <a:solidFill>
+                  <a:srgbClr val="FFFFFF"/>
+                </a:solidFill>
+              </a:rPr>
+              <a:t>차 발표</a:t>
             </a:r>
           </a:p>
         </p:txBody>
@@ -3391,17 +3545,32 @@
             <p:ph type="subTitle" idx="1"/>
           </p:nvPr>
         </p:nvSpPr>
-        <p:spPr/>
+        <p:spPr>
+          <a:xfrm>
+            <a:off x="1524000" y="4159404"/>
+            <a:ext cx="9144000" cy="1098395"/>
+          </a:xfrm>
+        </p:spPr>
         <p:txBody>
-          <a:bodyPr/>
+          <a:bodyPr>
+            <a:normAutofit/>
+          </a:bodyPr>
           <a:lstStyle/>
           <a:p>
             <a:r>
-              <a:rPr lang="en-US" altLang="ko-KR" dirty="0"/>
+              <a:rPr lang="en-US" altLang="ko-KR">
+                <a:solidFill>
+                  <a:srgbClr val="FFFFFF"/>
+                </a:solidFill>
+              </a:rPr>
               <a:t>2021182026_</a:t>
             </a:r>
             <a:r>
-              <a:rPr lang="ko-KR" altLang="en-US" dirty="0"/>
+              <a:rPr lang="ko-KR" altLang="en-US">
+                <a:solidFill>
+                  <a:srgbClr val="FFFFFF"/>
+                </a:solidFill>
+              </a:rPr>
               <a:t>윤재형 </a:t>
             </a:r>
           </a:p>
@@ -3415,274 +3584,7 @@
     </p:extLst>
   </p:cSld>
   <p:clrMapOvr>
-    <a:masterClrMapping/>
-  </p:clrMapOvr>
-</p:sld>
-</file>
-
-<file path=ppt/slides/slide2.xml><?xml version="1.0" encoding="utf-8"?>
-<p:sld xmlns:a="http://schemas.openxmlformats.org/drawingml/2006/main" xmlns:r="http://schemas.openxmlformats.org/officeDocument/2006/relationships" xmlns:p="http://schemas.openxmlformats.org/presentationml/2006/main">
-  <p:cSld>
-    <p:bg>
-      <p:bgPr>
-        <a:solidFill>
-          <a:schemeClr val="bg1"/>
-        </a:solidFill>
-        <a:effectLst/>
-      </p:bgPr>
-    </p:bg>
-    <p:spTree>
-      <p:nvGrpSpPr>
-        <p:cNvPr id="1" name=""/>
-        <p:cNvGrpSpPr/>
-        <p:nvPr/>
-      </p:nvGrpSpPr>
-      <p:grpSpPr>
-        <a:xfrm>
-          <a:off x="0" y="0"/>
-          <a:ext cx="0" cy="0"/>
-          <a:chOff x="0" y="0"/>
-          <a:chExt cx="0" cy="0"/>
-        </a:xfrm>
-      </p:grpSpPr>
-      <p:sp>
-        <p:nvSpPr>
-          <p:cNvPr id="2" name="제목 1">
-            <a:extLst>
-              <a:ext uri="{FF2B5EF4-FFF2-40B4-BE49-F238E27FC236}">
-                <a16:creationId xmlns:a16="http://schemas.microsoft.com/office/drawing/2014/main" id="{246ECE80-26EC-E01F-1241-6ECAE10D4324}"/>
-              </a:ext>
-            </a:extLst>
-          </p:cNvPr>
-          <p:cNvSpPr>
-            <a:spLocks noGrp="1"/>
-          </p:cNvSpPr>
-          <p:nvPr>
-            <p:ph type="title"/>
-          </p:nvPr>
-        </p:nvSpPr>
-        <p:spPr>
-          <a:xfrm>
-            <a:off x="599818" y="5234320"/>
-            <a:ext cx="6931319" cy="752217"/>
-          </a:xfrm>
-        </p:spPr>
-        <p:txBody>
-          <a:bodyPr vert="horz" lIns="91440" tIns="45720" rIns="91440" bIns="45720" rtlCol="0" anchor="b">
-            <a:noAutofit/>
-          </a:bodyPr>
-          <a:lstStyle/>
-          <a:p>
-            <a:pPr latinLnBrk="0"/>
-            <a:r>
-              <a:rPr lang="ko-KR" altLang="en-US" sz="9600" dirty="0" err="1">
-                <a:solidFill>
-                  <a:schemeClr val="tx1">
-                    <a:lumMod val="85000"/>
-                    <a:lumOff val="15000"/>
-                  </a:schemeClr>
-                </a:solidFill>
-              </a:rPr>
-              <a:t>게임컨셉</a:t>
-            </a:r>
-            <a:endParaRPr lang="en-US" altLang="ko-KR" sz="9600" dirty="0">
-              <a:solidFill>
-                <a:schemeClr val="tx1">
-                  <a:lumMod val="85000"/>
-                  <a:lumOff val="15000"/>
-                </a:schemeClr>
-              </a:solidFill>
-            </a:endParaRPr>
-          </a:p>
-        </p:txBody>
-      </p:sp>
-      <p:sp>
-        <p:nvSpPr>
-          <p:cNvPr id="4" name="TextBox 3">
-            <a:extLst>
-              <a:ext uri="{FF2B5EF4-FFF2-40B4-BE49-F238E27FC236}">
-                <a16:creationId xmlns:a16="http://schemas.microsoft.com/office/drawing/2014/main" id="{1085D686-FFAD-39E5-F4DD-BBB9BFF58A08}"/>
-              </a:ext>
-            </a:extLst>
-          </p:cNvPr>
-          <p:cNvSpPr txBox="1"/>
-          <p:nvPr/>
-        </p:nvSpPr>
-        <p:spPr>
-          <a:xfrm>
-            <a:off x="599819" y="6059086"/>
-            <a:ext cx="6931319" cy="349725"/>
-          </a:xfrm>
-          <a:prstGeom prst="rect">
-            <a:avLst/>
-          </a:prstGeom>
-        </p:spPr>
-        <p:txBody>
-          <a:bodyPr vert="horz" lIns="91440" tIns="45720" rIns="91440" bIns="45720" rtlCol="0" anchor="t">
-            <a:noAutofit/>
-          </a:bodyPr>
-          <a:lstStyle/>
-          <a:p>
-            <a:pPr latinLnBrk="0">
-              <a:lnSpc>
-                <a:spcPct val="90000"/>
-              </a:lnSpc>
-              <a:spcBef>
-                <a:spcPts val="1000"/>
-              </a:spcBef>
-            </a:pPr>
-            <a:r>
-              <a:rPr lang="ko-KR" altLang="en-US" sz="1600" dirty="0">
-                <a:solidFill>
-                  <a:schemeClr val="tx1">
-                    <a:lumMod val="85000"/>
-                    <a:lumOff val="15000"/>
-                  </a:schemeClr>
-                </a:solidFill>
-              </a:rPr>
-              <a:t>제한된 시간 </a:t>
-            </a:r>
-            <a:r>
-              <a:rPr lang="ko-KR" altLang="en-US" sz="1600" dirty="0" err="1">
-                <a:solidFill>
-                  <a:schemeClr val="tx1">
-                    <a:lumMod val="85000"/>
-                    <a:lumOff val="15000"/>
-                  </a:schemeClr>
-                </a:solidFill>
-              </a:rPr>
-              <a:t>경과시</a:t>
-            </a:r>
-            <a:r>
-              <a:rPr lang="en-US" altLang="ko-KR" sz="1600" dirty="0">
-                <a:solidFill>
-                  <a:schemeClr val="tx1">
-                    <a:lumMod val="85000"/>
-                    <a:lumOff val="15000"/>
-                  </a:schemeClr>
-                </a:solidFill>
-              </a:rPr>
-              <a:t> </a:t>
-            </a:r>
-            <a:r>
-              <a:rPr lang="ko-KR" altLang="en-US" sz="1600" dirty="0">
-                <a:solidFill>
-                  <a:schemeClr val="tx1">
-                    <a:lumMod val="85000"/>
-                    <a:lumOff val="15000"/>
-                  </a:schemeClr>
-                </a:solidFill>
-              </a:rPr>
-              <a:t>사망</a:t>
-            </a:r>
-            <a:br>
-              <a:rPr lang="en-US" altLang="ko-KR" sz="1600" dirty="0">
-                <a:solidFill>
-                  <a:schemeClr val="tx1">
-                    <a:lumMod val="85000"/>
-                    <a:lumOff val="15000"/>
-                  </a:schemeClr>
-                </a:solidFill>
-              </a:rPr>
-            </a:br>
-            <a:r>
-              <a:rPr lang="ko-KR" altLang="en-US" sz="1600" dirty="0">
-                <a:solidFill>
-                  <a:schemeClr val="tx1">
-                    <a:lumMod val="85000"/>
-                    <a:lumOff val="15000"/>
-                  </a:schemeClr>
-                </a:solidFill>
-              </a:rPr>
-              <a:t>세대 교체</a:t>
-            </a:r>
-            <a:br>
-              <a:rPr lang="en-US" altLang="ko-KR" sz="1600" dirty="0">
-                <a:solidFill>
-                  <a:schemeClr val="tx1">
-                    <a:lumMod val="85000"/>
-                    <a:lumOff val="15000"/>
-                  </a:schemeClr>
-                </a:solidFill>
-              </a:rPr>
-            </a:br>
-            <a:r>
-              <a:rPr lang="ko-KR" altLang="en-US" sz="1600" dirty="0">
-                <a:solidFill>
-                  <a:schemeClr val="tx1">
-                    <a:lumMod val="85000"/>
-                    <a:lumOff val="15000"/>
-                  </a:schemeClr>
-                </a:solidFill>
-              </a:rPr>
-              <a:t>핵 앤 </a:t>
-            </a:r>
-            <a:r>
-              <a:rPr lang="ko-KR" altLang="en-US" sz="1600" dirty="0" err="1">
-                <a:solidFill>
-                  <a:schemeClr val="tx1">
-                    <a:lumMod val="85000"/>
-                    <a:lumOff val="15000"/>
-                  </a:schemeClr>
-                </a:solidFill>
-              </a:rPr>
-              <a:t>슬래쉬</a:t>
-            </a:r>
-            <a:endParaRPr lang="en-US" altLang="ko-KR" sz="1600" dirty="0">
-              <a:solidFill>
-                <a:schemeClr val="tx1">
-                  <a:lumMod val="85000"/>
-                  <a:lumOff val="15000"/>
-                </a:schemeClr>
-              </a:solidFill>
-            </a:endParaRPr>
-          </a:p>
-        </p:txBody>
-      </p:sp>
-      <p:pic>
-        <p:nvPicPr>
-          <p:cNvPr id="16" name="그림 15" descr="텍스트, 스크린샷, 멀티미디어 소프트웨어, 그래픽 소프트웨어이(가) 표시된 사진&#10;&#10;자동 생성된 설명">
-            <a:extLst>
-              <a:ext uri="{FF2B5EF4-FFF2-40B4-BE49-F238E27FC236}">
-                <a16:creationId xmlns:a16="http://schemas.microsoft.com/office/drawing/2014/main" id="{9C9B572E-1029-B078-CCBD-937705AC39B5}"/>
-              </a:ext>
-            </a:extLst>
-          </p:cNvPr>
-          <p:cNvPicPr>
-            <a:picLocks noChangeAspect="1"/>
-          </p:cNvPicPr>
-          <p:nvPr/>
-        </p:nvPicPr>
-        <p:blipFill>
-          <a:blip r:embed="rId2">
-            <a:extLst>
-              <a:ext uri="{28A0092B-C50C-407E-A947-70E740481C1C}">
-                <a14:useLocalDpi xmlns:a14="http://schemas.microsoft.com/office/drawing/2010/main" val="0"/>
-              </a:ext>
-            </a:extLst>
-          </a:blip>
-          <a:srcRect b="36404"/>
-          <a:stretch/>
-        </p:blipFill>
-        <p:spPr>
-          <a:xfrm>
-            <a:off x="0" y="0"/>
-            <a:ext cx="12192000" cy="4362858"/>
-          </a:xfrm>
-          <a:prstGeom prst="rect">
-            <a:avLst/>
-          </a:prstGeom>
-        </p:spPr>
-      </p:pic>
-    </p:spTree>
-    <p:extLst>
-      <p:ext uri="{BB962C8B-B14F-4D97-AF65-F5344CB8AC3E}">
-        <p14:creationId xmlns:p14="http://schemas.microsoft.com/office/powerpoint/2010/main" val="1615577174"/>
-      </p:ext>
-    </p:extLst>
-  </p:cSld>
-  <p:clrMapOvr>
-    <a:masterClrMapping/>
+    <a:overrideClrMapping bg1="dk1" tx1="lt1" bg2="dk2" tx2="lt2" accent1="accent1" accent2="accent2" accent3="accent3" accent4="accent4" accent5="accent5" accent6="accent6" hlink="hlink" folHlink="folHlink"/>
   </p:clrMapOvr>
   <p:timing>
     <p:tnLst>
@@ -3745,6 +3647,52 @@
                                   </p:childTnLst>
                                 </p:cTn>
                               </p:par>
+                              <p:par>
+                                <p:cTn id="8" presetID="10" presetClass="entr" presetSubtype="0" fill="hold" grpId="0" nodeType="withEffect">
+                                  <p:stCondLst>
+                                    <p:cond delay="1500"/>
+                                  </p:stCondLst>
+                                  <p:iterate>
+                                    <p:tmPct val="10000"/>
+                                  </p:iterate>
+                                  <p:childTnLst>
+                                    <p:set>
+                                      <p:cBhvr>
+                                        <p:cTn id="9" dur="1" fill="hold">
+                                          <p:stCondLst>
+                                            <p:cond delay="0"/>
+                                          </p:stCondLst>
+                                        </p:cTn>
+                                        <p:tgtEl>
+                                          <p:spTgt spid="3">
+                                            <p:txEl>
+                                              <p:pRg st="0" end="0"/>
+                                            </p:txEl>
+                                          </p:spTgt>
+                                        </p:tgtEl>
+                                        <p:attrNameLst>
+                                          <p:attrName>style.visibility</p:attrName>
+                                        </p:attrNameLst>
+                                      </p:cBhvr>
+                                      <p:to>
+                                        <p:strVal val="visible"/>
+                                      </p:to>
+                                    </p:set>
+                                    <p:animEffect transition="in" filter="fade">
+                                      <p:cBhvr>
+                                        <p:cTn id="10" dur="700"/>
+                                        <p:tgtEl>
+                                          <p:spTgt spid="3">
+                                            <p:txEl>
+                                              <p:pRg st="0" end="0"/>
+                                            </p:txEl>
+                                          </p:spTgt>
+                                        </p:tgtEl>
+                                      </p:cBhvr>
+                                    </p:animEffect>
+                                  </p:childTnLst>
+                                </p:cTn>
+                              </p:par>
                             </p:childTnLst>
                           </p:cTn>
                         </p:par>
@@ -3774,14 +3722,418 @@
     </p:tnLst>
     <p:bldLst>
       <p:bldP spid="2" grpId="0"/>
+      <p:bldP spid="3" grpId="0" build="p"/>
     </p:bldLst>
   </p:timing>
+</p:sld>
+</file>
+
+<file path=ppt/slides/slide2.xml><?xml version="1.0" encoding="utf-8"?>
+<p:sld xmlns:a="http://schemas.openxmlformats.org/drawingml/2006/main" xmlns:r="http://schemas.openxmlformats.org/officeDocument/2006/relationships" xmlns:p="http://schemas.openxmlformats.org/presentationml/2006/main">
+  <p:cSld>
+    <p:bg>
+      <p:bgPr>
+        <a:solidFill>
+          <a:schemeClr val="bg1"/>
+        </a:solidFill>
+        <a:effectLst/>
+      </p:bgPr>
+    </p:bg>
+    <p:spTree>
+      <p:nvGrpSpPr>
+        <p:cNvPr id="1" name=""/>
+        <p:cNvGrpSpPr/>
+        <p:nvPr/>
+      </p:nvGrpSpPr>
+      <p:grpSpPr>
+        <a:xfrm>
+          <a:off x="0" y="0"/>
+          <a:ext cx="0" cy="0"/>
+          <a:chOff x="0" y="0"/>
+          <a:chExt cx="0" cy="0"/>
+        </a:xfrm>
+      </p:grpSpPr>
+      <p:pic>
+        <p:nvPicPr>
+          <p:cNvPr id="18" name="그림 17" descr="페인팅, 스케치, 예술, 그림이(가) 표시된 사진&#10;&#10;자동 생성된 설명">
+            <a:extLst>
+              <a:ext uri="{FF2B5EF4-FFF2-40B4-BE49-F238E27FC236}">
+                <a16:creationId xmlns:a16="http://schemas.microsoft.com/office/drawing/2014/main" id="{711DF58A-4D13-F5D2-B8E7-D7C796117AA4}"/>
+              </a:ext>
+            </a:extLst>
+          </p:cNvPr>
+          <p:cNvPicPr>
+            <a:picLocks noChangeAspect="1"/>
+          </p:cNvPicPr>
+          <p:nvPr/>
+        </p:nvPicPr>
+        <p:blipFill>
+          <a:blip r:embed="rId2">
+            <a:alphaModFix amt="24000"/>
+            <a:extLst>
+              <a:ext uri="{28A0092B-C50C-407E-A947-70E740481C1C}">
+                <a14:useLocalDpi xmlns:a14="http://schemas.microsoft.com/office/drawing/2010/main" val="0"/>
+              </a:ext>
+            </a:extLst>
+          </a:blip>
+          <a:srcRect l="-2" t="78464" r="3" b="5624"/>
+          <a:stretch/>
+        </p:blipFill>
+        <p:spPr>
+          <a:xfrm>
+            <a:off x="20" y="4362858"/>
+            <a:ext cx="12191980" cy="2495142"/>
+          </a:xfrm>
+          <a:prstGeom prst="rect">
+            <a:avLst/>
+          </a:prstGeom>
+        </p:spPr>
+      </p:pic>
+      <p:sp>
+        <p:nvSpPr>
+          <p:cNvPr id="2" name="제목 1">
+            <a:extLst>
+              <a:ext uri="{FF2B5EF4-FFF2-40B4-BE49-F238E27FC236}">
+                <a16:creationId xmlns:a16="http://schemas.microsoft.com/office/drawing/2014/main" id="{246ECE80-26EC-E01F-1241-6ECAE10D4324}"/>
+              </a:ext>
+            </a:extLst>
+          </p:cNvPr>
+          <p:cNvSpPr>
+            <a:spLocks noGrp="1"/>
+          </p:cNvSpPr>
+          <p:nvPr>
+            <p:ph type="title"/>
+          </p:nvPr>
+        </p:nvSpPr>
+        <p:spPr>
+          <a:xfrm>
+            <a:off x="599818" y="5234320"/>
+            <a:ext cx="6931319" cy="752217"/>
+          </a:xfrm>
+        </p:spPr>
+        <p:txBody>
+          <a:bodyPr vert="horz" lIns="91440" tIns="45720" rIns="91440" bIns="45720" rtlCol="0" anchor="b">
+            <a:noAutofit/>
+          </a:bodyPr>
+          <a:lstStyle/>
+          <a:p>
+            <a:pPr latinLnBrk="0"/>
+            <a:r>
+              <a:rPr lang="ko-KR" altLang="en-US" sz="9600" dirty="0" err="1">
+                <a:solidFill>
+                  <a:schemeClr val="tx1">
+                    <a:lumMod val="85000"/>
+                    <a:lumOff val="15000"/>
+                  </a:schemeClr>
+                </a:solidFill>
+                <a:latin typeface="HY헤드라인M" panose="02030600000101010101" pitchFamily="18" charset="-127"/>
+                <a:ea typeface="HY헤드라인M" panose="02030600000101010101" pitchFamily="18" charset="-127"/>
+              </a:rPr>
+              <a:t>게임컨셉</a:t>
+            </a:r>
+            <a:endParaRPr lang="en-US" altLang="ko-KR" sz="9600" dirty="0">
+              <a:solidFill>
+                <a:schemeClr val="tx1">
+                  <a:lumMod val="85000"/>
+                  <a:lumOff val="15000"/>
+                </a:schemeClr>
+              </a:solidFill>
+              <a:latin typeface="HY헤드라인M" panose="02030600000101010101" pitchFamily="18" charset="-127"/>
+              <a:ea typeface="HY헤드라인M" panose="02030600000101010101" pitchFamily="18" charset="-127"/>
+            </a:endParaRPr>
+          </a:p>
+        </p:txBody>
+      </p:sp>
+      <p:sp>
+        <p:nvSpPr>
+          <p:cNvPr id="4" name="TextBox 3">
+            <a:extLst>
+              <a:ext uri="{FF2B5EF4-FFF2-40B4-BE49-F238E27FC236}">
+                <a16:creationId xmlns:a16="http://schemas.microsoft.com/office/drawing/2014/main" id="{1085D686-FFAD-39E5-F4DD-BBB9BFF58A08}"/>
+              </a:ext>
+            </a:extLst>
+          </p:cNvPr>
+          <p:cNvSpPr txBox="1"/>
+          <p:nvPr/>
+        </p:nvSpPr>
+        <p:spPr>
+          <a:xfrm>
+            <a:off x="599819" y="6059086"/>
+            <a:ext cx="6931319" cy="349725"/>
+          </a:xfrm>
+          <a:prstGeom prst="rect">
+            <a:avLst/>
+          </a:prstGeom>
+        </p:spPr>
+        <p:txBody>
+          <a:bodyPr vert="horz" lIns="91440" tIns="45720" rIns="91440" bIns="45720" rtlCol="0" anchor="t">
+            <a:noAutofit/>
+          </a:bodyPr>
+          <a:lstStyle/>
+          <a:p>
+            <a:pPr latinLnBrk="0">
+              <a:lnSpc>
+                <a:spcPct val="90000"/>
+              </a:lnSpc>
+              <a:spcBef>
+                <a:spcPts val="1000"/>
+              </a:spcBef>
+            </a:pPr>
+            <a:r>
+              <a:rPr lang="ko-KR" altLang="en-US" sz="1600" dirty="0">
+                <a:solidFill>
+                  <a:schemeClr val="tx1">
+                    <a:lumMod val="85000"/>
+                    <a:lumOff val="15000"/>
+                  </a:schemeClr>
+                </a:solidFill>
+                <a:latin typeface="HY헤드라인M" panose="02030600000101010101" pitchFamily="18" charset="-127"/>
+                <a:ea typeface="HY헤드라인M" panose="02030600000101010101" pitchFamily="18" charset="-127"/>
+              </a:rPr>
+              <a:t>제한된 시간 </a:t>
+            </a:r>
+            <a:r>
+              <a:rPr lang="ko-KR" altLang="en-US" sz="1600" dirty="0" err="1">
+                <a:solidFill>
+                  <a:schemeClr val="tx1">
+                    <a:lumMod val="85000"/>
+                    <a:lumOff val="15000"/>
+                  </a:schemeClr>
+                </a:solidFill>
+                <a:latin typeface="HY헤드라인M" panose="02030600000101010101" pitchFamily="18" charset="-127"/>
+                <a:ea typeface="HY헤드라인M" panose="02030600000101010101" pitchFamily="18" charset="-127"/>
+              </a:rPr>
+              <a:t>경과시</a:t>
+            </a:r>
+            <a:r>
+              <a:rPr lang="en-US" altLang="ko-KR" sz="1600" dirty="0">
+                <a:solidFill>
+                  <a:schemeClr val="tx1">
+                    <a:lumMod val="85000"/>
+                    <a:lumOff val="15000"/>
+                  </a:schemeClr>
+                </a:solidFill>
+                <a:latin typeface="HY헤드라인M" panose="02030600000101010101" pitchFamily="18" charset="-127"/>
+                <a:ea typeface="HY헤드라인M" panose="02030600000101010101" pitchFamily="18" charset="-127"/>
+              </a:rPr>
+              <a:t> </a:t>
+            </a:r>
+            <a:r>
+              <a:rPr lang="ko-KR" altLang="en-US" sz="1600" dirty="0">
+                <a:solidFill>
+                  <a:schemeClr val="tx1">
+                    <a:lumMod val="85000"/>
+                    <a:lumOff val="15000"/>
+                  </a:schemeClr>
+                </a:solidFill>
+                <a:latin typeface="HY헤드라인M" panose="02030600000101010101" pitchFamily="18" charset="-127"/>
+                <a:ea typeface="HY헤드라인M" panose="02030600000101010101" pitchFamily="18" charset="-127"/>
+              </a:rPr>
+              <a:t>플레이어 사망</a:t>
+            </a:r>
+            <a:br>
+              <a:rPr lang="en-US" altLang="ko-KR" sz="1600" dirty="0">
+                <a:solidFill>
+                  <a:schemeClr val="tx1">
+                    <a:lumMod val="85000"/>
+                    <a:lumOff val="15000"/>
+                  </a:schemeClr>
+                </a:solidFill>
+                <a:latin typeface="HY헤드라인M" panose="02030600000101010101" pitchFamily="18" charset="-127"/>
+                <a:ea typeface="HY헤드라인M" panose="02030600000101010101" pitchFamily="18" charset="-127"/>
+              </a:rPr>
+            </a:br>
+            <a:r>
+              <a:rPr lang="ko-KR" altLang="en-US" sz="1600" dirty="0">
+                <a:solidFill>
+                  <a:schemeClr val="tx1">
+                    <a:lumMod val="85000"/>
+                    <a:lumOff val="15000"/>
+                  </a:schemeClr>
+                </a:solidFill>
+                <a:latin typeface="HY헤드라인M" panose="02030600000101010101" pitchFamily="18" charset="-127"/>
+                <a:ea typeface="HY헤드라인M" panose="02030600000101010101" pitchFamily="18" charset="-127"/>
+              </a:rPr>
+              <a:t>세대 교체</a:t>
+            </a:r>
+            <a:br>
+              <a:rPr lang="en-US" altLang="ko-KR" sz="1600" dirty="0">
+                <a:solidFill>
+                  <a:schemeClr val="tx1">
+                    <a:lumMod val="85000"/>
+                    <a:lumOff val="15000"/>
+                  </a:schemeClr>
+                </a:solidFill>
+                <a:latin typeface="HY헤드라인M" panose="02030600000101010101" pitchFamily="18" charset="-127"/>
+                <a:ea typeface="HY헤드라인M" panose="02030600000101010101" pitchFamily="18" charset="-127"/>
+              </a:rPr>
+            </a:br>
+            <a:r>
+              <a:rPr lang="ko-KR" altLang="en-US" sz="1600" dirty="0">
+                <a:solidFill>
+                  <a:schemeClr val="tx1">
+                    <a:lumMod val="85000"/>
+                    <a:lumOff val="15000"/>
+                  </a:schemeClr>
+                </a:solidFill>
+                <a:latin typeface="HY헤드라인M" panose="02030600000101010101" pitchFamily="18" charset="-127"/>
+                <a:ea typeface="HY헤드라인M" panose="02030600000101010101" pitchFamily="18" charset="-127"/>
+              </a:rPr>
+              <a:t>핵 앤 </a:t>
+            </a:r>
+            <a:r>
+              <a:rPr lang="ko-KR" altLang="en-US" sz="1600" dirty="0" err="1">
+                <a:solidFill>
+                  <a:schemeClr val="tx1">
+                    <a:lumMod val="85000"/>
+                    <a:lumOff val="15000"/>
+                  </a:schemeClr>
+                </a:solidFill>
+                <a:latin typeface="HY헤드라인M" panose="02030600000101010101" pitchFamily="18" charset="-127"/>
+                <a:ea typeface="HY헤드라인M" panose="02030600000101010101" pitchFamily="18" charset="-127"/>
+              </a:rPr>
+              <a:t>슬래쉬</a:t>
+            </a:r>
+            <a:endParaRPr lang="en-US" altLang="ko-KR" sz="1600" dirty="0">
+              <a:solidFill>
+                <a:schemeClr val="tx1">
+                  <a:lumMod val="85000"/>
+                  <a:lumOff val="15000"/>
+                </a:schemeClr>
+              </a:solidFill>
+              <a:latin typeface="HY헤드라인M" panose="02030600000101010101" pitchFamily="18" charset="-127"/>
+              <a:ea typeface="HY헤드라인M" panose="02030600000101010101" pitchFamily="18" charset="-127"/>
+            </a:endParaRPr>
+          </a:p>
+        </p:txBody>
+      </p:sp>
+      <p:pic>
+        <p:nvPicPr>
+          <p:cNvPr id="16" name="그림 15" descr="텍스트, 스크린샷, 멀티미디어 소프트웨어, 그래픽 소프트웨어이(가) 표시된 사진&#10;&#10;자동 생성된 설명">
+            <a:extLst>
+              <a:ext uri="{FF2B5EF4-FFF2-40B4-BE49-F238E27FC236}">
+                <a16:creationId xmlns:a16="http://schemas.microsoft.com/office/drawing/2014/main" id="{9C9B572E-1029-B078-CCBD-937705AC39B5}"/>
+              </a:ext>
+            </a:extLst>
+          </p:cNvPr>
+          <p:cNvPicPr>
+            <a:picLocks noChangeAspect="1"/>
+          </p:cNvPicPr>
+          <p:nvPr/>
+        </p:nvPicPr>
+        <p:blipFill>
+          <a:blip r:embed="rId3">
+            <a:extLst>
+              <a:ext uri="{28A0092B-C50C-407E-A947-70E740481C1C}">
+                <a14:useLocalDpi xmlns:a14="http://schemas.microsoft.com/office/drawing/2010/main" val="0"/>
+              </a:ext>
+            </a:extLst>
+          </a:blip>
+          <a:srcRect b="36404"/>
+          <a:stretch/>
+        </p:blipFill>
+        <p:spPr>
+          <a:xfrm>
+            <a:off x="0" y="0"/>
+            <a:ext cx="12192000" cy="4362858"/>
+          </a:xfrm>
+          <a:prstGeom prst="rect">
+            <a:avLst/>
+          </a:prstGeom>
+        </p:spPr>
+      </p:pic>
+      <p:sp>
+        <p:nvSpPr>
+          <p:cNvPr id="17" name="TextBox 16">
+            <a:extLst>
+              <a:ext uri="{FF2B5EF4-FFF2-40B4-BE49-F238E27FC236}">
+                <a16:creationId xmlns:a16="http://schemas.microsoft.com/office/drawing/2014/main" id="{EB038B39-5564-0004-B34D-D45F10109900}"/>
+              </a:ext>
+            </a:extLst>
+          </p:cNvPr>
+          <p:cNvSpPr txBox="1"/>
+          <p:nvPr/>
+        </p:nvSpPr>
+        <p:spPr>
+          <a:xfrm>
+            <a:off x="10194337" y="3993526"/>
+            <a:ext cx="1997663" cy="369332"/>
+          </a:xfrm>
+          <a:prstGeom prst="rect">
+            <a:avLst/>
+          </a:prstGeom>
+          <a:noFill/>
+        </p:spPr>
+        <p:txBody>
+          <a:bodyPr wrap="none" rtlCol="0">
+            <a:spAutoFit/>
+          </a:bodyPr>
+          <a:lstStyle/>
+          <a:p>
+            <a:r>
+              <a:rPr lang="ko-KR" altLang="en-US" dirty="0">
+                <a:solidFill>
+                  <a:schemeClr val="bg1"/>
+                </a:solidFill>
+              </a:rPr>
+              <a:t>게임 </a:t>
+            </a:r>
+            <a:r>
+              <a:rPr lang="en-US" altLang="ko-KR" dirty="0">
+                <a:solidFill>
+                  <a:schemeClr val="bg1"/>
+                </a:solidFill>
+              </a:rPr>
+              <a:t>&lt;30</a:t>
+            </a:r>
+            <a:r>
+              <a:rPr lang="ko-KR" altLang="en-US" dirty="0" err="1">
+                <a:solidFill>
+                  <a:schemeClr val="bg1"/>
+                </a:solidFill>
+              </a:rPr>
+              <a:t>초용사</a:t>
+            </a:r>
+            <a:r>
+              <a:rPr lang="en-US" altLang="ko-KR" dirty="0">
+                <a:solidFill>
+                  <a:schemeClr val="bg1"/>
+                </a:solidFill>
+              </a:rPr>
+              <a:t>&gt;</a:t>
+            </a:r>
+            <a:endParaRPr lang="ko-KR" altLang="en-US" dirty="0">
+              <a:solidFill>
+                <a:schemeClr val="bg1"/>
+              </a:solidFill>
+            </a:endParaRPr>
+          </a:p>
+        </p:txBody>
+      </p:sp>
+    </p:spTree>
+    <p:extLst>
+      <p:ext uri="{BB962C8B-B14F-4D97-AF65-F5344CB8AC3E}">
+        <p14:creationId xmlns:p14="http://schemas.microsoft.com/office/powerpoint/2010/main" val="1615577174"/>
+      </p:ext>
+    </p:extLst>
+  </p:cSld>
+  <p:clrMapOvr>
+    <a:masterClrMapping/>
+  </p:clrMapOvr>
 </p:sld>
 </file>
 
 <file path=ppt/slides/slide3.xml><?xml version="1.0" encoding="utf-8"?>
 <p:sld xmlns:a="http://schemas.openxmlformats.org/drawingml/2006/main" xmlns:r="http://schemas.openxmlformats.org/officeDocument/2006/relationships" xmlns:p="http://schemas.openxmlformats.org/presentationml/2006/main">
   <p:cSld>
+    <p:bg>
+      <p:bgPr>
+        <a:solidFill>
+          <a:schemeClr val="bg1"/>
+        </a:solidFill>
+        <a:effectLst/>
+      </p:bgPr>
+    </p:bg>
     <p:spTree>
       <p:nvGrpSpPr>
         <p:cNvPr id="1" name=""/>
@@ -3798,6 +4150,105 @@
       </p:grpSpPr>
       <p:sp>
         <p:nvSpPr>
+          <p:cNvPr id="9" name="Rectangle 8">
+            <a:extLst>
+              <a:ext uri="{FF2B5EF4-FFF2-40B4-BE49-F238E27FC236}">
+                <a16:creationId xmlns:a16="http://schemas.microsoft.com/office/drawing/2014/main" id="{657F69E0-C4B0-4BEC-A689-4F8D877F05D4}"/>
+              </a:ext>
+              <a:ext uri="{C183D7F6-B498-43B3-948B-1728B52AA6E4}">
+                <adec:decorative xmlns:adec="http://schemas.microsoft.com/office/drawing/2017/decorative" val="1"/>
+              </a:ext>
+            </a:extLst>
+          </p:cNvPr>
+          <p:cNvSpPr>
+            <a:spLocks noGrp="1" noRot="1" noChangeAspect="1" noMove="1" noResize="1" noEditPoints="1" noAdjustHandles="1" noChangeArrowheads="1" noChangeShapeType="1" noTextEdit="1"/>
+          </p:cNvSpPr>
+          <p:nvPr>
+            <p:extLst>
+              <p:ext uri="{386F3935-93C4-4BCD-93E2-E3B085C9AB24}">
+                <p16:designElem xmlns:p16="http://schemas.microsoft.com/office/powerpoint/2015/main" val="1"/>
+              </p:ext>
+            </p:extLst>
+          </p:nvPr>
+        </p:nvSpPr>
+        <p:spPr>
+          <a:xfrm>
+            <a:off x="0" y="0"/>
+            <a:ext cx="12188952" cy="6858000"/>
+          </a:xfrm>
+          <a:prstGeom prst="rect">
+            <a:avLst/>
+          </a:prstGeom>
+          <a:solidFill>
+            <a:schemeClr val="tx1"/>
+          </a:solidFill>
+          <a:ln>
+            <a:noFill/>
+          </a:ln>
+        </p:spPr>
+        <p:style>
+          <a:lnRef idx="2">
+            <a:schemeClr val="accent1">
+              <a:shade val="50000"/>
+            </a:schemeClr>
+          </a:lnRef>
+          <a:fillRef idx="1">
+            <a:schemeClr val="accent1"/>
+          </a:fillRef>
+          <a:effectRef idx="0">
+            <a:schemeClr val="accent1"/>
+          </a:effectRef>
+          <a:fontRef idx="minor">
+            <a:schemeClr val="lt1"/>
+          </a:fontRef>
+        </p:style>
+        <p:txBody>
+          <a:bodyPr rtlCol="0" anchor="ctr"/>
+          <a:lstStyle/>
+          <a:p>
+            <a:pPr algn="ctr"/>
+            <a:endParaRPr lang="en-US"/>
+          </a:p>
+        </p:txBody>
+      </p:sp>
+      <p:pic>
+        <p:nvPicPr>
+          <p:cNvPr id="4" name="그림 3" descr="페인팅, 스케치, 예술, 그림이(가) 표시된 사진&#10;&#10;자동 생성된 설명">
+            <a:extLst>
+              <a:ext uri="{FF2B5EF4-FFF2-40B4-BE49-F238E27FC236}">
+                <a16:creationId xmlns:a16="http://schemas.microsoft.com/office/drawing/2014/main" id="{7D82D4C7-7ACB-AD5D-C4DD-52AB85B490A2}"/>
+              </a:ext>
+            </a:extLst>
+          </p:cNvPr>
+          <p:cNvPicPr>
+            <a:picLocks noChangeAspect="1"/>
+          </p:cNvPicPr>
+          <p:nvPr/>
+        </p:nvPicPr>
+        <p:blipFill>
+          <a:blip r:embed="rId2">
+            <a:alphaModFix amt="50000"/>
+            <a:extLst>
+              <a:ext uri="{28A0092B-C50C-407E-A947-70E740481C1C}">
+                <a14:useLocalDpi xmlns:a14="http://schemas.microsoft.com/office/drawing/2010/main" val="0"/>
+              </a:ext>
+            </a:extLst>
+          </a:blip>
+          <a:srcRect t="50636" r="1" b="5619"/>
+          <a:stretch/>
+        </p:blipFill>
+        <p:spPr>
+          <a:xfrm>
+            <a:off x="20" y="10"/>
+            <a:ext cx="12188930" cy="6857990"/>
+          </a:xfrm>
+          <a:prstGeom prst="rect">
+            <a:avLst/>
+          </a:prstGeom>
+        </p:spPr>
+      </p:pic>
+      <p:sp>
+        <p:nvSpPr>
           <p:cNvPr id="2" name="제목 1">
             <a:extLst>
               <a:ext uri="{FF2B5EF4-FFF2-40B4-BE49-F238E27FC236}">
@@ -3812,16 +4263,41 @@
             <p:ph type="ctrTitle"/>
           </p:nvPr>
         </p:nvSpPr>
-        <p:spPr/>
+        <p:spPr>
+          <a:xfrm>
+            <a:off x="1524000" y="1122363"/>
+            <a:ext cx="9144000" cy="3063240"/>
+          </a:xfrm>
+        </p:spPr>
         <p:txBody>
-          <a:bodyPr/>
+          <a:bodyPr>
+            <a:normAutofit/>
+          </a:bodyPr>
           <a:lstStyle/>
           <a:p>
             <a:r>
-              <a:rPr lang="ko-KR" altLang="en-US"/>
-              <a:t>게임 기획서 및 흐름 소개</a:t>
-            </a:r>
-            <a:endParaRPr lang="ko-KR" altLang="en-US" dirty="0"/>
+              <a:rPr lang="ko-KR" altLang="en-US" sz="6600" dirty="0">
+                <a:solidFill>
+                  <a:schemeClr val="bg1"/>
+                </a:solidFill>
+              </a:rPr>
+              <a:t>게임 기획서 및 </a:t>
+            </a:r>
+            <a:br>
+              <a:rPr lang="en-US" altLang="ko-KR" sz="6600" dirty="0">
+                <a:solidFill>
+                  <a:schemeClr val="bg1"/>
+                </a:solidFill>
+              </a:rPr>
+            </a:br>
+            <a:r>
+              <a:rPr lang="ko-KR" altLang="en-US" sz="6600" dirty="0">
+                <a:solidFill>
+                  <a:schemeClr val="bg1"/>
+                </a:solidFill>
+              </a:rPr>
+              <a:t>흐름 소개</a:t>
+            </a:r>
           </a:p>
         </p:txBody>
       </p:sp>
@@ -3841,12 +4317,370 @@
             <p:ph type="subTitle" idx="1"/>
           </p:nvPr>
         </p:nvSpPr>
-        <p:spPr/>
+        <p:spPr>
+          <a:xfrm>
+            <a:off x="1527048" y="4599432"/>
+            <a:ext cx="9144000" cy="1536192"/>
+          </a:xfrm>
+        </p:spPr>
         <p:txBody>
-          <a:bodyPr/>
+          <a:bodyPr>
+            <a:normAutofit/>
+          </a:bodyPr>
           <a:lstStyle/>
           <a:p>
-            <a:endParaRPr lang="ko-KR" altLang="en-US" dirty="0"/>
+            <a:endParaRPr lang="ko-KR" altLang="en-US">
+              <a:solidFill>
+                <a:schemeClr val="bg1"/>
+              </a:solidFill>
+            </a:endParaRPr>
+          </a:p>
+        </p:txBody>
+      </p:sp>
+      <p:sp>
+        <p:nvSpPr>
+          <p:cNvPr id="11" name="sketchy line">
+            <a:extLst>
+              <a:ext uri="{FF2B5EF4-FFF2-40B4-BE49-F238E27FC236}">
+                <a16:creationId xmlns:a16="http://schemas.microsoft.com/office/drawing/2014/main" id="{9F6380B4-6A1C-481E-8408-B4E6C75B9B81}"/>
+              </a:ext>
+              <a:ext uri="{C183D7F6-B498-43B3-948B-1728B52AA6E4}">
+                <adec:decorative xmlns:adec="http://schemas.microsoft.com/office/drawing/2017/decorative" val="1"/>
+              </a:ext>
+            </a:extLst>
+          </p:cNvPr>
+          <p:cNvSpPr>
+            <a:spLocks noGrp="1" noRot="1" noChangeAspect="1" noMove="1" noResize="1" noEditPoints="1" noAdjustHandles="1" noChangeArrowheads="1" noChangeShapeType="1" noTextEdit="1"/>
+          </p:cNvSpPr>
+          <p:nvPr>
+            <p:extLst>
+              <p:ext uri="{386F3935-93C4-4BCD-93E2-E3B085C9AB24}">
+                <p16:designElem xmlns:p16="http://schemas.microsoft.com/office/powerpoint/2015/main" val="1"/>
+              </p:ext>
+            </p:extLst>
+          </p:nvPr>
+        </p:nvSpPr>
+        <p:spPr>
+          <a:xfrm>
+            <a:off x="3974206" y="4368623"/>
+            <a:ext cx="4243589" cy="18288"/>
+          </a:xfrm>
+          <a:custGeom>
+            <a:avLst/>
+            <a:gdLst>
+              <a:gd name="connsiteX0" fmla="*/ 0 w 4243589"/>
+              <a:gd name="connsiteY0" fmla="*/ 0 h 18288"/>
+              <a:gd name="connsiteX1" fmla="*/ 478919 w 4243589"/>
+              <a:gd name="connsiteY1" fmla="*/ 0 h 18288"/>
+              <a:gd name="connsiteX2" fmla="*/ 957839 w 4243589"/>
+              <a:gd name="connsiteY2" fmla="*/ 0 h 18288"/>
+              <a:gd name="connsiteX3" fmla="*/ 1521630 w 4243589"/>
+              <a:gd name="connsiteY3" fmla="*/ 0 h 18288"/>
+              <a:gd name="connsiteX4" fmla="*/ 2212729 w 4243589"/>
+              <a:gd name="connsiteY4" fmla="*/ 0 h 18288"/>
+              <a:gd name="connsiteX5" fmla="*/ 2734084 w 4243589"/>
+              <a:gd name="connsiteY5" fmla="*/ 0 h 18288"/>
+              <a:gd name="connsiteX6" fmla="*/ 3255439 w 4243589"/>
+              <a:gd name="connsiteY6" fmla="*/ 0 h 18288"/>
+              <a:gd name="connsiteX7" fmla="*/ 4243589 w 4243589"/>
+              <a:gd name="connsiteY7" fmla="*/ 0 h 18288"/>
+              <a:gd name="connsiteX8" fmla="*/ 4243589 w 4243589"/>
+              <a:gd name="connsiteY8" fmla="*/ 18288 h 18288"/>
+              <a:gd name="connsiteX9" fmla="*/ 3594926 w 4243589"/>
+              <a:gd name="connsiteY9" fmla="*/ 18288 h 18288"/>
+              <a:gd name="connsiteX10" fmla="*/ 3073571 w 4243589"/>
+              <a:gd name="connsiteY10" fmla="*/ 18288 h 18288"/>
+              <a:gd name="connsiteX11" fmla="*/ 2552216 w 4243589"/>
+              <a:gd name="connsiteY11" fmla="*/ 18288 h 18288"/>
+              <a:gd name="connsiteX12" fmla="*/ 1903553 w 4243589"/>
+              <a:gd name="connsiteY12" fmla="*/ 18288 h 18288"/>
+              <a:gd name="connsiteX13" fmla="*/ 1212454 w 4243589"/>
+              <a:gd name="connsiteY13" fmla="*/ 18288 h 18288"/>
+              <a:gd name="connsiteX14" fmla="*/ 733535 w 4243589"/>
+              <a:gd name="connsiteY14" fmla="*/ 18288 h 18288"/>
+              <a:gd name="connsiteX15" fmla="*/ 0 w 4243589"/>
+              <a:gd name="connsiteY15" fmla="*/ 18288 h 18288"/>
+              <a:gd name="connsiteX16" fmla="*/ 0 w 4243589"/>
+              <a:gd name="connsiteY16" fmla="*/ 0 h 18288"/>
+            </a:gdLst>
+            <a:ahLst/>
+            <a:cxnLst>
+              <a:cxn ang="0">
+                <a:pos x="connsiteX0" y="connsiteY0"/>
+              </a:cxn>
+              <a:cxn ang="0">
+                <a:pos x="connsiteX1" y="connsiteY1"/>
+              </a:cxn>
+              <a:cxn ang="0">
+                <a:pos x="connsiteX2" y="connsiteY2"/>
+              </a:cxn>
+              <a:cxn ang="0">
+                <a:pos x="connsiteX3" y="connsiteY3"/>
+              </a:cxn>
+              <a:cxn ang="0">
+                <a:pos x="connsiteX4" y="connsiteY4"/>
+              </a:cxn>
+              <a:cxn ang="0">
+                <a:pos x="connsiteX5" y="connsiteY5"/>
+              </a:cxn>
+              <a:cxn ang="0">
+                <a:pos x="connsiteX6" y="connsiteY6"/>
+              </a:cxn>
+              <a:cxn ang="0">
+                <a:pos x="connsiteX7" y="connsiteY7"/>
+              </a:cxn>
+              <a:cxn ang="0">
+                <a:pos x="connsiteX8" y="connsiteY8"/>
+              </a:cxn>
+              <a:cxn ang="0">
+                <a:pos x="connsiteX9" y="connsiteY9"/>
+              </a:cxn>
+              <a:cxn ang="0">
+                <a:pos x="connsiteX10" y="connsiteY10"/>
+              </a:cxn>
+              <a:cxn ang="0">
+                <a:pos x="connsiteX11" y="connsiteY11"/>
+              </a:cxn>
+              <a:cxn ang="0">
+                <a:pos x="connsiteX12" y="connsiteY12"/>
+              </a:cxn>
+              <a:cxn ang="0">
+                <a:pos x="connsiteX13" y="connsiteY13"/>
+              </a:cxn>
+              <a:cxn ang="0">
+                <a:pos x="connsiteX14" y="connsiteY14"/>
+              </a:cxn>
+              <a:cxn ang="0">
+                <a:pos x="connsiteX15" y="connsiteY15"/>
+              </a:cxn>
+              <a:cxn ang="0">
+                <a:pos x="connsiteX16" y="connsiteY16"/>
+              </a:cxn>
+            </a:cxnLst>
+            <a:rect l="l" t="t" r="r" b="b"/>
+            <a:pathLst>
+              <a:path w="4243589" h="18288" fill="none" extrusionOk="0">
+                <a:moveTo>
+                  <a:pt x="0" y="0"/>
+                </a:moveTo>
+                <a:cubicBezTo>
+                  <a:pt x="213395" y="-21006"/>
+                  <a:pt x="307421" y="-18116"/>
+                  <a:pt x="478919" y="0"/>
+                </a:cubicBezTo>
+                <a:cubicBezTo>
+                  <a:pt x="650417" y="18116"/>
+                  <a:pt x="831092" y="-21237"/>
+                  <a:pt x="957839" y="0"/>
+                </a:cubicBezTo>
+                <a:cubicBezTo>
+                  <a:pt x="1084586" y="21237"/>
+                  <a:pt x="1301682" y="25124"/>
+                  <a:pt x="1521630" y="0"/>
+                </a:cubicBezTo>
+                <a:cubicBezTo>
+                  <a:pt x="1741578" y="-25124"/>
+                  <a:pt x="1970269" y="-29139"/>
+                  <a:pt x="2212729" y="0"/>
+                </a:cubicBezTo>
+                <a:cubicBezTo>
+                  <a:pt x="2455189" y="29139"/>
+                  <a:pt x="2558847" y="-4796"/>
+                  <a:pt x="2734084" y="0"/>
+                </a:cubicBezTo>
+                <a:cubicBezTo>
+                  <a:pt x="2909321" y="4796"/>
+                  <a:pt x="3097217" y="-13409"/>
+                  <a:pt x="3255439" y="0"/>
+                </a:cubicBezTo>
+                <a:cubicBezTo>
+                  <a:pt x="3413662" y="13409"/>
+                  <a:pt x="3979999" y="-10121"/>
+                  <a:pt x="4243589" y="0"/>
+                </a:cubicBezTo>
+                <a:cubicBezTo>
+                  <a:pt x="4244484" y="8974"/>
+                  <a:pt x="4243043" y="9359"/>
+                  <a:pt x="4243589" y="18288"/>
+                </a:cubicBezTo>
+                <a:cubicBezTo>
+                  <a:pt x="4058777" y="31246"/>
+                  <a:pt x="3910348" y="3158"/>
+                  <a:pt x="3594926" y="18288"/>
+                </a:cubicBezTo>
+                <a:cubicBezTo>
+                  <a:pt x="3279504" y="33418"/>
+                  <a:pt x="3319955" y="-3977"/>
+                  <a:pt x="3073571" y="18288"/>
+                </a:cubicBezTo>
+                <a:cubicBezTo>
+                  <a:pt x="2827187" y="40553"/>
+                  <a:pt x="2767387" y="1863"/>
+                  <a:pt x="2552216" y="18288"/>
+                </a:cubicBezTo>
+                <a:cubicBezTo>
+                  <a:pt x="2337046" y="34713"/>
+                  <a:pt x="2181871" y="19527"/>
+                  <a:pt x="1903553" y="18288"/>
+                </a:cubicBezTo>
+                <a:cubicBezTo>
+                  <a:pt x="1625235" y="17049"/>
+                  <a:pt x="1557672" y="24174"/>
+                  <a:pt x="1212454" y="18288"/>
+                </a:cubicBezTo>
+                <a:cubicBezTo>
+                  <a:pt x="867236" y="12402"/>
+                  <a:pt x="874382" y="15627"/>
+                  <a:pt x="733535" y="18288"/>
+                </a:cubicBezTo>
+                <a:cubicBezTo>
+                  <a:pt x="592688" y="20949"/>
+                  <a:pt x="183477" y="14753"/>
+                  <a:pt x="0" y="18288"/>
+                </a:cubicBezTo>
+                <a:cubicBezTo>
+                  <a:pt x="-229" y="14222"/>
+                  <a:pt x="509" y="5816"/>
+                  <a:pt x="0" y="0"/>
+                </a:cubicBezTo>
+                <a:close/>
+              </a:path>
+              <a:path w="4243589" h="18288" stroke="0" extrusionOk="0">
+                <a:moveTo>
+                  <a:pt x="0" y="0"/>
+                </a:moveTo>
+                <a:cubicBezTo>
+                  <a:pt x="143690" y="16630"/>
+                  <a:pt x="266667" y="14847"/>
+                  <a:pt x="521355" y="0"/>
+                </a:cubicBezTo>
+                <a:cubicBezTo>
+                  <a:pt x="776043" y="-14847"/>
+                  <a:pt x="814491" y="-17363"/>
+                  <a:pt x="1000275" y="0"/>
+                </a:cubicBezTo>
+                <a:cubicBezTo>
+                  <a:pt x="1186059" y="17363"/>
+                  <a:pt x="1352504" y="-23507"/>
+                  <a:pt x="1521630" y="0"/>
+                </a:cubicBezTo>
+                <a:cubicBezTo>
+                  <a:pt x="1690756" y="23507"/>
+                  <a:pt x="1889525" y="5871"/>
+                  <a:pt x="2127857" y="0"/>
+                </a:cubicBezTo>
+                <a:cubicBezTo>
+                  <a:pt x="2366189" y="-5871"/>
+                  <a:pt x="2620628" y="-27997"/>
+                  <a:pt x="2776520" y="0"/>
+                </a:cubicBezTo>
+                <a:cubicBezTo>
+                  <a:pt x="2932412" y="27997"/>
+                  <a:pt x="3131683" y="-25073"/>
+                  <a:pt x="3467618" y="0"/>
+                </a:cubicBezTo>
+                <a:cubicBezTo>
+                  <a:pt x="3803553" y="25073"/>
+                  <a:pt x="4017371" y="3071"/>
+                  <a:pt x="4243589" y="0"/>
+                </a:cubicBezTo>
+                <a:cubicBezTo>
+                  <a:pt x="4243134" y="6162"/>
+                  <a:pt x="4243492" y="11775"/>
+                  <a:pt x="4243589" y="18288"/>
+                </a:cubicBezTo>
+                <a:cubicBezTo>
+                  <a:pt x="4017834" y="-5779"/>
+                  <a:pt x="3834586" y="13376"/>
+                  <a:pt x="3594926" y="18288"/>
+                </a:cubicBezTo>
+                <a:cubicBezTo>
+                  <a:pt x="3355266" y="23200"/>
+                  <a:pt x="3204179" y="2869"/>
+                  <a:pt x="2903827" y="18288"/>
+                </a:cubicBezTo>
+                <a:cubicBezTo>
+                  <a:pt x="2603475" y="33707"/>
+                  <a:pt x="2526187" y="46187"/>
+                  <a:pt x="2212729" y="18288"/>
+                </a:cubicBezTo>
+                <a:cubicBezTo>
+                  <a:pt x="1899271" y="-9611"/>
+                  <a:pt x="1966289" y="29692"/>
+                  <a:pt x="1733809" y="18288"/>
+                </a:cubicBezTo>
+                <a:cubicBezTo>
+                  <a:pt x="1501329" y="6884"/>
+                  <a:pt x="1343612" y="12492"/>
+                  <a:pt x="1085146" y="18288"/>
+                </a:cubicBezTo>
+                <a:cubicBezTo>
+                  <a:pt x="826680" y="24084"/>
+                  <a:pt x="778184" y="35607"/>
+                  <a:pt x="521355" y="18288"/>
+                </a:cubicBezTo>
+                <a:cubicBezTo>
+                  <a:pt x="264526" y="969"/>
+                  <a:pt x="120277" y="4268"/>
+                  <a:pt x="0" y="18288"/>
+                </a:cubicBezTo>
+                <a:cubicBezTo>
+                  <a:pt x="766" y="10800"/>
+                  <a:pt x="-457" y="8180"/>
+                  <a:pt x="0" y="0"/>
+                </a:cubicBezTo>
+                <a:close/>
+              </a:path>
+            </a:pathLst>
+          </a:custGeom>
+          <a:solidFill>
+            <a:srgbClr val="FFFFFF">
+              <a:alpha val="75000"/>
+            </a:srgbClr>
+          </a:solidFill>
+          <a:ln w="44450" cap="rnd">
+            <a:solidFill>
+              <a:schemeClr val="bg1">
+                <a:alpha val="75000"/>
+              </a:schemeClr>
+            </a:solidFill>
+            <a:round/>
+            <a:extLst>
+              <a:ext uri="{C807C97D-BFC1-408E-A445-0C87EB9F89A2}">
+                <ask:lineSketchStyleProps xmlns:ask="http://schemas.microsoft.com/office/drawing/2018/sketchyshapes" sd="2727557108">
+                  <a:prstGeom prst="rect">
+                    <a:avLst/>
+                  </a:prstGeom>
+                  <ask:type>
+                    <ask:lineSketchFreehand/>
+                  </ask:type>
+                </ask:lineSketchStyleProps>
+              </a:ext>
+            </a:extLst>
+          </a:ln>
+        </p:spPr>
+        <p:style>
+          <a:lnRef idx="2">
+            <a:schemeClr val="accent1">
+              <a:shade val="50000"/>
+            </a:schemeClr>
+          </a:lnRef>
+          <a:fillRef idx="1">
+            <a:schemeClr val="accent1"/>
+          </a:fillRef>
+          <a:effectRef idx="0">
+            <a:schemeClr val="accent1"/>
+          </a:effectRef>
+          <a:fontRef idx="minor">
+            <a:schemeClr val="lt1"/>
+          </a:fontRef>
+        </p:style>
+        <p:txBody>
+          <a:bodyPr rtlCol="0" anchor="ctr"/>
+          <a:lstStyle/>
+          <a:p>
+            <a:pPr algn="ctr"/>
+            <a:endParaRPr lang="en-US"/>
           </a:p>
         </p:txBody>
       </p:sp>
@@ -3886,6 +4720,42 @@
           <a:chExt cx="0" cy="0"/>
         </a:xfrm>
       </p:grpSpPr>
+      <p:pic>
+        <p:nvPicPr>
+          <p:cNvPr id="58" name="그림 57" descr="페인팅, 스케치, 예술, 그림이(가) 표시된 사진&#10;&#10;자동 생성된 설명">
+            <a:extLst>
+              <a:ext uri="{FF2B5EF4-FFF2-40B4-BE49-F238E27FC236}">
+                <a16:creationId xmlns:a16="http://schemas.microsoft.com/office/drawing/2014/main" id="{0FA41773-31BF-AAA8-D401-F50C89576C3F}"/>
+              </a:ext>
+            </a:extLst>
+          </p:cNvPr>
+          <p:cNvPicPr>
+            <a:picLocks noChangeAspect="1"/>
+          </p:cNvPicPr>
+          <p:nvPr/>
+        </p:nvPicPr>
+        <p:blipFill>
+          <a:blip r:embed="rId2">
+            <a:alphaModFix amt="51000"/>
+            <a:extLst>
+              <a:ext uri="{28A0092B-C50C-407E-A947-70E740481C1C}">
+                <a14:useLocalDpi xmlns:a14="http://schemas.microsoft.com/office/drawing/2010/main" val="0"/>
+              </a:ext>
+            </a:extLst>
+          </a:blip>
+          <a:srcRect t="50636" r="1" b="5619"/>
+          <a:stretch/>
+        </p:blipFill>
+        <p:spPr>
+          <a:xfrm>
+            <a:off x="20" y="10"/>
+            <a:ext cx="12188930" cy="6857990"/>
+          </a:xfrm>
+          <a:prstGeom prst="rect">
+            <a:avLst/>
+          </a:prstGeom>
+        </p:spPr>
+      </p:pic>
       <p:sp>
         <p:nvSpPr>
           <p:cNvPr id="6" name="TextBox 5">
@@ -4322,7 +5192,7 @@
               <p:nvPr/>
             </p:nvPicPr>
             <p:blipFill>
-              <a:blip r:embed="rId2">
+              <a:blip r:embed="rId3">
                 <a:alphaModFix amt="20000"/>
                 <a:extLst>
                   <a:ext uri="{28A0092B-C50C-407E-A947-70E740481C1C}">
@@ -4441,7 +5311,7 @@
               <p:nvPr/>
             </p:nvPicPr>
             <p:blipFill>
-              <a:blip r:embed="rId3">
+              <a:blip r:embed="rId4">
                 <a:alphaModFix amt="20000"/>
                 <a:extLst>
                   <a:ext uri="{28A0092B-C50C-407E-A947-70E740481C1C}">
@@ -4479,7 +5349,7 @@
             <p:nvPr/>
           </p:nvPicPr>
           <p:blipFill>
-            <a:blip r:embed="rId4">
+            <a:blip r:embed="rId5">
               <a:extLst>
                 <a:ext uri="{28A0092B-C50C-407E-A947-70E740481C1C}">
                   <a14:useLocalDpi xmlns:a14="http://schemas.microsoft.com/office/drawing/2010/main" val="0"/>
@@ -4515,7 +5385,7 @@
             <p:nvPr/>
           </p:nvPicPr>
           <p:blipFill>
-            <a:blip r:embed="rId5">
+            <a:blip r:embed="rId6">
               <a:extLst>
                 <a:ext uri="{28A0092B-C50C-407E-A947-70E740481C1C}">
                   <a14:useLocalDpi xmlns:a14="http://schemas.microsoft.com/office/drawing/2010/main" val="0"/>
@@ -4551,7 +5421,7 @@
             <p:nvPr/>
           </p:nvPicPr>
           <p:blipFill>
-            <a:blip r:embed="rId6">
+            <a:blip r:embed="rId7">
               <a:extLst>
                 <a:ext uri="{28A0092B-C50C-407E-A947-70E740481C1C}">
                   <a14:useLocalDpi xmlns:a14="http://schemas.microsoft.com/office/drawing/2010/main" val="0"/>
@@ -4587,7 +5457,7 @@
             <p:nvPr/>
           </p:nvPicPr>
           <p:blipFill>
-            <a:blip r:embed="rId7">
+            <a:blip r:embed="rId8">
               <a:alphaModFix amt="20000"/>
               <a:extLst>
                 <a:ext uri="{28A0092B-C50C-407E-A947-70E740481C1C}">
@@ -4624,7 +5494,7 @@
             <p:nvPr/>
           </p:nvPicPr>
           <p:blipFill>
-            <a:blip r:embed="rId8">
+            <a:blip r:embed="rId9">
               <a:extLst>
                 <a:ext uri="{28A0092B-C50C-407E-A947-70E740481C1C}">
                   <a14:useLocalDpi xmlns:a14="http://schemas.microsoft.com/office/drawing/2010/main" val="0"/>
@@ -4738,7 +5608,7 @@
               <p:nvPr/>
             </p:nvPicPr>
             <p:blipFill>
-              <a:blip r:embed="rId9">
+              <a:blip r:embed="rId10">
                 <a:alphaModFix amt="20000"/>
                 <a:extLst>
                   <a:ext uri="{28A0092B-C50C-407E-A947-70E740481C1C}">
@@ -4854,7 +5724,7 @@
               <p:nvPr/>
             </p:nvPicPr>
             <p:blipFill>
-              <a:blip r:embed="rId10">
+              <a:blip r:embed="rId11">
                 <a:extLst>
                   <a:ext uri="{28A0092B-C50C-407E-A947-70E740481C1C}">
                     <a14:useLocalDpi xmlns:a14="http://schemas.microsoft.com/office/drawing/2010/main" val="0"/>
@@ -4892,12 +5762,12 @@
           <p:nvPr/>
         </p:nvPicPr>
         <p:blipFill>
-          <a:blip r:embed="rId11">
+          <a:blip r:embed="rId12">
             <a:alphaModFix amt="87000"/>
             <a:extLst>
               <a:ext uri="{BEBA8EAE-BF5A-486C-A8C5-ECC9F3942E4B}">
                 <a14:imgProps xmlns:a14="http://schemas.microsoft.com/office/drawing/2010/main">
-                  <a14:imgLayer r:embed="rId12">
+                  <a14:imgLayer r:embed="rId13">
                     <a14:imgEffect>
                       <a14:sharpenSoften amount="100000"/>
                     </a14:imgEffect>
@@ -4940,13 +5810,21 @@
         </p:nvSpPr>
         <p:spPr>
           <a:xfrm>
-            <a:off x="1981200" y="4406448"/>
-            <a:ext cx="3686053" cy="2031325"/>
+            <a:off x="1619250" y="4406448"/>
+            <a:ext cx="4048003" cy="2031325"/>
           </a:xfrm>
           <a:prstGeom prst="rect">
             <a:avLst/>
           </a:prstGeom>
-          <a:noFill/>
+          <a:solidFill>
+            <a:schemeClr val="bg1"/>
+          </a:solidFill>
+          <a:ln w="28575">
+            <a:solidFill>
+              <a:srgbClr val="0070C0"/>
+            </a:solidFill>
+            <a:prstDash val="sysDash"/>
+          </a:ln>
         </p:spPr>
         <p:txBody>
           <a:bodyPr wrap="square" rtlCol="0">
@@ -5042,7 +5920,7 @@
                 <a:latin typeface="HY견고딕" panose="02030600000101010101" pitchFamily="18" charset="-127"/>
                 <a:ea typeface="HY견고딕" panose="02030600000101010101" pitchFamily="18" charset="-127"/>
               </a:rPr>
-              <a:t>오벨리스크</a:t>
+              <a:t>중앙 오벨리스크</a:t>
             </a:r>
             <a:r>
               <a:rPr lang="en-US" altLang="ko-KR" dirty="0">
@@ -5262,13 +6140,10 @@
               </a:rPr>
               <a:t> 몬스터 필드가 존재</a:t>
             </a:r>
-            <a:r>
-              <a:rPr lang="en-US" altLang="ko-KR" dirty="0">
-                <a:latin typeface="HY헤드라인M" panose="02030600000101010101" pitchFamily="18" charset="-127"/>
-                <a:ea typeface="HY헤드라인M" panose="02030600000101010101" pitchFamily="18" charset="-127"/>
-              </a:rPr>
-              <a:t>]</a:t>
-            </a:r>
+            <a:endParaRPr lang="en-US" altLang="ko-KR" dirty="0">
+              <a:latin typeface="HY헤드라인M" panose="02030600000101010101" pitchFamily="18" charset="-127"/>
+              <a:ea typeface="HY헤드라인M" panose="02030600000101010101" pitchFamily="18" charset="-127"/>
+            </a:endParaRPr>
           </a:p>
           <a:p>
             <a:pPr marL="285750" indent="-285750">
@@ -5296,6 +6171,13 @@
               <a:buChar char="•"/>
             </a:pPr>
             <a:r>
+              <a:rPr lang="ko-KR" altLang="en-US" dirty="0">
+                <a:latin typeface="HY헤드라인M" panose="02030600000101010101" pitchFamily="18" charset="-127"/>
+                <a:ea typeface="HY헤드라인M" panose="02030600000101010101" pitchFamily="18" charset="-127"/>
+              </a:rPr>
+              <a:t>살아있는 동안 </a:t>
+            </a:r>
+            <a:r>
               <a:rPr lang="en-US" altLang="ko-KR" dirty="0">
                 <a:latin typeface="HY헤드라인M" panose="02030600000101010101" pitchFamily="18" charset="-127"/>
                 <a:ea typeface="HY헤드라인M" panose="02030600000101010101" pitchFamily="18" charset="-127"/>
@@ -5307,14 +6189,7 @@
                 <a:latin typeface="HY헤드라인M" panose="02030600000101010101" pitchFamily="18" charset="-127"/>
                 <a:ea typeface="HY헤드라인M" panose="02030600000101010101" pitchFamily="18" charset="-127"/>
               </a:rPr>
-              <a:t>개의 필드에서 살아있는 동안 몬스터 필드를 방문하여 모든 몬스터를 처치해야 시련이 </a:t>
-            </a:r>
-            <a:r>
-              <a:rPr lang="ko-KR" altLang="en-US" dirty="0" err="1">
-                <a:latin typeface="HY헤드라인M" panose="02030600000101010101" pitchFamily="18" charset="-127"/>
-                <a:ea typeface="HY헤드라인M" panose="02030600000101010101" pitchFamily="18" charset="-127"/>
-              </a:rPr>
-              <a:t>줄어들음</a:t>
+              <a:t>개의 몬스터 필드를 방문하여 모든 몬스터를 처치하며 게임이 진행됨</a:t>
             </a:r>
             <a:r>
               <a:rPr lang="en-US" altLang="ko-KR" dirty="0">
@@ -5344,7 +6219,28 @@
                 <a:latin typeface="HY헤드라인M" panose="02030600000101010101" pitchFamily="18" charset="-127"/>
                 <a:ea typeface="HY헤드라인M" panose="02030600000101010101" pitchFamily="18" charset="-127"/>
               </a:rPr>
-              <a:t>시련은 몬스터 필드에 직접적인 영향을 줌</a:t>
+              <a:t>몬스터를 처치하지 못할 시 시련이라는 </a:t>
+            </a:r>
+            <a:r>
+              <a:rPr lang="ko-KR" altLang="en-US" dirty="0" err="1">
+                <a:latin typeface="HY헤드라인M" panose="02030600000101010101" pitchFamily="18" charset="-127"/>
+                <a:ea typeface="HY헤드라인M" panose="02030600000101010101" pitchFamily="18" charset="-127"/>
+              </a:rPr>
+              <a:t>패널티부가</a:t>
+            </a:r>
+            <a:r>
+              <a:rPr lang="en-US" altLang="ko-KR" dirty="0">
+                <a:latin typeface="HY헤드라인M" panose="02030600000101010101" pitchFamily="18" charset="-127"/>
+                <a:ea typeface="HY헤드라인M" panose="02030600000101010101" pitchFamily="18" charset="-127"/>
+              </a:rPr>
+              <a:t>. </a:t>
+            </a:r>
+            <a:r>
+              <a:rPr lang="ko-KR" altLang="en-US" dirty="0">
+                <a:latin typeface="HY헤드라인M" panose="02030600000101010101" pitchFamily="18" charset="-127"/>
+                <a:ea typeface="HY헤드라인M" panose="02030600000101010101" pitchFamily="18" charset="-127"/>
+              </a:rPr>
+              <a:t> 몬스터 필드에 직접적인 영향을 줌</a:t>
             </a:r>
             <a:endParaRPr lang="en-US" altLang="ko-KR" dirty="0">
               <a:latin typeface="HY헤드라인M" panose="02030600000101010101" pitchFamily="18" charset="-127"/>
@@ -5405,10 +6301,10 @@
       </p:grpSpPr>
       <p:pic>
         <p:nvPicPr>
-          <p:cNvPr id="11" name="그림 10" descr="블랙, 어둠이(가) 표시된 사진&#10;&#10;자동 생성된 설명">
-            <a:extLst>
-              <a:ext uri="{FF2B5EF4-FFF2-40B4-BE49-F238E27FC236}">
-                <a16:creationId xmlns:a16="http://schemas.microsoft.com/office/drawing/2014/main" id="{44C34A2A-EA83-C2BD-78C8-E5C2D24BB5FD}"/>
+          <p:cNvPr id="16" name="그림 15" descr="페인팅, 스케치, 예술, 그림이(가) 표시된 사진&#10;&#10;자동 생성된 설명">
+            <a:extLst>
+              <a:ext uri="{FF2B5EF4-FFF2-40B4-BE49-F238E27FC236}">
+                <a16:creationId xmlns:a16="http://schemas.microsoft.com/office/drawing/2014/main" id="{1F0CE125-3F8E-34BC-E133-F24A92405E4A}"/>
               </a:ext>
             </a:extLst>
           </p:cNvPr>
@@ -5419,6 +6315,42 @@
         </p:nvPicPr>
         <p:blipFill>
           <a:blip r:embed="rId2">
+            <a:alphaModFix amt="51000"/>
+            <a:extLst>
+              <a:ext uri="{28A0092B-C50C-407E-A947-70E740481C1C}">
+                <a14:useLocalDpi xmlns:a14="http://schemas.microsoft.com/office/drawing/2010/main" val="0"/>
+              </a:ext>
+            </a:extLst>
+          </a:blip>
+          <a:srcRect t="50636" r="1" b="5619"/>
+          <a:stretch/>
+        </p:blipFill>
+        <p:spPr>
+          <a:xfrm>
+            <a:off x="20" y="10"/>
+            <a:ext cx="12188930" cy="6857990"/>
+          </a:xfrm>
+          <a:prstGeom prst="rect">
+            <a:avLst/>
+          </a:prstGeom>
+        </p:spPr>
+      </p:pic>
+      <p:pic>
+        <p:nvPicPr>
+          <p:cNvPr id="11" name="그림 10" descr="블랙, 어둠이(가) 표시된 사진&#10;&#10;자동 생성된 설명">
+            <a:extLst>
+              <a:ext uri="{FF2B5EF4-FFF2-40B4-BE49-F238E27FC236}">
+                <a16:creationId xmlns:a16="http://schemas.microsoft.com/office/drawing/2014/main" id="{44C34A2A-EA83-C2BD-78C8-E5C2D24BB5FD}"/>
+              </a:ext>
+            </a:extLst>
+          </p:cNvPr>
+          <p:cNvPicPr>
+            <a:picLocks noChangeAspect="1"/>
+          </p:cNvPicPr>
+          <p:nvPr/>
+        </p:nvPicPr>
+        <p:blipFill>
+          <a:blip r:embed="rId3">
             <a:extLst>
               <a:ext uri="{28A0092B-C50C-407E-A947-70E740481C1C}">
                 <a14:useLocalDpi xmlns:a14="http://schemas.microsoft.com/office/drawing/2010/main" val="0"/>
@@ -5459,7 +6391,7 @@
           <p:nvPr/>
         </p:nvPicPr>
         <p:blipFill>
-          <a:blip r:embed="rId3">
+          <a:blip r:embed="rId4">
             <a:extLst>
               <a:ext uri="{28A0092B-C50C-407E-A947-70E740481C1C}">
                 <a14:useLocalDpi xmlns:a14="http://schemas.microsoft.com/office/drawing/2010/main" val="0"/>
@@ -5547,8 +6479,8 @@
         </p:nvSpPr>
         <p:spPr>
           <a:xfrm>
-            <a:off x="6248400" y="2466062"/>
-            <a:ext cx="5653758" cy="3539430"/>
+            <a:off x="6248399" y="2466061"/>
+            <a:ext cx="5781675" cy="3539430"/>
           </a:xfrm>
           <a:prstGeom prst="rect">
             <a:avLst/>
@@ -5602,7 +6534,41 @@
                 <a:latin typeface="HY헤드라인M" panose="02030600000101010101" pitchFamily="18" charset="-127"/>
                 <a:ea typeface="HY헤드라인M" panose="02030600000101010101" pitchFamily="18" charset="-127"/>
               </a:rPr>
-              <a:t>시간이 다 되어 사망하면 다음 세대로 플레이</a:t>
+              <a:t>시간이 다 되어 사망하거나 체력이 </a:t>
+            </a:r>
+            <a:r>
+              <a:rPr lang="en-US" altLang="ko-KR" sz="1600" dirty="0">
+                <a:latin typeface="HY헤드라인M" panose="02030600000101010101" pitchFamily="18" charset="-127"/>
+                <a:ea typeface="HY헤드라인M" panose="02030600000101010101" pitchFamily="18" charset="-127"/>
+              </a:rPr>
+              <a:t>0</a:t>
+            </a:r>
+            <a:r>
+              <a:rPr lang="ko-KR" altLang="en-US" sz="1600" dirty="0">
+                <a:latin typeface="HY헤드라인M" panose="02030600000101010101" pitchFamily="18" charset="-127"/>
+                <a:ea typeface="HY헤드라인M" panose="02030600000101010101" pitchFamily="18" charset="-127"/>
+              </a:rPr>
+              <a:t>이 되어 사망하면 </a:t>
+            </a:r>
+            <a:br>
+              <a:rPr lang="en-US" altLang="ko-KR" sz="1600" dirty="0">
+                <a:latin typeface="HY헤드라인M" panose="02030600000101010101" pitchFamily="18" charset="-127"/>
+                <a:ea typeface="HY헤드라인M" panose="02030600000101010101" pitchFamily="18" charset="-127"/>
+              </a:rPr>
+            </a:br>
+            <a:r>
+              <a:rPr lang="en-US" altLang="ko-KR" sz="1600" dirty="0">
+                <a:latin typeface="HY헤드라인M" panose="02030600000101010101" pitchFamily="18" charset="-127"/>
+                <a:ea typeface="HY헤드라인M" panose="02030600000101010101" pitchFamily="18" charset="-127"/>
+              </a:rPr>
+              <a:t>   </a:t>
+            </a:r>
+            <a:r>
+              <a:rPr lang="ko-KR" altLang="en-US" sz="1600" dirty="0">
+                <a:latin typeface="HY헤드라인M" panose="02030600000101010101" pitchFamily="18" charset="-127"/>
+                <a:ea typeface="HY헤드라인M" panose="02030600000101010101" pitchFamily="18" charset="-127"/>
+              </a:rPr>
+              <a:t>다음 세대로 플레이</a:t>
             </a:r>
             <a:endParaRPr lang="en-US" altLang="ko-KR" sz="1600" dirty="0">
               <a:latin typeface="HY헤드라인M" panose="02030600000101010101" pitchFamily="18" charset="-127"/>
@@ -5629,7 +6595,7 @@
                 <a:latin typeface="HY헤드라인M" panose="02030600000101010101" pitchFamily="18" charset="-127"/>
                 <a:ea typeface="HY헤드라인M" panose="02030600000101010101" pitchFamily="18" charset="-127"/>
               </a:rPr>
-              <a:t>시간이 다 되어 사망하여 세대가 바뀔 때마다 플레이어의 기본 </a:t>
+              <a:t>세대가 바뀔 때마다 플레이어의 기본 </a:t>
             </a:r>
             <a:r>
               <a:rPr lang="ko-KR" altLang="en-US" sz="1600" dirty="0" err="1">
@@ -5832,7 +6798,7 @@
                 <a:latin typeface="HY헤드라인M" panose="02030600000101010101" pitchFamily="18" charset="-127"/>
                 <a:ea typeface="HY헤드라인M" panose="02030600000101010101" pitchFamily="18" charset="-127"/>
               </a:rPr>
-              <a:t>가 지나면 마지막 시련</a:t>
+              <a:t>을 소모하면 마지막 시련</a:t>
             </a:r>
             <a:r>
               <a:rPr lang="en-US" altLang="ko-KR" sz="1600" dirty="0">
@@ -6183,7 +7149,7 @@
         <p:spPr>
           <a:xfrm>
             <a:off x="375555" y="620103"/>
-            <a:ext cx="2438400" cy="1477328"/>
+            <a:ext cx="2438400" cy="1200329"/>
           </a:xfrm>
           <a:prstGeom prst="rect">
             <a:avLst/>
@@ -6256,52 +7222,6 @@
               </a:rPr>
               <a:t>플레이어의 체력</a:t>
             </a:r>
-            <a:br>
-              <a:rPr lang="en-US" altLang="ko-KR" dirty="0">
-                <a:solidFill>
-                  <a:srgbClr val="FFFF00"/>
-                </a:solidFill>
-                <a:latin typeface="HY견고딕" panose="02030600000101010101" pitchFamily="18" charset="-127"/>
-                <a:ea typeface="HY견고딕" panose="02030600000101010101" pitchFamily="18" charset="-127"/>
-              </a:rPr>
-            </a:br>
-            <a:r>
-              <a:rPr lang="en-US" altLang="ko-KR" dirty="0">
-                <a:solidFill>
-                  <a:srgbClr val="FFFF00"/>
-                </a:solidFill>
-                <a:latin typeface="HY견고딕" panose="02030600000101010101" pitchFamily="18" charset="-127"/>
-                <a:ea typeface="HY견고딕" panose="02030600000101010101" pitchFamily="18" charset="-127"/>
-              </a:rPr>
-              <a:t>(</a:t>
-            </a:r>
-            <a:r>
-              <a:rPr lang="ko-KR" altLang="en-US" dirty="0">
-                <a:solidFill>
-                  <a:srgbClr val="FFFF00"/>
-                </a:solidFill>
-                <a:latin typeface="HY견고딕" panose="02030600000101010101" pitchFamily="18" charset="-127"/>
-                <a:ea typeface="HY견고딕" panose="02030600000101010101" pitchFamily="18" charset="-127"/>
-              </a:rPr>
-              <a:t>시간</a:t>
-            </a:r>
-            <a:r>
-              <a:rPr lang="en-US" altLang="ko-KR" dirty="0">
-                <a:solidFill>
-                  <a:srgbClr val="FFFF00"/>
-                </a:solidFill>
-                <a:latin typeface="HY견고딕" panose="02030600000101010101" pitchFamily="18" charset="-127"/>
-                <a:ea typeface="HY견고딕" panose="02030600000101010101" pitchFamily="18" charset="-127"/>
-              </a:rPr>
-              <a:t>)</a:t>
-            </a:r>
-            <a:endParaRPr lang="ko-KR" altLang="en-US" dirty="0">
-              <a:solidFill>
-                <a:srgbClr val="FFFF00"/>
-              </a:solidFill>
-              <a:latin typeface="HY견고딕" panose="02030600000101010101" pitchFamily="18" charset="-127"/>
-              <a:ea typeface="HY견고딕" panose="02030600000101010101" pitchFamily="18" charset="-127"/>
-            </a:endParaRPr>
           </a:p>
         </p:txBody>
       </p:sp>
@@ -6403,10 +7323,10 @@
       </p:grpSpPr>
       <p:pic>
         <p:nvPicPr>
-          <p:cNvPr id="5" name="그림 4" descr="텍스트, 스크린샷, 직사각형, 그린이(가) 표시된 사진&#10;&#10;자동 생성된 설명">
-            <a:extLst>
-              <a:ext uri="{FF2B5EF4-FFF2-40B4-BE49-F238E27FC236}">
-                <a16:creationId xmlns:a16="http://schemas.microsoft.com/office/drawing/2014/main" id="{8511E89A-17EC-F3D7-EEDF-3E3CD8B9F93E}"/>
+          <p:cNvPr id="39" name="그림 38" descr="페인팅, 스케치, 예술, 그림이(가) 표시된 사진&#10;&#10;자동 생성된 설명">
+            <a:extLst>
+              <a:ext uri="{FF2B5EF4-FFF2-40B4-BE49-F238E27FC236}">
+                <a16:creationId xmlns:a16="http://schemas.microsoft.com/office/drawing/2014/main" id="{791FEB58-566F-3B90-7EEC-9C9856F8E279}"/>
               </a:ext>
             </a:extLst>
           </p:cNvPr>
@@ -6417,6 +7337,42 @@
         </p:nvPicPr>
         <p:blipFill>
           <a:blip r:embed="rId2">
+            <a:alphaModFix amt="51000"/>
+            <a:extLst>
+              <a:ext uri="{28A0092B-C50C-407E-A947-70E740481C1C}">
+                <a14:useLocalDpi xmlns:a14="http://schemas.microsoft.com/office/drawing/2010/main" val="0"/>
+              </a:ext>
+            </a:extLst>
+          </a:blip>
+          <a:srcRect t="50636" r="1" b="5619"/>
+          <a:stretch/>
+        </p:blipFill>
+        <p:spPr>
+          <a:xfrm>
+            <a:off x="20" y="10"/>
+            <a:ext cx="12188930" cy="6857990"/>
+          </a:xfrm>
+          <a:prstGeom prst="rect">
+            <a:avLst/>
+          </a:prstGeom>
+        </p:spPr>
+      </p:pic>
+      <p:pic>
+        <p:nvPicPr>
+          <p:cNvPr id="5" name="그림 4" descr="텍스트, 스크린샷, 직사각형, 그린이(가) 표시된 사진&#10;&#10;자동 생성된 설명">
+            <a:extLst>
+              <a:ext uri="{FF2B5EF4-FFF2-40B4-BE49-F238E27FC236}">
+                <a16:creationId xmlns:a16="http://schemas.microsoft.com/office/drawing/2014/main" id="{8511E89A-17EC-F3D7-EEDF-3E3CD8B9F93E}"/>
+              </a:ext>
+            </a:extLst>
+          </p:cNvPr>
+          <p:cNvPicPr>
+            <a:picLocks noChangeAspect="1"/>
+          </p:cNvPicPr>
+          <p:nvPr/>
+        </p:nvPicPr>
+        <p:blipFill>
+          <a:blip r:embed="rId3">
             <a:extLst>
               <a:ext uri="{28A0092B-C50C-407E-A947-70E740481C1C}">
                 <a14:useLocalDpi xmlns:a14="http://schemas.microsoft.com/office/drawing/2010/main" val="0"/>
@@ -6593,7 +7549,7 @@
           <p:nvPr/>
         </p:nvPicPr>
         <p:blipFill>
-          <a:blip r:embed="rId3">
+          <a:blip r:embed="rId4">
             <a:extLst>
               <a:ext uri="{28A0092B-C50C-407E-A947-70E740481C1C}">
                 <a14:useLocalDpi xmlns:a14="http://schemas.microsoft.com/office/drawing/2010/main" val="0"/>
@@ -6841,6 +7797,133 @@
               <a:latin typeface="HY헤드라인M" panose="02030600000101010101" pitchFamily="18" charset="-127"/>
               <a:ea typeface="HY헤드라인M" panose="02030600000101010101" pitchFamily="18" charset="-127"/>
             </a:endParaRPr>
+          </a:p>
+        </p:txBody>
+      </p:sp>
+      <p:sp>
+        <p:nvSpPr>
+          <p:cNvPr id="30" name="TextBox 29">
+            <a:extLst>
+              <a:ext uri="{FF2B5EF4-FFF2-40B4-BE49-F238E27FC236}">
+                <a16:creationId xmlns:a16="http://schemas.microsoft.com/office/drawing/2014/main" id="{1AB9ACB3-CFB4-E9A2-A9B2-6CDE115B70FB}"/>
+              </a:ext>
+            </a:extLst>
+          </p:cNvPr>
+          <p:cNvSpPr txBox="1"/>
+          <p:nvPr/>
+        </p:nvSpPr>
+        <p:spPr>
+          <a:xfrm>
+            <a:off x="1598102" y="2293888"/>
+            <a:ext cx="2034098" cy="2585323"/>
+          </a:xfrm>
+          <a:prstGeom prst="rect">
+            <a:avLst/>
+          </a:prstGeom>
+          <a:noFill/>
+          <a:ln w="57150" cap="flat" cmpd="sng" algn="ctr">
+            <a:solidFill>
+              <a:schemeClr val="accent3"/>
+            </a:solidFill>
+            <a:prstDash val="solid"/>
+            <a:round/>
+            <a:headEnd type="none" w="med" len="med"/>
+            <a:tailEnd type="none" w="med" len="med"/>
+          </a:ln>
+        </p:spPr>
+        <p:style>
+          <a:lnRef idx="0">
+            <a:scrgbClr r="0" g="0" b="0"/>
+          </a:lnRef>
+          <a:fillRef idx="0">
+            <a:scrgbClr r="0" g="0" b="0"/>
+          </a:fillRef>
+          <a:effectRef idx="0">
+            <a:scrgbClr r="0" g="0" b="0"/>
+          </a:effectRef>
+          <a:fontRef idx="minor">
+            <a:schemeClr val="accent3"/>
+          </a:fontRef>
+        </p:style>
+        <p:txBody>
+          <a:bodyPr wrap="square" rtlCol="0">
+            <a:spAutoFit/>
+          </a:bodyPr>
+          <a:lstStyle/>
+          <a:p>
+            <a:endParaRPr lang="en-US" altLang="ko-KR" dirty="0">
+              <a:solidFill>
+                <a:srgbClr val="FFFF00"/>
+              </a:solidFill>
+              <a:latin typeface="HY견고딕" panose="02030600000101010101" pitchFamily="18" charset="-127"/>
+              <a:ea typeface="HY견고딕" panose="02030600000101010101" pitchFamily="18" charset="-127"/>
+            </a:endParaRPr>
+          </a:p>
+          <a:p>
+            <a:endParaRPr lang="en-US" altLang="ko-KR" dirty="0">
+              <a:solidFill>
+                <a:srgbClr val="FFFF00"/>
+              </a:solidFill>
+              <a:latin typeface="HY견고딕" panose="02030600000101010101" pitchFamily="18" charset="-127"/>
+              <a:ea typeface="HY견고딕" panose="02030600000101010101" pitchFamily="18" charset="-127"/>
+            </a:endParaRPr>
+          </a:p>
+          <a:p>
+            <a:endParaRPr lang="en-US" altLang="ko-KR" dirty="0">
+              <a:solidFill>
+                <a:srgbClr val="FFFF00"/>
+              </a:solidFill>
+              <a:latin typeface="HY견고딕" panose="02030600000101010101" pitchFamily="18" charset="-127"/>
+              <a:ea typeface="HY견고딕" panose="02030600000101010101" pitchFamily="18" charset="-127"/>
+            </a:endParaRPr>
+          </a:p>
+          <a:p>
+            <a:endParaRPr lang="en-US" altLang="ko-KR" dirty="0">
+              <a:solidFill>
+                <a:srgbClr val="FFFF00"/>
+              </a:solidFill>
+              <a:latin typeface="HY견고딕" panose="02030600000101010101" pitchFamily="18" charset="-127"/>
+              <a:ea typeface="HY견고딕" panose="02030600000101010101" pitchFamily="18" charset="-127"/>
+            </a:endParaRPr>
+          </a:p>
+          <a:p>
+            <a:endParaRPr lang="en-US" altLang="ko-KR" dirty="0">
+              <a:solidFill>
+                <a:srgbClr val="FFFF00"/>
+              </a:solidFill>
+              <a:latin typeface="HY견고딕" panose="02030600000101010101" pitchFamily="18" charset="-127"/>
+              <a:ea typeface="HY견고딕" panose="02030600000101010101" pitchFamily="18" charset="-127"/>
+            </a:endParaRPr>
+          </a:p>
+          <a:p>
+            <a:endParaRPr lang="en-US" altLang="ko-KR" dirty="0">
+              <a:solidFill>
+                <a:srgbClr val="FFFF00"/>
+              </a:solidFill>
+              <a:latin typeface="HY견고딕" panose="02030600000101010101" pitchFamily="18" charset="-127"/>
+              <a:ea typeface="HY견고딕" panose="02030600000101010101" pitchFamily="18" charset="-127"/>
+            </a:endParaRPr>
+          </a:p>
+          <a:p>
+            <a:endParaRPr lang="en-US" altLang="ko-KR" dirty="0">
+              <a:solidFill>
+                <a:srgbClr val="FFFF00"/>
+              </a:solidFill>
+              <a:latin typeface="HY견고딕" panose="02030600000101010101" pitchFamily="18" charset="-127"/>
+              <a:ea typeface="HY견고딕" panose="02030600000101010101" pitchFamily="18" charset="-127"/>
+            </a:endParaRPr>
+          </a:p>
+          <a:p>
+            <a:r>
+              <a:rPr lang="ko-KR" altLang="en-US" dirty="0">
+                <a:solidFill>
+                  <a:srgbClr val="FFFF00"/>
+                </a:solidFill>
+                <a:latin typeface="HY견고딕" panose="02030600000101010101" pitchFamily="18" charset="-127"/>
+                <a:ea typeface="HY견고딕" panose="02030600000101010101" pitchFamily="18" charset="-127"/>
+              </a:rPr>
+              <a:t>필드에  소환되는 몬스터</a:t>
+            </a:r>
           </a:p>
         </p:txBody>
       </p:sp>
@@ -6876,10 +7959,10 @@
       </p:grpSpPr>
       <p:pic>
         <p:nvPicPr>
-          <p:cNvPr id="4" name="그림 3" descr="텍스트, 스크린샷, 직사각형이(가) 표시된 사진&#10;&#10;자동 생성된 설명">
-            <a:extLst>
-              <a:ext uri="{FF2B5EF4-FFF2-40B4-BE49-F238E27FC236}">
-                <a16:creationId xmlns:a16="http://schemas.microsoft.com/office/drawing/2014/main" id="{C4775D20-E2A6-E01B-44BA-EC4F73CEE240}"/>
+          <p:cNvPr id="24" name="그림 23" descr="페인팅, 스케치, 예술, 그림이(가) 표시된 사진&#10;&#10;자동 생성된 설명">
+            <a:extLst>
+              <a:ext uri="{FF2B5EF4-FFF2-40B4-BE49-F238E27FC236}">
+                <a16:creationId xmlns:a16="http://schemas.microsoft.com/office/drawing/2014/main" id="{35277B03-5EDC-600A-D134-8DFBEAAB4736}"/>
               </a:ext>
             </a:extLst>
           </p:cNvPr>
@@ -6890,6 +7973,42 @@
         </p:nvPicPr>
         <p:blipFill>
           <a:blip r:embed="rId2">
+            <a:alphaModFix amt="51000"/>
+            <a:extLst>
+              <a:ext uri="{28A0092B-C50C-407E-A947-70E740481C1C}">
+                <a14:useLocalDpi xmlns:a14="http://schemas.microsoft.com/office/drawing/2010/main" val="0"/>
+              </a:ext>
+            </a:extLst>
+          </a:blip>
+          <a:srcRect t="50636" r="1" b="5619"/>
+          <a:stretch/>
+        </p:blipFill>
+        <p:spPr>
+          <a:xfrm>
+            <a:off x="20" y="10"/>
+            <a:ext cx="12188930" cy="6857990"/>
+          </a:xfrm>
+          <a:prstGeom prst="rect">
+            <a:avLst/>
+          </a:prstGeom>
+        </p:spPr>
+      </p:pic>
+      <p:pic>
+        <p:nvPicPr>
+          <p:cNvPr id="4" name="그림 3" descr="텍스트, 스크린샷, 직사각형이(가) 표시된 사진&#10;&#10;자동 생성된 설명">
+            <a:extLst>
+              <a:ext uri="{FF2B5EF4-FFF2-40B4-BE49-F238E27FC236}">
+                <a16:creationId xmlns:a16="http://schemas.microsoft.com/office/drawing/2014/main" id="{C4775D20-E2A6-E01B-44BA-EC4F73CEE240}"/>
+              </a:ext>
+            </a:extLst>
+          </p:cNvPr>
+          <p:cNvPicPr>
+            <a:picLocks noChangeAspect="1"/>
+          </p:cNvPicPr>
+          <p:nvPr/>
+        </p:nvPicPr>
+        <p:blipFill>
+          <a:blip r:embed="rId3">
             <a:extLst>
               <a:ext uri="{28A0092B-C50C-407E-A947-70E740481C1C}">
                 <a14:useLocalDpi xmlns:a14="http://schemas.microsoft.com/office/drawing/2010/main" val="0"/>
@@ -6924,7 +8043,7 @@
         <p:spPr>
           <a:xfrm>
             <a:off x="8210546" y="1743075"/>
-            <a:ext cx="2114554" cy="2800767"/>
+            <a:ext cx="2114554" cy="3046988"/>
           </a:xfrm>
           <a:prstGeom prst="rect">
             <a:avLst/>
@@ -7070,12 +8189,32 @@
             </a:endParaRPr>
           </a:p>
           <a:p>
+            <a:r>
+              <a:rPr lang="en-US" altLang="ko-KR" sz="1600" dirty="0">
+                <a:latin typeface="HY헤드라인M" panose="02030600000101010101" pitchFamily="18" charset="-127"/>
+                <a:ea typeface="HY헤드라인M" panose="02030600000101010101" pitchFamily="18" charset="-127"/>
+              </a:rPr>
+              <a:t>+</a:t>
+            </a:r>
+            <a:r>
+              <a:rPr lang="ko-KR" altLang="en-US" sz="1600" dirty="0">
+                <a:latin typeface="HY헤드라인M" panose="02030600000101010101" pitchFamily="18" charset="-127"/>
+                <a:ea typeface="HY헤드라인M" panose="02030600000101010101" pitchFamily="18" charset="-127"/>
+              </a:rPr>
+              <a:t>특성</a:t>
+            </a:r>
             <a:endParaRPr lang="en-US" altLang="ko-KR" sz="1600" dirty="0">
               <a:latin typeface="HY헤드라인M" panose="02030600000101010101" pitchFamily="18" charset="-127"/>
               <a:ea typeface="HY헤드라인M" panose="02030600000101010101" pitchFamily="18" charset="-127"/>
             </a:endParaRPr>
           </a:p>
           <a:p>
+            <a:endParaRPr lang="en-US" altLang="ko-KR" sz="1600" dirty="0">
+              <a:latin typeface="HY헤드라인M" panose="02030600000101010101" pitchFamily="18" charset="-127"/>
+              <a:ea typeface="HY헤드라인M" panose="02030600000101010101" pitchFamily="18" charset="-127"/>
+            </a:endParaRPr>
+          </a:p>
+          <a:p>
             <a:r>
               <a:rPr lang="en-US" altLang="ko-KR" sz="1600" dirty="0">
                 <a:latin typeface="HY헤드라인M" panose="02030600000101010101" pitchFamily="18" charset="-127"/>
@@ -7088,38 +8227,24 @@
                 <a:latin typeface="HY헤드라인M" panose="02030600000101010101" pitchFamily="18" charset="-127"/>
                 <a:ea typeface="HY헤드라인M" panose="02030600000101010101" pitchFamily="18" charset="-127"/>
               </a:rPr>
-              <a:t>세대가 </a:t>
+              <a:t>세대가 바뀔 때 마다 </a:t>
             </a:r>
             <a:r>
               <a:rPr lang="ko-KR" altLang="en-US" sz="1600" dirty="0" err="1">
                 <a:latin typeface="HY헤드라인M" panose="02030600000101010101" pitchFamily="18" charset="-127"/>
                 <a:ea typeface="HY헤드라인M" panose="02030600000101010101" pitchFamily="18" charset="-127"/>
               </a:rPr>
-              <a:t>바뀔때</a:t>
+              <a:t>스탯이</a:t>
             </a:r>
             <a:r>
               <a:rPr lang="ko-KR" altLang="en-US" sz="1600" dirty="0">
                 <a:latin typeface="HY헤드라인M" panose="02030600000101010101" pitchFamily="18" charset="-127"/>
                 <a:ea typeface="HY헤드라인M" panose="02030600000101010101" pitchFamily="18" charset="-127"/>
               </a:rPr>
-              <a:t> 마다 </a:t>
-            </a:r>
-            <a:r>
-              <a:rPr lang="ko-KR" altLang="en-US" sz="1600" dirty="0" err="1">
-                <a:latin typeface="HY헤드라인M" panose="02030600000101010101" pitchFamily="18" charset="-127"/>
-                <a:ea typeface="HY헤드라인M" panose="02030600000101010101" pitchFamily="18" charset="-127"/>
-              </a:rPr>
-              <a:t>스탯이</a:t>
-            </a:r>
-            <a:r>
-              <a:rPr lang="ko-KR" altLang="en-US" sz="1600" dirty="0">
-                <a:latin typeface="HY헤드라인M" panose="02030600000101010101" pitchFamily="18" charset="-127"/>
-                <a:ea typeface="HY헤드라인M" panose="02030600000101010101" pitchFamily="18" charset="-127"/>
-              </a:rPr>
               <a:t> 다 변경됨</a:t>
             </a:r>
             <a:r>
-              <a:rPr lang="en-US" altLang="ko-KR" sz="1600">
+              <a:rPr lang="en-US" altLang="ko-KR" sz="1600" dirty="0">
                 <a:latin typeface="HY헤드라인M" panose="02030600000101010101" pitchFamily="18" charset="-127"/>
                 <a:ea typeface="HY헤드라인M" panose="02030600000101010101" pitchFamily="18" charset="-127"/>
               </a:rPr>
@@ -7299,10 +8424,10 @@
           <p:nvPr/>
         </p:nvPicPr>
         <p:blipFill>
-          <a:blip r:embed="rId3">
+          <a:blip r:embed="rId4">
             <a:extLst>
               <a:ext uri="{96DAC541-7B7A-43D3-8B79-37D633B846F1}">
-                <asvg:svgBlip xmlns:asvg="http://schemas.microsoft.com/office/drawing/2016/SVG/main" r:embed="rId4"/>
+                <asvg:svgBlip xmlns:asvg="http://schemas.microsoft.com/office/drawing/2016/SVG/main" r:embed="rId5"/>
               </a:ext>
             </a:extLst>
           </a:blip>
@@ -7335,10 +8460,10 @@
           <p:nvPr/>
         </p:nvPicPr>
         <p:blipFill>
-          <a:blip r:embed="rId3">
+          <a:blip r:embed="rId4">
             <a:extLst>
               <a:ext uri="{96DAC541-7B7A-43D3-8B79-37D633B846F1}">
-                <asvg:svgBlip xmlns:asvg="http://schemas.microsoft.com/office/drawing/2016/SVG/main" r:embed="rId4"/>
+                <asvg:svgBlip xmlns:asvg="http://schemas.microsoft.com/office/drawing/2016/SVG/main" r:embed="rId5"/>
               </a:ext>
             </a:extLst>
           </a:blip>
@@ -7371,10 +8496,10 @@
           <p:nvPr/>
         </p:nvPicPr>
         <p:blipFill>
-          <a:blip r:embed="rId3">
+          <a:blip r:embed="rId4">
             <a:extLst>
               <a:ext uri="{96DAC541-7B7A-43D3-8B79-37D633B846F1}">
-                <asvg:svgBlip xmlns:asvg="http://schemas.microsoft.com/office/drawing/2016/SVG/main" r:embed="rId4"/>
+                <asvg:svgBlip xmlns:asvg="http://schemas.microsoft.com/office/drawing/2016/SVG/main" r:embed="rId5"/>
               </a:ext>
             </a:extLst>
           </a:blip>
@@ -7407,10 +8532,10 @@
           <p:nvPr/>
         </p:nvPicPr>
         <p:blipFill>
-          <a:blip r:embed="rId3">
+          <a:blip r:embed="rId4">
             <a:extLst>
               <a:ext uri="{96DAC541-7B7A-43D3-8B79-37D633B846F1}">
-                <asvg:svgBlip xmlns:asvg="http://schemas.microsoft.com/office/drawing/2016/SVG/main" r:embed="rId4"/>
+                <asvg:svgBlip xmlns:asvg="http://schemas.microsoft.com/office/drawing/2016/SVG/main" r:embed="rId5"/>
               </a:ext>
             </a:extLst>
           </a:blip>
@@ -7443,10 +8568,10 @@
           <p:nvPr/>
         </p:nvPicPr>
         <p:blipFill>
-          <a:blip r:embed="rId3">
+          <a:blip r:embed="rId4">
             <a:extLst>
               <a:ext uri="{96DAC541-7B7A-43D3-8B79-37D633B846F1}">
-                <asvg:svgBlip xmlns:asvg="http://schemas.microsoft.com/office/drawing/2016/SVG/main" r:embed="rId4"/>
+                <asvg:svgBlip xmlns:asvg="http://schemas.microsoft.com/office/drawing/2016/SVG/main" r:embed="rId5"/>
               </a:ext>
             </a:extLst>
           </a:blip>
@@ -7466,10 +8591,10 @@
       </p:pic>
       <p:pic>
         <p:nvPicPr>
-          <p:cNvPr id="18" name="그래픽 17" descr="배지 하트 단색으로 채워진">
-            <a:extLst>
-              <a:ext uri="{FF2B5EF4-FFF2-40B4-BE49-F238E27FC236}">
-                <a16:creationId xmlns:a16="http://schemas.microsoft.com/office/drawing/2014/main" id="{339FB0E6-2C75-A715-F4DF-76BCC9401F77}"/>
+          <p:cNvPr id="19" name="그래픽 18" descr="배지 하트 단색으로 채워진">
+            <a:extLst>
+              <a:ext uri="{FF2B5EF4-FFF2-40B4-BE49-F238E27FC236}">
+                <a16:creationId xmlns:a16="http://schemas.microsoft.com/office/drawing/2014/main" id="{A6D35BE4-4266-264B-433B-1180F86A7D9E}"/>
               </a:ext>
             </a:extLst>
           </p:cNvPr>
@@ -7479,46 +8604,10 @@
           <p:nvPr/>
         </p:nvPicPr>
         <p:blipFill>
-          <a:blip r:embed="rId3">
+          <a:blip r:embed="rId4">
             <a:extLst>
               <a:ext uri="{96DAC541-7B7A-43D3-8B79-37D633B846F1}">
-                <asvg:svgBlip xmlns:asvg="http://schemas.microsoft.com/office/drawing/2016/SVG/main" r:embed="rId4"/>
-              </a:ext>
-            </a:extLst>
-          </a:blip>
-          <a:stretch>
-            <a:fillRect/>
-          </a:stretch>
-        </p:blipFill>
-        <p:spPr>
-          <a:xfrm>
-            <a:off x="3795041" y="1085031"/>
-            <a:ext cx="914400" cy="914400"/>
-          </a:xfrm>
-          <a:prstGeom prst="rect">
-            <a:avLst/>
-          </a:prstGeom>
-        </p:spPr>
-      </p:pic>
-      <p:pic>
-        <p:nvPicPr>
-          <p:cNvPr id="19" name="그래픽 18" descr="배지 하트 단색으로 채워진">
-            <a:extLst>
-              <a:ext uri="{FF2B5EF4-FFF2-40B4-BE49-F238E27FC236}">
-                <a16:creationId xmlns:a16="http://schemas.microsoft.com/office/drawing/2014/main" id="{A6D35BE4-4266-264B-433B-1180F86A7D9E}"/>
-              </a:ext>
-            </a:extLst>
-          </p:cNvPr>
-          <p:cNvPicPr>
-            <a:picLocks noChangeAspect="1"/>
-          </p:cNvPicPr>
-          <p:nvPr/>
-        </p:nvPicPr>
-        <p:blipFill>
-          <a:blip r:embed="rId3">
-            <a:extLst>
-              <a:ext uri="{96DAC541-7B7A-43D3-8B79-37D633B846F1}">
-                <asvg:svgBlip xmlns:asvg="http://schemas.microsoft.com/office/drawing/2016/SVG/main" r:embed="rId4"/>
+                <asvg:svgBlip xmlns:asvg="http://schemas.microsoft.com/office/drawing/2016/SVG/main" r:embed="rId5"/>
               </a:ext>
             </a:extLst>
           </a:blip>
@@ -7551,10 +8640,10 @@
           <p:nvPr/>
         </p:nvPicPr>
         <p:blipFill>
-          <a:blip r:embed="rId3">
+          <a:blip r:embed="rId4">
             <a:extLst>
               <a:ext uri="{96DAC541-7B7A-43D3-8B79-37D633B846F1}">
-                <asvg:svgBlip xmlns:asvg="http://schemas.microsoft.com/office/drawing/2016/SVG/main" r:embed="rId4"/>
+                <asvg:svgBlip xmlns:asvg="http://schemas.microsoft.com/office/drawing/2016/SVG/main" r:embed="rId5"/>
               </a:ext>
             </a:extLst>
           </a:blip>
@@ -7587,10 +8676,10 @@
           <p:nvPr/>
         </p:nvPicPr>
         <p:blipFill>
-          <a:blip r:embed="rId3">
+          <a:blip r:embed="rId4">
             <a:extLst>
               <a:ext uri="{96DAC541-7B7A-43D3-8B79-37D633B846F1}">
-                <asvg:svgBlip xmlns:asvg="http://schemas.microsoft.com/office/drawing/2016/SVG/main" r:embed="rId4"/>
+                <asvg:svgBlip xmlns:asvg="http://schemas.microsoft.com/office/drawing/2016/SVG/main" r:embed="rId5"/>
               </a:ext>
             </a:extLst>
           </a:blip>
@@ -7608,12 +8697,80 @@
           </a:prstGeom>
         </p:spPr>
       </p:pic>
+      <p:sp>
+        <p:nvSpPr>
+          <p:cNvPr id="25" name="TextBox 24">
+            <a:extLst>
+              <a:ext uri="{FF2B5EF4-FFF2-40B4-BE49-F238E27FC236}">
+                <a16:creationId xmlns:a16="http://schemas.microsoft.com/office/drawing/2014/main" id="{DA78890C-6354-315B-080E-F82381822FA4}"/>
+              </a:ext>
+            </a:extLst>
+          </p:cNvPr>
+          <p:cNvSpPr txBox="1"/>
+          <p:nvPr/>
+        </p:nvSpPr>
+        <p:spPr>
+          <a:xfrm>
+            <a:off x="2019299" y="1361792"/>
+            <a:ext cx="1962153" cy="338554"/>
+          </a:xfrm>
+          <a:prstGeom prst="rect">
+            <a:avLst/>
+          </a:prstGeom>
+          <a:solidFill>
+            <a:schemeClr val="bg1">
+              <a:lumMod val="95000"/>
+            </a:schemeClr>
+          </a:solidFill>
+          <a:ln w="57150">
+            <a:solidFill>
+              <a:schemeClr val="accent6"/>
+            </a:solidFill>
+          </a:ln>
+        </p:spPr>
+        <p:txBody>
+          <a:bodyPr wrap="square" rtlCol="0">
+            <a:spAutoFit/>
+          </a:bodyPr>
+          <a:lstStyle/>
+          <a:p>
+            <a:r>
+              <a:rPr lang="ko-KR" altLang="en-US" sz="1600" dirty="0">
+                <a:latin typeface="HY헤드라인M" panose="02030600000101010101" pitchFamily="18" charset="-127"/>
+                <a:ea typeface="HY헤드라인M" panose="02030600000101010101" pitchFamily="18" charset="-127"/>
+              </a:rPr>
+              <a:t>근접무기</a:t>
+            </a:r>
+            <a:r>
+              <a:rPr lang="en-US" altLang="ko-KR" sz="1600" dirty="0">
+                <a:latin typeface="HY헤드라인M" panose="02030600000101010101" pitchFamily="18" charset="-127"/>
+                <a:ea typeface="HY헤드라인M" panose="02030600000101010101" pitchFamily="18" charset="-127"/>
+              </a:rPr>
+              <a:t>(</a:t>
+            </a:r>
+            <a:r>
+              <a:rPr lang="ko-KR" altLang="en-US" sz="1600" dirty="0">
+                <a:latin typeface="HY헤드라인M" panose="02030600000101010101" pitchFamily="18" charset="-127"/>
+                <a:ea typeface="HY헤드라인M" panose="02030600000101010101" pitchFamily="18" charset="-127"/>
+              </a:rPr>
+              <a:t>망치 도끼</a:t>
+            </a:r>
+            <a:r>
+              <a:rPr lang="en-US" altLang="ko-KR" sz="1600" dirty="0">
+                <a:latin typeface="HY헤드라인M" panose="02030600000101010101" pitchFamily="18" charset="-127"/>
+                <a:ea typeface="HY헤드라인M" panose="02030600000101010101" pitchFamily="18" charset="-127"/>
+              </a:rPr>
+              <a:t>)</a:t>
+            </a:r>
+          </a:p>
+        </p:txBody>
+      </p:sp>
       <p:pic>
         <p:nvPicPr>
-          <p:cNvPr id="22" name="그래픽 21" descr="배지 하트 단색으로 채워진">
-            <a:extLst>
-              <a:ext uri="{FF2B5EF4-FFF2-40B4-BE49-F238E27FC236}">
-                <a16:creationId xmlns:a16="http://schemas.microsoft.com/office/drawing/2014/main" id="{47B6B587-1103-00F5-E9E2-F9CB4EF0C70D}"/>
+          <p:cNvPr id="18" name="그래픽 17" descr="배지 하트 단색으로 채워진">
+            <a:extLst>
+              <a:ext uri="{FF2B5EF4-FFF2-40B4-BE49-F238E27FC236}">
+                <a16:creationId xmlns:a16="http://schemas.microsoft.com/office/drawing/2014/main" id="{339FB0E6-2C75-A715-F4DF-76BCC9401F77}"/>
               </a:ext>
             </a:extLst>
           </p:cNvPr>
@@ -7623,10 +8780,104 @@
           <p:nvPr/>
         </p:nvPicPr>
         <p:blipFill>
-          <a:blip r:embed="rId3">
+          <a:blip r:embed="rId4">
             <a:extLst>
               <a:ext uri="{96DAC541-7B7A-43D3-8B79-37D633B846F1}">
-                <asvg:svgBlip xmlns:asvg="http://schemas.microsoft.com/office/drawing/2016/SVG/main" r:embed="rId4"/>
+                <asvg:svgBlip xmlns:asvg="http://schemas.microsoft.com/office/drawing/2016/SVG/main" r:embed="rId5"/>
+              </a:ext>
+            </a:extLst>
+          </a:blip>
+          <a:stretch>
+            <a:fillRect/>
+          </a:stretch>
+        </p:blipFill>
+        <p:spPr>
+          <a:xfrm>
+            <a:off x="3795041" y="1085031"/>
+            <a:ext cx="914400" cy="914400"/>
+          </a:xfrm>
+          <a:prstGeom prst="rect">
+            <a:avLst/>
+          </a:prstGeom>
+        </p:spPr>
+      </p:pic>
+      <p:sp>
+        <p:nvSpPr>
+          <p:cNvPr id="27" name="TextBox 26">
+            <a:extLst>
+              <a:ext uri="{FF2B5EF4-FFF2-40B4-BE49-F238E27FC236}">
+                <a16:creationId xmlns:a16="http://schemas.microsoft.com/office/drawing/2014/main" id="{E08C612E-D6A1-4F52-F5C7-A4335B492E0E}"/>
+              </a:ext>
+            </a:extLst>
+          </p:cNvPr>
+          <p:cNvSpPr txBox="1"/>
+          <p:nvPr/>
+        </p:nvSpPr>
+        <p:spPr>
+          <a:xfrm>
+            <a:off x="8210548" y="1391186"/>
+            <a:ext cx="2114552" cy="338554"/>
+          </a:xfrm>
+          <a:prstGeom prst="rect">
+            <a:avLst/>
+          </a:prstGeom>
+          <a:solidFill>
+            <a:schemeClr val="bg1">
+              <a:lumMod val="95000"/>
+            </a:schemeClr>
+          </a:solidFill>
+          <a:ln w="57150">
+            <a:solidFill>
+              <a:schemeClr val="accent6"/>
+            </a:solidFill>
+          </a:ln>
+        </p:spPr>
+        <p:txBody>
+          <a:bodyPr wrap="square" rtlCol="0">
+            <a:spAutoFit/>
+          </a:bodyPr>
+          <a:lstStyle/>
+          <a:p>
+            <a:r>
+              <a:rPr lang="en-US" altLang="ko-KR" sz="1600" dirty="0">
+                <a:latin typeface="HY헤드라인M" panose="02030600000101010101" pitchFamily="18" charset="-127"/>
+                <a:ea typeface="HY헤드라인M" panose="02030600000101010101" pitchFamily="18" charset="-127"/>
+              </a:rPr>
+              <a:t>10</a:t>
+            </a:r>
+            <a:r>
+              <a:rPr lang="ko-KR" altLang="en-US" sz="1600" dirty="0">
+                <a:latin typeface="HY헤드라인M" panose="02030600000101010101" pitchFamily="18" charset="-127"/>
+                <a:ea typeface="HY헤드라인M" panose="02030600000101010101" pitchFamily="18" charset="-127"/>
+              </a:rPr>
+              <a:t>개의 세대</a:t>
+            </a:r>
+            <a:endParaRPr lang="en-US" altLang="ko-KR" sz="1600" dirty="0">
+              <a:latin typeface="HY헤드라인M" panose="02030600000101010101" pitchFamily="18" charset="-127"/>
+              <a:ea typeface="HY헤드라인M" panose="02030600000101010101" pitchFamily="18" charset="-127"/>
+            </a:endParaRPr>
+          </a:p>
+        </p:txBody>
+      </p:sp>
+      <p:pic>
+        <p:nvPicPr>
+          <p:cNvPr id="22" name="그래픽 21" descr="배지 하트 단색으로 채워진">
+            <a:extLst>
+              <a:ext uri="{FF2B5EF4-FFF2-40B4-BE49-F238E27FC236}">
+                <a16:creationId xmlns:a16="http://schemas.microsoft.com/office/drawing/2014/main" id="{47B6B587-1103-00F5-E9E2-F9CB4EF0C70D}"/>
+              </a:ext>
+            </a:extLst>
+          </p:cNvPr>
+          <p:cNvPicPr>
+            <a:picLocks noChangeAspect="1"/>
+          </p:cNvPicPr>
+          <p:nvPr/>
+        </p:nvPicPr>
+        <p:blipFill>
+          <a:blip r:embed="rId4">
+            <a:extLst>
+              <a:ext uri="{96DAC541-7B7A-43D3-8B79-37D633B846F1}">
+                <asvg:svgBlip xmlns:asvg="http://schemas.microsoft.com/office/drawing/2016/SVG/main" r:embed="rId5"/>
               </a:ext>
             </a:extLst>
           </a:blip>
@@ -7662,6 +8913,2571 @@
   <p:cSld>
     <p:spTree>
       <p:nvGrpSpPr>
+        <p:cNvPr id="1" name=""/>
+        <p:cNvGrpSpPr/>
+        <p:nvPr/>
+      </p:nvGrpSpPr>
+      <p:grpSpPr>
+        <a:xfrm>
+          <a:off x="0" y="0"/>
+          <a:ext cx="0" cy="0"/>
+          <a:chOff x="0" y="0"/>
+          <a:chExt cx="0" cy="0"/>
+        </a:xfrm>
+      </p:grpSpPr>
+      <p:pic>
+        <p:nvPicPr>
+          <p:cNvPr id="47" name="그림 46" descr="페인팅, 스케치, 예술, 그림이(가) 표시된 사진&#10;&#10;자동 생성된 설명">
+            <a:extLst>
+              <a:ext uri="{FF2B5EF4-FFF2-40B4-BE49-F238E27FC236}">
+                <a16:creationId xmlns:a16="http://schemas.microsoft.com/office/drawing/2014/main" id="{C7E75FCB-E5A9-30F5-29EA-131112D7BDD7}"/>
+              </a:ext>
+            </a:extLst>
+          </p:cNvPr>
+          <p:cNvPicPr>
+            <a:picLocks noChangeAspect="1"/>
+          </p:cNvPicPr>
+          <p:nvPr/>
+        </p:nvPicPr>
+        <p:blipFill>
+          <a:blip r:embed="rId2">
+            <a:alphaModFix amt="51000"/>
+            <a:extLst>
+              <a:ext uri="{28A0092B-C50C-407E-A947-70E740481C1C}">
+                <a14:useLocalDpi xmlns:a14="http://schemas.microsoft.com/office/drawing/2010/main" val="0"/>
+              </a:ext>
+            </a:extLst>
+          </a:blip>
+          <a:srcRect t="50636" r="1" b="5619"/>
+          <a:stretch/>
+        </p:blipFill>
+        <p:spPr>
+          <a:xfrm>
+            <a:off x="20" y="10"/>
+            <a:ext cx="12188930" cy="6857990"/>
+          </a:xfrm>
+          <a:prstGeom prst="rect">
+            <a:avLst/>
+          </a:prstGeom>
+        </p:spPr>
+      </p:pic>
+      <p:sp>
+        <p:nvSpPr>
+          <p:cNvPr id="2" name="TextBox 1">
+            <a:extLst>
+              <a:ext uri="{FF2B5EF4-FFF2-40B4-BE49-F238E27FC236}">
+                <a16:creationId xmlns:a16="http://schemas.microsoft.com/office/drawing/2014/main" id="{BA8EB800-0BFD-3C77-3B31-28C9F6621FC5}"/>
+              </a:ext>
+            </a:extLst>
+          </p:cNvPr>
+          <p:cNvSpPr txBox="1"/>
+          <p:nvPr/>
+        </p:nvSpPr>
+        <p:spPr>
+          <a:xfrm>
+            <a:off x="5206861" y="146624"/>
+            <a:ext cx="1415772" cy="369332"/>
+          </a:xfrm>
+          <a:prstGeom prst="rect">
+            <a:avLst/>
+          </a:prstGeom>
+          <a:noFill/>
+          <a:ln w="9525" cap="flat" cmpd="sng" algn="ctr">
+            <a:solidFill>
+              <a:schemeClr val="dk1"/>
+            </a:solidFill>
+            <a:prstDash val="solid"/>
+            <a:round/>
+            <a:headEnd type="none" w="med" len="med"/>
+            <a:tailEnd type="none" w="med" len="med"/>
+          </a:ln>
+        </p:spPr>
+        <p:style>
+          <a:lnRef idx="0">
+            <a:scrgbClr r="0" g="0" b="0"/>
+          </a:lnRef>
+          <a:fillRef idx="0">
+            <a:scrgbClr r="0" g="0" b="0"/>
+          </a:fillRef>
+          <a:effectRef idx="0">
+            <a:scrgbClr r="0" g="0" b="0"/>
+          </a:effectRef>
+          <a:fontRef idx="minor">
+            <a:schemeClr val="dk1"/>
+          </a:fontRef>
+        </p:style>
+        <p:txBody>
+          <a:bodyPr wrap="none" rtlCol="0">
+            <a:spAutoFit/>
+          </a:bodyPr>
+          <a:lstStyle/>
+          <a:p>
+            <a:r>
+              <a:rPr lang="ko-KR" altLang="en-US" dirty="0">
+                <a:latin typeface="HY견고딕" panose="02030600000101010101" pitchFamily="18" charset="-127"/>
+                <a:ea typeface="HY견고딕" panose="02030600000101010101" pitchFamily="18" charset="-127"/>
+              </a:rPr>
+              <a:t>플로우 차트</a:t>
+            </a:r>
+          </a:p>
+        </p:txBody>
+      </p:sp>
+      <p:sp>
+        <p:nvSpPr>
+          <p:cNvPr id="3" name="다이아몬드 2">
+            <a:extLst>
+              <a:ext uri="{FF2B5EF4-FFF2-40B4-BE49-F238E27FC236}">
+                <a16:creationId xmlns:a16="http://schemas.microsoft.com/office/drawing/2014/main" id="{F4C5E67F-5E76-8CA3-F62B-C36D5750974F}"/>
+              </a:ext>
+            </a:extLst>
+          </p:cNvPr>
+          <p:cNvSpPr/>
+          <p:nvPr/>
+        </p:nvSpPr>
+        <p:spPr>
+          <a:xfrm>
+            <a:off x="4297205" y="763051"/>
+            <a:ext cx="3235084" cy="914400"/>
+          </a:xfrm>
+          <a:prstGeom prst="diamond">
+            <a:avLst/>
+          </a:prstGeom>
+        </p:spPr>
+        <p:style>
+          <a:lnRef idx="2">
+            <a:schemeClr val="accent1">
+              <a:shade val="15000"/>
+            </a:schemeClr>
+          </a:lnRef>
+          <a:fillRef idx="1">
+            <a:schemeClr val="accent1"/>
+          </a:fillRef>
+          <a:effectRef idx="0">
+            <a:schemeClr val="accent1"/>
+          </a:effectRef>
+          <a:fontRef idx="minor">
+            <a:schemeClr val="lt1"/>
+          </a:fontRef>
+        </p:style>
+        <p:txBody>
+          <a:bodyPr rtlCol="0" anchor="ctr"/>
+          <a:lstStyle/>
+          <a:p>
+            <a:pPr algn="ctr"/>
+            <a:r>
+              <a:rPr lang="ko-KR" altLang="en-US" sz="1400">
+                <a:latin typeface="프리젠테이션 4 Regular" pitchFamily="2" charset="-127"/>
+                <a:ea typeface="프리젠테이션 4 Regular" pitchFamily="2" charset="-127"/>
+              </a:rPr>
+              <a:t>게임 시작</a:t>
+            </a:r>
+          </a:p>
+        </p:txBody>
+      </p:sp>
+      <p:sp>
+        <p:nvSpPr>
+          <p:cNvPr id="4" name="직사각형 3">
+            <a:extLst>
+              <a:ext uri="{FF2B5EF4-FFF2-40B4-BE49-F238E27FC236}">
+                <a16:creationId xmlns:a16="http://schemas.microsoft.com/office/drawing/2014/main" id="{6AE1B89D-3FBC-95CF-6D2C-319607997D0A}"/>
+              </a:ext>
+            </a:extLst>
+          </p:cNvPr>
+          <p:cNvSpPr/>
+          <p:nvPr/>
+        </p:nvSpPr>
+        <p:spPr>
+          <a:xfrm>
+            <a:off x="4456071" y="1823462"/>
+            <a:ext cx="2781037" cy="914400"/>
+          </a:xfrm>
+          <a:prstGeom prst="rect">
+            <a:avLst/>
+          </a:prstGeom>
+          <a:solidFill>
+            <a:schemeClr val="bg1">
+              <a:lumMod val="95000"/>
+            </a:schemeClr>
+          </a:solidFill>
+        </p:spPr>
+        <p:style>
+          <a:lnRef idx="2">
+            <a:schemeClr val="accent1">
+              <a:shade val="15000"/>
+            </a:schemeClr>
+          </a:lnRef>
+          <a:fillRef idx="1">
+            <a:schemeClr val="accent1"/>
+          </a:fillRef>
+          <a:effectRef idx="0">
+            <a:schemeClr val="accent1"/>
+          </a:effectRef>
+          <a:fontRef idx="minor">
+            <a:schemeClr val="lt1"/>
+          </a:fontRef>
+        </p:style>
+        <p:txBody>
+          <a:bodyPr rtlCol="0" anchor="ctr"/>
+          <a:lstStyle/>
+          <a:p>
+            <a:pPr algn="ctr"/>
+            <a:r>
+              <a:rPr lang="ko-KR" altLang="en-US" sz="1400" dirty="0">
+                <a:solidFill>
+                  <a:schemeClr val="tx1"/>
+                </a:solidFill>
+                <a:latin typeface="프리젠테이션 4 Regular" pitchFamily="2" charset="-127"/>
+                <a:ea typeface="프리젠테이션 4 Regular" pitchFamily="2" charset="-127"/>
+              </a:rPr>
+              <a:t>플레이어 체력</a:t>
+            </a:r>
+            <a:r>
+              <a:rPr lang="en-US" altLang="ko-KR" sz="1400" dirty="0">
+                <a:solidFill>
+                  <a:schemeClr val="tx1"/>
+                </a:solidFill>
+                <a:latin typeface="프리젠테이션 4 Regular" pitchFamily="2" charset="-127"/>
+                <a:ea typeface="프리젠테이션 4 Regular" pitchFamily="2" charset="-127"/>
+              </a:rPr>
+              <a:t>, </a:t>
+            </a:r>
+            <a:r>
+              <a:rPr lang="ko-KR" altLang="en-US" sz="1400" dirty="0">
+                <a:solidFill>
+                  <a:schemeClr val="tx1"/>
+                </a:solidFill>
+                <a:latin typeface="프리젠테이션 4 Regular" pitchFamily="2" charset="-127"/>
+                <a:ea typeface="프리젠테이션 4 Regular" pitchFamily="2" charset="-127"/>
+              </a:rPr>
+              <a:t>위치 </a:t>
+            </a:r>
+            <a:endParaRPr lang="en-US" altLang="ko-KR" sz="1400" dirty="0">
+              <a:solidFill>
+                <a:schemeClr val="tx1"/>
+              </a:solidFill>
+              <a:latin typeface="프리젠테이션 4 Regular" pitchFamily="2" charset="-127"/>
+              <a:ea typeface="프리젠테이션 4 Regular" pitchFamily="2" charset="-127"/>
+            </a:endParaRPr>
+          </a:p>
+          <a:p>
+            <a:pPr algn="ctr"/>
+            <a:r>
+              <a:rPr lang="ko-KR" altLang="en-US" sz="1400" dirty="0">
+                <a:solidFill>
+                  <a:schemeClr val="tx1"/>
+                </a:solidFill>
+                <a:latin typeface="프리젠테이션 4 Regular" pitchFamily="2" charset="-127"/>
+                <a:ea typeface="프리젠테이션 4 Regular" pitchFamily="2" charset="-127"/>
+              </a:rPr>
+              <a:t>초기화</a:t>
+            </a:r>
+          </a:p>
+        </p:txBody>
+      </p:sp>
+      <p:sp>
+        <p:nvSpPr>
+          <p:cNvPr id="5" name="사다리꼴 4">
+            <a:extLst>
+              <a:ext uri="{FF2B5EF4-FFF2-40B4-BE49-F238E27FC236}">
+                <a16:creationId xmlns:a16="http://schemas.microsoft.com/office/drawing/2014/main" id="{706AD74A-46E6-4A46-497D-D489647A8569}"/>
+              </a:ext>
+            </a:extLst>
+          </p:cNvPr>
+          <p:cNvSpPr/>
+          <p:nvPr/>
+        </p:nvSpPr>
+        <p:spPr>
+          <a:xfrm>
+            <a:off x="4592389" y="3036273"/>
+            <a:ext cx="2644719" cy="383102"/>
+          </a:xfrm>
+          <a:prstGeom prst="trapezoid">
+            <a:avLst/>
+          </a:prstGeom>
+          <a:solidFill>
+            <a:schemeClr val="accent4">
+              <a:lumMod val="75000"/>
+            </a:schemeClr>
+          </a:solidFill>
+        </p:spPr>
+        <p:style>
+          <a:lnRef idx="2">
+            <a:schemeClr val="accent1">
+              <a:shade val="15000"/>
+            </a:schemeClr>
+          </a:lnRef>
+          <a:fillRef idx="1">
+            <a:schemeClr val="accent1"/>
+          </a:fillRef>
+          <a:effectRef idx="0">
+            <a:schemeClr val="accent1"/>
+          </a:effectRef>
+          <a:fontRef idx="minor">
+            <a:schemeClr val="lt1"/>
+          </a:fontRef>
+        </p:style>
+        <p:txBody>
+          <a:bodyPr rtlCol="0" anchor="ctr"/>
+          <a:lstStyle/>
+          <a:p>
+            <a:pPr algn="ctr"/>
+            <a:r>
+              <a:rPr lang="ko-KR" altLang="en-US" sz="1400" dirty="0">
+                <a:latin typeface="프리젠테이션 4 Regular" pitchFamily="2" charset="-127"/>
+                <a:ea typeface="프리젠테이션 4 Regular" pitchFamily="2" charset="-127"/>
+              </a:rPr>
+              <a:t>적 </a:t>
+            </a:r>
+            <a:r>
+              <a:rPr lang="ko-KR" altLang="en-US" sz="1400" dirty="0" err="1">
+                <a:latin typeface="프리젠테이션 4 Regular" pitchFamily="2" charset="-127"/>
+                <a:ea typeface="프리젠테이션 4 Regular" pitchFamily="2" charset="-127"/>
+              </a:rPr>
+              <a:t>저치</a:t>
+            </a:r>
+            <a:r>
+              <a:rPr lang="ko-KR" altLang="en-US" sz="1400" dirty="0">
+                <a:latin typeface="프리젠테이션 4 Regular" pitchFamily="2" charset="-127"/>
+                <a:ea typeface="프리젠테이션 4 Regular" pitchFamily="2" charset="-127"/>
+              </a:rPr>
+              <a:t> 시</a:t>
+            </a:r>
+          </a:p>
+        </p:txBody>
+      </p:sp>
+      <p:sp>
+        <p:nvSpPr>
+          <p:cNvPr id="6" name="직사각형 5">
+            <a:extLst>
+              <a:ext uri="{FF2B5EF4-FFF2-40B4-BE49-F238E27FC236}">
+                <a16:creationId xmlns:a16="http://schemas.microsoft.com/office/drawing/2014/main" id="{9D7CCEE5-73C0-70D6-AFED-905F2A5FD7FC}"/>
+              </a:ext>
+            </a:extLst>
+          </p:cNvPr>
+          <p:cNvSpPr/>
+          <p:nvPr/>
+        </p:nvSpPr>
+        <p:spPr>
+          <a:xfrm>
+            <a:off x="4524229" y="3483046"/>
+            <a:ext cx="2781037" cy="383102"/>
+          </a:xfrm>
+          <a:prstGeom prst="rect">
+            <a:avLst/>
+          </a:prstGeom>
+          <a:solidFill>
+            <a:schemeClr val="bg1">
+              <a:lumMod val="95000"/>
+              <a:alpha val="47000"/>
+            </a:schemeClr>
+          </a:solidFill>
+        </p:spPr>
+        <p:style>
+          <a:lnRef idx="2">
+            <a:schemeClr val="accent1">
+              <a:shade val="15000"/>
+            </a:schemeClr>
+          </a:lnRef>
+          <a:fillRef idx="1">
+            <a:schemeClr val="accent1"/>
+          </a:fillRef>
+          <a:effectRef idx="0">
+            <a:schemeClr val="accent1"/>
+          </a:effectRef>
+          <a:fontRef idx="minor">
+            <a:schemeClr val="lt1"/>
+          </a:fontRef>
+        </p:style>
+        <p:txBody>
+          <a:bodyPr rtlCol="0" anchor="ctr"/>
+          <a:lstStyle/>
+          <a:p>
+            <a:pPr algn="ctr"/>
+            <a:r>
+              <a:rPr lang="ko-KR" altLang="en-US" sz="1400" dirty="0">
+                <a:solidFill>
+                  <a:schemeClr val="tx1"/>
+                </a:solidFill>
+                <a:latin typeface="프리젠테이션 4 Regular" pitchFamily="2" charset="-127"/>
+                <a:ea typeface="프리젠테이션 4 Regular" pitchFamily="2" charset="-127"/>
+              </a:rPr>
+              <a:t>골드 획득</a:t>
+            </a:r>
+          </a:p>
+        </p:txBody>
+      </p:sp>
+      <p:cxnSp>
+        <p:nvCxnSpPr>
+          <p:cNvPr id="7" name="직선 연결선 6">
+            <a:extLst>
+              <a:ext uri="{FF2B5EF4-FFF2-40B4-BE49-F238E27FC236}">
+                <a16:creationId xmlns:a16="http://schemas.microsoft.com/office/drawing/2014/main" id="{CA574066-24BF-82EA-4B1E-F1E3474CDC2F}"/>
+              </a:ext>
+            </a:extLst>
+          </p:cNvPr>
+          <p:cNvCxnSpPr>
+            <a:cxnSpLocks/>
+            <a:stCxn id="28" idx="3"/>
+            <a:endCxn id="24" idx="1"/>
+          </p:cNvCxnSpPr>
+          <p:nvPr/>
+        </p:nvCxnSpPr>
+        <p:spPr>
+          <a:xfrm>
+            <a:off x="7326202" y="4285391"/>
+            <a:ext cx="1051486" cy="918077"/>
+          </a:xfrm>
+          <a:prstGeom prst="line">
+            <a:avLst/>
+          </a:prstGeom>
+        </p:spPr>
+        <p:style>
+          <a:lnRef idx="2">
+            <a:schemeClr val="accent1"/>
+          </a:lnRef>
+          <a:fillRef idx="0">
+            <a:schemeClr val="accent1"/>
+          </a:fillRef>
+          <a:effectRef idx="1">
+            <a:schemeClr val="accent1"/>
+          </a:effectRef>
+          <a:fontRef idx="minor">
+            <a:schemeClr val="tx1"/>
+          </a:fontRef>
+        </p:style>
+      </p:cxnSp>
+      <p:cxnSp>
+        <p:nvCxnSpPr>
+          <p:cNvPr id="8" name="직선 연결선 7">
+            <a:extLst>
+              <a:ext uri="{FF2B5EF4-FFF2-40B4-BE49-F238E27FC236}">
+                <a16:creationId xmlns:a16="http://schemas.microsoft.com/office/drawing/2014/main" id="{A9430E8C-034F-E86A-55F7-ADDA35051BD4}"/>
+              </a:ext>
+            </a:extLst>
+          </p:cNvPr>
+          <p:cNvCxnSpPr>
+            <a:cxnSpLocks/>
+            <a:stCxn id="28" idx="3"/>
+            <a:endCxn id="10" idx="1"/>
+          </p:cNvCxnSpPr>
+          <p:nvPr/>
+        </p:nvCxnSpPr>
+        <p:spPr>
+          <a:xfrm flipV="1">
+            <a:off x="7326202" y="3124347"/>
+            <a:ext cx="1016444" cy="1161044"/>
+          </a:xfrm>
+          <a:prstGeom prst="line">
+            <a:avLst/>
+          </a:prstGeom>
+        </p:spPr>
+        <p:style>
+          <a:lnRef idx="2">
+            <a:schemeClr val="accent1"/>
+          </a:lnRef>
+          <a:fillRef idx="0">
+            <a:schemeClr val="accent1"/>
+          </a:fillRef>
+          <a:effectRef idx="1">
+            <a:schemeClr val="accent1"/>
+          </a:effectRef>
+          <a:fontRef idx="minor">
+            <a:schemeClr val="tx1"/>
+          </a:fontRef>
+        </p:style>
+      </p:cxnSp>
+      <p:cxnSp>
+        <p:nvCxnSpPr>
+          <p:cNvPr id="9" name="직선 연결선 8">
+            <a:extLst>
+              <a:ext uri="{FF2B5EF4-FFF2-40B4-BE49-F238E27FC236}">
+                <a16:creationId xmlns:a16="http://schemas.microsoft.com/office/drawing/2014/main" id="{D576544A-0055-3543-A37A-DBB8303F2403}"/>
+              </a:ext>
+            </a:extLst>
+          </p:cNvPr>
+          <p:cNvCxnSpPr>
+            <a:cxnSpLocks/>
+            <a:stCxn id="28" idx="3"/>
+            <a:endCxn id="20" idx="1"/>
+          </p:cNvCxnSpPr>
+          <p:nvPr/>
+        </p:nvCxnSpPr>
+        <p:spPr>
+          <a:xfrm flipV="1">
+            <a:off x="7326202" y="4134515"/>
+            <a:ext cx="1016444" cy="150876"/>
+          </a:xfrm>
+          <a:prstGeom prst="line">
+            <a:avLst/>
+          </a:prstGeom>
+        </p:spPr>
+        <p:style>
+          <a:lnRef idx="2">
+            <a:schemeClr val="accent1"/>
+          </a:lnRef>
+          <a:fillRef idx="0">
+            <a:schemeClr val="accent1"/>
+          </a:fillRef>
+          <a:effectRef idx="1">
+            <a:schemeClr val="accent1"/>
+          </a:effectRef>
+          <a:fontRef idx="minor">
+            <a:schemeClr val="tx1"/>
+          </a:fontRef>
+        </p:style>
+      </p:cxnSp>
+      <p:sp>
+        <p:nvSpPr>
+          <p:cNvPr id="10" name="직사각형 9">
+            <a:extLst>
+              <a:ext uri="{FF2B5EF4-FFF2-40B4-BE49-F238E27FC236}">
+                <a16:creationId xmlns:a16="http://schemas.microsoft.com/office/drawing/2014/main" id="{E7BE8FB8-3751-76FB-AA4D-76C6E5B1282D}"/>
+              </a:ext>
+            </a:extLst>
+          </p:cNvPr>
+          <p:cNvSpPr/>
+          <p:nvPr/>
+        </p:nvSpPr>
+        <p:spPr>
+          <a:xfrm>
+            <a:off x="8342646" y="2667147"/>
+            <a:ext cx="2781037" cy="914400"/>
+          </a:xfrm>
+          <a:prstGeom prst="rect">
+            <a:avLst/>
+          </a:prstGeom>
+          <a:solidFill>
+            <a:schemeClr val="bg1"/>
+          </a:solidFill>
+        </p:spPr>
+        <p:style>
+          <a:lnRef idx="2">
+            <a:schemeClr val="accent1">
+              <a:shade val="15000"/>
+            </a:schemeClr>
+          </a:lnRef>
+          <a:fillRef idx="1">
+            <a:schemeClr val="accent1"/>
+          </a:fillRef>
+          <a:effectRef idx="0">
+            <a:schemeClr val="accent1"/>
+          </a:effectRef>
+          <a:fontRef idx="minor">
+            <a:schemeClr val="lt1"/>
+          </a:fontRef>
+        </p:style>
+        <p:txBody>
+          <a:bodyPr rtlCol="0" anchor="ctr"/>
+          <a:lstStyle/>
+          <a:p>
+            <a:pPr algn="ctr"/>
+            <a:r>
+              <a:rPr lang="ko-KR" altLang="en-US" sz="1400" dirty="0" err="1">
+                <a:solidFill>
+                  <a:schemeClr val="tx1"/>
+                </a:solidFill>
+                <a:latin typeface="프리젠테이션 4 Regular" pitchFamily="2" charset="-127"/>
+                <a:ea typeface="프리젠테이션 4 Regular" pitchFamily="2" charset="-127"/>
+              </a:rPr>
+              <a:t>스탯</a:t>
+            </a:r>
+            <a:r>
+              <a:rPr lang="ko-KR" altLang="en-US" sz="1400" dirty="0">
+                <a:solidFill>
+                  <a:schemeClr val="tx1"/>
+                </a:solidFill>
+                <a:latin typeface="프리젠테이션 4 Regular" pitchFamily="2" charset="-127"/>
+                <a:ea typeface="프리젠테이션 4 Regular" pitchFamily="2" charset="-127"/>
+              </a:rPr>
+              <a:t> 강화</a:t>
+            </a:r>
+          </a:p>
+        </p:txBody>
+      </p:sp>
+      <p:grpSp>
+        <p:nvGrpSpPr>
+          <p:cNvPr id="11" name="그룹 10">
+            <a:extLst>
+              <a:ext uri="{FF2B5EF4-FFF2-40B4-BE49-F238E27FC236}">
+                <a16:creationId xmlns:a16="http://schemas.microsoft.com/office/drawing/2014/main" id="{08F34F98-A542-C1A3-7E44-3EA4558897DA}"/>
+              </a:ext>
+            </a:extLst>
+          </p:cNvPr>
+          <p:cNvGrpSpPr/>
+          <p:nvPr/>
+        </p:nvGrpSpPr>
+        <p:grpSpPr>
+          <a:xfrm>
+            <a:off x="10355768" y="2189546"/>
+            <a:ext cx="702798" cy="702798"/>
+            <a:chOff x="9773223" y="1603353"/>
+            <a:chExt cx="1108495" cy="1108495"/>
+          </a:xfrm>
+        </p:grpSpPr>
+        <p:sp>
+          <p:nvSpPr>
+            <p:cNvPr id="12" name="직사각형 11">
+              <a:extLst>
+                <a:ext uri="{FF2B5EF4-FFF2-40B4-BE49-F238E27FC236}">
+                  <a16:creationId xmlns:a16="http://schemas.microsoft.com/office/drawing/2014/main" id="{E160911A-EECB-02D3-72E0-B1C36F06D280}"/>
+                </a:ext>
+              </a:extLst>
+            </p:cNvPr>
+            <p:cNvSpPr/>
+            <p:nvPr/>
+          </p:nvSpPr>
+          <p:spPr>
+            <a:xfrm>
+              <a:off x="9773223" y="1603353"/>
+              <a:ext cx="1108495" cy="1108495"/>
+            </a:xfrm>
+            <a:prstGeom prst="rect">
+              <a:avLst/>
+            </a:prstGeom>
+            <a:solidFill>
+              <a:schemeClr val="accent6">
+                <a:lumMod val="40000"/>
+                <a:lumOff val="60000"/>
+              </a:schemeClr>
+            </a:solidFill>
+            <a:ln>
+              <a:solidFill>
+                <a:schemeClr val="tx1"/>
+              </a:solidFill>
+            </a:ln>
+          </p:spPr>
+          <p:style>
+            <a:lnRef idx="2">
+              <a:schemeClr val="accent1">
+                <a:shade val="15000"/>
+              </a:schemeClr>
+            </a:lnRef>
+            <a:fillRef idx="1">
+              <a:schemeClr val="accent1"/>
+            </a:fillRef>
+            <a:effectRef idx="0">
+              <a:schemeClr val="accent1"/>
+            </a:effectRef>
+            <a:fontRef idx="minor">
+              <a:schemeClr val="lt1"/>
+            </a:fontRef>
+          </p:style>
+          <p:txBody>
+            <a:bodyPr rtlCol="0" anchor="ctr"/>
+            <a:lstStyle/>
+            <a:p>
+              <a:pPr algn="ctr"/>
+              <a:endParaRPr lang="ko-KR" altLang="en-US" sz="1400">
+                <a:latin typeface="프리젠테이션 4 Regular" pitchFamily="2" charset="-127"/>
+                <a:ea typeface="프리젠테이션 4 Regular" pitchFamily="2" charset="-127"/>
+              </a:endParaRPr>
+            </a:p>
+          </p:txBody>
+        </p:sp>
+        <p:pic>
+          <p:nvPicPr>
+            <p:cNvPr id="13" name="그림 12" descr="블랙, 어둠이(가) 표시된 사진&#10;&#10;자동 생성된 설명">
+              <a:extLst>
+                <a:ext uri="{FF2B5EF4-FFF2-40B4-BE49-F238E27FC236}">
+                  <a16:creationId xmlns:a16="http://schemas.microsoft.com/office/drawing/2014/main" id="{734EAA02-EF9C-FE9F-5A4B-249A0FF5EEBD}"/>
+                </a:ext>
+              </a:extLst>
+            </p:cNvPr>
+            <p:cNvPicPr>
+              <a:picLocks noChangeAspect="1"/>
+            </p:cNvPicPr>
+            <p:nvPr/>
+          </p:nvPicPr>
+          <p:blipFill>
+            <a:blip r:embed="rId3">
+              <a:extLst>
+                <a:ext uri="{28A0092B-C50C-407E-A947-70E740481C1C}">
+                  <a14:useLocalDpi xmlns:a14="http://schemas.microsoft.com/office/drawing/2010/main" val="0"/>
+                </a:ext>
+              </a:extLst>
+            </a:blip>
+            <a:stretch>
+              <a:fillRect/>
+            </a:stretch>
+          </p:blipFill>
+          <p:spPr>
+            <a:xfrm>
+              <a:off x="9877470" y="1728924"/>
+              <a:ext cx="899999" cy="899999"/>
+            </a:xfrm>
+            <a:prstGeom prst="rect">
+              <a:avLst/>
+            </a:prstGeom>
+          </p:spPr>
+        </p:pic>
+      </p:grpSp>
+      <p:grpSp>
+        <p:nvGrpSpPr>
+          <p:cNvPr id="14" name="그룹 13">
+            <a:extLst>
+              <a:ext uri="{FF2B5EF4-FFF2-40B4-BE49-F238E27FC236}">
+                <a16:creationId xmlns:a16="http://schemas.microsoft.com/office/drawing/2014/main" id="{C933598B-E681-580E-E035-E9FAD343C035}"/>
+              </a:ext>
+            </a:extLst>
+          </p:cNvPr>
+          <p:cNvGrpSpPr/>
+          <p:nvPr/>
+        </p:nvGrpSpPr>
+        <p:grpSpPr>
+          <a:xfrm>
+            <a:off x="8420401" y="2279815"/>
+            <a:ext cx="657710" cy="657710"/>
+            <a:chOff x="7556233" y="3820343"/>
+            <a:chExt cx="1108495" cy="1108495"/>
+          </a:xfrm>
+        </p:grpSpPr>
+        <p:sp>
+          <p:nvSpPr>
+            <p:cNvPr id="15" name="직사각형 14">
+              <a:extLst>
+                <a:ext uri="{FF2B5EF4-FFF2-40B4-BE49-F238E27FC236}">
+                  <a16:creationId xmlns:a16="http://schemas.microsoft.com/office/drawing/2014/main" id="{EC60877B-FC4F-1A3B-822D-0AA657C702C1}"/>
+                </a:ext>
+              </a:extLst>
+            </p:cNvPr>
+            <p:cNvSpPr/>
+            <p:nvPr/>
+          </p:nvSpPr>
+          <p:spPr>
+            <a:xfrm>
+              <a:off x="7556233" y="3820343"/>
+              <a:ext cx="1108495" cy="1108495"/>
+            </a:xfrm>
+            <a:prstGeom prst="rect">
+              <a:avLst/>
+            </a:prstGeom>
+            <a:solidFill>
+              <a:schemeClr val="accent6">
+                <a:lumMod val="40000"/>
+                <a:lumOff val="60000"/>
+              </a:schemeClr>
+            </a:solidFill>
+            <a:ln>
+              <a:solidFill>
+                <a:schemeClr val="tx1"/>
+              </a:solidFill>
+            </a:ln>
+          </p:spPr>
+          <p:style>
+            <a:lnRef idx="2">
+              <a:schemeClr val="accent1">
+                <a:shade val="15000"/>
+              </a:schemeClr>
+            </a:lnRef>
+            <a:fillRef idx="1">
+              <a:schemeClr val="accent1"/>
+            </a:fillRef>
+            <a:effectRef idx="0">
+              <a:schemeClr val="accent1"/>
+            </a:effectRef>
+            <a:fontRef idx="minor">
+              <a:schemeClr val="lt1"/>
+            </a:fontRef>
+          </p:style>
+          <p:txBody>
+            <a:bodyPr rtlCol="0" anchor="ctr"/>
+            <a:lstStyle/>
+            <a:p>
+              <a:pPr algn="ctr"/>
+              <a:endParaRPr lang="ko-KR" altLang="en-US" sz="1400">
+                <a:latin typeface="프리젠테이션 4 Regular" pitchFamily="2" charset="-127"/>
+                <a:ea typeface="프리젠테이션 4 Regular" pitchFamily="2" charset="-127"/>
+              </a:endParaRPr>
+            </a:p>
+          </p:txBody>
+        </p:sp>
+        <p:pic>
+          <p:nvPicPr>
+            <p:cNvPr id="16" name="그림 15" descr="블랙, 어둠이(가) 표시된 사진&#10;&#10;자동 생성된 설명">
+              <a:extLst>
+                <a:ext uri="{FF2B5EF4-FFF2-40B4-BE49-F238E27FC236}">
+                  <a16:creationId xmlns:a16="http://schemas.microsoft.com/office/drawing/2014/main" id="{620D5E55-9BFE-E709-E4F4-A2E75EE76BCE}"/>
+                </a:ext>
+              </a:extLst>
+            </p:cNvPr>
+            <p:cNvPicPr>
+              <a:picLocks noChangeAspect="1"/>
+            </p:cNvPicPr>
+            <p:nvPr/>
+          </p:nvPicPr>
+          <p:blipFill>
+            <a:blip r:embed="rId4">
+              <a:extLst>
+                <a:ext uri="{28A0092B-C50C-407E-A947-70E740481C1C}">
+                  <a14:useLocalDpi xmlns:a14="http://schemas.microsoft.com/office/drawing/2010/main" val="0"/>
+                </a:ext>
+              </a:extLst>
+            </a:blip>
+            <a:stretch>
+              <a:fillRect/>
+            </a:stretch>
+          </p:blipFill>
+          <p:spPr>
+            <a:xfrm>
+              <a:off x="7852407" y="4111722"/>
+              <a:ext cx="525737" cy="525737"/>
+            </a:xfrm>
+            <a:prstGeom prst="rect">
+              <a:avLst/>
+            </a:prstGeom>
+          </p:spPr>
+        </p:pic>
+      </p:grpSp>
+      <p:grpSp>
+        <p:nvGrpSpPr>
+          <p:cNvPr id="17" name="그룹 16">
+            <a:extLst>
+              <a:ext uri="{FF2B5EF4-FFF2-40B4-BE49-F238E27FC236}">
+                <a16:creationId xmlns:a16="http://schemas.microsoft.com/office/drawing/2014/main" id="{35181F52-261A-D92E-F3D3-5D6E0669EFF8}"/>
+              </a:ext>
+            </a:extLst>
+          </p:cNvPr>
+          <p:cNvGrpSpPr/>
+          <p:nvPr/>
+        </p:nvGrpSpPr>
+        <p:grpSpPr>
+          <a:xfrm>
+            <a:off x="9403268" y="2279815"/>
+            <a:ext cx="657710" cy="657710"/>
+            <a:chOff x="9773223" y="3820343"/>
+            <a:chExt cx="1108495" cy="1108495"/>
+          </a:xfrm>
+        </p:grpSpPr>
+        <p:sp>
+          <p:nvSpPr>
+            <p:cNvPr id="18" name="직사각형 17">
+              <a:extLst>
+                <a:ext uri="{FF2B5EF4-FFF2-40B4-BE49-F238E27FC236}">
+                  <a16:creationId xmlns:a16="http://schemas.microsoft.com/office/drawing/2014/main" id="{F6DF1B18-5821-ED3F-B056-8B16B1AB4187}"/>
+                </a:ext>
+              </a:extLst>
+            </p:cNvPr>
+            <p:cNvSpPr/>
+            <p:nvPr/>
+          </p:nvSpPr>
+          <p:spPr>
+            <a:xfrm>
+              <a:off x="9773223" y="3820343"/>
+              <a:ext cx="1108495" cy="1108495"/>
+            </a:xfrm>
+            <a:prstGeom prst="rect">
+              <a:avLst/>
+            </a:prstGeom>
+            <a:solidFill>
+              <a:schemeClr val="accent6">
+                <a:lumMod val="40000"/>
+                <a:lumOff val="60000"/>
+              </a:schemeClr>
+            </a:solidFill>
+            <a:ln>
+              <a:solidFill>
+                <a:schemeClr val="tx1"/>
+              </a:solidFill>
+            </a:ln>
+          </p:spPr>
+          <p:style>
+            <a:lnRef idx="2">
+              <a:schemeClr val="accent1">
+                <a:shade val="15000"/>
+              </a:schemeClr>
+            </a:lnRef>
+            <a:fillRef idx="1">
+              <a:schemeClr val="accent1"/>
+            </a:fillRef>
+            <a:effectRef idx="0">
+              <a:schemeClr val="accent1"/>
+            </a:effectRef>
+            <a:fontRef idx="minor">
+              <a:schemeClr val="lt1"/>
+            </a:fontRef>
+          </p:style>
+          <p:txBody>
+            <a:bodyPr rtlCol="0" anchor="ctr"/>
+            <a:lstStyle/>
+            <a:p>
+              <a:pPr algn="ctr"/>
+              <a:endParaRPr lang="ko-KR" altLang="en-US" sz="1400" dirty="0">
+                <a:latin typeface="프리젠테이션 4 Regular" pitchFamily="2" charset="-127"/>
+                <a:ea typeface="프리젠테이션 4 Regular" pitchFamily="2" charset="-127"/>
+              </a:endParaRPr>
+            </a:p>
+          </p:txBody>
+        </p:sp>
+        <p:pic>
+          <p:nvPicPr>
+            <p:cNvPr id="19" name="그림 18" descr="블랙, 어둠이(가) 표시된 사진&#10;&#10;자동 생성된 설명">
+              <a:extLst>
+                <a:ext uri="{FF2B5EF4-FFF2-40B4-BE49-F238E27FC236}">
+                  <a16:creationId xmlns:a16="http://schemas.microsoft.com/office/drawing/2014/main" id="{2A6585FB-0DB2-DDDB-AAE3-DD76DFAFF0B7}"/>
+                </a:ext>
+              </a:extLst>
+            </p:cNvPr>
+            <p:cNvPicPr>
+              <a:picLocks noChangeAspect="1"/>
+            </p:cNvPicPr>
+            <p:nvPr/>
+          </p:nvPicPr>
+          <p:blipFill>
+            <a:blip r:embed="rId5">
+              <a:extLst>
+                <a:ext uri="{28A0092B-C50C-407E-A947-70E740481C1C}">
+                  <a14:useLocalDpi xmlns:a14="http://schemas.microsoft.com/office/drawing/2010/main" val="0"/>
+                </a:ext>
+              </a:extLst>
+            </a:blip>
+            <a:stretch>
+              <a:fillRect/>
+            </a:stretch>
+          </p:blipFill>
+          <p:spPr>
+            <a:xfrm>
+              <a:off x="9945204" y="4003068"/>
+              <a:ext cx="886163" cy="886163"/>
+            </a:xfrm>
+            <a:prstGeom prst="rect">
+              <a:avLst/>
+            </a:prstGeom>
+          </p:spPr>
+        </p:pic>
+      </p:grpSp>
+      <p:sp>
+        <p:nvSpPr>
+          <p:cNvPr id="20" name="직사각형 19">
+            <a:extLst>
+              <a:ext uri="{FF2B5EF4-FFF2-40B4-BE49-F238E27FC236}">
+                <a16:creationId xmlns:a16="http://schemas.microsoft.com/office/drawing/2014/main" id="{AF14328D-78C2-AEC2-7E43-31C430DC4089}"/>
+              </a:ext>
+            </a:extLst>
+          </p:cNvPr>
+          <p:cNvSpPr/>
+          <p:nvPr/>
+        </p:nvSpPr>
+        <p:spPr>
+          <a:xfrm>
+            <a:off x="8342646" y="3677315"/>
+            <a:ext cx="2781037" cy="914400"/>
+          </a:xfrm>
+          <a:prstGeom prst="rect">
+            <a:avLst/>
+          </a:prstGeom>
+          <a:solidFill>
+            <a:schemeClr val="bg1"/>
+          </a:solidFill>
+        </p:spPr>
+        <p:style>
+          <a:lnRef idx="2">
+            <a:schemeClr val="accent1">
+              <a:shade val="15000"/>
+            </a:schemeClr>
+          </a:lnRef>
+          <a:fillRef idx="1">
+            <a:schemeClr val="accent1"/>
+          </a:fillRef>
+          <a:effectRef idx="0">
+            <a:schemeClr val="accent1"/>
+          </a:effectRef>
+          <a:fontRef idx="minor">
+            <a:schemeClr val="lt1"/>
+          </a:fontRef>
+        </p:style>
+        <p:txBody>
+          <a:bodyPr rtlCol="0" anchor="ctr"/>
+          <a:lstStyle/>
+          <a:p>
+            <a:pPr algn="ctr"/>
+            <a:r>
+              <a:rPr lang="ko-KR" altLang="en-US" sz="1400" dirty="0">
+                <a:solidFill>
+                  <a:schemeClr val="tx1"/>
+                </a:solidFill>
+                <a:latin typeface="프리젠테이션 4 Regular" pitchFamily="2" charset="-127"/>
+                <a:ea typeface="프리젠테이션 4 Regular" pitchFamily="2" charset="-127"/>
+              </a:rPr>
+              <a:t>마을 발전</a:t>
+            </a:r>
+          </a:p>
+        </p:txBody>
+      </p:sp>
+      <p:grpSp>
+        <p:nvGrpSpPr>
+          <p:cNvPr id="21" name="그룹 20">
+            <a:extLst>
+              <a:ext uri="{FF2B5EF4-FFF2-40B4-BE49-F238E27FC236}">
+                <a16:creationId xmlns:a16="http://schemas.microsoft.com/office/drawing/2014/main" id="{E1BFEA6F-4B0D-F932-346C-0D11DC9D686E}"/>
+              </a:ext>
+            </a:extLst>
+          </p:cNvPr>
+          <p:cNvGrpSpPr/>
+          <p:nvPr/>
+        </p:nvGrpSpPr>
+        <p:grpSpPr>
+          <a:xfrm>
+            <a:off x="10421862" y="3476805"/>
+            <a:ext cx="657710" cy="657710"/>
+            <a:chOff x="7556233" y="1603353"/>
+            <a:chExt cx="1108495" cy="1108495"/>
+          </a:xfrm>
+        </p:grpSpPr>
+        <p:sp>
+          <p:nvSpPr>
+            <p:cNvPr id="22" name="직사각형 21">
+              <a:extLst>
+                <a:ext uri="{FF2B5EF4-FFF2-40B4-BE49-F238E27FC236}">
+                  <a16:creationId xmlns:a16="http://schemas.microsoft.com/office/drawing/2014/main" id="{1152425D-AE92-658E-ADDF-FA2151CD69DB}"/>
+                </a:ext>
+              </a:extLst>
+            </p:cNvPr>
+            <p:cNvSpPr/>
+            <p:nvPr/>
+          </p:nvSpPr>
+          <p:spPr>
+            <a:xfrm>
+              <a:off x="7556233" y="1603353"/>
+              <a:ext cx="1108495" cy="1108495"/>
+            </a:xfrm>
+            <a:prstGeom prst="rect">
+              <a:avLst/>
+            </a:prstGeom>
+            <a:solidFill>
+              <a:srgbClr val="0070C0"/>
+            </a:solidFill>
+            <a:ln>
+              <a:solidFill>
+                <a:schemeClr val="tx1"/>
+              </a:solidFill>
+            </a:ln>
+          </p:spPr>
+          <p:style>
+            <a:lnRef idx="2">
+              <a:schemeClr val="accent1">
+                <a:shade val="15000"/>
+              </a:schemeClr>
+            </a:lnRef>
+            <a:fillRef idx="1">
+              <a:schemeClr val="accent1"/>
+            </a:fillRef>
+            <a:effectRef idx="0">
+              <a:schemeClr val="accent1"/>
+            </a:effectRef>
+            <a:fontRef idx="minor">
+              <a:schemeClr val="lt1"/>
+            </a:fontRef>
+          </p:style>
+          <p:txBody>
+            <a:bodyPr rtlCol="0" anchor="ctr"/>
+            <a:lstStyle/>
+            <a:p>
+              <a:pPr algn="ctr"/>
+              <a:endParaRPr lang="ko-KR" altLang="en-US" sz="1400">
+                <a:latin typeface="프리젠테이션 4 Regular" pitchFamily="2" charset="-127"/>
+                <a:ea typeface="프리젠테이션 4 Regular" pitchFamily="2" charset="-127"/>
+              </a:endParaRPr>
+            </a:p>
+          </p:txBody>
+        </p:sp>
+        <p:pic>
+          <p:nvPicPr>
+            <p:cNvPr id="23" name="그림 22" descr="블랙, 어둠이(가) 표시된 사진&#10;&#10;자동 생성된 설명">
+              <a:extLst>
+                <a:ext uri="{FF2B5EF4-FFF2-40B4-BE49-F238E27FC236}">
+                  <a16:creationId xmlns:a16="http://schemas.microsoft.com/office/drawing/2014/main" id="{FBCA720F-5C8E-6523-1087-0F95AA1E02B8}"/>
+                </a:ext>
+              </a:extLst>
+            </p:cNvPr>
+            <p:cNvPicPr>
+              <a:picLocks noChangeAspect="1"/>
+            </p:cNvPicPr>
+            <p:nvPr/>
+          </p:nvPicPr>
+          <p:blipFill>
+            <a:blip r:embed="rId6">
+              <a:extLst>
+                <a:ext uri="{28A0092B-C50C-407E-A947-70E740481C1C}">
+                  <a14:useLocalDpi xmlns:a14="http://schemas.microsoft.com/office/drawing/2010/main" val="0"/>
+                </a:ext>
+              </a:extLst>
+            </a:blip>
+            <a:stretch>
+              <a:fillRect/>
+            </a:stretch>
+          </p:blipFill>
+          <p:spPr>
+            <a:xfrm>
+              <a:off x="7701416" y="1840560"/>
+              <a:ext cx="676728" cy="676728"/>
+            </a:xfrm>
+            <a:prstGeom prst="rect">
+              <a:avLst/>
+            </a:prstGeom>
+          </p:spPr>
+        </p:pic>
+      </p:grpSp>
+      <p:sp>
+        <p:nvSpPr>
+          <p:cNvPr id="24" name="직사각형 23">
+            <a:extLst>
+              <a:ext uri="{FF2B5EF4-FFF2-40B4-BE49-F238E27FC236}">
+                <a16:creationId xmlns:a16="http://schemas.microsoft.com/office/drawing/2014/main" id="{812B1053-99F8-BB58-8F6E-F75715CB6615}"/>
+              </a:ext>
+            </a:extLst>
+          </p:cNvPr>
+          <p:cNvSpPr/>
+          <p:nvPr/>
+        </p:nvSpPr>
+        <p:spPr>
+          <a:xfrm>
+            <a:off x="8377688" y="4746268"/>
+            <a:ext cx="2781037" cy="914400"/>
+          </a:xfrm>
+          <a:prstGeom prst="rect">
+            <a:avLst/>
+          </a:prstGeom>
+          <a:solidFill>
+            <a:schemeClr val="bg1"/>
+          </a:solidFill>
+        </p:spPr>
+        <p:style>
+          <a:lnRef idx="2">
+            <a:schemeClr val="accent1">
+              <a:shade val="15000"/>
+            </a:schemeClr>
+          </a:lnRef>
+          <a:fillRef idx="1">
+            <a:schemeClr val="accent1"/>
+          </a:fillRef>
+          <a:effectRef idx="0">
+            <a:schemeClr val="accent1"/>
+          </a:effectRef>
+          <a:fontRef idx="minor">
+            <a:schemeClr val="lt1"/>
+          </a:fontRef>
+        </p:style>
+        <p:txBody>
+          <a:bodyPr rtlCol="0" anchor="ctr"/>
+          <a:lstStyle/>
+          <a:p>
+            <a:pPr algn="ctr"/>
+            <a:r>
+              <a:rPr lang="ko-KR" altLang="en-US" sz="1400" dirty="0">
+                <a:solidFill>
+                  <a:schemeClr val="tx1"/>
+                </a:solidFill>
+                <a:latin typeface="프리젠테이션 4 Regular" pitchFamily="2" charset="-127"/>
+                <a:ea typeface="프리젠테이션 4 Regular" pitchFamily="2" charset="-127"/>
+              </a:rPr>
+              <a:t>오벨리스크 강화</a:t>
+            </a:r>
+          </a:p>
+        </p:txBody>
+      </p:sp>
+      <p:grpSp>
+        <p:nvGrpSpPr>
+          <p:cNvPr id="25" name="그룹 24">
+            <a:extLst>
+              <a:ext uri="{FF2B5EF4-FFF2-40B4-BE49-F238E27FC236}">
+                <a16:creationId xmlns:a16="http://schemas.microsoft.com/office/drawing/2014/main" id="{BCCCAEDB-32C3-326A-3978-A9C421C29A26}"/>
+              </a:ext>
+            </a:extLst>
+          </p:cNvPr>
+          <p:cNvGrpSpPr/>
+          <p:nvPr/>
+        </p:nvGrpSpPr>
+        <p:grpSpPr>
+          <a:xfrm>
+            <a:off x="10703110" y="4650500"/>
+            <a:ext cx="732633" cy="732633"/>
+            <a:chOff x="8664728" y="2711848"/>
+            <a:chExt cx="1108495" cy="1108495"/>
+          </a:xfrm>
+        </p:grpSpPr>
+        <p:sp>
+          <p:nvSpPr>
+            <p:cNvPr id="26" name="직사각형 25">
+              <a:extLst>
+                <a:ext uri="{FF2B5EF4-FFF2-40B4-BE49-F238E27FC236}">
+                  <a16:creationId xmlns:a16="http://schemas.microsoft.com/office/drawing/2014/main" id="{F0312CE3-8D3F-2C5D-ECFB-C4511618BCC6}"/>
+                </a:ext>
+              </a:extLst>
+            </p:cNvPr>
+            <p:cNvSpPr/>
+            <p:nvPr/>
+          </p:nvSpPr>
+          <p:spPr>
+            <a:xfrm>
+              <a:off x="8664728" y="2711848"/>
+              <a:ext cx="1108495" cy="1108495"/>
+            </a:xfrm>
+            <a:prstGeom prst="rect">
+              <a:avLst/>
+            </a:prstGeom>
+            <a:solidFill>
+              <a:schemeClr val="bg1"/>
+            </a:solidFill>
+            <a:ln>
+              <a:solidFill>
+                <a:schemeClr val="tx1"/>
+              </a:solidFill>
+            </a:ln>
+          </p:spPr>
+          <p:style>
+            <a:lnRef idx="2">
+              <a:schemeClr val="accent1">
+                <a:shade val="15000"/>
+              </a:schemeClr>
+            </a:lnRef>
+            <a:fillRef idx="1">
+              <a:schemeClr val="accent1"/>
+            </a:fillRef>
+            <a:effectRef idx="0">
+              <a:schemeClr val="accent1"/>
+            </a:effectRef>
+            <a:fontRef idx="minor">
+              <a:schemeClr val="lt1"/>
+            </a:fontRef>
+          </p:style>
+          <p:txBody>
+            <a:bodyPr rtlCol="0" anchor="ctr"/>
+            <a:lstStyle/>
+            <a:p>
+              <a:pPr algn="ctr"/>
+              <a:endParaRPr lang="ko-KR" altLang="en-US" sz="1400">
+                <a:latin typeface="프리젠테이션 4 Regular" pitchFamily="2" charset="-127"/>
+                <a:ea typeface="프리젠테이션 4 Regular" pitchFamily="2" charset="-127"/>
+              </a:endParaRPr>
+            </a:p>
+          </p:txBody>
+        </p:sp>
+        <p:pic>
+          <p:nvPicPr>
+            <p:cNvPr id="27" name="그림 26" descr="블랙, 어둠이(가) 표시된 사진&#10;&#10;자동 생성된 설명">
+              <a:extLst>
+                <a:ext uri="{FF2B5EF4-FFF2-40B4-BE49-F238E27FC236}">
+                  <a16:creationId xmlns:a16="http://schemas.microsoft.com/office/drawing/2014/main" id="{39976DC9-CE2F-6DBD-51E1-F48F7397D51D}"/>
+                </a:ext>
+              </a:extLst>
+            </p:cNvPr>
+            <p:cNvPicPr>
+              <a:picLocks noChangeAspect="1"/>
+            </p:cNvPicPr>
+            <p:nvPr/>
+          </p:nvPicPr>
+          <p:blipFill>
+            <a:blip r:embed="rId7">
+              <a:extLst>
+                <a:ext uri="{28A0092B-C50C-407E-A947-70E740481C1C}">
+                  <a14:useLocalDpi xmlns:a14="http://schemas.microsoft.com/office/drawing/2010/main" val="0"/>
+                </a:ext>
+              </a:extLst>
+            </a:blip>
+            <a:stretch>
+              <a:fillRect/>
+            </a:stretch>
+          </p:blipFill>
+          <p:spPr>
+            <a:xfrm>
+              <a:off x="8728082" y="2761343"/>
+              <a:ext cx="900001" cy="900001"/>
+            </a:xfrm>
+            <a:prstGeom prst="rect">
+              <a:avLst/>
+            </a:prstGeom>
+          </p:spPr>
+        </p:pic>
+      </p:grpSp>
+      <p:sp>
+        <p:nvSpPr>
+          <p:cNvPr id="28" name="순서도: 대체 처리 27">
+            <a:extLst>
+              <a:ext uri="{FF2B5EF4-FFF2-40B4-BE49-F238E27FC236}">
+                <a16:creationId xmlns:a16="http://schemas.microsoft.com/office/drawing/2014/main" id="{A650DD87-DB10-0531-C370-1FB75FDFEB26}"/>
+              </a:ext>
+            </a:extLst>
+          </p:cNvPr>
+          <p:cNvSpPr/>
+          <p:nvPr/>
+        </p:nvSpPr>
+        <p:spPr>
+          <a:xfrm>
+            <a:off x="4503293" y="3979067"/>
+            <a:ext cx="2822909" cy="612648"/>
+          </a:xfrm>
+          <a:prstGeom prst="flowChartAlternateProcess">
+            <a:avLst/>
+          </a:prstGeom>
+          <a:solidFill>
+            <a:schemeClr val="accent6">
+              <a:lumMod val="50000"/>
+              <a:alpha val="47000"/>
+            </a:schemeClr>
+          </a:solidFill>
+        </p:spPr>
+        <p:style>
+          <a:lnRef idx="2">
+            <a:schemeClr val="accent1">
+              <a:shade val="15000"/>
+            </a:schemeClr>
+          </a:lnRef>
+          <a:fillRef idx="1">
+            <a:schemeClr val="accent1"/>
+          </a:fillRef>
+          <a:effectRef idx="0">
+            <a:schemeClr val="accent1"/>
+          </a:effectRef>
+          <a:fontRef idx="minor">
+            <a:schemeClr val="lt1"/>
+          </a:fontRef>
+        </p:style>
+        <p:txBody>
+          <a:bodyPr rtlCol="0" anchor="ctr"/>
+          <a:lstStyle/>
+          <a:p>
+            <a:pPr algn="ctr"/>
+            <a:r>
+              <a:rPr lang="ko-KR" altLang="en-US" sz="1400" dirty="0">
+                <a:latin typeface="프리젠테이션 4 Regular" pitchFamily="2" charset="-127"/>
+                <a:ea typeface="프리젠테이션 4 Regular" pitchFamily="2" charset="-127"/>
+              </a:rPr>
+              <a:t>골드 사용</a:t>
+            </a:r>
+          </a:p>
+        </p:txBody>
+      </p:sp>
+      <p:sp>
+        <p:nvSpPr>
+          <p:cNvPr id="29" name="사다리꼴 28">
+            <a:extLst>
+              <a:ext uri="{FF2B5EF4-FFF2-40B4-BE49-F238E27FC236}">
+                <a16:creationId xmlns:a16="http://schemas.microsoft.com/office/drawing/2014/main" id="{0DC5213C-4663-F491-8B8A-B575CC691018}"/>
+              </a:ext>
+            </a:extLst>
+          </p:cNvPr>
+          <p:cNvSpPr/>
+          <p:nvPr/>
+        </p:nvSpPr>
+        <p:spPr>
+          <a:xfrm>
+            <a:off x="4570258" y="4789079"/>
+            <a:ext cx="2644719" cy="383102"/>
+          </a:xfrm>
+          <a:prstGeom prst="trapezoid">
+            <a:avLst/>
+          </a:prstGeom>
+          <a:solidFill>
+            <a:schemeClr val="accent4">
+              <a:lumMod val="75000"/>
+            </a:schemeClr>
+          </a:solidFill>
+        </p:spPr>
+        <p:style>
+          <a:lnRef idx="2">
+            <a:schemeClr val="accent1">
+              <a:shade val="15000"/>
+            </a:schemeClr>
+          </a:lnRef>
+          <a:fillRef idx="1">
+            <a:schemeClr val="accent1"/>
+          </a:fillRef>
+          <a:effectRef idx="0">
+            <a:schemeClr val="accent1"/>
+          </a:effectRef>
+          <a:fontRef idx="minor">
+            <a:schemeClr val="lt1"/>
+          </a:fontRef>
+        </p:style>
+        <p:txBody>
+          <a:bodyPr rtlCol="0" anchor="ctr"/>
+          <a:lstStyle/>
+          <a:p>
+            <a:pPr algn="ctr"/>
+            <a:r>
+              <a:rPr lang="en-US" altLang="ko-KR" sz="1400" dirty="0">
+                <a:latin typeface="프리젠테이션 4 Regular" pitchFamily="2" charset="-127"/>
+                <a:ea typeface="프리젠테이션 4 Regular" pitchFamily="2" charset="-127"/>
+              </a:rPr>
+              <a:t>HP</a:t>
+            </a:r>
+            <a:r>
+              <a:rPr lang="ko-KR" altLang="en-US" sz="1400" dirty="0">
+                <a:latin typeface="프리젠테이션 4 Regular" pitchFamily="2" charset="-127"/>
+                <a:ea typeface="프리젠테이션 4 Regular" pitchFamily="2" charset="-127"/>
+              </a:rPr>
+              <a:t> </a:t>
+            </a:r>
+            <a:r>
+              <a:rPr lang="en-US" altLang="ko-KR" sz="1400" dirty="0">
+                <a:latin typeface="프리젠테이션 4 Regular" pitchFamily="2" charset="-127"/>
+                <a:ea typeface="프리젠테이션 4 Regular" pitchFamily="2" charset="-127"/>
+              </a:rPr>
+              <a:t>==</a:t>
+            </a:r>
+            <a:r>
+              <a:rPr lang="ko-KR" altLang="en-US" sz="1400" dirty="0">
+                <a:latin typeface="프리젠테이션 4 Regular" pitchFamily="2" charset="-127"/>
+                <a:ea typeface="프리젠테이션 4 Regular" pitchFamily="2" charset="-127"/>
+              </a:rPr>
+              <a:t> </a:t>
+            </a:r>
+            <a:r>
+              <a:rPr lang="en-US" altLang="ko-KR" sz="1400" dirty="0">
+                <a:latin typeface="프리젠테이션 4 Regular" pitchFamily="2" charset="-127"/>
+                <a:ea typeface="프리젠테이션 4 Regular" pitchFamily="2" charset="-127"/>
+              </a:rPr>
+              <a:t>0</a:t>
+            </a:r>
+            <a:r>
+              <a:rPr lang="ko-KR" altLang="en-US" sz="1400" dirty="0">
+                <a:latin typeface="프리젠테이션 4 Regular" pitchFamily="2" charset="-127"/>
+                <a:ea typeface="프리젠테이션 4 Regular" pitchFamily="2" charset="-127"/>
+              </a:rPr>
+              <a:t> </a:t>
+            </a:r>
+            <a:r>
+              <a:rPr lang="en-US" altLang="ko-KR" sz="1400" dirty="0">
+                <a:latin typeface="프리젠테이션 4 Regular" pitchFamily="2" charset="-127"/>
+                <a:ea typeface="프리젠테이션 4 Regular" pitchFamily="2" charset="-127"/>
+              </a:rPr>
+              <a:t>OR</a:t>
+            </a:r>
+            <a:r>
+              <a:rPr lang="ko-KR" altLang="en-US" sz="1400" dirty="0">
+                <a:latin typeface="프리젠테이션 4 Regular" pitchFamily="2" charset="-127"/>
+                <a:ea typeface="프리젠테이션 4 Regular" pitchFamily="2" charset="-127"/>
+              </a:rPr>
+              <a:t> </a:t>
+            </a:r>
+            <a:r>
+              <a:rPr lang="en-US" altLang="ko-KR" sz="1400" dirty="0">
+                <a:latin typeface="프리젠테이션 4 Regular" pitchFamily="2" charset="-127"/>
+                <a:ea typeface="프리젠테이션 4 Regular" pitchFamily="2" charset="-127"/>
+              </a:rPr>
+              <a:t>30</a:t>
+            </a:r>
+            <a:r>
+              <a:rPr lang="ko-KR" altLang="en-US" sz="1400" dirty="0">
+                <a:latin typeface="프리젠테이션 4 Regular" pitchFamily="2" charset="-127"/>
+                <a:ea typeface="프리젠테이션 4 Regular" pitchFamily="2" charset="-127"/>
+              </a:rPr>
+              <a:t>초 경과</a:t>
+            </a:r>
+          </a:p>
+        </p:txBody>
+      </p:sp>
+      <p:cxnSp>
+        <p:nvCxnSpPr>
+          <p:cNvPr id="30" name="직선 연결선 29">
+            <a:extLst>
+              <a:ext uri="{FF2B5EF4-FFF2-40B4-BE49-F238E27FC236}">
+                <a16:creationId xmlns:a16="http://schemas.microsoft.com/office/drawing/2014/main" id="{2FD12A55-734C-ED0A-55F2-BD7815246002}"/>
+              </a:ext>
+            </a:extLst>
+          </p:cNvPr>
+          <p:cNvCxnSpPr>
+            <a:cxnSpLocks/>
+          </p:cNvCxnSpPr>
+          <p:nvPr/>
+        </p:nvCxnSpPr>
+        <p:spPr>
+          <a:xfrm>
+            <a:off x="3776449" y="2196212"/>
+            <a:ext cx="0" cy="2827270"/>
+          </a:xfrm>
+          <a:prstGeom prst="line">
+            <a:avLst/>
+          </a:prstGeom>
+          <a:ln w="57150">
+            <a:solidFill>
+              <a:srgbClr val="FF0000"/>
+            </a:solidFill>
+          </a:ln>
+        </p:spPr>
+        <p:style>
+          <a:lnRef idx="2">
+            <a:schemeClr val="accent1"/>
+          </a:lnRef>
+          <a:fillRef idx="0">
+            <a:schemeClr val="accent1"/>
+          </a:fillRef>
+          <a:effectRef idx="1">
+            <a:schemeClr val="accent1"/>
+          </a:effectRef>
+          <a:fontRef idx="minor">
+            <a:schemeClr val="tx1"/>
+          </a:fontRef>
+        </p:style>
+      </p:cxnSp>
+      <p:cxnSp>
+        <p:nvCxnSpPr>
+          <p:cNvPr id="31" name="직선 연결선 30">
+            <a:extLst>
+              <a:ext uri="{FF2B5EF4-FFF2-40B4-BE49-F238E27FC236}">
+                <a16:creationId xmlns:a16="http://schemas.microsoft.com/office/drawing/2014/main" id="{424239E1-7150-1B9A-310C-A005568A1090}"/>
+              </a:ext>
+            </a:extLst>
+          </p:cNvPr>
+          <p:cNvCxnSpPr>
+            <a:cxnSpLocks/>
+          </p:cNvCxnSpPr>
+          <p:nvPr/>
+        </p:nvCxnSpPr>
+        <p:spPr>
+          <a:xfrm>
+            <a:off x="3740696" y="2196212"/>
+            <a:ext cx="646608" cy="0"/>
+          </a:xfrm>
+          <a:prstGeom prst="line">
+            <a:avLst/>
+          </a:prstGeom>
+          <a:ln w="38100" cap="flat" cmpd="sng" algn="ctr">
+            <a:solidFill>
+              <a:schemeClr val="accent6"/>
+            </a:solidFill>
+            <a:prstDash val="solid"/>
+            <a:round/>
+            <a:headEnd type="none" w="med" len="med"/>
+            <a:tailEnd type="arrow" w="med" len="med"/>
+          </a:ln>
+        </p:spPr>
+        <p:style>
+          <a:lnRef idx="0">
+            <a:scrgbClr r="0" g="0" b="0"/>
+          </a:lnRef>
+          <a:fillRef idx="0">
+            <a:scrgbClr r="0" g="0" b="0"/>
+          </a:fillRef>
+          <a:effectRef idx="0">
+            <a:scrgbClr r="0" g="0" b="0"/>
+          </a:effectRef>
+          <a:fontRef idx="minor">
+            <a:schemeClr val="tx1"/>
+          </a:fontRef>
+        </p:style>
+      </p:cxnSp>
+      <p:cxnSp>
+        <p:nvCxnSpPr>
+          <p:cNvPr id="32" name="직선 연결선 31">
+            <a:extLst>
+              <a:ext uri="{FF2B5EF4-FFF2-40B4-BE49-F238E27FC236}">
+                <a16:creationId xmlns:a16="http://schemas.microsoft.com/office/drawing/2014/main" id="{F54C958D-5FF6-38C8-EE3D-95165FD32688}"/>
+              </a:ext>
+            </a:extLst>
+          </p:cNvPr>
+          <p:cNvCxnSpPr>
+            <a:cxnSpLocks/>
+          </p:cNvCxnSpPr>
+          <p:nvPr/>
+        </p:nvCxnSpPr>
+        <p:spPr>
+          <a:xfrm>
+            <a:off x="3740696" y="5023482"/>
+            <a:ext cx="646608" cy="0"/>
+          </a:xfrm>
+          <a:prstGeom prst="line">
+            <a:avLst/>
+          </a:prstGeom>
+          <a:ln w="57150">
+            <a:solidFill>
+              <a:srgbClr val="FF0000"/>
+            </a:solidFill>
+          </a:ln>
+        </p:spPr>
+        <p:style>
+          <a:lnRef idx="2">
+            <a:schemeClr val="accent1"/>
+          </a:lnRef>
+          <a:fillRef idx="0">
+            <a:schemeClr val="accent1"/>
+          </a:fillRef>
+          <a:effectRef idx="1">
+            <a:schemeClr val="accent1"/>
+          </a:effectRef>
+          <a:fontRef idx="minor">
+            <a:schemeClr val="tx1"/>
+          </a:fontRef>
+        </p:style>
+      </p:cxnSp>
+      <p:sp>
+        <p:nvSpPr>
+          <p:cNvPr id="33" name="사다리꼴 32">
+            <a:extLst>
+              <a:ext uri="{FF2B5EF4-FFF2-40B4-BE49-F238E27FC236}">
+                <a16:creationId xmlns:a16="http://schemas.microsoft.com/office/drawing/2014/main" id="{414B96F9-BD52-5A81-1504-672F20E2E9FB}"/>
+              </a:ext>
+            </a:extLst>
+          </p:cNvPr>
+          <p:cNvSpPr/>
+          <p:nvPr/>
+        </p:nvSpPr>
+        <p:spPr>
+          <a:xfrm>
+            <a:off x="1736071" y="3744588"/>
+            <a:ext cx="1688360" cy="383102"/>
+          </a:xfrm>
+          <a:prstGeom prst="trapezoid">
+            <a:avLst/>
+          </a:prstGeom>
+          <a:solidFill>
+            <a:schemeClr val="accent4">
+              <a:lumMod val="75000"/>
+            </a:schemeClr>
+          </a:solidFill>
+        </p:spPr>
+        <p:style>
+          <a:lnRef idx="2">
+            <a:schemeClr val="accent1">
+              <a:shade val="15000"/>
+            </a:schemeClr>
+          </a:lnRef>
+          <a:fillRef idx="1">
+            <a:schemeClr val="accent1"/>
+          </a:fillRef>
+          <a:effectRef idx="0">
+            <a:schemeClr val="accent1"/>
+          </a:effectRef>
+          <a:fontRef idx="minor">
+            <a:schemeClr val="lt1"/>
+          </a:fontRef>
+        </p:style>
+        <p:txBody>
+          <a:bodyPr rtlCol="0" anchor="ctr"/>
+          <a:lstStyle/>
+          <a:p>
+            <a:pPr algn="ctr"/>
+            <a:r>
+              <a:rPr lang="en-US" altLang="ko-KR" sz="1400" dirty="0">
+                <a:latin typeface="프리젠테이션 4 Regular" pitchFamily="2" charset="-127"/>
+                <a:ea typeface="프리젠테이션 4 Regular" pitchFamily="2" charset="-127"/>
+              </a:rPr>
+              <a:t>10</a:t>
+            </a:r>
+            <a:r>
+              <a:rPr lang="ko-KR" altLang="en-US" sz="1400" dirty="0">
+                <a:latin typeface="프리젠테이션 4 Regular" pitchFamily="2" charset="-127"/>
+                <a:ea typeface="프리젠테이션 4 Regular" pitchFamily="2" charset="-127"/>
+              </a:rPr>
+              <a:t>번 반복했다면</a:t>
+            </a:r>
+          </a:p>
+        </p:txBody>
+      </p:sp>
+      <p:sp>
+        <p:nvSpPr>
+          <p:cNvPr id="34" name="직사각형 33">
+            <a:extLst>
+              <a:ext uri="{FF2B5EF4-FFF2-40B4-BE49-F238E27FC236}">
+                <a16:creationId xmlns:a16="http://schemas.microsoft.com/office/drawing/2014/main" id="{E9C61704-C6A2-837F-ECA9-B33C43B7F4BE}"/>
+              </a:ext>
+            </a:extLst>
+          </p:cNvPr>
+          <p:cNvSpPr/>
+          <p:nvPr/>
+        </p:nvSpPr>
+        <p:spPr>
+          <a:xfrm>
+            <a:off x="1927715" y="3294213"/>
+            <a:ext cx="1305071" cy="383102"/>
+          </a:xfrm>
+          <a:prstGeom prst="rect">
+            <a:avLst/>
+          </a:prstGeom>
+          <a:solidFill>
+            <a:schemeClr val="bg1">
+              <a:lumMod val="95000"/>
+            </a:schemeClr>
+          </a:solidFill>
+        </p:spPr>
+        <p:style>
+          <a:lnRef idx="2">
+            <a:schemeClr val="accent1">
+              <a:shade val="15000"/>
+            </a:schemeClr>
+          </a:lnRef>
+          <a:fillRef idx="1">
+            <a:schemeClr val="accent1"/>
+          </a:fillRef>
+          <a:effectRef idx="0">
+            <a:schemeClr val="accent1"/>
+          </a:effectRef>
+          <a:fontRef idx="minor">
+            <a:schemeClr val="lt1"/>
+          </a:fontRef>
+        </p:style>
+        <p:txBody>
+          <a:bodyPr rtlCol="0" anchor="ctr"/>
+          <a:lstStyle/>
+          <a:p>
+            <a:pPr algn="ctr"/>
+            <a:r>
+              <a:rPr lang="ko-KR" altLang="en-US" sz="1400" dirty="0">
+                <a:solidFill>
+                  <a:schemeClr val="tx1"/>
+                </a:solidFill>
+                <a:latin typeface="프리젠테이션 4 Regular" pitchFamily="2" charset="-127"/>
+                <a:ea typeface="프리젠테이션 4 Regular" pitchFamily="2" charset="-127"/>
+              </a:rPr>
+              <a:t>반복</a:t>
+            </a:r>
+          </a:p>
+        </p:txBody>
+      </p:sp>
+      <p:cxnSp>
+        <p:nvCxnSpPr>
+          <p:cNvPr id="35" name="직선 연결선 34">
+            <a:extLst>
+              <a:ext uri="{FF2B5EF4-FFF2-40B4-BE49-F238E27FC236}">
+                <a16:creationId xmlns:a16="http://schemas.microsoft.com/office/drawing/2014/main" id="{F5F22764-4A2C-8F49-CB84-671483140924}"/>
+              </a:ext>
+            </a:extLst>
+          </p:cNvPr>
+          <p:cNvCxnSpPr>
+            <a:cxnSpLocks/>
+          </p:cNvCxnSpPr>
+          <p:nvPr/>
+        </p:nvCxnSpPr>
+        <p:spPr>
+          <a:xfrm>
+            <a:off x="2580250" y="4127690"/>
+            <a:ext cx="0" cy="1904810"/>
+          </a:xfrm>
+          <a:prstGeom prst="line">
+            <a:avLst/>
+          </a:prstGeom>
+          <a:ln w="57150">
+            <a:solidFill>
+              <a:srgbClr val="FF0000"/>
+            </a:solidFill>
+          </a:ln>
+        </p:spPr>
+        <p:style>
+          <a:lnRef idx="2">
+            <a:schemeClr val="accent1"/>
+          </a:lnRef>
+          <a:fillRef idx="0">
+            <a:schemeClr val="accent1"/>
+          </a:fillRef>
+          <a:effectRef idx="1">
+            <a:schemeClr val="accent1"/>
+          </a:effectRef>
+          <a:fontRef idx="minor">
+            <a:schemeClr val="tx1"/>
+          </a:fontRef>
+        </p:style>
+      </p:cxnSp>
+      <p:cxnSp>
+        <p:nvCxnSpPr>
+          <p:cNvPr id="36" name="직선 연결선 35">
+            <a:extLst>
+              <a:ext uri="{FF2B5EF4-FFF2-40B4-BE49-F238E27FC236}">
+                <a16:creationId xmlns:a16="http://schemas.microsoft.com/office/drawing/2014/main" id="{1FF1BF76-332A-909F-3B45-9C6346A7D0C3}"/>
+              </a:ext>
+            </a:extLst>
+          </p:cNvPr>
+          <p:cNvCxnSpPr>
+            <a:cxnSpLocks/>
+          </p:cNvCxnSpPr>
+          <p:nvPr/>
+        </p:nvCxnSpPr>
+        <p:spPr>
+          <a:xfrm>
+            <a:off x="2580250" y="6032500"/>
+            <a:ext cx="1483750" cy="0"/>
+          </a:xfrm>
+          <a:prstGeom prst="line">
+            <a:avLst/>
+          </a:prstGeom>
+          <a:ln w="57150">
+            <a:solidFill>
+              <a:srgbClr val="FF0000"/>
+            </a:solidFill>
+          </a:ln>
+        </p:spPr>
+        <p:style>
+          <a:lnRef idx="2">
+            <a:schemeClr val="accent1"/>
+          </a:lnRef>
+          <a:fillRef idx="0">
+            <a:schemeClr val="accent1"/>
+          </a:fillRef>
+          <a:effectRef idx="1">
+            <a:schemeClr val="accent1"/>
+          </a:effectRef>
+          <a:fontRef idx="minor">
+            <a:schemeClr val="tx1"/>
+          </a:fontRef>
+        </p:style>
+      </p:cxnSp>
+      <p:sp>
+        <p:nvSpPr>
+          <p:cNvPr id="37" name="직사각형 36">
+            <a:extLst>
+              <a:ext uri="{FF2B5EF4-FFF2-40B4-BE49-F238E27FC236}">
+                <a16:creationId xmlns:a16="http://schemas.microsoft.com/office/drawing/2014/main" id="{059D7893-4DA1-684C-9B19-4993BE73F2EA}"/>
+              </a:ext>
+            </a:extLst>
+          </p:cNvPr>
+          <p:cNvSpPr/>
+          <p:nvPr/>
+        </p:nvSpPr>
+        <p:spPr>
+          <a:xfrm>
+            <a:off x="4503293" y="5637749"/>
+            <a:ext cx="2781037" cy="914400"/>
+          </a:xfrm>
+          <a:prstGeom prst="rect">
+            <a:avLst/>
+          </a:prstGeom>
+          <a:solidFill>
+            <a:schemeClr val="bg1">
+              <a:lumMod val="95000"/>
+            </a:schemeClr>
+          </a:solidFill>
+        </p:spPr>
+        <p:style>
+          <a:lnRef idx="2">
+            <a:schemeClr val="accent1">
+              <a:shade val="15000"/>
+            </a:schemeClr>
+          </a:lnRef>
+          <a:fillRef idx="1">
+            <a:schemeClr val="accent1"/>
+          </a:fillRef>
+          <a:effectRef idx="0">
+            <a:schemeClr val="accent1"/>
+          </a:effectRef>
+          <a:fontRef idx="minor">
+            <a:schemeClr val="lt1"/>
+          </a:fontRef>
+        </p:style>
+        <p:txBody>
+          <a:bodyPr rtlCol="0" anchor="ctr"/>
+          <a:lstStyle/>
+          <a:p>
+            <a:pPr algn="ctr"/>
+            <a:r>
+              <a:rPr lang="ko-KR" altLang="en-US" sz="1400" dirty="0">
+                <a:solidFill>
+                  <a:schemeClr val="tx1"/>
+                </a:solidFill>
+                <a:latin typeface="프리젠테이션 4 Regular" pitchFamily="2" charset="-127"/>
+                <a:ea typeface="프리젠테이션 4 Regular" pitchFamily="2" charset="-127"/>
+              </a:rPr>
+              <a:t>오벨리스크 위치에</a:t>
+            </a:r>
+            <a:endParaRPr lang="en-US" altLang="ko-KR" sz="1400" dirty="0">
+              <a:solidFill>
+                <a:schemeClr val="tx1"/>
+              </a:solidFill>
+              <a:latin typeface="프리젠테이션 4 Regular" pitchFamily="2" charset="-127"/>
+              <a:ea typeface="프리젠테이션 4 Regular" pitchFamily="2" charset="-127"/>
+            </a:endParaRPr>
+          </a:p>
+          <a:p>
+            <a:pPr algn="ctr"/>
+            <a:r>
+              <a:rPr lang="ko-KR" altLang="en-US" sz="1400" dirty="0">
+                <a:solidFill>
+                  <a:schemeClr val="tx1"/>
+                </a:solidFill>
+                <a:latin typeface="프리젠테이션 4 Regular" pitchFamily="2" charset="-127"/>
+                <a:ea typeface="프리젠테이션 4 Regular" pitchFamily="2" charset="-127"/>
+              </a:rPr>
+              <a:t>보스 등장</a:t>
+            </a:r>
+          </a:p>
+        </p:txBody>
+      </p:sp>
+      <p:cxnSp>
+        <p:nvCxnSpPr>
+          <p:cNvPr id="38" name="직선 화살표 연결선 37">
+            <a:extLst>
+              <a:ext uri="{FF2B5EF4-FFF2-40B4-BE49-F238E27FC236}">
+                <a16:creationId xmlns:a16="http://schemas.microsoft.com/office/drawing/2014/main" id="{CB8FE32E-F5F7-6FB9-88BB-8D252C5DC82A}"/>
+              </a:ext>
+            </a:extLst>
+          </p:cNvPr>
+          <p:cNvCxnSpPr>
+            <a:stCxn id="34" idx="0"/>
+          </p:cNvCxnSpPr>
+          <p:nvPr/>
+        </p:nvCxnSpPr>
+        <p:spPr>
+          <a:xfrm flipH="1" flipV="1">
+            <a:off x="2580250" y="2764640"/>
+            <a:ext cx="1" cy="529573"/>
+          </a:xfrm>
+          <a:prstGeom prst="straightConnector1">
+            <a:avLst/>
+          </a:prstGeom>
+          <a:ln w="28575">
+            <a:solidFill>
+              <a:srgbClr val="FFC000"/>
+            </a:solidFill>
+            <a:tailEnd type="triangle"/>
+          </a:ln>
+        </p:spPr>
+        <p:style>
+          <a:lnRef idx="2">
+            <a:schemeClr val="accent1"/>
+          </a:lnRef>
+          <a:fillRef idx="0">
+            <a:schemeClr val="accent1"/>
+          </a:fillRef>
+          <a:effectRef idx="1">
+            <a:schemeClr val="accent1"/>
+          </a:effectRef>
+          <a:fontRef idx="minor">
+            <a:schemeClr val="tx1"/>
+          </a:fontRef>
+        </p:style>
+      </p:cxnSp>
+      <p:sp>
+        <p:nvSpPr>
+          <p:cNvPr id="39" name="직사각형 38">
+            <a:extLst>
+              <a:ext uri="{FF2B5EF4-FFF2-40B4-BE49-F238E27FC236}">
+                <a16:creationId xmlns:a16="http://schemas.microsoft.com/office/drawing/2014/main" id="{88FEB05F-8E1A-7541-E53B-C2B5DE522933}"/>
+              </a:ext>
+            </a:extLst>
+          </p:cNvPr>
+          <p:cNvSpPr/>
+          <p:nvPr/>
+        </p:nvSpPr>
+        <p:spPr>
+          <a:xfrm>
+            <a:off x="1902709" y="2314265"/>
+            <a:ext cx="1305071" cy="383102"/>
+          </a:xfrm>
+          <a:prstGeom prst="rect">
+            <a:avLst/>
+          </a:prstGeom>
+          <a:solidFill>
+            <a:schemeClr val="bg1">
+              <a:lumMod val="95000"/>
+            </a:schemeClr>
+          </a:solidFill>
+        </p:spPr>
+        <p:style>
+          <a:lnRef idx="2">
+            <a:schemeClr val="accent1">
+              <a:shade val="15000"/>
+            </a:schemeClr>
+          </a:lnRef>
+          <a:fillRef idx="1">
+            <a:schemeClr val="accent1"/>
+          </a:fillRef>
+          <a:effectRef idx="0">
+            <a:schemeClr val="accent1"/>
+          </a:effectRef>
+          <a:fontRef idx="minor">
+            <a:schemeClr val="lt1"/>
+          </a:fontRef>
+        </p:style>
+        <p:txBody>
+          <a:bodyPr rtlCol="0" anchor="ctr"/>
+          <a:lstStyle/>
+          <a:p>
+            <a:pPr algn="ctr"/>
+            <a:r>
+              <a:rPr lang="ko-KR" altLang="en-US" sz="1400">
+                <a:solidFill>
+                  <a:schemeClr val="tx1"/>
+                </a:solidFill>
+                <a:latin typeface="프리젠테이션 4 Regular" pitchFamily="2" charset="-127"/>
+                <a:ea typeface="프리젠테이션 4 Regular" pitchFamily="2" charset="-127"/>
+              </a:rPr>
+              <a:t>적 </a:t>
+            </a:r>
+            <a:r>
+              <a:rPr lang="en-US" altLang="ko-KR" sz="1400" dirty="0">
+                <a:solidFill>
+                  <a:schemeClr val="tx1"/>
+                </a:solidFill>
+                <a:latin typeface="프리젠테이션 4 Regular" pitchFamily="2" charset="-127"/>
+                <a:ea typeface="프리젠테이션 4 Regular" pitchFamily="2" charset="-127"/>
+              </a:rPr>
+              <a:t>2</a:t>
+            </a:r>
+            <a:r>
+              <a:rPr lang="ko-KR" altLang="en-US" sz="1400" dirty="0">
+                <a:solidFill>
+                  <a:schemeClr val="tx1"/>
+                </a:solidFill>
+                <a:latin typeface="프리젠테이션 4 Regular" pitchFamily="2" charset="-127"/>
+                <a:ea typeface="프리젠테이션 4 Regular" pitchFamily="2" charset="-127"/>
+              </a:rPr>
+              <a:t>마리씩 추가</a:t>
+            </a:r>
+          </a:p>
+        </p:txBody>
+      </p:sp>
+      <p:sp>
+        <p:nvSpPr>
+          <p:cNvPr id="40" name="사다리꼴 39">
+            <a:extLst>
+              <a:ext uri="{FF2B5EF4-FFF2-40B4-BE49-F238E27FC236}">
+                <a16:creationId xmlns:a16="http://schemas.microsoft.com/office/drawing/2014/main" id="{8F442CCD-5E55-3D55-E29B-BAAF1B552252}"/>
+              </a:ext>
+            </a:extLst>
+          </p:cNvPr>
+          <p:cNvSpPr/>
+          <p:nvPr/>
+        </p:nvSpPr>
+        <p:spPr>
+          <a:xfrm>
+            <a:off x="1741460" y="1849185"/>
+            <a:ext cx="1688360" cy="383102"/>
+          </a:xfrm>
+          <a:prstGeom prst="trapezoid">
+            <a:avLst/>
+          </a:prstGeom>
+          <a:solidFill>
+            <a:schemeClr val="accent4">
+              <a:lumMod val="75000"/>
+            </a:schemeClr>
+          </a:solidFill>
+        </p:spPr>
+        <p:style>
+          <a:lnRef idx="2">
+            <a:schemeClr val="accent1">
+              <a:shade val="15000"/>
+            </a:schemeClr>
+          </a:lnRef>
+          <a:fillRef idx="1">
+            <a:schemeClr val="accent1"/>
+          </a:fillRef>
+          <a:effectRef idx="0">
+            <a:schemeClr val="accent1"/>
+          </a:effectRef>
+          <a:fontRef idx="minor">
+            <a:schemeClr val="lt1"/>
+          </a:fontRef>
+        </p:style>
+        <p:txBody>
+          <a:bodyPr rtlCol="0" anchor="ctr"/>
+          <a:lstStyle/>
+          <a:p>
+            <a:pPr algn="ctr"/>
+            <a:r>
+              <a:rPr lang="ko-KR" altLang="en-US" sz="1400" dirty="0">
+                <a:latin typeface="프리젠테이션 4 Regular" pitchFamily="2" charset="-127"/>
+                <a:ea typeface="프리젠테이션 4 Regular" pitchFamily="2" charset="-127"/>
+              </a:rPr>
+              <a:t>특정 적 </a:t>
+            </a:r>
+            <a:r>
+              <a:rPr lang="en-US" altLang="ko-KR" sz="1400" dirty="0">
+                <a:latin typeface="프리젠테이션 4 Regular" pitchFamily="2" charset="-127"/>
+                <a:ea typeface="프리젠테이션 4 Regular" pitchFamily="2" charset="-127"/>
+              </a:rPr>
+              <a:t>&gt;= 5</a:t>
+            </a:r>
+            <a:endParaRPr lang="ko-KR" altLang="en-US" sz="1400" dirty="0">
+              <a:latin typeface="프리젠테이션 4 Regular" pitchFamily="2" charset="-127"/>
+              <a:ea typeface="프리젠테이션 4 Regular" pitchFamily="2" charset="-127"/>
+            </a:endParaRPr>
+          </a:p>
+        </p:txBody>
+      </p:sp>
+      <p:cxnSp>
+        <p:nvCxnSpPr>
+          <p:cNvPr id="41" name="직선 연결선 40">
+            <a:extLst>
+              <a:ext uri="{FF2B5EF4-FFF2-40B4-BE49-F238E27FC236}">
+                <a16:creationId xmlns:a16="http://schemas.microsoft.com/office/drawing/2014/main" id="{4CF634EF-996E-B547-6B78-33328275E92C}"/>
+              </a:ext>
+            </a:extLst>
+          </p:cNvPr>
+          <p:cNvCxnSpPr>
+            <a:cxnSpLocks/>
+            <a:endCxn id="40" idx="1"/>
+          </p:cNvCxnSpPr>
+          <p:nvPr/>
+        </p:nvCxnSpPr>
+        <p:spPr>
+          <a:xfrm>
+            <a:off x="1460500" y="2040736"/>
+            <a:ext cx="328848" cy="0"/>
+          </a:xfrm>
+          <a:prstGeom prst="line">
+            <a:avLst/>
+          </a:prstGeom>
+        </p:spPr>
+        <p:style>
+          <a:lnRef idx="2">
+            <a:schemeClr val="accent1"/>
+          </a:lnRef>
+          <a:fillRef idx="0">
+            <a:schemeClr val="accent1"/>
+          </a:fillRef>
+          <a:effectRef idx="1">
+            <a:schemeClr val="accent1"/>
+          </a:effectRef>
+          <a:fontRef idx="minor">
+            <a:schemeClr val="tx1"/>
+          </a:fontRef>
+        </p:style>
+      </p:cxnSp>
+      <p:sp>
+        <p:nvSpPr>
+          <p:cNvPr id="42" name="직사각형 41">
+            <a:extLst>
+              <a:ext uri="{FF2B5EF4-FFF2-40B4-BE49-F238E27FC236}">
+                <a16:creationId xmlns:a16="http://schemas.microsoft.com/office/drawing/2014/main" id="{A24B87D2-7188-0CE1-888C-C0E842A9C6DC}"/>
+              </a:ext>
+            </a:extLst>
+          </p:cNvPr>
+          <p:cNvSpPr/>
+          <p:nvPr/>
+        </p:nvSpPr>
+        <p:spPr>
+          <a:xfrm>
+            <a:off x="213609" y="1799520"/>
+            <a:ext cx="1305071" cy="383102"/>
+          </a:xfrm>
+          <a:prstGeom prst="rect">
+            <a:avLst/>
+          </a:prstGeom>
+          <a:solidFill>
+            <a:schemeClr val="bg1">
+              <a:lumMod val="95000"/>
+            </a:schemeClr>
+          </a:solidFill>
+        </p:spPr>
+        <p:style>
+          <a:lnRef idx="2">
+            <a:schemeClr val="accent1">
+              <a:shade val="15000"/>
+            </a:schemeClr>
+          </a:lnRef>
+          <a:fillRef idx="1">
+            <a:schemeClr val="accent1"/>
+          </a:fillRef>
+          <a:effectRef idx="0">
+            <a:schemeClr val="accent1"/>
+          </a:effectRef>
+          <a:fontRef idx="minor">
+            <a:schemeClr val="lt1"/>
+          </a:fontRef>
+        </p:style>
+        <p:txBody>
+          <a:bodyPr rtlCol="0" anchor="ctr"/>
+          <a:lstStyle/>
+          <a:p>
+            <a:pPr algn="ctr"/>
+            <a:r>
+              <a:rPr lang="ko-KR" altLang="en-US" sz="1400" dirty="0">
+                <a:solidFill>
+                  <a:schemeClr val="tx1"/>
+                </a:solidFill>
+                <a:latin typeface="프리젠테이션 4 Regular" pitchFamily="2" charset="-127"/>
+                <a:ea typeface="프리젠테이션 4 Regular" pitchFamily="2" charset="-127"/>
+              </a:rPr>
+              <a:t>해당 적 강화</a:t>
+            </a:r>
+          </a:p>
+        </p:txBody>
+      </p:sp>
+      <p:cxnSp>
+        <p:nvCxnSpPr>
+          <p:cNvPr id="43" name="직선 화살표 연결선 42">
+            <a:extLst>
+              <a:ext uri="{FF2B5EF4-FFF2-40B4-BE49-F238E27FC236}">
+                <a16:creationId xmlns:a16="http://schemas.microsoft.com/office/drawing/2014/main" id="{16B483CB-F836-0095-8BC1-3390FC176F44}"/>
+              </a:ext>
+            </a:extLst>
+          </p:cNvPr>
+          <p:cNvCxnSpPr>
+            <a:cxnSpLocks/>
+          </p:cNvCxnSpPr>
+          <p:nvPr/>
+        </p:nvCxnSpPr>
+        <p:spPr>
+          <a:xfrm>
+            <a:off x="2580250" y="6032500"/>
+            <a:ext cx="1525622" cy="0"/>
+          </a:xfrm>
+          <a:prstGeom prst="straightConnector1">
+            <a:avLst/>
+          </a:prstGeom>
+          <a:ln w="28575">
+            <a:solidFill>
+              <a:srgbClr val="FFC000"/>
+            </a:solidFill>
+            <a:tailEnd type="triangle"/>
+          </a:ln>
+        </p:spPr>
+        <p:style>
+          <a:lnRef idx="2">
+            <a:schemeClr val="accent1"/>
+          </a:lnRef>
+          <a:fillRef idx="0">
+            <a:schemeClr val="accent1"/>
+          </a:fillRef>
+          <a:effectRef idx="1">
+            <a:schemeClr val="accent1"/>
+          </a:effectRef>
+          <a:fontRef idx="minor">
+            <a:schemeClr val="tx1"/>
+          </a:fontRef>
+        </p:style>
+      </p:cxnSp>
+      <p:sp>
+        <p:nvSpPr>
+          <p:cNvPr id="44" name="직사각형 43">
+            <a:extLst>
+              <a:ext uri="{FF2B5EF4-FFF2-40B4-BE49-F238E27FC236}">
+                <a16:creationId xmlns:a16="http://schemas.microsoft.com/office/drawing/2014/main" id="{82EF1D47-CAE6-0A13-3555-F681E136F47E}"/>
+              </a:ext>
+            </a:extLst>
+          </p:cNvPr>
+          <p:cNvSpPr/>
+          <p:nvPr/>
+        </p:nvSpPr>
+        <p:spPr>
+          <a:xfrm>
+            <a:off x="4503293" y="3476805"/>
+            <a:ext cx="2781037" cy="1100533"/>
+          </a:xfrm>
+          <a:prstGeom prst="rect">
+            <a:avLst/>
+          </a:prstGeom>
+          <a:noFill/>
+          <a:ln w="38100">
+            <a:solidFill>
+              <a:srgbClr val="FFC000"/>
+            </a:solidFill>
+            <a:prstDash val="sysDash"/>
+          </a:ln>
+        </p:spPr>
+        <p:style>
+          <a:lnRef idx="2">
+            <a:schemeClr val="accent1">
+              <a:shade val="15000"/>
+            </a:schemeClr>
+          </a:lnRef>
+          <a:fillRef idx="1">
+            <a:schemeClr val="accent1"/>
+          </a:fillRef>
+          <a:effectRef idx="0">
+            <a:schemeClr val="accent1"/>
+          </a:effectRef>
+          <a:fontRef idx="minor">
+            <a:schemeClr val="lt1"/>
+          </a:fontRef>
+        </p:style>
+        <p:txBody>
+          <a:bodyPr rtlCol="0" anchor="ctr"/>
+          <a:lstStyle/>
+          <a:p>
+            <a:pPr algn="r"/>
+            <a:r>
+              <a:rPr lang="en-US" altLang="ko-KR" dirty="0">
+                <a:solidFill>
+                  <a:schemeClr val="accent5">
+                    <a:lumMod val="75000"/>
+                  </a:schemeClr>
+                </a:solidFill>
+                <a:latin typeface="HY견고딕" panose="02030600000101010101" pitchFamily="18" charset="-127"/>
+                <a:ea typeface="HY견고딕" panose="02030600000101010101" pitchFamily="18" charset="-127"/>
+              </a:rPr>
+              <a:t>(</a:t>
+            </a:r>
+            <a:r>
+              <a:rPr lang="ko-KR" altLang="en-US" dirty="0">
+                <a:solidFill>
+                  <a:schemeClr val="accent5">
+                    <a:lumMod val="75000"/>
+                  </a:schemeClr>
+                </a:solidFill>
+                <a:latin typeface="HY견고딕" panose="02030600000101010101" pitchFamily="18" charset="-127"/>
+                <a:ea typeface="HY견고딕" panose="02030600000101010101" pitchFamily="18" charset="-127"/>
+              </a:rPr>
+              <a:t>추가요소</a:t>
+            </a:r>
+            <a:r>
+              <a:rPr lang="en-US" altLang="ko-KR" dirty="0">
+                <a:solidFill>
+                  <a:schemeClr val="accent5">
+                    <a:lumMod val="75000"/>
+                  </a:schemeClr>
+                </a:solidFill>
+                <a:latin typeface="HY견고딕" panose="02030600000101010101" pitchFamily="18" charset="-127"/>
+                <a:ea typeface="HY견고딕" panose="02030600000101010101" pitchFamily="18" charset="-127"/>
+              </a:rPr>
+              <a:t>)</a:t>
+            </a:r>
+            <a:endParaRPr lang="ko-KR" altLang="en-US" dirty="0">
+              <a:solidFill>
+                <a:schemeClr val="accent5">
+                  <a:lumMod val="75000"/>
+                </a:schemeClr>
+              </a:solidFill>
+              <a:latin typeface="HY견고딕" panose="02030600000101010101" pitchFamily="18" charset="-127"/>
+              <a:ea typeface="HY견고딕" panose="02030600000101010101" pitchFamily="18" charset="-127"/>
+            </a:endParaRPr>
+          </a:p>
+        </p:txBody>
+      </p:sp>
+      <p:sp>
+        <p:nvSpPr>
+          <p:cNvPr id="45" name="직사각형 44">
+            <a:extLst>
+              <a:ext uri="{FF2B5EF4-FFF2-40B4-BE49-F238E27FC236}">
+                <a16:creationId xmlns:a16="http://schemas.microsoft.com/office/drawing/2014/main" id="{CC088C5E-B43C-E661-901D-C2EBCBFC1B33}"/>
+              </a:ext>
+            </a:extLst>
+          </p:cNvPr>
+          <p:cNvSpPr/>
+          <p:nvPr/>
+        </p:nvSpPr>
+        <p:spPr>
+          <a:xfrm>
+            <a:off x="8336094" y="2130546"/>
+            <a:ext cx="3192885" cy="3685791"/>
+          </a:xfrm>
+          <a:prstGeom prst="rect">
+            <a:avLst/>
+          </a:prstGeom>
+          <a:noFill/>
+          <a:ln w="38100">
+            <a:solidFill>
+              <a:srgbClr val="FFC000"/>
+            </a:solidFill>
+            <a:prstDash val="lgDashDot"/>
+          </a:ln>
+        </p:spPr>
+        <p:style>
+          <a:lnRef idx="2">
+            <a:schemeClr val="accent1">
+              <a:shade val="15000"/>
+            </a:schemeClr>
+          </a:lnRef>
+          <a:fillRef idx="1">
+            <a:schemeClr val="accent1"/>
+          </a:fillRef>
+          <a:effectRef idx="0">
+            <a:schemeClr val="accent1"/>
+          </a:effectRef>
+          <a:fontRef idx="minor">
+            <a:schemeClr val="lt1"/>
+          </a:fontRef>
+        </p:style>
+        <p:txBody>
+          <a:bodyPr rtlCol="0" anchor="ctr"/>
+          <a:lstStyle/>
+          <a:p>
+            <a:endParaRPr lang="en-US" altLang="ko-KR" dirty="0">
+              <a:solidFill>
+                <a:schemeClr val="accent5">
+                  <a:lumMod val="50000"/>
+                </a:schemeClr>
+              </a:solidFill>
+            </a:endParaRPr>
+          </a:p>
+          <a:p>
+            <a:endParaRPr lang="en-US" altLang="ko-KR" dirty="0">
+              <a:solidFill>
+                <a:schemeClr val="accent5">
+                  <a:lumMod val="50000"/>
+                </a:schemeClr>
+              </a:solidFill>
+            </a:endParaRPr>
+          </a:p>
+          <a:p>
+            <a:endParaRPr lang="en-US" altLang="ko-KR" dirty="0">
+              <a:solidFill>
+                <a:schemeClr val="accent5">
+                  <a:lumMod val="50000"/>
+                </a:schemeClr>
+              </a:solidFill>
+            </a:endParaRPr>
+          </a:p>
+          <a:p>
+            <a:endParaRPr lang="en-US" altLang="ko-KR" dirty="0">
+              <a:solidFill>
+                <a:schemeClr val="accent5">
+                  <a:lumMod val="50000"/>
+                </a:schemeClr>
+              </a:solidFill>
+            </a:endParaRPr>
+          </a:p>
+          <a:p>
+            <a:endParaRPr lang="en-US" altLang="ko-KR" dirty="0">
+              <a:solidFill>
+                <a:schemeClr val="accent5">
+                  <a:lumMod val="50000"/>
+                </a:schemeClr>
+              </a:solidFill>
+            </a:endParaRPr>
+          </a:p>
+          <a:p>
+            <a:endParaRPr lang="en-US" altLang="ko-KR" dirty="0">
+              <a:solidFill>
+                <a:schemeClr val="accent5">
+                  <a:lumMod val="50000"/>
+                </a:schemeClr>
+              </a:solidFill>
+            </a:endParaRPr>
+          </a:p>
+          <a:p>
+            <a:endParaRPr lang="en-US" altLang="ko-KR" dirty="0">
+              <a:solidFill>
+                <a:schemeClr val="accent5">
+                  <a:lumMod val="50000"/>
+                </a:schemeClr>
+              </a:solidFill>
+            </a:endParaRPr>
+          </a:p>
+          <a:p>
+            <a:endParaRPr lang="en-US" altLang="ko-KR" dirty="0">
+              <a:solidFill>
+                <a:schemeClr val="accent5">
+                  <a:lumMod val="50000"/>
+                </a:schemeClr>
+              </a:solidFill>
+            </a:endParaRPr>
+          </a:p>
+          <a:p>
+            <a:endParaRPr lang="en-US" altLang="ko-KR" dirty="0">
+              <a:solidFill>
+                <a:schemeClr val="accent5">
+                  <a:lumMod val="50000"/>
+                </a:schemeClr>
+              </a:solidFill>
+            </a:endParaRPr>
+          </a:p>
+          <a:p>
+            <a:endParaRPr lang="en-US" altLang="ko-KR" dirty="0">
+              <a:solidFill>
+                <a:schemeClr val="accent5">
+                  <a:lumMod val="50000"/>
+                </a:schemeClr>
+              </a:solidFill>
+            </a:endParaRPr>
+          </a:p>
+          <a:p>
+            <a:endParaRPr lang="en-US" altLang="ko-KR" dirty="0">
+              <a:solidFill>
+                <a:schemeClr val="accent5">
+                  <a:lumMod val="50000"/>
+                </a:schemeClr>
+              </a:solidFill>
+            </a:endParaRPr>
+          </a:p>
+          <a:p>
+            <a:r>
+              <a:rPr lang="en-US" altLang="ko-KR" b="1" dirty="0">
+                <a:solidFill>
+                  <a:schemeClr val="accent5">
+                    <a:lumMod val="50000"/>
+                  </a:schemeClr>
+                </a:solidFill>
+                <a:latin typeface="HY견고딕" panose="02030600000101010101" pitchFamily="18" charset="-127"/>
+                <a:ea typeface="HY견고딕" panose="02030600000101010101" pitchFamily="18" charset="-127"/>
+              </a:rPr>
+              <a:t>(</a:t>
+            </a:r>
+            <a:r>
+              <a:rPr lang="ko-KR" altLang="en-US" b="1" dirty="0">
+                <a:solidFill>
+                  <a:schemeClr val="accent5">
+                    <a:lumMod val="50000"/>
+                  </a:schemeClr>
+                </a:solidFill>
+                <a:latin typeface="HY견고딕" panose="02030600000101010101" pitchFamily="18" charset="-127"/>
+                <a:ea typeface="HY견고딕" panose="02030600000101010101" pitchFamily="18" charset="-127"/>
+              </a:rPr>
+              <a:t>추가요소</a:t>
+            </a:r>
+            <a:r>
+              <a:rPr lang="en-US" altLang="ko-KR" b="1" dirty="0">
+                <a:solidFill>
+                  <a:schemeClr val="accent5">
+                    <a:lumMod val="50000"/>
+                  </a:schemeClr>
+                </a:solidFill>
+                <a:latin typeface="HY견고딕" panose="02030600000101010101" pitchFamily="18" charset="-127"/>
+                <a:ea typeface="HY견고딕" panose="02030600000101010101" pitchFamily="18" charset="-127"/>
+              </a:rPr>
+              <a:t>)</a:t>
+            </a:r>
+            <a:endParaRPr lang="ko-KR" altLang="en-US" b="1" dirty="0">
+              <a:solidFill>
+                <a:schemeClr val="accent5">
+                  <a:lumMod val="50000"/>
+                </a:schemeClr>
+              </a:solidFill>
+              <a:latin typeface="HY견고딕" panose="02030600000101010101" pitchFamily="18" charset="-127"/>
+              <a:ea typeface="HY견고딕" panose="02030600000101010101" pitchFamily="18" charset="-127"/>
+            </a:endParaRPr>
+          </a:p>
+        </p:txBody>
+      </p:sp>
+      <p:cxnSp>
+        <p:nvCxnSpPr>
+          <p:cNvPr id="46" name="직선 연결선 45">
+            <a:extLst>
+              <a:ext uri="{FF2B5EF4-FFF2-40B4-BE49-F238E27FC236}">
+                <a16:creationId xmlns:a16="http://schemas.microsoft.com/office/drawing/2014/main" id="{D6CA80B3-2AC7-7460-65B8-D81FFC7FEF1A}"/>
+              </a:ext>
+            </a:extLst>
+          </p:cNvPr>
+          <p:cNvCxnSpPr>
+            <a:cxnSpLocks/>
+          </p:cNvCxnSpPr>
+          <p:nvPr/>
+        </p:nvCxnSpPr>
+        <p:spPr>
+          <a:xfrm>
+            <a:off x="3776449" y="3215107"/>
+            <a:ext cx="844060" cy="0"/>
+          </a:xfrm>
+          <a:prstGeom prst="line">
+            <a:avLst/>
+          </a:prstGeom>
+          <a:ln w="57150">
+            <a:solidFill>
+              <a:srgbClr val="FF0000"/>
+            </a:solidFill>
+          </a:ln>
+        </p:spPr>
+        <p:style>
+          <a:lnRef idx="2">
+            <a:schemeClr val="accent1"/>
+          </a:lnRef>
+          <a:fillRef idx="0">
+            <a:schemeClr val="accent1"/>
+          </a:fillRef>
+          <a:effectRef idx="1">
+            <a:schemeClr val="accent1"/>
+          </a:effectRef>
+          <a:fontRef idx="minor">
+            <a:schemeClr val="tx1"/>
+          </a:fontRef>
+        </p:style>
+      </p:cxnSp>
+    </p:spTree>
+    <p:extLst>
+      <p:ext uri="{BB962C8B-B14F-4D97-AF65-F5344CB8AC3E}">
+        <p14:creationId xmlns:p14="http://schemas.microsoft.com/office/powerpoint/2010/main" val="3155627526"/>
+      </p:ext>
+    </p:extLst>
+  </p:cSld>
+  <p:clrMapOvr>
+    <a:masterClrMapping/>
+  </p:clrMapOvr>
+</p:sld>
+</file>
+
+<file path=ppt/slides/slide9.xml><?xml version="1.0" encoding="utf-8"?>
+<p:sld xmlns:a="http://schemas.openxmlformats.org/drawingml/2006/main" xmlns:r="http://schemas.openxmlformats.org/officeDocument/2006/relationships" xmlns:p="http://schemas.openxmlformats.org/presentationml/2006/main">
+  <p:cSld>
+    <p:spTree>
+      <p:nvGrpSpPr>
         <p:cNvPr id="1" name="">
           <a:extLst>
             <a:ext uri="{FF2B5EF4-FFF2-40B4-BE49-F238E27FC236}">
@@ -7680,6 +11496,42 @@
           <a:chExt cx="0" cy="0"/>
         </a:xfrm>
       </p:grpSpPr>
+      <p:pic>
+        <p:nvPicPr>
+          <p:cNvPr id="11" name="그림 10" descr="페인팅, 스케치, 예술, 그림이(가) 표시된 사진&#10;&#10;자동 생성된 설명">
+            <a:extLst>
+              <a:ext uri="{FF2B5EF4-FFF2-40B4-BE49-F238E27FC236}">
+                <a16:creationId xmlns:a16="http://schemas.microsoft.com/office/drawing/2014/main" id="{68F49971-07D9-134B-84DA-3A655711FD8D}"/>
+              </a:ext>
+            </a:extLst>
+          </p:cNvPr>
+          <p:cNvPicPr>
+            <a:picLocks noChangeAspect="1"/>
+          </p:cNvPicPr>
+          <p:nvPr/>
+        </p:nvPicPr>
+        <p:blipFill>
+          <a:blip r:embed="rId2">
+            <a:alphaModFix amt="51000"/>
+            <a:extLst>
+              <a:ext uri="{28A0092B-C50C-407E-A947-70E740481C1C}">
+                <a14:useLocalDpi xmlns:a14="http://schemas.microsoft.com/office/drawing/2010/main" val="0"/>
+              </a:ext>
+            </a:extLst>
+          </a:blip>
+          <a:srcRect t="50636" r="1" b="5619"/>
+          <a:stretch/>
+        </p:blipFill>
+        <p:spPr>
+          <a:xfrm>
+            <a:off x="20" y="10"/>
+            <a:ext cx="12188930" cy="6857990"/>
+          </a:xfrm>
+          <a:prstGeom prst="rect">
+            <a:avLst/>
+          </a:prstGeom>
+        </p:spPr>
+      </p:pic>
       <p:graphicFrame>
         <p:nvGraphicFramePr>
           <p:cNvPr id="10" name="표 9">
@@ -7695,7 +11547,7 @@
           <p:nvPr>
             <p:extLst>
               <p:ext uri="{D42A27DB-BD31-4B8C-83A1-F6EECF244321}">
-                <p14:modId xmlns:p14="http://schemas.microsoft.com/office/powerpoint/2010/main" val="682109117"/>
+                <p14:modId xmlns:p14="http://schemas.microsoft.com/office/powerpoint/2010/main" val="1573519616"/>
               </p:ext>
             </p:extLst>
           </p:nvPr>
@@ -7741,40 +11593,70 @@
                     <a:p>
                       <a:pPr algn="ctr" latinLnBrk="1"/>
                       <a:r>
-                        <a:rPr lang="ko-KR" altLang="en-US" sz="1800" dirty="0"/>
+                        <a:rPr lang="ko-KR" altLang="en-US" sz="2400" dirty="0">
+                          <a:latin typeface="HY견고딕" panose="02030600000101010101" pitchFamily="18" charset="-127"/>
+                          <a:ea typeface="HY견고딕" panose="02030600000101010101" pitchFamily="18" charset="-127"/>
+                        </a:rPr>
                         <a:t>주차</a:t>
                       </a:r>
                     </a:p>
                   </a:txBody>
-                  <a:tcPr/>
+                  <a:tcPr>
+                    <a:solidFill>
+                      <a:schemeClr val="bg1">
+                        <a:lumMod val="85000"/>
+                        <a:alpha val="84000"/>
+                      </a:schemeClr>
+                    </a:solidFill>
+                  </a:tcPr>
                 </a:tc>
                 <a:tc>
                   <a:txBody>
                     <a:bodyPr/>
                     <a:lstStyle/>
                     <a:p>
-                      <a:pPr latinLnBrk="1"/>
+                      <a:pPr algn="ctr" latinLnBrk="1"/>
                       <a:r>
-                        <a:rPr lang="ko-KR" altLang="en-US" sz="1800" dirty="0"/>
+                        <a:rPr lang="ko-KR" altLang="en-US" sz="2400" dirty="0">
+                          <a:latin typeface="HY견고딕" panose="02030600000101010101" pitchFamily="18" charset="-127"/>
+                          <a:ea typeface="HY견고딕" panose="02030600000101010101" pitchFamily="18" charset="-127"/>
+                        </a:rPr>
                         <a:t>주 구현 내용</a:t>
                       </a:r>
                     </a:p>
                   </a:txBody>
-                  <a:tcPr/>
+                  <a:tcPr>
+                    <a:solidFill>
+                      <a:schemeClr val="bg1">
+                        <a:lumMod val="85000"/>
+                        <a:alpha val="84000"/>
+                      </a:schemeClr>
+                    </a:solidFill>
+                  </a:tcPr>
                 </a:tc>
                 <a:tc>
                   <a:txBody>
                     <a:bodyPr/>
                     <a:lstStyle/>
                     <a:p>
-                      <a:pPr latinLnBrk="1"/>
+                      <a:pPr algn="ctr" latinLnBrk="1"/>
                       <a:r>
-                        <a:rPr lang="ko-KR" altLang="en-US" sz="1800" dirty="0"/>
+                        <a:rPr lang="ko-KR" altLang="en-US" sz="2400" dirty="0">
+                          <a:latin typeface="HY견고딕" panose="02030600000101010101" pitchFamily="18" charset="-127"/>
+                          <a:ea typeface="HY견고딕" panose="02030600000101010101" pitchFamily="18" charset="-127"/>
+                        </a:rPr>
                         <a:t>비고</a:t>
                       </a:r>
                     </a:p>
                   </a:txBody>
-                  <a:tcPr/>
+                  <a:tcPr>
+                    <a:solidFill>
+                      <a:schemeClr val="bg1">
+                        <a:lumMod val="85000"/>
+                        <a:alpha val="84000"/>
+                      </a:schemeClr>
+                    </a:solidFill>
+                  </a:tcPr>
                 </a:tc>
                 <a:extLst>
                   <a:ext uri="{0D108BD9-81ED-4DB2-BD59-A6C34878D82A}">
@@ -7790,16 +11672,29 @@
                     <a:p>
                       <a:pPr algn="ctr" latinLnBrk="1"/>
                       <a:r>
-                        <a:rPr lang="en-US" altLang="ko-KR" sz="1800" dirty="0"/>
+                        <a:rPr lang="en-US" altLang="ko-KR" sz="1800" dirty="0">
+                          <a:latin typeface="HY헤드라인M" panose="02030600000101010101" pitchFamily="18" charset="-127"/>
+                          <a:ea typeface="HY헤드라인M" panose="02030600000101010101" pitchFamily="18" charset="-127"/>
+                        </a:rPr>
                         <a:t>1</a:t>
                       </a:r>
                       <a:r>
-                        <a:rPr lang="ko-KR" altLang="en-US" sz="1800" dirty="0"/>
+                        <a:rPr lang="ko-KR" altLang="en-US" sz="1800" dirty="0">
+                          <a:latin typeface="HY헤드라인M" panose="02030600000101010101" pitchFamily="18" charset="-127"/>
+                          <a:ea typeface="HY헤드라인M" panose="02030600000101010101" pitchFamily="18" charset="-127"/>
+                        </a:rPr>
                         <a:t>주차</a:t>
                       </a:r>
                     </a:p>
                   </a:txBody>
-                  <a:tcPr/>
+                  <a:tcPr>
+                    <a:solidFill>
+                      <a:schemeClr val="bg1">
+                        <a:lumMod val="85000"/>
+                        <a:alpha val="84000"/>
+                      </a:schemeClr>
+                    </a:solidFill>
+                  </a:tcPr>
                 </a:tc>
                 <a:tc rowSpan="2">
                   <a:txBody>
@@ -7808,24 +11703,43 @@
                     <a:p>
                       <a:pPr latinLnBrk="1"/>
                       <a:r>
-                        <a:rPr lang="ko-KR" altLang="en-US" sz="1800" dirty="0"/>
+                        <a:rPr lang="ko-KR" altLang="en-US" sz="1800" dirty="0">
+                          <a:latin typeface="HY헤드라인M" panose="02030600000101010101" pitchFamily="18" charset="-127"/>
+                          <a:ea typeface="HY헤드라인M" panose="02030600000101010101" pitchFamily="18" charset="-127"/>
+                        </a:rPr>
                         <a:t>리소스 제작 및 수집</a:t>
                       </a:r>
-                      <a:endParaRPr lang="en-US" altLang="ko-KR" sz="1800" dirty="0"/>
+                      <a:endParaRPr lang="en-US" altLang="ko-KR" sz="1800" dirty="0">
+                        <a:latin typeface="HY헤드라인M" panose="02030600000101010101" pitchFamily="18" charset="-127"/>
+                        <a:ea typeface="HY헤드라인M" panose="02030600000101010101" pitchFamily="18" charset="-127"/>
+                      </a:endParaRPr>
                     </a:p>
                     <a:p>
                       <a:pPr latinLnBrk="1"/>
                       <a:r>
-                        <a:rPr lang="en-US" altLang="ko-KR" sz="1800" dirty="0"/>
+                        <a:rPr lang="en-US" altLang="ko-KR" sz="1800" dirty="0">
+                          <a:latin typeface="HY헤드라인M" panose="02030600000101010101" pitchFamily="18" charset="-127"/>
+                          <a:ea typeface="HY헤드라인M" panose="02030600000101010101" pitchFamily="18" charset="-127"/>
+                        </a:rPr>
                         <a:t>-</a:t>
                       </a:r>
                       <a:r>
-                        <a:rPr lang="ko-KR" altLang="en-US" sz="1800" dirty="0"/>
+                        <a:rPr lang="ko-KR" altLang="en-US" sz="1800" dirty="0">
+                          <a:latin typeface="HY헤드라인M" panose="02030600000101010101" pitchFamily="18" charset="-127"/>
+                          <a:ea typeface="HY헤드라인M" panose="02030600000101010101" pitchFamily="18" charset="-127"/>
+                        </a:rPr>
                         <a:t>게임 세부 기획안 확립</a:t>
                       </a:r>
                     </a:p>
                   </a:txBody>
-                  <a:tcPr/>
+                  <a:tcPr>
+                    <a:solidFill>
+                      <a:schemeClr val="bg1">
+                        <a:lumMod val="85000"/>
+                        <a:alpha val="84000"/>
+                      </a:schemeClr>
+                    </a:solidFill>
+                  </a:tcPr>
                 </a:tc>
                 <a:tc>
                   <a:txBody>
@@ -7834,12 +11748,22 @@
                     <a:p>
                       <a:pPr latinLnBrk="1"/>
                       <a:r>
-                        <a:rPr lang="ko-KR" altLang="en-US" sz="1800" dirty="0"/>
+                        <a:rPr lang="ko-KR" altLang="en-US" sz="1800" dirty="0">
+                          <a:latin typeface="HY헤드라인M" panose="02030600000101010101" pitchFamily="18" charset="-127"/>
+                          <a:ea typeface="HY헤드라인M" panose="02030600000101010101" pitchFamily="18" charset="-127"/>
+                        </a:rPr>
                         <a:t>리소스 정리</a:t>
                       </a:r>
                     </a:p>
                   </a:txBody>
-                  <a:tcPr/>
+                  <a:tcPr>
+                    <a:solidFill>
+                      <a:schemeClr val="bg1">
+                        <a:lumMod val="85000"/>
+                        <a:alpha val="84000"/>
+                      </a:schemeClr>
+                    </a:solidFill>
+                  </a:tcPr>
                 </a:tc>
                 <a:extLst>
                   <a:ext uri="{0D108BD9-81ED-4DB2-BD59-A6C34878D82A}">
@@ -7855,16 +11779,29 @@
                     <a:p>
                       <a:pPr algn="ctr" latinLnBrk="1"/>
                       <a:r>
-                        <a:rPr lang="en-US" altLang="ko-KR" sz="1800" dirty="0"/>
+                        <a:rPr lang="en-US" altLang="ko-KR" sz="1800" dirty="0">
+                          <a:latin typeface="HY헤드라인M" panose="02030600000101010101" pitchFamily="18" charset="-127"/>
+                          <a:ea typeface="HY헤드라인M" panose="02030600000101010101" pitchFamily="18" charset="-127"/>
+                        </a:rPr>
                         <a:t>2</a:t>
                       </a:r>
                       <a:r>
-                        <a:rPr lang="ko-KR" altLang="en-US" sz="1800" dirty="0"/>
+                        <a:rPr lang="ko-KR" altLang="en-US" sz="1800" dirty="0">
+                          <a:latin typeface="HY헤드라인M" panose="02030600000101010101" pitchFamily="18" charset="-127"/>
+                          <a:ea typeface="HY헤드라인M" panose="02030600000101010101" pitchFamily="18" charset="-127"/>
+                        </a:rPr>
                         <a:t>주차</a:t>
                       </a:r>
                     </a:p>
                   </a:txBody>
-                  <a:tcPr/>
+                  <a:tcPr>
+                    <a:solidFill>
+                      <a:schemeClr val="bg1">
+                        <a:lumMod val="85000"/>
+                        <a:alpha val="84000"/>
+                      </a:schemeClr>
+                    </a:solidFill>
+                  </a:tcPr>
                 </a:tc>
                 <a:tc vMerge="1">
                   <a:txBody>
@@ -7884,12 +11821,22 @@
                     <a:p>
                       <a:pPr latinLnBrk="1"/>
                       <a:r>
-                        <a:rPr lang="ko-KR" altLang="en-US" sz="1800" dirty="0"/>
+                        <a:rPr lang="ko-KR" altLang="en-US" sz="1800" dirty="0">
+                          <a:latin typeface="HY헤드라인M" panose="02030600000101010101" pitchFamily="18" charset="-127"/>
+                          <a:ea typeface="HY헤드라인M" panose="02030600000101010101" pitchFamily="18" charset="-127"/>
+                        </a:rPr>
                         <a:t>게임밸런스 정리</a:t>
                       </a:r>
                     </a:p>
                   </a:txBody>
-                  <a:tcPr/>
+                  <a:tcPr>
+                    <a:solidFill>
+                      <a:schemeClr val="bg1">
+                        <a:lumMod val="85000"/>
+                        <a:alpha val="84000"/>
+                      </a:schemeClr>
+                    </a:solidFill>
+                  </a:tcPr>
                 </a:tc>
                 <a:extLst>
                   <a:ext uri="{0D108BD9-81ED-4DB2-BD59-A6C34878D82A}">
@@ -7905,16 +11852,29 @@
                     <a:p>
                       <a:pPr algn="ctr" latinLnBrk="1"/>
                       <a:r>
-                        <a:rPr lang="en-US" altLang="ko-KR" sz="1800" dirty="0"/>
+                        <a:rPr lang="en-US" altLang="ko-KR" sz="1800" dirty="0">
+                          <a:latin typeface="HY헤드라인M" panose="02030600000101010101" pitchFamily="18" charset="-127"/>
+                          <a:ea typeface="HY헤드라인M" panose="02030600000101010101" pitchFamily="18" charset="-127"/>
+                        </a:rPr>
                         <a:t>3</a:t>
                       </a:r>
                       <a:r>
-                        <a:rPr lang="ko-KR" altLang="en-US" sz="1800" dirty="0"/>
+                        <a:rPr lang="ko-KR" altLang="en-US" sz="1800" dirty="0">
+                          <a:latin typeface="HY헤드라인M" panose="02030600000101010101" pitchFamily="18" charset="-127"/>
+                          <a:ea typeface="HY헤드라인M" panose="02030600000101010101" pitchFamily="18" charset="-127"/>
+                        </a:rPr>
                         <a:t>주차</a:t>
                       </a:r>
                     </a:p>
                   </a:txBody>
-                  <a:tcPr/>
+                  <a:tcPr>
+                    <a:solidFill>
+                      <a:schemeClr val="bg1">
+                        <a:lumMod val="85000"/>
+                        <a:alpha val="84000"/>
+                      </a:schemeClr>
+                    </a:solidFill>
+                  </a:tcPr>
                 </a:tc>
                 <a:tc>
                   <a:txBody>
@@ -7923,23 +11883,39 @@
                     <a:p>
                       <a:pPr latinLnBrk="1"/>
                       <a:r>
-                        <a:rPr lang="ko-KR" altLang="en-US" sz="1800" dirty="0"/>
+                        <a:rPr lang="ko-KR" altLang="en-US" sz="1800" dirty="0">
+                          <a:latin typeface="HY헤드라인M" panose="02030600000101010101" pitchFamily="18" charset="-127"/>
+                          <a:ea typeface="HY헤드라인M" panose="02030600000101010101" pitchFamily="18" charset="-127"/>
+                        </a:rPr>
                         <a:t>프레임 워크 제작</a:t>
                       </a:r>
                       <a:r>
-                        <a:rPr lang="en-US" altLang="ko-KR" sz="1800" dirty="0"/>
+                        <a:rPr lang="en-US" altLang="ko-KR" sz="1800" dirty="0">
+                          <a:latin typeface="HY헤드라인M" panose="02030600000101010101" pitchFamily="18" charset="-127"/>
+                          <a:ea typeface="HY헤드라인M" panose="02030600000101010101" pitchFamily="18" charset="-127"/>
+                        </a:rPr>
                         <a:t>/ </a:t>
                       </a:r>
                     </a:p>
                     <a:p>
                       <a:pPr latinLnBrk="1"/>
                       <a:r>
-                        <a:rPr lang="ko-KR" altLang="en-US" sz="1800" dirty="0"/>
+                        <a:rPr lang="ko-KR" altLang="en-US" sz="1800" dirty="0">
+                          <a:latin typeface="HY헤드라인M" panose="02030600000101010101" pitchFamily="18" charset="-127"/>
+                          <a:ea typeface="HY헤드라인M" panose="02030600000101010101" pitchFamily="18" charset="-127"/>
+                        </a:rPr>
                         <a:t>플레이어 컨트롤 구현</a:t>
                       </a:r>
                     </a:p>
                   </a:txBody>
-                  <a:tcPr/>
+                  <a:tcPr>
+                    <a:solidFill>
+                      <a:schemeClr val="bg1">
+                        <a:lumMod val="85000"/>
+                        <a:alpha val="84000"/>
+                      </a:schemeClr>
+                    </a:solidFill>
+                  </a:tcPr>
                 </a:tc>
                 <a:tc>
                   <a:txBody>
@@ -7948,20 +11924,36 @@
                     <a:p>
                       <a:pPr latinLnBrk="1"/>
                       <a:r>
-                        <a:rPr lang="ko-KR" altLang="en-US" sz="1800" dirty="0"/>
+                        <a:rPr lang="ko-KR" altLang="en-US" sz="1800" dirty="0">
+                          <a:latin typeface="HY헤드라인M" panose="02030600000101010101" pitchFamily="18" charset="-127"/>
+                          <a:ea typeface="HY헤드라인M" panose="02030600000101010101" pitchFamily="18" charset="-127"/>
+                        </a:rPr>
                         <a:t>플레이어의 컨트롤</a:t>
                       </a:r>
                       <a:r>
-                        <a:rPr lang="en-US" altLang="ko-KR" sz="1800" dirty="0"/>
+                        <a:rPr lang="en-US" altLang="ko-KR" sz="1800" dirty="0">
+                          <a:latin typeface="HY헤드라인M" panose="02030600000101010101" pitchFamily="18" charset="-127"/>
+                          <a:ea typeface="HY헤드라인M" panose="02030600000101010101" pitchFamily="18" charset="-127"/>
+                        </a:rPr>
                         <a:t>, </a:t>
                       </a:r>
                       <a:r>
-                        <a:rPr lang="ko-KR" altLang="en-US" sz="1800" dirty="0"/>
+                        <a:rPr lang="ko-KR" altLang="en-US" sz="1800" dirty="0">
+                          <a:latin typeface="HY헤드라인M" panose="02030600000101010101" pitchFamily="18" charset="-127"/>
+                          <a:ea typeface="HY헤드라인M" panose="02030600000101010101" pitchFamily="18" charset="-127"/>
+                        </a:rPr>
                         <a:t>무기별 공격 프레임 구현</a:t>
                       </a:r>
                     </a:p>
                   </a:txBody>
-                  <a:tcPr/>
+                  <a:tcPr>
+                    <a:solidFill>
+                      <a:schemeClr val="bg1">
+                        <a:lumMod val="85000"/>
+                        <a:alpha val="84000"/>
+                      </a:schemeClr>
+                    </a:solidFill>
+                  </a:tcPr>
                 </a:tc>
                 <a:extLst>
                   <a:ext uri="{0D108BD9-81ED-4DB2-BD59-A6C34878D82A}">
@@ -7977,16 +11969,29 @@
                     <a:p>
                       <a:pPr algn="ctr" latinLnBrk="1"/>
                       <a:r>
-                        <a:rPr lang="en-US" altLang="ko-KR" sz="1800" dirty="0"/>
+                        <a:rPr lang="en-US" altLang="ko-KR" sz="1800" dirty="0">
+                          <a:latin typeface="HY헤드라인M" panose="02030600000101010101" pitchFamily="18" charset="-127"/>
+                          <a:ea typeface="HY헤드라인M" panose="02030600000101010101" pitchFamily="18" charset="-127"/>
+                        </a:rPr>
                         <a:t>4</a:t>
                       </a:r>
                       <a:r>
-                        <a:rPr lang="ko-KR" altLang="en-US" sz="1800" dirty="0"/>
+                        <a:rPr lang="ko-KR" altLang="en-US" sz="1800" dirty="0">
+                          <a:latin typeface="HY헤드라인M" panose="02030600000101010101" pitchFamily="18" charset="-127"/>
+                          <a:ea typeface="HY헤드라인M" panose="02030600000101010101" pitchFamily="18" charset="-127"/>
+                        </a:rPr>
                         <a:t>주차</a:t>
                       </a:r>
                     </a:p>
                   </a:txBody>
-                  <a:tcPr/>
+                  <a:tcPr>
+                    <a:solidFill>
+                      <a:schemeClr val="bg1">
+                        <a:lumMod val="85000"/>
+                        <a:alpha val="84000"/>
+                      </a:schemeClr>
+                    </a:solidFill>
+                  </a:tcPr>
                 </a:tc>
                 <a:tc>
                   <a:txBody>
@@ -7995,36 +12000,64 @@
                     <a:p>
                       <a:pPr latinLnBrk="1"/>
                       <a:r>
-                        <a:rPr lang="ko-KR" altLang="en-US" sz="1800" dirty="0"/>
+                        <a:rPr lang="ko-KR" altLang="en-US" sz="1800" dirty="0">
+                          <a:latin typeface="HY헤드라인M" panose="02030600000101010101" pitchFamily="18" charset="-127"/>
+                          <a:ea typeface="HY헤드라인M" panose="02030600000101010101" pitchFamily="18" charset="-127"/>
+                        </a:rPr>
                         <a:t>맵</a:t>
                       </a:r>
                       <a:r>
-                        <a:rPr lang="en-US" altLang="ko-KR" sz="1800" dirty="0"/>
+                        <a:rPr lang="en-US" altLang="ko-KR" sz="1800" dirty="0">
+                          <a:latin typeface="HY헤드라인M" panose="02030600000101010101" pitchFamily="18" charset="-127"/>
+                          <a:ea typeface="HY헤드라인M" panose="02030600000101010101" pitchFamily="18" charset="-127"/>
+                        </a:rPr>
                         <a:t>, </a:t>
                       </a:r>
                       <a:r>
-                        <a:rPr lang="ko-KR" altLang="en-US" sz="1800" dirty="0"/>
+                        <a:rPr lang="ko-KR" altLang="en-US" sz="1800" dirty="0">
+                          <a:latin typeface="HY헤드라인M" panose="02030600000101010101" pitchFamily="18" charset="-127"/>
+                          <a:ea typeface="HY헤드라인M" panose="02030600000101010101" pitchFamily="18" charset="-127"/>
+                        </a:rPr>
                         <a:t>카메라</a:t>
                       </a:r>
                       <a:r>
-                        <a:rPr lang="en-US" altLang="ko-KR" sz="1800" dirty="0"/>
+                        <a:rPr lang="en-US" altLang="ko-KR" sz="1800" dirty="0">
+                          <a:latin typeface="HY헤드라인M" panose="02030600000101010101" pitchFamily="18" charset="-127"/>
+                          <a:ea typeface="HY헤드라인M" panose="02030600000101010101" pitchFamily="18" charset="-127"/>
+                        </a:rPr>
                         <a:t>,</a:t>
                       </a:r>
                       <a:r>
-                        <a:rPr lang="ko-KR" altLang="en-US" sz="1800" dirty="0"/>
+                        <a:rPr lang="ko-KR" altLang="en-US" sz="1800" dirty="0">
+                          <a:latin typeface="HY헤드라인M" panose="02030600000101010101" pitchFamily="18" charset="-127"/>
+                          <a:ea typeface="HY헤드라인M" panose="02030600000101010101" pitchFamily="18" charset="-127"/>
+                        </a:rPr>
                         <a:t>게임 메인 로직</a:t>
                       </a:r>
                       <a:r>
-                        <a:rPr lang="en-US" altLang="ko-KR" sz="1800" dirty="0"/>
+                        <a:rPr lang="en-US" altLang="ko-KR" sz="1800" dirty="0">
+                          <a:latin typeface="HY헤드라인M" panose="02030600000101010101" pitchFamily="18" charset="-127"/>
+                          <a:ea typeface="HY헤드라인M" panose="02030600000101010101" pitchFamily="18" charset="-127"/>
+                        </a:rPr>
                         <a:t> </a:t>
                       </a:r>
                       <a:r>
-                        <a:rPr lang="ko-KR" altLang="en-US" sz="1800" dirty="0"/>
+                        <a:rPr lang="ko-KR" altLang="en-US" sz="1800" dirty="0">
+                          <a:latin typeface="HY헤드라인M" panose="02030600000101010101" pitchFamily="18" charset="-127"/>
+                          <a:ea typeface="HY헤드라인M" panose="02030600000101010101" pitchFamily="18" charset="-127"/>
+                        </a:rPr>
                         <a:t>구현</a:t>
                       </a:r>
                     </a:p>
                   </a:txBody>
-                  <a:tcPr/>
+                  <a:tcPr>
+                    <a:solidFill>
+                      <a:schemeClr val="bg1">
+                        <a:lumMod val="85000"/>
+                        <a:alpha val="84000"/>
+                      </a:schemeClr>
+                    </a:solidFill>
+                  </a:tcPr>
                 </a:tc>
                 <a:tc>
                   <a:txBody>
@@ -8033,40 +12066,71 @@
                     <a:p>
                       <a:pPr latinLnBrk="1"/>
                       <a:r>
-                        <a:rPr lang="en-US" altLang="ko-KR" sz="1800" dirty="0"/>
+                        <a:rPr lang="en-US" altLang="ko-KR" sz="1800" dirty="0">
+                          <a:latin typeface="HY헤드라인M" panose="02030600000101010101" pitchFamily="18" charset="-127"/>
+                          <a:ea typeface="HY헤드라인M" panose="02030600000101010101" pitchFamily="18" charset="-127"/>
+                        </a:rPr>
                         <a:t>+</a:t>
                       </a:r>
                       <a:r>
-                        <a:rPr lang="ko-KR" altLang="en-US" sz="1800" dirty="0"/>
+                        <a:rPr lang="ko-KR" altLang="en-US" sz="1800" dirty="0">
+                          <a:latin typeface="HY헤드라인M" panose="02030600000101010101" pitchFamily="18" charset="-127"/>
+                          <a:ea typeface="HY헤드라인M" panose="02030600000101010101" pitchFamily="18" charset="-127"/>
+                        </a:rPr>
                         <a:t>여유 시간에 추가 맵</a:t>
                       </a:r>
                       <a:r>
-                        <a:rPr lang="en-US" altLang="ko-KR" sz="1800" dirty="0"/>
+                        <a:rPr lang="en-US" altLang="ko-KR" sz="1800" dirty="0">
+                          <a:latin typeface="HY헤드라인M" panose="02030600000101010101" pitchFamily="18" charset="-127"/>
+                          <a:ea typeface="HY헤드라인M" panose="02030600000101010101" pitchFamily="18" charset="-127"/>
+                        </a:rPr>
                         <a:t>(</a:t>
                       </a:r>
                       <a:r>
-                        <a:rPr lang="ko-KR" altLang="en-US" sz="1800" dirty="0"/>
+                        <a:rPr lang="ko-KR" altLang="en-US" sz="1800" dirty="0">
+                          <a:latin typeface="HY헤드라인M" panose="02030600000101010101" pitchFamily="18" charset="-127"/>
+                          <a:ea typeface="HY헤드라인M" panose="02030600000101010101" pitchFamily="18" charset="-127"/>
+                        </a:rPr>
                         <a:t>마을</a:t>
                       </a:r>
                       <a:r>
-                        <a:rPr lang="en-US" altLang="ko-KR" sz="1800" dirty="0"/>
+                        <a:rPr lang="en-US" altLang="ko-KR" sz="1800" dirty="0">
+                          <a:latin typeface="HY헤드라인M" panose="02030600000101010101" pitchFamily="18" charset="-127"/>
+                          <a:ea typeface="HY헤드라인M" panose="02030600000101010101" pitchFamily="18" charset="-127"/>
+                        </a:rPr>
                         <a:t>, </a:t>
                       </a:r>
                       <a:r>
-                        <a:rPr lang="ko-KR" altLang="en-US" sz="1800" dirty="0"/>
+                        <a:rPr lang="ko-KR" altLang="en-US" sz="1800" dirty="0">
+                          <a:latin typeface="HY헤드라인M" panose="02030600000101010101" pitchFamily="18" charset="-127"/>
+                          <a:ea typeface="HY헤드라인M" panose="02030600000101010101" pitchFamily="18" charset="-127"/>
+                        </a:rPr>
                         <a:t>던전</a:t>
                       </a:r>
                       <a:r>
-                        <a:rPr lang="en-US" altLang="ko-KR" sz="1800" dirty="0"/>
+                        <a:rPr lang="en-US" altLang="ko-KR" sz="1800" dirty="0">
+                          <a:latin typeface="HY헤드라인M" panose="02030600000101010101" pitchFamily="18" charset="-127"/>
+                          <a:ea typeface="HY헤드라인M" panose="02030600000101010101" pitchFamily="18" charset="-127"/>
+                        </a:rPr>
                         <a:t>)</a:t>
                       </a:r>
                       <a:r>
-                        <a:rPr lang="ko-KR" altLang="en-US" sz="1800" dirty="0"/>
+                        <a:rPr lang="ko-KR" altLang="en-US" sz="1800" dirty="0">
+                          <a:latin typeface="HY헤드라인M" panose="02030600000101010101" pitchFamily="18" charset="-127"/>
+                          <a:ea typeface="HY헤드라인M" panose="02030600000101010101" pitchFamily="18" charset="-127"/>
+                        </a:rPr>
                         <a:t> 구현</a:t>
                       </a:r>
                     </a:p>
                   </a:txBody>
-                  <a:tcPr/>
+                  <a:tcPr>
+                    <a:solidFill>
+                      <a:schemeClr val="bg1">
+                        <a:lumMod val="85000"/>
+                        <a:alpha val="84000"/>
+                      </a:schemeClr>
+                    </a:solidFill>
+                  </a:tcPr>
                 </a:tc>
                 <a:extLst>
                   <a:ext uri="{0D108BD9-81ED-4DB2-BD59-A6C34878D82A}">
@@ -8082,16 +12146,29 @@
                     <a:p>
                       <a:pPr algn="ctr" latinLnBrk="1"/>
                       <a:r>
-                        <a:rPr lang="en-US" altLang="ko-KR" sz="1800" dirty="0"/>
+                        <a:rPr lang="en-US" altLang="ko-KR" sz="1800" dirty="0">
+                          <a:latin typeface="HY헤드라인M" panose="02030600000101010101" pitchFamily="18" charset="-127"/>
+                          <a:ea typeface="HY헤드라인M" panose="02030600000101010101" pitchFamily="18" charset="-127"/>
+                        </a:rPr>
                         <a:t>5</a:t>
                       </a:r>
                       <a:r>
-                        <a:rPr lang="ko-KR" altLang="en-US" sz="1800" dirty="0"/>
+                        <a:rPr lang="ko-KR" altLang="en-US" sz="1800" dirty="0">
+                          <a:latin typeface="HY헤드라인M" panose="02030600000101010101" pitchFamily="18" charset="-127"/>
+                          <a:ea typeface="HY헤드라인M" panose="02030600000101010101" pitchFamily="18" charset="-127"/>
+                        </a:rPr>
                         <a:t>주차</a:t>
                       </a:r>
                     </a:p>
                   </a:txBody>
-                  <a:tcPr/>
+                  <a:tcPr>
+                    <a:solidFill>
+                      <a:schemeClr val="bg1">
+                        <a:lumMod val="85000"/>
+                        <a:alpha val="84000"/>
+                      </a:schemeClr>
+                    </a:solidFill>
+                  </a:tcPr>
                 </a:tc>
                 <a:tc>
                   <a:txBody>
@@ -8116,43 +12193,74 @@
                         <a:defRPr/>
                       </a:pPr>
                       <a:r>
-                        <a:rPr lang="ko-KR" altLang="en-US" sz="1800" dirty="0"/>
+                        <a:rPr lang="ko-KR" altLang="en-US" sz="1800" dirty="0">
+                          <a:latin typeface="HY헤드라인M" panose="02030600000101010101" pitchFamily="18" charset="-127"/>
+                          <a:ea typeface="HY헤드라인M" panose="02030600000101010101" pitchFamily="18" charset="-127"/>
+                        </a:rPr>
                         <a:t>적</a:t>
                       </a:r>
                       <a:r>
-                        <a:rPr lang="en-US" altLang="ko-KR" sz="1800" dirty="0"/>
+                        <a:rPr lang="en-US" altLang="ko-KR" sz="1800" dirty="0">
+                          <a:latin typeface="HY헤드라인M" panose="02030600000101010101" pitchFamily="18" charset="-127"/>
+                          <a:ea typeface="HY헤드라인M" panose="02030600000101010101" pitchFamily="18" charset="-127"/>
+                        </a:rPr>
                         <a:t>(</a:t>
                       </a:r>
                       <a:r>
-                        <a:rPr lang="ko-KR" altLang="en-US" sz="1800" dirty="0"/>
+                        <a:rPr lang="ko-KR" altLang="en-US" sz="1800" dirty="0">
+                          <a:latin typeface="HY헤드라인M" panose="02030600000101010101" pitchFamily="18" charset="-127"/>
+                          <a:ea typeface="HY헤드라인M" panose="02030600000101010101" pitchFamily="18" charset="-127"/>
+                        </a:rPr>
                         <a:t>몬스터</a:t>
                       </a:r>
                       <a:r>
-                        <a:rPr lang="en-US" altLang="ko-KR" sz="1800" dirty="0"/>
+                        <a:rPr lang="en-US" altLang="ko-KR" sz="1800" dirty="0">
+                          <a:latin typeface="HY헤드라인M" panose="02030600000101010101" pitchFamily="18" charset="-127"/>
+                          <a:ea typeface="HY헤드라인M" panose="02030600000101010101" pitchFamily="18" charset="-127"/>
+                        </a:rPr>
                         <a:t>)</a:t>
                       </a:r>
                       <a:r>
-                        <a:rPr lang="ko-KR" altLang="en-US" sz="1800" dirty="0"/>
+                        <a:rPr lang="ko-KR" altLang="en-US" sz="1800" dirty="0">
+                          <a:latin typeface="HY헤드라인M" panose="02030600000101010101" pitchFamily="18" charset="-127"/>
+                          <a:ea typeface="HY헤드라인M" panose="02030600000101010101" pitchFamily="18" charset="-127"/>
+                        </a:rPr>
                         <a:t> </a:t>
                       </a:r>
                       <a:r>
-                        <a:rPr lang="ko-KR" altLang="en-US" sz="1800" dirty="0" err="1"/>
+                        <a:rPr lang="ko-KR" altLang="en-US" sz="1800" dirty="0" err="1">
+                          <a:latin typeface="HY헤드라인M" panose="02030600000101010101" pitchFamily="18" charset="-127"/>
+                          <a:ea typeface="HY헤드라인M" panose="02030600000101010101" pitchFamily="18" charset="-127"/>
+                        </a:rPr>
                         <a:t>기믹</a:t>
                       </a:r>
                       <a:r>
-                        <a:rPr lang="ko-KR" altLang="en-US" sz="1800" dirty="0"/>
+                        <a:rPr lang="ko-KR" altLang="en-US" sz="1800" dirty="0">
+                          <a:latin typeface="HY헤드라인M" panose="02030600000101010101" pitchFamily="18" charset="-127"/>
+                          <a:ea typeface="HY헤드라인M" panose="02030600000101010101" pitchFamily="18" charset="-127"/>
+                        </a:rPr>
                         <a:t> 구현</a:t>
                       </a:r>
                     </a:p>
                     <a:p>
                       <a:pPr latinLnBrk="1"/>
                       <a:r>
-                        <a:rPr lang="ko-KR" altLang="en-US" sz="1800" dirty="0"/>
+                        <a:rPr lang="ko-KR" altLang="en-US" sz="1800" dirty="0">
+                          <a:latin typeface="HY헤드라인M" panose="02030600000101010101" pitchFamily="18" charset="-127"/>
+                          <a:ea typeface="HY헤드라인M" panose="02030600000101010101" pitchFamily="18" charset="-127"/>
+                        </a:rPr>
                         <a:t>충돌 구현</a:t>
                       </a:r>
                     </a:p>
                   </a:txBody>
-                  <a:tcPr/>
+                  <a:tcPr>
+                    <a:solidFill>
+                      <a:schemeClr val="bg1">
+                        <a:lumMod val="85000"/>
+                        <a:alpha val="84000"/>
+                      </a:schemeClr>
+                    </a:solidFill>
+                  </a:tcPr>
                 </a:tc>
                 <a:tc>
                   <a:txBody>
@@ -8161,16 +12269,29 @@
                     <a:p>
                       <a:pPr latinLnBrk="1"/>
                       <a:r>
-                        <a:rPr lang="en-US" altLang="ko-KR" sz="1800" dirty="0"/>
+                        <a:rPr lang="en-US" altLang="ko-KR" sz="1800" dirty="0">
+                          <a:latin typeface="HY헤드라인M" panose="02030600000101010101" pitchFamily="18" charset="-127"/>
+                          <a:ea typeface="HY헤드라인M" panose="02030600000101010101" pitchFamily="18" charset="-127"/>
+                        </a:rPr>
                         <a:t>+</a:t>
                       </a:r>
                       <a:r>
-                        <a:rPr lang="ko-KR" altLang="en-US" sz="1800" dirty="0"/>
+                        <a:rPr lang="ko-KR" altLang="en-US" sz="1800" dirty="0">
+                          <a:latin typeface="HY헤드라인M" panose="02030600000101010101" pitchFamily="18" charset="-127"/>
+                          <a:ea typeface="HY헤드라인M" panose="02030600000101010101" pitchFamily="18" charset="-127"/>
+                        </a:rPr>
                         <a:t>여유 시간에 추가 적 구현</a:t>
                       </a:r>
                     </a:p>
                   </a:txBody>
-                  <a:tcPr/>
+                  <a:tcPr>
+                    <a:solidFill>
+                      <a:schemeClr val="bg1">
+                        <a:lumMod val="85000"/>
+                        <a:alpha val="84000"/>
+                      </a:schemeClr>
+                    </a:solidFill>
+                  </a:tcPr>
                 </a:tc>
                 <a:extLst>
                   <a:ext uri="{0D108BD9-81ED-4DB2-BD59-A6C34878D82A}">
@@ -8186,16 +12307,29 @@
                     <a:p>
                       <a:pPr algn="ctr" latinLnBrk="1"/>
                       <a:r>
-                        <a:rPr lang="en-US" altLang="ko-KR" sz="1800" dirty="0"/>
+                        <a:rPr lang="en-US" altLang="ko-KR" sz="1800" dirty="0">
+                          <a:latin typeface="HY헤드라인M" panose="02030600000101010101" pitchFamily="18" charset="-127"/>
+                          <a:ea typeface="HY헤드라인M" panose="02030600000101010101" pitchFamily="18" charset="-127"/>
+                        </a:rPr>
                         <a:t>6</a:t>
                       </a:r>
                       <a:r>
-                        <a:rPr lang="ko-KR" altLang="en-US" sz="1800" dirty="0"/>
+                        <a:rPr lang="ko-KR" altLang="en-US" sz="1800" dirty="0">
+                          <a:latin typeface="HY헤드라인M" panose="02030600000101010101" pitchFamily="18" charset="-127"/>
+                          <a:ea typeface="HY헤드라인M" panose="02030600000101010101" pitchFamily="18" charset="-127"/>
+                        </a:rPr>
                         <a:t>주차</a:t>
                       </a:r>
                     </a:p>
                   </a:txBody>
-                  <a:tcPr/>
+                  <a:tcPr>
+                    <a:solidFill>
+                      <a:schemeClr val="bg1">
+                        <a:lumMod val="85000"/>
+                        <a:alpha val="84000"/>
+                      </a:schemeClr>
+                    </a:solidFill>
+                  </a:tcPr>
                 </a:tc>
                 <a:tc>
                   <a:txBody>
@@ -8204,28 +12338,50 @@
                     <a:p>
                       <a:pPr latinLnBrk="1"/>
                       <a:r>
-                        <a:rPr lang="ko-KR" altLang="en-US" sz="1800" dirty="0"/>
+                        <a:rPr lang="ko-KR" altLang="en-US" sz="1800" dirty="0">
+                          <a:latin typeface="HY헤드라인M" panose="02030600000101010101" pitchFamily="18" charset="-127"/>
+                          <a:ea typeface="HY헤드라인M" panose="02030600000101010101" pitchFamily="18" charset="-127"/>
+                        </a:rPr>
                         <a:t>보스</a:t>
                       </a:r>
                       <a:r>
-                        <a:rPr lang="en-US" altLang="ko-KR" sz="1800" dirty="0"/>
+                        <a:rPr lang="en-US" altLang="ko-KR" sz="1800" dirty="0">
+                          <a:latin typeface="HY헤드라인M" panose="02030600000101010101" pitchFamily="18" charset="-127"/>
+                          <a:ea typeface="HY헤드라인M" panose="02030600000101010101" pitchFamily="18" charset="-127"/>
+                        </a:rPr>
                         <a:t>, </a:t>
                       </a:r>
                       <a:r>
-                        <a:rPr lang="ko-KR" altLang="en-US" sz="1800" dirty="0"/>
+                        <a:rPr lang="ko-KR" altLang="en-US" sz="1800" dirty="0">
+                          <a:latin typeface="HY헤드라인M" panose="02030600000101010101" pitchFamily="18" charset="-127"/>
+                          <a:ea typeface="HY헤드라인M" panose="02030600000101010101" pitchFamily="18" charset="-127"/>
+                        </a:rPr>
                         <a:t>오프닝 및 엔딩 화면</a:t>
                       </a:r>
                       <a:r>
-                        <a:rPr lang="en-US" altLang="ko-KR" sz="1800" dirty="0"/>
+                        <a:rPr lang="en-US" altLang="ko-KR" sz="1800" dirty="0">
+                          <a:latin typeface="HY헤드라인M" panose="02030600000101010101" pitchFamily="18" charset="-127"/>
+                          <a:ea typeface="HY헤드라인M" panose="02030600000101010101" pitchFamily="18" charset="-127"/>
+                        </a:rPr>
                         <a:t>, </a:t>
                       </a:r>
                       <a:r>
-                        <a:rPr lang="ko-KR" altLang="en-US" sz="1800" dirty="0"/>
+                        <a:rPr lang="ko-KR" altLang="en-US" sz="1800" dirty="0">
+                          <a:latin typeface="HY헤드라인M" panose="02030600000101010101" pitchFamily="18" charset="-127"/>
+                          <a:ea typeface="HY헤드라인M" panose="02030600000101010101" pitchFamily="18" charset="-127"/>
+                        </a:rPr>
                         <a:t>이펙트 추가</a:t>
                       </a:r>
                     </a:p>
                   </a:txBody>
-                  <a:tcPr/>
+                  <a:tcPr>
+                    <a:solidFill>
+                      <a:schemeClr val="bg1">
+                        <a:lumMod val="85000"/>
+                        <a:alpha val="84000"/>
+                      </a:schemeClr>
+                    </a:solidFill>
+                  </a:tcPr>
                 </a:tc>
                 <a:tc>
                   <a:txBody>
@@ -8233,10 +12389,20 @@
                     <a:lstStyle/>
                     <a:p>
                       <a:pPr latinLnBrk="1"/>
-                      <a:endParaRPr lang="ko-KR" altLang="en-US" sz="1800" dirty="0"/>
+                      <a:endParaRPr lang="ko-KR" altLang="en-US" sz="1800" dirty="0">
+                        <a:latin typeface="HY헤드라인M" panose="02030600000101010101" pitchFamily="18" charset="-127"/>
+                        <a:ea typeface="HY헤드라인M" panose="02030600000101010101" pitchFamily="18" charset="-127"/>
+                      </a:endParaRPr>
                     </a:p>
                   </a:txBody>
-                  <a:tcPr/>
+                  <a:tcPr>
+                    <a:solidFill>
+                      <a:schemeClr val="bg1">
+                        <a:lumMod val="85000"/>
+                        <a:alpha val="84000"/>
+                      </a:schemeClr>
+                    </a:solidFill>
+                  </a:tcPr>
                 </a:tc>
                 <a:extLst>
                   <a:ext uri="{0D108BD9-81ED-4DB2-BD59-A6C34878D82A}">
@@ -8252,16 +12418,29 @@
                     <a:p>
                       <a:pPr algn="ctr" latinLnBrk="1"/>
                       <a:r>
-                        <a:rPr lang="en-US" altLang="ko-KR" sz="1800" dirty="0"/>
+                        <a:rPr lang="en-US" altLang="ko-KR" sz="1800" dirty="0">
+                          <a:latin typeface="HY헤드라인M" panose="02030600000101010101" pitchFamily="18" charset="-127"/>
+                          <a:ea typeface="HY헤드라인M" panose="02030600000101010101" pitchFamily="18" charset="-127"/>
+                        </a:rPr>
                         <a:t>7</a:t>
                       </a:r>
                       <a:r>
-                        <a:rPr lang="ko-KR" altLang="en-US" sz="1800" dirty="0"/>
+                        <a:rPr lang="ko-KR" altLang="en-US" sz="1800" dirty="0">
+                          <a:latin typeface="HY헤드라인M" panose="02030600000101010101" pitchFamily="18" charset="-127"/>
+                          <a:ea typeface="HY헤드라인M" panose="02030600000101010101" pitchFamily="18" charset="-127"/>
+                        </a:rPr>
                         <a:t>주차</a:t>
                       </a:r>
                     </a:p>
                   </a:txBody>
-                  <a:tcPr/>
+                  <a:tcPr>
+                    <a:solidFill>
+                      <a:schemeClr val="bg1">
+                        <a:lumMod val="85000"/>
+                        <a:alpha val="84000"/>
+                      </a:schemeClr>
+                    </a:solidFill>
+                  </a:tcPr>
                 </a:tc>
                 <a:tc>
                   <a:txBody>
@@ -8270,12 +12449,22 @@
                     <a:p>
                       <a:pPr latinLnBrk="1"/>
                       <a:r>
-                        <a:rPr lang="ko-KR" altLang="en-US" sz="1800" dirty="0"/>
+                        <a:rPr lang="ko-KR" altLang="en-US" sz="1800" dirty="0">
+                          <a:latin typeface="HY헤드라인M" panose="02030600000101010101" pitchFamily="18" charset="-127"/>
+                          <a:ea typeface="HY헤드라인M" panose="02030600000101010101" pitchFamily="18" charset="-127"/>
+                        </a:rPr>
                         <a:t>사운드 추가 및 세부 디테일 추가 </a:t>
                       </a:r>
                     </a:p>
                   </a:txBody>
-                  <a:tcPr/>
+                  <a:tcPr>
+                    <a:solidFill>
+                      <a:schemeClr val="bg1">
+                        <a:lumMod val="85000"/>
+                        <a:alpha val="84000"/>
+                      </a:schemeClr>
+                    </a:solidFill>
+                  </a:tcPr>
                 </a:tc>
                 <a:tc>
                   <a:txBody>
@@ -8284,16 +12473,29 @@
                     <a:p>
                       <a:pPr latinLnBrk="1"/>
                       <a:r>
-                        <a:rPr lang="en-US" altLang="ko-KR" sz="1800" dirty="0"/>
+                        <a:rPr lang="en-US" altLang="ko-KR" sz="1800" dirty="0">
+                          <a:latin typeface="HY헤드라인M" panose="02030600000101010101" pitchFamily="18" charset="-127"/>
+                          <a:ea typeface="HY헤드라인M" panose="02030600000101010101" pitchFamily="18" charset="-127"/>
+                        </a:rPr>
                         <a:t>+</a:t>
                       </a:r>
                       <a:r>
-                        <a:rPr lang="ko-KR" altLang="en-US" sz="1800" dirty="0"/>
+                        <a:rPr lang="ko-KR" altLang="en-US" sz="1800" dirty="0">
+                          <a:latin typeface="HY헤드라인M" panose="02030600000101010101" pitchFamily="18" charset="-127"/>
+                          <a:ea typeface="HY헤드라인M" panose="02030600000101010101" pitchFamily="18" charset="-127"/>
+                        </a:rPr>
                         <a:t>여유 시간에 설명이나 대사 추가</a:t>
                       </a:r>
                     </a:p>
                   </a:txBody>
-                  <a:tcPr/>
+                  <a:tcPr>
+                    <a:solidFill>
+                      <a:schemeClr val="bg1">
+                        <a:lumMod val="85000"/>
+                        <a:alpha val="84000"/>
+                      </a:schemeClr>
+                    </a:solidFill>
+                  </a:tcPr>
                 </a:tc>
                 <a:extLst>
                   <a:ext uri="{0D108BD9-81ED-4DB2-BD59-A6C34878D82A}">
@@ -8309,16 +12511,29 @@
                     <a:p>
                       <a:pPr algn="ctr" latinLnBrk="1"/>
                       <a:r>
-                        <a:rPr lang="en-US" altLang="ko-KR" sz="1800" dirty="0"/>
+                        <a:rPr lang="en-US" altLang="ko-KR" sz="1800" dirty="0">
+                          <a:latin typeface="HY헤드라인M" panose="02030600000101010101" pitchFamily="18" charset="-127"/>
+                          <a:ea typeface="HY헤드라인M" panose="02030600000101010101" pitchFamily="18" charset="-127"/>
+                        </a:rPr>
                         <a:t>8</a:t>
                       </a:r>
                       <a:r>
-                        <a:rPr lang="ko-KR" altLang="en-US" sz="1800" dirty="0"/>
+                        <a:rPr lang="ko-KR" altLang="en-US" sz="1800" dirty="0">
+                          <a:latin typeface="HY헤드라인M" panose="02030600000101010101" pitchFamily="18" charset="-127"/>
+                          <a:ea typeface="HY헤드라인M" panose="02030600000101010101" pitchFamily="18" charset="-127"/>
+                        </a:rPr>
                         <a:t>주차</a:t>
                       </a:r>
                     </a:p>
                   </a:txBody>
-                  <a:tcPr/>
+                  <a:tcPr>
+                    <a:solidFill>
+                      <a:schemeClr val="bg1">
+                        <a:lumMod val="85000"/>
+                        <a:alpha val="84000"/>
+                      </a:schemeClr>
+                    </a:solidFill>
+                  </a:tcPr>
                 </a:tc>
                 <a:tc>
                   <a:txBody>
@@ -8327,12 +12542,22 @@
                     <a:p>
                       <a:pPr latinLnBrk="1"/>
                       <a:r>
-                        <a:rPr lang="ko-KR" altLang="en-US" sz="1800" dirty="0"/>
+                        <a:rPr lang="ko-KR" altLang="en-US" sz="1800" dirty="0">
+                          <a:latin typeface="HY헤드라인M" panose="02030600000101010101" pitchFamily="18" charset="-127"/>
+                          <a:ea typeface="HY헤드라인M" panose="02030600000101010101" pitchFamily="18" charset="-127"/>
+                        </a:rPr>
                         <a:t>최종점검</a:t>
                       </a:r>
                     </a:p>
                   </a:txBody>
-                  <a:tcPr/>
+                  <a:tcPr>
+                    <a:solidFill>
+                      <a:schemeClr val="bg1">
+                        <a:lumMod val="85000"/>
+                        <a:alpha val="84000"/>
+                      </a:schemeClr>
+                    </a:solidFill>
+                  </a:tcPr>
                 </a:tc>
                 <a:tc>
                   <a:txBody>
@@ -8341,20 +12566,36 @@
                     <a:p>
                       <a:pPr latinLnBrk="1"/>
                       <a:r>
-                        <a:rPr lang="ko-KR" altLang="en-US" sz="1800" dirty="0"/>
+                        <a:rPr lang="ko-KR" altLang="en-US" sz="1800" dirty="0">
+                          <a:latin typeface="HY헤드라인M" panose="02030600000101010101" pitchFamily="18" charset="-127"/>
+                          <a:ea typeface="HY헤드라인M" panose="02030600000101010101" pitchFamily="18" charset="-127"/>
+                        </a:rPr>
                         <a:t>버그</a:t>
                       </a:r>
                       <a:r>
-                        <a:rPr lang="en-US" altLang="ko-KR" sz="1800" dirty="0"/>
+                        <a:rPr lang="en-US" altLang="ko-KR" sz="1800" dirty="0">
+                          <a:latin typeface="HY헤드라인M" panose="02030600000101010101" pitchFamily="18" charset="-127"/>
+                          <a:ea typeface="HY헤드라인M" panose="02030600000101010101" pitchFamily="18" charset="-127"/>
+                        </a:rPr>
                         <a:t>, </a:t>
                       </a:r>
                       <a:r>
-                        <a:rPr lang="ko-KR" altLang="en-US" sz="1800" dirty="0"/>
+                        <a:rPr lang="ko-KR" altLang="en-US" sz="1800" dirty="0">
+                          <a:latin typeface="HY헤드라인M" panose="02030600000101010101" pitchFamily="18" charset="-127"/>
+                          <a:ea typeface="HY헤드라인M" panose="02030600000101010101" pitchFamily="18" charset="-127"/>
+                        </a:rPr>
                         <a:t>게임 다듬기</a:t>
                       </a:r>
                     </a:p>
                   </a:txBody>
-                  <a:tcPr/>
+                  <a:tcPr>
+                    <a:solidFill>
+                      <a:schemeClr val="bg1">
+                        <a:lumMod val="85000"/>
+                        <a:alpha val="84000"/>
+                      </a:schemeClr>
+                    </a:solidFill>
+                  </a:tcPr>
                 </a:tc>
                 <a:extLst>
                   <a:ext uri="{0D108BD9-81ED-4DB2-BD59-A6C34878D82A}">

--- a/2DGP_project1.pptx
+++ b/2DGP_project1.pptx
@@ -4,6 +4,9 @@
   <p:sldMasterIdLst>
     <p:sldMasterId id="2147483689" r:id="rId1"/>
   </p:sldMasterIdLst>
+  <p:notesMasterIdLst>
+    <p:notesMasterId r:id="rId15"/>
+  </p:notesMasterIdLst>
   <p:sldIdLst>
     <p:sldId id="256" r:id="rId2"/>
     <p:sldId id="257" r:id="rId3"/>
@@ -12,32 +15,36 @@
     <p:sldId id="263" r:id="rId6"/>
     <p:sldId id="261" r:id="rId7"/>
     <p:sldId id="265" r:id="rId8"/>
-    <p:sldId id="266" r:id="rId9"/>
-    <p:sldId id="259" r:id="rId10"/>
+    <p:sldId id="259" r:id="rId9"/>
+    <p:sldId id="269" r:id="rId10"/>
+    <p:sldId id="266" r:id="rId11"/>
+    <p:sldId id="267" r:id="rId12"/>
+    <p:sldId id="268" r:id="rId13"/>
+    <p:sldId id="270" r:id="rId14"/>
   </p:sldIdLst>
   <p:sldSz cx="12192000" cy="6858000"/>
   <p:notesSz cx="6858000" cy="9144000"/>
   <p:embeddedFontLst>
     <p:embeddedFont>
+      <p:font typeface="프리젠테이션 4 Regular" charset="-127"/>
+      <p:regular r:id="rId16"/>
+    </p:embeddedFont>
+    <p:embeddedFont>
+      <p:font typeface="DungeonFont" pitchFamily="2" charset="0"/>
+      <p:regular r:id="rId17"/>
+    </p:embeddedFont>
+    <p:embeddedFont>
       <p:font typeface="HY견고딕" panose="02030600000101010101" pitchFamily="18" charset="-127"/>
-      <p:regular r:id="rId11"/>
+      <p:regular r:id="rId18"/>
     </p:embeddedFont>
     <p:embeddedFont>
       <p:font typeface="HY헤드라인M" panose="02030600000101010101" pitchFamily="18" charset="-127"/>
-      <p:regular r:id="rId12"/>
+      <p:regular r:id="rId19"/>
     </p:embeddedFont>
     <p:embeddedFont>
       <p:font typeface="맑은 고딕" panose="020B0503020000020004" pitchFamily="50" charset="-127"/>
-      <p:regular r:id="rId13"/>
-      <p:bold r:id="rId14"/>
-    </p:embeddedFont>
-    <p:embeddedFont>
-      <p:font typeface="프리젠테이션 4 Regular" charset="-127"/>
-      <p:regular r:id="rId15"/>
-    </p:embeddedFont>
-    <p:embeddedFont>
-      <p:font typeface="DungeonFont" charset="0"/>
-      <p:regular r:id="rId16"/>
+      <p:regular r:id="rId20"/>
+      <p:bold r:id="rId21"/>
     </p:embeddedFont>
   </p:embeddedFontLst>
   <p:defaultTextStyle>
@@ -135,7 +142,661 @@
       </a:defRPr>
     </a:lvl9pPr>
   </p:defaultTextStyle>
+  <p:extLst>
+    <p:ext uri="{EFAFB233-063F-42B5-8137-9DF3F51BA10A}">
+      <p15:sldGuideLst xmlns:p15="http://schemas.microsoft.com/office/powerpoint/2012/main"/>
+    </p:ext>
+  </p:extLst>
 </p:presentation>
+</file>
+
+<file path=ppt/notesMasters/notesMaster1.xml><?xml version="1.0" encoding="utf-8"?>
+<p:notesMaster xmlns:a="http://schemas.openxmlformats.org/drawingml/2006/main" xmlns:r="http://schemas.openxmlformats.org/officeDocument/2006/relationships" xmlns:p="http://schemas.openxmlformats.org/presentationml/2006/main">
+  <p:cSld>
+    <p:bg>
+      <p:bgRef idx="1001">
+        <a:schemeClr val="bg1"/>
+      </p:bgRef>
+    </p:bg>
+    <p:spTree>
+      <p:nvGrpSpPr>
+        <p:cNvPr id="1" name=""/>
+        <p:cNvGrpSpPr/>
+        <p:nvPr/>
+      </p:nvGrpSpPr>
+      <p:grpSpPr>
+        <a:xfrm>
+          <a:off x="0" y="0"/>
+          <a:ext cx="0" cy="0"/>
+          <a:chOff x="0" y="0"/>
+          <a:chExt cx="0" cy="0"/>
+        </a:xfrm>
+      </p:grpSpPr>
+      <p:sp>
+        <p:nvSpPr>
+          <p:cNvPr id="2" name="머리글 개체 틀 1"/>
+          <p:cNvSpPr>
+            <a:spLocks noGrp="1"/>
+          </p:cNvSpPr>
+          <p:nvPr>
+            <p:ph type="hdr" sz="quarter"/>
+          </p:nvPr>
+        </p:nvSpPr>
+        <p:spPr>
+          <a:xfrm>
+            <a:off x="0" y="0"/>
+            <a:ext cx="2971800" cy="458788"/>
+          </a:xfrm>
+          <a:prstGeom prst="rect">
+            <a:avLst/>
+          </a:prstGeom>
+        </p:spPr>
+        <p:txBody>
+          <a:bodyPr vert="horz" lIns="91440" tIns="45720" rIns="91440" bIns="45720" rtlCol="0"/>
+          <a:lstStyle>
+            <a:lvl1pPr algn="l">
+              <a:defRPr sz="1200"/>
+            </a:lvl1pPr>
+          </a:lstStyle>
+          <a:p>
+            <a:endParaRPr lang="ko-KR" altLang="en-US"/>
+          </a:p>
+        </p:txBody>
+      </p:sp>
+      <p:sp>
+        <p:nvSpPr>
+          <p:cNvPr id="3" name="날짜 개체 틀 2"/>
+          <p:cNvSpPr>
+            <a:spLocks noGrp="1"/>
+          </p:cNvSpPr>
+          <p:nvPr>
+            <p:ph type="dt" idx="1"/>
+          </p:nvPr>
+        </p:nvSpPr>
+        <p:spPr>
+          <a:xfrm>
+            <a:off x="3884613" y="0"/>
+            <a:ext cx="2971800" cy="458788"/>
+          </a:xfrm>
+          <a:prstGeom prst="rect">
+            <a:avLst/>
+          </a:prstGeom>
+        </p:spPr>
+        <p:txBody>
+          <a:bodyPr vert="horz" lIns="91440" tIns="45720" rIns="91440" bIns="45720" rtlCol="0"/>
+          <a:lstStyle>
+            <a:lvl1pPr algn="r">
+              <a:defRPr sz="1200"/>
+            </a:lvl1pPr>
+          </a:lstStyle>
+          <a:p>
+            <a:fld id="{D78EB73E-6292-4760-A76E-4E35C0465E35}" type="datetimeFigureOut">
+              <a:rPr lang="ko-KR" altLang="en-US" smtClean="0"/>
+              <a:t>2024-10-13</a:t>
+            </a:fld>
+            <a:endParaRPr lang="ko-KR" altLang="en-US"/>
+          </a:p>
+        </p:txBody>
+      </p:sp>
+      <p:sp>
+        <p:nvSpPr>
+          <p:cNvPr id="4" name="슬라이드 이미지 개체 틀 3"/>
+          <p:cNvSpPr>
+            <a:spLocks noGrp="1" noRot="1" noChangeAspect="1"/>
+          </p:cNvSpPr>
+          <p:nvPr>
+            <p:ph type="sldImg" idx="2"/>
+          </p:nvPr>
+        </p:nvSpPr>
+        <p:spPr>
+          <a:xfrm>
+            <a:off x="685800" y="1143000"/>
+            <a:ext cx="5486400" cy="3086100"/>
+          </a:xfrm>
+          <a:prstGeom prst="rect">
+            <a:avLst/>
+          </a:prstGeom>
+          <a:noFill/>
+          <a:ln w="12700">
+            <a:solidFill>
+              <a:prstClr val="black"/>
+            </a:solidFill>
+          </a:ln>
+        </p:spPr>
+        <p:txBody>
+          <a:bodyPr vert="horz" lIns="91440" tIns="45720" rIns="91440" bIns="45720" rtlCol="0" anchor="ctr"/>
+          <a:lstStyle/>
+          <a:p>
+            <a:endParaRPr lang="ko-KR" altLang="en-US"/>
+          </a:p>
+        </p:txBody>
+      </p:sp>
+      <p:sp>
+        <p:nvSpPr>
+          <p:cNvPr id="5" name="슬라이드 노트 개체 틀 4"/>
+          <p:cNvSpPr>
+            <a:spLocks noGrp="1"/>
+          </p:cNvSpPr>
+          <p:nvPr>
+            <p:ph type="body" sz="quarter" idx="3"/>
+          </p:nvPr>
+        </p:nvSpPr>
+        <p:spPr>
+          <a:xfrm>
+            <a:off x="685800" y="4400550"/>
+            <a:ext cx="5486400" cy="3600450"/>
+          </a:xfrm>
+          <a:prstGeom prst="rect">
+            <a:avLst/>
+          </a:prstGeom>
+        </p:spPr>
+        <p:txBody>
+          <a:bodyPr vert="horz" lIns="91440" tIns="45720" rIns="91440" bIns="45720" rtlCol="0"/>
+          <a:lstStyle/>
+          <a:p>
+            <a:pPr lvl="0"/>
+            <a:r>
+              <a:rPr lang="ko-KR" altLang="en-US"/>
+              <a:t>마스터 텍스트 스타일을 편집하려면 클릭</a:t>
+            </a:r>
+          </a:p>
+          <a:p>
+            <a:pPr lvl="1"/>
+            <a:r>
+              <a:rPr lang="ko-KR" altLang="en-US"/>
+              <a:t>두 번째 수준</a:t>
+            </a:r>
+          </a:p>
+          <a:p>
+            <a:pPr lvl="2"/>
+            <a:r>
+              <a:rPr lang="ko-KR" altLang="en-US"/>
+              <a:t>세 번째 수준</a:t>
+            </a:r>
+          </a:p>
+          <a:p>
+            <a:pPr lvl="3"/>
+            <a:r>
+              <a:rPr lang="ko-KR" altLang="en-US"/>
+              <a:t>네 번째 수준</a:t>
+            </a:r>
+          </a:p>
+          <a:p>
+            <a:pPr lvl="4"/>
+            <a:r>
+              <a:rPr lang="ko-KR" altLang="en-US"/>
+              <a:t>다섯 번째 수준</a:t>
+            </a:r>
+          </a:p>
+        </p:txBody>
+      </p:sp>
+      <p:sp>
+        <p:nvSpPr>
+          <p:cNvPr id="6" name="바닥글 개체 틀 5"/>
+          <p:cNvSpPr>
+            <a:spLocks noGrp="1"/>
+          </p:cNvSpPr>
+          <p:nvPr>
+            <p:ph type="ftr" sz="quarter" idx="4"/>
+          </p:nvPr>
+        </p:nvSpPr>
+        <p:spPr>
+          <a:xfrm>
+            <a:off x="0" y="8685213"/>
+            <a:ext cx="2971800" cy="458787"/>
+          </a:xfrm>
+          <a:prstGeom prst="rect">
+            <a:avLst/>
+          </a:prstGeom>
+        </p:spPr>
+        <p:txBody>
+          <a:bodyPr vert="horz" lIns="91440" tIns="45720" rIns="91440" bIns="45720" rtlCol="0" anchor="b"/>
+          <a:lstStyle>
+            <a:lvl1pPr algn="l">
+              <a:defRPr sz="1200"/>
+            </a:lvl1pPr>
+          </a:lstStyle>
+          <a:p>
+            <a:endParaRPr lang="ko-KR" altLang="en-US"/>
+          </a:p>
+        </p:txBody>
+      </p:sp>
+      <p:sp>
+        <p:nvSpPr>
+          <p:cNvPr id="7" name="슬라이드 번호 개체 틀 6"/>
+          <p:cNvSpPr>
+            <a:spLocks noGrp="1"/>
+          </p:cNvSpPr>
+          <p:nvPr>
+            <p:ph type="sldNum" sz="quarter" idx="5"/>
+          </p:nvPr>
+        </p:nvSpPr>
+        <p:spPr>
+          <a:xfrm>
+            <a:off x="3884613" y="8685213"/>
+            <a:ext cx="2971800" cy="458787"/>
+          </a:xfrm>
+          <a:prstGeom prst="rect">
+            <a:avLst/>
+          </a:prstGeom>
+        </p:spPr>
+        <p:txBody>
+          <a:bodyPr vert="horz" lIns="91440" tIns="45720" rIns="91440" bIns="45720" rtlCol="0" anchor="b"/>
+          <a:lstStyle>
+            <a:lvl1pPr algn="r">
+              <a:defRPr sz="1200"/>
+            </a:lvl1pPr>
+          </a:lstStyle>
+          <a:p>
+            <a:fld id="{608EB9C0-4D9B-4517-9AA0-A6C1C7E4CFFD}" type="slidenum">
+              <a:rPr lang="ko-KR" altLang="en-US" smtClean="0"/>
+              <a:t>‹#›</a:t>
+            </a:fld>
+            <a:endParaRPr lang="ko-KR" altLang="en-US"/>
+          </a:p>
+        </p:txBody>
+      </p:sp>
+    </p:spTree>
+    <p:extLst>
+      <p:ext uri="{BB962C8B-B14F-4D97-AF65-F5344CB8AC3E}">
+        <p14:creationId xmlns:p14="http://schemas.microsoft.com/office/powerpoint/2010/main" val="549534930"/>
+      </p:ext>
+    </p:extLst>
+  </p:cSld>
+  <p:clrMap bg1="lt1" tx1="dk1" bg2="lt2" tx2="dk2" accent1="accent1" accent2="accent2" accent3="accent3" accent4="accent4" accent5="accent5" accent6="accent6" hlink="hlink" folHlink="folHlink"/>
+  <p:notesStyle>
+    <a:lvl1pPr marL="0" algn="l" defTabSz="914400" rtl="0" eaLnBrk="1" latinLnBrk="1" hangingPunct="1">
+      <a:defRPr sz="1200" kern="1200">
+        <a:solidFill>
+          <a:schemeClr val="tx1"/>
+        </a:solidFill>
+        <a:latin typeface="+mn-lt"/>
+        <a:ea typeface="+mn-ea"/>
+        <a:cs typeface="+mn-cs"/>
+      </a:defRPr>
+    </a:lvl1pPr>
+    <a:lvl2pPr marL="457200" algn="l" defTabSz="914400" rtl="0" eaLnBrk="1" latinLnBrk="1" hangingPunct="1">
+      <a:defRPr sz="1200" kern="1200">
+        <a:solidFill>
+          <a:schemeClr val="tx1"/>
+        </a:solidFill>
+        <a:latin typeface="+mn-lt"/>
+        <a:ea typeface="+mn-ea"/>
+        <a:cs typeface="+mn-cs"/>
+      </a:defRPr>
+    </a:lvl2pPr>
+    <a:lvl3pPr marL="914400" algn="l" defTabSz="914400" rtl="0" eaLnBrk="1" latinLnBrk="1" hangingPunct="1">
+      <a:defRPr sz="1200" kern="1200">
+        <a:solidFill>
+          <a:schemeClr val="tx1"/>
+        </a:solidFill>
+        <a:latin typeface="+mn-lt"/>
+        <a:ea typeface="+mn-ea"/>
+        <a:cs typeface="+mn-cs"/>
+      </a:defRPr>
+    </a:lvl3pPr>
+    <a:lvl4pPr marL="1371600" algn="l" defTabSz="914400" rtl="0" eaLnBrk="1" latinLnBrk="1" hangingPunct="1">
+      <a:defRPr sz="1200" kern="1200">
+        <a:solidFill>
+          <a:schemeClr val="tx1"/>
+        </a:solidFill>
+        <a:latin typeface="+mn-lt"/>
+        <a:ea typeface="+mn-ea"/>
+        <a:cs typeface="+mn-cs"/>
+      </a:defRPr>
+    </a:lvl4pPr>
+    <a:lvl5pPr marL="1828800" algn="l" defTabSz="914400" rtl="0" eaLnBrk="1" latinLnBrk="1" hangingPunct="1">
+      <a:defRPr sz="1200" kern="1200">
+        <a:solidFill>
+          <a:schemeClr val="tx1"/>
+        </a:solidFill>
+        <a:latin typeface="+mn-lt"/>
+        <a:ea typeface="+mn-ea"/>
+        <a:cs typeface="+mn-cs"/>
+      </a:defRPr>
+    </a:lvl5pPr>
+    <a:lvl6pPr marL="2286000" algn="l" defTabSz="914400" rtl="0" eaLnBrk="1" latinLnBrk="1" hangingPunct="1">
+      <a:defRPr sz="1200" kern="1200">
+        <a:solidFill>
+          <a:schemeClr val="tx1"/>
+        </a:solidFill>
+        <a:latin typeface="+mn-lt"/>
+        <a:ea typeface="+mn-ea"/>
+        <a:cs typeface="+mn-cs"/>
+      </a:defRPr>
+    </a:lvl6pPr>
+    <a:lvl7pPr marL="2743200" algn="l" defTabSz="914400" rtl="0" eaLnBrk="1" latinLnBrk="1" hangingPunct="1">
+      <a:defRPr sz="1200" kern="1200">
+        <a:solidFill>
+          <a:schemeClr val="tx1"/>
+        </a:solidFill>
+        <a:latin typeface="+mn-lt"/>
+        <a:ea typeface="+mn-ea"/>
+        <a:cs typeface="+mn-cs"/>
+      </a:defRPr>
+    </a:lvl7pPr>
+    <a:lvl8pPr marL="3200400" algn="l" defTabSz="914400" rtl="0" eaLnBrk="1" latinLnBrk="1" hangingPunct="1">
+      <a:defRPr sz="1200" kern="1200">
+        <a:solidFill>
+          <a:schemeClr val="tx1"/>
+        </a:solidFill>
+        <a:latin typeface="+mn-lt"/>
+        <a:ea typeface="+mn-ea"/>
+        <a:cs typeface="+mn-cs"/>
+      </a:defRPr>
+    </a:lvl8pPr>
+    <a:lvl9pPr marL="3657600" algn="l" defTabSz="914400" rtl="0" eaLnBrk="1" latinLnBrk="1" hangingPunct="1">
+      <a:defRPr sz="1200" kern="1200">
+        <a:solidFill>
+          <a:schemeClr val="tx1"/>
+        </a:solidFill>
+        <a:latin typeface="+mn-lt"/>
+        <a:ea typeface="+mn-ea"/>
+        <a:cs typeface="+mn-cs"/>
+      </a:defRPr>
+    </a:lvl9pPr>
+  </p:notesStyle>
+</p:notesMaster>
+</file>
+
+<file path=ppt/notesSlides/notesSlide1.xml><?xml version="1.0" encoding="utf-8"?>
+<p:notes xmlns:a="http://schemas.openxmlformats.org/drawingml/2006/main" xmlns:r="http://schemas.openxmlformats.org/officeDocument/2006/relationships" xmlns:p="http://schemas.openxmlformats.org/presentationml/2006/main">
+  <p:cSld>
+    <p:spTree>
+      <p:nvGrpSpPr>
+        <p:cNvPr id="1" name=""/>
+        <p:cNvGrpSpPr/>
+        <p:nvPr/>
+      </p:nvGrpSpPr>
+      <p:grpSpPr>
+        <a:xfrm>
+          <a:off x="0" y="0"/>
+          <a:ext cx="0" cy="0"/>
+          <a:chOff x="0" y="0"/>
+          <a:chExt cx="0" cy="0"/>
+        </a:xfrm>
+      </p:grpSpPr>
+      <p:sp>
+        <p:nvSpPr>
+          <p:cNvPr id="2" name="슬라이드 이미지 개체 틀 1"/>
+          <p:cNvSpPr>
+            <a:spLocks noGrp="1" noRot="1" noChangeAspect="1"/>
+          </p:cNvSpPr>
+          <p:nvPr>
+            <p:ph type="sldImg"/>
+          </p:nvPr>
+        </p:nvSpPr>
+        <p:spPr/>
+      </p:sp>
+      <p:sp>
+        <p:nvSpPr>
+          <p:cNvPr id="3" name="슬라이드 노트 개체 틀 2"/>
+          <p:cNvSpPr>
+            <a:spLocks noGrp="1"/>
+          </p:cNvSpPr>
+          <p:nvPr>
+            <p:ph type="body" idx="1"/>
+          </p:nvPr>
+        </p:nvSpPr>
+        <p:spPr/>
+        <p:txBody>
+          <a:bodyPr/>
+          <a:lstStyle/>
+          <a:p>
+            <a:endParaRPr lang="ko-KR" altLang="en-US" dirty="0"/>
+          </a:p>
+        </p:txBody>
+      </p:sp>
+      <p:sp>
+        <p:nvSpPr>
+          <p:cNvPr id="4" name="슬라이드 번호 개체 틀 3"/>
+          <p:cNvSpPr>
+            <a:spLocks noGrp="1"/>
+          </p:cNvSpPr>
+          <p:nvPr>
+            <p:ph type="sldNum" sz="quarter" idx="5"/>
+          </p:nvPr>
+        </p:nvSpPr>
+        <p:spPr/>
+        <p:txBody>
+          <a:bodyPr/>
+          <a:lstStyle/>
+          <a:p>
+            <a:fld id="{608EB9C0-4D9B-4517-9AA0-A6C1C7E4CFFD}" type="slidenum">
+              <a:rPr lang="ko-KR" altLang="en-US" smtClean="0"/>
+              <a:t>11</a:t>
+            </a:fld>
+            <a:endParaRPr lang="ko-KR" altLang="en-US"/>
+          </a:p>
+        </p:txBody>
+      </p:sp>
+    </p:spTree>
+    <p:extLst>
+      <p:ext uri="{BB962C8B-B14F-4D97-AF65-F5344CB8AC3E}">
+        <p14:creationId xmlns:p14="http://schemas.microsoft.com/office/powerpoint/2010/main" val="1792088316"/>
+      </p:ext>
+    </p:extLst>
+  </p:cSld>
+  <p:clrMapOvr>
+    <a:masterClrMapping/>
+  </p:clrMapOvr>
+</p:notes>
+</file>
+
+<file path=ppt/notesSlides/notesSlide2.xml><?xml version="1.0" encoding="utf-8"?>
+<p:notes xmlns:a="http://schemas.openxmlformats.org/drawingml/2006/main" xmlns:r="http://schemas.openxmlformats.org/officeDocument/2006/relationships" xmlns:p="http://schemas.openxmlformats.org/presentationml/2006/main">
+  <p:cSld>
+    <p:spTree>
+      <p:nvGrpSpPr>
+        <p:cNvPr id="1" name="">
+          <a:extLst>
+            <a:ext uri="{FF2B5EF4-FFF2-40B4-BE49-F238E27FC236}">
+              <a16:creationId xmlns:a16="http://schemas.microsoft.com/office/drawing/2014/main" id="{B5BC56B0-3398-99A0-585B-71098DC48188}"/>
+            </a:ext>
+          </a:extLst>
+        </p:cNvPr>
+        <p:cNvGrpSpPr/>
+        <p:nvPr/>
+      </p:nvGrpSpPr>
+      <p:grpSpPr>
+        <a:xfrm>
+          <a:off x="0" y="0"/>
+          <a:ext cx="0" cy="0"/>
+          <a:chOff x="0" y="0"/>
+          <a:chExt cx="0" cy="0"/>
+        </a:xfrm>
+      </p:grpSpPr>
+      <p:sp>
+        <p:nvSpPr>
+          <p:cNvPr id="2" name="슬라이드 이미지 개체 틀 1">
+            <a:extLst>
+              <a:ext uri="{FF2B5EF4-FFF2-40B4-BE49-F238E27FC236}">
+                <a16:creationId xmlns:a16="http://schemas.microsoft.com/office/drawing/2014/main" id="{78A11DA1-2BFD-830F-7571-E916DD4BDDD4}"/>
+              </a:ext>
+            </a:extLst>
+          </p:cNvPr>
+          <p:cNvSpPr>
+            <a:spLocks noGrp="1" noRot="1" noChangeAspect="1"/>
+          </p:cNvSpPr>
+          <p:nvPr>
+            <p:ph type="sldImg"/>
+          </p:nvPr>
+        </p:nvSpPr>
+        <p:spPr/>
+      </p:sp>
+      <p:sp>
+        <p:nvSpPr>
+          <p:cNvPr id="3" name="슬라이드 노트 개체 틀 2">
+            <a:extLst>
+              <a:ext uri="{FF2B5EF4-FFF2-40B4-BE49-F238E27FC236}">
+                <a16:creationId xmlns:a16="http://schemas.microsoft.com/office/drawing/2014/main" id="{A09DD00D-4750-D624-F00B-E520D5368C85}"/>
+              </a:ext>
+            </a:extLst>
+          </p:cNvPr>
+          <p:cNvSpPr>
+            <a:spLocks noGrp="1"/>
+          </p:cNvSpPr>
+          <p:nvPr>
+            <p:ph type="body" idx="1"/>
+          </p:nvPr>
+        </p:nvSpPr>
+        <p:spPr/>
+        <p:txBody>
+          <a:bodyPr/>
+          <a:lstStyle/>
+          <a:p>
+            <a:endParaRPr lang="ko-KR" altLang="en-US" dirty="0"/>
+          </a:p>
+        </p:txBody>
+      </p:sp>
+      <p:sp>
+        <p:nvSpPr>
+          <p:cNvPr id="4" name="슬라이드 번호 개체 틀 3">
+            <a:extLst>
+              <a:ext uri="{FF2B5EF4-FFF2-40B4-BE49-F238E27FC236}">
+                <a16:creationId xmlns:a16="http://schemas.microsoft.com/office/drawing/2014/main" id="{C1C16F9D-24CC-3070-7B56-F6B058ED02A3}"/>
+              </a:ext>
+            </a:extLst>
+          </p:cNvPr>
+          <p:cNvSpPr>
+            <a:spLocks noGrp="1"/>
+          </p:cNvSpPr>
+          <p:nvPr>
+            <p:ph type="sldNum" sz="quarter" idx="5"/>
+          </p:nvPr>
+        </p:nvSpPr>
+        <p:spPr/>
+        <p:txBody>
+          <a:bodyPr/>
+          <a:lstStyle/>
+          <a:p>
+            <a:fld id="{608EB9C0-4D9B-4517-9AA0-A6C1C7E4CFFD}" type="slidenum">
+              <a:rPr lang="ko-KR" altLang="en-US" smtClean="0"/>
+              <a:t>12</a:t>
+            </a:fld>
+            <a:endParaRPr lang="ko-KR" altLang="en-US"/>
+          </a:p>
+        </p:txBody>
+      </p:sp>
+    </p:spTree>
+    <p:extLst>
+      <p:ext uri="{BB962C8B-B14F-4D97-AF65-F5344CB8AC3E}">
+        <p14:creationId xmlns:p14="http://schemas.microsoft.com/office/powerpoint/2010/main" val="1638016826"/>
+      </p:ext>
+    </p:extLst>
+  </p:cSld>
+  <p:clrMapOvr>
+    <a:masterClrMapping/>
+  </p:clrMapOvr>
+</p:notes>
+</file>
+
+<file path=ppt/notesSlides/notesSlide3.xml><?xml version="1.0" encoding="utf-8"?>
+<p:notes xmlns:a="http://schemas.openxmlformats.org/drawingml/2006/main" xmlns:r="http://schemas.openxmlformats.org/officeDocument/2006/relationships" xmlns:p="http://schemas.openxmlformats.org/presentationml/2006/main">
+  <p:cSld>
+    <p:spTree>
+      <p:nvGrpSpPr>
+        <p:cNvPr id="1" name="">
+          <a:extLst>
+            <a:ext uri="{FF2B5EF4-FFF2-40B4-BE49-F238E27FC236}">
+              <a16:creationId xmlns:a16="http://schemas.microsoft.com/office/drawing/2014/main" id="{44EE29E8-34B3-C275-6A4D-F3F9246CF577}"/>
+            </a:ext>
+          </a:extLst>
+        </p:cNvPr>
+        <p:cNvGrpSpPr/>
+        <p:nvPr/>
+      </p:nvGrpSpPr>
+      <p:grpSpPr>
+        <a:xfrm>
+          <a:off x="0" y="0"/>
+          <a:ext cx="0" cy="0"/>
+          <a:chOff x="0" y="0"/>
+          <a:chExt cx="0" cy="0"/>
+        </a:xfrm>
+      </p:grpSpPr>
+      <p:sp>
+        <p:nvSpPr>
+          <p:cNvPr id="2" name="슬라이드 이미지 개체 틀 1">
+            <a:extLst>
+              <a:ext uri="{FF2B5EF4-FFF2-40B4-BE49-F238E27FC236}">
+                <a16:creationId xmlns:a16="http://schemas.microsoft.com/office/drawing/2014/main" id="{A10D14AF-EC46-B34B-3CF0-E9511C8EAE11}"/>
+              </a:ext>
+            </a:extLst>
+          </p:cNvPr>
+          <p:cNvSpPr>
+            <a:spLocks noGrp="1" noRot="1" noChangeAspect="1"/>
+          </p:cNvSpPr>
+          <p:nvPr>
+            <p:ph type="sldImg"/>
+          </p:nvPr>
+        </p:nvSpPr>
+        <p:spPr/>
+      </p:sp>
+      <p:sp>
+        <p:nvSpPr>
+          <p:cNvPr id="3" name="슬라이드 노트 개체 틀 2">
+            <a:extLst>
+              <a:ext uri="{FF2B5EF4-FFF2-40B4-BE49-F238E27FC236}">
+                <a16:creationId xmlns:a16="http://schemas.microsoft.com/office/drawing/2014/main" id="{BD19B56A-8E6B-A48C-0B20-BCF0D3B77684}"/>
+              </a:ext>
+            </a:extLst>
+          </p:cNvPr>
+          <p:cNvSpPr>
+            <a:spLocks noGrp="1"/>
+          </p:cNvSpPr>
+          <p:nvPr>
+            <p:ph type="body" idx="1"/>
+          </p:nvPr>
+        </p:nvSpPr>
+        <p:spPr/>
+        <p:txBody>
+          <a:bodyPr/>
+          <a:lstStyle/>
+          <a:p>
+            <a:endParaRPr lang="ko-KR" altLang="en-US" dirty="0"/>
+          </a:p>
+        </p:txBody>
+      </p:sp>
+      <p:sp>
+        <p:nvSpPr>
+          <p:cNvPr id="4" name="슬라이드 번호 개체 틀 3">
+            <a:extLst>
+              <a:ext uri="{FF2B5EF4-FFF2-40B4-BE49-F238E27FC236}">
+                <a16:creationId xmlns:a16="http://schemas.microsoft.com/office/drawing/2014/main" id="{5C6FF900-14FF-7162-8832-D5734B8E7B91}"/>
+              </a:ext>
+            </a:extLst>
+          </p:cNvPr>
+          <p:cNvSpPr>
+            <a:spLocks noGrp="1"/>
+          </p:cNvSpPr>
+          <p:nvPr>
+            <p:ph type="sldNum" sz="quarter" idx="5"/>
+          </p:nvPr>
+        </p:nvSpPr>
+        <p:spPr/>
+        <p:txBody>
+          <a:bodyPr/>
+          <a:lstStyle/>
+          <a:p>
+            <a:fld id="{608EB9C0-4D9B-4517-9AA0-A6C1C7E4CFFD}" type="slidenum">
+              <a:rPr lang="ko-KR" altLang="en-US" smtClean="0"/>
+              <a:t>13</a:t>
+            </a:fld>
+            <a:endParaRPr lang="ko-KR" altLang="en-US"/>
+          </a:p>
+        </p:txBody>
+      </p:sp>
+    </p:spTree>
+    <p:extLst>
+      <p:ext uri="{BB962C8B-B14F-4D97-AF65-F5344CB8AC3E}">
+        <p14:creationId xmlns:p14="http://schemas.microsoft.com/office/powerpoint/2010/main" val="936643346"/>
+      </p:ext>
+    </p:extLst>
+  </p:cSld>
+  <p:clrMapOvr>
+    <a:masterClrMapping/>
+  </p:clrMapOvr>
+</p:notes>
 </file>
 
 <file path=ppt/slideLayouts/slideLayout1.xml><?xml version="1.0" encoding="utf-8"?>
@@ -285,7 +946,7 @@
           <a:p>
             <a:fld id="{2E32A74D-1F92-4A08-B23A-CA34A74CCB9E}" type="datetimeFigureOut">
               <a:rPr lang="ko-KR" altLang="en-US" smtClean="0"/>
-              <a:t>2024-10-12</a:t>
+              <a:t>2024-10-13</a:t>
             </a:fld>
             <a:endParaRPr lang="ko-KR" altLang="en-US"/>
           </a:p>
@@ -483,7 +1144,7 @@
           <a:p>
             <a:fld id="{2E32A74D-1F92-4A08-B23A-CA34A74CCB9E}" type="datetimeFigureOut">
               <a:rPr lang="ko-KR" altLang="en-US" smtClean="0"/>
-              <a:t>2024-10-12</a:t>
+              <a:t>2024-10-13</a:t>
             </a:fld>
             <a:endParaRPr lang="ko-KR" altLang="en-US"/>
           </a:p>
@@ -691,7 +1352,7 @@
           <a:p>
             <a:fld id="{2E32A74D-1F92-4A08-B23A-CA34A74CCB9E}" type="datetimeFigureOut">
               <a:rPr lang="ko-KR" altLang="en-US" smtClean="0"/>
-              <a:t>2024-10-12</a:t>
+              <a:t>2024-10-13</a:t>
             </a:fld>
             <a:endParaRPr lang="ko-KR" altLang="en-US"/>
           </a:p>
@@ -889,7 +1550,7 @@
           <a:p>
             <a:fld id="{2E32A74D-1F92-4A08-B23A-CA34A74CCB9E}" type="datetimeFigureOut">
               <a:rPr lang="ko-KR" altLang="en-US" smtClean="0"/>
-              <a:t>2024-10-12</a:t>
+              <a:t>2024-10-13</a:t>
             </a:fld>
             <a:endParaRPr lang="ko-KR" altLang="en-US"/>
           </a:p>
@@ -1164,7 +1825,7 @@
           <a:p>
             <a:fld id="{2E32A74D-1F92-4A08-B23A-CA34A74CCB9E}" type="datetimeFigureOut">
               <a:rPr lang="ko-KR" altLang="en-US" smtClean="0"/>
-              <a:t>2024-10-12</a:t>
+              <a:t>2024-10-13</a:t>
             </a:fld>
             <a:endParaRPr lang="ko-KR" altLang="en-US"/>
           </a:p>
@@ -1429,7 +2090,7 @@
           <a:p>
             <a:fld id="{2E32A74D-1F92-4A08-B23A-CA34A74CCB9E}" type="datetimeFigureOut">
               <a:rPr lang="ko-KR" altLang="en-US" smtClean="0"/>
-              <a:t>2024-10-12</a:t>
+              <a:t>2024-10-13</a:t>
             </a:fld>
             <a:endParaRPr lang="ko-KR" altLang="en-US"/>
           </a:p>
@@ -1841,7 +2502,7 @@
           <a:p>
             <a:fld id="{2E32A74D-1F92-4A08-B23A-CA34A74CCB9E}" type="datetimeFigureOut">
               <a:rPr lang="ko-KR" altLang="en-US" smtClean="0"/>
-              <a:t>2024-10-12</a:t>
+              <a:t>2024-10-13</a:t>
             </a:fld>
             <a:endParaRPr lang="ko-KR" altLang="en-US"/>
           </a:p>
@@ -1982,7 +2643,7 @@
           <a:p>
             <a:fld id="{2E32A74D-1F92-4A08-B23A-CA34A74CCB9E}" type="datetimeFigureOut">
               <a:rPr lang="ko-KR" altLang="en-US" smtClean="0"/>
-              <a:t>2024-10-12</a:t>
+              <a:t>2024-10-13</a:t>
             </a:fld>
             <a:endParaRPr lang="ko-KR" altLang="en-US"/>
           </a:p>
@@ -2095,7 +2756,7 @@
           <a:p>
             <a:fld id="{2E32A74D-1F92-4A08-B23A-CA34A74CCB9E}" type="datetimeFigureOut">
               <a:rPr lang="ko-KR" altLang="en-US" smtClean="0"/>
-              <a:t>2024-10-12</a:t>
+              <a:t>2024-10-13</a:t>
             </a:fld>
             <a:endParaRPr lang="ko-KR" altLang="en-US"/>
           </a:p>
@@ -2406,7 +3067,7 @@
           <a:p>
             <a:fld id="{2E32A74D-1F92-4A08-B23A-CA34A74CCB9E}" type="datetimeFigureOut">
               <a:rPr lang="ko-KR" altLang="en-US" smtClean="0"/>
-              <a:t>2024-10-12</a:t>
+              <a:t>2024-10-13</a:t>
             </a:fld>
             <a:endParaRPr lang="ko-KR" altLang="en-US"/>
           </a:p>
@@ -2694,7 +3355,7 @@
           <a:p>
             <a:fld id="{2E32A74D-1F92-4A08-B23A-CA34A74CCB9E}" type="datetimeFigureOut">
               <a:rPr lang="ko-KR" altLang="en-US" smtClean="0"/>
-              <a:t>2024-10-12</a:t>
+              <a:t>2024-10-13</a:t>
             </a:fld>
             <a:endParaRPr lang="ko-KR" altLang="en-US"/>
           </a:p>
@@ -2935,7 +3596,7 @@
           <a:p>
             <a:fld id="{2E32A74D-1F92-4A08-B23A-CA34A74CCB9E}" type="datetimeFigureOut">
               <a:rPr lang="ko-KR" altLang="en-US" smtClean="0"/>
-              <a:t>2024-10-12</a:t>
+              <a:t>2024-10-13</a:t>
             </a:fld>
             <a:endParaRPr lang="ko-KR" altLang="en-US"/>
           </a:p>
@@ -3553,12 +4214,12 @@
         </p:spPr>
         <p:txBody>
           <a:bodyPr>
-            <a:normAutofit/>
+            <a:normAutofit fontScale="92500" lnSpcReduction="20000"/>
           </a:bodyPr>
           <a:lstStyle/>
           <a:p>
             <a:r>
-              <a:rPr lang="en-US" altLang="ko-KR">
+              <a:rPr lang="en-US" altLang="ko-KR" dirty="0">
                 <a:solidFill>
                   <a:srgbClr val="FFFFFF"/>
                 </a:solidFill>
@@ -3566,13 +4227,64 @@
               <a:t>2021182026_</a:t>
             </a:r>
             <a:r>
-              <a:rPr lang="ko-KR" altLang="en-US">
+              <a:rPr lang="ko-KR" altLang="en-US" dirty="0">
                 <a:solidFill>
                   <a:srgbClr val="FFFFFF"/>
                 </a:solidFill>
               </a:rPr>
               <a:t>윤재형 </a:t>
             </a:r>
+            <a:endParaRPr lang="en-US" altLang="ko-KR" dirty="0">
+              <a:solidFill>
+                <a:srgbClr val="FFFFFF"/>
+              </a:solidFill>
+            </a:endParaRPr>
+          </a:p>
+          <a:p>
+            <a:endParaRPr lang="en-US" altLang="ko-KR" dirty="0">
+              <a:solidFill>
+                <a:srgbClr val="FFFFFF"/>
+              </a:solidFill>
+            </a:endParaRPr>
+          </a:p>
+          <a:p>
+            <a:r>
+              <a:rPr lang="en-US" altLang="ko-KR" dirty="0">
+                <a:solidFill>
+                  <a:srgbClr val="FFFFFF"/>
+                </a:solidFill>
+                <a:latin typeface="HY헤드라인M" panose="02030600000101010101" pitchFamily="18" charset="-127"/>
+                <a:ea typeface="HY헤드라인M" panose="02030600000101010101" pitchFamily="18" charset="-127"/>
+              </a:rPr>
+              <a:t>“</a:t>
+            </a:r>
+            <a:r>
+              <a:rPr lang="en-US" altLang="ko-KR" dirty="0" err="1">
+                <a:solidFill>
+                  <a:srgbClr val="FFFFFF"/>
+                </a:solidFill>
+                <a:latin typeface="HY헤드라인M" panose="02030600000101010101" pitchFamily="18" charset="-127"/>
+                <a:ea typeface="HY헤드라인M" panose="02030600000101010101" pitchFamily="18" charset="-127"/>
+              </a:rPr>
+              <a:t>SeconTh</a:t>
+            </a:r>
+            <a:r>
+              <a:rPr lang="en-US" altLang="ko-KR" dirty="0">
+                <a:solidFill>
+                  <a:srgbClr val="FFFFFF"/>
+                </a:solidFill>
+                <a:latin typeface="HY헤드라인M" panose="02030600000101010101" pitchFamily="18" charset="-127"/>
+                <a:ea typeface="HY헤드라인M" panose="02030600000101010101" pitchFamily="18" charset="-127"/>
+              </a:rPr>
+              <a:t>”</a:t>
+            </a:r>
+            <a:endParaRPr lang="ko-KR" altLang="en-US" dirty="0">
+              <a:solidFill>
+                <a:srgbClr val="FFFFFF"/>
+              </a:solidFill>
+              <a:latin typeface="HY헤드라인M" panose="02030600000101010101" pitchFamily="18" charset="-127"/>
+              <a:ea typeface="HY헤드라인M" panose="02030600000101010101" pitchFamily="18" charset="-127"/>
+            </a:endParaRPr>
           </a:p>
         </p:txBody>
       </p:sp>
@@ -3699,6 +4411,70 @@
                       </p:childTnLst>
                     </p:cTn>
                   </p:par>
+                  <p:par>
+                    <p:cTn id="11" fill="hold">
+                      <p:stCondLst>
+                        <p:cond delay="indefinite"/>
+                      </p:stCondLst>
+                      <p:childTnLst>
+                        <p:par>
+                          <p:cTn id="12" fill="hold">
+                            <p:stCondLst>
+                              <p:cond delay="0"/>
+                            </p:stCondLst>
+                            <p:childTnLst>
+                              <p:par>
+                                <p:cTn id="13" presetID="10" presetClass="entr" presetSubtype="0" fill="hold" grpId="0" nodeType="clickEffect">
+                                  <p:stCondLst>
+                                    <p:cond delay="1500"/>
+                                  </p:stCondLst>
+                                  <p:iterate>
+                                    <p:tmPct val="10000"/>
+                                  </p:iterate>
+                                  <p:childTnLst>
+                                    <p:set>
+                                      <p:cBhvr>
+                                        <p:cTn id="14" dur="1" fill="hold">
+                                          <p:stCondLst>
+                                            <p:cond delay="0"/>
+                                          </p:stCondLst>
+                                        </p:cTn>
+                                        <p:tgtEl>
+                                          <p:spTgt spid="3">
+                                            <p:txEl>
+                                              <p:pRg st="2" end="2"/>
+                                            </p:txEl>
+                                          </p:spTgt>
+                                        </p:tgtEl>
+                                        <p:attrNameLst>
+                                          <p:attrName>style.visibility</p:attrName>
+                                        </p:attrNameLst>
+                                      </p:cBhvr>
+                                      <p:to>
+                                        <p:strVal val="visible"/>
+                                      </p:to>
+                                    </p:set>
+                                    <p:animEffect transition="in" filter="fade">
+                                      <p:cBhvr>
+                                        <p:cTn id="15" dur="700"/>
+                                        <p:tgtEl>
+                                          <p:spTgt spid="3">
+                                            <p:txEl>
+                                              <p:pRg st="2" end="2"/>
+                                            </p:txEl>
+                                          </p:spTgt>
+                                        </p:tgtEl>
+                                      </p:cBhvr>
+                                    </p:animEffect>
+                                  </p:childTnLst>
+                                </p:cTn>
+                              </p:par>
+                            </p:childTnLst>
+                          </p:cTn>
+                        </p:par>
+                      </p:childTnLst>
+                    </p:cTn>
+                  </p:par>
                 </p:childTnLst>
               </p:cTn>
               <p:prevCondLst>
@@ -3725,6 +4501,4607 @@
       <p:bldP spid="3" grpId="0" build="p"/>
     </p:bldLst>
   </p:timing>
+</p:sld>
+</file>
+
+<file path=ppt/slides/slide10.xml><?xml version="1.0" encoding="utf-8"?>
+<p:sld xmlns:a="http://schemas.openxmlformats.org/drawingml/2006/main" xmlns:r="http://schemas.openxmlformats.org/officeDocument/2006/relationships" xmlns:p="http://schemas.openxmlformats.org/presentationml/2006/main">
+  <p:cSld>
+    <p:spTree>
+      <p:nvGrpSpPr>
+        <p:cNvPr id="1" name=""/>
+        <p:cNvGrpSpPr/>
+        <p:nvPr/>
+      </p:nvGrpSpPr>
+      <p:grpSpPr>
+        <a:xfrm>
+          <a:off x="0" y="0"/>
+          <a:ext cx="0" cy="0"/>
+          <a:chOff x="0" y="0"/>
+          <a:chExt cx="0" cy="0"/>
+        </a:xfrm>
+      </p:grpSpPr>
+      <p:pic>
+        <p:nvPicPr>
+          <p:cNvPr id="47" name="그림 46" descr="페인팅, 스케치, 예술, 그림이(가) 표시된 사진&#10;&#10;자동 생성된 설명">
+            <a:extLst>
+              <a:ext uri="{FF2B5EF4-FFF2-40B4-BE49-F238E27FC236}">
+                <a16:creationId xmlns:a16="http://schemas.microsoft.com/office/drawing/2014/main" id="{C7E75FCB-E5A9-30F5-29EA-131112D7BDD7}"/>
+              </a:ext>
+            </a:extLst>
+          </p:cNvPr>
+          <p:cNvPicPr>
+            <a:picLocks noChangeAspect="1"/>
+          </p:cNvPicPr>
+          <p:nvPr/>
+        </p:nvPicPr>
+        <p:blipFill>
+          <a:blip r:embed="rId2">
+            <a:alphaModFix amt="51000"/>
+            <a:extLst>
+              <a:ext uri="{28A0092B-C50C-407E-A947-70E740481C1C}">
+                <a14:useLocalDpi xmlns:a14="http://schemas.microsoft.com/office/drawing/2010/main" val="0"/>
+              </a:ext>
+            </a:extLst>
+          </a:blip>
+          <a:srcRect t="50636" r="1" b="5619"/>
+          <a:stretch/>
+        </p:blipFill>
+        <p:spPr>
+          <a:xfrm>
+            <a:off x="3070" y="0"/>
+            <a:ext cx="12188930" cy="6857990"/>
+          </a:xfrm>
+          <a:prstGeom prst="rect">
+            <a:avLst/>
+          </a:prstGeom>
+        </p:spPr>
+      </p:pic>
+      <p:sp>
+        <p:nvSpPr>
+          <p:cNvPr id="2" name="TextBox 1">
+            <a:extLst>
+              <a:ext uri="{FF2B5EF4-FFF2-40B4-BE49-F238E27FC236}">
+                <a16:creationId xmlns:a16="http://schemas.microsoft.com/office/drawing/2014/main" id="{BA8EB800-0BFD-3C77-3B31-28C9F6621FC5}"/>
+              </a:ext>
+            </a:extLst>
+          </p:cNvPr>
+          <p:cNvSpPr txBox="1"/>
+          <p:nvPr/>
+        </p:nvSpPr>
+        <p:spPr>
+          <a:xfrm>
+            <a:off x="5206861" y="146624"/>
+            <a:ext cx="1415772" cy="369332"/>
+          </a:xfrm>
+          <a:prstGeom prst="rect">
+            <a:avLst/>
+          </a:prstGeom>
+          <a:noFill/>
+          <a:ln w="9525" cap="flat" cmpd="sng" algn="ctr">
+            <a:solidFill>
+              <a:schemeClr val="dk1"/>
+            </a:solidFill>
+            <a:prstDash val="solid"/>
+            <a:round/>
+            <a:headEnd type="none" w="med" len="med"/>
+            <a:tailEnd type="none" w="med" len="med"/>
+          </a:ln>
+        </p:spPr>
+        <p:style>
+          <a:lnRef idx="0">
+            <a:scrgbClr r="0" g="0" b="0"/>
+          </a:lnRef>
+          <a:fillRef idx="0">
+            <a:scrgbClr r="0" g="0" b="0"/>
+          </a:fillRef>
+          <a:effectRef idx="0">
+            <a:scrgbClr r="0" g="0" b="0"/>
+          </a:effectRef>
+          <a:fontRef idx="minor">
+            <a:schemeClr val="dk1"/>
+          </a:fontRef>
+        </p:style>
+        <p:txBody>
+          <a:bodyPr wrap="none" rtlCol="0">
+            <a:spAutoFit/>
+          </a:bodyPr>
+          <a:lstStyle/>
+          <a:p>
+            <a:r>
+              <a:rPr lang="ko-KR" altLang="en-US" dirty="0">
+                <a:latin typeface="HY견고딕" panose="02030600000101010101" pitchFamily="18" charset="-127"/>
+                <a:ea typeface="HY견고딕" panose="02030600000101010101" pitchFamily="18" charset="-127"/>
+              </a:rPr>
+              <a:t>플로우 차트</a:t>
+            </a:r>
+          </a:p>
+        </p:txBody>
+      </p:sp>
+      <p:sp>
+        <p:nvSpPr>
+          <p:cNvPr id="3" name="다이아몬드 2">
+            <a:extLst>
+              <a:ext uri="{FF2B5EF4-FFF2-40B4-BE49-F238E27FC236}">
+                <a16:creationId xmlns:a16="http://schemas.microsoft.com/office/drawing/2014/main" id="{F4C5E67F-5E76-8CA3-F62B-C36D5750974F}"/>
+              </a:ext>
+            </a:extLst>
+          </p:cNvPr>
+          <p:cNvSpPr/>
+          <p:nvPr/>
+        </p:nvSpPr>
+        <p:spPr>
+          <a:xfrm>
+            <a:off x="4297205" y="763051"/>
+            <a:ext cx="3235084" cy="914400"/>
+          </a:xfrm>
+          <a:prstGeom prst="diamond">
+            <a:avLst/>
+          </a:prstGeom>
+        </p:spPr>
+        <p:style>
+          <a:lnRef idx="2">
+            <a:schemeClr val="accent1">
+              <a:shade val="15000"/>
+            </a:schemeClr>
+          </a:lnRef>
+          <a:fillRef idx="1">
+            <a:schemeClr val="accent1"/>
+          </a:fillRef>
+          <a:effectRef idx="0">
+            <a:schemeClr val="accent1"/>
+          </a:effectRef>
+          <a:fontRef idx="minor">
+            <a:schemeClr val="lt1"/>
+          </a:fontRef>
+        </p:style>
+        <p:txBody>
+          <a:bodyPr rtlCol="0" anchor="ctr"/>
+          <a:lstStyle/>
+          <a:p>
+            <a:pPr algn="ctr"/>
+            <a:r>
+              <a:rPr lang="ko-KR" altLang="en-US" sz="1400">
+                <a:latin typeface="프리젠테이션 4 Regular" pitchFamily="2" charset="-127"/>
+                <a:ea typeface="프리젠테이션 4 Regular" pitchFamily="2" charset="-127"/>
+              </a:rPr>
+              <a:t>게임 시작</a:t>
+            </a:r>
+          </a:p>
+        </p:txBody>
+      </p:sp>
+      <p:sp>
+        <p:nvSpPr>
+          <p:cNvPr id="4" name="직사각형 3">
+            <a:extLst>
+              <a:ext uri="{FF2B5EF4-FFF2-40B4-BE49-F238E27FC236}">
+                <a16:creationId xmlns:a16="http://schemas.microsoft.com/office/drawing/2014/main" id="{6AE1B89D-3FBC-95CF-6D2C-319607997D0A}"/>
+              </a:ext>
+            </a:extLst>
+          </p:cNvPr>
+          <p:cNvSpPr/>
+          <p:nvPr/>
+        </p:nvSpPr>
+        <p:spPr>
+          <a:xfrm>
+            <a:off x="4456071" y="1823462"/>
+            <a:ext cx="2781037" cy="914400"/>
+          </a:xfrm>
+          <a:prstGeom prst="rect">
+            <a:avLst/>
+          </a:prstGeom>
+          <a:solidFill>
+            <a:schemeClr val="bg1">
+              <a:lumMod val="95000"/>
+            </a:schemeClr>
+          </a:solidFill>
+        </p:spPr>
+        <p:style>
+          <a:lnRef idx="2">
+            <a:schemeClr val="accent1">
+              <a:shade val="15000"/>
+            </a:schemeClr>
+          </a:lnRef>
+          <a:fillRef idx="1">
+            <a:schemeClr val="accent1"/>
+          </a:fillRef>
+          <a:effectRef idx="0">
+            <a:schemeClr val="accent1"/>
+          </a:effectRef>
+          <a:fontRef idx="minor">
+            <a:schemeClr val="lt1"/>
+          </a:fontRef>
+        </p:style>
+        <p:txBody>
+          <a:bodyPr rtlCol="0" anchor="ctr"/>
+          <a:lstStyle/>
+          <a:p>
+            <a:pPr algn="ctr"/>
+            <a:r>
+              <a:rPr lang="ko-KR" altLang="en-US" sz="1400" dirty="0">
+                <a:solidFill>
+                  <a:schemeClr val="tx1"/>
+                </a:solidFill>
+                <a:latin typeface="프리젠테이션 4 Regular" pitchFamily="2" charset="-127"/>
+                <a:ea typeface="프리젠테이션 4 Regular" pitchFamily="2" charset="-127"/>
+              </a:rPr>
+              <a:t>플레이어 체력</a:t>
+            </a:r>
+            <a:r>
+              <a:rPr lang="en-US" altLang="ko-KR" sz="1400" dirty="0">
+                <a:solidFill>
+                  <a:schemeClr val="tx1"/>
+                </a:solidFill>
+                <a:latin typeface="프리젠테이션 4 Regular" pitchFamily="2" charset="-127"/>
+                <a:ea typeface="프리젠테이션 4 Regular" pitchFamily="2" charset="-127"/>
+              </a:rPr>
+              <a:t>, </a:t>
+            </a:r>
+            <a:r>
+              <a:rPr lang="ko-KR" altLang="en-US" sz="1400" dirty="0">
+                <a:solidFill>
+                  <a:schemeClr val="tx1"/>
+                </a:solidFill>
+                <a:latin typeface="프리젠테이션 4 Regular" pitchFamily="2" charset="-127"/>
+                <a:ea typeface="프리젠테이션 4 Regular" pitchFamily="2" charset="-127"/>
+              </a:rPr>
+              <a:t>위치 </a:t>
+            </a:r>
+            <a:endParaRPr lang="en-US" altLang="ko-KR" sz="1400" dirty="0">
+              <a:solidFill>
+                <a:schemeClr val="tx1"/>
+              </a:solidFill>
+              <a:latin typeface="프리젠테이션 4 Regular" pitchFamily="2" charset="-127"/>
+              <a:ea typeface="프리젠테이션 4 Regular" pitchFamily="2" charset="-127"/>
+            </a:endParaRPr>
+          </a:p>
+          <a:p>
+            <a:pPr algn="ctr"/>
+            <a:r>
+              <a:rPr lang="ko-KR" altLang="en-US" sz="1400" dirty="0">
+                <a:solidFill>
+                  <a:schemeClr val="tx1"/>
+                </a:solidFill>
+                <a:latin typeface="프리젠테이션 4 Regular" pitchFamily="2" charset="-127"/>
+                <a:ea typeface="프리젠테이션 4 Regular" pitchFamily="2" charset="-127"/>
+              </a:rPr>
+              <a:t>초기화</a:t>
+            </a:r>
+          </a:p>
+        </p:txBody>
+      </p:sp>
+      <p:sp>
+        <p:nvSpPr>
+          <p:cNvPr id="5" name="사다리꼴 4">
+            <a:extLst>
+              <a:ext uri="{FF2B5EF4-FFF2-40B4-BE49-F238E27FC236}">
+                <a16:creationId xmlns:a16="http://schemas.microsoft.com/office/drawing/2014/main" id="{706AD74A-46E6-4A46-497D-D489647A8569}"/>
+              </a:ext>
+            </a:extLst>
+          </p:cNvPr>
+          <p:cNvSpPr/>
+          <p:nvPr/>
+        </p:nvSpPr>
+        <p:spPr>
+          <a:xfrm>
+            <a:off x="4592389" y="3036273"/>
+            <a:ext cx="2644719" cy="383102"/>
+          </a:xfrm>
+          <a:prstGeom prst="trapezoid">
+            <a:avLst/>
+          </a:prstGeom>
+          <a:solidFill>
+            <a:schemeClr val="accent4">
+              <a:lumMod val="75000"/>
+            </a:schemeClr>
+          </a:solidFill>
+        </p:spPr>
+        <p:style>
+          <a:lnRef idx="2">
+            <a:schemeClr val="accent1">
+              <a:shade val="15000"/>
+            </a:schemeClr>
+          </a:lnRef>
+          <a:fillRef idx="1">
+            <a:schemeClr val="accent1"/>
+          </a:fillRef>
+          <a:effectRef idx="0">
+            <a:schemeClr val="accent1"/>
+          </a:effectRef>
+          <a:fontRef idx="minor">
+            <a:schemeClr val="lt1"/>
+          </a:fontRef>
+        </p:style>
+        <p:txBody>
+          <a:bodyPr rtlCol="0" anchor="ctr"/>
+          <a:lstStyle/>
+          <a:p>
+            <a:pPr algn="ctr"/>
+            <a:r>
+              <a:rPr lang="ko-KR" altLang="en-US" sz="1400" dirty="0">
+                <a:latin typeface="프리젠테이션 4 Regular" pitchFamily="2" charset="-127"/>
+                <a:ea typeface="프리젠테이션 4 Regular" pitchFamily="2" charset="-127"/>
+              </a:rPr>
+              <a:t>적 </a:t>
+            </a:r>
+            <a:r>
+              <a:rPr lang="ko-KR" altLang="en-US" sz="1400" dirty="0" err="1">
+                <a:latin typeface="프리젠테이션 4 Regular" pitchFamily="2" charset="-127"/>
+                <a:ea typeface="프리젠테이션 4 Regular" pitchFamily="2" charset="-127"/>
+              </a:rPr>
+              <a:t>저치</a:t>
+            </a:r>
+            <a:r>
+              <a:rPr lang="ko-KR" altLang="en-US" sz="1400" dirty="0">
+                <a:latin typeface="프리젠테이션 4 Regular" pitchFamily="2" charset="-127"/>
+                <a:ea typeface="프리젠테이션 4 Regular" pitchFamily="2" charset="-127"/>
+              </a:rPr>
+              <a:t> 시</a:t>
+            </a:r>
+          </a:p>
+        </p:txBody>
+      </p:sp>
+      <p:sp>
+        <p:nvSpPr>
+          <p:cNvPr id="6" name="직사각형 5">
+            <a:extLst>
+              <a:ext uri="{FF2B5EF4-FFF2-40B4-BE49-F238E27FC236}">
+                <a16:creationId xmlns:a16="http://schemas.microsoft.com/office/drawing/2014/main" id="{9D7CCEE5-73C0-70D6-AFED-905F2A5FD7FC}"/>
+              </a:ext>
+            </a:extLst>
+          </p:cNvPr>
+          <p:cNvSpPr/>
+          <p:nvPr/>
+        </p:nvSpPr>
+        <p:spPr>
+          <a:xfrm>
+            <a:off x="4524229" y="3483046"/>
+            <a:ext cx="2781037" cy="383102"/>
+          </a:xfrm>
+          <a:prstGeom prst="rect">
+            <a:avLst/>
+          </a:prstGeom>
+          <a:solidFill>
+            <a:schemeClr val="bg1">
+              <a:lumMod val="95000"/>
+              <a:alpha val="47000"/>
+            </a:schemeClr>
+          </a:solidFill>
+        </p:spPr>
+        <p:style>
+          <a:lnRef idx="2">
+            <a:schemeClr val="accent1">
+              <a:shade val="15000"/>
+            </a:schemeClr>
+          </a:lnRef>
+          <a:fillRef idx="1">
+            <a:schemeClr val="accent1"/>
+          </a:fillRef>
+          <a:effectRef idx="0">
+            <a:schemeClr val="accent1"/>
+          </a:effectRef>
+          <a:fontRef idx="minor">
+            <a:schemeClr val="lt1"/>
+          </a:fontRef>
+        </p:style>
+        <p:txBody>
+          <a:bodyPr rtlCol="0" anchor="ctr"/>
+          <a:lstStyle/>
+          <a:p>
+            <a:pPr algn="ctr"/>
+            <a:r>
+              <a:rPr lang="ko-KR" altLang="en-US" sz="1400" dirty="0">
+                <a:solidFill>
+                  <a:schemeClr val="tx1"/>
+                </a:solidFill>
+                <a:latin typeface="프리젠테이션 4 Regular" pitchFamily="2" charset="-127"/>
+                <a:ea typeface="프리젠테이션 4 Regular" pitchFamily="2" charset="-127"/>
+              </a:rPr>
+              <a:t>골드 획득</a:t>
+            </a:r>
+          </a:p>
+        </p:txBody>
+      </p:sp>
+      <p:cxnSp>
+        <p:nvCxnSpPr>
+          <p:cNvPr id="7" name="직선 연결선 6">
+            <a:extLst>
+              <a:ext uri="{FF2B5EF4-FFF2-40B4-BE49-F238E27FC236}">
+                <a16:creationId xmlns:a16="http://schemas.microsoft.com/office/drawing/2014/main" id="{CA574066-24BF-82EA-4B1E-F1E3474CDC2F}"/>
+              </a:ext>
+            </a:extLst>
+          </p:cNvPr>
+          <p:cNvCxnSpPr>
+            <a:cxnSpLocks/>
+            <a:stCxn id="28" idx="3"/>
+            <a:endCxn id="24" idx="1"/>
+          </p:cNvCxnSpPr>
+          <p:nvPr/>
+        </p:nvCxnSpPr>
+        <p:spPr>
+          <a:xfrm>
+            <a:off x="7326202" y="4285391"/>
+            <a:ext cx="1051486" cy="918077"/>
+          </a:xfrm>
+          <a:prstGeom prst="line">
+            <a:avLst/>
+          </a:prstGeom>
+        </p:spPr>
+        <p:style>
+          <a:lnRef idx="2">
+            <a:schemeClr val="accent1"/>
+          </a:lnRef>
+          <a:fillRef idx="0">
+            <a:schemeClr val="accent1"/>
+          </a:fillRef>
+          <a:effectRef idx="1">
+            <a:schemeClr val="accent1"/>
+          </a:effectRef>
+          <a:fontRef idx="minor">
+            <a:schemeClr val="tx1"/>
+          </a:fontRef>
+        </p:style>
+      </p:cxnSp>
+      <p:cxnSp>
+        <p:nvCxnSpPr>
+          <p:cNvPr id="8" name="직선 연결선 7">
+            <a:extLst>
+              <a:ext uri="{FF2B5EF4-FFF2-40B4-BE49-F238E27FC236}">
+                <a16:creationId xmlns:a16="http://schemas.microsoft.com/office/drawing/2014/main" id="{A9430E8C-034F-E86A-55F7-ADDA35051BD4}"/>
+              </a:ext>
+            </a:extLst>
+          </p:cNvPr>
+          <p:cNvCxnSpPr>
+            <a:cxnSpLocks/>
+            <a:stCxn id="28" idx="3"/>
+            <a:endCxn id="10" idx="1"/>
+          </p:cNvCxnSpPr>
+          <p:nvPr/>
+        </p:nvCxnSpPr>
+        <p:spPr>
+          <a:xfrm flipV="1">
+            <a:off x="7326202" y="3124347"/>
+            <a:ext cx="1016444" cy="1161044"/>
+          </a:xfrm>
+          <a:prstGeom prst="line">
+            <a:avLst/>
+          </a:prstGeom>
+        </p:spPr>
+        <p:style>
+          <a:lnRef idx="2">
+            <a:schemeClr val="accent1"/>
+          </a:lnRef>
+          <a:fillRef idx="0">
+            <a:schemeClr val="accent1"/>
+          </a:fillRef>
+          <a:effectRef idx="1">
+            <a:schemeClr val="accent1"/>
+          </a:effectRef>
+          <a:fontRef idx="minor">
+            <a:schemeClr val="tx1"/>
+          </a:fontRef>
+        </p:style>
+      </p:cxnSp>
+      <p:cxnSp>
+        <p:nvCxnSpPr>
+          <p:cNvPr id="9" name="직선 연결선 8">
+            <a:extLst>
+              <a:ext uri="{FF2B5EF4-FFF2-40B4-BE49-F238E27FC236}">
+                <a16:creationId xmlns:a16="http://schemas.microsoft.com/office/drawing/2014/main" id="{D576544A-0055-3543-A37A-DBB8303F2403}"/>
+              </a:ext>
+            </a:extLst>
+          </p:cNvPr>
+          <p:cNvCxnSpPr>
+            <a:cxnSpLocks/>
+            <a:stCxn id="28" idx="3"/>
+            <a:endCxn id="20" idx="1"/>
+          </p:cNvCxnSpPr>
+          <p:nvPr/>
+        </p:nvCxnSpPr>
+        <p:spPr>
+          <a:xfrm flipV="1">
+            <a:off x="7326202" y="4134515"/>
+            <a:ext cx="1016444" cy="150876"/>
+          </a:xfrm>
+          <a:prstGeom prst="line">
+            <a:avLst/>
+          </a:prstGeom>
+        </p:spPr>
+        <p:style>
+          <a:lnRef idx="2">
+            <a:schemeClr val="accent1"/>
+          </a:lnRef>
+          <a:fillRef idx="0">
+            <a:schemeClr val="accent1"/>
+          </a:fillRef>
+          <a:effectRef idx="1">
+            <a:schemeClr val="accent1"/>
+          </a:effectRef>
+          <a:fontRef idx="minor">
+            <a:schemeClr val="tx1"/>
+          </a:fontRef>
+        </p:style>
+      </p:cxnSp>
+      <p:sp>
+        <p:nvSpPr>
+          <p:cNvPr id="10" name="직사각형 9">
+            <a:extLst>
+              <a:ext uri="{FF2B5EF4-FFF2-40B4-BE49-F238E27FC236}">
+                <a16:creationId xmlns:a16="http://schemas.microsoft.com/office/drawing/2014/main" id="{E7BE8FB8-3751-76FB-AA4D-76C6E5B1282D}"/>
+              </a:ext>
+            </a:extLst>
+          </p:cNvPr>
+          <p:cNvSpPr/>
+          <p:nvPr/>
+        </p:nvSpPr>
+        <p:spPr>
+          <a:xfrm>
+            <a:off x="8342646" y="2667147"/>
+            <a:ext cx="2781037" cy="914400"/>
+          </a:xfrm>
+          <a:prstGeom prst="rect">
+            <a:avLst/>
+          </a:prstGeom>
+          <a:solidFill>
+            <a:schemeClr val="bg1"/>
+          </a:solidFill>
+        </p:spPr>
+        <p:style>
+          <a:lnRef idx="2">
+            <a:schemeClr val="accent1">
+              <a:shade val="15000"/>
+            </a:schemeClr>
+          </a:lnRef>
+          <a:fillRef idx="1">
+            <a:schemeClr val="accent1"/>
+          </a:fillRef>
+          <a:effectRef idx="0">
+            <a:schemeClr val="accent1"/>
+          </a:effectRef>
+          <a:fontRef idx="minor">
+            <a:schemeClr val="lt1"/>
+          </a:fontRef>
+        </p:style>
+        <p:txBody>
+          <a:bodyPr rtlCol="0" anchor="ctr"/>
+          <a:lstStyle/>
+          <a:p>
+            <a:pPr algn="ctr"/>
+            <a:r>
+              <a:rPr lang="ko-KR" altLang="en-US" sz="1400" dirty="0" err="1">
+                <a:solidFill>
+                  <a:schemeClr val="tx1"/>
+                </a:solidFill>
+                <a:latin typeface="프리젠테이션 4 Regular" pitchFamily="2" charset="-127"/>
+                <a:ea typeface="프리젠테이션 4 Regular" pitchFamily="2" charset="-127"/>
+              </a:rPr>
+              <a:t>스탯</a:t>
+            </a:r>
+            <a:r>
+              <a:rPr lang="ko-KR" altLang="en-US" sz="1400" dirty="0">
+                <a:solidFill>
+                  <a:schemeClr val="tx1"/>
+                </a:solidFill>
+                <a:latin typeface="프리젠테이션 4 Regular" pitchFamily="2" charset="-127"/>
+                <a:ea typeface="프리젠테이션 4 Regular" pitchFamily="2" charset="-127"/>
+              </a:rPr>
+              <a:t> 강화</a:t>
+            </a:r>
+          </a:p>
+        </p:txBody>
+      </p:sp>
+      <p:grpSp>
+        <p:nvGrpSpPr>
+          <p:cNvPr id="11" name="그룹 10">
+            <a:extLst>
+              <a:ext uri="{FF2B5EF4-FFF2-40B4-BE49-F238E27FC236}">
+                <a16:creationId xmlns:a16="http://schemas.microsoft.com/office/drawing/2014/main" id="{08F34F98-A542-C1A3-7E44-3EA4558897DA}"/>
+              </a:ext>
+            </a:extLst>
+          </p:cNvPr>
+          <p:cNvGrpSpPr/>
+          <p:nvPr/>
+        </p:nvGrpSpPr>
+        <p:grpSpPr>
+          <a:xfrm>
+            <a:off x="10355768" y="2189546"/>
+            <a:ext cx="702798" cy="702798"/>
+            <a:chOff x="9773223" y="1603353"/>
+            <a:chExt cx="1108495" cy="1108495"/>
+          </a:xfrm>
+        </p:grpSpPr>
+        <p:sp>
+          <p:nvSpPr>
+            <p:cNvPr id="12" name="직사각형 11">
+              <a:extLst>
+                <a:ext uri="{FF2B5EF4-FFF2-40B4-BE49-F238E27FC236}">
+                  <a16:creationId xmlns:a16="http://schemas.microsoft.com/office/drawing/2014/main" id="{E160911A-EECB-02D3-72E0-B1C36F06D280}"/>
+                </a:ext>
+              </a:extLst>
+            </p:cNvPr>
+            <p:cNvSpPr/>
+            <p:nvPr/>
+          </p:nvSpPr>
+          <p:spPr>
+            <a:xfrm>
+              <a:off x="9773223" y="1603353"/>
+              <a:ext cx="1108495" cy="1108495"/>
+            </a:xfrm>
+            <a:prstGeom prst="rect">
+              <a:avLst/>
+            </a:prstGeom>
+            <a:solidFill>
+              <a:schemeClr val="accent6">
+                <a:lumMod val="40000"/>
+                <a:lumOff val="60000"/>
+              </a:schemeClr>
+            </a:solidFill>
+            <a:ln>
+              <a:solidFill>
+                <a:schemeClr val="tx1"/>
+              </a:solidFill>
+            </a:ln>
+          </p:spPr>
+          <p:style>
+            <a:lnRef idx="2">
+              <a:schemeClr val="accent1">
+                <a:shade val="15000"/>
+              </a:schemeClr>
+            </a:lnRef>
+            <a:fillRef idx="1">
+              <a:schemeClr val="accent1"/>
+            </a:fillRef>
+            <a:effectRef idx="0">
+              <a:schemeClr val="accent1"/>
+            </a:effectRef>
+            <a:fontRef idx="minor">
+              <a:schemeClr val="lt1"/>
+            </a:fontRef>
+          </p:style>
+          <p:txBody>
+            <a:bodyPr rtlCol="0" anchor="ctr"/>
+            <a:lstStyle/>
+            <a:p>
+              <a:pPr algn="ctr"/>
+              <a:endParaRPr lang="ko-KR" altLang="en-US" sz="1400">
+                <a:latin typeface="프리젠테이션 4 Regular" pitchFamily="2" charset="-127"/>
+                <a:ea typeface="프리젠테이션 4 Regular" pitchFamily="2" charset="-127"/>
+              </a:endParaRPr>
+            </a:p>
+          </p:txBody>
+        </p:sp>
+        <p:pic>
+          <p:nvPicPr>
+            <p:cNvPr id="13" name="그림 12" descr="블랙, 어둠이(가) 표시된 사진&#10;&#10;자동 생성된 설명">
+              <a:extLst>
+                <a:ext uri="{FF2B5EF4-FFF2-40B4-BE49-F238E27FC236}">
+                  <a16:creationId xmlns:a16="http://schemas.microsoft.com/office/drawing/2014/main" id="{734EAA02-EF9C-FE9F-5A4B-249A0FF5EEBD}"/>
+                </a:ext>
+              </a:extLst>
+            </p:cNvPr>
+            <p:cNvPicPr>
+              <a:picLocks noChangeAspect="1"/>
+            </p:cNvPicPr>
+            <p:nvPr/>
+          </p:nvPicPr>
+          <p:blipFill>
+            <a:blip r:embed="rId3">
+              <a:extLst>
+                <a:ext uri="{28A0092B-C50C-407E-A947-70E740481C1C}">
+                  <a14:useLocalDpi xmlns:a14="http://schemas.microsoft.com/office/drawing/2010/main" val="0"/>
+                </a:ext>
+              </a:extLst>
+            </a:blip>
+            <a:stretch>
+              <a:fillRect/>
+            </a:stretch>
+          </p:blipFill>
+          <p:spPr>
+            <a:xfrm>
+              <a:off x="9877470" y="1728924"/>
+              <a:ext cx="899999" cy="899999"/>
+            </a:xfrm>
+            <a:prstGeom prst="rect">
+              <a:avLst/>
+            </a:prstGeom>
+          </p:spPr>
+        </p:pic>
+      </p:grpSp>
+      <p:grpSp>
+        <p:nvGrpSpPr>
+          <p:cNvPr id="14" name="그룹 13">
+            <a:extLst>
+              <a:ext uri="{FF2B5EF4-FFF2-40B4-BE49-F238E27FC236}">
+                <a16:creationId xmlns:a16="http://schemas.microsoft.com/office/drawing/2014/main" id="{C933598B-E681-580E-E035-E9FAD343C035}"/>
+              </a:ext>
+            </a:extLst>
+          </p:cNvPr>
+          <p:cNvGrpSpPr/>
+          <p:nvPr/>
+        </p:nvGrpSpPr>
+        <p:grpSpPr>
+          <a:xfrm>
+            <a:off x="8420401" y="2279815"/>
+            <a:ext cx="657710" cy="657710"/>
+            <a:chOff x="7556233" y="3820343"/>
+            <a:chExt cx="1108495" cy="1108495"/>
+          </a:xfrm>
+        </p:grpSpPr>
+        <p:sp>
+          <p:nvSpPr>
+            <p:cNvPr id="15" name="직사각형 14">
+              <a:extLst>
+                <a:ext uri="{FF2B5EF4-FFF2-40B4-BE49-F238E27FC236}">
+                  <a16:creationId xmlns:a16="http://schemas.microsoft.com/office/drawing/2014/main" id="{EC60877B-FC4F-1A3B-822D-0AA657C702C1}"/>
+                </a:ext>
+              </a:extLst>
+            </p:cNvPr>
+            <p:cNvSpPr/>
+            <p:nvPr/>
+          </p:nvSpPr>
+          <p:spPr>
+            <a:xfrm>
+              <a:off x="7556233" y="3820343"/>
+              <a:ext cx="1108495" cy="1108495"/>
+            </a:xfrm>
+            <a:prstGeom prst="rect">
+              <a:avLst/>
+            </a:prstGeom>
+            <a:solidFill>
+              <a:schemeClr val="accent6">
+                <a:lumMod val="40000"/>
+                <a:lumOff val="60000"/>
+              </a:schemeClr>
+            </a:solidFill>
+            <a:ln>
+              <a:solidFill>
+                <a:schemeClr val="tx1"/>
+              </a:solidFill>
+            </a:ln>
+          </p:spPr>
+          <p:style>
+            <a:lnRef idx="2">
+              <a:schemeClr val="accent1">
+                <a:shade val="15000"/>
+              </a:schemeClr>
+            </a:lnRef>
+            <a:fillRef idx="1">
+              <a:schemeClr val="accent1"/>
+            </a:fillRef>
+            <a:effectRef idx="0">
+              <a:schemeClr val="accent1"/>
+            </a:effectRef>
+            <a:fontRef idx="minor">
+              <a:schemeClr val="lt1"/>
+            </a:fontRef>
+          </p:style>
+          <p:txBody>
+            <a:bodyPr rtlCol="0" anchor="ctr"/>
+            <a:lstStyle/>
+            <a:p>
+              <a:pPr algn="ctr"/>
+              <a:endParaRPr lang="ko-KR" altLang="en-US" sz="1400">
+                <a:latin typeface="프리젠테이션 4 Regular" pitchFamily="2" charset="-127"/>
+                <a:ea typeface="프리젠테이션 4 Regular" pitchFamily="2" charset="-127"/>
+              </a:endParaRPr>
+            </a:p>
+          </p:txBody>
+        </p:sp>
+        <p:pic>
+          <p:nvPicPr>
+            <p:cNvPr id="16" name="그림 15" descr="블랙, 어둠이(가) 표시된 사진&#10;&#10;자동 생성된 설명">
+              <a:extLst>
+                <a:ext uri="{FF2B5EF4-FFF2-40B4-BE49-F238E27FC236}">
+                  <a16:creationId xmlns:a16="http://schemas.microsoft.com/office/drawing/2014/main" id="{620D5E55-9BFE-E709-E4F4-A2E75EE76BCE}"/>
+                </a:ext>
+              </a:extLst>
+            </p:cNvPr>
+            <p:cNvPicPr>
+              <a:picLocks noChangeAspect="1"/>
+            </p:cNvPicPr>
+            <p:nvPr/>
+          </p:nvPicPr>
+          <p:blipFill>
+            <a:blip r:embed="rId4">
+              <a:extLst>
+                <a:ext uri="{28A0092B-C50C-407E-A947-70E740481C1C}">
+                  <a14:useLocalDpi xmlns:a14="http://schemas.microsoft.com/office/drawing/2010/main" val="0"/>
+                </a:ext>
+              </a:extLst>
+            </a:blip>
+            <a:stretch>
+              <a:fillRect/>
+            </a:stretch>
+          </p:blipFill>
+          <p:spPr>
+            <a:xfrm>
+              <a:off x="7852407" y="4111722"/>
+              <a:ext cx="525737" cy="525737"/>
+            </a:xfrm>
+            <a:prstGeom prst="rect">
+              <a:avLst/>
+            </a:prstGeom>
+          </p:spPr>
+        </p:pic>
+      </p:grpSp>
+      <p:grpSp>
+        <p:nvGrpSpPr>
+          <p:cNvPr id="17" name="그룹 16">
+            <a:extLst>
+              <a:ext uri="{FF2B5EF4-FFF2-40B4-BE49-F238E27FC236}">
+                <a16:creationId xmlns:a16="http://schemas.microsoft.com/office/drawing/2014/main" id="{35181F52-261A-D92E-F3D3-5D6E0669EFF8}"/>
+              </a:ext>
+            </a:extLst>
+          </p:cNvPr>
+          <p:cNvGrpSpPr/>
+          <p:nvPr/>
+        </p:nvGrpSpPr>
+        <p:grpSpPr>
+          <a:xfrm>
+            <a:off x="9403268" y="2279815"/>
+            <a:ext cx="657710" cy="657710"/>
+            <a:chOff x="9773223" y="3820343"/>
+            <a:chExt cx="1108495" cy="1108495"/>
+          </a:xfrm>
+        </p:grpSpPr>
+        <p:sp>
+          <p:nvSpPr>
+            <p:cNvPr id="18" name="직사각형 17">
+              <a:extLst>
+                <a:ext uri="{FF2B5EF4-FFF2-40B4-BE49-F238E27FC236}">
+                  <a16:creationId xmlns:a16="http://schemas.microsoft.com/office/drawing/2014/main" id="{F6DF1B18-5821-ED3F-B056-8B16B1AB4187}"/>
+                </a:ext>
+              </a:extLst>
+            </p:cNvPr>
+            <p:cNvSpPr/>
+            <p:nvPr/>
+          </p:nvSpPr>
+          <p:spPr>
+            <a:xfrm>
+              <a:off x="9773223" y="3820343"/>
+              <a:ext cx="1108495" cy="1108495"/>
+            </a:xfrm>
+            <a:prstGeom prst="rect">
+              <a:avLst/>
+            </a:prstGeom>
+            <a:solidFill>
+              <a:schemeClr val="accent6">
+                <a:lumMod val="40000"/>
+                <a:lumOff val="60000"/>
+              </a:schemeClr>
+            </a:solidFill>
+            <a:ln>
+              <a:solidFill>
+                <a:schemeClr val="tx1"/>
+              </a:solidFill>
+            </a:ln>
+          </p:spPr>
+          <p:style>
+            <a:lnRef idx="2">
+              <a:schemeClr val="accent1">
+                <a:shade val="15000"/>
+              </a:schemeClr>
+            </a:lnRef>
+            <a:fillRef idx="1">
+              <a:schemeClr val="accent1"/>
+            </a:fillRef>
+            <a:effectRef idx="0">
+              <a:schemeClr val="accent1"/>
+            </a:effectRef>
+            <a:fontRef idx="minor">
+              <a:schemeClr val="lt1"/>
+            </a:fontRef>
+          </p:style>
+          <p:txBody>
+            <a:bodyPr rtlCol="0" anchor="ctr"/>
+            <a:lstStyle/>
+            <a:p>
+              <a:pPr algn="ctr"/>
+              <a:endParaRPr lang="ko-KR" altLang="en-US" sz="1400" dirty="0">
+                <a:latin typeface="프리젠테이션 4 Regular" pitchFamily="2" charset="-127"/>
+                <a:ea typeface="프리젠테이션 4 Regular" pitchFamily="2" charset="-127"/>
+              </a:endParaRPr>
+            </a:p>
+          </p:txBody>
+        </p:sp>
+        <p:pic>
+          <p:nvPicPr>
+            <p:cNvPr id="19" name="그림 18" descr="블랙, 어둠이(가) 표시된 사진&#10;&#10;자동 생성된 설명">
+              <a:extLst>
+                <a:ext uri="{FF2B5EF4-FFF2-40B4-BE49-F238E27FC236}">
+                  <a16:creationId xmlns:a16="http://schemas.microsoft.com/office/drawing/2014/main" id="{2A6585FB-0DB2-DDDB-AAE3-DD76DFAFF0B7}"/>
+                </a:ext>
+              </a:extLst>
+            </p:cNvPr>
+            <p:cNvPicPr>
+              <a:picLocks noChangeAspect="1"/>
+            </p:cNvPicPr>
+            <p:nvPr/>
+          </p:nvPicPr>
+          <p:blipFill>
+            <a:blip r:embed="rId5">
+              <a:extLst>
+                <a:ext uri="{28A0092B-C50C-407E-A947-70E740481C1C}">
+                  <a14:useLocalDpi xmlns:a14="http://schemas.microsoft.com/office/drawing/2010/main" val="0"/>
+                </a:ext>
+              </a:extLst>
+            </a:blip>
+            <a:stretch>
+              <a:fillRect/>
+            </a:stretch>
+          </p:blipFill>
+          <p:spPr>
+            <a:xfrm>
+              <a:off x="9945204" y="4003068"/>
+              <a:ext cx="886163" cy="886163"/>
+            </a:xfrm>
+            <a:prstGeom prst="rect">
+              <a:avLst/>
+            </a:prstGeom>
+          </p:spPr>
+        </p:pic>
+      </p:grpSp>
+      <p:sp>
+        <p:nvSpPr>
+          <p:cNvPr id="20" name="직사각형 19">
+            <a:extLst>
+              <a:ext uri="{FF2B5EF4-FFF2-40B4-BE49-F238E27FC236}">
+                <a16:creationId xmlns:a16="http://schemas.microsoft.com/office/drawing/2014/main" id="{AF14328D-78C2-AEC2-7E43-31C430DC4089}"/>
+              </a:ext>
+            </a:extLst>
+          </p:cNvPr>
+          <p:cNvSpPr/>
+          <p:nvPr/>
+        </p:nvSpPr>
+        <p:spPr>
+          <a:xfrm>
+            <a:off x="8342646" y="3677315"/>
+            <a:ext cx="2781037" cy="914400"/>
+          </a:xfrm>
+          <a:prstGeom prst="rect">
+            <a:avLst/>
+          </a:prstGeom>
+          <a:solidFill>
+            <a:schemeClr val="bg1"/>
+          </a:solidFill>
+        </p:spPr>
+        <p:style>
+          <a:lnRef idx="2">
+            <a:schemeClr val="accent1">
+              <a:shade val="15000"/>
+            </a:schemeClr>
+          </a:lnRef>
+          <a:fillRef idx="1">
+            <a:schemeClr val="accent1"/>
+          </a:fillRef>
+          <a:effectRef idx="0">
+            <a:schemeClr val="accent1"/>
+          </a:effectRef>
+          <a:fontRef idx="minor">
+            <a:schemeClr val="lt1"/>
+          </a:fontRef>
+        </p:style>
+        <p:txBody>
+          <a:bodyPr rtlCol="0" anchor="ctr"/>
+          <a:lstStyle/>
+          <a:p>
+            <a:pPr algn="ctr"/>
+            <a:r>
+              <a:rPr lang="ko-KR" altLang="en-US" sz="1400" dirty="0">
+                <a:solidFill>
+                  <a:schemeClr val="tx1"/>
+                </a:solidFill>
+                <a:latin typeface="프리젠테이션 4 Regular" pitchFamily="2" charset="-127"/>
+                <a:ea typeface="프리젠테이션 4 Regular" pitchFamily="2" charset="-127"/>
+              </a:rPr>
+              <a:t>마을 발전</a:t>
+            </a:r>
+          </a:p>
+        </p:txBody>
+      </p:sp>
+      <p:grpSp>
+        <p:nvGrpSpPr>
+          <p:cNvPr id="21" name="그룹 20">
+            <a:extLst>
+              <a:ext uri="{FF2B5EF4-FFF2-40B4-BE49-F238E27FC236}">
+                <a16:creationId xmlns:a16="http://schemas.microsoft.com/office/drawing/2014/main" id="{E1BFEA6F-4B0D-F932-346C-0D11DC9D686E}"/>
+              </a:ext>
+            </a:extLst>
+          </p:cNvPr>
+          <p:cNvGrpSpPr/>
+          <p:nvPr/>
+        </p:nvGrpSpPr>
+        <p:grpSpPr>
+          <a:xfrm>
+            <a:off x="10421862" y="3476805"/>
+            <a:ext cx="657710" cy="657710"/>
+            <a:chOff x="7556233" y="1603353"/>
+            <a:chExt cx="1108495" cy="1108495"/>
+          </a:xfrm>
+        </p:grpSpPr>
+        <p:sp>
+          <p:nvSpPr>
+            <p:cNvPr id="22" name="직사각형 21">
+              <a:extLst>
+                <a:ext uri="{FF2B5EF4-FFF2-40B4-BE49-F238E27FC236}">
+                  <a16:creationId xmlns:a16="http://schemas.microsoft.com/office/drawing/2014/main" id="{1152425D-AE92-658E-ADDF-FA2151CD69DB}"/>
+                </a:ext>
+              </a:extLst>
+            </p:cNvPr>
+            <p:cNvSpPr/>
+            <p:nvPr/>
+          </p:nvSpPr>
+          <p:spPr>
+            <a:xfrm>
+              <a:off x="7556233" y="1603353"/>
+              <a:ext cx="1108495" cy="1108495"/>
+            </a:xfrm>
+            <a:prstGeom prst="rect">
+              <a:avLst/>
+            </a:prstGeom>
+            <a:solidFill>
+              <a:srgbClr val="0070C0"/>
+            </a:solidFill>
+            <a:ln>
+              <a:solidFill>
+                <a:schemeClr val="tx1"/>
+              </a:solidFill>
+            </a:ln>
+          </p:spPr>
+          <p:style>
+            <a:lnRef idx="2">
+              <a:schemeClr val="accent1">
+                <a:shade val="15000"/>
+              </a:schemeClr>
+            </a:lnRef>
+            <a:fillRef idx="1">
+              <a:schemeClr val="accent1"/>
+            </a:fillRef>
+            <a:effectRef idx="0">
+              <a:schemeClr val="accent1"/>
+            </a:effectRef>
+            <a:fontRef idx="minor">
+              <a:schemeClr val="lt1"/>
+            </a:fontRef>
+          </p:style>
+          <p:txBody>
+            <a:bodyPr rtlCol="0" anchor="ctr"/>
+            <a:lstStyle/>
+            <a:p>
+              <a:pPr algn="ctr"/>
+              <a:endParaRPr lang="ko-KR" altLang="en-US" sz="1400">
+                <a:latin typeface="프리젠테이션 4 Regular" pitchFamily="2" charset="-127"/>
+                <a:ea typeface="프리젠테이션 4 Regular" pitchFamily="2" charset="-127"/>
+              </a:endParaRPr>
+            </a:p>
+          </p:txBody>
+        </p:sp>
+        <p:pic>
+          <p:nvPicPr>
+            <p:cNvPr id="23" name="그림 22" descr="블랙, 어둠이(가) 표시된 사진&#10;&#10;자동 생성된 설명">
+              <a:extLst>
+                <a:ext uri="{FF2B5EF4-FFF2-40B4-BE49-F238E27FC236}">
+                  <a16:creationId xmlns:a16="http://schemas.microsoft.com/office/drawing/2014/main" id="{FBCA720F-5C8E-6523-1087-0F95AA1E02B8}"/>
+                </a:ext>
+              </a:extLst>
+            </p:cNvPr>
+            <p:cNvPicPr>
+              <a:picLocks noChangeAspect="1"/>
+            </p:cNvPicPr>
+            <p:nvPr/>
+          </p:nvPicPr>
+          <p:blipFill>
+            <a:blip r:embed="rId6">
+              <a:extLst>
+                <a:ext uri="{28A0092B-C50C-407E-A947-70E740481C1C}">
+                  <a14:useLocalDpi xmlns:a14="http://schemas.microsoft.com/office/drawing/2010/main" val="0"/>
+                </a:ext>
+              </a:extLst>
+            </a:blip>
+            <a:stretch>
+              <a:fillRect/>
+            </a:stretch>
+          </p:blipFill>
+          <p:spPr>
+            <a:xfrm>
+              <a:off x="7701416" y="1840560"/>
+              <a:ext cx="676728" cy="676728"/>
+            </a:xfrm>
+            <a:prstGeom prst="rect">
+              <a:avLst/>
+            </a:prstGeom>
+          </p:spPr>
+        </p:pic>
+      </p:grpSp>
+      <p:sp>
+        <p:nvSpPr>
+          <p:cNvPr id="24" name="직사각형 23">
+            <a:extLst>
+              <a:ext uri="{FF2B5EF4-FFF2-40B4-BE49-F238E27FC236}">
+                <a16:creationId xmlns:a16="http://schemas.microsoft.com/office/drawing/2014/main" id="{812B1053-99F8-BB58-8F6E-F75715CB6615}"/>
+              </a:ext>
+            </a:extLst>
+          </p:cNvPr>
+          <p:cNvSpPr/>
+          <p:nvPr/>
+        </p:nvSpPr>
+        <p:spPr>
+          <a:xfrm>
+            <a:off x="8377688" y="4746268"/>
+            <a:ext cx="2781037" cy="914400"/>
+          </a:xfrm>
+          <a:prstGeom prst="rect">
+            <a:avLst/>
+          </a:prstGeom>
+          <a:solidFill>
+            <a:schemeClr val="bg1"/>
+          </a:solidFill>
+        </p:spPr>
+        <p:style>
+          <a:lnRef idx="2">
+            <a:schemeClr val="accent1">
+              <a:shade val="15000"/>
+            </a:schemeClr>
+          </a:lnRef>
+          <a:fillRef idx="1">
+            <a:schemeClr val="accent1"/>
+          </a:fillRef>
+          <a:effectRef idx="0">
+            <a:schemeClr val="accent1"/>
+          </a:effectRef>
+          <a:fontRef idx="minor">
+            <a:schemeClr val="lt1"/>
+          </a:fontRef>
+        </p:style>
+        <p:txBody>
+          <a:bodyPr rtlCol="0" anchor="ctr"/>
+          <a:lstStyle/>
+          <a:p>
+            <a:pPr algn="ctr"/>
+            <a:r>
+              <a:rPr lang="ko-KR" altLang="en-US" sz="1400" dirty="0">
+                <a:solidFill>
+                  <a:schemeClr val="tx1"/>
+                </a:solidFill>
+                <a:latin typeface="프리젠테이션 4 Regular" pitchFamily="2" charset="-127"/>
+                <a:ea typeface="프리젠테이션 4 Regular" pitchFamily="2" charset="-127"/>
+              </a:rPr>
+              <a:t>오벨리스크 강화</a:t>
+            </a:r>
+          </a:p>
+        </p:txBody>
+      </p:sp>
+      <p:grpSp>
+        <p:nvGrpSpPr>
+          <p:cNvPr id="25" name="그룹 24">
+            <a:extLst>
+              <a:ext uri="{FF2B5EF4-FFF2-40B4-BE49-F238E27FC236}">
+                <a16:creationId xmlns:a16="http://schemas.microsoft.com/office/drawing/2014/main" id="{BCCCAEDB-32C3-326A-3978-A9C421C29A26}"/>
+              </a:ext>
+            </a:extLst>
+          </p:cNvPr>
+          <p:cNvGrpSpPr/>
+          <p:nvPr/>
+        </p:nvGrpSpPr>
+        <p:grpSpPr>
+          <a:xfrm>
+            <a:off x="10703110" y="4650500"/>
+            <a:ext cx="732633" cy="732633"/>
+            <a:chOff x="8664728" y="2711848"/>
+            <a:chExt cx="1108495" cy="1108495"/>
+          </a:xfrm>
+        </p:grpSpPr>
+        <p:sp>
+          <p:nvSpPr>
+            <p:cNvPr id="26" name="직사각형 25">
+              <a:extLst>
+                <a:ext uri="{FF2B5EF4-FFF2-40B4-BE49-F238E27FC236}">
+                  <a16:creationId xmlns:a16="http://schemas.microsoft.com/office/drawing/2014/main" id="{F0312CE3-8D3F-2C5D-ECFB-C4511618BCC6}"/>
+                </a:ext>
+              </a:extLst>
+            </p:cNvPr>
+            <p:cNvSpPr/>
+            <p:nvPr/>
+          </p:nvSpPr>
+          <p:spPr>
+            <a:xfrm>
+              <a:off x="8664728" y="2711848"/>
+              <a:ext cx="1108495" cy="1108495"/>
+            </a:xfrm>
+            <a:prstGeom prst="rect">
+              <a:avLst/>
+            </a:prstGeom>
+            <a:solidFill>
+              <a:schemeClr val="bg1"/>
+            </a:solidFill>
+            <a:ln>
+              <a:solidFill>
+                <a:schemeClr val="tx1"/>
+              </a:solidFill>
+            </a:ln>
+          </p:spPr>
+          <p:style>
+            <a:lnRef idx="2">
+              <a:schemeClr val="accent1">
+                <a:shade val="15000"/>
+              </a:schemeClr>
+            </a:lnRef>
+            <a:fillRef idx="1">
+              <a:schemeClr val="accent1"/>
+            </a:fillRef>
+            <a:effectRef idx="0">
+              <a:schemeClr val="accent1"/>
+            </a:effectRef>
+            <a:fontRef idx="minor">
+              <a:schemeClr val="lt1"/>
+            </a:fontRef>
+          </p:style>
+          <p:txBody>
+            <a:bodyPr rtlCol="0" anchor="ctr"/>
+            <a:lstStyle/>
+            <a:p>
+              <a:pPr algn="ctr"/>
+              <a:endParaRPr lang="ko-KR" altLang="en-US" sz="1400">
+                <a:latin typeface="프리젠테이션 4 Regular" pitchFamily="2" charset="-127"/>
+                <a:ea typeface="프리젠테이션 4 Regular" pitchFamily="2" charset="-127"/>
+              </a:endParaRPr>
+            </a:p>
+          </p:txBody>
+        </p:sp>
+        <p:pic>
+          <p:nvPicPr>
+            <p:cNvPr id="27" name="그림 26" descr="블랙, 어둠이(가) 표시된 사진&#10;&#10;자동 생성된 설명">
+              <a:extLst>
+                <a:ext uri="{FF2B5EF4-FFF2-40B4-BE49-F238E27FC236}">
+                  <a16:creationId xmlns:a16="http://schemas.microsoft.com/office/drawing/2014/main" id="{39976DC9-CE2F-6DBD-51E1-F48F7397D51D}"/>
+                </a:ext>
+              </a:extLst>
+            </p:cNvPr>
+            <p:cNvPicPr>
+              <a:picLocks noChangeAspect="1"/>
+            </p:cNvPicPr>
+            <p:nvPr/>
+          </p:nvPicPr>
+          <p:blipFill>
+            <a:blip r:embed="rId7">
+              <a:extLst>
+                <a:ext uri="{28A0092B-C50C-407E-A947-70E740481C1C}">
+                  <a14:useLocalDpi xmlns:a14="http://schemas.microsoft.com/office/drawing/2010/main" val="0"/>
+                </a:ext>
+              </a:extLst>
+            </a:blip>
+            <a:stretch>
+              <a:fillRect/>
+            </a:stretch>
+          </p:blipFill>
+          <p:spPr>
+            <a:xfrm>
+              <a:off x="8728082" y="2761343"/>
+              <a:ext cx="900001" cy="900001"/>
+            </a:xfrm>
+            <a:prstGeom prst="rect">
+              <a:avLst/>
+            </a:prstGeom>
+          </p:spPr>
+        </p:pic>
+      </p:grpSp>
+      <p:sp>
+        <p:nvSpPr>
+          <p:cNvPr id="28" name="순서도: 대체 처리 27">
+            <a:extLst>
+              <a:ext uri="{FF2B5EF4-FFF2-40B4-BE49-F238E27FC236}">
+                <a16:creationId xmlns:a16="http://schemas.microsoft.com/office/drawing/2014/main" id="{A650DD87-DB10-0531-C370-1FB75FDFEB26}"/>
+              </a:ext>
+            </a:extLst>
+          </p:cNvPr>
+          <p:cNvSpPr/>
+          <p:nvPr/>
+        </p:nvSpPr>
+        <p:spPr>
+          <a:xfrm>
+            <a:off x="4503293" y="3979067"/>
+            <a:ext cx="2822909" cy="612648"/>
+          </a:xfrm>
+          <a:prstGeom prst="flowChartAlternateProcess">
+            <a:avLst/>
+          </a:prstGeom>
+          <a:solidFill>
+            <a:schemeClr val="accent6">
+              <a:lumMod val="50000"/>
+              <a:alpha val="47000"/>
+            </a:schemeClr>
+          </a:solidFill>
+        </p:spPr>
+        <p:style>
+          <a:lnRef idx="2">
+            <a:schemeClr val="accent1">
+              <a:shade val="15000"/>
+            </a:schemeClr>
+          </a:lnRef>
+          <a:fillRef idx="1">
+            <a:schemeClr val="accent1"/>
+          </a:fillRef>
+          <a:effectRef idx="0">
+            <a:schemeClr val="accent1"/>
+          </a:effectRef>
+          <a:fontRef idx="minor">
+            <a:schemeClr val="lt1"/>
+          </a:fontRef>
+        </p:style>
+        <p:txBody>
+          <a:bodyPr rtlCol="0" anchor="ctr"/>
+          <a:lstStyle/>
+          <a:p>
+            <a:pPr algn="ctr"/>
+            <a:r>
+              <a:rPr lang="ko-KR" altLang="en-US" sz="1400" dirty="0">
+                <a:latin typeface="프리젠테이션 4 Regular" pitchFamily="2" charset="-127"/>
+                <a:ea typeface="프리젠테이션 4 Regular" pitchFamily="2" charset="-127"/>
+              </a:rPr>
+              <a:t>골드 사용</a:t>
+            </a:r>
+          </a:p>
+        </p:txBody>
+      </p:sp>
+      <p:sp>
+        <p:nvSpPr>
+          <p:cNvPr id="29" name="사다리꼴 28">
+            <a:extLst>
+              <a:ext uri="{FF2B5EF4-FFF2-40B4-BE49-F238E27FC236}">
+                <a16:creationId xmlns:a16="http://schemas.microsoft.com/office/drawing/2014/main" id="{0DC5213C-4663-F491-8B8A-B575CC691018}"/>
+              </a:ext>
+            </a:extLst>
+          </p:cNvPr>
+          <p:cNvSpPr/>
+          <p:nvPr/>
+        </p:nvSpPr>
+        <p:spPr>
+          <a:xfrm>
+            <a:off x="4570258" y="4789079"/>
+            <a:ext cx="2644719" cy="383102"/>
+          </a:xfrm>
+          <a:prstGeom prst="trapezoid">
+            <a:avLst/>
+          </a:prstGeom>
+          <a:solidFill>
+            <a:schemeClr val="accent4">
+              <a:lumMod val="75000"/>
+            </a:schemeClr>
+          </a:solidFill>
+        </p:spPr>
+        <p:style>
+          <a:lnRef idx="2">
+            <a:schemeClr val="accent1">
+              <a:shade val="15000"/>
+            </a:schemeClr>
+          </a:lnRef>
+          <a:fillRef idx="1">
+            <a:schemeClr val="accent1"/>
+          </a:fillRef>
+          <a:effectRef idx="0">
+            <a:schemeClr val="accent1"/>
+          </a:effectRef>
+          <a:fontRef idx="minor">
+            <a:schemeClr val="lt1"/>
+          </a:fontRef>
+        </p:style>
+        <p:txBody>
+          <a:bodyPr rtlCol="0" anchor="ctr"/>
+          <a:lstStyle/>
+          <a:p>
+            <a:pPr algn="ctr"/>
+            <a:r>
+              <a:rPr lang="en-US" altLang="ko-KR" sz="1400" dirty="0">
+                <a:latin typeface="프리젠테이션 4 Regular" pitchFamily="2" charset="-127"/>
+                <a:ea typeface="프리젠테이션 4 Regular" pitchFamily="2" charset="-127"/>
+              </a:rPr>
+              <a:t>HP</a:t>
+            </a:r>
+            <a:r>
+              <a:rPr lang="ko-KR" altLang="en-US" sz="1400" dirty="0">
+                <a:latin typeface="프리젠테이션 4 Regular" pitchFamily="2" charset="-127"/>
+                <a:ea typeface="프리젠테이션 4 Regular" pitchFamily="2" charset="-127"/>
+              </a:rPr>
+              <a:t> </a:t>
+            </a:r>
+            <a:r>
+              <a:rPr lang="en-US" altLang="ko-KR" sz="1400" dirty="0">
+                <a:latin typeface="프리젠테이션 4 Regular" pitchFamily="2" charset="-127"/>
+                <a:ea typeface="프리젠테이션 4 Regular" pitchFamily="2" charset="-127"/>
+              </a:rPr>
+              <a:t>==</a:t>
+            </a:r>
+            <a:r>
+              <a:rPr lang="ko-KR" altLang="en-US" sz="1400" dirty="0">
+                <a:latin typeface="프리젠테이션 4 Regular" pitchFamily="2" charset="-127"/>
+                <a:ea typeface="프리젠테이션 4 Regular" pitchFamily="2" charset="-127"/>
+              </a:rPr>
+              <a:t> </a:t>
+            </a:r>
+            <a:r>
+              <a:rPr lang="en-US" altLang="ko-KR" sz="1400" dirty="0">
+                <a:latin typeface="프리젠테이션 4 Regular" pitchFamily="2" charset="-127"/>
+                <a:ea typeface="프리젠테이션 4 Regular" pitchFamily="2" charset="-127"/>
+              </a:rPr>
+              <a:t>0</a:t>
+            </a:r>
+            <a:r>
+              <a:rPr lang="ko-KR" altLang="en-US" sz="1400" dirty="0">
+                <a:latin typeface="프리젠테이션 4 Regular" pitchFamily="2" charset="-127"/>
+                <a:ea typeface="프리젠테이션 4 Regular" pitchFamily="2" charset="-127"/>
+              </a:rPr>
+              <a:t> </a:t>
+            </a:r>
+            <a:r>
+              <a:rPr lang="en-US" altLang="ko-KR" sz="1400" dirty="0">
+                <a:latin typeface="프리젠테이션 4 Regular" pitchFamily="2" charset="-127"/>
+                <a:ea typeface="프리젠테이션 4 Regular" pitchFamily="2" charset="-127"/>
+              </a:rPr>
+              <a:t>OR</a:t>
+            </a:r>
+            <a:r>
+              <a:rPr lang="ko-KR" altLang="en-US" sz="1400" dirty="0">
+                <a:latin typeface="프리젠테이션 4 Regular" pitchFamily="2" charset="-127"/>
+                <a:ea typeface="프리젠테이션 4 Regular" pitchFamily="2" charset="-127"/>
+              </a:rPr>
+              <a:t> </a:t>
+            </a:r>
+            <a:r>
+              <a:rPr lang="en-US" altLang="ko-KR" sz="1400" dirty="0">
+                <a:latin typeface="프리젠테이션 4 Regular" pitchFamily="2" charset="-127"/>
+                <a:ea typeface="프리젠테이션 4 Regular" pitchFamily="2" charset="-127"/>
+              </a:rPr>
+              <a:t>30</a:t>
+            </a:r>
+            <a:r>
+              <a:rPr lang="ko-KR" altLang="en-US" sz="1400" dirty="0">
+                <a:latin typeface="프리젠테이션 4 Regular" pitchFamily="2" charset="-127"/>
+                <a:ea typeface="프리젠테이션 4 Regular" pitchFamily="2" charset="-127"/>
+              </a:rPr>
+              <a:t>초 경과</a:t>
+            </a:r>
+          </a:p>
+        </p:txBody>
+      </p:sp>
+      <p:cxnSp>
+        <p:nvCxnSpPr>
+          <p:cNvPr id="30" name="직선 연결선 29">
+            <a:extLst>
+              <a:ext uri="{FF2B5EF4-FFF2-40B4-BE49-F238E27FC236}">
+                <a16:creationId xmlns:a16="http://schemas.microsoft.com/office/drawing/2014/main" id="{2FD12A55-734C-ED0A-55F2-BD7815246002}"/>
+              </a:ext>
+            </a:extLst>
+          </p:cNvPr>
+          <p:cNvCxnSpPr>
+            <a:cxnSpLocks/>
+          </p:cNvCxnSpPr>
+          <p:nvPr/>
+        </p:nvCxnSpPr>
+        <p:spPr>
+          <a:xfrm>
+            <a:off x="3776449" y="2196212"/>
+            <a:ext cx="0" cy="2827270"/>
+          </a:xfrm>
+          <a:prstGeom prst="line">
+            <a:avLst/>
+          </a:prstGeom>
+          <a:ln w="57150">
+            <a:solidFill>
+              <a:srgbClr val="FF0000"/>
+            </a:solidFill>
+          </a:ln>
+        </p:spPr>
+        <p:style>
+          <a:lnRef idx="2">
+            <a:schemeClr val="accent1"/>
+          </a:lnRef>
+          <a:fillRef idx="0">
+            <a:schemeClr val="accent1"/>
+          </a:fillRef>
+          <a:effectRef idx="1">
+            <a:schemeClr val="accent1"/>
+          </a:effectRef>
+          <a:fontRef idx="minor">
+            <a:schemeClr val="tx1"/>
+          </a:fontRef>
+        </p:style>
+      </p:cxnSp>
+      <p:cxnSp>
+        <p:nvCxnSpPr>
+          <p:cNvPr id="31" name="직선 연결선 30">
+            <a:extLst>
+              <a:ext uri="{FF2B5EF4-FFF2-40B4-BE49-F238E27FC236}">
+                <a16:creationId xmlns:a16="http://schemas.microsoft.com/office/drawing/2014/main" id="{424239E1-7150-1B9A-310C-A005568A1090}"/>
+              </a:ext>
+            </a:extLst>
+          </p:cNvPr>
+          <p:cNvCxnSpPr>
+            <a:cxnSpLocks/>
+          </p:cNvCxnSpPr>
+          <p:nvPr/>
+        </p:nvCxnSpPr>
+        <p:spPr>
+          <a:xfrm>
+            <a:off x="3740696" y="2196212"/>
+            <a:ext cx="646608" cy="0"/>
+          </a:xfrm>
+          <a:prstGeom prst="line">
+            <a:avLst/>
+          </a:prstGeom>
+          <a:ln w="38100" cap="flat" cmpd="sng" algn="ctr">
+            <a:solidFill>
+              <a:schemeClr val="accent6"/>
+            </a:solidFill>
+            <a:prstDash val="solid"/>
+            <a:round/>
+            <a:headEnd type="none" w="med" len="med"/>
+            <a:tailEnd type="arrow" w="med" len="med"/>
+          </a:ln>
+        </p:spPr>
+        <p:style>
+          <a:lnRef idx="0">
+            <a:scrgbClr r="0" g="0" b="0"/>
+          </a:lnRef>
+          <a:fillRef idx="0">
+            <a:scrgbClr r="0" g="0" b="0"/>
+          </a:fillRef>
+          <a:effectRef idx="0">
+            <a:scrgbClr r="0" g="0" b="0"/>
+          </a:effectRef>
+          <a:fontRef idx="minor">
+            <a:schemeClr val="tx1"/>
+          </a:fontRef>
+        </p:style>
+      </p:cxnSp>
+      <p:cxnSp>
+        <p:nvCxnSpPr>
+          <p:cNvPr id="32" name="직선 연결선 31">
+            <a:extLst>
+              <a:ext uri="{FF2B5EF4-FFF2-40B4-BE49-F238E27FC236}">
+                <a16:creationId xmlns:a16="http://schemas.microsoft.com/office/drawing/2014/main" id="{F54C958D-5FF6-38C8-EE3D-95165FD32688}"/>
+              </a:ext>
+            </a:extLst>
+          </p:cNvPr>
+          <p:cNvCxnSpPr>
+            <a:cxnSpLocks/>
+          </p:cNvCxnSpPr>
+          <p:nvPr/>
+        </p:nvCxnSpPr>
+        <p:spPr>
+          <a:xfrm>
+            <a:off x="3740696" y="5023482"/>
+            <a:ext cx="646608" cy="0"/>
+          </a:xfrm>
+          <a:prstGeom prst="line">
+            <a:avLst/>
+          </a:prstGeom>
+          <a:ln w="57150">
+            <a:solidFill>
+              <a:srgbClr val="FF0000"/>
+            </a:solidFill>
+          </a:ln>
+        </p:spPr>
+        <p:style>
+          <a:lnRef idx="2">
+            <a:schemeClr val="accent1"/>
+          </a:lnRef>
+          <a:fillRef idx="0">
+            <a:schemeClr val="accent1"/>
+          </a:fillRef>
+          <a:effectRef idx="1">
+            <a:schemeClr val="accent1"/>
+          </a:effectRef>
+          <a:fontRef idx="minor">
+            <a:schemeClr val="tx1"/>
+          </a:fontRef>
+        </p:style>
+      </p:cxnSp>
+      <p:sp>
+        <p:nvSpPr>
+          <p:cNvPr id="33" name="사다리꼴 32">
+            <a:extLst>
+              <a:ext uri="{FF2B5EF4-FFF2-40B4-BE49-F238E27FC236}">
+                <a16:creationId xmlns:a16="http://schemas.microsoft.com/office/drawing/2014/main" id="{414B96F9-BD52-5A81-1504-672F20E2E9FB}"/>
+              </a:ext>
+            </a:extLst>
+          </p:cNvPr>
+          <p:cNvSpPr/>
+          <p:nvPr/>
+        </p:nvSpPr>
+        <p:spPr>
+          <a:xfrm>
+            <a:off x="1736071" y="3744588"/>
+            <a:ext cx="1688360" cy="383102"/>
+          </a:xfrm>
+          <a:prstGeom prst="trapezoid">
+            <a:avLst/>
+          </a:prstGeom>
+          <a:solidFill>
+            <a:schemeClr val="accent4">
+              <a:lumMod val="75000"/>
+            </a:schemeClr>
+          </a:solidFill>
+        </p:spPr>
+        <p:style>
+          <a:lnRef idx="2">
+            <a:schemeClr val="accent1">
+              <a:shade val="15000"/>
+            </a:schemeClr>
+          </a:lnRef>
+          <a:fillRef idx="1">
+            <a:schemeClr val="accent1"/>
+          </a:fillRef>
+          <a:effectRef idx="0">
+            <a:schemeClr val="accent1"/>
+          </a:effectRef>
+          <a:fontRef idx="minor">
+            <a:schemeClr val="lt1"/>
+          </a:fontRef>
+        </p:style>
+        <p:txBody>
+          <a:bodyPr rtlCol="0" anchor="ctr"/>
+          <a:lstStyle/>
+          <a:p>
+            <a:pPr algn="ctr"/>
+            <a:r>
+              <a:rPr lang="en-US" altLang="ko-KR" sz="1400" dirty="0">
+                <a:latin typeface="프리젠테이션 4 Regular" pitchFamily="2" charset="-127"/>
+                <a:ea typeface="프리젠테이션 4 Regular" pitchFamily="2" charset="-127"/>
+              </a:rPr>
+              <a:t>10</a:t>
+            </a:r>
+            <a:r>
+              <a:rPr lang="ko-KR" altLang="en-US" sz="1400" dirty="0">
+                <a:latin typeface="프리젠테이션 4 Regular" pitchFamily="2" charset="-127"/>
+                <a:ea typeface="프리젠테이션 4 Regular" pitchFamily="2" charset="-127"/>
+              </a:rPr>
+              <a:t>번 반복했다면</a:t>
+            </a:r>
+          </a:p>
+        </p:txBody>
+      </p:sp>
+      <p:sp>
+        <p:nvSpPr>
+          <p:cNvPr id="34" name="직사각형 33">
+            <a:extLst>
+              <a:ext uri="{FF2B5EF4-FFF2-40B4-BE49-F238E27FC236}">
+                <a16:creationId xmlns:a16="http://schemas.microsoft.com/office/drawing/2014/main" id="{E9C61704-C6A2-837F-ECA9-B33C43B7F4BE}"/>
+              </a:ext>
+            </a:extLst>
+          </p:cNvPr>
+          <p:cNvSpPr/>
+          <p:nvPr/>
+        </p:nvSpPr>
+        <p:spPr>
+          <a:xfrm>
+            <a:off x="1927715" y="3294213"/>
+            <a:ext cx="1305071" cy="383102"/>
+          </a:xfrm>
+          <a:prstGeom prst="rect">
+            <a:avLst/>
+          </a:prstGeom>
+          <a:solidFill>
+            <a:schemeClr val="bg1">
+              <a:lumMod val="95000"/>
+            </a:schemeClr>
+          </a:solidFill>
+        </p:spPr>
+        <p:style>
+          <a:lnRef idx="2">
+            <a:schemeClr val="accent1">
+              <a:shade val="15000"/>
+            </a:schemeClr>
+          </a:lnRef>
+          <a:fillRef idx="1">
+            <a:schemeClr val="accent1"/>
+          </a:fillRef>
+          <a:effectRef idx="0">
+            <a:schemeClr val="accent1"/>
+          </a:effectRef>
+          <a:fontRef idx="minor">
+            <a:schemeClr val="lt1"/>
+          </a:fontRef>
+        </p:style>
+        <p:txBody>
+          <a:bodyPr rtlCol="0" anchor="ctr"/>
+          <a:lstStyle/>
+          <a:p>
+            <a:pPr algn="ctr"/>
+            <a:r>
+              <a:rPr lang="ko-KR" altLang="en-US" sz="1400" dirty="0">
+                <a:solidFill>
+                  <a:schemeClr val="tx1"/>
+                </a:solidFill>
+                <a:latin typeface="프리젠테이션 4 Regular" pitchFamily="2" charset="-127"/>
+                <a:ea typeface="프리젠테이션 4 Regular" pitchFamily="2" charset="-127"/>
+              </a:rPr>
+              <a:t>반복</a:t>
+            </a:r>
+          </a:p>
+        </p:txBody>
+      </p:sp>
+      <p:cxnSp>
+        <p:nvCxnSpPr>
+          <p:cNvPr id="35" name="직선 연결선 34">
+            <a:extLst>
+              <a:ext uri="{FF2B5EF4-FFF2-40B4-BE49-F238E27FC236}">
+                <a16:creationId xmlns:a16="http://schemas.microsoft.com/office/drawing/2014/main" id="{F5F22764-4A2C-8F49-CB84-671483140924}"/>
+              </a:ext>
+            </a:extLst>
+          </p:cNvPr>
+          <p:cNvCxnSpPr>
+            <a:cxnSpLocks/>
+          </p:cNvCxnSpPr>
+          <p:nvPr/>
+        </p:nvCxnSpPr>
+        <p:spPr>
+          <a:xfrm>
+            <a:off x="2580250" y="4127690"/>
+            <a:ext cx="0" cy="1904810"/>
+          </a:xfrm>
+          <a:prstGeom prst="line">
+            <a:avLst/>
+          </a:prstGeom>
+          <a:ln w="57150">
+            <a:solidFill>
+              <a:srgbClr val="FF0000"/>
+            </a:solidFill>
+          </a:ln>
+        </p:spPr>
+        <p:style>
+          <a:lnRef idx="2">
+            <a:schemeClr val="accent1"/>
+          </a:lnRef>
+          <a:fillRef idx="0">
+            <a:schemeClr val="accent1"/>
+          </a:fillRef>
+          <a:effectRef idx="1">
+            <a:schemeClr val="accent1"/>
+          </a:effectRef>
+          <a:fontRef idx="minor">
+            <a:schemeClr val="tx1"/>
+          </a:fontRef>
+        </p:style>
+      </p:cxnSp>
+      <p:cxnSp>
+        <p:nvCxnSpPr>
+          <p:cNvPr id="36" name="직선 연결선 35">
+            <a:extLst>
+              <a:ext uri="{FF2B5EF4-FFF2-40B4-BE49-F238E27FC236}">
+                <a16:creationId xmlns:a16="http://schemas.microsoft.com/office/drawing/2014/main" id="{1FF1BF76-332A-909F-3B45-9C6346A7D0C3}"/>
+              </a:ext>
+            </a:extLst>
+          </p:cNvPr>
+          <p:cNvCxnSpPr>
+            <a:cxnSpLocks/>
+          </p:cNvCxnSpPr>
+          <p:nvPr/>
+        </p:nvCxnSpPr>
+        <p:spPr>
+          <a:xfrm>
+            <a:off x="2580250" y="6032500"/>
+            <a:ext cx="1483750" cy="0"/>
+          </a:xfrm>
+          <a:prstGeom prst="line">
+            <a:avLst/>
+          </a:prstGeom>
+          <a:ln w="57150">
+            <a:solidFill>
+              <a:srgbClr val="FF0000"/>
+            </a:solidFill>
+          </a:ln>
+        </p:spPr>
+        <p:style>
+          <a:lnRef idx="2">
+            <a:schemeClr val="accent1"/>
+          </a:lnRef>
+          <a:fillRef idx="0">
+            <a:schemeClr val="accent1"/>
+          </a:fillRef>
+          <a:effectRef idx="1">
+            <a:schemeClr val="accent1"/>
+          </a:effectRef>
+          <a:fontRef idx="minor">
+            <a:schemeClr val="tx1"/>
+          </a:fontRef>
+        </p:style>
+      </p:cxnSp>
+      <p:sp>
+        <p:nvSpPr>
+          <p:cNvPr id="37" name="직사각형 36">
+            <a:extLst>
+              <a:ext uri="{FF2B5EF4-FFF2-40B4-BE49-F238E27FC236}">
+                <a16:creationId xmlns:a16="http://schemas.microsoft.com/office/drawing/2014/main" id="{059D7893-4DA1-684C-9B19-4993BE73F2EA}"/>
+              </a:ext>
+            </a:extLst>
+          </p:cNvPr>
+          <p:cNvSpPr/>
+          <p:nvPr/>
+        </p:nvSpPr>
+        <p:spPr>
+          <a:xfrm>
+            <a:off x="4503293" y="5637749"/>
+            <a:ext cx="2781037" cy="914400"/>
+          </a:xfrm>
+          <a:prstGeom prst="rect">
+            <a:avLst/>
+          </a:prstGeom>
+          <a:solidFill>
+            <a:schemeClr val="bg1">
+              <a:lumMod val="95000"/>
+            </a:schemeClr>
+          </a:solidFill>
+        </p:spPr>
+        <p:style>
+          <a:lnRef idx="2">
+            <a:schemeClr val="accent1">
+              <a:shade val="15000"/>
+            </a:schemeClr>
+          </a:lnRef>
+          <a:fillRef idx="1">
+            <a:schemeClr val="accent1"/>
+          </a:fillRef>
+          <a:effectRef idx="0">
+            <a:schemeClr val="accent1"/>
+          </a:effectRef>
+          <a:fontRef idx="minor">
+            <a:schemeClr val="lt1"/>
+          </a:fontRef>
+        </p:style>
+        <p:txBody>
+          <a:bodyPr rtlCol="0" anchor="ctr"/>
+          <a:lstStyle/>
+          <a:p>
+            <a:pPr algn="ctr"/>
+            <a:r>
+              <a:rPr lang="ko-KR" altLang="en-US" sz="1400" dirty="0">
+                <a:solidFill>
+                  <a:schemeClr val="tx1"/>
+                </a:solidFill>
+                <a:latin typeface="프리젠테이션 4 Regular" pitchFamily="2" charset="-127"/>
+                <a:ea typeface="프리젠테이션 4 Regular" pitchFamily="2" charset="-127"/>
+              </a:rPr>
+              <a:t>오벨리스크 위치에</a:t>
+            </a:r>
+            <a:endParaRPr lang="en-US" altLang="ko-KR" sz="1400" dirty="0">
+              <a:solidFill>
+                <a:schemeClr val="tx1"/>
+              </a:solidFill>
+              <a:latin typeface="프리젠테이션 4 Regular" pitchFamily="2" charset="-127"/>
+              <a:ea typeface="프리젠테이션 4 Regular" pitchFamily="2" charset="-127"/>
+            </a:endParaRPr>
+          </a:p>
+          <a:p>
+            <a:pPr algn="ctr"/>
+            <a:r>
+              <a:rPr lang="ko-KR" altLang="en-US" sz="1400" dirty="0">
+                <a:solidFill>
+                  <a:schemeClr val="tx1"/>
+                </a:solidFill>
+                <a:latin typeface="프리젠테이션 4 Regular" pitchFamily="2" charset="-127"/>
+                <a:ea typeface="프리젠테이션 4 Regular" pitchFamily="2" charset="-127"/>
+              </a:rPr>
+              <a:t>보스 등장</a:t>
+            </a:r>
+          </a:p>
+        </p:txBody>
+      </p:sp>
+      <p:cxnSp>
+        <p:nvCxnSpPr>
+          <p:cNvPr id="38" name="직선 화살표 연결선 37">
+            <a:extLst>
+              <a:ext uri="{FF2B5EF4-FFF2-40B4-BE49-F238E27FC236}">
+                <a16:creationId xmlns:a16="http://schemas.microsoft.com/office/drawing/2014/main" id="{CB8FE32E-F5F7-6FB9-88BB-8D252C5DC82A}"/>
+              </a:ext>
+            </a:extLst>
+          </p:cNvPr>
+          <p:cNvCxnSpPr>
+            <a:stCxn id="34" idx="0"/>
+          </p:cNvCxnSpPr>
+          <p:nvPr/>
+        </p:nvCxnSpPr>
+        <p:spPr>
+          <a:xfrm flipH="1" flipV="1">
+            <a:off x="2580250" y="2764640"/>
+            <a:ext cx="1" cy="529573"/>
+          </a:xfrm>
+          <a:prstGeom prst="straightConnector1">
+            <a:avLst/>
+          </a:prstGeom>
+          <a:ln w="28575">
+            <a:solidFill>
+              <a:srgbClr val="FFC000"/>
+            </a:solidFill>
+            <a:tailEnd type="triangle"/>
+          </a:ln>
+        </p:spPr>
+        <p:style>
+          <a:lnRef idx="2">
+            <a:schemeClr val="accent1"/>
+          </a:lnRef>
+          <a:fillRef idx="0">
+            <a:schemeClr val="accent1"/>
+          </a:fillRef>
+          <a:effectRef idx="1">
+            <a:schemeClr val="accent1"/>
+          </a:effectRef>
+          <a:fontRef idx="minor">
+            <a:schemeClr val="tx1"/>
+          </a:fontRef>
+        </p:style>
+      </p:cxnSp>
+      <p:sp>
+        <p:nvSpPr>
+          <p:cNvPr id="39" name="직사각형 38">
+            <a:extLst>
+              <a:ext uri="{FF2B5EF4-FFF2-40B4-BE49-F238E27FC236}">
+                <a16:creationId xmlns:a16="http://schemas.microsoft.com/office/drawing/2014/main" id="{88FEB05F-8E1A-7541-E53B-C2B5DE522933}"/>
+              </a:ext>
+            </a:extLst>
+          </p:cNvPr>
+          <p:cNvSpPr/>
+          <p:nvPr/>
+        </p:nvSpPr>
+        <p:spPr>
+          <a:xfrm>
+            <a:off x="1902709" y="2314265"/>
+            <a:ext cx="1305071" cy="383102"/>
+          </a:xfrm>
+          <a:prstGeom prst="rect">
+            <a:avLst/>
+          </a:prstGeom>
+          <a:solidFill>
+            <a:schemeClr val="bg1">
+              <a:lumMod val="95000"/>
+            </a:schemeClr>
+          </a:solidFill>
+        </p:spPr>
+        <p:style>
+          <a:lnRef idx="2">
+            <a:schemeClr val="accent1">
+              <a:shade val="15000"/>
+            </a:schemeClr>
+          </a:lnRef>
+          <a:fillRef idx="1">
+            <a:schemeClr val="accent1"/>
+          </a:fillRef>
+          <a:effectRef idx="0">
+            <a:schemeClr val="accent1"/>
+          </a:effectRef>
+          <a:fontRef idx="minor">
+            <a:schemeClr val="lt1"/>
+          </a:fontRef>
+        </p:style>
+        <p:txBody>
+          <a:bodyPr rtlCol="0" anchor="ctr"/>
+          <a:lstStyle/>
+          <a:p>
+            <a:pPr algn="ctr"/>
+            <a:r>
+              <a:rPr lang="ko-KR" altLang="en-US" sz="1400" dirty="0">
+                <a:solidFill>
+                  <a:schemeClr val="tx1"/>
+                </a:solidFill>
+                <a:latin typeface="프리젠테이션 4 Regular" pitchFamily="2" charset="-127"/>
+                <a:ea typeface="프리젠테이션 4 Regular" pitchFamily="2" charset="-127"/>
+              </a:rPr>
+              <a:t>적 </a:t>
+            </a:r>
+            <a:r>
+              <a:rPr lang="en-US" altLang="ko-KR" sz="1400" dirty="0">
+                <a:solidFill>
+                  <a:schemeClr val="tx1"/>
+                </a:solidFill>
+                <a:latin typeface="프리젠테이션 4 Regular" pitchFamily="2" charset="-127"/>
+                <a:ea typeface="프리젠테이션 4 Regular" pitchFamily="2" charset="-127"/>
+              </a:rPr>
+              <a:t>n</a:t>
+            </a:r>
+            <a:r>
+              <a:rPr lang="ko-KR" altLang="en-US" sz="1400" dirty="0">
+                <a:solidFill>
+                  <a:schemeClr val="tx1"/>
+                </a:solidFill>
+                <a:latin typeface="프리젠테이션 4 Regular" pitchFamily="2" charset="-127"/>
+                <a:ea typeface="프리젠테이션 4 Regular" pitchFamily="2" charset="-127"/>
+              </a:rPr>
+              <a:t>마리씩 추가</a:t>
+            </a:r>
+          </a:p>
+        </p:txBody>
+      </p:sp>
+      <p:sp>
+        <p:nvSpPr>
+          <p:cNvPr id="40" name="사다리꼴 39">
+            <a:extLst>
+              <a:ext uri="{FF2B5EF4-FFF2-40B4-BE49-F238E27FC236}">
+                <a16:creationId xmlns:a16="http://schemas.microsoft.com/office/drawing/2014/main" id="{8F442CCD-5E55-3D55-E29B-BAAF1B552252}"/>
+              </a:ext>
+            </a:extLst>
+          </p:cNvPr>
+          <p:cNvSpPr/>
+          <p:nvPr/>
+        </p:nvSpPr>
+        <p:spPr>
+          <a:xfrm>
+            <a:off x="1741460" y="1849185"/>
+            <a:ext cx="1688360" cy="383102"/>
+          </a:xfrm>
+          <a:prstGeom prst="trapezoid">
+            <a:avLst/>
+          </a:prstGeom>
+          <a:solidFill>
+            <a:schemeClr val="accent4">
+              <a:lumMod val="75000"/>
+            </a:schemeClr>
+          </a:solidFill>
+        </p:spPr>
+        <p:style>
+          <a:lnRef idx="2">
+            <a:schemeClr val="accent1">
+              <a:shade val="15000"/>
+            </a:schemeClr>
+          </a:lnRef>
+          <a:fillRef idx="1">
+            <a:schemeClr val="accent1"/>
+          </a:fillRef>
+          <a:effectRef idx="0">
+            <a:schemeClr val="accent1"/>
+          </a:effectRef>
+          <a:fontRef idx="minor">
+            <a:schemeClr val="lt1"/>
+          </a:fontRef>
+        </p:style>
+        <p:txBody>
+          <a:bodyPr rtlCol="0" anchor="ctr"/>
+          <a:lstStyle/>
+          <a:p>
+            <a:pPr algn="ctr"/>
+            <a:r>
+              <a:rPr lang="ko-KR" altLang="en-US" sz="1400" dirty="0">
+                <a:latin typeface="프리젠테이션 4 Regular" pitchFamily="2" charset="-127"/>
+                <a:ea typeface="프리젠테이션 4 Regular" pitchFamily="2" charset="-127"/>
+              </a:rPr>
+              <a:t>특정 적 </a:t>
+            </a:r>
+            <a:r>
+              <a:rPr lang="en-US" altLang="ko-KR" sz="1400" dirty="0">
+                <a:latin typeface="프리젠테이션 4 Regular" pitchFamily="2" charset="-127"/>
+                <a:ea typeface="프리젠테이션 4 Regular" pitchFamily="2" charset="-127"/>
+              </a:rPr>
+              <a:t>&gt;= 5</a:t>
+            </a:r>
+            <a:endParaRPr lang="ko-KR" altLang="en-US" sz="1400" dirty="0">
+              <a:latin typeface="프리젠테이션 4 Regular" pitchFamily="2" charset="-127"/>
+              <a:ea typeface="프리젠테이션 4 Regular" pitchFamily="2" charset="-127"/>
+            </a:endParaRPr>
+          </a:p>
+        </p:txBody>
+      </p:sp>
+      <p:cxnSp>
+        <p:nvCxnSpPr>
+          <p:cNvPr id="41" name="직선 연결선 40">
+            <a:extLst>
+              <a:ext uri="{FF2B5EF4-FFF2-40B4-BE49-F238E27FC236}">
+                <a16:creationId xmlns:a16="http://schemas.microsoft.com/office/drawing/2014/main" id="{4CF634EF-996E-B547-6B78-33328275E92C}"/>
+              </a:ext>
+            </a:extLst>
+          </p:cNvPr>
+          <p:cNvCxnSpPr>
+            <a:cxnSpLocks/>
+            <a:endCxn id="40" idx="1"/>
+          </p:cNvCxnSpPr>
+          <p:nvPr/>
+        </p:nvCxnSpPr>
+        <p:spPr>
+          <a:xfrm>
+            <a:off x="1460500" y="2040736"/>
+            <a:ext cx="328848" cy="0"/>
+          </a:xfrm>
+          <a:prstGeom prst="line">
+            <a:avLst/>
+          </a:prstGeom>
+        </p:spPr>
+        <p:style>
+          <a:lnRef idx="2">
+            <a:schemeClr val="accent1"/>
+          </a:lnRef>
+          <a:fillRef idx="0">
+            <a:schemeClr val="accent1"/>
+          </a:fillRef>
+          <a:effectRef idx="1">
+            <a:schemeClr val="accent1"/>
+          </a:effectRef>
+          <a:fontRef idx="minor">
+            <a:schemeClr val="tx1"/>
+          </a:fontRef>
+        </p:style>
+      </p:cxnSp>
+      <p:sp>
+        <p:nvSpPr>
+          <p:cNvPr id="42" name="직사각형 41">
+            <a:extLst>
+              <a:ext uri="{FF2B5EF4-FFF2-40B4-BE49-F238E27FC236}">
+                <a16:creationId xmlns:a16="http://schemas.microsoft.com/office/drawing/2014/main" id="{A24B87D2-7188-0CE1-888C-C0E842A9C6DC}"/>
+              </a:ext>
+            </a:extLst>
+          </p:cNvPr>
+          <p:cNvSpPr/>
+          <p:nvPr/>
+        </p:nvSpPr>
+        <p:spPr>
+          <a:xfrm>
+            <a:off x="213609" y="1799520"/>
+            <a:ext cx="1305071" cy="383102"/>
+          </a:xfrm>
+          <a:prstGeom prst="rect">
+            <a:avLst/>
+          </a:prstGeom>
+          <a:solidFill>
+            <a:schemeClr val="bg1">
+              <a:lumMod val="95000"/>
+            </a:schemeClr>
+          </a:solidFill>
+        </p:spPr>
+        <p:style>
+          <a:lnRef idx="2">
+            <a:schemeClr val="accent1">
+              <a:shade val="15000"/>
+            </a:schemeClr>
+          </a:lnRef>
+          <a:fillRef idx="1">
+            <a:schemeClr val="accent1"/>
+          </a:fillRef>
+          <a:effectRef idx="0">
+            <a:schemeClr val="accent1"/>
+          </a:effectRef>
+          <a:fontRef idx="minor">
+            <a:schemeClr val="lt1"/>
+          </a:fontRef>
+        </p:style>
+        <p:txBody>
+          <a:bodyPr rtlCol="0" anchor="ctr"/>
+          <a:lstStyle/>
+          <a:p>
+            <a:pPr algn="ctr"/>
+            <a:r>
+              <a:rPr lang="ko-KR" altLang="en-US" sz="1400" dirty="0">
+                <a:solidFill>
+                  <a:schemeClr val="tx1"/>
+                </a:solidFill>
+                <a:latin typeface="프리젠테이션 4 Regular" pitchFamily="2" charset="-127"/>
+                <a:ea typeface="프리젠테이션 4 Regular" pitchFamily="2" charset="-127"/>
+              </a:rPr>
+              <a:t>해당 적 강화</a:t>
+            </a:r>
+          </a:p>
+        </p:txBody>
+      </p:sp>
+      <p:cxnSp>
+        <p:nvCxnSpPr>
+          <p:cNvPr id="43" name="직선 화살표 연결선 42">
+            <a:extLst>
+              <a:ext uri="{FF2B5EF4-FFF2-40B4-BE49-F238E27FC236}">
+                <a16:creationId xmlns:a16="http://schemas.microsoft.com/office/drawing/2014/main" id="{16B483CB-F836-0095-8BC1-3390FC176F44}"/>
+              </a:ext>
+            </a:extLst>
+          </p:cNvPr>
+          <p:cNvCxnSpPr>
+            <a:cxnSpLocks/>
+          </p:cNvCxnSpPr>
+          <p:nvPr/>
+        </p:nvCxnSpPr>
+        <p:spPr>
+          <a:xfrm>
+            <a:off x="2580250" y="6032500"/>
+            <a:ext cx="1525622" cy="0"/>
+          </a:xfrm>
+          <a:prstGeom prst="straightConnector1">
+            <a:avLst/>
+          </a:prstGeom>
+          <a:ln w="28575">
+            <a:solidFill>
+              <a:srgbClr val="FFC000"/>
+            </a:solidFill>
+            <a:tailEnd type="triangle"/>
+          </a:ln>
+        </p:spPr>
+        <p:style>
+          <a:lnRef idx="2">
+            <a:schemeClr val="accent1"/>
+          </a:lnRef>
+          <a:fillRef idx="0">
+            <a:schemeClr val="accent1"/>
+          </a:fillRef>
+          <a:effectRef idx="1">
+            <a:schemeClr val="accent1"/>
+          </a:effectRef>
+          <a:fontRef idx="minor">
+            <a:schemeClr val="tx1"/>
+          </a:fontRef>
+        </p:style>
+      </p:cxnSp>
+      <p:sp>
+        <p:nvSpPr>
+          <p:cNvPr id="44" name="직사각형 43">
+            <a:extLst>
+              <a:ext uri="{FF2B5EF4-FFF2-40B4-BE49-F238E27FC236}">
+                <a16:creationId xmlns:a16="http://schemas.microsoft.com/office/drawing/2014/main" id="{82EF1D47-CAE6-0A13-3555-F681E136F47E}"/>
+              </a:ext>
+            </a:extLst>
+          </p:cNvPr>
+          <p:cNvSpPr/>
+          <p:nvPr/>
+        </p:nvSpPr>
+        <p:spPr>
+          <a:xfrm>
+            <a:off x="4503293" y="3476805"/>
+            <a:ext cx="2781037" cy="1100533"/>
+          </a:xfrm>
+          <a:prstGeom prst="rect">
+            <a:avLst/>
+          </a:prstGeom>
+          <a:noFill/>
+          <a:ln w="38100">
+            <a:solidFill>
+              <a:srgbClr val="FFC000"/>
+            </a:solidFill>
+            <a:prstDash val="sysDash"/>
+          </a:ln>
+        </p:spPr>
+        <p:style>
+          <a:lnRef idx="2">
+            <a:schemeClr val="accent1">
+              <a:shade val="15000"/>
+            </a:schemeClr>
+          </a:lnRef>
+          <a:fillRef idx="1">
+            <a:schemeClr val="accent1"/>
+          </a:fillRef>
+          <a:effectRef idx="0">
+            <a:schemeClr val="accent1"/>
+          </a:effectRef>
+          <a:fontRef idx="minor">
+            <a:schemeClr val="lt1"/>
+          </a:fontRef>
+        </p:style>
+        <p:txBody>
+          <a:bodyPr rtlCol="0" anchor="ctr"/>
+          <a:lstStyle/>
+          <a:p>
+            <a:pPr algn="r"/>
+            <a:r>
+              <a:rPr lang="en-US" altLang="ko-KR" dirty="0">
+                <a:solidFill>
+                  <a:schemeClr val="accent5">
+                    <a:lumMod val="75000"/>
+                  </a:schemeClr>
+                </a:solidFill>
+                <a:latin typeface="HY견고딕" panose="02030600000101010101" pitchFamily="18" charset="-127"/>
+                <a:ea typeface="HY견고딕" panose="02030600000101010101" pitchFamily="18" charset="-127"/>
+              </a:rPr>
+              <a:t>(</a:t>
+            </a:r>
+            <a:r>
+              <a:rPr lang="ko-KR" altLang="en-US" dirty="0">
+                <a:solidFill>
+                  <a:schemeClr val="accent5">
+                    <a:lumMod val="75000"/>
+                  </a:schemeClr>
+                </a:solidFill>
+                <a:latin typeface="HY견고딕" panose="02030600000101010101" pitchFamily="18" charset="-127"/>
+                <a:ea typeface="HY견고딕" panose="02030600000101010101" pitchFamily="18" charset="-127"/>
+              </a:rPr>
+              <a:t>추가요소</a:t>
+            </a:r>
+            <a:r>
+              <a:rPr lang="en-US" altLang="ko-KR" dirty="0">
+                <a:solidFill>
+                  <a:schemeClr val="accent5">
+                    <a:lumMod val="75000"/>
+                  </a:schemeClr>
+                </a:solidFill>
+                <a:latin typeface="HY견고딕" panose="02030600000101010101" pitchFamily="18" charset="-127"/>
+                <a:ea typeface="HY견고딕" panose="02030600000101010101" pitchFamily="18" charset="-127"/>
+              </a:rPr>
+              <a:t>)</a:t>
+            </a:r>
+            <a:endParaRPr lang="ko-KR" altLang="en-US" dirty="0">
+              <a:solidFill>
+                <a:schemeClr val="accent5">
+                  <a:lumMod val="75000"/>
+                </a:schemeClr>
+              </a:solidFill>
+              <a:latin typeface="HY견고딕" panose="02030600000101010101" pitchFamily="18" charset="-127"/>
+              <a:ea typeface="HY견고딕" panose="02030600000101010101" pitchFamily="18" charset="-127"/>
+            </a:endParaRPr>
+          </a:p>
+        </p:txBody>
+      </p:sp>
+      <p:sp>
+        <p:nvSpPr>
+          <p:cNvPr id="45" name="직사각형 44">
+            <a:extLst>
+              <a:ext uri="{FF2B5EF4-FFF2-40B4-BE49-F238E27FC236}">
+                <a16:creationId xmlns:a16="http://schemas.microsoft.com/office/drawing/2014/main" id="{CC088C5E-B43C-E661-901D-C2EBCBFC1B33}"/>
+              </a:ext>
+            </a:extLst>
+          </p:cNvPr>
+          <p:cNvSpPr/>
+          <p:nvPr/>
+        </p:nvSpPr>
+        <p:spPr>
+          <a:xfrm>
+            <a:off x="8336094" y="2130546"/>
+            <a:ext cx="3192885" cy="3685791"/>
+          </a:xfrm>
+          <a:prstGeom prst="rect">
+            <a:avLst/>
+          </a:prstGeom>
+          <a:noFill/>
+          <a:ln w="38100">
+            <a:solidFill>
+              <a:srgbClr val="FFC000"/>
+            </a:solidFill>
+            <a:prstDash val="lgDashDot"/>
+          </a:ln>
+        </p:spPr>
+        <p:style>
+          <a:lnRef idx="2">
+            <a:schemeClr val="accent1">
+              <a:shade val="15000"/>
+            </a:schemeClr>
+          </a:lnRef>
+          <a:fillRef idx="1">
+            <a:schemeClr val="accent1"/>
+          </a:fillRef>
+          <a:effectRef idx="0">
+            <a:schemeClr val="accent1"/>
+          </a:effectRef>
+          <a:fontRef idx="minor">
+            <a:schemeClr val="lt1"/>
+          </a:fontRef>
+        </p:style>
+        <p:txBody>
+          <a:bodyPr rtlCol="0" anchor="ctr"/>
+          <a:lstStyle/>
+          <a:p>
+            <a:endParaRPr lang="en-US" altLang="ko-KR" dirty="0">
+              <a:solidFill>
+                <a:schemeClr val="accent5">
+                  <a:lumMod val="50000"/>
+                </a:schemeClr>
+              </a:solidFill>
+            </a:endParaRPr>
+          </a:p>
+          <a:p>
+            <a:endParaRPr lang="en-US" altLang="ko-KR" dirty="0">
+              <a:solidFill>
+                <a:schemeClr val="accent5">
+                  <a:lumMod val="50000"/>
+                </a:schemeClr>
+              </a:solidFill>
+            </a:endParaRPr>
+          </a:p>
+          <a:p>
+            <a:endParaRPr lang="en-US" altLang="ko-KR" dirty="0">
+              <a:solidFill>
+                <a:schemeClr val="accent5">
+                  <a:lumMod val="50000"/>
+                </a:schemeClr>
+              </a:solidFill>
+            </a:endParaRPr>
+          </a:p>
+          <a:p>
+            <a:endParaRPr lang="en-US" altLang="ko-KR" dirty="0">
+              <a:solidFill>
+                <a:schemeClr val="accent5">
+                  <a:lumMod val="50000"/>
+                </a:schemeClr>
+              </a:solidFill>
+            </a:endParaRPr>
+          </a:p>
+          <a:p>
+            <a:endParaRPr lang="en-US" altLang="ko-KR" dirty="0">
+              <a:solidFill>
+                <a:schemeClr val="accent5">
+                  <a:lumMod val="50000"/>
+                </a:schemeClr>
+              </a:solidFill>
+            </a:endParaRPr>
+          </a:p>
+          <a:p>
+            <a:endParaRPr lang="en-US" altLang="ko-KR" dirty="0">
+              <a:solidFill>
+                <a:schemeClr val="accent5">
+                  <a:lumMod val="50000"/>
+                </a:schemeClr>
+              </a:solidFill>
+            </a:endParaRPr>
+          </a:p>
+          <a:p>
+            <a:endParaRPr lang="en-US" altLang="ko-KR" dirty="0">
+              <a:solidFill>
+                <a:schemeClr val="accent5">
+                  <a:lumMod val="50000"/>
+                </a:schemeClr>
+              </a:solidFill>
+            </a:endParaRPr>
+          </a:p>
+          <a:p>
+            <a:endParaRPr lang="en-US" altLang="ko-KR" dirty="0">
+              <a:solidFill>
+                <a:schemeClr val="accent5">
+                  <a:lumMod val="50000"/>
+                </a:schemeClr>
+              </a:solidFill>
+            </a:endParaRPr>
+          </a:p>
+          <a:p>
+            <a:endParaRPr lang="en-US" altLang="ko-KR" dirty="0">
+              <a:solidFill>
+                <a:schemeClr val="accent5">
+                  <a:lumMod val="50000"/>
+                </a:schemeClr>
+              </a:solidFill>
+            </a:endParaRPr>
+          </a:p>
+          <a:p>
+            <a:endParaRPr lang="en-US" altLang="ko-KR" dirty="0">
+              <a:solidFill>
+                <a:schemeClr val="accent5">
+                  <a:lumMod val="50000"/>
+                </a:schemeClr>
+              </a:solidFill>
+            </a:endParaRPr>
+          </a:p>
+          <a:p>
+            <a:endParaRPr lang="en-US" altLang="ko-KR" dirty="0">
+              <a:solidFill>
+                <a:schemeClr val="accent5">
+                  <a:lumMod val="50000"/>
+                </a:schemeClr>
+              </a:solidFill>
+            </a:endParaRPr>
+          </a:p>
+          <a:p>
+            <a:r>
+              <a:rPr lang="en-US" altLang="ko-KR" b="1" dirty="0">
+                <a:solidFill>
+                  <a:schemeClr val="accent5">
+                    <a:lumMod val="50000"/>
+                  </a:schemeClr>
+                </a:solidFill>
+                <a:latin typeface="HY견고딕" panose="02030600000101010101" pitchFamily="18" charset="-127"/>
+                <a:ea typeface="HY견고딕" panose="02030600000101010101" pitchFamily="18" charset="-127"/>
+              </a:rPr>
+              <a:t>(</a:t>
+            </a:r>
+            <a:r>
+              <a:rPr lang="ko-KR" altLang="en-US" b="1" dirty="0">
+                <a:solidFill>
+                  <a:schemeClr val="accent5">
+                    <a:lumMod val="50000"/>
+                  </a:schemeClr>
+                </a:solidFill>
+                <a:latin typeface="HY견고딕" panose="02030600000101010101" pitchFamily="18" charset="-127"/>
+                <a:ea typeface="HY견고딕" panose="02030600000101010101" pitchFamily="18" charset="-127"/>
+              </a:rPr>
+              <a:t>추가요소</a:t>
+            </a:r>
+            <a:r>
+              <a:rPr lang="en-US" altLang="ko-KR" b="1" dirty="0">
+                <a:solidFill>
+                  <a:schemeClr val="accent5">
+                    <a:lumMod val="50000"/>
+                  </a:schemeClr>
+                </a:solidFill>
+                <a:latin typeface="HY견고딕" panose="02030600000101010101" pitchFamily="18" charset="-127"/>
+                <a:ea typeface="HY견고딕" panose="02030600000101010101" pitchFamily="18" charset="-127"/>
+              </a:rPr>
+              <a:t>)</a:t>
+            </a:r>
+            <a:endParaRPr lang="ko-KR" altLang="en-US" b="1" dirty="0">
+              <a:solidFill>
+                <a:schemeClr val="accent5">
+                  <a:lumMod val="50000"/>
+                </a:schemeClr>
+              </a:solidFill>
+              <a:latin typeface="HY견고딕" panose="02030600000101010101" pitchFamily="18" charset="-127"/>
+              <a:ea typeface="HY견고딕" panose="02030600000101010101" pitchFamily="18" charset="-127"/>
+            </a:endParaRPr>
+          </a:p>
+        </p:txBody>
+      </p:sp>
+      <p:cxnSp>
+        <p:nvCxnSpPr>
+          <p:cNvPr id="46" name="직선 연결선 45">
+            <a:extLst>
+              <a:ext uri="{FF2B5EF4-FFF2-40B4-BE49-F238E27FC236}">
+                <a16:creationId xmlns:a16="http://schemas.microsoft.com/office/drawing/2014/main" id="{D6CA80B3-2AC7-7460-65B8-D81FFC7FEF1A}"/>
+              </a:ext>
+            </a:extLst>
+          </p:cNvPr>
+          <p:cNvCxnSpPr>
+            <a:cxnSpLocks/>
+          </p:cNvCxnSpPr>
+          <p:nvPr/>
+        </p:nvCxnSpPr>
+        <p:spPr>
+          <a:xfrm>
+            <a:off x="3776449" y="3215107"/>
+            <a:ext cx="844060" cy="0"/>
+          </a:xfrm>
+          <a:prstGeom prst="line">
+            <a:avLst/>
+          </a:prstGeom>
+          <a:ln w="57150">
+            <a:solidFill>
+              <a:srgbClr val="FF0000"/>
+            </a:solidFill>
+          </a:ln>
+        </p:spPr>
+        <p:style>
+          <a:lnRef idx="2">
+            <a:schemeClr val="accent1"/>
+          </a:lnRef>
+          <a:fillRef idx="0">
+            <a:schemeClr val="accent1"/>
+          </a:fillRef>
+          <a:effectRef idx="1">
+            <a:schemeClr val="accent1"/>
+          </a:effectRef>
+          <a:fontRef idx="minor">
+            <a:schemeClr val="tx1"/>
+          </a:fontRef>
+        </p:style>
+      </p:cxnSp>
+      <p:sp>
+        <p:nvSpPr>
+          <p:cNvPr id="49" name="직사각형 48">
+            <a:extLst>
+              <a:ext uri="{FF2B5EF4-FFF2-40B4-BE49-F238E27FC236}">
+                <a16:creationId xmlns:a16="http://schemas.microsoft.com/office/drawing/2014/main" id="{D02DB82B-3BA0-5851-F1C8-329170C94BF1}"/>
+              </a:ext>
+            </a:extLst>
+          </p:cNvPr>
+          <p:cNvSpPr/>
+          <p:nvPr/>
+        </p:nvSpPr>
+        <p:spPr>
+          <a:xfrm>
+            <a:off x="8229600" y="6075736"/>
+            <a:ext cx="3340973" cy="578733"/>
+          </a:xfrm>
+          <a:prstGeom prst="rect">
+            <a:avLst/>
+          </a:prstGeom>
+          <a:noFill/>
+          <a:ln w="38100">
+            <a:solidFill>
+              <a:srgbClr val="FFC000"/>
+            </a:solidFill>
+            <a:prstDash val="lgDashDot"/>
+          </a:ln>
+        </p:spPr>
+        <p:style>
+          <a:lnRef idx="2">
+            <a:schemeClr val="accent1">
+              <a:shade val="15000"/>
+            </a:schemeClr>
+          </a:lnRef>
+          <a:fillRef idx="1">
+            <a:schemeClr val="accent1"/>
+          </a:fillRef>
+          <a:effectRef idx="0">
+            <a:schemeClr val="accent1"/>
+          </a:effectRef>
+          <a:fontRef idx="minor">
+            <a:schemeClr val="lt1"/>
+          </a:fontRef>
+        </p:style>
+        <p:txBody>
+          <a:bodyPr rtlCol="0" anchor="ctr"/>
+          <a:lstStyle/>
+          <a:p>
+            <a:r>
+              <a:rPr lang="ko-KR" altLang="en-US" dirty="0">
+                <a:solidFill>
+                  <a:schemeClr val="accent5">
+                    <a:lumMod val="50000"/>
+                  </a:schemeClr>
+                </a:solidFill>
+              </a:rPr>
+              <a:t>추가요소 </a:t>
+            </a:r>
+            <a:r>
+              <a:rPr lang="en-US" altLang="ko-KR" dirty="0">
+                <a:solidFill>
+                  <a:schemeClr val="accent5">
+                    <a:lumMod val="50000"/>
+                  </a:schemeClr>
+                </a:solidFill>
+              </a:rPr>
+              <a:t>: </a:t>
+            </a:r>
+            <a:r>
+              <a:rPr lang="ko-KR" altLang="en-US" dirty="0">
+                <a:solidFill>
+                  <a:schemeClr val="accent5">
+                    <a:lumMod val="50000"/>
+                  </a:schemeClr>
+                </a:solidFill>
+              </a:rPr>
+              <a:t>세부 내용 미정 </a:t>
+            </a:r>
+            <a:endParaRPr lang="en-US" altLang="ko-KR" dirty="0">
+              <a:solidFill>
+                <a:schemeClr val="accent5">
+                  <a:lumMod val="50000"/>
+                </a:schemeClr>
+              </a:solidFill>
+            </a:endParaRPr>
+          </a:p>
+        </p:txBody>
+      </p:sp>
+    </p:spTree>
+    <p:extLst>
+      <p:ext uri="{BB962C8B-B14F-4D97-AF65-F5344CB8AC3E}">
+        <p14:creationId xmlns:p14="http://schemas.microsoft.com/office/powerpoint/2010/main" val="3155627526"/>
+      </p:ext>
+    </p:extLst>
+  </p:cSld>
+  <p:clrMapOvr>
+    <a:masterClrMapping/>
+  </p:clrMapOvr>
+</p:sld>
+</file>
+
+<file path=ppt/slides/slide11.xml><?xml version="1.0" encoding="utf-8"?>
+<p:sld xmlns:a="http://schemas.openxmlformats.org/drawingml/2006/main" xmlns:r="http://schemas.openxmlformats.org/officeDocument/2006/relationships" xmlns:p="http://schemas.openxmlformats.org/presentationml/2006/main">
+  <p:cSld>
+    <p:spTree>
+      <p:nvGrpSpPr>
+        <p:cNvPr id="1" name=""/>
+        <p:cNvGrpSpPr/>
+        <p:nvPr/>
+      </p:nvGrpSpPr>
+      <p:grpSpPr>
+        <a:xfrm>
+          <a:off x="0" y="0"/>
+          <a:ext cx="0" cy="0"/>
+          <a:chOff x="0" y="0"/>
+          <a:chExt cx="0" cy="0"/>
+        </a:xfrm>
+      </p:grpSpPr>
+      <p:pic>
+        <p:nvPicPr>
+          <p:cNvPr id="4" name="그림 3" descr="페인팅, 스케치, 예술, 그림이(가) 표시된 사진&#10;&#10;자동 생성된 설명">
+            <a:extLst>
+              <a:ext uri="{FF2B5EF4-FFF2-40B4-BE49-F238E27FC236}">
+                <a16:creationId xmlns:a16="http://schemas.microsoft.com/office/drawing/2014/main" id="{3FDE6EF6-69ED-A301-CB11-029DA184FE51}"/>
+              </a:ext>
+            </a:extLst>
+          </p:cNvPr>
+          <p:cNvPicPr>
+            <a:picLocks noChangeAspect="1"/>
+          </p:cNvPicPr>
+          <p:nvPr/>
+        </p:nvPicPr>
+        <p:blipFill>
+          <a:blip r:embed="rId3">
+            <a:alphaModFix amt="50000"/>
+            <a:extLst>
+              <a:ext uri="{28A0092B-C50C-407E-A947-70E740481C1C}">
+                <a14:useLocalDpi xmlns:a14="http://schemas.microsoft.com/office/drawing/2010/main" val="0"/>
+              </a:ext>
+            </a:extLst>
+          </a:blip>
+          <a:srcRect t="50636" r="1" b="5619"/>
+          <a:stretch/>
+        </p:blipFill>
+        <p:spPr>
+          <a:xfrm>
+            <a:off x="20" y="10"/>
+            <a:ext cx="12188930" cy="6857990"/>
+          </a:xfrm>
+          <a:prstGeom prst="rect">
+            <a:avLst/>
+          </a:prstGeom>
+        </p:spPr>
+      </p:pic>
+      <p:sp>
+        <p:nvSpPr>
+          <p:cNvPr id="2" name="제목 1">
+            <a:extLst>
+              <a:ext uri="{FF2B5EF4-FFF2-40B4-BE49-F238E27FC236}">
+                <a16:creationId xmlns:a16="http://schemas.microsoft.com/office/drawing/2014/main" id="{D3B98F83-561D-B01E-30A5-76217AF13CC5}"/>
+              </a:ext>
+            </a:extLst>
+          </p:cNvPr>
+          <p:cNvSpPr>
+            <a:spLocks noGrp="1"/>
+          </p:cNvSpPr>
+          <p:nvPr>
+            <p:ph type="ctrTitle"/>
+          </p:nvPr>
+        </p:nvSpPr>
+        <p:spPr/>
+        <p:txBody>
+          <a:bodyPr/>
+          <a:lstStyle/>
+          <a:p>
+            <a:endParaRPr lang="ko-KR" altLang="en-US"/>
+          </a:p>
+        </p:txBody>
+      </p:sp>
+      <p:sp>
+        <p:nvSpPr>
+          <p:cNvPr id="3" name="부제목 2">
+            <a:extLst>
+              <a:ext uri="{FF2B5EF4-FFF2-40B4-BE49-F238E27FC236}">
+                <a16:creationId xmlns:a16="http://schemas.microsoft.com/office/drawing/2014/main" id="{A10381A4-C35E-D5E4-36A4-8408FD9E7192}"/>
+              </a:ext>
+            </a:extLst>
+          </p:cNvPr>
+          <p:cNvSpPr>
+            <a:spLocks noGrp="1"/>
+          </p:cNvSpPr>
+          <p:nvPr>
+            <p:ph type="subTitle" idx="1"/>
+          </p:nvPr>
+        </p:nvSpPr>
+        <p:spPr/>
+        <p:txBody>
+          <a:bodyPr/>
+          <a:lstStyle/>
+          <a:p>
+            <a:endParaRPr lang="ko-KR" altLang="en-US"/>
+          </a:p>
+        </p:txBody>
+      </p:sp>
+      <p:pic>
+        <p:nvPicPr>
+          <p:cNvPr id="5" name="그림 4" descr="텍스트, 스크린샷, 직사각형이(가) 표시된 사진&#10;&#10;자동 생성된 설명">
+            <a:extLst>
+              <a:ext uri="{FF2B5EF4-FFF2-40B4-BE49-F238E27FC236}">
+                <a16:creationId xmlns:a16="http://schemas.microsoft.com/office/drawing/2014/main" id="{52DA5F18-86A1-4C73-AA29-2107C6A4F412}"/>
+              </a:ext>
+            </a:extLst>
+          </p:cNvPr>
+          <p:cNvPicPr>
+            <a:picLocks noChangeAspect="1"/>
+          </p:cNvPicPr>
+          <p:nvPr/>
+        </p:nvPicPr>
+        <p:blipFill>
+          <a:blip r:embed="rId4">
+            <a:extLst>
+              <a:ext uri="{28A0092B-C50C-407E-A947-70E740481C1C}">
+                <a14:useLocalDpi xmlns:a14="http://schemas.microsoft.com/office/drawing/2010/main" val="0"/>
+              </a:ext>
+            </a:extLst>
+          </a:blip>
+          <a:stretch>
+            <a:fillRect/>
+          </a:stretch>
+        </p:blipFill>
+        <p:spPr>
+          <a:xfrm>
+            <a:off x="1524000" y="0"/>
+            <a:ext cx="9144000" cy="6858000"/>
+          </a:xfrm>
+          <a:prstGeom prst="rect">
+            <a:avLst/>
+          </a:prstGeom>
+        </p:spPr>
+      </p:pic>
+      <p:pic>
+        <p:nvPicPr>
+          <p:cNvPr id="7" name="그림 6" descr="스크린샷, 장난감이(가) 표시된 사진&#10;&#10;자동 생성된 설명">
+            <a:extLst>
+              <a:ext uri="{FF2B5EF4-FFF2-40B4-BE49-F238E27FC236}">
+                <a16:creationId xmlns:a16="http://schemas.microsoft.com/office/drawing/2014/main" id="{E67A05C5-9D2B-7E51-52DC-443B24888878}"/>
+              </a:ext>
+            </a:extLst>
+          </p:cNvPr>
+          <p:cNvPicPr>
+            <a:picLocks noChangeAspect="1"/>
+          </p:cNvPicPr>
+          <p:nvPr/>
+        </p:nvPicPr>
+        <p:blipFill>
+          <a:blip r:embed="rId5">
+            <a:extLst>
+              <a:ext uri="{28A0092B-C50C-407E-A947-70E740481C1C}">
+                <a14:useLocalDpi xmlns:a14="http://schemas.microsoft.com/office/drawing/2010/main" val="0"/>
+              </a:ext>
+            </a:extLst>
+          </a:blip>
+          <a:stretch>
+            <a:fillRect/>
+          </a:stretch>
+        </p:blipFill>
+        <p:spPr>
+          <a:xfrm>
+            <a:off x="2687783" y="2316163"/>
+            <a:ext cx="2040948" cy="2721264"/>
+          </a:xfrm>
+          <a:prstGeom prst="rect">
+            <a:avLst/>
+          </a:prstGeom>
+        </p:spPr>
+      </p:pic>
+      <p:sp>
+        <p:nvSpPr>
+          <p:cNvPr id="8" name="TextBox 7">
+            <a:extLst>
+              <a:ext uri="{FF2B5EF4-FFF2-40B4-BE49-F238E27FC236}">
+                <a16:creationId xmlns:a16="http://schemas.microsoft.com/office/drawing/2014/main" id="{A0167019-F5AC-A827-49A9-0129D33C898C}"/>
+              </a:ext>
+            </a:extLst>
+          </p:cNvPr>
+          <p:cNvSpPr txBox="1"/>
+          <p:nvPr/>
+        </p:nvSpPr>
+        <p:spPr>
+          <a:xfrm>
+            <a:off x="2623127" y="2095790"/>
+            <a:ext cx="2244437" cy="2919281"/>
+          </a:xfrm>
+          <a:prstGeom prst="rect">
+            <a:avLst/>
+          </a:prstGeom>
+          <a:noFill/>
+          <a:ln w="38100">
+            <a:solidFill>
+              <a:srgbClr val="FFFF00"/>
+            </a:solidFill>
+          </a:ln>
+        </p:spPr>
+        <p:txBody>
+          <a:bodyPr wrap="square" rtlCol="0">
+            <a:spAutoFit/>
+          </a:bodyPr>
+          <a:lstStyle/>
+          <a:p>
+            <a:r>
+              <a:rPr lang="ko-KR" altLang="en-US" dirty="0">
+                <a:solidFill>
+                  <a:srgbClr val="002060"/>
+                </a:solidFill>
+              </a:rPr>
+              <a:t>몬스터 예시</a:t>
+            </a:r>
+            <a:endParaRPr lang="en-US" altLang="ko-KR" dirty="0">
+              <a:solidFill>
+                <a:srgbClr val="002060"/>
+              </a:solidFill>
+            </a:endParaRPr>
+          </a:p>
+          <a:p>
+            <a:endParaRPr lang="en-US" altLang="ko-KR" dirty="0">
+              <a:solidFill>
+                <a:srgbClr val="002060"/>
+              </a:solidFill>
+            </a:endParaRPr>
+          </a:p>
+          <a:p>
+            <a:endParaRPr lang="en-US" altLang="ko-KR" dirty="0">
+              <a:solidFill>
+                <a:srgbClr val="002060"/>
+              </a:solidFill>
+            </a:endParaRPr>
+          </a:p>
+          <a:p>
+            <a:endParaRPr lang="en-US" altLang="ko-KR" dirty="0">
+              <a:solidFill>
+                <a:srgbClr val="002060"/>
+              </a:solidFill>
+            </a:endParaRPr>
+          </a:p>
+          <a:p>
+            <a:endParaRPr lang="en-US" altLang="ko-KR" dirty="0">
+              <a:solidFill>
+                <a:srgbClr val="002060"/>
+              </a:solidFill>
+            </a:endParaRPr>
+          </a:p>
+          <a:p>
+            <a:endParaRPr lang="en-US" altLang="ko-KR" dirty="0">
+              <a:solidFill>
+                <a:srgbClr val="002060"/>
+              </a:solidFill>
+            </a:endParaRPr>
+          </a:p>
+          <a:p>
+            <a:endParaRPr lang="en-US" altLang="ko-KR" dirty="0">
+              <a:solidFill>
+                <a:srgbClr val="002060"/>
+              </a:solidFill>
+            </a:endParaRPr>
+          </a:p>
+          <a:p>
+            <a:endParaRPr lang="en-US" altLang="ko-KR" dirty="0">
+              <a:solidFill>
+                <a:srgbClr val="002060"/>
+              </a:solidFill>
+            </a:endParaRPr>
+          </a:p>
+          <a:p>
+            <a:endParaRPr lang="en-US" altLang="ko-KR" dirty="0">
+              <a:solidFill>
+                <a:srgbClr val="002060"/>
+              </a:solidFill>
+            </a:endParaRPr>
+          </a:p>
+          <a:p>
+            <a:endParaRPr lang="ko-KR" altLang="en-US" dirty="0">
+              <a:solidFill>
+                <a:srgbClr val="002060"/>
+              </a:solidFill>
+            </a:endParaRPr>
+          </a:p>
+        </p:txBody>
+      </p:sp>
+      <p:sp>
+        <p:nvSpPr>
+          <p:cNvPr id="9" name="TextBox 8">
+            <a:extLst>
+              <a:ext uri="{FF2B5EF4-FFF2-40B4-BE49-F238E27FC236}">
+                <a16:creationId xmlns:a16="http://schemas.microsoft.com/office/drawing/2014/main" id="{68780DBB-99D3-0D43-455E-B732239E891A}"/>
+              </a:ext>
+            </a:extLst>
+          </p:cNvPr>
+          <p:cNvSpPr txBox="1"/>
+          <p:nvPr/>
+        </p:nvSpPr>
+        <p:spPr>
+          <a:xfrm>
+            <a:off x="6552904" y="3473162"/>
+            <a:ext cx="1145461" cy="1200329"/>
+          </a:xfrm>
+          <a:prstGeom prst="rect">
+            <a:avLst/>
+          </a:prstGeom>
+          <a:noFill/>
+          <a:ln w="38100">
+            <a:solidFill>
+              <a:srgbClr val="FFFF00"/>
+            </a:solidFill>
+          </a:ln>
+        </p:spPr>
+        <p:txBody>
+          <a:bodyPr wrap="square" rtlCol="0">
+            <a:spAutoFit/>
+          </a:bodyPr>
+          <a:lstStyle/>
+          <a:p>
+            <a:r>
+              <a:rPr lang="ko-KR" altLang="en-US" dirty="0">
+                <a:solidFill>
+                  <a:srgbClr val="002060"/>
+                </a:solidFill>
+              </a:rPr>
+              <a:t>플레이어</a:t>
+            </a:r>
+            <a:endParaRPr lang="en-US" altLang="ko-KR" dirty="0">
+              <a:solidFill>
+                <a:srgbClr val="002060"/>
+              </a:solidFill>
+            </a:endParaRPr>
+          </a:p>
+          <a:p>
+            <a:endParaRPr lang="en-US" altLang="ko-KR" dirty="0">
+              <a:solidFill>
+                <a:srgbClr val="002060"/>
+              </a:solidFill>
+            </a:endParaRPr>
+          </a:p>
+          <a:p>
+            <a:endParaRPr lang="en-US" altLang="ko-KR" dirty="0">
+              <a:solidFill>
+                <a:srgbClr val="002060"/>
+              </a:solidFill>
+            </a:endParaRPr>
+          </a:p>
+          <a:p>
+            <a:endParaRPr lang="ko-KR" altLang="en-US" dirty="0">
+              <a:solidFill>
+                <a:srgbClr val="002060"/>
+              </a:solidFill>
+            </a:endParaRPr>
+          </a:p>
+        </p:txBody>
+      </p:sp>
+      <p:sp>
+        <p:nvSpPr>
+          <p:cNvPr id="10" name="TextBox 9">
+            <a:extLst>
+              <a:ext uri="{FF2B5EF4-FFF2-40B4-BE49-F238E27FC236}">
+                <a16:creationId xmlns:a16="http://schemas.microsoft.com/office/drawing/2014/main" id="{A29747BE-680F-2FD7-E42D-4D6FB7E8393F}"/>
+              </a:ext>
+            </a:extLst>
+          </p:cNvPr>
+          <p:cNvSpPr txBox="1"/>
+          <p:nvPr/>
+        </p:nvSpPr>
+        <p:spPr>
+          <a:xfrm>
+            <a:off x="7844832" y="3429000"/>
+            <a:ext cx="4208624" cy="923330"/>
+          </a:xfrm>
+          <a:prstGeom prst="rect">
+            <a:avLst/>
+          </a:prstGeom>
+          <a:solidFill>
+            <a:schemeClr val="bg1">
+              <a:lumMod val="95000"/>
+            </a:schemeClr>
+          </a:solidFill>
+          <a:ln w="57150">
+            <a:solidFill>
+              <a:schemeClr val="accent6"/>
+            </a:solidFill>
+          </a:ln>
+        </p:spPr>
+        <p:txBody>
+          <a:bodyPr wrap="square" rtlCol="0">
+            <a:spAutoFit/>
+          </a:bodyPr>
+          <a:lstStyle/>
+          <a:p>
+            <a:r>
+              <a:rPr lang="ko-KR" altLang="en-US" dirty="0">
+                <a:latin typeface="HY헤드라인M" panose="02030600000101010101" pitchFamily="18" charset="-127"/>
+                <a:ea typeface="HY헤드라인M" panose="02030600000101010101" pitchFamily="18" charset="-127"/>
+              </a:rPr>
+              <a:t>플레이어 조작키</a:t>
+            </a:r>
+            <a:br>
+              <a:rPr lang="en-US" altLang="ko-KR" dirty="0">
+                <a:latin typeface="HY헤드라인M" panose="02030600000101010101" pitchFamily="18" charset="-127"/>
+                <a:ea typeface="HY헤드라인M" panose="02030600000101010101" pitchFamily="18" charset="-127"/>
+              </a:rPr>
+            </a:br>
+            <a:r>
+              <a:rPr lang="ko-KR" altLang="en-US" dirty="0">
+                <a:latin typeface="HY헤드라인M" panose="02030600000101010101" pitchFamily="18" charset="-127"/>
+                <a:ea typeface="HY헤드라인M" panose="02030600000101010101" pitchFamily="18" charset="-127"/>
+              </a:rPr>
+              <a:t>이동 </a:t>
+            </a:r>
+            <a:r>
+              <a:rPr lang="en-US" altLang="ko-KR" dirty="0">
+                <a:latin typeface="HY헤드라인M" panose="02030600000101010101" pitchFamily="18" charset="-127"/>
+                <a:ea typeface="HY헤드라인M" panose="02030600000101010101" pitchFamily="18" charset="-127"/>
+              </a:rPr>
+              <a:t>: WASD ( </a:t>
+            </a:r>
+            <a:r>
+              <a:rPr lang="ko-KR" altLang="en-US" dirty="0">
+                <a:latin typeface="HY헤드라인M" panose="02030600000101010101" pitchFamily="18" charset="-127"/>
+                <a:ea typeface="HY헤드라인M" panose="02030600000101010101" pitchFamily="18" charset="-127"/>
+              </a:rPr>
+              <a:t>개발 중 변경될 수 있음 </a:t>
+            </a:r>
+            <a:r>
+              <a:rPr lang="en-US" altLang="ko-KR" dirty="0">
+                <a:latin typeface="HY헤드라인M" panose="02030600000101010101" pitchFamily="18" charset="-127"/>
+                <a:ea typeface="HY헤드라인M" panose="02030600000101010101" pitchFamily="18" charset="-127"/>
+              </a:rPr>
+              <a:t>)</a:t>
+            </a:r>
+          </a:p>
+          <a:p>
+            <a:r>
+              <a:rPr lang="ko-KR" altLang="en-US" dirty="0">
+                <a:latin typeface="HY헤드라인M" panose="02030600000101010101" pitchFamily="18" charset="-127"/>
+                <a:ea typeface="HY헤드라인M" panose="02030600000101010101" pitchFamily="18" charset="-127"/>
+              </a:rPr>
+              <a:t>타격 </a:t>
+            </a:r>
+            <a:r>
+              <a:rPr lang="en-US" altLang="ko-KR" dirty="0">
+                <a:latin typeface="HY헤드라인M" panose="02030600000101010101" pitchFamily="18" charset="-127"/>
+                <a:ea typeface="HY헤드라인M" panose="02030600000101010101" pitchFamily="18" charset="-127"/>
+              </a:rPr>
+              <a:t>: (</a:t>
+            </a:r>
+            <a:r>
+              <a:rPr lang="ko-KR" altLang="en-US" dirty="0">
+                <a:latin typeface="HY헤드라인M" panose="02030600000101010101" pitchFamily="18" charset="-127"/>
+                <a:ea typeface="HY헤드라인M" panose="02030600000101010101" pitchFamily="18" charset="-127"/>
+              </a:rPr>
+              <a:t>미정</a:t>
+            </a:r>
+            <a:r>
+              <a:rPr lang="en-US" altLang="ko-KR" dirty="0">
+                <a:latin typeface="HY헤드라인M" panose="02030600000101010101" pitchFamily="18" charset="-127"/>
+                <a:ea typeface="HY헤드라인M" panose="02030600000101010101" pitchFamily="18" charset="-127"/>
+              </a:rPr>
+              <a:t>)</a:t>
+            </a:r>
+          </a:p>
+        </p:txBody>
+      </p:sp>
+      <p:sp>
+        <p:nvSpPr>
+          <p:cNvPr id="11" name="TextBox 10">
+            <a:extLst>
+              <a:ext uri="{FF2B5EF4-FFF2-40B4-BE49-F238E27FC236}">
+                <a16:creationId xmlns:a16="http://schemas.microsoft.com/office/drawing/2014/main" id="{867378E5-F27A-247B-B857-6505B524F8A2}"/>
+              </a:ext>
+            </a:extLst>
+          </p:cNvPr>
+          <p:cNvSpPr txBox="1"/>
+          <p:nvPr/>
+        </p:nvSpPr>
+        <p:spPr>
+          <a:xfrm>
+            <a:off x="1921164" y="5073134"/>
+            <a:ext cx="3929777" cy="646331"/>
+          </a:xfrm>
+          <a:prstGeom prst="rect">
+            <a:avLst/>
+          </a:prstGeom>
+          <a:solidFill>
+            <a:schemeClr val="bg1">
+              <a:lumMod val="95000"/>
+            </a:schemeClr>
+          </a:solidFill>
+          <a:ln w="57150">
+            <a:solidFill>
+              <a:schemeClr val="accent6"/>
+            </a:solidFill>
+          </a:ln>
+        </p:spPr>
+        <p:txBody>
+          <a:bodyPr wrap="square" rtlCol="0">
+            <a:spAutoFit/>
+          </a:bodyPr>
+          <a:lstStyle/>
+          <a:p>
+            <a:r>
+              <a:rPr lang="ko-KR" altLang="en-US" dirty="0">
+                <a:latin typeface="HY헤드라인M" panose="02030600000101010101" pitchFamily="18" charset="-127"/>
+                <a:ea typeface="HY헤드라인M" panose="02030600000101010101" pitchFamily="18" charset="-127"/>
+              </a:rPr>
+              <a:t>몬스터는 세대가 지나며 더 </a:t>
+            </a:r>
+            <a:r>
+              <a:rPr lang="ko-KR" altLang="en-US" dirty="0" err="1">
+                <a:latin typeface="HY헤드라인M" panose="02030600000101010101" pitchFamily="18" charset="-127"/>
+                <a:ea typeface="HY헤드라인M" panose="02030600000101010101" pitchFamily="18" charset="-127"/>
+              </a:rPr>
+              <a:t>강해짐</a:t>
+            </a:r>
+            <a:endParaRPr lang="en-US" altLang="ko-KR" dirty="0">
+              <a:latin typeface="HY헤드라인M" panose="02030600000101010101" pitchFamily="18" charset="-127"/>
+              <a:ea typeface="HY헤드라인M" panose="02030600000101010101" pitchFamily="18" charset="-127"/>
+            </a:endParaRPr>
+          </a:p>
+          <a:p>
+            <a:r>
+              <a:rPr lang="ko-KR" altLang="en-US" dirty="0">
+                <a:latin typeface="HY헤드라인M" panose="02030600000101010101" pitchFamily="18" charset="-127"/>
+                <a:ea typeface="HY헤드라인M" panose="02030600000101010101" pitchFamily="18" charset="-127"/>
+              </a:rPr>
+              <a:t>공격방식</a:t>
+            </a:r>
+            <a:r>
+              <a:rPr lang="en-US" altLang="ko-KR" dirty="0">
+                <a:latin typeface="HY헤드라인M" panose="02030600000101010101" pitchFamily="18" charset="-127"/>
+                <a:ea typeface="HY헤드라인M" panose="02030600000101010101" pitchFamily="18" charset="-127"/>
+              </a:rPr>
+              <a:t>(</a:t>
+            </a:r>
+            <a:r>
+              <a:rPr lang="ko-KR" altLang="en-US" dirty="0">
+                <a:latin typeface="HY헤드라인M" panose="02030600000101010101" pitchFamily="18" charset="-127"/>
+                <a:ea typeface="HY헤드라인M" panose="02030600000101010101" pitchFamily="18" charset="-127"/>
+              </a:rPr>
+              <a:t>미정</a:t>
+            </a:r>
+            <a:r>
+              <a:rPr lang="en-US" altLang="ko-KR" dirty="0">
+                <a:latin typeface="HY헤드라인M" panose="02030600000101010101" pitchFamily="18" charset="-127"/>
+                <a:ea typeface="HY헤드라인M" panose="02030600000101010101" pitchFamily="18" charset="-127"/>
+              </a:rPr>
+              <a:t>)</a:t>
+            </a:r>
+          </a:p>
+        </p:txBody>
+      </p:sp>
+      <p:sp>
+        <p:nvSpPr>
+          <p:cNvPr id="12" name="TextBox 11">
+            <a:extLst>
+              <a:ext uri="{FF2B5EF4-FFF2-40B4-BE49-F238E27FC236}">
+                <a16:creationId xmlns:a16="http://schemas.microsoft.com/office/drawing/2014/main" id="{6ED0E915-B0D1-27CB-AD0B-B4FD911E7870}"/>
+              </a:ext>
+            </a:extLst>
+          </p:cNvPr>
+          <p:cNvSpPr txBox="1"/>
+          <p:nvPr/>
+        </p:nvSpPr>
+        <p:spPr>
+          <a:xfrm>
+            <a:off x="4932220" y="2183616"/>
+            <a:ext cx="2371309" cy="369332"/>
+          </a:xfrm>
+          <a:prstGeom prst="rect">
+            <a:avLst/>
+          </a:prstGeom>
+          <a:solidFill>
+            <a:schemeClr val="bg1">
+              <a:lumMod val="95000"/>
+            </a:schemeClr>
+          </a:solidFill>
+          <a:ln w="57150">
+            <a:solidFill>
+              <a:schemeClr val="accent6"/>
+            </a:solidFill>
+          </a:ln>
+        </p:spPr>
+        <p:txBody>
+          <a:bodyPr wrap="square" rtlCol="0">
+            <a:spAutoFit/>
+          </a:bodyPr>
+          <a:lstStyle/>
+          <a:p>
+            <a:r>
+              <a:rPr lang="ko-KR" altLang="en-US" dirty="0">
+                <a:latin typeface="HY헤드라인M" panose="02030600000101010101" pitchFamily="18" charset="-127"/>
+                <a:ea typeface="HY헤드라인M" panose="02030600000101010101" pitchFamily="18" charset="-127"/>
+              </a:rPr>
+              <a:t>스폰지역 </a:t>
+            </a:r>
+            <a:r>
+              <a:rPr lang="en-US" altLang="ko-KR" dirty="0">
+                <a:latin typeface="HY헤드라인M" panose="02030600000101010101" pitchFamily="18" charset="-127"/>
+                <a:ea typeface="HY헤드라인M" panose="02030600000101010101" pitchFamily="18" charset="-127"/>
+              </a:rPr>
+              <a:t>|| </a:t>
+            </a:r>
+            <a:r>
+              <a:rPr lang="ko-KR" altLang="en-US" dirty="0" err="1">
+                <a:latin typeface="HY헤드라인M" panose="02030600000101010101" pitchFamily="18" charset="-127"/>
+                <a:ea typeface="HY헤드라인M" panose="02030600000101010101" pitchFamily="18" charset="-127"/>
+              </a:rPr>
+              <a:t>힐링지역</a:t>
+            </a:r>
+            <a:endParaRPr lang="en-US" altLang="ko-KR" dirty="0">
+              <a:latin typeface="HY헤드라인M" panose="02030600000101010101" pitchFamily="18" charset="-127"/>
+              <a:ea typeface="HY헤드라인M" panose="02030600000101010101" pitchFamily="18" charset="-127"/>
+            </a:endParaRPr>
+          </a:p>
+        </p:txBody>
+      </p:sp>
+    </p:spTree>
+    <p:extLst>
+      <p:ext uri="{BB962C8B-B14F-4D97-AF65-F5344CB8AC3E}">
+        <p14:creationId xmlns:p14="http://schemas.microsoft.com/office/powerpoint/2010/main" val="3559440055"/>
+      </p:ext>
+    </p:extLst>
+  </p:cSld>
+  <p:clrMapOvr>
+    <a:masterClrMapping/>
+  </p:clrMapOvr>
+</p:sld>
+</file>
+
+<file path=ppt/slides/slide12.xml><?xml version="1.0" encoding="utf-8"?>
+<p:sld xmlns:a="http://schemas.openxmlformats.org/drawingml/2006/main" xmlns:r="http://schemas.openxmlformats.org/officeDocument/2006/relationships" xmlns:p="http://schemas.openxmlformats.org/presentationml/2006/main">
+  <p:cSld>
+    <p:spTree>
+      <p:nvGrpSpPr>
+        <p:cNvPr id="1" name="">
+          <a:extLst>
+            <a:ext uri="{FF2B5EF4-FFF2-40B4-BE49-F238E27FC236}">
+              <a16:creationId xmlns:a16="http://schemas.microsoft.com/office/drawing/2014/main" id="{8AEDEA84-632F-1EDF-03CC-5234EF4A96AC}"/>
+            </a:ext>
+          </a:extLst>
+        </p:cNvPr>
+        <p:cNvGrpSpPr/>
+        <p:nvPr/>
+      </p:nvGrpSpPr>
+      <p:grpSpPr>
+        <a:xfrm>
+          <a:off x="0" y="0"/>
+          <a:ext cx="0" cy="0"/>
+          <a:chOff x="0" y="0"/>
+          <a:chExt cx="0" cy="0"/>
+        </a:xfrm>
+      </p:grpSpPr>
+      <p:pic>
+        <p:nvPicPr>
+          <p:cNvPr id="4" name="그림 3" descr="페인팅, 스케치, 예술, 그림이(가) 표시된 사진&#10;&#10;자동 생성된 설명">
+            <a:extLst>
+              <a:ext uri="{FF2B5EF4-FFF2-40B4-BE49-F238E27FC236}">
+                <a16:creationId xmlns:a16="http://schemas.microsoft.com/office/drawing/2014/main" id="{94A7D922-411E-6123-8F34-C3DFB68B2F30}"/>
+              </a:ext>
+            </a:extLst>
+          </p:cNvPr>
+          <p:cNvPicPr>
+            <a:picLocks noChangeAspect="1"/>
+          </p:cNvPicPr>
+          <p:nvPr/>
+        </p:nvPicPr>
+        <p:blipFill>
+          <a:blip r:embed="rId3">
+            <a:alphaModFix amt="50000"/>
+            <a:extLst>
+              <a:ext uri="{28A0092B-C50C-407E-A947-70E740481C1C}">
+                <a14:useLocalDpi xmlns:a14="http://schemas.microsoft.com/office/drawing/2010/main" val="0"/>
+              </a:ext>
+            </a:extLst>
+          </a:blip>
+          <a:srcRect t="50636" r="1" b="5619"/>
+          <a:stretch/>
+        </p:blipFill>
+        <p:spPr>
+          <a:xfrm>
+            <a:off x="20" y="10"/>
+            <a:ext cx="12188930" cy="6857990"/>
+          </a:xfrm>
+          <a:prstGeom prst="rect">
+            <a:avLst/>
+          </a:prstGeom>
+        </p:spPr>
+      </p:pic>
+      <p:sp>
+        <p:nvSpPr>
+          <p:cNvPr id="2" name="제목 1">
+            <a:extLst>
+              <a:ext uri="{FF2B5EF4-FFF2-40B4-BE49-F238E27FC236}">
+                <a16:creationId xmlns:a16="http://schemas.microsoft.com/office/drawing/2014/main" id="{80D54F60-6348-2568-2D71-6CB489AC7B03}"/>
+              </a:ext>
+            </a:extLst>
+          </p:cNvPr>
+          <p:cNvSpPr>
+            <a:spLocks noGrp="1"/>
+          </p:cNvSpPr>
+          <p:nvPr>
+            <p:ph type="ctrTitle"/>
+          </p:nvPr>
+        </p:nvSpPr>
+        <p:spPr/>
+        <p:txBody>
+          <a:bodyPr/>
+          <a:lstStyle/>
+          <a:p>
+            <a:endParaRPr lang="ko-KR" altLang="en-US"/>
+          </a:p>
+        </p:txBody>
+      </p:sp>
+      <p:sp>
+        <p:nvSpPr>
+          <p:cNvPr id="3" name="부제목 2">
+            <a:extLst>
+              <a:ext uri="{FF2B5EF4-FFF2-40B4-BE49-F238E27FC236}">
+                <a16:creationId xmlns:a16="http://schemas.microsoft.com/office/drawing/2014/main" id="{B7925BAD-CA10-3A7E-62FA-F0D51144452D}"/>
+              </a:ext>
+            </a:extLst>
+          </p:cNvPr>
+          <p:cNvSpPr>
+            <a:spLocks noGrp="1"/>
+          </p:cNvSpPr>
+          <p:nvPr>
+            <p:ph type="subTitle" idx="1"/>
+          </p:nvPr>
+        </p:nvSpPr>
+        <p:spPr/>
+        <p:txBody>
+          <a:bodyPr/>
+          <a:lstStyle/>
+          <a:p>
+            <a:endParaRPr lang="ko-KR" altLang="en-US"/>
+          </a:p>
+        </p:txBody>
+      </p:sp>
+      <p:pic>
+        <p:nvPicPr>
+          <p:cNvPr id="5" name="그림 4" descr="텍스트, 스크린샷, 직사각형이(가) 표시된 사진&#10;&#10;자동 생성된 설명">
+            <a:extLst>
+              <a:ext uri="{FF2B5EF4-FFF2-40B4-BE49-F238E27FC236}">
+                <a16:creationId xmlns:a16="http://schemas.microsoft.com/office/drawing/2014/main" id="{35BACBEF-972A-7F8E-E120-7830B37D7A4A}"/>
+              </a:ext>
+            </a:extLst>
+          </p:cNvPr>
+          <p:cNvPicPr>
+            <a:picLocks noChangeAspect="1"/>
+          </p:cNvPicPr>
+          <p:nvPr/>
+        </p:nvPicPr>
+        <p:blipFill>
+          <a:blip r:embed="rId4">
+            <a:extLst>
+              <a:ext uri="{28A0092B-C50C-407E-A947-70E740481C1C}">
+                <a14:useLocalDpi xmlns:a14="http://schemas.microsoft.com/office/drawing/2010/main" val="0"/>
+              </a:ext>
+            </a:extLst>
+          </a:blip>
+          <a:stretch>
+            <a:fillRect/>
+          </a:stretch>
+        </p:blipFill>
+        <p:spPr>
+          <a:xfrm>
+            <a:off x="1524000" y="0"/>
+            <a:ext cx="9144000" cy="6858000"/>
+          </a:xfrm>
+          <a:prstGeom prst="rect">
+            <a:avLst/>
+          </a:prstGeom>
+        </p:spPr>
+      </p:pic>
+      <p:sp>
+        <p:nvSpPr>
+          <p:cNvPr id="9" name="TextBox 8">
+            <a:extLst>
+              <a:ext uri="{FF2B5EF4-FFF2-40B4-BE49-F238E27FC236}">
+                <a16:creationId xmlns:a16="http://schemas.microsoft.com/office/drawing/2014/main" id="{44E6A5B5-747B-B4BF-DD88-8B6FD0D8D82F}"/>
+              </a:ext>
+            </a:extLst>
+          </p:cNvPr>
+          <p:cNvSpPr txBox="1"/>
+          <p:nvPr/>
+        </p:nvSpPr>
+        <p:spPr>
+          <a:xfrm>
+            <a:off x="6552904" y="3473162"/>
+            <a:ext cx="1145461" cy="1200329"/>
+          </a:xfrm>
+          <a:prstGeom prst="rect">
+            <a:avLst/>
+          </a:prstGeom>
+          <a:noFill/>
+          <a:ln w="38100">
+            <a:solidFill>
+              <a:srgbClr val="FFFF00"/>
+            </a:solidFill>
+          </a:ln>
+        </p:spPr>
+        <p:txBody>
+          <a:bodyPr wrap="square" rtlCol="0">
+            <a:spAutoFit/>
+          </a:bodyPr>
+          <a:lstStyle/>
+          <a:p>
+            <a:r>
+              <a:rPr lang="ko-KR" altLang="en-US" dirty="0">
+                <a:solidFill>
+                  <a:srgbClr val="002060"/>
+                </a:solidFill>
+              </a:rPr>
+              <a:t>플레이어</a:t>
+            </a:r>
+            <a:endParaRPr lang="en-US" altLang="ko-KR" dirty="0">
+              <a:solidFill>
+                <a:srgbClr val="002060"/>
+              </a:solidFill>
+            </a:endParaRPr>
+          </a:p>
+          <a:p>
+            <a:endParaRPr lang="en-US" altLang="ko-KR" dirty="0">
+              <a:solidFill>
+                <a:srgbClr val="002060"/>
+              </a:solidFill>
+            </a:endParaRPr>
+          </a:p>
+          <a:p>
+            <a:endParaRPr lang="en-US" altLang="ko-KR" dirty="0">
+              <a:solidFill>
+                <a:srgbClr val="002060"/>
+              </a:solidFill>
+            </a:endParaRPr>
+          </a:p>
+          <a:p>
+            <a:endParaRPr lang="ko-KR" altLang="en-US" dirty="0">
+              <a:solidFill>
+                <a:srgbClr val="002060"/>
+              </a:solidFill>
+            </a:endParaRPr>
+          </a:p>
+        </p:txBody>
+      </p:sp>
+      <p:sp>
+        <p:nvSpPr>
+          <p:cNvPr id="6" name="TextBox 5">
+            <a:extLst>
+              <a:ext uri="{FF2B5EF4-FFF2-40B4-BE49-F238E27FC236}">
+                <a16:creationId xmlns:a16="http://schemas.microsoft.com/office/drawing/2014/main" id="{5096756A-5257-CF95-15C5-3403305D917B}"/>
+              </a:ext>
+            </a:extLst>
+          </p:cNvPr>
+          <p:cNvSpPr txBox="1"/>
+          <p:nvPr/>
+        </p:nvSpPr>
+        <p:spPr>
+          <a:xfrm>
+            <a:off x="7807886" y="1600200"/>
+            <a:ext cx="3894587" cy="2862322"/>
+          </a:xfrm>
+          <a:prstGeom prst="rect">
+            <a:avLst/>
+          </a:prstGeom>
+          <a:solidFill>
+            <a:schemeClr val="bg1">
+              <a:lumMod val="95000"/>
+            </a:schemeClr>
+          </a:solidFill>
+          <a:ln w="57150">
+            <a:solidFill>
+              <a:schemeClr val="accent6"/>
+            </a:solidFill>
+          </a:ln>
+        </p:spPr>
+        <p:txBody>
+          <a:bodyPr wrap="square" rtlCol="0">
+            <a:spAutoFit/>
+          </a:bodyPr>
+          <a:lstStyle/>
+          <a:p>
+            <a:r>
+              <a:rPr lang="ko-KR" altLang="en-US" dirty="0">
+                <a:latin typeface="HY헤드라인M" panose="02030600000101010101" pitchFamily="18" charset="-127"/>
+                <a:ea typeface="HY헤드라인M" panose="02030600000101010101" pitchFamily="18" charset="-127"/>
+              </a:rPr>
+              <a:t>캐릭터의 색상</a:t>
+            </a:r>
+            <a:endParaRPr lang="en-US" altLang="ko-KR" dirty="0">
+              <a:latin typeface="HY헤드라인M" panose="02030600000101010101" pitchFamily="18" charset="-127"/>
+              <a:ea typeface="HY헤드라인M" panose="02030600000101010101" pitchFamily="18" charset="-127"/>
+            </a:endParaRPr>
+          </a:p>
+          <a:p>
+            <a:r>
+              <a:rPr lang="ko-KR" altLang="en-US" dirty="0">
+                <a:latin typeface="HY헤드라인M" panose="02030600000101010101" pitchFamily="18" charset="-127"/>
+                <a:ea typeface="HY헤드라인M" panose="02030600000101010101" pitchFamily="18" charset="-127"/>
+              </a:rPr>
+              <a:t>사용자의 특성이 무기와 맞으면</a:t>
+            </a:r>
+            <a:endParaRPr lang="en-US" altLang="ko-KR" dirty="0">
+              <a:latin typeface="HY헤드라인M" panose="02030600000101010101" pitchFamily="18" charset="-127"/>
+              <a:ea typeface="HY헤드라인M" panose="02030600000101010101" pitchFamily="18" charset="-127"/>
+            </a:endParaRPr>
+          </a:p>
+          <a:p>
+            <a:r>
+              <a:rPr lang="ko-KR" altLang="en-US" dirty="0">
+                <a:latin typeface="HY헤드라인M" panose="02030600000101010101" pitchFamily="18" charset="-127"/>
+                <a:ea typeface="HY헤드라인M" panose="02030600000101010101" pitchFamily="18" charset="-127"/>
+              </a:rPr>
+              <a:t>캐릭터 색상이 바뀜</a:t>
+            </a:r>
+            <a:br>
+              <a:rPr lang="en-US" altLang="ko-KR" dirty="0">
+                <a:latin typeface="HY헤드라인M" panose="02030600000101010101" pitchFamily="18" charset="-127"/>
+                <a:ea typeface="HY헤드라인M" panose="02030600000101010101" pitchFamily="18" charset="-127"/>
+              </a:rPr>
+            </a:br>
+            <a:br>
+              <a:rPr lang="en-US" altLang="ko-KR" dirty="0">
+                <a:latin typeface="HY헤드라인M" panose="02030600000101010101" pitchFamily="18" charset="-127"/>
+                <a:ea typeface="HY헤드라인M" panose="02030600000101010101" pitchFamily="18" charset="-127"/>
+              </a:rPr>
+            </a:br>
+            <a:r>
+              <a:rPr lang="ko-KR" altLang="en-US" dirty="0">
+                <a:latin typeface="HY헤드라인M" panose="02030600000101010101" pitchFamily="18" charset="-127"/>
+                <a:ea typeface="HY헤드라인M" panose="02030600000101010101" pitchFamily="18" charset="-127"/>
+              </a:rPr>
+              <a:t>플레이어의 무기는</a:t>
+            </a:r>
+            <a:endParaRPr lang="en-US" altLang="ko-KR" dirty="0">
+              <a:latin typeface="HY헤드라인M" panose="02030600000101010101" pitchFamily="18" charset="-127"/>
+              <a:ea typeface="HY헤드라인M" panose="02030600000101010101" pitchFamily="18" charset="-127"/>
+            </a:endParaRPr>
+          </a:p>
+          <a:p>
+            <a:r>
+              <a:rPr lang="ko-KR" altLang="en-US" dirty="0">
+                <a:latin typeface="HY헤드라인M" panose="02030600000101010101" pitchFamily="18" charset="-127"/>
+                <a:ea typeface="HY헤드라인M" panose="02030600000101010101" pitchFamily="18" charset="-127"/>
+              </a:rPr>
+              <a:t>어떤 것을 들지는</a:t>
+            </a:r>
+            <a:endParaRPr lang="en-US" altLang="ko-KR" dirty="0">
+              <a:latin typeface="HY헤드라인M" panose="02030600000101010101" pitchFamily="18" charset="-127"/>
+              <a:ea typeface="HY헤드라인M" panose="02030600000101010101" pitchFamily="18" charset="-127"/>
+            </a:endParaRPr>
+          </a:p>
+          <a:p>
+            <a:r>
+              <a:rPr lang="ko-KR" altLang="en-US" dirty="0">
+                <a:latin typeface="HY헤드라인M" panose="02030600000101010101" pitchFamily="18" charset="-127"/>
+                <a:ea typeface="HY헤드라인M" panose="02030600000101010101" pitchFamily="18" charset="-127"/>
+              </a:rPr>
+              <a:t>선택사항</a:t>
+            </a:r>
+            <a:endParaRPr lang="en-US" altLang="ko-KR" dirty="0">
+              <a:latin typeface="HY헤드라인M" panose="02030600000101010101" pitchFamily="18" charset="-127"/>
+              <a:ea typeface="HY헤드라인M" panose="02030600000101010101" pitchFamily="18" charset="-127"/>
+            </a:endParaRPr>
+          </a:p>
+          <a:p>
+            <a:endParaRPr lang="en-US" altLang="ko-KR" dirty="0">
+              <a:latin typeface="HY헤드라인M" panose="02030600000101010101" pitchFamily="18" charset="-127"/>
+              <a:ea typeface="HY헤드라인M" panose="02030600000101010101" pitchFamily="18" charset="-127"/>
+            </a:endParaRPr>
+          </a:p>
+          <a:p>
+            <a:r>
+              <a:rPr lang="ko-KR" altLang="en-US" dirty="0">
+                <a:latin typeface="HY헤드라인M" panose="02030600000101010101" pitchFamily="18" charset="-127"/>
+                <a:ea typeface="HY헤드라인M" panose="02030600000101010101" pitchFamily="18" charset="-127"/>
+              </a:rPr>
+              <a:t>무기에 따라 스킨도 같이 바뀌게 됨</a:t>
+            </a:r>
+            <a:endParaRPr lang="en-US" altLang="ko-KR" dirty="0">
+              <a:latin typeface="HY헤드라인M" panose="02030600000101010101" pitchFamily="18" charset="-127"/>
+              <a:ea typeface="HY헤드라인M" panose="02030600000101010101" pitchFamily="18" charset="-127"/>
+            </a:endParaRPr>
+          </a:p>
+          <a:p>
+            <a:endParaRPr lang="en-US" altLang="ko-KR" dirty="0">
+              <a:latin typeface="HY헤드라인M" panose="02030600000101010101" pitchFamily="18" charset="-127"/>
+              <a:ea typeface="HY헤드라인M" panose="02030600000101010101" pitchFamily="18" charset="-127"/>
+            </a:endParaRPr>
+          </a:p>
+        </p:txBody>
+      </p:sp>
+      <p:pic>
+        <p:nvPicPr>
+          <p:cNvPr id="13" name="그림 12" descr="텍스트, 스크린샷, 직사각형이(가) 표시된 사진&#10;&#10;자동 생성된 설명">
+            <a:extLst>
+              <a:ext uri="{FF2B5EF4-FFF2-40B4-BE49-F238E27FC236}">
+                <a16:creationId xmlns:a16="http://schemas.microsoft.com/office/drawing/2014/main" id="{7CBDE89F-2623-EBD9-AA65-19C0A3A1301F}"/>
+              </a:ext>
+            </a:extLst>
+          </p:cNvPr>
+          <p:cNvPicPr>
+            <a:picLocks noChangeAspect="1"/>
+          </p:cNvPicPr>
+          <p:nvPr/>
+        </p:nvPicPr>
+        <p:blipFill>
+          <a:blip r:embed="rId4">
+            <a:extLst>
+              <a:ext uri="{28A0092B-C50C-407E-A947-70E740481C1C}">
+                <a14:useLocalDpi xmlns:a14="http://schemas.microsoft.com/office/drawing/2010/main" val="0"/>
+              </a:ext>
+            </a:extLst>
+          </a:blip>
+          <a:srcRect l="56444" t="55972" r="36056" b="34861"/>
+          <a:stretch/>
+        </p:blipFill>
+        <p:spPr>
+          <a:xfrm>
+            <a:off x="1866489" y="1600200"/>
+            <a:ext cx="4229093" cy="3876675"/>
+          </a:xfrm>
+          <a:prstGeom prst="rect">
+            <a:avLst/>
+          </a:prstGeom>
+          <a:ln w="28575">
+            <a:solidFill>
+              <a:srgbClr val="C00000"/>
+            </a:solidFill>
+          </a:ln>
+        </p:spPr>
+      </p:pic>
+      <p:cxnSp>
+        <p:nvCxnSpPr>
+          <p:cNvPr id="15" name="직선 연결선 14">
+            <a:extLst>
+              <a:ext uri="{FF2B5EF4-FFF2-40B4-BE49-F238E27FC236}">
+                <a16:creationId xmlns:a16="http://schemas.microsoft.com/office/drawing/2014/main" id="{E50C8838-2E99-1A41-9F3D-55F8016DF1D9}"/>
+              </a:ext>
+            </a:extLst>
+          </p:cNvPr>
+          <p:cNvCxnSpPr>
+            <a:cxnSpLocks/>
+          </p:cNvCxnSpPr>
+          <p:nvPr/>
+        </p:nvCxnSpPr>
+        <p:spPr>
+          <a:xfrm>
+            <a:off x="6132850" y="1600200"/>
+            <a:ext cx="420054" cy="1909763"/>
+          </a:xfrm>
+          <a:prstGeom prst="line">
+            <a:avLst/>
+          </a:prstGeom>
+        </p:spPr>
+        <p:style>
+          <a:lnRef idx="3">
+            <a:schemeClr val="accent3"/>
+          </a:lnRef>
+          <a:fillRef idx="0">
+            <a:schemeClr val="accent3"/>
+          </a:fillRef>
+          <a:effectRef idx="2">
+            <a:schemeClr val="accent3"/>
+          </a:effectRef>
+          <a:fontRef idx="minor">
+            <a:schemeClr val="tx1"/>
+          </a:fontRef>
+        </p:style>
+      </p:cxnSp>
+      <p:cxnSp>
+        <p:nvCxnSpPr>
+          <p:cNvPr id="16" name="직선 연결선 15">
+            <a:extLst>
+              <a:ext uri="{FF2B5EF4-FFF2-40B4-BE49-F238E27FC236}">
+                <a16:creationId xmlns:a16="http://schemas.microsoft.com/office/drawing/2014/main" id="{0E9056D5-F35A-E5E4-94CB-4C1462158D1A}"/>
+              </a:ext>
+            </a:extLst>
+          </p:cNvPr>
+          <p:cNvCxnSpPr>
+            <a:cxnSpLocks/>
+          </p:cNvCxnSpPr>
+          <p:nvPr/>
+        </p:nvCxnSpPr>
+        <p:spPr>
+          <a:xfrm flipH="1">
+            <a:off x="6132850" y="4594225"/>
+            <a:ext cx="421865" cy="882650"/>
+          </a:xfrm>
+          <a:prstGeom prst="line">
+            <a:avLst/>
+          </a:prstGeom>
+        </p:spPr>
+        <p:style>
+          <a:lnRef idx="3">
+            <a:schemeClr val="accent3"/>
+          </a:lnRef>
+          <a:fillRef idx="0">
+            <a:schemeClr val="accent3"/>
+          </a:fillRef>
+          <a:effectRef idx="2">
+            <a:schemeClr val="accent3"/>
+          </a:effectRef>
+          <a:fontRef idx="minor">
+            <a:schemeClr val="tx1"/>
+          </a:fontRef>
+        </p:style>
+      </p:cxnSp>
+      <p:pic>
+        <p:nvPicPr>
+          <p:cNvPr id="22" name="그림 21" descr="텍스트, 스크린샷, 직사각형이(가) 표시된 사진&#10;&#10;자동 생성된 설명">
+            <a:extLst>
+              <a:ext uri="{FF2B5EF4-FFF2-40B4-BE49-F238E27FC236}">
+                <a16:creationId xmlns:a16="http://schemas.microsoft.com/office/drawing/2014/main" id="{120046A6-046D-D534-C55C-5DE73AD0B20D}"/>
+              </a:ext>
+            </a:extLst>
+          </p:cNvPr>
+          <p:cNvPicPr>
+            <a:picLocks noChangeAspect="1"/>
+          </p:cNvPicPr>
+          <p:nvPr/>
+        </p:nvPicPr>
+        <p:blipFill>
+          <a:blip r:embed="rId5">
+            <a:duotone>
+              <a:prstClr val="black"/>
+              <a:srgbClr val="FFFF00">
+                <a:tint val="45000"/>
+                <a:satMod val="400000"/>
+              </a:srgbClr>
+            </a:duotone>
+            <a:extLst>
+              <a:ext uri="{BEBA8EAE-BF5A-486C-A8C5-ECC9F3942E4B}">
+                <a14:imgProps xmlns:a14="http://schemas.microsoft.com/office/drawing/2010/main">
+                  <a14:imgLayer r:embed="rId6">
+                    <a14:imgEffect>
+                      <a14:backgroundRemoval t="56889" b="64222" l="57194" r="63194"/>
+                    </a14:imgEffect>
+                  </a14:imgLayer>
+                </a14:imgProps>
+              </a:ext>
+              <a:ext uri="{28A0092B-C50C-407E-A947-70E740481C1C}">
+                <a14:useLocalDpi xmlns:a14="http://schemas.microsoft.com/office/drawing/2010/main" val="0"/>
+              </a:ext>
+            </a:extLst>
+          </a:blip>
+          <a:srcRect l="56444" t="55972" r="36056" b="34861"/>
+          <a:stretch/>
+        </p:blipFill>
+        <p:spPr>
+          <a:xfrm>
+            <a:off x="10139184" y="2316163"/>
+            <a:ext cx="1057632" cy="969497"/>
+          </a:xfrm>
+          <a:prstGeom prst="rect">
+            <a:avLst/>
+          </a:prstGeom>
+          <a:ln w="28575">
+            <a:solidFill>
+              <a:srgbClr val="C00000"/>
+            </a:solidFill>
+          </a:ln>
+        </p:spPr>
+      </p:pic>
+    </p:spTree>
+    <p:extLst>
+      <p:ext uri="{BB962C8B-B14F-4D97-AF65-F5344CB8AC3E}">
+        <p14:creationId xmlns:p14="http://schemas.microsoft.com/office/powerpoint/2010/main" val="2930316473"/>
+      </p:ext>
+    </p:extLst>
+  </p:cSld>
+  <p:clrMapOvr>
+    <a:masterClrMapping/>
+  </p:clrMapOvr>
+</p:sld>
+</file>
+
+<file path=ppt/slides/slide13.xml><?xml version="1.0" encoding="utf-8"?>
+<p:sld xmlns:a="http://schemas.openxmlformats.org/drawingml/2006/main" xmlns:r="http://schemas.openxmlformats.org/officeDocument/2006/relationships" xmlns:p="http://schemas.openxmlformats.org/presentationml/2006/main">
+  <p:cSld>
+    <p:spTree>
+      <p:nvGrpSpPr>
+        <p:cNvPr id="1" name="">
+          <a:extLst>
+            <a:ext uri="{FF2B5EF4-FFF2-40B4-BE49-F238E27FC236}">
+              <a16:creationId xmlns:a16="http://schemas.microsoft.com/office/drawing/2014/main" id="{CD861E36-9AB4-02EC-5C34-DCF92B501554}"/>
+            </a:ext>
+          </a:extLst>
+        </p:cNvPr>
+        <p:cNvGrpSpPr/>
+        <p:nvPr/>
+      </p:nvGrpSpPr>
+      <p:grpSpPr>
+        <a:xfrm>
+          <a:off x="0" y="0"/>
+          <a:ext cx="0" cy="0"/>
+          <a:chOff x="0" y="0"/>
+          <a:chExt cx="0" cy="0"/>
+        </a:xfrm>
+      </p:grpSpPr>
+      <p:pic>
+        <p:nvPicPr>
+          <p:cNvPr id="4" name="그림 3" descr="페인팅, 스케치, 예술, 그림이(가) 표시된 사진&#10;&#10;자동 생성된 설명">
+            <a:extLst>
+              <a:ext uri="{FF2B5EF4-FFF2-40B4-BE49-F238E27FC236}">
+                <a16:creationId xmlns:a16="http://schemas.microsoft.com/office/drawing/2014/main" id="{1ED44F3B-77C1-8DA1-16F3-9F0FA2B01FCB}"/>
+              </a:ext>
+            </a:extLst>
+          </p:cNvPr>
+          <p:cNvPicPr>
+            <a:picLocks noChangeAspect="1"/>
+          </p:cNvPicPr>
+          <p:nvPr/>
+        </p:nvPicPr>
+        <p:blipFill>
+          <a:blip r:embed="rId3">
+            <a:alphaModFix amt="50000"/>
+            <a:extLst>
+              <a:ext uri="{28A0092B-C50C-407E-A947-70E740481C1C}">
+                <a14:useLocalDpi xmlns:a14="http://schemas.microsoft.com/office/drawing/2010/main" val="0"/>
+              </a:ext>
+            </a:extLst>
+          </a:blip>
+          <a:srcRect t="50636" r="1" b="5619"/>
+          <a:stretch/>
+        </p:blipFill>
+        <p:spPr>
+          <a:xfrm>
+            <a:off x="20" y="10"/>
+            <a:ext cx="12188930" cy="6857990"/>
+          </a:xfrm>
+          <a:prstGeom prst="rect">
+            <a:avLst/>
+          </a:prstGeom>
+        </p:spPr>
+      </p:pic>
+      <p:sp>
+        <p:nvSpPr>
+          <p:cNvPr id="2" name="제목 1">
+            <a:extLst>
+              <a:ext uri="{FF2B5EF4-FFF2-40B4-BE49-F238E27FC236}">
+                <a16:creationId xmlns:a16="http://schemas.microsoft.com/office/drawing/2014/main" id="{87B94D86-77BA-7B94-799B-2098D4D83018}"/>
+              </a:ext>
+            </a:extLst>
+          </p:cNvPr>
+          <p:cNvSpPr>
+            <a:spLocks noGrp="1"/>
+          </p:cNvSpPr>
+          <p:nvPr>
+            <p:ph type="ctrTitle"/>
+          </p:nvPr>
+        </p:nvSpPr>
+        <p:spPr/>
+        <p:txBody>
+          <a:bodyPr/>
+          <a:lstStyle/>
+          <a:p>
+            <a:endParaRPr lang="ko-KR" altLang="en-US"/>
+          </a:p>
+        </p:txBody>
+      </p:sp>
+      <p:sp>
+        <p:nvSpPr>
+          <p:cNvPr id="3" name="부제목 2">
+            <a:extLst>
+              <a:ext uri="{FF2B5EF4-FFF2-40B4-BE49-F238E27FC236}">
+                <a16:creationId xmlns:a16="http://schemas.microsoft.com/office/drawing/2014/main" id="{1FC2A8DB-354B-5A8C-E821-6C6A55F960EB}"/>
+              </a:ext>
+            </a:extLst>
+          </p:cNvPr>
+          <p:cNvSpPr>
+            <a:spLocks noGrp="1"/>
+          </p:cNvSpPr>
+          <p:nvPr>
+            <p:ph type="subTitle" idx="1"/>
+          </p:nvPr>
+        </p:nvSpPr>
+        <p:spPr/>
+        <p:txBody>
+          <a:bodyPr/>
+          <a:lstStyle/>
+          <a:p>
+            <a:endParaRPr lang="ko-KR" altLang="en-US"/>
+          </a:p>
+        </p:txBody>
+      </p:sp>
+      <p:pic>
+        <p:nvPicPr>
+          <p:cNvPr id="5" name="그림 4" descr="텍스트, 스크린샷, 직사각형이(가) 표시된 사진&#10;&#10;자동 생성된 설명">
+            <a:extLst>
+              <a:ext uri="{FF2B5EF4-FFF2-40B4-BE49-F238E27FC236}">
+                <a16:creationId xmlns:a16="http://schemas.microsoft.com/office/drawing/2014/main" id="{2FAB3440-AC7F-B74F-914C-81E532132C85}"/>
+              </a:ext>
+            </a:extLst>
+          </p:cNvPr>
+          <p:cNvPicPr>
+            <a:picLocks noChangeAspect="1"/>
+          </p:cNvPicPr>
+          <p:nvPr/>
+        </p:nvPicPr>
+        <p:blipFill>
+          <a:blip r:embed="rId4">
+            <a:extLst>
+              <a:ext uri="{28A0092B-C50C-407E-A947-70E740481C1C}">
+                <a14:useLocalDpi xmlns:a14="http://schemas.microsoft.com/office/drawing/2010/main" val="0"/>
+              </a:ext>
+            </a:extLst>
+          </a:blip>
+          <a:stretch>
+            <a:fillRect/>
+          </a:stretch>
+        </p:blipFill>
+        <p:spPr>
+          <a:xfrm>
+            <a:off x="1524000" y="0"/>
+            <a:ext cx="9144000" cy="6858000"/>
+          </a:xfrm>
+          <a:prstGeom prst="rect">
+            <a:avLst/>
+          </a:prstGeom>
+        </p:spPr>
+      </p:pic>
+      <p:sp>
+        <p:nvSpPr>
+          <p:cNvPr id="6" name="TextBox 5">
+            <a:extLst>
+              <a:ext uri="{FF2B5EF4-FFF2-40B4-BE49-F238E27FC236}">
+                <a16:creationId xmlns:a16="http://schemas.microsoft.com/office/drawing/2014/main" id="{401C88C6-C948-E348-9862-8472E5A174D1}"/>
+              </a:ext>
+            </a:extLst>
+          </p:cNvPr>
+          <p:cNvSpPr txBox="1"/>
+          <p:nvPr/>
+        </p:nvSpPr>
+        <p:spPr>
+          <a:xfrm>
+            <a:off x="501922" y="3043525"/>
+            <a:ext cx="3894587" cy="3416320"/>
+          </a:xfrm>
+          <a:prstGeom prst="rect">
+            <a:avLst/>
+          </a:prstGeom>
+          <a:solidFill>
+            <a:schemeClr val="bg1">
+              <a:lumMod val="95000"/>
+            </a:schemeClr>
+          </a:solidFill>
+          <a:ln w="57150">
+            <a:solidFill>
+              <a:schemeClr val="accent6"/>
+            </a:solidFill>
+          </a:ln>
+        </p:spPr>
+        <p:txBody>
+          <a:bodyPr wrap="square" rtlCol="0">
+            <a:spAutoFit/>
+          </a:bodyPr>
+          <a:lstStyle/>
+          <a:p>
+            <a:r>
+              <a:rPr lang="en-US" altLang="ko-KR" dirty="0">
+                <a:latin typeface="HY헤드라인M" panose="02030600000101010101" pitchFamily="18" charset="-127"/>
+                <a:ea typeface="HY헤드라인M" panose="02030600000101010101" pitchFamily="18" charset="-127"/>
+              </a:rPr>
+              <a:t>+</a:t>
+            </a:r>
+            <a:r>
+              <a:rPr lang="ko-KR" altLang="en-US" dirty="0">
+                <a:latin typeface="HY헤드라인M" panose="02030600000101010101" pitchFamily="18" charset="-127"/>
+                <a:ea typeface="HY헤드라인M" panose="02030600000101010101" pitchFamily="18" charset="-127"/>
+              </a:rPr>
+              <a:t>자잘한 내용</a:t>
+            </a:r>
+            <a:endParaRPr lang="en-US" altLang="ko-KR" dirty="0">
+              <a:latin typeface="HY헤드라인M" panose="02030600000101010101" pitchFamily="18" charset="-127"/>
+              <a:ea typeface="HY헤드라인M" panose="02030600000101010101" pitchFamily="18" charset="-127"/>
+            </a:endParaRPr>
+          </a:p>
+          <a:p>
+            <a:endParaRPr lang="en-US" altLang="ko-KR" dirty="0">
+              <a:latin typeface="HY헤드라인M" panose="02030600000101010101" pitchFamily="18" charset="-127"/>
+              <a:ea typeface="HY헤드라인M" panose="02030600000101010101" pitchFamily="18" charset="-127"/>
+            </a:endParaRPr>
+          </a:p>
+          <a:p>
+            <a:r>
+              <a:rPr lang="ko-KR" altLang="en-US" dirty="0">
+                <a:latin typeface="HY헤드라인M" panose="02030600000101010101" pitchFamily="18" charset="-127"/>
+                <a:ea typeface="HY헤드라인M" panose="02030600000101010101" pitchFamily="18" charset="-127"/>
+              </a:rPr>
+              <a:t>시간이 짧은 만큼 플레이어나 </a:t>
+            </a:r>
+            <a:endParaRPr lang="en-US" altLang="ko-KR" dirty="0">
+              <a:latin typeface="HY헤드라인M" panose="02030600000101010101" pitchFamily="18" charset="-127"/>
+              <a:ea typeface="HY헤드라인M" panose="02030600000101010101" pitchFamily="18" charset="-127"/>
+            </a:endParaRPr>
+          </a:p>
+          <a:p>
+            <a:r>
+              <a:rPr lang="ko-KR" altLang="en-US" dirty="0">
+                <a:latin typeface="HY헤드라인M" panose="02030600000101010101" pitchFamily="18" charset="-127"/>
+                <a:ea typeface="HY헤드라인M" panose="02030600000101010101" pitchFamily="18" charset="-127"/>
+              </a:rPr>
+              <a:t>몬스터의 속도도 빠르게 할 예정</a:t>
+            </a:r>
+            <a:endParaRPr lang="en-US" altLang="ko-KR" dirty="0">
+              <a:latin typeface="HY헤드라인M" panose="02030600000101010101" pitchFamily="18" charset="-127"/>
+              <a:ea typeface="HY헤드라인M" panose="02030600000101010101" pitchFamily="18" charset="-127"/>
+            </a:endParaRPr>
+          </a:p>
+          <a:p>
+            <a:endParaRPr lang="en-US" altLang="ko-KR" dirty="0">
+              <a:latin typeface="HY헤드라인M" panose="02030600000101010101" pitchFamily="18" charset="-127"/>
+              <a:ea typeface="HY헤드라인M" panose="02030600000101010101" pitchFamily="18" charset="-127"/>
+            </a:endParaRPr>
+          </a:p>
+          <a:p>
+            <a:r>
+              <a:rPr lang="ko-KR" altLang="en-US" dirty="0">
+                <a:latin typeface="HY헤드라인M" panose="02030600000101010101" pitchFamily="18" charset="-127"/>
+                <a:ea typeface="HY헤드라인M" panose="02030600000101010101" pitchFamily="18" charset="-127"/>
+              </a:rPr>
+              <a:t>마지막 생명이 끝나고 </a:t>
+            </a:r>
+            <a:endParaRPr lang="en-US" altLang="ko-KR" dirty="0">
+              <a:latin typeface="HY헤드라인M" panose="02030600000101010101" pitchFamily="18" charset="-127"/>
+              <a:ea typeface="HY헤드라인M" panose="02030600000101010101" pitchFamily="18" charset="-127"/>
+            </a:endParaRPr>
+          </a:p>
+          <a:p>
+            <a:r>
+              <a:rPr lang="ko-KR" altLang="en-US" dirty="0">
+                <a:latin typeface="HY헤드라인M" panose="02030600000101010101" pitchFamily="18" charset="-127"/>
+                <a:ea typeface="HY헤드라인M" panose="02030600000101010101" pitchFamily="18" charset="-127"/>
+              </a:rPr>
+              <a:t>나타나는 보스는 중앙 지역에</a:t>
+            </a:r>
+            <a:endParaRPr lang="en-US" altLang="ko-KR" dirty="0">
+              <a:latin typeface="HY헤드라인M" panose="02030600000101010101" pitchFamily="18" charset="-127"/>
+              <a:ea typeface="HY헤드라인M" panose="02030600000101010101" pitchFamily="18" charset="-127"/>
+            </a:endParaRPr>
+          </a:p>
+          <a:p>
+            <a:r>
+              <a:rPr lang="ko-KR" altLang="en-US" dirty="0">
+                <a:latin typeface="HY헤드라인M" panose="02030600000101010101" pitchFamily="18" charset="-127"/>
+                <a:ea typeface="HY헤드라인M" panose="02030600000101010101" pitchFamily="18" charset="-127"/>
+              </a:rPr>
+              <a:t>출현</a:t>
+            </a:r>
+            <a:endParaRPr lang="en-US" altLang="ko-KR" dirty="0">
+              <a:latin typeface="HY헤드라인M" panose="02030600000101010101" pitchFamily="18" charset="-127"/>
+              <a:ea typeface="HY헤드라인M" panose="02030600000101010101" pitchFamily="18" charset="-127"/>
+            </a:endParaRPr>
+          </a:p>
+          <a:p>
+            <a:endParaRPr lang="en-US" altLang="ko-KR" dirty="0">
+              <a:latin typeface="HY헤드라인M" panose="02030600000101010101" pitchFamily="18" charset="-127"/>
+              <a:ea typeface="HY헤드라인M" panose="02030600000101010101" pitchFamily="18" charset="-127"/>
+            </a:endParaRPr>
+          </a:p>
+          <a:p>
+            <a:r>
+              <a:rPr lang="ko-KR" altLang="en-US" dirty="0">
+                <a:latin typeface="HY헤드라인M" panose="02030600000101010101" pitchFamily="18" charset="-127"/>
+                <a:ea typeface="HY헤드라인M" panose="02030600000101010101" pitchFamily="18" charset="-127"/>
+              </a:rPr>
+              <a:t>빠르고 </a:t>
+            </a:r>
+            <a:r>
+              <a:rPr lang="ko-KR" altLang="en-US" dirty="0" err="1">
+                <a:latin typeface="HY헤드라인M" panose="02030600000101010101" pitchFamily="18" charset="-127"/>
+                <a:ea typeface="HY헤드라인M" panose="02030600000101010101" pitchFamily="18" charset="-127"/>
+              </a:rPr>
+              <a:t>캐쥬얼한</a:t>
+            </a:r>
+            <a:r>
+              <a:rPr lang="ko-KR" altLang="en-US" dirty="0">
+                <a:latin typeface="HY헤드라인M" panose="02030600000101010101" pitchFamily="18" charset="-127"/>
+                <a:ea typeface="HY헤드라인M" panose="02030600000101010101" pitchFamily="18" charset="-127"/>
+              </a:rPr>
+              <a:t> 게임이므로</a:t>
+            </a:r>
+            <a:endParaRPr lang="en-US" altLang="ko-KR" dirty="0">
+              <a:latin typeface="HY헤드라인M" panose="02030600000101010101" pitchFamily="18" charset="-127"/>
+              <a:ea typeface="HY헤드라인M" panose="02030600000101010101" pitchFamily="18" charset="-127"/>
+            </a:endParaRPr>
+          </a:p>
+          <a:p>
+            <a:r>
+              <a:rPr lang="ko-KR" altLang="en-US" dirty="0">
+                <a:latin typeface="HY헤드라인M" panose="02030600000101010101" pitchFamily="18" charset="-127"/>
+                <a:ea typeface="HY헤드라인M" panose="02030600000101010101" pitchFamily="18" charset="-127"/>
+              </a:rPr>
+              <a:t>자잘하거나 쓸모없는 </a:t>
+            </a:r>
+            <a:r>
+              <a:rPr lang="ko-KR" altLang="en-US" dirty="0" err="1">
+                <a:latin typeface="HY헤드라인M" panose="02030600000101010101" pitchFamily="18" charset="-127"/>
+                <a:ea typeface="HY헤드라인M" panose="02030600000101010101" pitchFamily="18" charset="-127"/>
+              </a:rPr>
+              <a:t>이팩트</a:t>
+            </a:r>
+            <a:r>
+              <a:rPr lang="ko-KR" altLang="en-US" dirty="0">
+                <a:latin typeface="HY헤드라인M" panose="02030600000101010101" pitchFamily="18" charset="-127"/>
+                <a:ea typeface="HY헤드라인M" panose="02030600000101010101" pitchFamily="18" charset="-127"/>
+              </a:rPr>
+              <a:t> </a:t>
+            </a:r>
+            <a:br>
+              <a:rPr lang="en-US" altLang="ko-KR" dirty="0">
+                <a:latin typeface="HY헤드라인M" panose="02030600000101010101" pitchFamily="18" charset="-127"/>
+                <a:ea typeface="HY헤드라인M" panose="02030600000101010101" pitchFamily="18" charset="-127"/>
+              </a:rPr>
+            </a:br>
+            <a:r>
+              <a:rPr lang="ko-KR" altLang="en-US" dirty="0">
+                <a:latin typeface="HY헤드라인M" panose="02030600000101010101" pitchFamily="18" charset="-127"/>
+                <a:ea typeface="HY헤드라인M" panose="02030600000101010101" pitchFamily="18" charset="-127"/>
+              </a:rPr>
+              <a:t>내용 제거 </a:t>
+            </a:r>
+            <a:endParaRPr lang="en-US" altLang="ko-KR" dirty="0">
+              <a:latin typeface="HY헤드라인M" panose="02030600000101010101" pitchFamily="18" charset="-127"/>
+              <a:ea typeface="HY헤드라인M" panose="02030600000101010101" pitchFamily="18" charset="-127"/>
+            </a:endParaRPr>
+          </a:p>
+        </p:txBody>
+      </p:sp>
+      <p:sp>
+        <p:nvSpPr>
+          <p:cNvPr id="7" name="TextBox 6">
+            <a:extLst>
+              <a:ext uri="{FF2B5EF4-FFF2-40B4-BE49-F238E27FC236}">
+                <a16:creationId xmlns:a16="http://schemas.microsoft.com/office/drawing/2014/main" id="{ACA0DADA-E5F5-C016-FBC8-10E7B13452FF}"/>
+              </a:ext>
+            </a:extLst>
+          </p:cNvPr>
+          <p:cNvSpPr txBox="1"/>
+          <p:nvPr/>
+        </p:nvSpPr>
+        <p:spPr>
+          <a:xfrm>
+            <a:off x="7663131" y="1600200"/>
+            <a:ext cx="4525819" cy="3693319"/>
+          </a:xfrm>
+          <a:prstGeom prst="rect">
+            <a:avLst/>
+          </a:prstGeom>
+          <a:solidFill>
+            <a:schemeClr val="bg1">
+              <a:lumMod val="95000"/>
+            </a:schemeClr>
+          </a:solidFill>
+          <a:ln w="57150">
+            <a:solidFill>
+              <a:schemeClr val="accent6"/>
+            </a:solidFill>
+          </a:ln>
+        </p:spPr>
+        <p:txBody>
+          <a:bodyPr wrap="square" rtlCol="0">
+            <a:spAutoFit/>
+          </a:bodyPr>
+          <a:lstStyle/>
+          <a:p>
+            <a:r>
+              <a:rPr lang="ko-KR" altLang="en-US" dirty="0">
+                <a:latin typeface="HY헤드라인M" panose="02030600000101010101" pitchFamily="18" charset="-127"/>
+                <a:ea typeface="HY헤드라인M" panose="02030600000101010101" pitchFamily="18" charset="-127"/>
+              </a:rPr>
+              <a:t>충돌판정</a:t>
+            </a:r>
+            <a:br>
+              <a:rPr lang="en-US" altLang="ko-KR" dirty="0">
+                <a:latin typeface="HY헤드라인M" panose="02030600000101010101" pitchFamily="18" charset="-127"/>
+                <a:ea typeface="HY헤드라인M" panose="02030600000101010101" pitchFamily="18" charset="-127"/>
+              </a:rPr>
+            </a:br>
+            <a:r>
+              <a:rPr lang="en-US" altLang="ko-KR" dirty="0">
+                <a:latin typeface="HY헤드라인M" panose="02030600000101010101" pitchFamily="18" charset="-127"/>
+                <a:ea typeface="HY헤드라인M" panose="02030600000101010101" pitchFamily="18" charset="-127"/>
+              </a:rPr>
+              <a:t>AABB </a:t>
+            </a:r>
+            <a:r>
+              <a:rPr lang="ko-KR" altLang="en-US" dirty="0">
+                <a:latin typeface="HY헤드라인M" panose="02030600000101010101" pitchFamily="18" charset="-127"/>
+                <a:ea typeface="HY헤드라인M" panose="02030600000101010101" pitchFamily="18" charset="-127"/>
+              </a:rPr>
+              <a:t>사용</a:t>
+            </a:r>
+            <a:br>
+              <a:rPr lang="en-US" altLang="ko-KR" dirty="0">
+                <a:latin typeface="HY헤드라인M" panose="02030600000101010101" pitchFamily="18" charset="-127"/>
+                <a:ea typeface="HY헤드라인M" panose="02030600000101010101" pitchFamily="18" charset="-127"/>
+              </a:rPr>
+            </a:br>
+            <a:endParaRPr lang="en-US" altLang="ko-KR" dirty="0">
+              <a:latin typeface="HY헤드라인M" panose="02030600000101010101" pitchFamily="18" charset="-127"/>
+              <a:ea typeface="HY헤드라인M" panose="02030600000101010101" pitchFamily="18" charset="-127"/>
+            </a:endParaRPr>
+          </a:p>
+          <a:p>
+            <a:r>
+              <a:rPr lang="ko-KR" altLang="en-US" dirty="0">
+                <a:latin typeface="HY헤드라인M" panose="02030600000101010101" pitchFamily="18" charset="-127"/>
+                <a:ea typeface="HY헤드라인M" panose="02030600000101010101" pitchFamily="18" charset="-127"/>
+              </a:rPr>
+              <a:t>빨간색 </a:t>
+            </a:r>
+            <a:r>
+              <a:rPr lang="en-US" altLang="ko-KR" dirty="0">
+                <a:latin typeface="HY헤드라인M" panose="02030600000101010101" pitchFamily="18" charset="-127"/>
+                <a:ea typeface="HY헤드라인M" panose="02030600000101010101" pitchFamily="18" charset="-127"/>
+              </a:rPr>
+              <a:t>: </a:t>
+            </a:r>
+            <a:r>
+              <a:rPr lang="ko-KR" altLang="en-US" dirty="0">
+                <a:latin typeface="HY헤드라인M" panose="02030600000101010101" pitchFamily="18" charset="-127"/>
+                <a:ea typeface="HY헤드라인M" panose="02030600000101010101" pitchFamily="18" charset="-127"/>
+              </a:rPr>
+              <a:t>몸체 충돌판정</a:t>
+            </a:r>
+            <a:endParaRPr lang="en-US" altLang="ko-KR" dirty="0">
+              <a:latin typeface="HY헤드라인M" panose="02030600000101010101" pitchFamily="18" charset="-127"/>
+              <a:ea typeface="HY헤드라인M" panose="02030600000101010101" pitchFamily="18" charset="-127"/>
+            </a:endParaRPr>
+          </a:p>
+          <a:p>
+            <a:r>
+              <a:rPr lang="ko-KR" altLang="en-US" dirty="0">
+                <a:latin typeface="HY헤드라인M" panose="02030600000101010101" pitchFamily="18" charset="-127"/>
+                <a:ea typeface="HY헤드라인M" panose="02030600000101010101" pitchFamily="18" charset="-127"/>
+              </a:rPr>
+              <a:t>노란색 </a:t>
+            </a:r>
+            <a:r>
+              <a:rPr lang="en-US" altLang="ko-KR" dirty="0">
+                <a:latin typeface="HY헤드라인M" panose="02030600000101010101" pitchFamily="18" charset="-127"/>
+                <a:ea typeface="HY헤드라인M" panose="02030600000101010101" pitchFamily="18" charset="-127"/>
+              </a:rPr>
+              <a:t>: </a:t>
+            </a:r>
+            <a:r>
+              <a:rPr lang="ko-KR" altLang="en-US" dirty="0">
+                <a:latin typeface="HY헤드라인M" panose="02030600000101010101" pitchFamily="18" charset="-127"/>
+                <a:ea typeface="HY헤드라인M" panose="02030600000101010101" pitchFamily="18" charset="-127"/>
+              </a:rPr>
+              <a:t>공격 범위 </a:t>
+            </a:r>
+            <a:r>
+              <a:rPr lang="en-US" altLang="ko-KR" dirty="0">
+                <a:latin typeface="HY헤드라인M" panose="02030600000101010101" pitchFamily="18" charset="-127"/>
+                <a:ea typeface="HY헤드라인M" panose="02030600000101010101" pitchFamily="18" charset="-127"/>
+              </a:rPr>
+              <a:t>(</a:t>
+            </a:r>
+            <a:r>
+              <a:rPr lang="ko-KR" altLang="en-US" dirty="0">
+                <a:latin typeface="HY헤드라인M" panose="02030600000101010101" pitchFamily="18" charset="-127"/>
+                <a:ea typeface="HY헤드라인M" panose="02030600000101010101" pitchFamily="18" charset="-127"/>
+              </a:rPr>
+              <a:t>크기는 달라질 수 있음</a:t>
+            </a:r>
+            <a:r>
+              <a:rPr lang="en-US" altLang="ko-KR" dirty="0">
+                <a:latin typeface="HY헤드라인M" panose="02030600000101010101" pitchFamily="18" charset="-127"/>
+                <a:ea typeface="HY헤드라인M" panose="02030600000101010101" pitchFamily="18" charset="-127"/>
+              </a:rPr>
+              <a:t>)</a:t>
+            </a:r>
+          </a:p>
+          <a:p>
+            <a:endParaRPr lang="en-US" altLang="ko-KR" dirty="0">
+              <a:latin typeface="HY헤드라인M" panose="02030600000101010101" pitchFamily="18" charset="-127"/>
+              <a:ea typeface="HY헤드라인M" panose="02030600000101010101" pitchFamily="18" charset="-127"/>
+            </a:endParaRPr>
+          </a:p>
+          <a:p>
+            <a:r>
+              <a:rPr lang="ko-KR" altLang="en-US" dirty="0">
+                <a:latin typeface="HY헤드라인M" panose="02030600000101010101" pitchFamily="18" charset="-127"/>
+                <a:ea typeface="HY헤드라인M" panose="02030600000101010101" pitchFamily="18" charset="-127"/>
+              </a:rPr>
+              <a:t>몬스터는 플레이어와 </a:t>
+            </a:r>
+            <a:r>
+              <a:rPr lang="en-US" altLang="ko-KR" dirty="0">
+                <a:latin typeface="HY헤드라인M" panose="02030600000101010101" pitchFamily="18" charset="-127"/>
+                <a:ea typeface="HY헤드라인M" panose="02030600000101010101" pitchFamily="18" charset="-127"/>
+              </a:rPr>
+              <a:t>y</a:t>
+            </a:r>
+            <a:r>
+              <a:rPr lang="ko-KR" altLang="en-US" dirty="0">
+                <a:latin typeface="HY헤드라인M" panose="02030600000101010101" pitchFamily="18" charset="-127"/>
+                <a:ea typeface="HY헤드라인M" panose="02030600000101010101" pitchFamily="18" charset="-127"/>
+              </a:rPr>
+              <a:t>축을 비교해서</a:t>
+            </a:r>
+            <a:br>
+              <a:rPr lang="en-US" altLang="ko-KR" dirty="0">
+                <a:latin typeface="HY헤드라인M" panose="02030600000101010101" pitchFamily="18" charset="-127"/>
+                <a:ea typeface="HY헤드라인M" panose="02030600000101010101" pitchFamily="18" charset="-127"/>
+              </a:rPr>
+            </a:br>
+            <a:r>
+              <a:rPr lang="ko-KR" altLang="en-US" dirty="0">
+                <a:latin typeface="HY헤드라인M" panose="02030600000101010101" pitchFamily="18" charset="-127"/>
+                <a:ea typeface="HY헤드라인M" panose="02030600000101010101" pitchFamily="18" charset="-127"/>
+              </a:rPr>
+              <a:t>보이는 순서를 정함</a:t>
+            </a:r>
+            <a:endParaRPr lang="en-US" altLang="ko-KR" dirty="0">
+              <a:latin typeface="HY헤드라인M" panose="02030600000101010101" pitchFamily="18" charset="-127"/>
+              <a:ea typeface="HY헤드라인M" panose="02030600000101010101" pitchFamily="18" charset="-127"/>
+            </a:endParaRPr>
+          </a:p>
+          <a:p>
+            <a:endParaRPr lang="en-US" altLang="ko-KR" dirty="0">
+              <a:latin typeface="HY헤드라인M" panose="02030600000101010101" pitchFamily="18" charset="-127"/>
+              <a:ea typeface="HY헤드라인M" panose="02030600000101010101" pitchFamily="18" charset="-127"/>
+            </a:endParaRPr>
+          </a:p>
+          <a:p>
+            <a:r>
+              <a:rPr lang="ko-KR" altLang="en-US" dirty="0">
+                <a:latin typeface="HY헤드라인M" panose="02030600000101010101" pitchFamily="18" charset="-127"/>
+                <a:ea typeface="HY헤드라인M" panose="02030600000101010101" pitchFamily="18" charset="-127"/>
+              </a:rPr>
+              <a:t>피격 </a:t>
+            </a:r>
+            <a:r>
+              <a:rPr lang="ko-KR" altLang="en-US" dirty="0" err="1">
+                <a:latin typeface="HY헤드라인M" panose="02030600000101010101" pitchFamily="18" charset="-127"/>
+                <a:ea typeface="HY헤드라인M" panose="02030600000101010101" pitchFamily="18" charset="-127"/>
+              </a:rPr>
+              <a:t>판정시</a:t>
+            </a:r>
+            <a:r>
+              <a:rPr lang="ko-KR" altLang="en-US" dirty="0">
+                <a:latin typeface="HY헤드라인M" panose="02030600000101010101" pitchFamily="18" charset="-127"/>
+                <a:ea typeface="HY헤드라인M" panose="02030600000101010101" pitchFamily="18" charset="-127"/>
+              </a:rPr>
+              <a:t> 화면이 떨림</a:t>
+            </a:r>
+            <a:endParaRPr lang="en-US" altLang="ko-KR" dirty="0">
+              <a:latin typeface="HY헤드라인M" panose="02030600000101010101" pitchFamily="18" charset="-127"/>
+              <a:ea typeface="HY헤드라인M" panose="02030600000101010101" pitchFamily="18" charset="-127"/>
+            </a:endParaRPr>
+          </a:p>
+          <a:p>
+            <a:endParaRPr lang="en-US" altLang="ko-KR" dirty="0">
+              <a:latin typeface="HY헤드라인M" panose="02030600000101010101" pitchFamily="18" charset="-127"/>
+              <a:ea typeface="HY헤드라인M" panose="02030600000101010101" pitchFamily="18" charset="-127"/>
+            </a:endParaRPr>
+          </a:p>
+          <a:p>
+            <a:r>
+              <a:rPr lang="ko-KR" altLang="en-US" dirty="0">
+                <a:latin typeface="HY헤드라인M" panose="02030600000101010101" pitchFamily="18" charset="-127"/>
+                <a:ea typeface="HY헤드라인M" panose="02030600000101010101" pitchFamily="18" charset="-127"/>
+              </a:rPr>
+              <a:t>사망 직전 </a:t>
+            </a:r>
+            <a:r>
+              <a:rPr lang="en-US" altLang="ko-KR" dirty="0">
+                <a:latin typeface="HY헤드라인M" panose="02030600000101010101" pitchFamily="18" charset="-127"/>
+                <a:ea typeface="HY헤드라인M" panose="02030600000101010101" pitchFamily="18" charset="-127"/>
+              </a:rPr>
+              <a:t>( </a:t>
+            </a:r>
+            <a:r>
+              <a:rPr lang="ko-KR" altLang="en-US" dirty="0">
+                <a:latin typeface="HY헤드라인M" panose="02030600000101010101" pitchFamily="18" charset="-127"/>
+                <a:ea typeface="HY헤드라인M" panose="02030600000101010101" pitchFamily="18" charset="-127"/>
+              </a:rPr>
+              <a:t>시간이 없거나 피가 없음</a:t>
+            </a:r>
+            <a:r>
+              <a:rPr lang="en-US" altLang="ko-KR" dirty="0">
+                <a:latin typeface="HY헤드라인M" panose="02030600000101010101" pitchFamily="18" charset="-127"/>
+                <a:ea typeface="HY헤드라인M" panose="02030600000101010101" pitchFamily="18" charset="-127"/>
+              </a:rPr>
+              <a:t>)</a:t>
+            </a:r>
+          </a:p>
+          <a:p>
+            <a:r>
+              <a:rPr lang="ko-KR" altLang="en-US" dirty="0">
+                <a:latin typeface="HY헤드라인M" panose="02030600000101010101" pitchFamily="18" charset="-127"/>
+                <a:ea typeface="HY헤드라인M" panose="02030600000101010101" pitchFamily="18" charset="-127"/>
+              </a:rPr>
+              <a:t>화면의 색상이 바뀜</a:t>
+            </a:r>
+            <a:r>
+              <a:rPr lang="en-US" altLang="ko-KR" dirty="0">
+                <a:latin typeface="HY헤드라인M" panose="02030600000101010101" pitchFamily="18" charset="-127"/>
+                <a:ea typeface="HY헤드라인M" panose="02030600000101010101" pitchFamily="18" charset="-127"/>
+              </a:rPr>
+              <a:t>(</a:t>
+            </a:r>
+            <a:r>
+              <a:rPr lang="ko-KR" altLang="en-US" dirty="0">
+                <a:latin typeface="HY헤드라인M" panose="02030600000101010101" pitchFamily="18" charset="-127"/>
+                <a:ea typeface="HY헤드라인M" panose="02030600000101010101" pitchFamily="18" charset="-127"/>
+              </a:rPr>
+              <a:t>추가요소</a:t>
+            </a:r>
+            <a:r>
+              <a:rPr lang="en-US" altLang="ko-KR" dirty="0">
+                <a:latin typeface="HY헤드라인M" panose="02030600000101010101" pitchFamily="18" charset="-127"/>
+                <a:ea typeface="HY헤드라인M" panose="02030600000101010101" pitchFamily="18" charset="-127"/>
+              </a:rPr>
+              <a:t>)</a:t>
+            </a:r>
+          </a:p>
+        </p:txBody>
+      </p:sp>
+      <p:sp>
+        <p:nvSpPr>
+          <p:cNvPr id="10" name="직사각형 9">
+            <a:extLst>
+              <a:ext uri="{FF2B5EF4-FFF2-40B4-BE49-F238E27FC236}">
+                <a16:creationId xmlns:a16="http://schemas.microsoft.com/office/drawing/2014/main" id="{47185001-F37A-4401-945D-6B7A19DAD5A1}"/>
+              </a:ext>
+            </a:extLst>
+          </p:cNvPr>
+          <p:cNvSpPr/>
+          <p:nvPr/>
+        </p:nvSpPr>
+        <p:spPr>
+          <a:xfrm>
+            <a:off x="6714837" y="3943926"/>
+            <a:ext cx="637308" cy="471055"/>
+          </a:xfrm>
+          <a:prstGeom prst="rect">
+            <a:avLst/>
+          </a:prstGeom>
+          <a:noFill/>
+          <a:ln w="28575" cap="flat" cmpd="sng" algn="ctr">
+            <a:solidFill>
+              <a:schemeClr val="accent3"/>
+            </a:solidFill>
+            <a:prstDash val="solid"/>
+            <a:round/>
+            <a:headEnd type="none" w="med" len="med"/>
+            <a:tailEnd type="none" w="med" len="med"/>
+          </a:ln>
+        </p:spPr>
+        <p:style>
+          <a:lnRef idx="0">
+            <a:scrgbClr r="0" g="0" b="0"/>
+          </a:lnRef>
+          <a:fillRef idx="0">
+            <a:scrgbClr r="0" g="0" b="0"/>
+          </a:fillRef>
+          <a:effectRef idx="0">
+            <a:scrgbClr r="0" g="0" b="0"/>
+          </a:effectRef>
+          <a:fontRef idx="minor">
+            <a:schemeClr val="accent3"/>
+          </a:fontRef>
+        </p:style>
+        <p:txBody>
+          <a:bodyPr rtlCol="0" anchor="ctr"/>
+          <a:lstStyle/>
+          <a:p>
+            <a:pPr algn="ctr"/>
+            <a:endParaRPr lang="ko-KR" altLang="en-US"/>
+          </a:p>
+        </p:txBody>
+      </p:sp>
+      <p:sp>
+        <p:nvSpPr>
+          <p:cNvPr id="11" name="직사각형 10">
+            <a:extLst>
+              <a:ext uri="{FF2B5EF4-FFF2-40B4-BE49-F238E27FC236}">
+                <a16:creationId xmlns:a16="http://schemas.microsoft.com/office/drawing/2014/main" id="{8D43BB27-C994-17C0-E801-2B055B003DF7}"/>
+              </a:ext>
+            </a:extLst>
+          </p:cNvPr>
+          <p:cNvSpPr/>
+          <p:nvPr/>
+        </p:nvSpPr>
+        <p:spPr>
+          <a:xfrm>
+            <a:off x="6503979" y="3692966"/>
+            <a:ext cx="1079075" cy="939350"/>
+          </a:xfrm>
+          <a:prstGeom prst="rect">
+            <a:avLst/>
+          </a:prstGeom>
+          <a:noFill/>
+          <a:ln w="28575" cap="flat" cmpd="sng" algn="ctr">
+            <a:solidFill>
+              <a:srgbClr val="FFFF00"/>
+            </a:solidFill>
+            <a:prstDash val="solid"/>
+            <a:round/>
+            <a:headEnd type="none" w="med" len="med"/>
+            <a:tailEnd type="none" w="med" len="med"/>
+          </a:ln>
+        </p:spPr>
+        <p:style>
+          <a:lnRef idx="0">
+            <a:scrgbClr r="0" g="0" b="0"/>
+          </a:lnRef>
+          <a:fillRef idx="0">
+            <a:scrgbClr r="0" g="0" b="0"/>
+          </a:fillRef>
+          <a:effectRef idx="0">
+            <a:scrgbClr r="0" g="0" b="0"/>
+          </a:effectRef>
+          <a:fontRef idx="minor">
+            <a:schemeClr val="accent3"/>
+          </a:fontRef>
+        </p:style>
+        <p:txBody>
+          <a:bodyPr rtlCol="0" anchor="ctr"/>
+          <a:lstStyle/>
+          <a:p>
+            <a:pPr algn="ctr"/>
+            <a:endParaRPr lang="ko-KR" altLang="en-US"/>
+          </a:p>
+        </p:txBody>
+      </p:sp>
+    </p:spTree>
+    <p:extLst>
+      <p:ext uri="{BB962C8B-B14F-4D97-AF65-F5344CB8AC3E}">
+        <p14:creationId xmlns:p14="http://schemas.microsoft.com/office/powerpoint/2010/main" val="2203041076"/>
+      </p:ext>
+    </p:extLst>
+  </p:cSld>
+  <p:clrMapOvr>
+    <a:masterClrMapping/>
+  </p:clrMapOvr>
 </p:sld>
 </file>
 
@@ -3931,6 +9308,19 @@
               </a:rPr>
               <a:t>플레이어 사망</a:t>
             </a:r>
+            <a:r>
+              <a:rPr lang="en-US" altLang="ko-KR" sz="1600" dirty="0">
+                <a:solidFill>
+                  <a:schemeClr val="tx1">
+                    <a:lumMod val="85000"/>
+                    <a:lumOff val="15000"/>
+                  </a:schemeClr>
+                </a:solidFill>
+                <a:latin typeface="HY헤드라인M" panose="02030600000101010101" pitchFamily="18" charset="-127"/>
+                <a:ea typeface="HY헤드라인M" panose="02030600000101010101" pitchFamily="18" charset="-127"/>
+              </a:rPr>
+              <a:t>		Second</a:t>
+            </a:r>
             <a:br>
               <a:rPr lang="en-US" altLang="ko-KR" sz="1600" dirty="0">
                 <a:solidFill>
@@ -3956,6 +9346,19 @@
               </a:rPr>
               <a:t>세대 교체</a:t>
             </a:r>
+            <a:r>
+              <a:rPr lang="en-US" altLang="ko-KR" sz="1600" dirty="0">
+                <a:solidFill>
+                  <a:schemeClr val="tx1">
+                    <a:lumMod val="85000"/>
+                    <a:lumOff val="15000"/>
+                  </a:schemeClr>
+                </a:solidFill>
+                <a:latin typeface="HY헤드라인M" panose="02030600000101010101" pitchFamily="18" charset="-127"/>
+                <a:ea typeface="HY헤드라인M" panose="02030600000101010101" pitchFamily="18" charset="-127"/>
+              </a:rPr>
+              <a:t>					10th</a:t>
+            </a:r>
             <a:br>
               <a:rPr lang="en-US" altLang="ko-KR" sz="1600" dirty="0">
                 <a:solidFill>
@@ -3994,16 +9397,45 @@
               </a:rPr>
               <a:t>슬래쉬</a:t>
             </a:r>
-            <a:endParaRPr lang="en-US" altLang="ko-KR" sz="1600" dirty="0">
-              <a:solidFill>
-                <a:schemeClr val="tx1">
-                  <a:lumMod val="85000"/>
-                  <a:lumOff val="15000"/>
-                </a:schemeClr>
-              </a:solidFill>
-              <a:latin typeface="HY헤드라인M" panose="02030600000101010101" pitchFamily="18" charset="-127"/>
-              <a:ea typeface="HY헤드라인M" panose="02030600000101010101" pitchFamily="18" charset="-127"/>
-            </a:endParaRPr>
+            <a:r>
+              <a:rPr lang="en-US" altLang="ko-KR" sz="1600" dirty="0">
+                <a:solidFill>
+                  <a:schemeClr val="tx1">
+                    <a:lumMod val="85000"/>
+                    <a:lumOff val="15000"/>
+                  </a:schemeClr>
+                </a:solidFill>
+                <a:latin typeface="HY헤드라인M" panose="02030600000101010101" pitchFamily="18" charset="-127"/>
+                <a:ea typeface="HY헤드라인M" panose="02030600000101010101" pitchFamily="18" charset="-127"/>
+              </a:rPr>
+              <a:t>				=</a:t>
+            </a:r>
+            <a:r>
+              <a:rPr lang="en-US" altLang="ko-KR" sz="1600" dirty="0" err="1">
+                <a:solidFill>
+                  <a:schemeClr val="tx1">
+                    <a:lumMod val="85000"/>
+                    <a:lumOff val="15000"/>
+                  </a:schemeClr>
+                </a:solidFill>
+                <a:latin typeface="HY헤드라인M" panose="02030600000101010101" pitchFamily="18" charset="-127"/>
+                <a:ea typeface="HY헤드라인M" panose="02030600000101010101" pitchFamily="18" charset="-127"/>
+              </a:rPr>
+              <a:t>SeconTh</a:t>
+            </a:r>
+            <a:r>
+              <a:rPr lang="en-US" altLang="ko-KR" sz="1600" dirty="0">
+                <a:solidFill>
+                  <a:schemeClr val="tx1">
+                    <a:lumMod val="85000"/>
+                    <a:lumOff val="15000"/>
+                  </a:schemeClr>
+                </a:solidFill>
+                <a:latin typeface="HY헤드라인M" panose="02030600000101010101" pitchFamily="18" charset="-127"/>
+                <a:ea typeface="HY헤드라인M" panose="02030600000101010101" pitchFamily="18" charset="-127"/>
+              </a:rPr>
+              <a:t> </a:t>
+            </a:r>
           </a:p>
         </p:txBody>
       </p:sp>
@@ -4056,8 +9488,8 @@
         </p:nvSpPr>
         <p:spPr>
           <a:xfrm>
-            <a:off x="10194337" y="3993526"/>
-            <a:ext cx="1997663" cy="369332"/>
+            <a:off x="9852591" y="3993526"/>
+            <a:ext cx="2459328" cy="369332"/>
           </a:xfrm>
           <a:prstGeom prst="rect">
             <a:avLst/>
@@ -4073,15 +9505,19 @@
             <a:r>
               <a:rPr lang="ko-KR" altLang="en-US" dirty="0">
                 <a:solidFill>
-                  <a:schemeClr val="bg1"/>
+                  <a:schemeClr val="bg1">
+                    <a:alpha val="30000"/>
+                  </a:schemeClr>
                 </a:solidFill>
               </a:rPr>
-              <a:t>게임 </a:t>
+              <a:t>게임화면 </a:t>
             </a:r>
             <a:r>
               <a:rPr lang="en-US" altLang="ko-KR" dirty="0">
                 <a:solidFill>
-                  <a:schemeClr val="bg1"/>
+                  <a:schemeClr val="bg1">
+                    <a:alpha val="30000"/>
+                  </a:schemeClr>
                 </a:solidFill>
               </a:rPr>
               <a:t>&lt;30</a:t>
@@ -4089,7 +9525,9 @@
             <a:r>
               <a:rPr lang="ko-KR" altLang="en-US" dirty="0" err="1">
                 <a:solidFill>
-                  <a:schemeClr val="bg1"/>
+                  <a:schemeClr val="bg1">
+                    <a:alpha val="30000"/>
+                  </a:schemeClr>
                 </a:solidFill>
               </a:rPr>
               <a:t>초용사</a:t>
@@ -4097,14 +9535,18 @@
             <a:r>
               <a:rPr lang="en-US" altLang="ko-KR" dirty="0">
                 <a:solidFill>
-                  <a:schemeClr val="bg1"/>
+                  <a:schemeClr val="bg1">
+                    <a:alpha val="30000"/>
+                  </a:schemeClr>
                 </a:solidFill>
               </a:rPr>
               <a:t>&gt;</a:t>
             </a:r>
             <a:endParaRPr lang="ko-KR" altLang="en-US" dirty="0">
               <a:solidFill>
-                <a:schemeClr val="bg1"/>
+                <a:schemeClr val="bg1">
+                  <a:alpha val="30000"/>
+                </a:schemeClr>
               </a:solidFill>
             </a:endParaRPr>
           </a:p>
@@ -6643,7 +12085,20 @@
                 <a:latin typeface="HY헤드라인M" panose="02030600000101010101" pitchFamily="18" charset="-127"/>
                 <a:ea typeface="HY헤드라인M" panose="02030600000101010101" pitchFamily="18" charset="-127"/>
               </a:rPr>
-              <a:t> 따라 플레이어가 선택할 수 있는 최적의 무기가 존재</a:t>
+              <a:t> 따라 플레이어가 선택할 수 있는 최적의 무기가 </a:t>
+            </a:r>
+            <a:br>
+              <a:rPr lang="en-US" altLang="ko-KR" sz="1600" dirty="0">
+                <a:latin typeface="HY헤드라인M" panose="02030600000101010101" pitchFamily="18" charset="-127"/>
+                <a:ea typeface="HY헤드라인M" panose="02030600000101010101" pitchFamily="18" charset="-127"/>
+              </a:rPr>
+            </a:br>
+            <a:r>
+              <a:rPr lang="ko-KR" altLang="en-US" sz="1600" dirty="0">
+                <a:latin typeface="HY헤드라인M" panose="02030600000101010101" pitchFamily="18" charset="-127"/>
+                <a:ea typeface="HY헤드라인M" panose="02030600000101010101" pitchFamily="18" charset="-127"/>
+              </a:rPr>
+              <a:t>존재</a:t>
             </a:r>
             <a:endParaRPr lang="en-US" altLang="ko-KR" sz="1600" dirty="0">
               <a:latin typeface="HY헤드라인M" panose="02030600000101010101" pitchFamily="18" charset="-127"/>
@@ -8241,7 +13696,7 @@
                 <a:latin typeface="HY헤드라인M" panose="02030600000101010101" pitchFamily="18" charset="-127"/>
                 <a:ea typeface="HY헤드라인M" panose="02030600000101010101" pitchFamily="18" charset="-127"/>
               </a:rPr>
-              <a:t> 다 변경됨</a:t>
+              <a:t> 변경됨</a:t>
             </a:r>
             <a:r>
               <a:rPr lang="en-US" altLang="ko-KR" sz="1600" dirty="0">
@@ -8272,7 +13727,7 @@
         <p:spPr>
           <a:xfrm>
             <a:off x="2019300" y="1743075"/>
-            <a:ext cx="1962153" cy="2554545"/>
+            <a:ext cx="1962153" cy="1323439"/>
           </a:xfrm>
           <a:prstGeom prst="rect">
             <a:avLst/>
@@ -8357,55 +13812,6 @@
               <a:latin typeface="HY헤드라인M" panose="02030600000101010101" pitchFamily="18" charset="-127"/>
               <a:ea typeface="HY헤드라인M" panose="02030600000101010101" pitchFamily="18" charset="-127"/>
             </a:endParaRPr>
-          </a:p>
-          <a:p>
-            <a:r>
-              <a:rPr lang="en-US" altLang="ko-KR" sz="1600" dirty="0">
-                <a:latin typeface="HY헤드라인M" panose="02030600000101010101" pitchFamily="18" charset="-127"/>
-                <a:ea typeface="HY헤드라인M" panose="02030600000101010101" pitchFamily="18" charset="-127"/>
-              </a:rPr>
-              <a:t>+</a:t>
-            </a:r>
-            <a:r>
-              <a:rPr lang="ko-KR" altLang="en-US" sz="1600" dirty="0">
-                <a:latin typeface="HY헤드라인M" panose="02030600000101010101" pitchFamily="18" charset="-127"/>
-                <a:ea typeface="HY헤드라인M" panose="02030600000101010101" pitchFamily="18" charset="-127"/>
-              </a:rPr>
-              <a:t>무기 속성</a:t>
-            </a:r>
-            <a:endParaRPr lang="en-US" altLang="ko-KR" sz="1600" dirty="0">
-              <a:latin typeface="HY헤드라인M" panose="02030600000101010101" pitchFamily="18" charset="-127"/>
-              <a:ea typeface="HY헤드라인M" panose="02030600000101010101" pitchFamily="18" charset="-127"/>
-            </a:endParaRPr>
-          </a:p>
-          <a:p>
-            <a:endParaRPr lang="en-US" altLang="ko-KR" sz="1600" dirty="0">
-              <a:latin typeface="HY헤드라인M" panose="02030600000101010101" pitchFamily="18" charset="-127"/>
-              <a:ea typeface="HY헤드라인M" panose="02030600000101010101" pitchFamily="18" charset="-127"/>
-            </a:endParaRPr>
-          </a:p>
-          <a:p>
-            <a:r>
-              <a:rPr lang="en-US" altLang="ko-KR" sz="1600" dirty="0">
-                <a:latin typeface="HY헤드라인M" panose="02030600000101010101" pitchFamily="18" charset="-127"/>
-                <a:ea typeface="HY헤드라인M" panose="02030600000101010101" pitchFamily="18" charset="-127"/>
-              </a:rPr>
-              <a:t>(</a:t>
-            </a:r>
-            <a:r>
-              <a:rPr lang="ko-KR" altLang="en-US" sz="1600" dirty="0">
-                <a:latin typeface="HY헤드라인M" panose="02030600000101010101" pitchFamily="18" charset="-127"/>
-                <a:ea typeface="HY헤드라인M" panose="02030600000101010101" pitchFamily="18" charset="-127"/>
-              </a:rPr>
-              <a:t>특정 무기 속성에 치명적인 공격을 받는 몬스터 존재</a:t>
-            </a:r>
-            <a:r>
-              <a:rPr lang="en-US" altLang="ko-KR" sz="1600" dirty="0">
-                <a:latin typeface="HY헤드라인M" panose="02030600000101010101" pitchFamily="18" charset="-127"/>
-                <a:ea typeface="HY헤드라인M" panose="02030600000101010101" pitchFamily="18" charset="-127"/>
-              </a:rPr>
-              <a:t>)</a:t>
-            </a:r>
           </a:p>
         </p:txBody>
       </p:sp>
@@ -8913,2571 +14319,6 @@
   <p:cSld>
     <p:spTree>
       <p:nvGrpSpPr>
-        <p:cNvPr id="1" name=""/>
-        <p:cNvGrpSpPr/>
-        <p:nvPr/>
-      </p:nvGrpSpPr>
-      <p:grpSpPr>
-        <a:xfrm>
-          <a:off x="0" y="0"/>
-          <a:ext cx="0" cy="0"/>
-          <a:chOff x="0" y="0"/>
-          <a:chExt cx="0" cy="0"/>
-        </a:xfrm>
-      </p:grpSpPr>
-      <p:pic>
-        <p:nvPicPr>
-          <p:cNvPr id="47" name="그림 46" descr="페인팅, 스케치, 예술, 그림이(가) 표시된 사진&#10;&#10;자동 생성된 설명">
-            <a:extLst>
-              <a:ext uri="{FF2B5EF4-FFF2-40B4-BE49-F238E27FC236}">
-                <a16:creationId xmlns:a16="http://schemas.microsoft.com/office/drawing/2014/main" id="{C7E75FCB-E5A9-30F5-29EA-131112D7BDD7}"/>
-              </a:ext>
-            </a:extLst>
-          </p:cNvPr>
-          <p:cNvPicPr>
-            <a:picLocks noChangeAspect="1"/>
-          </p:cNvPicPr>
-          <p:nvPr/>
-        </p:nvPicPr>
-        <p:blipFill>
-          <a:blip r:embed="rId2">
-            <a:alphaModFix amt="51000"/>
-            <a:extLst>
-              <a:ext uri="{28A0092B-C50C-407E-A947-70E740481C1C}">
-                <a14:useLocalDpi xmlns:a14="http://schemas.microsoft.com/office/drawing/2010/main" val="0"/>
-              </a:ext>
-            </a:extLst>
-          </a:blip>
-          <a:srcRect t="50636" r="1" b="5619"/>
-          <a:stretch/>
-        </p:blipFill>
-        <p:spPr>
-          <a:xfrm>
-            <a:off x="20" y="10"/>
-            <a:ext cx="12188930" cy="6857990"/>
-          </a:xfrm>
-          <a:prstGeom prst="rect">
-            <a:avLst/>
-          </a:prstGeom>
-        </p:spPr>
-      </p:pic>
-      <p:sp>
-        <p:nvSpPr>
-          <p:cNvPr id="2" name="TextBox 1">
-            <a:extLst>
-              <a:ext uri="{FF2B5EF4-FFF2-40B4-BE49-F238E27FC236}">
-                <a16:creationId xmlns:a16="http://schemas.microsoft.com/office/drawing/2014/main" id="{BA8EB800-0BFD-3C77-3B31-28C9F6621FC5}"/>
-              </a:ext>
-            </a:extLst>
-          </p:cNvPr>
-          <p:cNvSpPr txBox="1"/>
-          <p:nvPr/>
-        </p:nvSpPr>
-        <p:spPr>
-          <a:xfrm>
-            <a:off x="5206861" y="146624"/>
-            <a:ext cx="1415772" cy="369332"/>
-          </a:xfrm>
-          <a:prstGeom prst="rect">
-            <a:avLst/>
-          </a:prstGeom>
-          <a:noFill/>
-          <a:ln w="9525" cap="flat" cmpd="sng" algn="ctr">
-            <a:solidFill>
-              <a:schemeClr val="dk1"/>
-            </a:solidFill>
-            <a:prstDash val="solid"/>
-            <a:round/>
-            <a:headEnd type="none" w="med" len="med"/>
-            <a:tailEnd type="none" w="med" len="med"/>
-          </a:ln>
-        </p:spPr>
-        <p:style>
-          <a:lnRef idx="0">
-            <a:scrgbClr r="0" g="0" b="0"/>
-          </a:lnRef>
-          <a:fillRef idx="0">
-            <a:scrgbClr r="0" g="0" b="0"/>
-          </a:fillRef>
-          <a:effectRef idx="0">
-            <a:scrgbClr r="0" g="0" b="0"/>
-          </a:effectRef>
-          <a:fontRef idx="minor">
-            <a:schemeClr val="dk1"/>
-          </a:fontRef>
-        </p:style>
-        <p:txBody>
-          <a:bodyPr wrap="none" rtlCol="0">
-            <a:spAutoFit/>
-          </a:bodyPr>
-          <a:lstStyle/>
-          <a:p>
-            <a:r>
-              <a:rPr lang="ko-KR" altLang="en-US" dirty="0">
-                <a:latin typeface="HY견고딕" panose="02030600000101010101" pitchFamily="18" charset="-127"/>
-                <a:ea typeface="HY견고딕" panose="02030600000101010101" pitchFamily="18" charset="-127"/>
-              </a:rPr>
-              <a:t>플로우 차트</a:t>
-            </a:r>
-          </a:p>
-        </p:txBody>
-      </p:sp>
-      <p:sp>
-        <p:nvSpPr>
-          <p:cNvPr id="3" name="다이아몬드 2">
-            <a:extLst>
-              <a:ext uri="{FF2B5EF4-FFF2-40B4-BE49-F238E27FC236}">
-                <a16:creationId xmlns:a16="http://schemas.microsoft.com/office/drawing/2014/main" id="{F4C5E67F-5E76-8CA3-F62B-C36D5750974F}"/>
-              </a:ext>
-            </a:extLst>
-          </p:cNvPr>
-          <p:cNvSpPr/>
-          <p:nvPr/>
-        </p:nvSpPr>
-        <p:spPr>
-          <a:xfrm>
-            <a:off x="4297205" y="763051"/>
-            <a:ext cx="3235084" cy="914400"/>
-          </a:xfrm>
-          <a:prstGeom prst="diamond">
-            <a:avLst/>
-          </a:prstGeom>
-        </p:spPr>
-        <p:style>
-          <a:lnRef idx="2">
-            <a:schemeClr val="accent1">
-              <a:shade val="15000"/>
-            </a:schemeClr>
-          </a:lnRef>
-          <a:fillRef idx="1">
-            <a:schemeClr val="accent1"/>
-          </a:fillRef>
-          <a:effectRef idx="0">
-            <a:schemeClr val="accent1"/>
-          </a:effectRef>
-          <a:fontRef idx="minor">
-            <a:schemeClr val="lt1"/>
-          </a:fontRef>
-        </p:style>
-        <p:txBody>
-          <a:bodyPr rtlCol="0" anchor="ctr"/>
-          <a:lstStyle/>
-          <a:p>
-            <a:pPr algn="ctr"/>
-            <a:r>
-              <a:rPr lang="ko-KR" altLang="en-US" sz="1400">
-                <a:latin typeface="프리젠테이션 4 Regular" pitchFamily="2" charset="-127"/>
-                <a:ea typeface="프리젠테이션 4 Regular" pitchFamily="2" charset="-127"/>
-              </a:rPr>
-              <a:t>게임 시작</a:t>
-            </a:r>
-          </a:p>
-        </p:txBody>
-      </p:sp>
-      <p:sp>
-        <p:nvSpPr>
-          <p:cNvPr id="4" name="직사각형 3">
-            <a:extLst>
-              <a:ext uri="{FF2B5EF4-FFF2-40B4-BE49-F238E27FC236}">
-                <a16:creationId xmlns:a16="http://schemas.microsoft.com/office/drawing/2014/main" id="{6AE1B89D-3FBC-95CF-6D2C-319607997D0A}"/>
-              </a:ext>
-            </a:extLst>
-          </p:cNvPr>
-          <p:cNvSpPr/>
-          <p:nvPr/>
-        </p:nvSpPr>
-        <p:spPr>
-          <a:xfrm>
-            <a:off x="4456071" y="1823462"/>
-            <a:ext cx="2781037" cy="914400"/>
-          </a:xfrm>
-          <a:prstGeom prst="rect">
-            <a:avLst/>
-          </a:prstGeom>
-          <a:solidFill>
-            <a:schemeClr val="bg1">
-              <a:lumMod val="95000"/>
-            </a:schemeClr>
-          </a:solidFill>
-        </p:spPr>
-        <p:style>
-          <a:lnRef idx="2">
-            <a:schemeClr val="accent1">
-              <a:shade val="15000"/>
-            </a:schemeClr>
-          </a:lnRef>
-          <a:fillRef idx="1">
-            <a:schemeClr val="accent1"/>
-          </a:fillRef>
-          <a:effectRef idx="0">
-            <a:schemeClr val="accent1"/>
-          </a:effectRef>
-          <a:fontRef idx="minor">
-            <a:schemeClr val="lt1"/>
-          </a:fontRef>
-        </p:style>
-        <p:txBody>
-          <a:bodyPr rtlCol="0" anchor="ctr"/>
-          <a:lstStyle/>
-          <a:p>
-            <a:pPr algn="ctr"/>
-            <a:r>
-              <a:rPr lang="ko-KR" altLang="en-US" sz="1400" dirty="0">
-                <a:solidFill>
-                  <a:schemeClr val="tx1"/>
-                </a:solidFill>
-                <a:latin typeface="프리젠테이션 4 Regular" pitchFamily="2" charset="-127"/>
-                <a:ea typeface="프리젠테이션 4 Regular" pitchFamily="2" charset="-127"/>
-              </a:rPr>
-              <a:t>플레이어 체력</a:t>
-            </a:r>
-            <a:r>
-              <a:rPr lang="en-US" altLang="ko-KR" sz="1400" dirty="0">
-                <a:solidFill>
-                  <a:schemeClr val="tx1"/>
-                </a:solidFill>
-                <a:latin typeface="프리젠테이션 4 Regular" pitchFamily="2" charset="-127"/>
-                <a:ea typeface="프리젠테이션 4 Regular" pitchFamily="2" charset="-127"/>
-              </a:rPr>
-              <a:t>, </a:t>
-            </a:r>
-            <a:r>
-              <a:rPr lang="ko-KR" altLang="en-US" sz="1400" dirty="0">
-                <a:solidFill>
-                  <a:schemeClr val="tx1"/>
-                </a:solidFill>
-                <a:latin typeface="프리젠테이션 4 Regular" pitchFamily="2" charset="-127"/>
-                <a:ea typeface="프리젠테이션 4 Regular" pitchFamily="2" charset="-127"/>
-              </a:rPr>
-              <a:t>위치 </a:t>
-            </a:r>
-            <a:endParaRPr lang="en-US" altLang="ko-KR" sz="1400" dirty="0">
-              <a:solidFill>
-                <a:schemeClr val="tx1"/>
-              </a:solidFill>
-              <a:latin typeface="프리젠테이션 4 Regular" pitchFamily="2" charset="-127"/>
-              <a:ea typeface="프리젠테이션 4 Regular" pitchFamily="2" charset="-127"/>
-            </a:endParaRPr>
-          </a:p>
-          <a:p>
-            <a:pPr algn="ctr"/>
-            <a:r>
-              <a:rPr lang="ko-KR" altLang="en-US" sz="1400" dirty="0">
-                <a:solidFill>
-                  <a:schemeClr val="tx1"/>
-                </a:solidFill>
-                <a:latin typeface="프리젠테이션 4 Regular" pitchFamily="2" charset="-127"/>
-                <a:ea typeface="프리젠테이션 4 Regular" pitchFamily="2" charset="-127"/>
-              </a:rPr>
-              <a:t>초기화</a:t>
-            </a:r>
-          </a:p>
-        </p:txBody>
-      </p:sp>
-      <p:sp>
-        <p:nvSpPr>
-          <p:cNvPr id="5" name="사다리꼴 4">
-            <a:extLst>
-              <a:ext uri="{FF2B5EF4-FFF2-40B4-BE49-F238E27FC236}">
-                <a16:creationId xmlns:a16="http://schemas.microsoft.com/office/drawing/2014/main" id="{706AD74A-46E6-4A46-497D-D489647A8569}"/>
-              </a:ext>
-            </a:extLst>
-          </p:cNvPr>
-          <p:cNvSpPr/>
-          <p:nvPr/>
-        </p:nvSpPr>
-        <p:spPr>
-          <a:xfrm>
-            <a:off x="4592389" y="3036273"/>
-            <a:ext cx="2644719" cy="383102"/>
-          </a:xfrm>
-          <a:prstGeom prst="trapezoid">
-            <a:avLst/>
-          </a:prstGeom>
-          <a:solidFill>
-            <a:schemeClr val="accent4">
-              <a:lumMod val="75000"/>
-            </a:schemeClr>
-          </a:solidFill>
-        </p:spPr>
-        <p:style>
-          <a:lnRef idx="2">
-            <a:schemeClr val="accent1">
-              <a:shade val="15000"/>
-            </a:schemeClr>
-          </a:lnRef>
-          <a:fillRef idx="1">
-            <a:schemeClr val="accent1"/>
-          </a:fillRef>
-          <a:effectRef idx="0">
-            <a:schemeClr val="accent1"/>
-          </a:effectRef>
-          <a:fontRef idx="minor">
-            <a:schemeClr val="lt1"/>
-          </a:fontRef>
-        </p:style>
-        <p:txBody>
-          <a:bodyPr rtlCol="0" anchor="ctr"/>
-          <a:lstStyle/>
-          <a:p>
-            <a:pPr algn="ctr"/>
-            <a:r>
-              <a:rPr lang="ko-KR" altLang="en-US" sz="1400" dirty="0">
-                <a:latin typeface="프리젠테이션 4 Regular" pitchFamily="2" charset="-127"/>
-                <a:ea typeface="프리젠테이션 4 Regular" pitchFamily="2" charset="-127"/>
-              </a:rPr>
-              <a:t>적 </a:t>
-            </a:r>
-            <a:r>
-              <a:rPr lang="ko-KR" altLang="en-US" sz="1400" dirty="0" err="1">
-                <a:latin typeface="프리젠테이션 4 Regular" pitchFamily="2" charset="-127"/>
-                <a:ea typeface="프리젠테이션 4 Regular" pitchFamily="2" charset="-127"/>
-              </a:rPr>
-              <a:t>저치</a:t>
-            </a:r>
-            <a:r>
-              <a:rPr lang="ko-KR" altLang="en-US" sz="1400" dirty="0">
-                <a:latin typeface="프리젠테이션 4 Regular" pitchFamily="2" charset="-127"/>
-                <a:ea typeface="프리젠테이션 4 Regular" pitchFamily="2" charset="-127"/>
-              </a:rPr>
-              <a:t> 시</a:t>
-            </a:r>
-          </a:p>
-        </p:txBody>
-      </p:sp>
-      <p:sp>
-        <p:nvSpPr>
-          <p:cNvPr id="6" name="직사각형 5">
-            <a:extLst>
-              <a:ext uri="{FF2B5EF4-FFF2-40B4-BE49-F238E27FC236}">
-                <a16:creationId xmlns:a16="http://schemas.microsoft.com/office/drawing/2014/main" id="{9D7CCEE5-73C0-70D6-AFED-905F2A5FD7FC}"/>
-              </a:ext>
-            </a:extLst>
-          </p:cNvPr>
-          <p:cNvSpPr/>
-          <p:nvPr/>
-        </p:nvSpPr>
-        <p:spPr>
-          <a:xfrm>
-            <a:off x="4524229" y="3483046"/>
-            <a:ext cx="2781037" cy="383102"/>
-          </a:xfrm>
-          <a:prstGeom prst="rect">
-            <a:avLst/>
-          </a:prstGeom>
-          <a:solidFill>
-            <a:schemeClr val="bg1">
-              <a:lumMod val="95000"/>
-              <a:alpha val="47000"/>
-            </a:schemeClr>
-          </a:solidFill>
-        </p:spPr>
-        <p:style>
-          <a:lnRef idx="2">
-            <a:schemeClr val="accent1">
-              <a:shade val="15000"/>
-            </a:schemeClr>
-          </a:lnRef>
-          <a:fillRef idx="1">
-            <a:schemeClr val="accent1"/>
-          </a:fillRef>
-          <a:effectRef idx="0">
-            <a:schemeClr val="accent1"/>
-          </a:effectRef>
-          <a:fontRef idx="minor">
-            <a:schemeClr val="lt1"/>
-          </a:fontRef>
-        </p:style>
-        <p:txBody>
-          <a:bodyPr rtlCol="0" anchor="ctr"/>
-          <a:lstStyle/>
-          <a:p>
-            <a:pPr algn="ctr"/>
-            <a:r>
-              <a:rPr lang="ko-KR" altLang="en-US" sz="1400" dirty="0">
-                <a:solidFill>
-                  <a:schemeClr val="tx1"/>
-                </a:solidFill>
-                <a:latin typeface="프리젠테이션 4 Regular" pitchFamily="2" charset="-127"/>
-                <a:ea typeface="프리젠테이션 4 Regular" pitchFamily="2" charset="-127"/>
-              </a:rPr>
-              <a:t>골드 획득</a:t>
-            </a:r>
-          </a:p>
-        </p:txBody>
-      </p:sp>
-      <p:cxnSp>
-        <p:nvCxnSpPr>
-          <p:cNvPr id="7" name="직선 연결선 6">
-            <a:extLst>
-              <a:ext uri="{FF2B5EF4-FFF2-40B4-BE49-F238E27FC236}">
-                <a16:creationId xmlns:a16="http://schemas.microsoft.com/office/drawing/2014/main" id="{CA574066-24BF-82EA-4B1E-F1E3474CDC2F}"/>
-              </a:ext>
-            </a:extLst>
-          </p:cNvPr>
-          <p:cNvCxnSpPr>
-            <a:cxnSpLocks/>
-            <a:stCxn id="28" idx="3"/>
-            <a:endCxn id="24" idx="1"/>
-          </p:cNvCxnSpPr>
-          <p:nvPr/>
-        </p:nvCxnSpPr>
-        <p:spPr>
-          <a:xfrm>
-            <a:off x="7326202" y="4285391"/>
-            <a:ext cx="1051486" cy="918077"/>
-          </a:xfrm>
-          <a:prstGeom prst="line">
-            <a:avLst/>
-          </a:prstGeom>
-        </p:spPr>
-        <p:style>
-          <a:lnRef idx="2">
-            <a:schemeClr val="accent1"/>
-          </a:lnRef>
-          <a:fillRef idx="0">
-            <a:schemeClr val="accent1"/>
-          </a:fillRef>
-          <a:effectRef idx="1">
-            <a:schemeClr val="accent1"/>
-          </a:effectRef>
-          <a:fontRef idx="minor">
-            <a:schemeClr val="tx1"/>
-          </a:fontRef>
-        </p:style>
-      </p:cxnSp>
-      <p:cxnSp>
-        <p:nvCxnSpPr>
-          <p:cNvPr id="8" name="직선 연결선 7">
-            <a:extLst>
-              <a:ext uri="{FF2B5EF4-FFF2-40B4-BE49-F238E27FC236}">
-                <a16:creationId xmlns:a16="http://schemas.microsoft.com/office/drawing/2014/main" id="{A9430E8C-034F-E86A-55F7-ADDA35051BD4}"/>
-              </a:ext>
-            </a:extLst>
-          </p:cNvPr>
-          <p:cNvCxnSpPr>
-            <a:cxnSpLocks/>
-            <a:stCxn id="28" idx="3"/>
-            <a:endCxn id="10" idx="1"/>
-          </p:cNvCxnSpPr>
-          <p:nvPr/>
-        </p:nvCxnSpPr>
-        <p:spPr>
-          <a:xfrm flipV="1">
-            <a:off x="7326202" y="3124347"/>
-            <a:ext cx="1016444" cy="1161044"/>
-          </a:xfrm>
-          <a:prstGeom prst="line">
-            <a:avLst/>
-          </a:prstGeom>
-        </p:spPr>
-        <p:style>
-          <a:lnRef idx="2">
-            <a:schemeClr val="accent1"/>
-          </a:lnRef>
-          <a:fillRef idx="0">
-            <a:schemeClr val="accent1"/>
-          </a:fillRef>
-          <a:effectRef idx="1">
-            <a:schemeClr val="accent1"/>
-          </a:effectRef>
-          <a:fontRef idx="minor">
-            <a:schemeClr val="tx1"/>
-          </a:fontRef>
-        </p:style>
-      </p:cxnSp>
-      <p:cxnSp>
-        <p:nvCxnSpPr>
-          <p:cNvPr id="9" name="직선 연결선 8">
-            <a:extLst>
-              <a:ext uri="{FF2B5EF4-FFF2-40B4-BE49-F238E27FC236}">
-                <a16:creationId xmlns:a16="http://schemas.microsoft.com/office/drawing/2014/main" id="{D576544A-0055-3543-A37A-DBB8303F2403}"/>
-              </a:ext>
-            </a:extLst>
-          </p:cNvPr>
-          <p:cNvCxnSpPr>
-            <a:cxnSpLocks/>
-            <a:stCxn id="28" idx="3"/>
-            <a:endCxn id="20" idx="1"/>
-          </p:cNvCxnSpPr>
-          <p:nvPr/>
-        </p:nvCxnSpPr>
-        <p:spPr>
-          <a:xfrm flipV="1">
-            <a:off x="7326202" y="4134515"/>
-            <a:ext cx="1016444" cy="150876"/>
-          </a:xfrm>
-          <a:prstGeom prst="line">
-            <a:avLst/>
-          </a:prstGeom>
-        </p:spPr>
-        <p:style>
-          <a:lnRef idx="2">
-            <a:schemeClr val="accent1"/>
-          </a:lnRef>
-          <a:fillRef idx="0">
-            <a:schemeClr val="accent1"/>
-          </a:fillRef>
-          <a:effectRef idx="1">
-            <a:schemeClr val="accent1"/>
-          </a:effectRef>
-          <a:fontRef idx="minor">
-            <a:schemeClr val="tx1"/>
-          </a:fontRef>
-        </p:style>
-      </p:cxnSp>
-      <p:sp>
-        <p:nvSpPr>
-          <p:cNvPr id="10" name="직사각형 9">
-            <a:extLst>
-              <a:ext uri="{FF2B5EF4-FFF2-40B4-BE49-F238E27FC236}">
-                <a16:creationId xmlns:a16="http://schemas.microsoft.com/office/drawing/2014/main" id="{E7BE8FB8-3751-76FB-AA4D-76C6E5B1282D}"/>
-              </a:ext>
-            </a:extLst>
-          </p:cNvPr>
-          <p:cNvSpPr/>
-          <p:nvPr/>
-        </p:nvSpPr>
-        <p:spPr>
-          <a:xfrm>
-            <a:off x="8342646" y="2667147"/>
-            <a:ext cx="2781037" cy="914400"/>
-          </a:xfrm>
-          <a:prstGeom prst="rect">
-            <a:avLst/>
-          </a:prstGeom>
-          <a:solidFill>
-            <a:schemeClr val="bg1"/>
-          </a:solidFill>
-        </p:spPr>
-        <p:style>
-          <a:lnRef idx="2">
-            <a:schemeClr val="accent1">
-              <a:shade val="15000"/>
-            </a:schemeClr>
-          </a:lnRef>
-          <a:fillRef idx="1">
-            <a:schemeClr val="accent1"/>
-          </a:fillRef>
-          <a:effectRef idx="0">
-            <a:schemeClr val="accent1"/>
-          </a:effectRef>
-          <a:fontRef idx="minor">
-            <a:schemeClr val="lt1"/>
-          </a:fontRef>
-        </p:style>
-        <p:txBody>
-          <a:bodyPr rtlCol="0" anchor="ctr"/>
-          <a:lstStyle/>
-          <a:p>
-            <a:pPr algn="ctr"/>
-            <a:r>
-              <a:rPr lang="ko-KR" altLang="en-US" sz="1400" dirty="0" err="1">
-                <a:solidFill>
-                  <a:schemeClr val="tx1"/>
-                </a:solidFill>
-                <a:latin typeface="프리젠테이션 4 Regular" pitchFamily="2" charset="-127"/>
-                <a:ea typeface="프리젠테이션 4 Regular" pitchFamily="2" charset="-127"/>
-              </a:rPr>
-              <a:t>스탯</a:t>
-            </a:r>
-            <a:r>
-              <a:rPr lang="ko-KR" altLang="en-US" sz="1400" dirty="0">
-                <a:solidFill>
-                  <a:schemeClr val="tx1"/>
-                </a:solidFill>
-                <a:latin typeface="프리젠테이션 4 Regular" pitchFamily="2" charset="-127"/>
-                <a:ea typeface="프리젠테이션 4 Regular" pitchFamily="2" charset="-127"/>
-              </a:rPr>
-              <a:t> 강화</a:t>
-            </a:r>
-          </a:p>
-        </p:txBody>
-      </p:sp>
-      <p:grpSp>
-        <p:nvGrpSpPr>
-          <p:cNvPr id="11" name="그룹 10">
-            <a:extLst>
-              <a:ext uri="{FF2B5EF4-FFF2-40B4-BE49-F238E27FC236}">
-                <a16:creationId xmlns:a16="http://schemas.microsoft.com/office/drawing/2014/main" id="{08F34F98-A542-C1A3-7E44-3EA4558897DA}"/>
-              </a:ext>
-            </a:extLst>
-          </p:cNvPr>
-          <p:cNvGrpSpPr/>
-          <p:nvPr/>
-        </p:nvGrpSpPr>
-        <p:grpSpPr>
-          <a:xfrm>
-            <a:off x="10355768" y="2189546"/>
-            <a:ext cx="702798" cy="702798"/>
-            <a:chOff x="9773223" y="1603353"/>
-            <a:chExt cx="1108495" cy="1108495"/>
-          </a:xfrm>
-        </p:grpSpPr>
-        <p:sp>
-          <p:nvSpPr>
-            <p:cNvPr id="12" name="직사각형 11">
-              <a:extLst>
-                <a:ext uri="{FF2B5EF4-FFF2-40B4-BE49-F238E27FC236}">
-                  <a16:creationId xmlns:a16="http://schemas.microsoft.com/office/drawing/2014/main" id="{E160911A-EECB-02D3-72E0-B1C36F06D280}"/>
-                </a:ext>
-              </a:extLst>
-            </p:cNvPr>
-            <p:cNvSpPr/>
-            <p:nvPr/>
-          </p:nvSpPr>
-          <p:spPr>
-            <a:xfrm>
-              <a:off x="9773223" y="1603353"/>
-              <a:ext cx="1108495" cy="1108495"/>
-            </a:xfrm>
-            <a:prstGeom prst="rect">
-              <a:avLst/>
-            </a:prstGeom>
-            <a:solidFill>
-              <a:schemeClr val="accent6">
-                <a:lumMod val="40000"/>
-                <a:lumOff val="60000"/>
-              </a:schemeClr>
-            </a:solidFill>
-            <a:ln>
-              <a:solidFill>
-                <a:schemeClr val="tx1"/>
-              </a:solidFill>
-            </a:ln>
-          </p:spPr>
-          <p:style>
-            <a:lnRef idx="2">
-              <a:schemeClr val="accent1">
-                <a:shade val="15000"/>
-              </a:schemeClr>
-            </a:lnRef>
-            <a:fillRef idx="1">
-              <a:schemeClr val="accent1"/>
-            </a:fillRef>
-            <a:effectRef idx="0">
-              <a:schemeClr val="accent1"/>
-            </a:effectRef>
-            <a:fontRef idx="minor">
-              <a:schemeClr val="lt1"/>
-            </a:fontRef>
-          </p:style>
-          <p:txBody>
-            <a:bodyPr rtlCol="0" anchor="ctr"/>
-            <a:lstStyle/>
-            <a:p>
-              <a:pPr algn="ctr"/>
-              <a:endParaRPr lang="ko-KR" altLang="en-US" sz="1400">
-                <a:latin typeface="프리젠테이션 4 Regular" pitchFamily="2" charset="-127"/>
-                <a:ea typeface="프리젠테이션 4 Regular" pitchFamily="2" charset="-127"/>
-              </a:endParaRPr>
-            </a:p>
-          </p:txBody>
-        </p:sp>
-        <p:pic>
-          <p:nvPicPr>
-            <p:cNvPr id="13" name="그림 12" descr="블랙, 어둠이(가) 표시된 사진&#10;&#10;자동 생성된 설명">
-              <a:extLst>
-                <a:ext uri="{FF2B5EF4-FFF2-40B4-BE49-F238E27FC236}">
-                  <a16:creationId xmlns:a16="http://schemas.microsoft.com/office/drawing/2014/main" id="{734EAA02-EF9C-FE9F-5A4B-249A0FF5EEBD}"/>
-                </a:ext>
-              </a:extLst>
-            </p:cNvPr>
-            <p:cNvPicPr>
-              <a:picLocks noChangeAspect="1"/>
-            </p:cNvPicPr>
-            <p:nvPr/>
-          </p:nvPicPr>
-          <p:blipFill>
-            <a:blip r:embed="rId3">
-              <a:extLst>
-                <a:ext uri="{28A0092B-C50C-407E-A947-70E740481C1C}">
-                  <a14:useLocalDpi xmlns:a14="http://schemas.microsoft.com/office/drawing/2010/main" val="0"/>
-                </a:ext>
-              </a:extLst>
-            </a:blip>
-            <a:stretch>
-              <a:fillRect/>
-            </a:stretch>
-          </p:blipFill>
-          <p:spPr>
-            <a:xfrm>
-              <a:off x="9877470" y="1728924"/>
-              <a:ext cx="899999" cy="899999"/>
-            </a:xfrm>
-            <a:prstGeom prst="rect">
-              <a:avLst/>
-            </a:prstGeom>
-          </p:spPr>
-        </p:pic>
-      </p:grpSp>
-      <p:grpSp>
-        <p:nvGrpSpPr>
-          <p:cNvPr id="14" name="그룹 13">
-            <a:extLst>
-              <a:ext uri="{FF2B5EF4-FFF2-40B4-BE49-F238E27FC236}">
-                <a16:creationId xmlns:a16="http://schemas.microsoft.com/office/drawing/2014/main" id="{C933598B-E681-580E-E035-E9FAD343C035}"/>
-              </a:ext>
-            </a:extLst>
-          </p:cNvPr>
-          <p:cNvGrpSpPr/>
-          <p:nvPr/>
-        </p:nvGrpSpPr>
-        <p:grpSpPr>
-          <a:xfrm>
-            <a:off x="8420401" y="2279815"/>
-            <a:ext cx="657710" cy="657710"/>
-            <a:chOff x="7556233" y="3820343"/>
-            <a:chExt cx="1108495" cy="1108495"/>
-          </a:xfrm>
-        </p:grpSpPr>
-        <p:sp>
-          <p:nvSpPr>
-            <p:cNvPr id="15" name="직사각형 14">
-              <a:extLst>
-                <a:ext uri="{FF2B5EF4-FFF2-40B4-BE49-F238E27FC236}">
-                  <a16:creationId xmlns:a16="http://schemas.microsoft.com/office/drawing/2014/main" id="{EC60877B-FC4F-1A3B-822D-0AA657C702C1}"/>
-                </a:ext>
-              </a:extLst>
-            </p:cNvPr>
-            <p:cNvSpPr/>
-            <p:nvPr/>
-          </p:nvSpPr>
-          <p:spPr>
-            <a:xfrm>
-              <a:off x="7556233" y="3820343"/>
-              <a:ext cx="1108495" cy="1108495"/>
-            </a:xfrm>
-            <a:prstGeom prst="rect">
-              <a:avLst/>
-            </a:prstGeom>
-            <a:solidFill>
-              <a:schemeClr val="accent6">
-                <a:lumMod val="40000"/>
-                <a:lumOff val="60000"/>
-              </a:schemeClr>
-            </a:solidFill>
-            <a:ln>
-              <a:solidFill>
-                <a:schemeClr val="tx1"/>
-              </a:solidFill>
-            </a:ln>
-          </p:spPr>
-          <p:style>
-            <a:lnRef idx="2">
-              <a:schemeClr val="accent1">
-                <a:shade val="15000"/>
-              </a:schemeClr>
-            </a:lnRef>
-            <a:fillRef idx="1">
-              <a:schemeClr val="accent1"/>
-            </a:fillRef>
-            <a:effectRef idx="0">
-              <a:schemeClr val="accent1"/>
-            </a:effectRef>
-            <a:fontRef idx="minor">
-              <a:schemeClr val="lt1"/>
-            </a:fontRef>
-          </p:style>
-          <p:txBody>
-            <a:bodyPr rtlCol="0" anchor="ctr"/>
-            <a:lstStyle/>
-            <a:p>
-              <a:pPr algn="ctr"/>
-              <a:endParaRPr lang="ko-KR" altLang="en-US" sz="1400">
-                <a:latin typeface="프리젠테이션 4 Regular" pitchFamily="2" charset="-127"/>
-                <a:ea typeface="프리젠테이션 4 Regular" pitchFamily="2" charset="-127"/>
-              </a:endParaRPr>
-            </a:p>
-          </p:txBody>
-        </p:sp>
-        <p:pic>
-          <p:nvPicPr>
-            <p:cNvPr id="16" name="그림 15" descr="블랙, 어둠이(가) 표시된 사진&#10;&#10;자동 생성된 설명">
-              <a:extLst>
-                <a:ext uri="{FF2B5EF4-FFF2-40B4-BE49-F238E27FC236}">
-                  <a16:creationId xmlns:a16="http://schemas.microsoft.com/office/drawing/2014/main" id="{620D5E55-9BFE-E709-E4F4-A2E75EE76BCE}"/>
-                </a:ext>
-              </a:extLst>
-            </p:cNvPr>
-            <p:cNvPicPr>
-              <a:picLocks noChangeAspect="1"/>
-            </p:cNvPicPr>
-            <p:nvPr/>
-          </p:nvPicPr>
-          <p:blipFill>
-            <a:blip r:embed="rId4">
-              <a:extLst>
-                <a:ext uri="{28A0092B-C50C-407E-A947-70E740481C1C}">
-                  <a14:useLocalDpi xmlns:a14="http://schemas.microsoft.com/office/drawing/2010/main" val="0"/>
-                </a:ext>
-              </a:extLst>
-            </a:blip>
-            <a:stretch>
-              <a:fillRect/>
-            </a:stretch>
-          </p:blipFill>
-          <p:spPr>
-            <a:xfrm>
-              <a:off x="7852407" y="4111722"/>
-              <a:ext cx="525737" cy="525737"/>
-            </a:xfrm>
-            <a:prstGeom prst="rect">
-              <a:avLst/>
-            </a:prstGeom>
-          </p:spPr>
-        </p:pic>
-      </p:grpSp>
-      <p:grpSp>
-        <p:nvGrpSpPr>
-          <p:cNvPr id="17" name="그룹 16">
-            <a:extLst>
-              <a:ext uri="{FF2B5EF4-FFF2-40B4-BE49-F238E27FC236}">
-                <a16:creationId xmlns:a16="http://schemas.microsoft.com/office/drawing/2014/main" id="{35181F52-261A-D92E-F3D3-5D6E0669EFF8}"/>
-              </a:ext>
-            </a:extLst>
-          </p:cNvPr>
-          <p:cNvGrpSpPr/>
-          <p:nvPr/>
-        </p:nvGrpSpPr>
-        <p:grpSpPr>
-          <a:xfrm>
-            <a:off x="9403268" y="2279815"/>
-            <a:ext cx="657710" cy="657710"/>
-            <a:chOff x="9773223" y="3820343"/>
-            <a:chExt cx="1108495" cy="1108495"/>
-          </a:xfrm>
-        </p:grpSpPr>
-        <p:sp>
-          <p:nvSpPr>
-            <p:cNvPr id="18" name="직사각형 17">
-              <a:extLst>
-                <a:ext uri="{FF2B5EF4-FFF2-40B4-BE49-F238E27FC236}">
-                  <a16:creationId xmlns:a16="http://schemas.microsoft.com/office/drawing/2014/main" id="{F6DF1B18-5821-ED3F-B056-8B16B1AB4187}"/>
-                </a:ext>
-              </a:extLst>
-            </p:cNvPr>
-            <p:cNvSpPr/>
-            <p:nvPr/>
-          </p:nvSpPr>
-          <p:spPr>
-            <a:xfrm>
-              <a:off x="9773223" y="3820343"/>
-              <a:ext cx="1108495" cy="1108495"/>
-            </a:xfrm>
-            <a:prstGeom prst="rect">
-              <a:avLst/>
-            </a:prstGeom>
-            <a:solidFill>
-              <a:schemeClr val="accent6">
-                <a:lumMod val="40000"/>
-                <a:lumOff val="60000"/>
-              </a:schemeClr>
-            </a:solidFill>
-            <a:ln>
-              <a:solidFill>
-                <a:schemeClr val="tx1"/>
-              </a:solidFill>
-            </a:ln>
-          </p:spPr>
-          <p:style>
-            <a:lnRef idx="2">
-              <a:schemeClr val="accent1">
-                <a:shade val="15000"/>
-              </a:schemeClr>
-            </a:lnRef>
-            <a:fillRef idx="1">
-              <a:schemeClr val="accent1"/>
-            </a:fillRef>
-            <a:effectRef idx="0">
-              <a:schemeClr val="accent1"/>
-            </a:effectRef>
-            <a:fontRef idx="minor">
-              <a:schemeClr val="lt1"/>
-            </a:fontRef>
-          </p:style>
-          <p:txBody>
-            <a:bodyPr rtlCol="0" anchor="ctr"/>
-            <a:lstStyle/>
-            <a:p>
-              <a:pPr algn="ctr"/>
-              <a:endParaRPr lang="ko-KR" altLang="en-US" sz="1400" dirty="0">
-                <a:latin typeface="프리젠테이션 4 Regular" pitchFamily="2" charset="-127"/>
-                <a:ea typeface="프리젠테이션 4 Regular" pitchFamily="2" charset="-127"/>
-              </a:endParaRPr>
-            </a:p>
-          </p:txBody>
-        </p:sp>
-        <p:pic>
-          <p:nvPicPr>
-            <p:cNvPr id="19" name="그림 18" descr="블랙, 어둠이(가) 표시된 사진&#10;&#10;자동 생성된 설명">
-              <a:extLst>
-                <a:ext uri="{FF2B5EF4-FFF2-40B4-BE49-F238E27FC236}">
-                  <a16:creationId xmlns:a16="http://schemas.microsoft.com/office/drawing/2014/main" id="{2A6585FB-0DB2-DDDB-AAE3-DD76DFAFF0B7}"/>
-                </a:ext>
-              </a:extLst>
-            </p:cNvPr>
-            <p:cNvPicPr>
-              <a:picLocks noChangeAspect="1"/>
-            </p:cNvPicPr>
-            <p:nvPr/>
-          </p:nvPicPr>
-          <p:blipFill>
-            <a:blip r:embed="rId5">
-              <a:extLst>
-                <a:ext uri="{28A0092B-C50C-407E-A947-70E740481C1C}">
-                  <a14:useLocalDpi xmlns:a14="http://schemas.microsoft.com/office/drawing/2010/main" val="0"/>
-                </a:ext>
-              </a:extLst>
-            </a:blip>
-            <a:stretch>
-              <a:fillRect/>
-            </a:stretch>
-          </p:blipFill>
-          <p:spPr>
-            <a:xfrm>
-              <a:off x="9945204" y="4003068"/>
-              <a:ext cx="886163" cy="886163"/>
-            </a:xfrm>
-            <a:prstGeom prst="rect">
-              <a:avLst/>
-            </a:prstGeom>
-          </p:spPr>
-        </p:pic>
-      </p:grpSp>
-      <p:sp>
-        <p:nvSpPr>
-          <p:cNvPr id="20" name="직사각형 19">
-            <a:extLst>
-              <a:ext uri="{FF2B5EF4-FFF2-40B4-BE49-F238E27FC236}">
-                <a16:creationId xmlns:a16="http://schemas.microsoft.com/office/drawing/2014/main" id="{AF14328D-78C2-AEC2-7E43-31C430DC4089}"/>
-              </a:ext>
-            </a:extLst>
-          </p:cNvPr>
-          <p:cNvSpPr/>
-          <p:nvPr/>
-        </p:nvSpPr>
-        <p:spPr>
-          <a:xfrm>
-            <a:off x="8342646" y="3677315"/>
-            <a:ext cx="2781037" cy="914400"/>
-          </a:xfrm>
-          <a:prstGeom prst="rect">
-            <a:avLst/>
-          </a:prstGeom>
-          <a:solidFill>
-            <a:schemeClr val="bg1"/>
-          </a:solidFill>
-        </p:spPr>
-        <p:style>
-          <a:lnRef idx="2">
-            <a:schemeClr val="accent1">
-              <a:shade val="15000"/>
-            </a:schemeClr>
-          </a:lnRef>
-          <a:fillRef idx="1">
-            <a:schemeClr val="accent1"/>
-          </a:fillRef>
-          <a:effectRef idx="0">
-            <a:schemeClr val="accent1"/>
-          </a:effectRef>
-          <a:fontRef idx="minor">
-            <a:schemeClr val="lt1"/>
-          </a:fontRef>
-        </p:style>
-        <p:txBody>
-          <a:bodyPr rtlCol="0" anchor="ctr"/>
-          <a:lstStyle/>
-          <a:p>
-            <a:pPr algn="ctr"/>
-            <a:r>
-              <a:rPr lang="ko-KR" altLang="en-US" sz="1400" dirty="0">
-                <a:solidFill>
-                  <a:schemeClr val="tx1"/>
-                </a:solidFill>
-                <a:latin typeface="프리젠테이션 4 Regular" pitchFamily="2" charset="-127"/>
-                <a:ea typeface="프리젠테이션 4 Regular" pitchFamily="2" charset="-127"/>
-              </a:rPr>
-              <a:t>마을 발전</a:t>
-            </a:r>
-          </a:p>
-        </p:txBody>
-      </p:sp>
-      <p:grpSp>
-        <p:nvGrpSpPr>
-          <p:cNvPr id="21" name="그룹 20">
-            <a:extLst>
-              <a:ext uri="{FF2B5EF4-FFF2-40B4-BE49-F238E27FC236}">
-                <a16:creationId xmlns:a16="http://schemas.microsoft.com/office/drawing/2014/main" id="{E1BFEA6F-4B0D-F932-346C-0D11DC9D686E}"/>
-              </a:ext>
-            </a:extLst>
-          </p:cNvPr>
-          <p:cNvGrpSpPr/>
-          <p:nvPr/>
-        </p:nvGrpSpPr>
-        <p:grpSpPr>
-          <a:xfrm>
-            <a:off x="10421862" y="3476805"/>
-            <a:ext cx="657710" cy="657710"/>
-            <a:chOff x="7556233" y="1603353"/>
-            <a:chExt cx="1108495" cy="1108495"/>
-          </a:xfrm>
-        </p:grpSpPr>
-        <p:sp>
-          <p:nvSpPr>
-            <p:cNvPr id="22" name="직사각형 21">
-              <a:extLst>
-                <a:ext uri="{FF2B5EF4-FFF2-40B4-BE49-F238E27FC236}">
-                  <a16:creationId xmlns:a16="http://schemas.microsoft.com/office/drawing/2014/main" id="{1152425D-AE92-658E-ADDF-FA2151CD69DB}"/>
-                </a:ext>
-              </a:extLst>
-            </p:cNvPr>
-            <p:cNvSpPr/>
-            <p:nvPr/>
-          </p:nvSpPr>
-          <p:spPr>
-            <a:xfrm>
-              <a:off x="7556233" y="1603353"/>
-              <a:ext cx="1108495" cy="1108495"/>
-            </a:xfrm>
-            <a:prstGeom prst="rect">
-              <a:avLst/>
-            </a:prstGeom>
-            <a:solidFill>
-              <a:srgbClr val="0070C0"/>
-            </a:solidFill>
-            <a:ln>
-              <a:solidFill>
-                <a:schemeClr val="tx1"/>
-              </a:solidFill>
-            </a:ln>
-          </p:spPr>
-          <p:style>
-            <a:lnRef idx="2">
-              <a:schemeClr val="accent1">
-                <a:shade val="15000"/>
-              </a:schemeClr>
-            </a:lnRef>
-            <a:fillRef idx="1">
-              <a:schemeClr val="accent1"/>
-            </a:fillRef>
-            <a:effectRef idx="0">
-              <a:schemeClr val="accent1"/>
-            </a:effectRef>
-            <a:fontRef idx="minor">
-              <a:schemeClr val="lt1"/>
-            </a:fontRef>
-          </p:style>
-          <p:txBody>
-            <a:bodyPr rtlCol="0" anchor="ctr"/>
-            <a:lstStyle/>
-            <a:p>
-              <a:pPr algn="ctr"/>
-              <a:endParaRPr lang="ko-KR" altLang="en-US" sz="1400">
-                <a:latin typeface="프리젠테이션 4 Regular" pitchFamily="2" charset="-127"/>
-                <a:ea typeface="프리젠테이션 4 Regular" pitchFamily="2" charset="-127"/>
-              </a:endParaRPr>
-            </a:p>
-          </p:txBody>
-        </p:sp>
-        <p:pic>
-          <p:nvPicPr>
-            <p:cNvPr id="23" name="그림 22" descr="블랙, 어둠이(가) 표시된 사진&#10;&#10;자동 생성된 설명">
-              <a:extLst>
-                <a:ext uri="{FF2B5EF4-FFF2-40B4-BE49-F238E27FC236}">
-                  <a16:creationId xmlns:a16="http://schemas.microsoft.com/office/drawing/2014/main" id="{FBCA720F-5C8E-6523-1087-0F95AA1E02B8}"/>
-                </a:ext>
-              </a:extLst>
-            </p:cNvPr>
-            <p:cNvPicPr>
-              <a:picLocks noChangeAspect="1"/>
-            </p:cNvPicPr>
-            <p:nvPr/>
-          </p:nvPicPr>
-          <p:blipFill>
-            <a:blip r:embed="rId6">
-              <a:extLst>
-                <a:ext uri="{28A0092B-C50C-407E-A947-70E740481C1C}">
-                  <a14:useLocalDpi xmlns:a14="http://schemas.microsoft.com/office/drawing/2010/main" val="0"/>
-                </a:ext>
-              </a:extLst>
-            </a:blip>
-            <a:stretch>
-              <a:fillRect/>
-            </a:stretch>
-          </p:blipFill>
-          <p:spPr>
-            <a:xfrm>
-              <a:off x="7701416" y="1840560"/>
-              <a:ext cx="676728" cy="676728"/>
-            </a:xfrm>
-            <a:prstGeom prst="rect">
-              <a:avLst/>
-            </a:prstGeom>
-          </p:spPr>
-        </p:pic>
-      </p:grpSp>
-      <p:sp>
-        <p:nvSpPr>
-          <p:cNvPr id="24" name="직사각형 23">
-            <a:extLst>
-              <a:ext uri="{FF2B5EF4-FFF2-40B4-BE49-F238E27FC236}">
-                <a16:creationId xmlns:a16="http://schemas.microsoft.com/office/drawing/2014/main" id="{812B1053-99F8-BB58-8F6E-F75715CB6615}"/>
-              </a:ext>
-            </a:extLst>
-          </p:cNvPr>
-          <p:cNvSpPr/>
-          <p:nvPr/>
-        </p:nvSpPr>
-        <p:spPr>
-          <a:xfrm>
-            <a:off x="8377688" y="4746268"/>
-            <a:ext cx="2781037" cy="914400"/>
-          </a:xfrm>
-          <a:prstGeom prst="rect">
-            <a:avLst/>
-          </a:prstGeom>
-          <a:solidFill>
-            <a:schemeClr val="bg1"/>
-          </a:solidFill>
-        </p:spPr>
-        <p:style>
-          <a:lnRef idx="2">
-            <a:schemeClr val="accent1">
-              <a:shade val="15000"/>
-            </a:schemeClr>
-          </a:lnRef>
-          <a:fillRef idx="1">
-            <a:schemeClr val="accent1"/>
-          </a:fillRef>
-          <a:effectRef idx="0">
-            <a:schemeClr val="accent1"/>
-          </a:effectRef>
-          <a:fontRef idx="minor">
-            <a:schemeClr val="lt1"/>
-          </a:fontRef>
-        </p:style>
-        <p:txBody>
-          <a:bodyPr rtlCol="0" anchor="ctr"/>
-          <a:lstStyle/>
-          <a:p>
-            <a:pPr algn="ctr"/>
-            <a:r>
-              <a:rPr lang="ko-KR" altLang="en-US" sz="1400" dirty="0">
-                <a:solidFill>
-                  <a:schemeClr val="tx1"/>
-                </a:solidFill>
-                <a:latin typeface="프리젠테이션 4 Regular" pitchFamily="2" charset="-127"/>
-                <a:ea typeface="프리젠테이션 4 Regular" pitchFamily="2" charset="-127"/>
-              </a:rPr>
-              <a:t>오벨리스크 강화</a:t>
-            </a:r>
-          </a:p>
-        </p:txBody>
-      </p:sp>
-      <p:grpSp>
-        <p:nvGrpSpPr>
-          <p:cNvPr id="25" name="그룹 24">
-            <a:extLst>
-              <a:ext uri="{FF2B5EF4-FFF2-40B4-BE49-F238E27FC236}">
-                <a16:creationId xmlns:a16="http://schemas.microsoft.com/office/drawing/2014/main" id="{BCCCAEDB-32C3-326A-3978-A9C421C29A26}"/>
-              </a:ext>
-            </a:extLst>
-          </p:cNvPr>
-          <p:cNvGrpSpPr/>
-          <p:nvPr/>
-        </p:nvGrpSpPr>
-        <p:grpSpPr>
-          <a:xfrm>
-            <a:off x="10703110" y="4650500"/>
-            <a:ext cx="732633" cy="732633"/>
-            <a:chOff x="8664728" y="2711848"/>
-            <a:chExt cx="1108495" cy="1108495"/>
-          </a:xfrm>
-        </p:grpSpPr>
-        <p:sp>
-          <p:nvSpPr>
-            <p:cNvPr id="26" name="직사각형 25">
-              <a:extLst>
-                <a:ext uri="{FF2B5EF4-FFF2-40B4-BE49-F238E27FC236}">
-                  <a16:creationId xmlns:a16="http://schemas.microsoft.com/office/drawing/2014/main" id="{F0312CE3-8D3F-2C5D-ECFB-C4511618BCC6}"/>
-                </a:ext>
-              </a:extLst>
-            </p:cNvPr>
-            <p:cNvSpPr/>
-            <p:nvPr/>
-          </p:nvSpPr>
-          <p:spPr>
-            <a:xfrm>
-              <a:off x="8664728" y="2711848"/>
-              <a:ext cx="1108495" cy="1108495"/>
-            </a:xfrm>
-            <a:prstGeom prst="rect">
-              <a:avLst/>
-            </a:prstGeom>
-            <a:solidFill>
-              <a:schemeClr val="bg1"/>
-            </a:solidFill>
-            <a:ln>
-              <a:solidFill>
-                <a:schemeClr val="tx1"/>
-              </a:solidFill>
-            </a:ln>
-          </p:spPr>
-          <p:style>
-            <a:lnRef idx="2">
-              <a:schemeClr val="accent1">
-                <a:shade val="15000"/>
-              </a:schemeClr>
-            </a:lnRef>
-            <a:fillRef idx="1">
-              <a:schemeClr val="accent1"/>
-            </a:fillRef>
-            <a:effectRef idx="0">
-              <a:schemeClr val="accent1"/>
-            </a:effectRef>
-            <a:fontRef idx="minor">
-              <a:schemeClr val="lt1"/>
-            </a:fontRef>
-          </p:style>
-          <p:txBody>
-            <a:bodyPr rtlCol="0" anchor="ctr"/>
-            <a:lstStyle/>
-            <a:p>
-              <a:pPr algn="ctr"/>
-              <a:endParaRPr lang="ko-KR" altLang="en-US" sz="1400">
-                <a:latin typeface="프리젠테이션 4 Regular" pitchFamily="2" charset="-127"/>
-                <a:ea typeface="프리젠테이션 4 Regular" pitchFamily="2" charset="-127"/>
-              </a:endParaRPr>
-            </a:p>
-          </p:txBody>
-        </p:sp>
-        <p:pic>
-          <p:nvPicPr>
-            <p:cNvPr id="27" name="그림 26" descr="블랙, 어둠이(가) 표시된 사진&#10;&#10;자동 생성된 설명">
-              <a:extLst>
-                <a:ext uri="{FF2B5EF4-FFF2-40B4-BE49-F238E27FC236}">
-                  <a16:creationId xmlns:a16="http://schemas.microsoft.com/office/drawing/2014/main" id="{39976DC9-CE2F-6DBD-51E1-F48F7397D51D}"/>
-                </a:ext>
-              </a:extLst>
-            </p:cNvPr>
-            <p:cNvPicPr>
-              <a:picLocks noChangeAspect="1"/>
-            </p:cNvPicPr>
-            <p:nvPr/>
-          </p:nvPicPr>
-          <p:blipFill>
-            <a:blip r:embed="rId7">
-              <a:extLst>
-                <a:ext uri="{28A0092B-C50C-407E-A947-70E740481C1C}">
-                  <a14:useLocalDpi xmlns:a14="http://schemas.microsoft.com/office/drawing/2010/main" val="0"/>
-                </a:ext>
-              </a:extLst>
-            </a:blip>
-            <a:stretch>
-              <a:fillRect/>
-            </a:stretch>
-          </p:blipFill>
-          <p:spPr>
-            <a:xfrm>
-              <a:off x="8728082" y="2761343"/>
-              <a:ext cx="900001" cy="900001"/>
-            </a:xfrm>
-            <a:prstGeom prst="rect">
-              <a:avLst/>
-            </a:prstGeom>
-          </p:spPr>
-        </p:pic>
-      </p:grpSp>
-      <p:sp>
-        <p:nvSpPr>
-          <p:cNvPr id="28" name="순서도: 대체 처리 27">
-            <a:extLst>
-              <a:ext uri="{FF2B5EF4-FFF2-40B4-BE49-F238E27FC236}">
-                <a16:creationId xmlns:a16="http://schemas.microsoft.com/office/drawing/2014/main" id="{A650DD87-DB10-0531-C370-1FB75FDFEB26}"/>
-              </a:ext>
-            </a:extLst>
-          </p:cNvPr>
-          <p:cNvSpPr/>
-          <p:nvPr/>
-        </p:nvSpPr>
-        <p:spPr>
-          <a:xfrm>
-            <a:off x="4503293" y="3979067"/>
-            <a:ext cx="2822909" cy="612648"/>
-          </a:xfrm>
-          <a:prstGeom prst="flowChartAlternateProcess">
-            <a:avLst/>
-          </a:prstGeom>
-          <a:solidFill>
-            <a:schemeClr val="accent6">
-              <a:lumMod val="50000"/>
-              <a:alpha val="47000"/>
-            </a:schemeClr>
-          </a:solidFill>
-        </p:spPr>
-        <p:style>
-          <a:lnRef idx="2">
-            <a:schemeClr val="accent1">
-              <a:shade val="15000"/>
-            </a:schemeClr>
-          </a:lnRef>
-          <a:fillRef idx="1">
-            <a:schemeClr val="accent1"/>
-          </a:fillRef>
-          <a:effectRef idx="0">
-            <a:schemeClr val="accent1"/>
-          </a:effectRef>
-          <a:fontRef idx="minor">
-            <a:schemeClr val="lt1"/>
-          </a:fontRef>
-        </p:style>
-        <p:txBody>
-          <a:bodyPr rtlCol="0" anchor="ctr"/>
-          <a:lstStyle/>
-          <a:p>
-            <a:pPr algn="ctr"/>
-            <a:r>
-              <a:rPr lang="ko-KR" altLang="en-US" sz="1400" dirty="0">
-                <a:latin typeface="프리젠테이션 4 Regular" pitchFamily="2" charset="-127"/>
-                <a:ea typeface="프리젠테이션 4 Regular" pitchFamily="2" charset="-127"/>
-              </a:rPr>
-              <a:t>골드 사용</a:t>
-            </a:r>
-          </a:p>
-        </p:txBody>
-      </p:sp>
-      <p:sp>
-        <p:nvSpPr>
-          <p:cNvPr id="29" name="사다리꼴 28">
-            <a:extLst>
-              <a:ext uri="{FF2B5EF4-FFF2-40B4-BE49-F238E27FC236}">
-                <a16:creationId xmlns:a16="http://schemas.microsoft.com/office/drawing/2014/main" id="{0DC5213C-4663-F491-8B8A-B575CC691018}"/>
-              </a:ext>
-            </a:extLst>
-          </p:cNvPr>
-          <p:cNvSpPr/>
-          <p:nvPr/>
-        </p:nvSpPr>
-        <p:spPr>
-          <a:xfrm>
-            <a:off x="4570258" y="4789079"/>
-            <a:ext cx="2644719" cy="383102"/>
-          </a:xfrm>
-          <a:prstGeom prst="trapezoid">
-            <a:avLst/>
-          </a:prstGeom>
-          <a:solidFill>
-            <a:schemeClr val="accent4">
-              <a:lumMod val="75000"/>
-            </a:schemeClr>
-          </a:solidFill>
-        </p:spPr>
-        <p:style>
-          <a:lnRef idx="2">
-            <a:schemeClr val="accent1">
-              <a:shade val="15000"/>
-            </a:schemeClr>
-          </a:lnRef>
-          <a:fillRef idx="1">
-            <a:schemeClr val="accent1"/>
-          </a:fillRef>
-          <a:effectRef idx="0">
-            <a:schemeClr val="accent1"/>
-          </a:effectRef>
-          <a:fontRef idx="minor">
-            <a:schemeClr val="lt1"/>
-          </a:fontRef>
-        </p:style>
-        <p:txBody>
-          <a:bodyPr rtlCol="0" anchor="ctr"/>
-          <a:lstStyle/>
-          <a:p>
-            <a:pPr algn="ctr"/>
-            <a:r>
-              <a:rPr lang="en-US" altLang="ko-KR" sz="1400" dirty="0">
-                <a:latin typeface="프리젠테이션 4 Regular" pitchFamily="2" charset="-127"/>
-                <a:ea typeface="프리젠테이션 4 Regular" pitchFamily="2" charset="-127"/>
-              </a:rPr>
-              <a:t>HP</a:t>
-            </a:r>
-            <a:r>
-              <a:rPr lang="ko-KR" altLang="en-US" sz="1400" dirty="0">
-                <a:latin typeface="프리젠테이션 4 Regular" pitchFamily="2" charset="-127"/>
-                <a:ea typeface="프리젠테이션 4 Regular" pitchFamily="2" charset="-127"/>
-              </a:rPr>
-              <a:t> </a:t>
-            </a:r>
-            <a:r>
-              <a:rPr lang="en-US" altLang="ko-KR" sz="1400" dirty="0">
-                <a:latin typeface="프리젠테이션 4 Regular" pitchFamily="2" charset="-127"/>
-                <a:ea typeface="프리젠테이션 4 Regular" pitchFamily="2" charset="-127"/>
-              </a:rPr>
-              <a:t>==</a:t>
-            </a:r>
-            <a:r>
-              <a:rPr lang="ko-KR" altLang="en-US" sz="1400" dirty="0">
-                <a:latin typeface="프리젠테이션 4 Regular" pitchFamily="2" charset="-127"/>
-                <a:ea typeface="프리젠테이션 4 Regular" pitchFamily="2" charset="-127"/>
-              </a:rPr>
-              <a:t> </a:t>
-            </a:r>
-            <a:r>
-              <a:rPr lang="en-US" altLang="ko-KR" sz="1400" dirty="0">
-                <a:latin typeface="프리젠테이션 4 Regular" pitchFamily="2" charset="-127"/>
-                <a:ea typeface="프리젠테이션 4 Regular" pitchFamily="2" charset="-127"/>
-              </a:rPr>
-              <a:t>0</a:t>
-            </a:r>
-            <a:r>
-              <a:rPr lang="ko-KR" altLang="en-US" sz="1400" dirty="0">
-                <a:latin typeface="프리젠테이션 4 Regular" pitchFamily="2" charset="-127"/>
-                <a:ea typeface="프리젠테이션 4 Regular" pitchFamily="2" charset="-127"/>
-              </a:rPr>
-              <a:t> </a:t>
-            </a:r>
-            <a:r>
-              <a:rPr lang="en-US" altLang="ko-KR" sz="1400" dirty="0">
-                <a:latin typeface="프리젠테이션 4 Regular" pitchFamily="2" charset="-127"/>
-                <a:ea typeface="프리젠테이션 4 Regular" pitchFamily="2" charset="-127"/>
-              </a:rPr>
-              <a:t>OR</a:t>
-            </a:r>
-            <a:r>
-              <a:rPr lang="ko-KR" altLang="en-US" sz="1400" dirty="0">
-                <a:latin typeface="프리젠테이션 4 Regular" pitchFamily="2" charset="-127"/>
-                <a:ea typeface="프리젠테이션 4 Regular" pitchFamily="2" charset="-127"/>
-              </a:rPr>
-              <a:t> </a:t>
-            </a:r>
-            <a:r>
-              <a:rPr lang="en-US" altLang="ko-KR" sz="1400" dirty="0">
-                <a:latin typeface="프리젠테이션 4 Regular" pitchFamily="2" charset="-127"/>
-                <a:ea typeface="프리젠테이션 4 Regular" pitchFamily="2" charset="-127"/>
-              </a:rPr>
-              <a:t>30</a:t>
-            </a:r>
-            <a:r>
-              <a:rPr lang="ko-KR" altLang="en-US" sz="1400" dirty="0">
-                <a:latin typeface="프리젠테이션 4 Regular" pitchFamily="2" charset="-127"/>
-                <a:ea typeface="프리젠테이션 4 Regular" pitchFamily="2" charset="-127"/>
-              </a:rPr>
-              <a:t>초 경과</a:t>
-            </a:r>
-          </a:p>
-        </p:txBody>
-      </p:sp>
-      <p:cxnSp>
-        <p:nvCxnSpPr>
-          <p:cNvPr id="30" name="직선 연결선 29">
-            <a:extLst>
-              <a:ext uri="{FF2B5EF4-FFF2-40B4-BE49-F238E27FC236}">
-                <a16:creationId xmlns:a16="http://schemas.microsoft.com/office/drawing/2014/main" id="{2FD12A55-734C-ED0A-55F2-BD7815246002}"/>
-              </a:ext>
-            </a:extLst>
-          </p:cNvPr>
-          <p:cNvCxnSpPr>
-            <a:cxnSpLocks/>
-          </p:cNvCxnSpPr>
-          <p:nvPr/>
-        </p:nvCxnSpPr>
-        <p:spPr>
-          <a:xfrm>
-            <a:off x="3776449" y="2196212"/>
-            <a:ext cx="0" cy="2827270"/>
-          </a:xfrm>
-          <a:prstGeom prst="line">
-            <a:avLst/>
-          </a:prstGeom>
-          <a:ln w="57150">
-            <a:solidFill>
-              <a:srgbClr val="FF0000"/>
-            </a:solidFill>
-          </a:ln>
-        </p:spPr>
-        <p:style>
-          <a:lnRef idx="2">
-            <a:schemeClr val="accent1"/>
-          </a:lnRef>
-          <a:fillRef idx="0">
-            <a:schemeClr val="accent1"/>
-          </a:fillRef>
-          <a:effectRef idx="1">
-            <a:schemeClr val="accent1"/>
-          </a:effectRef>
-          <a:fontRef idx="minor">
-            <a:schemeClr val="tx1"/>
-          </a:fontRef>
-        </p:style>
-      </p:cxnSp>
-      <p:cxnSp>
-        <p:nvCxnSpPr>
-          <p:cNvPr id="31" name="직선 연결선 30">
-            <a:extLst>
-              <a:ext uri="{FF2B5EF4-FFF2-40B4-BE49-F238E27FC236}">
-                <a16:creationId xmlns:a16="http://schemas.microsoft.com/office/drawing/2014/main" id="{424239E1-7150-1B9A-310C-A005568A1090}"/>
-              </a:ext>
-            </a:extLst>
-          </p:cNvPr>
-          <p:cNvCxnSpPr>
-            <a:cxnSpLocks/>
-          </p:cNvCxnSpPr>
-          <p:nvPr/>
-        </p:nvCxnSpPr>
-        <p:spPr>
-          <a:xfrm>
-            <a:off x="3740696" y="2196212"/>
-            <a:ext cx="646608" cy="0"/>
-          </a:xfrm>
-          <a:prstGeom prst="line">
-            <a:avLst/>
-          </a:prstGeom>
-          <a:ln w="38100" cap="flat" cmpd="sng" algn="ctr">
-            <a:solidFill>
-              <a:schemeClr val="accent6"/>
-            </a:solidFill>
-            <a:prstDash val="solid"/>
-            <a:round/>
-            <a:headEnd type="none" w="med" len="med"/>
-            <a:tailEnd type="arrow" w="med" len="med"/>
-          </a:ln>
-        </p:spPr>
-        <p:style>
-          <a:lnRef idx="0">
-            <a:scrgbClr r="0" g="0" b="0"/>
-          </a:lnRef>
-          <a:fillRef idx="0">
-            <a:scrgbClr r="0" g="0" b="0"/>
-          </a:fillRef>
-          <a:effectRef idx="0">
-            <a:scrgbClr r="0" g="0" b="0"/>
-          </a:effectRef>
-          <a:fontRef idx="minor">
-            <a:schemeClr val="tx1"/>
-          </a:fontRef>
-        </p:style>
-      </p:cxnSp>
-      <p:cxnSp>
-        <p:nvCxnSpPr>
-          <p:cNvPr id="32" name="직선 연결선 31">
-            <a:extLst>
-              <a:ext uri="{FF2B5EF4-FFF2-40B4-BE49-F238E27FC236}">
-                <a16:creationId xmlns:a16="http://schemas.microsoft.com/office/drawing/2014/main" id="{F54C958D-5FF6-38C8-EE3D-95165FD32688}"/>
-              </a:ext>
-            </a:extLst>
-          </p:cNvPr>
-          <p:cNvCxnSpPr>
-            <a:cxnSpLocks/>
-          </p:cNvCxnSpPr>
-          <p:nvPr/>
-        </p:nvCxnSpPr>
-        <p:spPr>
-          <a:xfrm>
-            <a:off x="3740696" y="5023482"/>
-            <a:ext cx="646608" cy="0"/>
-          </a:xfrm>
-          <a:prstGeom prst="line">
-            <a:avLst/>
-          </a:prstGeom>
-          <a:ln w="57150">
-            <a:solidFill>
-              <a:srgbClr val="FF0000"/>
-            </a:solidFill>
-          </a:ln>
-        </p:spPr>
-        <p:style>
-          <a:lnRef idx="2">
-            <a:schemeClr val="accent1"/>
-          </a:lnRef>
-          <a:fillRef idx="0">
-            <a:schemeClr val="accent1"/>
-          </a:fillRef>
-          <a:effectRef idx="1">
-            <a:schemeClr val="accent1"/>
-          </a:effectRef>
-          <a:fontRef idx="minor">
-            <a:schemeClr val="tx1"/>
-          </a:fontRef>
-        </p:style>
-      </p:cxnSp>
-      <p:sp>
-        <p:nvSpPr>
-          <p:cNvPr id="33" name="사다리꼴 32">
-            <a:extLst>
-              <a:ext uri="{FF2B5EF4-FFF2-40B4-BE49-F238E27FC236}">
-                <a16:creationId xmlns:a16="http://schemas.microsoft.com/office/drawing/2014/main" id="{414B96F9-BD52-5A81-1504-672F20E2E9FB}"/>
-              </a:ext>
-            </a:extLst>
-          </p:cNvPr>
-          <p:cNvSpPr/>
-          <p:nvPr/>
-        </p:nvSpPr>
-        <p:spPr>
-          <a:xfrm>
-            <a:off x="1736071" y="3744588"/>
-            <a:ext cx="1688360" cy="383102"/>
-          </a:xfrm>
-          <a:prstGeom prst="trapezoid">
-            <a:avLst/>
-          </a:prstGeom>
-          <a:solidFill>
-            <a:schemeClr val="accent4">
-              <a:lumMod val="75000"/>
-            </a:schemeClr>
-          </a:solidFill>
-        </p:spPr>
-        <p:style>
-          <a:lnRef idx="2">
-            <a:schemeClr val="accent1">
-              <a:shade val="15000"/>
-            </a:schemeClr>
-          </a:lnRef>
-          <a:fillRef idx="1">
-            <a:schemeClr val="accent1"/>
-          </a:fillRef>
-          <a:effectRef idx="0">
-            <a:schemeClr val="accent1"/>
-          </a:effectRef>
-          <a:fontRef idx="minor">
-            <a:schemeClr val="lt1"/>
-          </a:fontRef>
-        </p:style>
-        <p:txBody>
-          <a:bodyPr rtlCol="0" anchor="ctr"/>
-          <a:lstStyle/>
-          <a:p>
-            <a:pPr algn="ctr"/>
-            <a:r>
-              <a:rPr lang="en-US" altLang="ko-KR" sz="1400" dirty="0">
-                <a:latin typeface="프리젠테이션 4 Regular" pitchFamily="2" charset="-127"/>
-                <a:ea typeface="프리젠테이션 4 Regular" pitchFamily="2" charset="-127"/>
-              </a:rPr>
-              <a:t>10</a:t>
-            </a:r>
-            <a:r>
-              <a:rPr lang="ko-KR" altLang="en-US" sz="1400" dirty="0">
-                <a:latin typeface="프리젠테이션 4 Regular" pitchFamily="2" charset="-127"/>
-                <a:ea typeface="프리젠테이션 4 Regular" pitchFamily="2" charset="-127"/>
-              </a:rPr>
-              <a:t>번 반복했다면</a:t>
-            </a:r>
-          </a:p>
-        </p:txBody>
-      </p:sp>
-      <p:sp>
-        <p:nvSpPr>
-          <p:cNvPr id="34" name="직사각형 33">
-            <a:extLst>
-              <a:ext uri="{FF2B5EF4-FFF2-40B4-BE49-F238E27FC236}">
-                <a16:creationId xmlns:a16="http://schemas.microsoft.com/office/drawing/2014/main" id="{E9C61704-C6A2-837F-ECA9-B33C43B7F4BE}"/>
-              </a:ext>
-            </a:extLst>
-          </p:cNvPr>
-          <p:cNvSpPr/>
-          <p:nvPr/>
-        </p:nvSpPr>
-        <p:spPr>
-          <a:xfrm>
-            <a:off x="1927715" y="3294213"/>
-            <a:ext cx="1305071" cy="383102"/>
-          </a:xfrm>
-          <a:prstGeom prst="rect">
-            <a:avLst/>
-          </a:prstGeom>
-          <a:solidFill>
-            <a:schemeClr val="bg1">
-              <a:lumMod val="95000"/>
-            </a:schemeClr>
-          </a:solidFill>
-        </p:spPr>
-        <p:style>
-          <a:lnRef idx="2">
-            <a:schemeClr val="accent1">
-              <a:shade val="15000"/>
-            </a:schemeClr>
-          </a:lnRef>
-          <a:fillRef idx="1">
-            <a:schemeClr val="accent1"/>
-          </a:fillRef>
-          <a:effectRef idx="0">
-            <a:schemeClr val="accent1"/>
-          </a:effectRef>
-          <a:fontRef idx="minor">
-            <a:schemeClr val="lt1"/>
-          </a:fontRef>
-        </p:style>
-        <p:txBody>
-          <a:bodyPr rtlCol="0" anchor="ctr"/>
-          <a:lstStyle/>
-          <a:p>
-            <a:pPr algn="ctr"/>
-            <a:r>
-              <a:rPr lang="ko-KR" altLang="en-US" sz="1400" dirty="0">
-                <a:solidFill>
-                  <a:schemeClr val="tx1"/>
-                </a:solidFill>
-                <a:latin typeface="프리젠테이션 4 Regular" pitchFamily="2" charset="-127"/>
-                <a:ea typeface="프리젠테이션 4 Regular" pitchFamily="2" charset="-127"/>
-              </a:rPr>
-              <a:t>반복</a:t>
-            </a:r>
-          </a:p>
-        </p:txBody>
-      </p:sp>
-      <p:cxnSp>
-        <p:nvCxnSpPr>
-          <p:cNvPr id="35" name="직선 연결선 34">
-            <a:extLst>
-              <a:ext uri="{FF2B5EF4-FFF2-40B4-BE49-F238E27FC236}">
-                <a16:creationId xmlns:a16="http://schemas.microsoft.com/office/drawing/2014/main" id="{F5F22764-4A2C-8F49-CB84-671483140924}"/>
-              </a:ext>
-            </a:extLst>
-          </p:cNvPr>
-          <p:cNvCxnSpPr>
-            <a:cxnSpLocks/>
-          </p:cNvCxnSpPr>
-          <p:nvPr/>
-        </p:nvCxnSpPr>
-        <p:spPr>
-          <a:xfrm>
-            <a:off x="2580250" y="4127690"/>
-            <a:ext cx="0" cy="1904810"/>
-          </a:xfrm>
-          <a:prstGeom prst="line">
-            <a:avLst/>
-          </a:prstGeom>
-          <a:ln w="57150">
-            <a:solidFill>
-              <a:srgbClr val="FF0000"/>
-            </a:solidFill>
-          </a:ln>
-        </p:spPr>
-        <p:style>
-          <a:lnRef idx="2">
-            <a:schemeClr val="accent1"/>
-          </a:lnRef>
-          <a:fillRef idx="0">
-            <a:schemeClr val="accent1"/>
-          </a:fillRef>
-          <a:effectRef idx="1">
-            <a:schemeClr val="accent1"/>
-          </a:effectRef>
-          <a:fontRef idx="minor">
-            <a:schemeClr val="tx1"/>
-          </a:fontRef>
-        </p:style>
-      </p:cxnSp>
-      <p:cxnSp>
-        <p:nvCxnSpPr>
-          <p:cNvPr id="36" name="직선 연결선 35">
-            <a:extLst>
-              <a:ext uri="{FF2B5EF4-FFF2-40B4-BE49-F238E27FC236}">
-                <a16:creationId xmlns:a16="http://schemas.microsoft.com/office/drawing/2014/main" id="{1FF1BF76-332A-909F-3B45-9C6346A7D0C3}"/>
-              </a:ext>
-            </a:extLst>
-          </p:cNvPr>
-          <p:cNvCxnSpPr>
-            <a:cxnSpLocks/>
-          </p:cNvCxnSpPr>
-          <p:nvPr/>
-        </p:nvCxnSpPr>
-        <p:spPr>
-          <a:xfrm>
-            <a:off x="2580250" y="6032500"/>
-            <a:ext cx="1483750" cy="0"/>
-          </a:xfrm>
-          <a:prstGeom prst="line">
-            <a:avLst/>
-          </a:prstGeom>
-          <a:ln w="57150">
-            <a:solidFill>
-              <a:srgbClr val="FF0000"/>
-            </a:solidFill>
-          </a:ln>
-        </p:spPr>
-        <p:style>
-          <a:lnRef idx="2">
-            <a:schemeClr val="accent1"/>
-          </a:lnRef>
-          <a:fillRef idx="0">
-            <a:schemeClr val="accent1"/>
-          </a:fillRef>
-          <a:effectRef idx="1">
-            <a:schemeClr val="accent1"/>
-          </a:effectRef>
-          <a:fontRef idx="minor">
-            <a:schemeClr val="tx1"/>
-          </a:fontRef>
-        </p:style>
-      </p:cxnSp>
-      <p:sp>
-        <p:nvSpPr>
-          <p:cNvPr id="37" name="직사각형 36">
-            <a:extLst>
-              <a:ext uri="{FF2B5EF4-FFF2-40B4-BE49-F238E27FC236}">
-                <a16:creationId xmlns:a16="http://schemas.microsoft.com/office/drawing/2014/main" id="{059D7893-4DA1-684C-9B19-4993BE73F2EA}"/>
-              </a:ext>
-            </a:extLst>
-          </p:cNvPr>
-          <p:cNvSpPr/>
-          <p:nvPr/>
-        </p:nvSpPr>
-        <p:spPr>
-          <a:xfrm>
-            <a:off x="4503293" y="5637749"/>
-            <a:ext cx="2781037" cy="914400"/>
-          </a:xfrm>
-          <a:prstGeom prst="rect">
-            <a:avLst/>
-          </a:prstGeom>
-          <a:solidFill>
-            <a:schemeClr val="bg1">
-              <a:lumMod val="95000"/>
-            </a:schemeClr>
-          </a:solidFill>
-        </p:spPr>
-        <p:style>
-          <a:lnRef idx="2">
-            <a:schemeClr val="accent1">
-              <a:shade val="15000"/>
-            </a:schemeClr>
-          </a:lnRef>
-          <a:fillRef idx="1">
-            <a:schemeClr val="accent1"/>
-          </a:fillRef>
-          <a:effectRef idx="0">
-            <a:schemeClr val="accent1"/>
-          </a:effectRef>
-          <a:fontRef idx="minor">
-            <a:schemeClr val="lt1"/>
-          </a:fontRef>
-        </p:style>
-        <p:txBody>
-          <a:bodyPr rtlCol="0" anchor="ctr"/>
-          <a:lstStyle/>
-          <a:p>
-            <a:pPr algn="ctr"/>
-            <a:r>
-              <a:rPr lang="ko-KR" altLang="en-US" sz="1400" dirty="0">
-                <a:solidFill>
-                  <a:schemeClr val="tx1"/>
-                </a:solidFill>
-                <a:latin typeface="프리젠테이션 4 Regular" pitchFamily="2" charset="-127"/>
-                <a:ea typeface="프리젠테이션 4 Regular" pitchFamily="2" charset="-127"/>
-              </a:rPr>
-              <a:t>오벨리스크 위치에</a:t>
-            </a:r>
-            <a:endParaRPr lang="en-US" altLang="ko-KR" sz="1400" dirty="0">
-              <a:solidFill>
-                <a:schemeClr val="tx1"/>
-              </a:solidFill>
-              <a:latin typeface="프리젠테이션 4 Regular" pitchFamily="2" charset="-127"/>
-              <a:ea typeface="프리젠테이션 4 Regular" pitchFamily="2" charset="-127"/>
-            </a:endParaRPr>
-          </a:p>
-          <a:p>
-            <a:pPr algn="ctr"/>
-            <a:r>
-              <a:rPr lang="ko-KR" altLang="en-US" sz="1400" dirty="0">
-                <a:solidFill>
-                  <a:schemeClr val="tx1"/>
-                </a:solidFill>
-                <a:latin typeface="프리젠테이션 4 Regular" pitchFamily="2" charset="-127"/>
-                <a:ea typeface="프리젠테이션 4 Regular" pitchFamily="2" charset="-127"/>
-              </a:rPr>
-              <a:t>보스 등장</a:t>
-            </a:r>
-          </a:p>
-        </p:txBody>
-      </p:sp>
-      <p:cxnSp>
-        <p:nvCxnSpPr>
-          <p:cNvPr id="38" name="직선 화살표 연결선 37">
-            <a:extLst>
-              <a:ext uri="{FF2B5EF4-FFF2-40B4-BE49-F238E27FC236}">
-                <a16:creationId xmlns:a16="http://schemas.microsoft.com/office/drawing/2014/main" id="{CB8FE32E-F5F7-6FB9-88BB-8D252C5DC82A}"/>
-              </a:ext>
-            </a:extLst>
-          </p:cNvPr>
-          <p:cNvCxnSpPr>
-            <a:stCxn id="34" idx="0"/>
-          </p:cNvCxnSpPr>
-          <p:nvPr/>
-        </p:nvCxnSpPr>
-        <p:spPr>
-          <a:xfrm flipH="1" flipV="1">
-            <a:off x="2580250" y="2764640"/>
-            <a:ext cx="1" cy="529573"/>
-          </a:xfrm>
-          <a:prstGeom prst="straightConnector1">
-            <a:avLst/>
-          </a:prstGeom>
-          <a:ln w="28575">
-            <a:solidFill>
-              <a:srgbClr val="FFC000"/>
-            </a:solidFill>
-            <a:tailEnd type="triangle"/>
-          </a:ln>
-        </p:spPr>
-        <p:style>
-          <a:lnRef idx="2">
-            <a:schemeClr val="accent1"/>
-          </a:lnRef>
-          <a:fillRef idx="0">
-            <a:schemeClr val="accent1"/>
-          </a:fillRef>
-          <a:effectRef idx="1">
-            <a:schemeClr val="accent1"/>
-          </a:effectRef>
-          <a:fontRef idx="minor">
-            <a:schemeClr val="tx1"/>
-          </a:fontRef>
-        </p:style>
-      </p:cxnSp>
-      <p:sp>
-        <p:nvSpPr>
-          <p:cNvPr id="39" name="직사각형 38">
-            <a:extLst>
-              <a:ext uri="{FF2B5EF4-FFF2-40B4-BE49-F238E27FC236}">
-                <a16:creationId xmlns:a16="http://schemas.microsoft.com/office/drawing/2014/main" id="{88FEB05F-8E1A-7541-E53B-C2B5DE522933}"/>
-              </a:ext>
-            </a:extLst>
-          </p:cNvPr>
-          <p:cNvSpPr/>
-          <p:nvPr/>
-        </p:nvSpPr>
-        <p:spPr>
-          <a:xfrm>
-            <a:off x="1902709" y="2314265"/>
-            <a:ext cx="1305071" cy="383102"/>
-          </a:xfrm>
-          <a:prstGeom prst="rect">
-            <a:avLst/>
-          </a:prstGeom>
-          <a:solidFill>
-            <a:schemeClr val="bg1">
-              <a:lumMod val="95000"/>
-            </a:schemeClr>
-          </a:solidFill>
-        </p:spPr>
-        <p:style>
-          <a:lnRef idx="2">
-            <a:schemeClr val="accent1">
-              <a:shade val="15000"/>
-            </a:schemeClr>
-          </a:lnRef>
-          <a:fillRef idx="1">
-            <a:schemeClr val="accent1"/>
-          </a:fillRef>
-          <a:effectRef idx="0">
-            <a:schemeClr val="accent1"/>
-          </a:effectRef>
-          <a:fontRef idx="minor">
-            <a:schemeClr val="lt1"/>
-          </a:fontRef>
-        </p:style>
-        <p:txBody>
-          <a:bodyPr rtlCol="0" anchor="ctr"/>
-          <a:lstStyle/>
-          <a:p>
-            <a:pPr algn="ctr"/>
-            <a:r>
-              <a:rPr lang="ko-KR" altLang="en-US" sz="1400">
-                <a:solidFill>
-                  <a:schemeClr val="tx1"/>
-                </a:solidFill>
-                <a:latin typeface="프리젠테이션 4 Regular" pitchFamily="2" charset="-127"/>
-                <a:ea typeface="프리젠테이션 4 Regular" pitchFamily="2" charset="-127"/>
-              </a:rPr>
-              <a:t>적 </a:t>
-            </a:r>
-            <a:r>
-              <a:rPr lang="en-US" altLang="ko-KR" sz="1400" dirty="0">
-                <a:solidFill>
-                  <a:schemeClr val="tx1"/>
-                </a:solidFill>
-                <a:latin typeface="프리젠테이션 4 Regular" pitchFamily="2" charset="-127"/>
-                <a:ea typeface="프리젠테이션 4 Regular" pitchFamily="2" charset="-127"/>
-              </a:rPr>
-              <a:t>2</a:t>
-            </a:r>
-            <a:r>
-              <a:rPr lang="ko-KR" altLang="en-US" sz="1400" dirty="0">
-                <a:solidFill>
-                  <a:schemeClr val="tx1"/>
-                </a:solidFill>
-                <a:latin typeface="프리젠테이션 4 Regular" pitchFamily="2" charset="-127"/>
-                <a:ea typeface="프리젠테이션 4 Regular" pitchFamily="2" charset="-127"/>
-              </a:rPr>
-              <a:t>마리씩 추가</a:t>
-            </a:r>
-          </a:p>
-        </p:txBody>
-      </p:sp>
-      <p:sp>
-        <p:nvSpPr>
-          <p:cNvPr id="40" name="사다리꼴 39">
-            <a:extLst>
-              <a:ext uri="{FF2B5EF4-FFF2-40B4-BE49-F238E27FC236}">
-                <a16:creationId xmlns:a16="http://schemas.microsoft.com/office/drawing/2014/main" id="{8F442CCD-5E55-3D55-E29B-BAAF1B552252}"/>
-              </a:ext>
-            </a:extLst>
-          </p:cNvPr>
-          <p:cNvSpPr/>
-          <p:nvPr/>
-        </p:nvSpPr>
-        <p:spPr>
-          <a:xfrm>
-            <a:off x="1741460" y="1849185"/>
-            <a:ext cx="1688360" cy="383102"/>
-          </a:xfrm>
-          <a:prstGeom prst="trapezoid">
-            <a:avLst/>
-          </a:prstGeom>
-          <a:solidFill>
-            <a:schemeClr val="accent4">
-              <a:lumMod val="75000"/>
-            </a:schemeClr>
-          </a:solidFill>
-        </p:spPr>
-        <p:style>
-          <a:lnRef idx="2">
-            <a:schemeClr val="accent1">
-              <a:shade val="15000"/>
-            </a:schemeClr>
-          </a:lnRef>
-          <a:fillRef idx="1">
-            <a:schemeClr val="accent1"/>
-          </a:fillRef>
-          <a:effectRef idx="0">
-            <a:schemeClr val="accent1"/>
-          </a:effectRef>
-          <a:fontRef idx="minor">
-            <a:schemeClr val="lt1"/>
-          </a:fontRef>
-        </p:style>
-        <p:txBody>
-          <a:bodyPr rtlCol="0" anchor="ctr"/>
-          <a:lstStyle/>
-          <a:p>
-            <a:pPr algn="ctr"/>
-            <a:r>
-              <a:rPr lang="ko-KR" altLang="en-US" sz="1400" dirty="0">
-                <a:latin typeface="프리젠테이션 4 Regular" pitchFamily="2" charset="-127"/>
-                <a:ea typeface="프리젠테이션 4 Regular" pitchFamily="2" charset="-127"/>
-              </a:rPr>
-              <a:t>특정 적 </a:t>
-            </a:r>
-            <a:r>
-              <a:rPr lang="en-US" altLang="ko-KR" sz="1400" dirty="0">
-                <a:latin typeface="프리젠테이션 4 Regular" pitchFamily="2" charset="-127"/>
-                <a:ea typeface="프리젠테이션 4 Regular" pitchFamily="2" charset="-127"/>
-              </a:rPr>
-              <a:t>&gt;= 5</a:t>
-            </a:r>
-            <a:endParaRPr lang="ko-KR" altLang="en-US" sz="1400" dirty="0">
-              <a:latin typeface="프리젠테이션 4 Regular" pitchFamily="2" charset="-127"/>
-              <a:ea typeface="프리젠테이션 4 Regular" pitchFamily="2" charset="-127"/>
-            </a:endParaRPr>
-          </a:p>
-        </p:txBody>
-      </p:sp>
-      <p:cxnSp>
-        <p:nvCxnSpPr>
-          <p:cNvPr id="41" name="직선 연결선 40">
-            <a:extLst>
-              <a:ext uri="{FF2B5EF4-FFF2-40B4-BE49-F238E27FC236}">
-                <a16:creationId xmlns:a16="http://schemas.microsoft.com/office/drawing/2014/main" id="{4CF634EF-996E-B547-6B78-33328275E92C}"/>
-              </a:ext>
-            </a:extLst>
-          </p:cNvPr>
-          <p:cNvCxnSpPr>
-            <a:cxnSpLocks/>
-            <a:endCxn id="40" idx="1"/>
-          </p:cNvCxnSpPr>
-          <p:nvPr/>
-        </p:nvCxnSpPr>
-        <p:spPr>
-          <a:xfrm>
-            <a:off x="1460500" y="2040736"/>
-            <a:ext cx="328848" cy="0"/>
-          </a:xfrm>
-          <a:prstGeom prst="line">
-            <a:avLst/>
-          </a:prstGeom>
-        </p:spPr>
-        <p:style>
-          <a:lnRef idx="2">
-            <a:schemeClr val="accent1"/>
-          </a:lnRef>
-          <a:fillRef idx="0">
-            <a:schemeClr val="accent1"/>
-          </a:fillRef>
-          <a:effectRef idx="1">
-            <a:schemeClr val="accent1"/>
-          </a:effectRef>
-          <a:fontRef idx="minor">
-            <a:schemeClr val="tx1"/>
-          </a:fontRef>
-        </p:style>
-      </p:cxnSp>
-      <p:sp>
-        <p:nvSpPr>
-          <p:cNvPr id="42" name="직사각형 41">
-            <a:extLst>
-              <a:ext uri="{FF2B5EF4-FFF2-40B4-BE49-F238E27FC236}">
-                <a16:creationId xmlns:a16="http://schemas.microsoft.com/office/drawing/2014/main" id="{A24B87D2-7188-0CE1-888C-C0E842A9C6DC}"/>
-              </a:ext>
-            </a:extLst>
-          </p:cNvPr>
-          <p:cNvSpPr/>
-          <p:nvPr/>
-        </p:nvSpPr>
-        <p:spPr>
-          <a:xfrm>
-            <a:off x="213609" y="1799520"/>
-            <a:ext cx="1305071" cy="383102"/>
-          </a:xfrm>
-          <a:prstGeom prst="rect">
-            <a:avLst/>
-          </a:prstGeom>
-          <a:solidFill>
-            <a:schemeClr val="bg1">
-              <a:lumMod val="95000"/>
-            </a:schemeClr>
-          </a:solidFill>
-        </p:spPr>
-        <p:style>
-          <a:lnRef idx="2">
-            <a:schemeClr val="accent1">
-              <a:shade val="15000"/>
-            </a:schemeClr>
-          </a:lnRef>
-          <a:fillRef idx="1">
-            <a:schemeClr val="accent1"/>
-          </a:fillRef>
-          <a:effectRef idx="0">
-            <a:schemeClr val="accent1"/>
-          </a:effectRef>
-          <a:fontRef idx="minor">
-            <a:schemeClr val="lt1"/>
-          </a:fontRef>
-        </p:style>
-        <p:txBody>
-          <a:bodyPr rtlCol="0" anchor="ctr"/>
-          <a:lstStyle/>
-          <a:p>
-            <a:pPr algn="ctr"/>
-            <a:r>
-              <a:rPr lang="ko-KR" altLang="en-US" sz="1400" dirty="0">
-                <a:solidFill>
-                  <a:schemeClr val="tx1"/>
-                </a:solidFill>
-                <a:latin typeface="프리젠테이션 4 Regular" pitchFamily="2" charset="-127"/>
-                <a:ea typeface="프리젠테이션 4 Regular" pitchFamily="2" charset="-127"/>
-              </a:rPr>
-              <a:t>해당 적 강화</a:t>
-            </a:r>
-          </a:p>
-        </p:txBody>
-      </p:sp>
-      <p:cxnSp>
-        <p:nvCxnSpPr>
-          <p:cNvPr id="43" name="직선 화살표 연결선 42">
-            <a:extLst>
-              <a:ext uri="{FF2B5EF4-FFF2-40B4-BE49-F238E27FC236}">
-                <a16:creationId xmlns:a16="http://schemas.microsoft.com/office/drawing/2014/main" id="{16B483CB-F836-0095-8BC1-3390FC176F44}"/>
-              </a:ext>
-            </a:extLst>
-          </p:cNvPr>
-          <p:cNvCxnSpPr>
-            <a:cxnSpLocks/>
-          </p:cNvCxnSpPr>
-          <p:nvPr/>
-        </p:nvCxnSpPr>
-        <p:spPr>
-          <a:xfrm>
-            <a:off x="2580250" y="6032500"/>
-            <a:ext cx="1525622" cy="0"/>
-          </a:xfrm>
-          <a:prstGeom prst="straightConnector1">
-            <a:avLst/>
-          </a:prstGeom>
-          <a:ln w="28575">
-            <a:solidFill>
-              <a:srgbClr val="FFC000"/>
-            </a:solidFill>
-            <a:tailEnd type="triangle"/>
-          </a:ln>
-        </p:spPr>
-        <p:style>
-          <a:lnRef idx="2">
-            <a:schemeClr val="accent1"/>
-          </a:lnRef>
-          <a:fillRef idx="0">
-            <a:schemeClr val="accent1"/>
-          </a:fillRef>
-          <a:effectRef idx="1">
-            <a:schemeClr val="accent1"/>
-          </a:effectRef>
-          <a:fontRef idx="minor">
-            <a:schemeClr val="tx1"/>
-          </a:fontRef>
-        </p:style>
-      </p:cxnSp>
-      <p:sp>
-        <p:nvSpPr>
-          <p:cNvPr id="44" name="직사각형 43">
-            <a:extLst>
-              <a:ext uri="{FF2B5EF4-FFF2-40B4-BE49-F238E27FC236}">
-                <a16:creationId xmlns:a16="http://schemas.microsoft.com/office/drawing/2014/main" id="{82EF1D47-CAE6-0A13-3555-F681E136F47E}"/>
-              </a:ext>
-            </a:extLst>
-          </p:cNvPr>
-          <p:cNvSpPr/>
-          <p:nvPr/>
-        </p:nvSpPr>
-        <p:spPr>
-          <a:xfrm>
-            <a:off x="4503293" y="3476805"/>
-            <a:ext cx="2781037" cy="1100533"/>
-          </a:xfrm>
-          <a:prstGeom prst="rect">
-            <a:avLst/>
-          </a:prstGeom>
-          <a:noFill/>
-          <a:ln w="38100">
-            <a:solidFill>
-              <a:srgbClr val="FFC000"/>
-            </a:solidFill>
-            <a:prstDash val="sysDash"/>
-          </a:ln>
-        </p:spPr>
-        <p:style>
-          <a:lnRef idx="2">
-            <a:schemeClr val="accent1">
-              <a:shade val="15000"/>
-            </a:schemeClr>
-          </a:lnRef>
-          <a:fillRef idx="1">
-            <a:schemeClr val="accent1"/>
-          </a:fillRef>
-          <a:effectRef idx="0">
-            <a:schemeClr val="accent1"/>
-          </a:effectRef>
-          <a:fontRef idx="minor">
-            <a:schemeClr val="lt1"/>
-          </a:fontRef>
-        </p:style>
-        <p:txBody>
-          <a:bodyPr rtlCol="0" anchor="ctr"/>
-          <a:lstStyle/>
-          <a:p>
-            <a:pPr algn="r"/>
-            <a:r>
-              <a:rPr lang="en-US" altLang="ko-KR" dirty="0">
-                <a:solidFill>
-                  <a:schemeClr val="accent5">
-                    <a:lumMod val="75000"/>
-                  </a:schemeClr>
-                </a:solidFill>
-                <a:latin typeface="HY견고딕" panose="02030600000101010101" pitchFamily="18" charset="-127"/>
-                <a:ea typeface="HY견고딕" panose="02030600000101010101" pitchFamily="18" charset="-127"/>
-              </a:rPr>
-              <a:t>(</a:t>
-            </a:r>
-            <a:r>
-              <a:rPr lang="ko-KR" altLang="en-US" dirty="0">
-                <a:solidFill>
-                  <a:schemeClr val="accent5">
-                    <a:lumMod val="75000"/>
-                  </a:schemeClr>
-                </a:solidFill>
-                <a:latin typeface="HY견고딕" panose="02030600000101010101" pitchFamily="18" charset="-127"/>
-                <a:ea typeface="HY견고딕" panose="02030600000101010101" pitchFamily="18" charset="-127"/>
-              </a:rPr>
-              <a:t>추가요소</a:t>
-            </a:r>
-            <a:r>
-              <a:rPr lang="en-US" altLang="ko-KR" dirty="0">
-                <a:solidFill>
-                  <a:schemeClr val="accent5">
-                    <a:lumMod val="75000"/>
-                  </a:schemeClr>
-                </a:solidFill>
-                <a:latin typeface="HY견고딕" panose="02030600000101010101" pitchFamily="18" charset="-127"/>
-                <a:ea typeface="HY견고딕" panose="02030600000101010101" pitchFamily="18" charset="-127"/>
-              </a:rPr>
-              <a:t>)</a:t>
-            </a:r>
-            <a:endParaRPr lang="ko-KR" altLang="en-US" dirty="0">
-              <a:solidFill>
-                <a:schemeClr val="accent5">
-                  <a:lumMod val="75000"/>
-                </a:schemeClr>
-              </a:solidFill>
-              <a:latin typeface="HY견고딕" panose="02030600000101010101" pitchFamily="18" charset="-127"/>
-              <a:ea typeface="HY견고딕" panose="02030600000101010101" pitchFamily="18" charset="-127"/>
-            </a:endParaRPr>
-          </a:p>
-        </p:txBody>
-      </p:sp>
-      <p:sp>
-        <p:nvSpPr>
-          <p:cNvPr id="45" name="직사각형 44">
-            <a:extLst>
-              <a:ext uri="{FF2B5EF4-FFF2-40B4-BE49-F238E27FC236}">
-                <a16:creationId xmlns:a16="http://schemas.microsoft.com/office/drawing/2014/main" id="{CC088C5E-B43C-E661-901D-C2EBCBFC1B33}"/>
-              </a:ext>
-            </a:extLst>
-          </p:cNvPr>
-          <p:cNvSpPr/>
-          <p:nvPr/>
-        </p:nvSpPr>
-        <p:spPr>
-          <a:xfrm>
-            <a:off x="8336094" y="2130546"/>
-            <a:ext cx="3192885" cy="3685791"/>
-          </a:xfrm>
-          <a:prstGeom prst="rect">
-            <a:avLst/>
-          </a:prstGeom>
-          <a:noFill/>
-          <a:ln w="38100">
-            <a:solidFill>
-              <a:srgbClr val="FFC000"/>
-            </a:solidFill>
-            <a:prstDash val="lgDashDot"/>
-          </a:ln>
-        </p:spPr>
-        <p:style>
-          <a:lnRef idx="2">
-            <a:schemeClr val="accent1">
-              <a:shade val="15000"/>
-            </a:schemeClr>
-          </a:lnRef>
-          <a:fillRef idx="1">
-            <a:schemeClr val="accent1"/>
-          </a:fillRef>
-          <a:effectRef idx="0">
-            <a:schemeClr val="accent1"/>
-          </a:effectRef>
-          <a:fontRef idx="minor">
-            <a:schemeClr val="lt1"/>
-          </a:fontRef>
-        </p:style>
-        <p:txBody>
-          <a:bodyPr rtlCol="0" anchor="ctr"/>
-          <a:lstStyle/>
-          <a:p>
-            <a:endParaRPr lang="en-US" altLang="ko-KR" dirty="0">
-              <a:solidFill>
-                <a:schemeClr val="accent5">
-                  <a:lumMod val="50000"/>
-                </a:schemeClr>
-              </a:solidFill>
-            </a:endParaRPr>
-          </a:p>
-          <a:p>
-            <a:endParaRPr lang="en-US" altLang="ko-KR" dirty="0">
-              <a:solidFill>
-                <a:schemeClr val="accent5">
-                  <a:lumMod val="50000"/>
-                </a:schemeClr>
-              </a:solidFill>
-            </a:endParaRPr>
-          </a:p>
-          <a:p>
-            <a:endParaRPr lang="en-US" altLang="ko-KR" dirty="0">
-              <a:solidFill>
-                <a:schemeClr val="accent5">
-                  <a:lumMod val="50000"/>
-                </a:schemeClr>
-              </a:solidFill>
-            </a:endParaRPr>
-          </a:p>
-          <a:p>
-            <a:endParaRPr lang="en-US" altLang="ko-KR" dirty="0">
-              <a:solidFill>
-                <a:schemeClr val="accent5">
-                  <a:lumMod val="50000"/>
-                </a:schemeClr>
-              </a:solidFill>
-            </a:endParaRPr>
-          </a:p>
-          <a:p>
-            <a:endParaRPr lang="en-US" altLang="ko-KR" dirty="0">
-              <a:solidFill>
-                <a:schemeClr val="accent5">
-                  <a:lumMod val="50000"/>
-                </a:schemeClr>
-              </a:solidFill>
-            </a:endParaRPr>
-          </a:p>
-          <a:p>
-            <a:endParaRPr lang="en-US" altLang="ko-KR" dirty="0">
-              <a:solidFill>
-                <a:schemeClr val="accent5">
-                  <a:lumMod val="50000"/>
-                </a:schemeClr>
-              </a:solidFill>
-            </a:endParaRPr>
-          </a:p>
-          <a:p>
-            <a:endParaRPr lang="en-US" altLang="ko-KR" dirty="0">
-              <a:solidFill>
-                <a:schemeClr val="accent5">
-                  <a:lumMod val="50000"/>
-                </a:schemeClr>
-              </a:solidFill>
-            </a:endParaRPr>
-          </a:p>
-          <a:p>
-            <a:endParaRPr lang="en-US" altLang="ko-KR" dirty="0">
-              <a:solidFill>
-                <a:schemeClr val="accent5">
-                  <a:lumMod val="50000"/>
-                </a:schemeClr>
-              </a:solidFill>
-            </a:endParaRPr>
-          </a:p>
-          <a:p>
-            <a:endParaRPr lang="en-US" altLang="ko-KR" dirty="0">
-              <a:solidFill>
-                <a:schemeClr val="accent5">
-                  <a:lumMod val="50000"/>
-                </a:schemeClr>
-              </a:solidFill>
-            </a:endParaRPr>
-          </a:p>
-          <a:p>
-            <a:endParaRPr lang="en-US" altLang="ko-KR" dirty="0">
-              <a:solidFill>
-                <a:schemeClr val="accent5">
-                  <a:lumMod val="50000"/>
-                </a:schemeClr>
-              </a:solidFill>
-            </a:endParaRPr>
-          </a:p>
-          <a:p>
-            <a:endParaRPr lang="en-US" altLang="ko-KR" dirty="0">
-              <a:solidFill>
-                <a:schemeClr val="accent5">
-                  <a:lumMod val="50000"/>
-                </a:schemeClr>
-              </a:solidFill>
-            </a:endParaRPr>
-          </a:p>
-          <a:p>
-            <a:r>
-              <a:rPr lang="en-US" altLang="ko-KR" b="1" dirty="0">
-                <a:solidFill>
-                  <a:schemeClr val="accent5">
-                    <a:lumMod val="50000"/>
-                  </a:schemeClr>
-                </a:solidFill>
-                <a:latin typeface="HY견고딕" panose="02030600000101010101" pitchFamily="18" charset="-127"/>
-                <a:ea typeface="HY견고딕" panose="02030600000101010101" pitchFamily="18" charset="-127"/>
-              </a:rPr>
-              <a:t>(</a:t>
-            </a:r>
-            <a:r>
-              <a:rPr lang="ko-KR" altLang="en-US" b="1" dirty="0">
-                <a:solidFill>
-                  <a:schemeClr val="accent5">
-                    <a:lumMod val="50000"/>
-                  </a:schemeClr>
-                </a:solidFill>
-                <a:latin typeface="HY견고딕" panose="02030600000101010101" pitchFamily="18" charset="-127"/>
-                <a:ea typeface="HY견고딕" panose="02030600000101010101" pitchFamily="18" charset="-127"/>
-              </a:rPr>
-              <a:t>추가요소</a:t>
-            </a:r>
-            <a:r>
-              <a:rPr lang="en-US" altLang="ko-KR" b="1" dirty="0">
-                <a:solidFill>
-                  <a:schemeClr val="accent5">
-                    <a:lumMod val="50000"/>
-                  </a:schemeClr>
-                </a:solidFill>
-                <a:latin typeface="HY견고딕" panose="02030600000101010101" pitchFamily="18" charset="-127"/>
-                <a:ea typeface="HY견고딕" panose="02030600000101010101" pitchFamily="18" charset="-127"/>
-              </a:rPr>
-              <a:t>)</a:t>
-            </a:r>
-            <a:endParaRPr lang="ko-KR" altLang="en-US" b="1" dirty="0">
-              <a:solidFill>
-                <a:schemeClr val="accent5">
-                  <a:lumMod val="50000"/>
-                </a:schemeClr>
-              </a:solidFill>
-              <a:latin typeface="HY견고딕" panose="02030600000101010101" pitchFamily="18" charset="-127"/>
-              <a:ea typeface="HY견고딕" panose="02030600000101010101" pitchFamily="18" charset="-127"/>
-            </a:endParaRPr>
-          </a:p>
-        </p:txBody>
-      </p:sp>
-      <p:cxnSp>
-        <p:nvCxnSpPr>
-          <p:cNvPr id="46" name="직선 연결선 45">
-            <a:extLst>
-              <a:ext uri="{FF2B5EF4-FFF2-40B4-BE49-F238E27FC236}">
-                <a16:creationId xmlns:a16="http://schemas.microsoft.com/office/drawing/2014/main" id="{D6CA80B3-2AC7-7460-65B8-D81FFC7FEF1A}"/>
-              </a:ext>
-            </a:extLst>
-          </p:cNvPr>
-          <p:cNvCxnSpPr>
-            <a:cxnSpLocks/>
-          </p:cNvCxnSpPr>
-          <p:nvPr/>
-        </p:nvCxnSpPr>
-        <p:spPr>
-          <a:xfrm>
-            <a:off x="3776449" y="3215107"/>
-            <a:ext cx="844060" cy="0"/>
-          </a:xfrm>
-          <a:prstGeom prst="line">
-            <a:avLst/>
-          </a:prstGeom>
-          <a:ln w="57150">
-            <a:solidFill>
-              <a:srgbClr val="FF0000"/>
-            </a:solidFill>
-          </a:ln>
-        </p:spPr>
-        <p:style>
-          <a:lnRef idx="2">
-            <a:schemeClr val="accent1"/>
-          </a:lnRef>
-          <a:fillRef idx="0">
-            <a:schemeClr val="accent1"/>
-          </a:fillRef>
-          <a:effectRef idx="1">
-            <a:schemeClr val="accent1"/>
-          </a:effectRef>
-          <a:fontRef idx="minor">
-            <a:schemeClr val="tx1"/>
-          </a:fontRef>
-        </p:style>
-      </p:cxnSp>
-    </p:spTree>
-    <p:extLst>
-      <p:ext uri="{BB962C8B-B14F-4D97-AF65-F5344CB8AC3E}">
-        <p14:creationId xmlns:p14="http://schemas.microsoft.com/office/powerpoint/2010/main" val="3155627526"/>
-      </p:ext>
-    </p:extLst>
-  </p:cSld>
-  <p:clrMapOvr>
-    <a:masterClrMapping/>
-  </p:clrMapOvr>
-</p:sld>
-</file>
-
-<file path=ppt/slides/slide9.xml><?xml version="1.0" encoding="utf-8"?>
-<p:sld xmlns:a="http://schemas.openxmlformats.org/drawingml/2006/main" xmlns:r="http://schemas.openxmlformats.org/officeDocument/2006/relationships" xmlns:p="http://schemas.openxmlformats.org/presentationml/2006/main">
-  <p:cSld>
-    <p:spTree>
-      <p:nvGrpSpPr>
         <p:cNvPr id="1" name="">
           <a:extLst>
             <a:ext uri="{FF2B5EF4-FFF2-40B4-BE49-F238E27FC236}">
@@ -11547,7 +14388,7 @@
           <p:nvPr>
             <p:extLst>
               <p:ext uri="{D42A27DB-BD31-4B8C-83A1-F6EECF244321}">
-                <p14:modId xmlns:p14="http://schemas.microsoft.com/office/powerpoint/2010/main" val="1573519616"/>
+                <p14:modId xmlns:p14="http://schemas.microsoft.com/office/powerpoint/2010/main" val="1819796509"/>
               </p:ext>
             </p:extLst>
           </p:nvPr>
@@ -11808,7 +14649,6 @@
                     <a:bodyPr/>
                     <a:lstStyle/>
                     <a:p>
-                      <a:pPr/>
                       <a:endParaRPr dirty="0"/>
                     </a:p>
                   </a:txBody>
@@ -11905,6 +14745,20 @@
                           <a:ea typeface="HY헤드라인M" panose="02030600000101010101" pitchFamily="18" charset="-127"/>
                         </a:rPr>
                         <a:t>플레이어 컨트롤 구현</a:t>
+                      </a:r>
+                      <a:r>
+                        <a:rPr lang="en-US" altLang="ko-KR" sz="1800" dirty="0">
+                          <a:latin typeface="HY헤드라인M" panose="02030600000101010101" pitchFamily="18" charset="-127"/>
+                          <a:ea typeface="HY헤드라인M" panose="02030600000101010101" pitchFamily="18" charset="-127"/>
+                        </a:rPr>
+                        <a:t>, </a:t>
+                      </a:r>
+                      <a:r>
+                        <a:rPr lang="ko-KR" altLang="en-US" sz="1800" dirty="0">
+                          <a:latin typeface="HY헤드라인M" panose="02030600000101010101" pitchFamily="18" charset="-127"/>
+                          <a:ea typeface="HY헤드라인M" panose="02030600000101010101" pitchFamily="18" charset="-127"/>
+                        </a:rPr>
+                        <a:t>플레이어 세대 구현</a:t>
                       </a:r>
                     </a:p>
                   </a:txBody>
@@ -12620,6 +15474,593 @@
 </p:sld>
 </file>
 
+<file path=ppt/slides/slide9.xml><?xml version="1.0" encoding="utf-8"?>
+<p:sld xmlns:a="http://schemas.openxmlformats.org/drawingml/2006/main" xmlns:r="http://schemas.openxmlformats.org/officeDocument/2006/relationships" xmlns:p="http://schemas.openxmlformats.org/presentationml/2006/main">
+  <p:cSld>
+    <p:bg>
+      <p:bgPr>
+        <a:solidFill>
+          <a:schemeClr val="bg1"/>
+        </a:solidFill>
+        <a:effectLst/>
+      </p:bgPr>
+    </p:bg>
+    <p:spTree>
+      <p:nvGrpSpPr>
+        <p:cNvPr id="1" name="">
+          <a:extLst>
+            <a:ext uri="{FF2B5EF4-FFF2-40B4-BE49-F238E27FC236}">
+              <a16:creationId xmlns:a16="http://schemas.microsoft.com/office/drawing/2014/main" id="{85511A72-6106-892E-6988-72AF96205D16}"/>
+            </a:ext>
+          </a:extLst>
+        </p:cNvPr>
+        <p:cNvGrpSpPr/>
+        <p:nvPr/>
+      </p:nvGrpSpPr>
+      <p:grpSpPr>
+        <a:xfrm>
+          <a:off x="0" y="0"/>
+          <a:ext cx="0" cy="0"/>
+          <a:chOff x="0" y="0"/>
+          <a:chExt cx="0" cy="0"/>
+        </a:xfrm>
+      </p:grpSpPr>
+      <p:sp>
+        <p:nvSpPr>
+          <p:cNvPr id="9" name="Rectangle 8">
+            <a:extLst>
+              <a:ext uri="{FF2B5EF4-FFF2-40B4-BE49-F238E27FC236}">
+                <a16:creationId xmlns:a16="http://schemas.microsoft.com/office/drawing/2014/main" id="{F85E2713-7383-947C-9613-B6C204F3E5DE}"/>
+              </a:ext>
+              <a:ext uri="{C183D7F6-B498-43B3-948B-1728B52AA6E4}">
+                <adec:decorative xmlns:adec="http://schemas.microsoft.com/office/drawing/2017/decorative" val="1"/>
+              </a:ext>
+            </a:extLst>
+          </p:cNvPr>
+          <p:cNvSpPr>
+            <a:spLocks noGrp="1" noRot="1" noChangeAspect="1" noMove="1" noResize="1" noEditPoints="1" noAdjustHandles="1" noChangeArrowheads="1" noChangeShapeType="1" noTextEdit="1"/>
+          </p:cNvSpPr>
+          <p:nvPr>
+            <p:extLst>
+              <p:ext uri="{386F3935-93C4-4BCD-93E2-E3B085C9AB24}">
+                <p16:designElem xmlns:p16="http://schemas.microsoft.com/office/powerpoint/2015/main" val="1"/>
+              </p:ext>
+            </p:extLst>
+          </p:nvPr>
+        </p:nvSpPr>
+        <p:spPr>
+          <a:xfrm>
+            <a:off x="0" y="0"/>
+            <a:ext cx="12188952" cy="6858000"/>
+          </a:xfrm>
+          <a:prstGeom prst="rect">
+            <a:avLst/>
+          </a:prstGeom>
+          <a:solidFill>
+            <a:schemeClr val="tx1"/>
+          </a:solidFill>
+          <a:ln>
+            <a:noFill/>
+          </a:ln>
+        </p:spPr>
+        <p:style>
+          <a:lnRef idx="2">
+            <a:schemeClr val="accent1">
+              <a:shade val="50000"/>
+            </a:schemeClr>
+          </a:lnRef>
+          <a:fillRef idx="1">
+            <a:schemeClr val="accent1"/>
+          </a:fillRef>
+          <a:effectRef idx="0">
+            <a:schemeClr val="accent1"/>
+          </a:effectRef>
+          <a:fontRef idx="minor">
+            <a:schemeClr val="lt1"/>
+          </a:fontRef>
+        </p:style>
+        <p:txBody>
+          <a:bodyPr rtlCol="0" anchor="ctr"/>
+          <a:lstStyle/>
+          <a:p>
+            <a:pPr algn="ctr"/>
+            <a:endParaRPr lang="en-US"/>
+          </a:p>
+        </p:txBody>
+      </p:sp>
+      <p:pic>
+        <p:nvPicPr>
+          <p:cNvPr id="4" name="그림 3" descr="페인팅, 스케치, 예술, 그림이(가) 표시된 사진&#10;&#10;자동 생성된 설명">
+            <a:extLst>
+              <a:ext uri="{FF2B5EF4-FFF2-40B4-BE49-F238E27FC236}">
+                <a16:creationId xmlns:a16="http://schemas.microsoft.com/office/drawing/2014/main" id="{59F460CF-2507-DC4E-DBB7-31C29295D280}"/>
+              </a:ext>
+            </a:extLst>
+          </p:cNvPr>
+          <p:cNvPicPr>
+            <a:picLocks noChangeAspect="1"/>
+          </p:cNvPicPr>
+          <p:nvPr/>
+        </p:nvPicPr>
+        <p:blipFill>
+          <a:blip r:embed="rId2">
+            <a:alphaModFix amt="50000"/>
+            <a:extLst>
+              <a:ext uri="{28A0092B-C50C-407E-A947-70E740481C1C}">
+                <a14:useLocalDpi xmlns:a14="http://schemas.microsoft.com/office/drawing/2010/main" val="0"/>
+              </a:ext>
+            </a:extLst>
+          </a:blip>
+          <a:srcRect t="50636" r="1" b="5619"/>
+          <a:stretch/>
+        </p:blipFill>
+        <p:spPr>
+          <a:xfrm>
+            <a:off x="20" y="10"/>
+            <a:ext cx="12188930" cy="6857990"/>
+          </a:xfrm>
+          <a:prstGeom prst="rect">
+            <a:avLst/>
+          </a:prstGeom>
+        </p:spPr>
+      </p:pic>
+      <p:sp>
+        <p:nvSpPr>
+          <p:cNvPr id="2" name="제목 1">
+            <a:extLst>
+              <a:ext uri="{FF2B5EF4-FFF2-40B4-BE49-F238E27FC236}">
+                <a16:creationId xmlns:a16="http://schemas.microsoft.com/office/drawing/2014/main" id="{31745905-B52A-CFA7-D74C-9C5CD7BDD4DC}"/>
+              </a:ext>
+            </a:extLst>
+          </p:cNvPr>
+          <p:cNvSpPr>
+            <a:spLocks noGrp="1"/>
+          </p:cNvSpPr>
+          <p:nvPr>
+            <p:ph type="ctrTitle"/>
+          </p:nvPr>
+        </p:nvSpPr>
+        <p:spPr>
+          <a:xfrm>
+            <a:off x="1524000" y="1122363"/>
+            <a:ext cx="9144000" cy="3063240"/>
+          </a:xfrm>
+        </p:spPr>
+        <p:txBody>
+          <a:bodyPr>
+            <a:normAutofit/>
+          </a:bodyPr>
+          <a:lstStyle/>
+          <a:p>
+            <a:br>
+              <a:rPr lang="en-US" altLang="ko-KR" sz="6600" dirty="0">
+                <a:solidFill>
+                  <a:schemeClr val="bg1"/>
+                </a:solidFill>
+              </a:rPr>
+            </a:br>
+            <a:r>
+              <a:rPr lang="ko-KR" altLang="en-US" sz="6600" dirty="0">
+                <a:solidFill>
+                  <a:schemeClr val="bg1"/>
+                </a:solidFill>
+              </a:rPr>
+              <a:t>미발표용</a:t>
+            </a:r>
+            <a:br>
+              <a:rPr lang="en-US" altLang="ko-KR" sz="6600" dirty="0">
+                <a:solidFill>
+                  <a:schemeClr val="bg1"/>
+                </a:solidFill>
+              </a:rPr>
+            </a:br>
+            <a:r>
+              <a:rPr lang="ko-KR" altLang="en-US" sz="6600" dirty="0">
+                <a:solidFill>
+                  <a:schemeClr val="bg1"/>
+                </a:solidFill>
+              </a:rPr>
+              <a:t>세부 게임 기획안</a:t>
+            </a:r>
+          </a:p>
+        </p:txBody>
+      </p:sp>
+      <p:sp>
+        <p:nvSpPr>
+          <p:cNvPr id="3" name="부제목 2">
+            <a:extLst>
+              <a:ext uri="{FF2B5EF4-FFF2-40B4-BE49-F238E27FC236}">
+                <a16:creationId xmlns:a16="http://schemas.microsoft.com/office/drawing/2014/main" id="{ACBAB281-2A13-A450-839B-9B963FA64198}"/>
+              </a:ext>
+            </a:extLst>
+          </p:cNvPr>
+          <p:cNvSpPr>
+            <a:spLocks noGrp="1"/>
+          </p:cNvSpPr>
+          <p:nvPr>
+            <p:ph type="subTitle" idx="1"/>
+          </p:nvPr>
+        </p:nvSpPr>
+        <p:spPr>
+          <a:xfrm>
+            <a:off x="1527048" y="4599432"/>
+            <a:ext cx="9144000" cy="1536192"/>
+          </a:xfrm>
+        </p:spPr>
+        <p:txBody>
+          <a:bodyPr>
+            <a:normAutofit/>
+          </a:bodyPr>
+          <a:lstStyle/>
+          <a:p>
+            <a:endParaRPr lang="ko-KR" altLang="en-US">
+              <a:solidFill>
+                <a:schemeClr val="bg1"/>
+              </a:solidFill>
+            </a:endParaRPr>
+          </a:p>
+        </p:txBody>
+      </p:sp>
+      <p:sp>
+        <p:nvSpPr>
+          <p:cNvPr id="11" name="sketchy line">
+            <a:extLst>
+              <a:ext uri="{FF2B5EF4-FFF2-40B4-BE49-F238E27FC236}">
+                <a16:creationId xmlns:a16="http://schemas.microsoft.com/office/drawing/2014/main" id="{49695C52-82F9-16DA-39D6-B982DA17F684}"/>
+              </a:ext>
+              <a:ext uri="{C183D7F6-B498-43B3-948B-1728B52AA6E4}">
+                <adec:decorative xmlns:adec="http://schemas.microsoft.com/office/drawing/2017/decorative" val="1"/>
+              </a:ext>
+            </a:extLst>
+          </p:cNvPr>
+          <p:cNvSpPr>
+            <a:spLocks noGrp="1" noRot="1" noChangeAspect="1" noMove="1" noResize="1" noEditPoints="1" noAdjustHandles="1" noChangeArrowheads="1" noChangeShapeType="1" noTextEdit="1"/>
+          </p:cNvSpPr>
+          <p:nvPr>
+            <p:extLst>
+              <p:ext uri="{386F3935-93C4-4BCD-93E2-E3B085C9AB24}">
+                <p16:designElem xmlns:p16="http://schemas.microsoft.com/office/powerpoint/2015/main" val="1"/>
+              </p:ext>
+            </p:extLst>
+          </p:nvPr>
+        </p:nvSpPr>
+        <p:spPr>
+          <a:xfrm>
+            <a:off x="3974206" y="4368623"/>
+            <a:ext cx="4243589" cy="18288"/>
+          </a:xfrm>
+          <a:custGeom>
+            <a:avLst/>
+            <a:gdLst>
+              <a:gd name="connsiteX0" fmla="*/ 0 w 4243589"/>
+              <a:gd name="connsiteY0" fmla="*/ 0 h 18288"/>
+              <a:gd name="connsiteX1" fmla="*/ 478919 w 4243589"/>
+              <a:gd name="connsiteY1" fmla="*/ 0 h 18288"/>
+              <a:gd name="connsiteX2" fmla="*/ 957839 w 4243589"/>
+              <a:gd name="connsiteY2" fmla="*/ 0 h 18288"/>
+              <a:gd name="connsiteX3" fmla="*/ 1521630 w 4243589"/>
+              <a:gd name="connsiteY3" fmla="*/ 0 h 18288"/>
+              <a:gd name="connsiteX4" fmla="*/ 2212729 w 4243589"/>
+              <a:gd name="connsiteY4" fmla="*/ 0 h 18288"/>
+              <a:gd name="connsiteX5" fmla="*/ 2734084 w 4243589"/>
+              <a:gd name="connsiteY5" fmla="*/ 0 h 18288"/>
+              <a:gd name="connsiteX6" fmla="*/ 3255439 w 4243589"/>
+              <a:gd name="connsiteY6" fmla="*/ 0 h 18288"/>
+              <a:gd name="connsiteX7" fmla="*/ 4243589 w 4243589"/>
+              <a:gd name="connsiteY7" fmla="*/ 0 h 18288"/>
+              <a:gd name="connsiteX8" fmla="*/ 4243589 w 4243589"/>
+              <a:gd name="connsiteY8" fmla="*/ 18288 h 18288"/>
+              <a:gd name="connsiteX9" fmla="*/ 3594926 w 4243589"/>
+              <a:gd name="connsiteY9" fmla="*/ 18288 h 18288"/>
+              <a:gd name="connsiteX10" fmla="*/ 3073571 w 4243589"/>
+              <a:gd name="connsiteY10" fmla="*/ 18288 h 18288"/>
+              <a:gd name="connsiteX11" fmla="*/ 2552216 w 4243589"/>
+              <a:gd name="connsiteY11" fmla="*/ 18288 h 18288"/>
+              <a:gd name="connsiteX12" fmla="*/ 1903553 w 4243589"/>
+              <a:gd name="connsiteY12" fmla="*/ 18288 h 18288"/>
+              <a:gd name="connsiteX13" fmla="*/ 1212454 w 4243589"/>
+              <a:gd name="connsiteY13" fmla="*/ 18288 h 18288"/>
+              <a:gd name="connsiteX14" fmla="*/ 733535 w 4243589"/>
+              <a:gd name="connsiteY14" fmla="*/ 18288 h 18288"/>
+              <a:gd name="connsiteX15" fmla="*/ 0 w 4243589"/>
+              <a:gd name="connsiteY15" fmla="*/ 18288 h 18288"/>
+              <a:gd name="connsiteX16" fmla="*/ 0 w 4243589"/>
+              <a:gd name="connsiteY16" fmla="*/ 0 h 18288"/>
+            </a:gdLst>
+            <a:ahLst/>
+            <a:cxnLst>
+              <a:cxn ang="0">
+                <a:pos x="connsiteX0" y="connsiteY0"/>
+              </a:cxn>
+              <a:cxn ang="0">
+                <a:pos x="connsiteX1" y="connsiteY1"/>
+              </a:cxn>
+              <a:cxn ang="0">
+                <a:pos x="connsiteX2" y="connsiteY2"/>
+              </a:cxn>
+              <a:cxn ang="0">
+                <a:pos x="connsiteX3" y="connsiteY3"/>
+              </a:cxn>
+              <a:cxn ang="0">
+                <a:pos x="connsiteX4" y="connsiteY4"/>
+              </a:cxn>
+              <a:cxn ang="0">
+                <a:pos x="connsiteX5" y="connsiteY5"/>
+              </a:cxn>
+              <a:cxn ang="0">
+                <a:pos x="connsiteX6" y="connsiteY6"/>
+              </a:cxn>
+              <a:cxn ang="0">
+                <a:pos x="connsiteX7" y="connsiteY7"/>
+              </a:cxn>
+              <a:cxn ang="0">
+                <a:pos x="connsiteX8" y="connsiteY8"/>
+              </a:cxn>
+              <a:cxn ang="0">
+                <a:pos x="connsiteX9" y="connsiteY9"/>
+              </a:cxn>
+              <a:cxn ang="0">
+                <a:pos x="connsiteX10" y="connsiteY10"/>
+              </a:cxn>
+              <a:cxn ang="0">
+                <a:pos x="connsiteX11" y="connsiteY11"/>
+              </a:cxn>
+              <a:cxn ang="0">
+                <a:pos x="connsiteX12" y="connsiteY12"/>
+              </a:cxn>
+              <a:cxn ang="0">
+                <a:pos x="connsiteX13" y="connsiteY13"/>
+              </a:cxn>
+              <a:cxn ang="0">
+                <a:pos x="connsiteX14" y="connsiteY14"/>
+              </a:cxn>
+              <a:cxn ang="0">
+                <a:pos x="connsiteX15" y="connsiteY15"/>
+              </a:cxn>
+              <a:cxn ang="0">
+                <a:pos x="connsiteX16" y="connsiteY16"/>
+              </a:cxn>
+            </a:cxnLst>
+            <a:rect l="l" t="t" r="r" b="b"/>
+            <a:pathLst>
+              <a:path w="4243589" h="18288" fill="none" extrusionOk="0">
+                <a:moveTo>
+                  <a:pt x="0" y="0"/>
+                </a:moveTo>
+                <a:cubicBezTo>
+                  <a:pt x="213395" y="-21006"/>
+                  <a:pt x="307421" y="-18116"/>
+                  <a:pt x="478919" y="0"/>
+                </a:cubicBezTo>
+                <a:cubicBezTo>
+                  <a:pt x="650417" y="18116"/>
+                  <a:pt x="831092" y="-21237"/>
+                  <a:pt x="957839" y="0"/>
+                </a:cubicBezTo>
+                <a:cubicBezTo>
+                  <a:pt x="1084586" y="21237"/>
+                  <a:pt x="1301682" y="25124"/>
+                  <a:pt x="1521630" y="0"/>
+                </a:cubicBezTo>
+                <a:cubicBezTo>
+                  <a:pt x="1741578" y="-25124"/>
+                  <a:pt x="1970269" y="-29139"/>
+                  <a:pt x="2212729" y="0"/>
+                </a:cubicBezTo>
+                <a:cubicBezTo>
+                  <a:pt x="2455189" y="29139"/>
+                  <a:pt x="2558847" y="-4796"/>
+                  <a:pt x="2734084" y="0"/>
+                </a:cubicBezTo>
+                <a:cubicBezTo>
+                  <a:pt x="2909321" y="4796"/>
+                  <a:pt x="3097217" y="-13409"/>
+                  <a:pt x="3255439" y="0"/>
+                </a:cubicBezTo>
+                <a:cubicBezTo>
+                  <a:pt x="3413662" y="13409"/>
+                  <a:pt x="3979999" y="-10121"/>
+                  <a:pt x="4243589" y="0"/>
+                </a:cubicBezTo>
+                <a:cubicBezTo>
+                  <a:pt x="4244484" y="8974"/>
+                  <a:pt x="4243043" y="9359"/>
+                  <a:pt x="4243589" y="18288"/>
+                </a:cubicBezTo>
+                <a:cubicBezTo>
+                  <a:pt x="4058777" y="31246"/>
+                  <a:pt x="3910348" y="3158"/>
+                  <a:pt x="3594926" y="18288"/>
+                </a:cubicBezTo>
+                <a:cubicBezTo>
+                  <a:pt x="3279504" y="33418"/>
+                  <a:pt x="3319955" y="-3977"/>
+                  <a:pt x="3073571" y="18288"/>
+                </a:cubicBezTo>
+                <a:cubicBezTo>
+                  <a:pt x="2827187" y="40553"/>
+                  <a:pt x="2767387" y="1863"/>
+                  <a:pt x="2552216" y="18288"/>
+                </a:cubicBezTo>
+                <a:cubicBezTo>
+                  <a:pt x="2337046" y="34713"/>
+                  <a:pt x="2181871" y="19527"/>
+                  <a:pt x="1903553" y="18288"/>
+                </a:cubicBezTo>
+                <a:cubicBezTo>
+                  <a:pt x="1625235" y="17049"/>
+                  <a:pt x="1557672" y="24174"/>
+                  <a:pt x="1212454" y="18288"/>
+                </a:cubicBezTo>
+                <a:cubicBezTo>
+                  <a:pt x="867236" y="12402"/>
+                  <a:pt x="874382" y="15627"/>
+                  <a:pt x="733535" y="18288"/>
+                </a:cubicBezTo>
+                <a:cubicBezTo>
+                  <a:pt x="592688" y="20949"/>
+                  <a:pt x="183477" y="14753"/>
+                  <a:pt x="0" y="18288"/>
+                </a:cubicBezTo>
+                <a:cubicBezTo>
+                  <a:pt x="-229" y="14222"/>
+                  <a:pt x="509" y="5816"/>
+                  <a:pt x="0" y="0"/>
+                </a:cubicBezTo>
+                <a:close/>
+              </a:path>
+              <a:path w="4243589" h="18288" stroke="0" extrusionOk="0">
+                <a:moveTo>
+                  <a:pt x="0" y="0"/>
+                </a:moveTo>
+                <a:cubicBezTo>
+                  <a:pt x="143690" y="16630"/>
+                  <a:pt x="266667" y="14847"/>
+                  <a:pt x="521355" y="0"/>
+                </a:cubicBezTo>
+                <a:cubicBezTo>
+                  <a:pt x="776043" y="-14847"/>
+                  <a:pt x="814491" y="-17363"/>
+                  <a:pt x="1000275" y="0"/>
+                </a:cubicBezTo>
+                <a:cubicBezTo>
+                  <a:pt x="1186059" y="17363"/>
+                  <a:pt x="1352504" y="-23507"/>
+                  <a:pt x="1521630" y="0"/>
+                </a:cubicBezTo>
+                <a:cubicBezTo>
+                  <a:pt x="1690756" y="23507"/>
+                  <a:pt x="1889525" y="5871"/>
+                  <a:pt x="2127857" y="0"/>
+                </a:cubicBezTo>
+                <a:cubicBezTo>
+                  <a:pt x="2366189" y="-5871"/>
+                  <a:pt x="2620628" y="-27997"/>
+                  <a:pt x="2776520" y="0"/>
+                </a:cubicBezTo>
+                <a:cubicBezTo>
+                  <a:pt x="2932412" y="27997"/>
+                  <a:pt x="3131683" y="-25073"/>
+                  <a:pt x="3467618" y="0"/>
+                </a:cubicBezTo>
+                <a:cubicBezTo>
+                  <a:pt x="3803553" y="25073"/>
+                  <a:pt x="4017371" y="3071"/>
+                  <a:pt x="4243589" y="0"/>
+                </a:cubicBezTo>
+                <a:cubicBezTo>
+                  <a:pt x="4243134" y="6162"/>
+                  <a:pt x="4243492" y="11775"/>
+                  <a:pt x="4243589" y="18288"/>
+                </a:cubicBezTo>
+                <a:cubicBezTo>
+                  <a:pt x="4017834" y="-5779"/>
+                  <a:pt x="3834586" y="13376"/>
+                  <a:pt x="3594926" y="18288"/>
+                </a:cubicBezTo>
+                <a:cubicBezTo>
+                  <a:pt x="3355266" y="23200"/>
+                  <a:pt x="3204179" y="2869"/>
+                  <a:pt x="2903827" y="18288"/>
+                </a:cubicBezTo>
+                <a:cubicBezTo>
+                  <a:pt x="2603475" y="33707"/>
+                  <a:pt x="2526187" y="46187"/>
+                  <a:pt x="2212729" y="18288"/>
+                </a:cubicBezTo>
+                <a:cubicBezTo>
+                  <a:pt x="1899271" y="-9611"/>
+                  <a:pt x="1966289" y="29692"/>
+                  <a:pt x="1733809" y="18288"/>
+                </a:cubicBezTo>
+                <a:cubicBezTo>
+                  <a:pt x="1501329" y="6884"/>
+                  <a:pt x="1343612" y="12492"/>
+                  <a:pt x="1085146" y="18288"/>
+                </a:cubicBezTo>
+                <a:cubicBezTo>
+                  <a:pt x="826680" y="24084"/>
+                  <a:pt x="778184" y="35607"/>
+                  <a:pt x="521355" y="18288"/>
+                </a:cubicBezTo>
+                <a:cubicBezTo>
+                  <a:pt x="264526" y="969"/>
+                  <a:pt x="120277" y="4268"/>
+                  <a:pt x="0" y="18288"/>
+                </a:cubicBezTo>
+                <a:cubicBezTo>
+                  <a:pt x="766" y="10800"/>
+                  <a:pt x="-457" y="8180"/>
+                  <a:pt x="0" y="0"/>
+                </a:cubicBezTo>
+                <a:close/>
+              </a:path>
+            </a:pathLst>
+          </a:custGeom>
+          <a:solidFill>
+            <a:srgbClr val="FFFFFF">
+              <a:alpha val="75000"/>
+            </a:srgbClr>
+          </a:solidFill>
+          <a:ln w="44450" cap="rnd">
+            <a:solidFill>
+              <a:schemeClr val="bg1">
+                <a:alpha val="75000"/>
+              </a:schemeClr>
+            </a:solidFill>
+            <a:round/>
+            <a:extLst>
+              <a:ext uri="{C807C97D-BFC1-408E-A445-0C87EB9F89A2}">
+                <ask:lineSketchStyleProps xmlns:ask="http://schemas.microsoft.com/office/drawing/2018/sketchyshapes" sd="2727557108">
+                  <a:prstGeom prst="rect">
+                    <a:avLst/>
+                  </a:prstGeom>
+                  <ask:type>
+                    <ask:lineSketchFreehand/>
+                  </ask:type>
+                </ask:lineSketchStyleProps>
+              </a:ext>
+            </a:extLst>
+          </a:ln>
+        </p:spPr>
+        <p:style>
+          <a:lnRef idx="2">
+            <a:schemeClr val="accent1">
+              <a:shade val="50000"/>
+            </a:schemeClr>
+          </a:lnRef>
+          <a:fillRef idx="1">
+            <a:schemeClr val="accent1"/>
+          </a:fillRef>
+          <a:effectRef idx="0">
+            <a:schemeClr val="accent1"/>
+          </a:effectRef>
+          <a:fontRef idx="minor">
+            <a:schemeClr val="lt1"/>
+          </a:fontRef>
+        </p:style>
+        <p:txBody>
+          <a:bodyPr rtlCol="0" anchor="ctr"/>
+          <a:lstStyle/>
+          <a:p>
+            <a:pPr algn="ctr"/>
+            <a:endParaRPr lang="en-US"/>
+          </a:p>
+        </p:txBody>
+      </p:sp>
+    </p:spTree>
+    <p:extLst>
+      <p:ext uri="{BB962C8B-B14F-4D97-AF65-F5344CB8AC3E}">
+        <p14:creationId xmlns:p14="http://schemas.microsoft.com/office/powerpoint/2010/main" val="2551495297"/>
+      </p:ext>
+    </p:extLst>
+  </p:cSld>
+  <p:clrMapOvr>
+    <a:masterClrMapping/>
+  </p:clrMapOvr>
+</p:sld>
+</file>
+
 <file path=ppt/theme/theme1.xml><?xml version="1.0" encoding="utf-8"?>
 <a:theme xmlns:a="http://schemas.openxmlformats.org/drawingml/2006/main" name="Office 테마">
   <a:themeElements>
@@ -12933,4 +16374,319 @@
     </a:ext>
   </a:extLst>
 </a:theme>
+</file>
+
+<file path=ppt/theme/theme2.xml><?xml version="1.0" encoding="utf-8"?>
+<a:theme xmlns:a="http://schemas.openxmlformats.org/drawingml/2006/main" name="Office 테마">
+  <a:themeElements>
+    <a:clrScheme name="Office">
+      <a:dk1>
+        <a:sysClr val="windowText" lastClr="000000"/>
+      </a:dk1>
+      <a:lt1>
+        <a:sysClr val="window" lastClr="FFFFFF"/>
+      </a:lt1>
+      <a:dk2>
+        <a:srgbClr val="0E2841"/>
+      </a:dk2>
+      <a:lt2>
+        <a:srgbClr val="E8E8E8"/>
+      </a:lt2>
+      <a:accent1>
+        <a:srgbClr val="156082"/>
+      </a:accent1>
+      <a:accent2>
+        <a:srgbClr val="E97132"/>
+      </a:accent2>
+      <a:accent3>
+        <a:srgbClr val="196B24"/>
+      </a:accent3>
+      <a:accent4>
+        <a:srgbClr val="0F9ED5"/>
+      </a:accent4>
+      <a:accent5>
+        <a:srgbClr val="A02B93"/>
+      </a:accent5>
+      <a:accent6>
+        <a:srgbClr val="4EA72E"/>
+      </a:accent6>
+      <a:hlink>
+        <a:srgbClr val="467886"/>
+      </a:hlink>
+      <a:folHlink>
+        <a:srgbClr val="96607D"/>
+      </a:folHlink>
+    </a:clrScheme>
+    <a:fontScheme name="Office">
+      <a:majorFont>
+        <a:latin typeface="맑은 고딕" panose="02110004020202020204"/>
+        <a:ea typeface=""/>
+        <a:cs typeface=""/>
+        <a:font script="Jpan" typeface="游ゴシック Light"/>
+        <a:font script="Hang" typeface="맑은 고딕"/>
+        <a:font script="Hans" typeface="等线 Light"/>
+        <a:font script="Hant" typeface="新細明體"/>
+        <a:font script="Arab" typeface="Times New Roman"/>
+        <a:font script="Hebr" typeface="Times New Roman"/>
+        <a:font script="Thai" typeface="Angsana New"/>
+        <a:font script="Ethi" typeface="Nyala"/>
+        <a:font script="Beng" typeface="Vrinda"/>
+        <a:font script="Gujr" typeface="Shruti"/>
+        <a:font script="Khmr" typeface="MoolBoran"/>
+        <a:font script="Knda" typeface="Tunga"/>
+        <a:font script="Guru" typeface="Raavi"/>
+        <a:font script="Cans" typeface="Euphemia"/>
+        <a:font script="Cher" typeface="Plantagenet Cherokee"/>
+        <a:font script="Yiii" typeface="Microsoft Yi Baiti"/>
+        <a:font script="Tibt" typeface="Microsoft Himalaya"/>
+        <a:font script="Thaa" typeface="MV Boli"/>
+        <a:font script="Deva" typeface="Mangal"/>
+        <a:font script="Telu" typeface="Gautami"/>
+        <a:font script="Taml" typeface="Latha"/>
+        <a:font script="Syrc" typeface="Estrangelo Edessa"/>
+        <a:font script="Orya" typeface="Kalinga"/>
+        <a:font script="Mlym" typeface="Kartika"/>
+        <a:font script="Laoo" typeface="DokChampa"/>
+        <a:font script="Sinh" typeface="Iskoola Pota"/>
+        <a:font script="Mong" typeface="Mongolian Baiti"/>
+        <a:font script="Viet" typeface="Times New Roman"/>
+        <a:font script="Uigh" typeface="Microsoft Uighur"/>
+        <a:font script="Geor" typeface="Sylfaen"/>
+        <a:font script="Armn" typeface="Arial"/>
+        <a:font script="Bugi" typeface="Leelawadee UI"/>
+        <a:font script="Bopo" typeface="Microsoft JhengHei"/>
+        <a:font script="Java" typeface="Javanese Text"/>
+        <a:font script="Lisu" typeface="Segoe UI"/>
+        <a:font script="Mymr" typeface="Myanmar Text"/>
+        <a:font script="Nkoo" typeface="Ebrima"/>
+        <a:font script="Olck" typeface="Nirmala UI"/>
+        <a:font script="Osma" typeface="Ebrima"/>
+        <a:font script="Phag" typeface="Phagspa"/>
+        <a:font script="Syrn" typeface="Estrangelo Edessa"/>
+        <a:font script="Syrj" typeface="Estrangelo Edessa"/>
+        <a:font script="Syre" typeface="Estrangelo Edessa"/>
+        <a:font script="Sora" typeface="Nirmala UI"/>
+        <a:font script="Tale" typeface="Microsoft Tai Le"/>
+        <a:font script="Talu" typeface="Microsoft New Tai Lue"/>
+        <a:font script="Tfng" typeface="Ebrima"/>
+      </a:majorFont>
+      <a:minorFont>
+        <a:latin typeface="맑은 고딕" panose="02110004020202020204"/>
+        <a:ea typeface=""/>
+        <a:cs typeface=""/>
+        <a:font script="Jpan" typeface="游ゴシック"/>
+        <a:font script="Hang" typeface="맑은 고딕"/>
+        <a:font script="Hans" typeface="等线"/>
+        <a:font script="Hant" typeface="新細明體"/>
+        <a:font script="Arab" typeface="Arial"/>
+        <a:font script="Hebr" typeface="Arial"/>
+        <a:font script="Thai" typeface="Cordia New"/>
+        <a:font script="Ethi" typeface="Nyala"/>
+        <a:font script="Beng" typeface="Vrinda"/>
+        <a:font script="Gujr" typeface="Shruti"/>
+        <a:font script="Khmr" typeface="DaunPenh"/>
+        <a:font script="Knda" typeface="Tunga"/>
+        <a:font script="Guru" typeface="Raavi"/>
+        <a:font script="Cans" typeface="Euphemia"/>
+        <a:font script="Cher" typeface="Plantagenet Cherokee"/>
+        <a:font script="Yiii" typeface="Microsoft Yi Baiti"/>
+        <a:font script="Tibt" typeface="Microsoft Himalaya"/>
+        <a:font script="Thaa" typeface="MV Boli"/>
+        <a:font script="Deva" typeface="Mangal"/>
+        <a:font script="Telu" typeface="Gautami"/>
+        <a:font script="Taml" typeface="Latha"/>
+        <a:font script="Syrc" typeface="Estrangelo Edessa"/>
+        <a:font script="Orya" typeface="Kalinga"/>
+        <a:font script="Mlym" typeface="Kartika"/>
+        <a:font script="Laoo" typeface="DokChampa"/>
+        <a:font script="Sinh" typeface="Iskoola Pota"/>
+        <a:font script="Mong" typeface="Mongolian Baiti"/>
+        <a:font script="Viet" typeface="Arial"/>
+        <a:font script="Uigh" typeface="Microsoft Uighur"/>
+        <a:font script="Geor" typeface="Sylfaen"/>
+        <a:font script="Armn" typeface="Arial"/>
+        <a:font script="Bugi" typeface="Leelawadee UI"/>
+        <a:font script="Bopo" typeface="Microsoft JhengHei"/>
+        <a:font script="Java" typeface="Javanese Text"/>
+        <a:font script="Lisu" typeface="Segoe UI"/>
+        <a:font script="Mymr" typeface="Myanmar Text"/>
+        <a:font script="Nkoo" typeface="Ebrima"/>
+        <a:font script="Olck" typeface="Nirmala UI"/>
+        <a:font script="Osma" typeface="Ebrima"/>
+        <a:font script="Phag" typeface="Phagspa"/>
+        <a:font script="Syrn" typeface="Estrangelo Edessa"/>
+        <a:font script="Syrj" typeface="Estrangelo Edessa"/>
+        <a:font script="Syre" typeface="Estrangelo Edessa"/>
+        <a:font script="Sora" typeface="Nirmala UI"/>
+        <a:font script="Tale" typeface="Microsoft Tai Le"/>
+        <a:font script="Talu" typeface="Microsoft New Tai Lue"/>
+        <a:font script="Tfng" typeface="Ebrima"/>
+      </a:minorFont>
+    </a:fontScheme>
+    <a:fmtScheme name="Office">
+      <a:fillStyleLst>
+        <a:solidFill>
+          <a:schemeClr val="phClr"/>
+        </a:solidFill>
+        <a:gradFill rotWithShape="1">
+          <a:gsLst>
+            <a:gs pos="0">
+              <a:schemeClr val="phClr">
+                <a:lumMod val="110000"/>
+                <a:satMod val="105000"/>
+                <a:tint val="67000"/>
+              </a:schemeClr>
+            </a:gs>
+            <a:gs pos="50000">
+              <a:schemeClr val="phClr">
+                <a:lumMod val="105000"/>
+                <a:satMod val="103000"/>
+                <a:tint val="73000"/>
+              </a:schemeClr>
+            </a:gs>
+            <a:gs pos="100000">
+              <a:schemeClr val="phClr">
+                <a:lumMod val="105000"/>
+                <a:satMod val="109000"/>
+                <a:tint val="81000"/>
+              </a:schemeClr>
+            </a:gs>
+          </a:gsLst>
+          <a:lin ang="5400000" scaled="0"/>
+        </a:gradFill>
+        <a:gradFill rotWithShape="1">
+          <a:gsLst>
+            <a:gs pos="0">
+              <a:schemeClr val="phClr">
+                <a:satMod val="103000"/>
+                <a:lumMod val="102000"/>
+                <a:tint val="94000"/>
+              </a:schemeClr>
+            </a:gs>
+            <a:gs pos="50000">
+              <a:schemeClr val="phClr">
+                <a:satMod val="110000"/>
+                <a:lumMod val="100000"/>
+                <a:shade val="100000"/>
+              </a:schemeClr>
+            </a:gs>
+            <a:gs pos="100000">
+              <a:schemeClr val="phClr">
+                <a:lumMod val="99000"/>
+                <a:satMod val="120000"/>
+                <a:shade val="78000"/>
+              </a:schemeClr>
+            </a:gs>
+          </a:gsLst>
+          <a:lin ang="5400000" scaled="0"/>
+        </a:gradFill>
+      </a:fillStyleLst>
+      <a:lnStyleLst>
+        <a:ln w="12700" cap="flat" cmpd="sng" algn="ctr">
+          <a:solidFill>
+            <a:schemeClr val="phClr"/>
+          </a:solidFill>
+          <a:prstDash val="solid"/>
+          <a:miter lim="800000"/>
+        </a:ln>
+        <a:ln w="19050" cap="flat" cmpd="sng" algn="ctr">
+          <a:solidFill>
+            <a:schemeClr val="phClr"/>
+          </a:solidFill>
+          <a:prstDash val="solid"/>
+          <a:miter lim="800000"/>
+        </a:ln>
+        <a:ln w="25400" cap="flat" cmpd="sng" algn="ctr">
+          <a:solidFill>
+            <a:schemeClr val="phClr"/>
+          </a:solidFill>
+          <a:prstDash val="solid"/>
+          <a:miter lim="800000"/>
+        </a:ln>
+      </a:lnStyleLst>
+      <a:effectStyleLst>
+        <a:effectStyle>
+          <a:effectLst/>
+        </a:effectStyle>
+        <a:effectStyle>
+          <a:effectLst/>
+        </a:effectStyle>
+        <a:effectStyle>
+          <a:effectLst>
+            <a:outerShdw blurRad="57150" dist="19050" dir="5400000" algn="ctr" rotWithShape="0">
+              <a:srgbClr val="000000">
+                <a:alpha val="63000"/>
+              </a:srgbClr>
+            </a:outerShdw>
+          </a:effectLst>
+        </a:effectStyle>
+      </a:effectStyleLst>
+      <a:bgFillStyleLst>
+        <a:solidFill>
+          <a:schemeClr val="phClr"/>
+        </a:solidFill>
+        <a:solidFill>
+          <a:schemeClr val="phClr">
+            <a:tint val="95000"/>
+            <a:satMod val="170000"/>
+          </a:schemeClr>
+        </a:solidFill>
+        <a:gradFill rotWithShape="1">
+          <a:gsLst>
+            <a:gs pos="0">
+              <a:schemeClr val="phClr">
+                <a:tint val="93000"/>
+                <a:satMod val="150000"/>
+                <a:shade val="98000"/>
+                <a:lumMod val="102000"/>
+              </a:schemeClr>
+            </a:gs>
+            <a:gs pos="50000">
+              <a:schemeClr val="phClr">
+                <a:tint val="98000"/>
+                <a:satMod val="130000"/>
+                <a:shade val="90000"/>
+                <a:lumMod val="103000"/>
+              </a:schemeClr>
+            </a:gs>
+            <a:gs pos="100000">
+              <a:schemeClr val="phClr">
+                <a:shade val="63000"/>
+                <a:satMod val="120000"/>
+              </a:schemeClr>
+            </a:gs>
+          </a:gsLst>
+          <a:lin ang="5400000" scaled="0"/>
+        </a:gradFill>
+      </a:bgFillStyleLst>
+    </a:fmtScheme>
+  </a:themeElements>
+  <a:objectDefaults>
+    <a:lnDef>
+      <a:spPr/>
+      <a:bodyPr/>
+      <a:lstStyle/>
+      <a:style>
+        <a:lnRef idx="2">
+          <a:schemeClr val="accent1"/>
+        </a:lnRef>
+        <a:fillRef idx="0">
+          <a:schemeClr val="accent1"/>
+        </a:fillRef>
+        <a:effectRef idx="1">
+          <a:schemeClr val="accent1"/>
+        </a:effectRef>
+        <a:fontRef idx="minor">
+          <a:schemeClr val="tx1"/>
+        </a:fontRef>
+      </a:style>
+    </a:lnDef>
+  </a:objectDefaults>
+  <a:extraClrSchemeLst/>
+  <a:extLst>
+    <a:ext uri="{05A4C25C-085E-4340-85A3-A5531E510DB2}">
+      <thm15:themeFamily xmlns:thm15="http://schemas.microsoft.com/office/thememl/2012/main" name="Office Theme" id="{2E142A2C-CD16-42D6-873A-C26D2A0506FA}" vid="{1BDDFF52-6CD6-40A5-AB3C-68EB2F1E4D0A}"/>
+    </a:ext>
+  </a:extLst>
+</a:theme>
 </file>
--- a/2DGP_project1.pptx
+++ b/2DGP_project1.pptx
@@ -14,10 +14,10 @@
     <p:sldId id="262" r:id="rId5"/>
     <p:sldId id="263" r:id="rId6"/>
     <p:sldId id="261" r:id="rId7"/>
-    <p:sldId id="265" r:id="rId8"/>
-    <p:sldId id="259" r:id="rId9"/>
-    <p:sldId id="269" r:id="rId10"/>
-    <p:sldId id="266" r:id="rId11"/>
+    <p:sldId id="259" r:id="rId8"/>
+    <p:sldId id="269" r:id="rId9"/>
+    <p:sldId id="266" r:id="rId10"/>
+    <p:sldId id="265" r:id="rId11"/>
     <p:sldId id="267" r:id="rId12"/>
     <p:sldId id="268" r:id="rId13"/>
     <p:sldId id="270" r:id="rId14"/>
@@ -543,6 +543,100 @@
           <a:bodyPr/>
           <a:lstStyle/>
           <a:p>
+            <a:r>
+              <a:rPr lang="ko-KR" altLang="en-US" dirty="0"/>
+              <a:t>게임의 컨셉은 기본적으로 </a:t>
+            </a:r>
+            <a:r>
+              <a:rPr lang="ko-KR" altLang="en-US" dirty="0" err="1"/>
+              <a:t>핵앤슬러쉬로</a:t>
+            </a:r>
+            <a:r>
+              <a:rPr lang="ko-KR" altLang="en-US" dirty="0"/>
+              <a:t> 구상하였으며</a:t>
+            </a:r>
+          </a:p>
+          <a:p>
+            <a:r>
+              <a:rPr lang="ko-KR" altLang="en-US" dirty="0"/>
+              <a:t>플레이어는 제한된 시간</a:t>
+            </a:r>
+            <a:r>
+              <a:rPr lang="en-US" altLang="ko-KR" dirty="0"/>
+              <a:t>, </a:t>
+            </a:r>
+            <a:r>
+              <a:rPr lang="ko-KR" altLang="en-US" dirty="0"/>
+              <a:t>즉 수명을 가지고 있으며</a:t>
+            </a:r>
+          </a:p>
+          <a:p>
+            <a:r>
+              <a:rPr lang="ko-KR" altLang="en-US" dirty="0"/>
+              <a:t>제한된 시간이 모두 지나거나 </a:t>
+            </a:r>
+            <a:r>
+              <a:rPr lang="ko-KR" altLang="en-US" dirty="0" err="1"/>
+              <a:t>전투중</a:t>
+            </a:r>
+            <a:r>
+              <a:rPr lang="ko-KR" altLang="en-US" dirty="0"/>
+              <a:t> 체력이 모두 깎이면 플레이어는 자동적으로 사망하게 됩니다</a:t>
+            </a:r>
+            <a:r>
+              <a:rPr lang="en-US" altLang="ko-KR" dirty="0"/>
+              <a:t>.</a:t>
+            </a:r>
+          </a:p>
+          <a:p>
+            <a:r>
+              <a:rPr lang="ko-KR" altLang="en-US" dirty="0"/>
+              <a:t>플레이어는 사망을 </a:t>
+            </a:r>
+            <a:r>
+              <a:rPr lang="ko-KR" altLang="en-US" dirty="0" err="1"/>
+              <a:t>하게되면</a:t>
+            </a:r>
+            <a:r>
+              <a:rPr lang="ko-KR" altLang="en-US" dirty="0"/>
+              <a:t> 이제 같은 몸으로 </a:t>
+            </a:r>
+            <a:r>
+              <a:rPr lang="ko-KR" altLang="en-US" dirty="0" err="1"/>
+              <a:t>리스폰되는게</a:t>
+            </a:r>
+            <a:r>
+              <a:rPr lang="ko-KR" altLang="en-US" dirty="0"/>
+              <a:t> 아닌</a:t>
+            </a:r>
+          </a:p>
+          <a:p>
+            <a:r>
+              <a:rPr lang="ko-KR" altLang="en-US" dirty="0"/>
+              <a:t>다른 몸</a:t>
+            </a:r>
+            <a:r>
+              <a:rPr lang="en-US" altLang="ko-KR" dirty="0"/>
+              <a:t>, </a:t>
+            </a:r>
+            <a:r>
+              <a:rPr lang="ko-KR" altLang="en-US" dirty="0"/>
+              <a:t>즉 플레이어의 다음 세대의 몸으로 환생하며 기본 </a:t>
+            </a:r>
+            <a:r>
+              <a:rPr lang="ko-KR" altLang="en-US" dirty="0" err="1"/>
+              <a:t>스탯이</a:t>
+            </a:r>
+            <a:r>
+              <a:rPr lang="ko-KR" altLang="en-US" dirty="0"/>
+              <a:t> 바뀌게 됩니다</a:t>
+            </a:r>
+            <a:r>
+              <a:rPr lang="en-US" altLang="ko-KR" dirty="0"/>
+              <a:t>.</a:t>
+            </a:r>
+          </a:p>
+          <a:p>
             <a:endParaRPr lang="ko-KR" altLang="en-US" dirty="0"/>
           </a:p>
         </p:txBody>
@@ -564,6 +658,429 @@
           <a:p>
             <a:fld id="{608EB9C0-4D9B-4517-9AA0-A6C1C7E4CFFD}" type="slidenum">
               <a:rPr lang="ko-KR" altLang="en-US" smtClean="0"/>
+              <a:t>2</a:t>
+            </a:fld>
+            <a:endParaRPr lang="ko-KR" altLang="en-US"/>
+          </a:p>
+        </p:txBody>
+      </p:sp>
+    </p:spTree>
+    <p:extLst>
+      <p:ext uri="{BB962C8B-B14F-4D97-AF65-F5344CB8AC3E}">
+        <p14:creationId xmlns:p14="http://schemas.microsoft.com/office/powerpoint/2010/main" val="1934002930"/>
+      </p:ext>
+    </p:extLst>
+  </p:cSld>
+  <p:clrMapOvr>
+    <a:masterClrMapping/>
+  </p:clrMapOvr>
+</p:notes>
+</file>
+
+<file path=ppt/notesSlides/notesSlide2.xml><?xml version="1.0" encoding="utf-8"?>
+<p:notes xmlns:a="http://schemas.openxmlformats.org/drawingml/2006/main" xmlns:r="http://schemas.openxmlformats.org/officeDocument/2006/relationships" xmlns:p="http://schemas.openxmlformats.org/presentationml/2006/main">
+  <p:cSld>
+    <p:spTree>
+      <p:nvGrpSpPr>
+        <p:cNvPr id="1" name=""/>
+        <p:cNvGrpSpPr/>
+        <p:nvPr/>
+      </p:nvGrpSpPr>
+      <p:grpSpPr>
+        <a:xfrm>
+          <a:off x="0" y="0"/>
+          <a:ext cx="0" cy="0"/>
+          <a:chOff x="0" y="0"/>
+          <a:chExt cx="0" cy="0"/>
+        </a:xfrm>
+      </p:grpSpPr>
+      <p:sp>
+        <p:nvSpPr>
+          <p:cNvPr id="2" name="슬라이드 이미지 개체 틀 1"/>
+          <p:cNvSpPr>
+            <a:spLocks noGrp="1" noRot="1" noChangeAspect="1"/>
+          </p:cNvSpPr>
+          <p:nvPr>
+            <p:ph type="sldImg"/>
+          </p:nvPr>
+        </p:nvSpPr>
+        <p:spPr/>
+      </p:sp>
+      <p:sp>
+        <p:nvSpPr>
+          <p:cNvPr id="3" name="슬라이드 노트 개체 틀 2"/>
+          <p:cNvSpPr>
+            <a:spLocks noGrp="1"/>
+          </p:cNvSpPr>
+          <p:nvPr>
+            <p:ph type="body" idx="1"/>
+          </p:nvPr>
+        </p:nvSpPr>
+        <p:spPr/>
+        <p:txBody>
+          <a:bodyPr/>
+          <a:lstStyle/>
+          <a:p>
+            <a:r>
+              <a:rPr lang="ko-KR" altLang="en-US" dirty="0"/>
+              <a:t>자세한 내용은</a:t>
+            </a:r>
+          </a:p>
+          <a:p>
+            <a:r>
+              <a:rPr lang="ko-KR" altLang="en-US" dirty="0"/>
+              <a:t>게임 기획서를 살펴보며 흐름과 같이 설명해드리겠습니다</a:t>
+            </a:r>
+            <a:r>
+              <a:rPr lang="en-US" altLang="ko-KR" dirty="0"/>
+              <a:t>.</a:t>
+            </a:r>
+            <a:endParaRPr lang="ko-KR" altLang="en-US" dirty="0"/>
+          </a:p>
+        </p:txBody>
+      </p:sp>
+      <p:sp>
+        <p:nvSpPr>
+          <p:cNvPr id="4" name="슬라이드 번호 개체 틀 3"/>
+          <p:cNvSpPr>
+            <a:spLocks noGrp="1"/>
+          </p:cNvSpPr>
+          <p:nvPr>
+            <p:ph type="sldNum" sz="quarter" idx="5"/>
+          </p:nvPr>
+        </p:nvSpPr>
+        <p:spPr/>
+        <p:txBody>
+          <a:bodyPr/>
+          <a:lstStyle/>
+          <a:p>
+            <a:fld id="{608EB9C0-4D9B-4517-9AA0-A6C1C7E4CFFD}" type="slidenum">
+              <a:rPr lang="ko-KR" altLang="en-US" smtClean="0"/>
+              <a:t>3</a:t>
+            </a:fld>
+            <a:endParaRPr lang="ko-KR" altLang="en-US"/>
+          </a:p>
+        </p:txBody>
+      </p:sp>
+    </p:spTree>
+    <p:extLst>
+      <p:ext uri="{BB962C8B-B14F-4D97-AF65-F5344CB8AC3E}">
+        <p14:creationId xmlns:p14="http://schemas.microsoft.com/office/powerpoint/2010/main" val="3713576298"/>
+      </p:ext>
+    </p:extLst>
+  </p:cSld>
+  <p:clrMapOvr>
+    <a:masterClrMapping/>
+  </p:clrMapOvr>
+</p:notes>
+</file>
+
+<file path=ppt/notesSlides/notesSlide3.xml><?xml version="1.0" encoding="utf-8"?>
+<p:notes xmlns:a="http://schemas.openxmlformats.org/drawingml/2006/main" xmlns:r="http://schemas.openxmlformats.org/officeDocument/2006/relationships" xmlns:p="http://schemas.openxmlformats.org/presentationml/2006/main">
+  <p:cSld>
+    <p:spTree>
+      <p:nvGrpSpPr>
+        <p:cNvPr id="1" name=""/>
+        <p:cNvGrpSpPr/>
+        <p:nvPr/>
+      </p:nvGrpSpPr>
+      <p:grpSpPr>
+        <a:xfrm>
+          <a:off x="0" y="0"/>
+          <a:ext cx="0" cy="0"/>
+          <a:chOff x="0" y="0"/>
+          <a:chExt cx="0" cy="0"/>
+        </a:xfrm>
+      </p:grpSpPr>
+      <p:sp>
+        <p:nvSpPr>
+          <p:cNvPr id="2" name="슬라이드 이미지 개체 틀 1"/>
+          <p:cNvSpPr>
+            <a:spLocks noGrp="1" noRot="1" noChangeAspect="1"/>
+          </p:cNvSpPr>
+          <p:nvPr>
+            <p:ph type="sldImg"/>
+          </p:nvPr>
+        </p:nvSpPr>
+        <p:spPr/>
+      </p:sp>
+      <p:sp>
+        <p:nvSpPr>
+          <p:cNvPr id="3" name="슬라이드 노트 개체 틀 2"/>
+          <p:cNvSpPr>
+            <a:spLocks noGrp="1"/>
+          </p:cNvSpPr>
+          <p:nvPr>
+            <p:ph type="body" idx="1"/>
+          </p:nvPr>
+        </p:nvSpPr>
+        <p:spPr/>
+        <p:txBody>
+          <a:bodyPr/>
+          <a:lstStyle/>
+          <a:p>
+            <a:r>
+              <a:rPr lang="ko-KR" altLang="en-US" dirty="0"/>
+              <a:t>게임의 전개는 중앙에 스폰지역을 중심으로 플레이어는 이곳에서 계속 환생하며</a:t>
+            </a:r>
+          </a:p>
+          <a:p>
+            <a:r>
+              <a:rPr lang="ko-KR" altLang="en-US" dirty="0"/>
+              <a:t>플레이어는 동서남북의 필드를 오가며 해당 몸에 주어진 수명시간안에</a:t>
+            </a:r>
+          </a:p>
+          <a:p>
+            <a:r>
+              <a:rPr lang="ko-KR" altLang="en-US" dirty="0"/>
+              <a:t>모든 몬스터를 제한된 시간안에 잡아야 됩니다</a:t>
+            </a:r>
+            <a:endParaRPr lang="en-US" altLang="ko-KR" dirty="0"/>
+          </a:p>
+          <a:p>
+            <a:endParaRPr lang="ko-KR" altLang="en-US" dirty="0"/>
+          </a:p>
+          <a:p>
+            <a:r>
+              <a:rPr lang="ko-KR" altLang="en-US" dirty="0"/>
+              <a:t>만약 필드에 있는 몬스터를 모두 잡지 못하면 시련이라는 </a:t>
+            </a:r>
+            <a:r>
+              <a:rPr lang="ko-KR" altLang="en-US" dirty="0" err="1"/>
+              <a:t>패널티를</a:t>
+            </a:r>
+            <a:r>
+              <a:rPr lang="ko-KR" altLang="en-US" dirty="0"/>
+              <a:t> 받습니다</a:t>
+            </a:r>
+          </a:p>
+        </p:txBody>
+      </p:sp>
+      <p:sp>
+        <p:nvSpPr>
+          <p:cNvPr id="4" name="슬라이드 번호 개체 틀 3"/>
+          <p:cNvSpPr>
+            <a:spLocks noGrp="1"/>
+          </p:cNvSpPr>
+          <p:nvPr>
+            <p:ph type="sldNum" sz="quarter" idx="5"/>
+          </p:nvPr>
+        </p:nvSpPr>
+        <p:spPr/>
+        <p:txBody>
+          <a:bodyPr/>
+          <a:lstStyle/>
+          <a:p>
+            <a:fld id="{608EB9C0-4D9B-4517-9AA0-A6C1C7E4CFFD}" type="slidenum">
+              <a:rPr lang="ko-KR" altLang="en-US" smtClean="0"/>
+              <a:t>4</a:t>
+            </a:fld>
+            <a:endParaRPr lang="ko-KR" altLang="en-US"/>
+          </a:p>
+        </p:txBody>
+      </p:sp>
+    </p:spTree>
+    <p:extLst>
+      <p:ext uri="{BB962C8B-B14F-4D97-AF65-F5344CB8AC3E}">
+        <p14:creationId xmlns:p14="http://schemas.microsoft.com/office/powerpoint/2010/main" val="422712858"/>
+      </p:ext>
+    </p:extLst>
+  </p:cSld>
+  <p:clrMapOvr>
+    <a:masterClrMapping/>
+  </p:clrMapOvr>
+</p:notes>
+</file>
+
+<file path=ppt/notesSlides/notesSlide4.xml><?xml version="1.0" encoding="utf-8"?>
+<p:notes xmlns:a="http://schemas.openxmlformats.org/drawingml/2006/main" xmlns:r="http://schemas.openxmlformats.org/officeDocument/2006/relationships" xmlns:p="http://schemas.openxmlformats.org/presentationml/2006/main">
+  <p:cSld>
+    <p:spTree>
+      <p:nvGrpSpPr>
+        <p:cNvPr id="1" name=""/>
+        <p:cNvGrpSpPr/>
+        <p:nvPr/>
+      </p:nvGrpSpPr>
+      <p:grpSpPr>
+        <a:xfrm>
+          <a:off x="0" y="0"/>
+          <a:ext cx="0" cy="0"/>
+          <a:chOff x="0" y="0"/>
+          <a:chExt cx="0" cy="0"/>
+        </a:xfrm>
+      </p:grpSpPr>
+      <p:sp>
+        <p:nvSpPr>
+          <p:cNvPr id="2" name="슬라이드 이미지 개체 틀 1"/>
+          <p:cNvSpPr>
+            <a:spLocks noGrp="1" noRot="1" noChangeAspect="1"/>
+          </p:cNvSpPr>
+          <p:nvPr>
+            <p:ph type="sldImg"/>
+          </p:nvPr>
+        </p:nvSpPr>
+        <p:spPr/>
+      </p:sp>
+      <p:sp>
+        <p:nvSpPr>
+          <p:cNvPr id="3" name="슬라이드 노트 개체 틀 2"/>
+          <p:cNvSpPr>
+            <a:spLocks noGrp="1"/>
+          </p:cNvSpPr>
+          <p:nvPr>
+            <p:ph type="body" idx="1"/>
+          </p:nvPr>
+        </p:nvSpPr>
+        <p:spPr/>
+        <p:txBody>
+          <a:bodyPr/>
+          <a:lstStyle/>
+          <a:p>
+            <a:r>
+              <a:rPr lang="ko-KR" altLang="en-US" dirty="0"/>
+              <a:t>플레이어는 </a:t>
+            </a:r>
+            <a:r>
+              <a:rPr lang="ko-KR" altLang="en-US" dirty="0" err="1"/>
+              <a:t>사망할때마다</a:t>
+            </a:r>
+            <a:r>
+              <a:rPr lang="ko-KR" altLang="en-US" dirty="0"/>
+              <a:t> 캐릭터 자식의 몸인</a:t>
+            </a:r>
+          </a:p>
+          <a:p>
+            <a:r>
+              <a:rPr lang="ko-KR" altLang="en-US" dirty="0"/>
+              <a:t>다른 몸으로 바뀌며 총 </a:t>
+            </a:r>
+            <a:r>
+              <a:rPr lang="en-US" altLang="ko-KR" dirty="0"/>
+              <a:t>10</a:t>
+            </a:r>
+            <a:r>
+              <a:rPr lang="ko-KR" altLang="en-US" dirty="0"/>
+              <a:t>개의 세대로 환생할 수 있습니다</a:t>
+            </a:r>
+          </a:p>
+          <a:p>
+            <a:r>
+              <a:rPr lang="en-US" altLang="ko-KR" dirty="0"/>
+              <a:t>10</a:t>
+            </a:r>
+            <a:r>
+              <a:rPr lang="ko-KR" altLang="en-US" dirty="0"/>
+              <a:t>개의 모든 세대를 환생하였으면 마지막으로 보스전을 하는 구성으로 설계했습니다</a:t>
+            </a:r>
+            <a:r>
+              <a:rPr lang="en-US" altLang="ko-KR" dirty="0"/>
+              <a:t>.</a:t>
+            </a:r>
+            <a:endParaRPr lang="ko-KR" altLang="en-US" dirty="0"/>
+          </a:p>
+        </p:txBody>
+      </p:sp>
+      <p:sp>
+        <p:nvSpPr>
+          <p:cNvPr id="4" name="슬라이드 번호 개체 틀 3"/>
+          <p:cNvSpPr>
+            <a:spLocks noGrp="1"/>
+          </p:cNvSpPr>
+          <p:nvPr>
+            <p:ph type="sldNum" sz="quarter" idx="5"/>
+          </p:nvPr>
+        </p:nvSpPr>
+        <p:spPr/>
+        <p:txBody>
+          <a:bodyPr/>
+          <a:lstStyle/>
+          <a:p>
+            <a:fld id="{608EB9C0-4D9B-4517-9AA0-A6C1C7E4CFFD}" type="slidenum">
+              <a:rPr lang="ko-KR" altLang="en-US" smtClean="0"/>
+              <a:t>5</a:t>
+            </a:fld>
+            <a:endParaRPr lang="ko-KR" altLang="en-US"/>
+          </a:p>
+        </p:txBody>
+      </p:sp>
+    </p:spTree>
+    <p:extLst>
+      <p:ext uri="{BB962C8B-B14F-4D97-AF65-F5344CB8AC3E}">
+        <p14:creationId xmlns:p14="http://schemas.microsoft.com/office/powerpoint/2010/main" val="1555690397"/>
+      </p:ext>
+    </p:extLst>
+  </p:cSld>
+  <p:clrMapOvr>
+    <a:masterClrMapping/>
+  </p:clrMapOvr>
+</p:notes>
+</file>
+
+<file path=ppt/notesSlides/notesSlide5.xml><?xml version="1.0" encoding="utf-8"?>
+<p:notes xmlns:a="http://schemas.openxmlformats.org/drawingml/2006/main" xmlns:r="http://schemas.openxmlformats.org/officeDocument/2006/relationships" xmlns:p="http://schemas.openxmlformats.org/presentationml/2006/main">
+  <p:cSld>
+    <p:spTree>
+      <p:nvGrpSpPr>
+        <p:cNvPr id="1" name=""/>
+        <p:cNvGrpSpPr/>
+        <p:nvPr/>
+      </p:nvGrpSpPr>
+      <p:grpSpPr>
+        <a:xfrm>
+          <a:off x="0" y="0"/>
+          <a:ext cx="0" cy="0"/>
+          <a:chOff x="0" y="0"/>
+          <a:chExt cx="0" cy="0"/>
+        </a:xfrm>
+      </p:grpSpPr>
+      <p:sp>
+        <p:nvSpPr>
+          <p:cNvPr id="2" name="슬라이드 이미지 개체 틀 1"/>
+          <p:cNvSpPr>
+            <a:spLocks noGrp="1" noRot="1" noChangeAspect="1"/>
+          </p:cNvSpPr>
+          <p:nvPr>
+            <p:ph type="sldImg"/>
+          </p:nvPr>
+        </p:nvSpPr>
+        <p:spPr/>
+      </p:sp>
+      <p:sp>
+        <p:nvSpPr>
+          <p:cNvPr id="3" name="슬라이드 노트 개체 틀 2"/>
+          <p:cNvSpPr>
+            <a:spLocks noGrp="1"/>
+          </p:cNvSpPr>
+          <p:nvPr>
+            <p:ph type="body" idx="1"/>
+          </p:nvPr>
+        </p:nvSpPr>
+        <p:spPr/>
+        <p:txBody>
+          <a:bodyPr/>
+          <a:lstStyle/>
+          <a:p>
+            <a:endParaRPr lang="ko-KR" altLang="en-US" dirty="0"/>
+          </a:p>
+        </p:txBody>
+      </p:sp>
+      <p:sp>
+        <p:nvSpPr>
+          <p:cNvPr id="4" name="슬라이드 번호 개체 틀 3"/>
+          <p:cNvSpPr>
+            <a:spLocks noGrp="1"/>
+          </p:cNvSpPr>
+          <p:nvPr>
+            <p:ph type="sldNum" sz="quarter" idx="5"/>
+          </p:nvPr>
+        </p:nvSpPr>
+        <p:spPr/>
+        <p:txBody>
+          <a:bodyPr/>
+          <a:lstStyle/>
+          <a:p>
+            <a:fld id="{608EB9C0-4D9B-4517-9AA0-A6C1C7E4CFFD}" type="slidenum">
+              <a:rPr lang="ko-KR" altLang="en-US" smtClean="0"/>
               <a:t>11</a:t>
             </a:fld>
             <a:endParaRPr lang="ko-KR" altLang="en-US"/>
@@ -583,7 +1100,7 @@
 </p:notes>
 </file>
 
-<file path=ppt/notesSlides/notesSlide2.xml><?xml version="1.0" encoding="utf-8"?>
+<file path=ppt/notesSlides/notesSlide6.xml><?xml version="1.0" encoding="utf-8"?>
 <p:notes xmlns:a="http://schemas.openxmlformats.org/drawingml/2006/main" xmlns:r="http://schemas.openxmlformats.org/officeDocument/2006/relationships" xmlns:p="http://schemas.openxmlformats.org/presentationml/2006/main">
   <p:cSld>
     <p:spTree>
@@ -691,7 +1208,7 @@
 </p:notes>
 </file>
 
-<file path=ppt/notesSlides/notesSlide3.xml><?xml version="1.0" encoding="utf-8"?>
+<file path=ppt/notesSlides/notesSlide7.xml><?xml version="1.0" encoding="utf-8"?>
 <p:notes xmlns:a="http://schemas.openxmlformats.org/drawingml/2006/main" xmlns:r="http://schemas.openxmlformats.org/officeDocument/2006/relationships" xmlns:p="http://schemas.openxmlformats.org/presentationml/2006/main">
   <p:cSld>
     <p:spTree>
@@ -4523,10 +5040,10 @@
       </p:grpSpPr>
       <p:pic>
         <p:nvPicPr>
-          <p:cNvPr id="47" name="그림 46" descr="페인팅, 스케치, 예술, 그림이(가) 표시된 사진&#10;&#10;자동 생성된 설명">
-            <a:extLst>
-              <a:ext uri="{FF2B5EF4-FFF2-40B4-BE49-F238E27FC236}">
-                <a16:creationId xmlns:a16="http://schemas.microsoft.com/office/drawing/2014/main" id="{C7E75FCB-E5A9-30F5-29EA-131112D7BDD7}"/>
+          <p:cNvPr id="24" name="그림 23" descr="페인팅, 스케치, 예술, 그림이(가) 표시된 사진&#10;&#10;자동 생성된 설명">
+            <a:extLst>
+              <a:ext uri="{FF2B5EF4-FFF2-40B4-BE49-F238E27FC236}">
+                <a16:creationId xmlns:a16="http://schemas.microsoft.com/office/drawing/2014/main" id="{35277B03-5EDC-600A-D134-8DFBEAAB4736}"/>
               </a:ext>
             </a:extLst>
           </p:cNvPr>
@@ -4549,8 +5066,43 @@
         </p:blipFill>
         <p:spPr>
           <a:xfrm>
-            <a:off x="3070" y="0"/>
+            <a:off x="20" y="10"/>
             <a:ext cx="12188930" cy="6857990"/>
+          </a:xfrm>
+          <a:prstGeom prst="rect">
+            <a:avLst/>
+          </a:prstGeom>
+        </p:spPr>
+      </p:pic>
+      <p:pic>
+        <p:nvPicPr>
+          <p:cNvPr id="4" name="그림 3" descr="텍스트, 스크린샷, 직사각형이(가) 표시된 사진&#10;&#10;자동 생성된 설명">
+            <a:extLst>
+              <a:ext uri="{FF2B5EF4-FFF2-40B4-BE49-F238E27FC236}">
+                <a16:creationId xmlns:a16="http://schemas.microsoft.com/office/drawing/2014/main" id="{C4775D20-E2A6-E01B-44BA-EC4F73CEE240}"/>
+              </a:ext>
+            </a:extLst>
+          </p:cNvPr>
+          <p:cNvPicPr>
+            <a:picLocks noChangeAspect="1"/>
+          </p:cNvPicPr>
+          <p:nvPr/>
+        </p:nvPicPr>
+        <p:blipFill>
+          <a:blip r:embed="rId3">
+            <a:extLst>
+              <a:ext uri="{28A0092B-C50C-407E-A947-70E740481C1C}">
+                <a14:useLocalDpi xmlns:a14="http://schemas.microsoft.com/office/drawing/2010/main" val="0"/>
+              </a:ext>
+            </a:extLst>
+          </a:blip>
+          <a:srcRect l="56444" t="55972" r="36056" b="34861"/>
+          <a:stretch/>
+        </p:blipFill>
+        <p:spPr>
+          <a:xfrm>
+            <a:off x="3981453" y="1743075"/>
+            <a:ext cx="4229093" cy="3876675"/>
           </a:xfrm>
           <a:prstGeom prst="rect">
             <a:avLst/>
@@ -4559,10 +5111,10 @@
       </p:pic>
       <p:sp>
         <p:nvSpPr>
-          <p:cNvPr id="2" name="TextBox 1">
-            <a:extLst>
-              <a:ext uri="{FF2B5EF4-FFF2-40B4-BE49-F238E27FC236}">
-                <a16:creationId xmlns:a16="http://schemas.microsoft.com/office/drawing/2014/main" id="{BA8EB800-0BFD-3C77-3B31-28C9F6621FC5}"/>
+          <p:cNvPr id="7" name="TextBox 6">
+            <a:extLst>
+              <a:ext uri="{FF2B5EF4-FFF2-40B4-BE49-F238E27FC236}">
+                <a16:creationId xmlns:a16="http://schemas.microsoft.com/office/drawing/2014/main" id="{F752DADF-E212-88A6-17F2-1FF9BD1200C8}"/>
               </a:ext>
             </a:extLst>
           </p:cNvPr>
@@ -4571,121 +5123,8 @@
         </p:nvSpPr>
         <p:spPr>
           <a:xfrm>
-            <a:off x="5206861" y="146624"/>
-            <a:ext cx="1415772" cy="369332"/>
-          </a:xfrm>
-          <a:prstGeom prst="rect">
-            <a:avLst/>
-          </a:prstGeom>
-          <a:noFill/>
-          <a:ln w="9525" cap="flat" cmpd="sng" algn="ctr">
-            <a:solidFill>
-              <a:schemeClr val="dk1"/>
-            </a:solidFill>
-            <a:prstDash val="solid"/>
-            <a:round/>
-            <a:headEnd type="none" w="med" len="med"/>
-            <a:tailEnd type="none" w="med" len="med"/>
-          </a:ln>
-        </p:spPr>
-        <p:style>
-          <a:lnRef idx="0">
-            <a:scrgbClr r="0" g="0" b="0"/>
-          </a:lnRef>
-          <a:fillRef idx="0">
-            <a:scrgbClr r="0" g="0" b="0"/>
-          </a:fillRef>
-          <a:effectRef idx="0">
-            <a:scrgbClr r="0" g="0" b="0"/>
-          </a:effectRef>
-          <a:fontRef idx="minor">
-            <a:schemeClr val="dk1"/>
-          </a:fontRef>
-        </p:style>
-        <p:txBody>
-          <a:bodyPr wrap="none" rtlCol="0">
-            <a:spAutoFit/>
-          </a:bodyPr>
-          <a:lstStyle/>
-          <a:p>
-            <a:r>
-              <a:rPr lang="ko-KR" altLang="en-US" dirty="0">
-                <a:latin typeface="HY견고딕" panose="02030600000101010101" pitchFamily="18" charset="-127"/>
-                <a:ea typeface="HY견고딕" panose="02030600000101010101" pitchFamily="18" charset="-127"/>
-              </a:rPr>
-              <a:t>플로우 차트</a:t>
-            </a:r>
-          </a:p>
-        </p:txBody>
-      </p:sp>
-      <p:sp>
-        <p:nvSpPr>
-          <p:cNvPr id="3" name="다이아몬드 2">
-            <a:extLst>
-              <a:ext uri="{FF2B5EF4-FFF2-40B4-BE49-F238E27FC236}">
-                <a16:creationId xmlns:a16="http://schemas.microsoft.com/office/drawing/2014/main" id="{F4C5E67F-5E76-8CA3-F62B-C36D5750974F}"/>
-              </a:ext>
-            </a:extLst>
-          </p:cNvPr>
-          <p:cNvSpPr/>
-          <p:nvPr/>
-        </p:nvSpPr>
-        <p:spPr>
-          <a:xfrm>
-            <a:off x="4297205" y="763051"/>
-            <a:ext cx="3235084" cy="914400"/>
-          </a:xfrm>
-          <a:prstGeom prst="diamond">
-            <a:avLst/>
-          </a:prstGeom>
-        </p:spPr>
-        <p:style>
-          <a:lnRef idx="2">
-            <a:schemeClr val="accent1">
-              <a:shade val="15000"/>
-            </a:schemeClr>
-          </a:lnRef>
-          <a:fillRef idx="1">
-            <a:schemeClr val="accent1"/>
-          </a:fillRef>
-          <a:effectRef idx="0">
-            <a:schemeClr val="accent1"/>
-          </a:effectRef>
-          <a:fontRef idx="minor">
-            <a:schemeClr val="lt1"/>
-          </a:fontRef>
-        </p:style>
-        <p:txBody>
-          <a:bodyPr rtlCol="0" anchor="ctr"/>
-          <a:lstStyle/>
-          <a:p>
-            <a:pPr algn="ctr"/>
-            <a:r>
-              <a:rPr lang="ko-KR" altLang="en-US" sz="1400">
-                <a:latin typeface="프리젠테이션 4 Regular" pitchFamily="2" charset="-127"/>
-                <a:ea typeface="프리젠테이션 4 Regular" pitchFamily="2" charset="-127"/>
-              </a:rPr>
-              <a:t>게임 시작</a:t>
-            </a:r>
-          </a:p>
-        </p:txBody>
-      </p:sp>
-      <p:sp>
-        <p:nvSpPr>
-          <p:cNvPr id="4" name="직사각형 3">
-            <a:extLst>
-              <a:ext uri="{FF2B5EF4-FFF2-40B4-BE49-F238E27FC236}">
-                <a16:creationId xmlns:a16="http://schemas.microsoft.com/office/drawing/2014/main" id="{6AE1B89D-3FBC-95CF-6D2C-319607997D0A}"/>
-              </a:ext>
-            </a:extLst>
-          </p:cNvPr>
-          <p:cNvSpPr/>
-          <p:nvPr/>
-        </p:nvSpPr>
-        <p:spPr>
-          <a:xfrm>
-            <a:off x="4456071" y="1823462"/>
-            <a:ext cx="2781037" cy="914400"/>
+            <a:off x="8210546" y="1743075"/>
+            <a:ext cx="2114554" cy="3046988"/>
           </a:xfrm>
           <a:prstGeom prst="rect">
             <a:avLst/>
@@ -4695,1487 +5134,226 @@
               <a:lumMod val="95000"/>
             </a:schemeClr>
           </a:solidFill>
+          <a:ln w="57150">
+            <a:solidFill>
+              <a:schemeClr val="accent6"/>
+            </a:solidFill>
+          </a:ln>
         </p:spPr>
-        <p:style>
-          <a:lnRef idx="2">
-            <a:schemeClr val="accent1">
-              <a:shade val="15000"/>
-            </a:schemeClr>
-          </a:lnRef>
-          <a:fillRef idx="1">
-            <a:schemeClr val="accent1"/>
-          </a:fillRef>
-          <a:effectRef idx="0">
-            <a:schemeClr val="accent1"/>
-          </a:effectRef>
-          <a:fontRef idx="minor">
-            <a:schemeClr val="lt1"/>
-          </a:fontRef>
-        </p:style>
         <p:txBody>
-          <a:bodyPr rtlCol="0" anchor="ctr"/>
+          <a:bodyPr wrap="square" rtlCol="0">
+            <a:spAutoFit/>
+          </a:bodyPr>
           <a:lstStyle/>
           <a:p>
-            <a:pPr algn="ctr"/>
-            <a:r>
-              <a:rPr lang="ko-KR" altLang="en-US" sz="1400" dirty="0">
-                <a:solidFill>
-                  <a:schemeClr val="tx1"/>
-                </a:solidFill>
-                <a:latin typeface="프리젠테이션 4 Regular" pitchFamily="2" charset="-127"/>
-                <a:ea typeface="프리젠테이션 4 Regular" pitchFamily="2" charset="-127"/>
-              </a:rPr>
-              <a:t>플레이어 체력</a:t>
-            </a:r>
-            <a:r>
-              <a:rPr lang="en-US" altLang="ko-KR" sz="1400" dirty="0">
-                <a:solidFill>
-                  <a:schemeClr val="tx1"/>
-                </a:solidFill>
-                <a:latin typeface="프리젠테이션 4 Regular" pitchFamily="2" charset="-127"/>
-                <a:ea typeface="프리젠테이션 4 Regular" pitchFamily="2" charset="-127"/>
-              </a:rPr>
-              <a:t>, </a:t>
-            </a:r>
-            <a:r>
-              <a:rPr lang="ko-KR" altLang="en-US" sz="1400" dirty="0">
-                <a:solidFill>
-                  <a:schemeClr val="tx1"/>
-                </a:solidFill>
-                <a:latin typeface="프리젠테이션 4 Regular" pitchFamily="2" charset="-127"/>
-                <a:ea typeface="프리젠테이션 4 Regular" pitchFamily="2" charset="-127"/>
-              </a:rPr>
-              <a:t>위치 </a:t>
-            </a:r>
-            <a:endParaRPr lang="en-US" altLang="ko-KR" sz="1400" dirty="0">
-              <a:solidFill>
-                <a:schemeClr val="tx1"/>
-              </a:solidFill>
-              <a:latin typeface="프리젠테이션 4 Regular" pitchFamily="2" charset="-127"/>
-              <a:ea typeface="프리젠테이션 4 Regular" pitchFamily="2" charset="-127"/>
+            <a:r>
+              <a:rPr lang="ko-KR" altLang="en-US" sz="1600" dirty="0">
+                <a:latin typeface="HY헤드라인M" panose="02030600000101010101" pitchFamily="18" charset="-127"/>
+                <a:ea typeface="HY헤드라인M" panose="02030600000101010101" pitchFamily="18" charset="-127"/>
+              </a:rPr>
+              <a:t>플레이어 기본 </a:t>
+            </a:r>
+            <a:r>
+              <a:rPr lang="ko-KR" altLang="en-US" sz="1600" dirty="0" err="1">
+                <a:latin typeface="HY헤드라인M" panose="02030600000101010101" pitchFamily="18" charset="-127"/>
+                <a:ea typeface="HY헤드라인M" panose="02030600000101010101" pitchFamily="18" charset="-127"/>
+              </a:rPr>
+              <a:t>스탯</a:t>
+            </a:r>
+            <a:endParaRPr lang="en-US" altLang="ko-KR" sz="1600" dirty="0">
+              <a:latin typeface="HY헤드라인M" panose="02030600000101010101" pitchFamily="18" charset="-127"/>
+              <a:ea typeface="HY헤드라인M" panose="02030600000101010101" pitchFamily="18" charset="-127"/>
             </a:endParaRPr>
           </a:p>
           <a:p>
-            <a:pPr algn="ctr"/>
-            <a:r>
-              <a:rPr lang="ko-KR" altLang="en-US" sz="1400" dirty="0">
-                <a:solidFill>
-                  <a:schemeClr val="tx1"/>
-                </a:solidFill>
-                <a:latin typeface="프리젠테이션 4 Regular" pitchFamily="2" charset="-127"/>
-                <a:ea typeface="프리젠테이션 4 Regular" pitchFamily="2" charset="-127"/>
-              </a:rPr>
-              <a:t>초기화</a:t>
-            </a:r>
+            <a:br>
+              <a:rPr lang="en-US" altLang="ko-KR" sz="1600" dirty="0">
+                <a:latin typeface="HY헤드라인M" panose="02030600000101010101" pitchFamily="18" charset="-127"/>
+                <a:ea typeface="HY헤드라인M" panose="02030600000101010101" pitchFamily="18" charset="-127"/>
+              </a:rPr>
+            </a:br>
+            <a:r>
+              <a:rPr lang="en-US" altLang="ko-KR" sz="1600" dirty="0">
+                <a:latin typeface="HY헤드라인M" panose="02030600000101010101" pitchFamily="18" charset="-127"/>
+                <a:ea typeface="HY헤드라인M" panose="02030600000101010101" pitchFamily="18" charset="-127"/>
+              </a:rPr>
+              <a:t>HP</a:t>
+            </a:r>
+          </a:p>
+          <a:p>
+            <a:r>
+              <a:rPr lang="ko-KR" altLang="en-US" sz="1600" dirty="0">
+                <a:latin typeface="HY헤드라인M" panose="02030600000101010101" pitchFamily="18" charset="-127"/>
+                <a:ea typeface="HY헤드라인M" panose="02030600000101010101" pitchFamily="18" charset="-127"/>
+              </a:rPr>
+              <a:t>공격력</a:t>
+            </a:r>
+            <a:br>
+              <a:rPr lang="en-US" altLang="ko-KR" sz="1600" dirty="0">
+                <a:latin typeface="HY헤드라인M" panose="02030600000101010101" pitchFamily="18" charset="-127"/>
+                <a:ea typeface="HY헤드라인M" panose="02030600000101010101" pitchFamily="18" charset="-127"/>
+              </a:rPr>
+            </a:br>
+            <a:r>
+              <a:rPr lang="ko-KR" altLang="en-US" sz="1600" dirty="0">
+                <a:latin typeface="HY헤드라인M" panose="02030600000101010101" pitchFamily="18" charset="-127"/>
+                <a:ea typeface="HY헤드라인M" panose="02030600000101010101" pitchFamily="18" charset="-127"/>
+              </a:rPr>
+              <a:t>속도</a:t>
+            </a:r>
+            <a:br>
+              <a:rPr lang="en-US" altLang="ko-KR" sz="1600" dirty="0">
+                <a:latin typeface="HY헤드라인M" panose="02030600000101010101" pitchFamily="18" charset="-127"/>
+                <a:ea typeface="HY헤드라인M" panose="02030600000101010101" pitchFamily="18" charset="-127"/>
+              </a:rPr>
+            </a:br>
+            <a:r>
+              <a:rPr lang="en-US" altLang="ko-KR" sz="1600" dirty="0">
+                <a:latin typeface="HY헤드라인M" panose="02030600000101010101" pitchFamily="18" charset="-127"/>
+                <a:ea typeface="HY헤드라인M" panose="02030600000101010101" pitchFamily="18" charset="-127"/>
+              </a:rPr>
+              <a:t>--</a:t>
+            </a:r>
+            <a:r>
+              <a:rPr lang="ko-KR" altLang="en-US" sz="1600" dirty="0">
+                <a:latin typeface="HY헤드라인M" panose="02030600000101010101" pitchFamily="18" charset="-127"/>
+                <a:ea typeface="HY헤드라인M" panose="02030600000101010101" pitchFamily="18" charset="-127"/>
+              </a:rPr>
+              <a:t>추가요소</a:t>
+            </a:r>
+            <a:r>
+              <a:rPr lang="en-US" altLang="ko-KR" sz="1600" dirty="0">
+                <a:latin typeface="HY헤드라인M" panose="02030600000101010101" pitchFamily="18" charset="-127"/>
+                <a:ea typeface="HY헤드라인M" panose="02030600000101010101" pitchFamily="18" charset="-127"/>
+              </a:rPr>
+              <a:t>--</a:t>
+            </a:r>
+          </a:p>
+          <a:p>
+            <a:r>
+              <a:rPr lang="en-US" altLang="ko-KR" sz="1600" dirty="0">
+                <a:latin typeface="HY헤드라인M" panose="02030600000101010101" pitchFamily="18" charset="-127"/>
+                <a:ea typeface="HY헤드라인M" panose="02030600000101010101" pitchFamily="18" charset="-127"/>
+              </a:rPr>
+              <a:t>+</a:t>
+            </a:r>
+            <a:r>
+              <a:rPr lang="ko-KR" altLang="en-US" sz="1600" dirty="0">
+                <a:latin typeface="HY헤드라인M" panose="02030600000101010101" pitchFamily="18" charset="-127"/>
+                <a:ea typeface="HY헤드라인M" panose="02030600000101010101" pitchFamily="18" charset="-127"/>
+              </a:rPr>
+              <a:t>공격속도</a:t>
+            </a:r>
+            <a:endParaRPr lang="en-US" altLang="ko-KR" sz="1600" dirty="0">
+              <a:latin typeface="HY헤드라인M" panose="02030600000101010101" pitchFamily="18" charset="-127"/>
+              <a:ea typeface="HY헤드라인M" panose="02030600000101010101" pitchFamily="18" charset="-127"/>
+            </a:endParaRPr>
+          </a:p>
+          <a:p>
+            <a:r>
+              <a:rPr lang="en-US" altLang="ko-KR" sz="1600" dirty="0">
+                <a:latin typeface="HY헤드라인M" panose="02030600000101010101" pitchFamily="18" charset="-127"/>
+                <a:ea typeface="HY헤드라인M" panose="02030600000101010101" pitchFamily="18" charset="-127"/>
+              </a:rPr>
+              <a:t>+</a:t>
+            </a:r>
+            <a:r>
+              <a:rPr lang="ko-KR" altLang="en-US" sz="1600" dirty="0">
+                <a:latin typeface="HY헤드라인M" panose="02030600000101010101" pitchFamily="18" charset="-127"/>
+                <a:ea typeface="HY헤드라인M" panose="02030600000101010101" pitchFamily="18" charset="-127"/>
+              </a:rPr>
+              <a:t>시간</a:t>
+            </a:r>
+            <a:endParaRPr lang="en-US" altLang="ko-KR" sz="1600" dirty="0">
+              <a:latin typeface="HY헤드라인M" panose="02030600000101010101" pitchFamily="18" charset="-127"/>
+              <a:ea typeface="HY헤드라인M" panose="02030600000101010101" pitchFamily="18" charset="-127"/>
+            </a:endParaRPr>
+          </a:p>
+          <a:p>
+            <a:r>
+              <a:rPr lang="en-US" altLang="ko-KR" sz="1600" dirty="0">
+                <a:latin typeface="HY헤드라인M" panose="02030600000101010101" pitchFamily="18" charset="-127"/>
+                <a:ea typeface="HY헤드라인M" panose="02030600000101010101" pitchFamily="18" charset="-127"/>
+              </a:rPr>
+              <a:t>+</a:t>
+            </a:r>
+            <a:r>
+              <a:rPr lang="ko-KR" altLang="en-US" sz="1600" dirty="0">
+                <a:latin typeface="HY헤드라인M" panose="02030600000101010101" pitchFamily="18" charset="-127"/>
+                <a:ea typeface="HY헤드라인M" panose="02030600000101010101" pitchFamily="18" charset="-127"/>
+              </a:rPr>
+              <a:t>특성</a:t>
+            </a:r>
+            <a:endParaRPr lang="en-US" altLang="ko-KR" sz="1600" dirty="0">
+              <a:latin typeface="HY헤드라인M" panose="02030600000101010101" pitchFamily="18" charset="-127"/>
+              <a:ea typeface="HY헤드라인M" panose="02030600000101010101" pitchFamily="18" charset="-127"/>
+            </a:endParaRPr>
+          </a:p>
+          <a:p>
+            <a:endParaRPr lang="en-US" altLang="ko-KR" sz="1600" dirty="0">
+              <a:latin typeface="HY헤드라인M" panose="02030600000101010101" pitchFamily="18" charset="-127"/>
+              <a:ea typeface="HY헤드라인M" panose="02030600000101010101" pitchFamily="18" charset="-127"/>
+            </a:endParaRPr>
+          </a:p>
+          <a:p>
+            <a:r>
+              <a:rPr lang="en-US" altLang="ko-KR" sz="1600" dirty="0">
+                <a:latin typeface="HY헤드라인M" panose="02030600000101010101" pitchFamily="18" charset="-127"/>
+                <a:ea typeface="HY헤드라인M" panose="02030600000101010101" pitchFamily="18" charset="-127"/>
+              </a:rPr>
+              <a:t>[</a:t>
+            </a:r>
+            <a:r>
+              <a:rPr lang="ko-KR" altLang="en-US" sz="1600" dirty="0">
+                <a:latin typeface="HY헤드라인M" panose="02030600000101010101" pitchFamily="18" charset="-127"/>
+                <a:ea typeface="HY헤드라인M" panose="02030600000101010101" pitchFamily="18" charset="-127"/>
+              </a:rPr>
+              <a:t>세대가 바뀔 때 마다 </a:t>
+            </a:r>
+            <a:r>
+              <a:rPr lang="ko-KR" altLang="en-US" sz="1600" dirty="0" err="1">
+                <a:latin typeface="HY헤드라인M" panose="02030600000101010101" pitchFamily="18" charset="-127"/>
+                <a:ea typeface="HY헤드라인M" panose="02030600000101010101" pitchFamily="18" charset="-127"/>
+              </a:rPr>
+              <a:t>스탯이</a:t>
+            </a:r>
+            <a:r>
+              <a:rPr lang="ko-KR" altLang="en-US" sz="1600" dirty="0">
+                <a:latin typeface="HY헤드라인M" panose="02030600000101010101" pitchFamily="18" charset="-127"/>
+                <a:ea typeface="HY헤드라인M" panose="02030600000101010101" pitchFamily="18" charset="-127"/>
+              </a:rPr>
+              <a:t> 변경됨</a:t>
+            </a:r>
+            <a:r>
+              <a:rPr lang="en-US" altLang="ko-KR" sz="1600" dirty="0">
+                <a:latin typeface="HY헤드라인M" panose="02030600000101010101" pitchFamily="18" charset="-127"/>
+                <a:ea typeface="HY헤드라인M" panose="02030600000101010101" pitchFamily="18" charset="-127"/>
+              </a:rPr>
+              <a:t>]</a:t>
+            </a:r>
+            <a:endParaRPr lang="ko-KR" altLang="en-US" sz="1600" dirty="0">
+              <a:latin typeface="HY헤드라인M" panose="02030600000101010101" pitchFamily="18" charset="-127"/>
+              <a:ea typeface="HY헤드라인M" panose="02030600000101010101" pitchFamily="18" charset="-127"/>
+            </a:endParaRPr>
           </a:p>
         </p:txBody>
       </p:sp>
       <p:sp>
         <p:nvSpPr>
-          <p:cNvPr id="5" name="사다리꼴 4">
-            <a:extLst>
-              <a:ext uri="{FF2B5EF4-FFF2-40B4-BE49-F238E27FC236}">
-                <a16:creationId xmlns:a16="http://schemas.microsoft.com/office/drawing/2014/main" id="{706AD74A-46E6-4A46-497D-D489647A8569}"/>
-              </a:ext>
-            </a:extLst>
-          </p:cNvPr>
-          <p:cNvSpPr/>
+          <p:cNvPr id="8" name="TextBox 7">
+            <a:extLst>
+              <a:ext uri="{FF2B5EF4-FFF2-40B4-BE49-F238E27FC236}">
+                <a16:creationId xmlns:a16="http://schemas.microsoft.com/office/drawing/2014/main" id="{64AE1E46-D2BF-A2CE-B1EE-13193AE07E81}"/>
+              </a:ext>
+            </a:extLst>
+          </p:cNvPr>
+          <p:cNvSpPr txBox="1"/>
           <p:nvPr/>
         </p:nvSpPr>
         <p:spPr>
           <a:xfrm>
-            <a:off x="4592389" y="3036273"/>
-            <a:ext cx="2644719" cy="383102"/>
-          </a:xfrm>
-          <a:prstGeom prst="trapezoid">
-            <a:avLst/>
-          </a:prstGeom>
-          <a:solidFill>
-            <a:schemeClr val="accent4">
-              <a:lumMod val="75000"/>
-            </a:schemeClr>
-          </a:solidFill>
-        </p:spPr>
-        <p:style>
-          <a:lnRef idx="2">
-            <a:schemeClr val="accent1">
-              <a:shade val="15000"/>
-            </a:schemeClr>
-          </a:lnRef>
-          <a:fillRef idx="1">
-            <a:schemeClr val="accent1"/>
-          </a:fillRef>
-          <a:effectRef idx="0">
-            <a:schemeClr val="accent1"/>
-          </a:effectRef>
-          <a:fontRef idx="minor">
-            <a:schemeClr val="lt1"/>
-          </a:fontRef>
-        </p:style>
-        <p:txBody>
-          <a:bodyPr rtlCol="0" anchor="ctr"/>
-          <a:lstStyle/>
-          <a:p>
-            <a:pPr algn="ctr"/>
-            <a:r>
-              <a:rPr lang="ko-KR" altLang="en-US" sz="1400" dirty="0">
-                <a:latin typeface="프리젠테이션 4 Regular" pitchFamily="2" charset="-127"/>
-                <a:ea typeface="프리젠테이션 4 Regular" pitchFamily="2" charset="-127"/>
-              </a:rPr>
-              <a:t>적 </a:t>
-            </a:r>
-            <a:r>
-              <a:rPr lang="ko-KR" altLang="en-US" sz="1400" dirty="0" err="1">
-                <a:latin typeface="프리젠테이션 4 Regular" pitchFamily="2" charset="-127"/>
-                <a:ea typeface="프리젠테이션 4 Regular" pitchFamily="2" charset="-127"/>
-              </a:rPr>
-              <a:t>저치</a:t>
-            </a:r>
-            <a:r>
-              <a:rPr lang="ko-KR" altLang="en-US" sz="1400" dirty="0">
-                <a:latin typeface="프리젠테이션 4 Regular" pitchFamily="2" charset="-127"/>
-                <a:ea typeface="프리젠테이션 4 Regular" pitchFamily="2" charset="-127"/>
-              </a:rPr>
-              <a:t> 시</a:t>
-            </a:r>
-          </a:p>
-        </p:txBody>
-      </p:sp>
-      <p:sp>
-        <p:nvSpPr>
-          <p:cNvPr id="6" name="직사각형 5">
-            <a:extLst>
-              <a:ext uri="{FF2B5EF4-FFF2-40B4-BE49-F238E27FC236}">
-                <a16:creationId xmlns:a16="http://schemas.microsoft.com/office/drawing/2014/main" id="{9D7CCEE5-73C0-70D6-AFED-905F2A5FD7FC}"/>
-              </a:ext>
-            </a:extLst>
-          </p:cNvPr>
-          <p:cNvSpPr/>
-          <p:nvPr/>
-        </p:nvSpPr>
-        <p:spPr>
-          <a:xfrm>
-            <a:off x="4524229" y="3483046"/>
-            <a:ext cx="2781037" cy="383102"/>
-          </a:xfrm>
-          <a:prstGeom prst="rect">
-            <a:avLst/>
-          </a:prstGeom>
-          <a:solidFill>
-            <a:schemeClr val="bg1">
-              <a:lumMod val="95000"/>
-              <a:alpha val="47000"/>
-            </a:schemeClr>
-          </a:solidFill>
-        </p:spPr>
-        <p:style>
-          <a:lnRef idx="2">
-            <a:schemeClr val="accent1">
-              <a:shade val="15000"/>
-            </a:schemeClr>
-          </a:lnRef>
-          <a:fillRef idx="1">
-            <a:schemeClr val="accent1"/>
-          </a:fillRef>
-          <a:effectRef idx="0">
-            <a:schemeClr val="accent1"/>
-          </a:effectRef>
-          <a:fontRef idx="minor">
-            <a:schemeClr val="lt1"/>
-          </a:fontRef>
-        </p:style>
-        <p:txBody>
-          <a:bodyPr rtlCol="0" anchor="ctr"/>
-          <a:lstStyle/>
-          <a:p>
-            <a:pPr algn="ctr"/>
-            <a:r>
-              <a:rPr lang="ko-KR" altLang="en-US" sz="1400" dirty="0">
-                <a:solidFill>
-                  <a:schemeClr val="tx1"/>
-                </a:solidFill>
-                <a:latin typeface="프리젠테이션 4 Regular" pitchFamily="2" charset="-127"/>
-                <a:ea typeface="프리젠테이션 4 Regular" pitchFamily="2" charset="-127"/>
-              </a:rPr>
-              <a:t>골드 획득</a:t>
-            </a:r>
-          </a:p>
-        </p:txBody>
-      </p:sp>
-      <p:cxnSp>
-        <p:nvCxnSpPr>
-          <p:cNvPr id="7" name="직선 연결선 6">
-            <a:extLst>
-              <a:ext uri="{FF2B5EF4-FFF2-40B4-BE49-F238E27FC236}">
-                <a16:creationId xmlns:a16="http://schemas.microsoft.com/office/drawing/2014/main" id="{CA574066-24BF-82EA-4B1E-F1E3474CDC2F}"/>
-              </a:ext>
-            </a:extLst>
-          </p:cNvPr>
-          <p:cNvCxnSpPr>
-            <a:cxnSpLocks/>
-            <a:stCxn id="28" idx="3"/>
-            <a:endCxn id="24" idx="1"/>
-          </p:cNvCxnSpPr>
-          <p:nvPr/>
-        </p:nvCxnSpPr>
-        <p:spPr>
-          <a:xfrm>
-            <a:off x="7326202" y="4285391"/>
-            <a:ext cx="1051486" cy="918077"/>
-          </a:xfrm>
-          <a:prstGeom prst="line">
-            <a:avLst/>
-          </a:prstGeom>
-        </p:spPr>
-        <p:style>
-          <a:lnRef idx="2">
-            <a:schemeClr val="accent1"/>
-          </a:lnRef>
-          <a:fillRef idx="0">
-            <a:schemeClr val="accent1"/>
-          </a:fillRef>
-          <a:effectRef idx="1">
-            <a:schemeClr val="accent1"/>
-          </a:effectRef>
-          <a:fontRef idx="minor">
-            <a:schemeClr val="tx1"/>
-          </a:fontRef>
-        </p:style>
-      </p:cxnSp>
-      <p:cxnSp>
-        <p:nvCxnSpPr>
-          <p:cNvPr id="8" name="직선 연결선 7">
-            <a:extLst>
-              <a:ext uri="{FF2B5EF4-FFF2-40B4-BE49-F238E27FC236}">
-                <a16:creationId xmlns:a16="http://schemas.microsoft.com/office/drawing/2014/main" id="{A9430E8C-034F-E86A-55F7-ADDA35051BD4}"/>
-              </a:ext>
-            </a:extLst>
-          </p:cNvPr>
-          <p:cNvCxnSpPr>
-            <a:cxnSpLocks/>
-            <a:stCxn id="28" idx="3"/>
-            <a:endCxn id="10" idx="1"/>
-          </p:cNvCxnSpPr>
-          <p:nvPr/>
-        </p:nvCxnSpPr>
-        <p:spPr>
-          <a:xfrm flipV="1">
-            <a:off x="7326202" y="3124347"/>
-            <a:ext cx="1016444" cy="1161044"/>
-          </a:xfrm>
-          <a:prstGeom prst="line">
-            <a:avLst/>
-          </a:prstGeom>
-        </p:spPr>
-        <p:style>
-          <a:lnRef idx="2">
-            <a:schemeClr val="accent1"/>
-          </a:lnRef>
-          <a:fillRef idx="0">
-            <a:schemeClr val="accent1"/>
-          </a:fillRef>
-          <a:effectRef idx="1">
-            <a:schemeClr val="accent1"/>
-          </a:effectRef>
-          <a:fontRef idx="minor">
-            <a:schemeClr val="tx1"/>
-          </a:fontRef>
-        </p:style>
-      </p:cxnSp>
-      <p:cxnSp>
-        <p:nvCxnSpPr>
-          <p:cNvPr id="9" name="직선 연결선 8">
-            <a:extLst>
-              <a:ext uri="{FF2B5EF4-FFF2-40B4-BE49-F238E27FC236}">
-                <a16:creationId xmlns:a16="http://schemas.microsoft.com/office/drawing/2014/main" id="{D576544A-0055-3543-A37A-DBB8303F2403}"/>
-              </a:ext>
-            </a:extLst>
-          </p:cNvPr>
-          <p:cNvCxnSpPr>
-            <a:cxnSpLocks/>
-            <a:stCxn id="28" idx="3"/>
-            <a:endCxn id="20" idx="1"/>
-          </p:cNvCxnSpPr>
-          <p:nvPr/>
-        </p:nvCxnSpPr>
-        <p:spPr>
-          <a:xfrm flipV="1">
-            <a:off x="7326202" y="4134515"/>
-            <a:ext cx="1016444" cy="150876"/>
-          </a:xfrm>
-          <a:prstGeom prst="line">
-            <a:avLst/>
-          </a:prstGeom>
-        </p:spPr>
-        <p:style>
-          <a:lnRef idx="2">
-            <a:schemeClr val="accent1"/>
-          </a:lnRef>
-          <a:fillRef idx="0">
-            <a:schemeClr val="accent1"/>
-          </a:fillRef>
-          <a:effectRef idx="1">
-            <a:schemeClr val="accent1"/>
-          </a:effectRef>
-          <a:fontRef idx="minor">
-            <a:schemeClr val="tx1"/>
-          </a:fontRef>
-        </p:style>
-      </p:cxnSp>
-      <p:sp>
-        <p:nvSpPr>
-          <p:cNvPr id="10" name="직사각형 9">
-            <a:extLst>
-              <a:ext uri="{FF2B5EF4-FFF2-40B4-BE49-F238E27FC236}">
-                <a16:creationId xmlns:a16="http://schemas.microsoft.com/office/drawing/2014/main" id="{E7BE8FB8-3751-76FB-AA4D-76C6E5B1282D}"/>
-              </a:ext>
-            </a:extLst>
-          </p:cNvPr>
-          <p:cNvSpPr/>
-          <p:nvPr/>
-        </p:nvSpPr>
-        <p:spPr>
-          <a:xfrm>
-            <a:off x="8342646" y="2667147"/>
-            <a:ext cx="2781037" cy="914400"/>
-          </a:xfrm>
-          <a:prstGeom prst="rect">
-            <a:avLst/>
-          </a:prstGeom>
-          <a:solidFill>
-            <a:schemeClr val="bg1"/>
-          </a:solidFill>
-        </p:spPr>
-        <p:style>
-          <a:lnRef idx="2">
-            <a:schemeClr val="accent1">
-              <a:shade val="15000"/>
-            </a:schemeClr>
-          </a:lnRef>
-          <a:fillRef idx="1">
-            <a:schemeClr val="accent1"/>
-          </a:fillRef>
-          <a:effectRef idx="0">
-            <a:schemeClr val="accent1"/>
-          </a:effectRef>
-          <a:fontRef idx="minor">
-            <a:schemeClr val="lt1"/>
-          </a:fontRef>
-        </p:style>
-        <p:txBody>
-          <a:bodyPr rtlCol="0" anchor="ctr"/>
-          <a:lstStyle/>
-          <a:p>
-            <a:pPr algn="ctr"/>
-            <a:r>
-              <a:rPr lang="ko-KR" altLang="en-US" sz="1400" dirty="0" err="1">
-                <a:solidFill>
-                  <a:schemeClr val="tx1"/>
-                </a:solidFill>
-                <a:latin typeface="프리젠테이션 4 Regular" pitchFamily="2" charset="-127"/>
-                <a:ea typeface="프리젠테이션 4 Regular" pitchFamily="2" charset="-127"/>
-              </a:rPr>
-              <a:t>스탯</a:t>
-            </a:r>
-            <a:r>
-              <a:rPr lang="ko-KR" altLang="en-US" sz="1400" dirty="0">
-                <a:solidFill>
-                  <a:schemeClr val="tx1"/>
-                </a:solidFill>
-                <a:latin typeface="프리젠테이션 4 Regular" pitchFamily="2" charset="-127"/>
-                <a:ea typeface="프리젠테이션 4 Regular" pitchFamily="2" charset="-127"/>
-              </a:rPr>
-              <a:t> 강화</a:t>
-            </a:r>
-          </a:p>
-        </p:txBody>
-      </p:sp>
-      <p:grpSp>
-        <p:nvGrpSpPr>
-          <p:cNvPr id="11" name="그룹 10">
-            <a:extLst>
-              <a:ext uri="{FF2B5EF4-FFF2-40B4-BE49-F238E27FC236}">
-                <a16:creationId xmlns:a16="http://schemas.microsoft.com/office/drawing/2014/main" id="{08F34F98-A542-C1A3-7E44-3EA4558897DA}"/>
-              </a:ext>
-            </a:extLst>
-          </p:cNvPr>
-          <p:cNvGrpSpPr/>
-          <p:nvPr/>
-        </p:nvGrpSpPr>
-        <p:grpSpPr>
-          <a:xfrm>
-            <a:off x="10355768" y="2189546"/>
-            <a:ext cx="702798" cy="702798"/>
-            <a:chOff x="9773223" y="1603353"/>
-            <a:chExt cx="1108495" cy="1108495"/>
-          </a:xfrm>
-        </p:grpSpPr>
-        <p:sp>
-          <p:nvSpPr>
-            <p:cNvPr id="12" name="직사각형 11">
-              <a:extLst>
-                <a:ext uri="{FF2B5EF4-FFF2-40B4-BE49-F238E27FC236}">
-                  <a16:creationId xmlns:a16="http://schemas.microsoft.com/office/drawing/2014/main" id="{E160911A-EECB-02D3-72E0-B1C36F06D280}"/>
-                </a:ext>
-              </a:extLst>
-            </p:cNvPr>
-            <p:cNvSpPr/>
-            <p:nvPr/>
-          </p:nvSpPr>
-          <p:spPr>
-            <a:xfrm>
-              <a:off x="9773223" y="1603353"/>
-              <a:ext cx="1108495" cy="1108495"/>
-            </a:xfrm>
-            <a:prstGeom prst="rect">
-              <a:avLst/>
-            </a:prstGeom>
-            <a:solidFill>
-              <a:schemeClr val="accent6">
-                <a:lumMod val="40000"/>
-                <a:lumOff val="60000"/>
-              </a:schemeClr>
-            </a:solidFill>
-            <a:ln>
-              <a:solidFill>
-                <a:schemeClr val="tx1"/>
-              </a:solidFill>
-            </a:ln>
-          </p:spPr>
-          <p:style>
-            <a:lnRef idx="2">
-              <a:schemeClr val="accent1">
-                <a:shade val="15000"/>
-              </a:schemeClr>
-            </a:lnRef>
-            <a:fillRef idx="1">
-              <a:schemeClr val="accent1"/>
-            </a:fillRef>
-            <a:effectRef idx="0">
-              <a:schemeClr val="accent1"/>
-            </a:effectRef>
-            <a:fontRef idx="minor">
-              <a:schemeClr val="lt1"/>
-            </a:fontRef>
-          </p:style>
-          <p:txBody>
-            <a:bodyPr rtlCol="0" anchor="ctr"/>
-            <a:lstStyle/>
-            <a:p>
-              <a:pPr algn="ctr"/>
-              <a:endParaRPr lang="ko-KR" altLang="en-US" sz="1400">
-                <a:latin typeface="프리젠테이션 4 Regular" pitchFamily="2" charset="-127"/>
-                <a:ea typeface="프리젠테이션 4 Regular" pitchFamily="2" charset="-127"/>
-              </a:endParaRPr>
-            </a:p>
-          </p:txBody>
-        </p:sp>
-        <p:pic>
-          <p:nvPicPr>
-            <p:cNvPr id="13" name="그림 12" descr="블랙, 어둠이(가) 표시된 사진&#10;&#10;자동 생성된 설명">
-              <a:extLst>
-                <a:ext uri="{FF2B5EF4-FFF2-40B4-BE49-F238E27FC236}">
-                  <a16:creationId xmlns:a16="http://schemas.microsoft.com/office/drawing/2014/main" id="{734EAA02-EF9C-FE9F-5A4B-249A0FF5EEBD}"/>
-                </a:ext>
-              </a:extLst>
-            </p:cNvPr>
-            <p:cNvPicPr>
-              <a:picLocks noChangeAspect="1"/>
-            </p:cNvPicPr>
-            <p:nvPr/>
-          </p:nvPicPr>
-          <p:blipFill>
-            <a:blip r:embed="rId3">
-              <a:extLst>
-                <a:ext uri="{28A0092B-C50C-407E-A947-70E740481C1C}">
-                  <a14:useLocalDpi xmlns:a14="http://schemas.microsoft.com/office/drawing/2010/main" val="0"/>
-                </a:ext>
-              </a:extLst>
-            </a:blip>
-            <a:stretch>
-              <a:fillRect/>
-            </a:stretch>
-          </p:blipFill>
-          <p:spPr>
-            <a:xfrm>
-              <a:off x="9877470" y="1728924"/>
-              <a:ext cx="899999" cy="899999"/>
-            </a:xfrm>
-            <a:prstGeom prst="rect">
-              <a:avLst/>
-            </a:prstGeom>
-          </p:spPr>
-        </p:pic>
-      </p:grpSp>
-      <p:grpSp>
-        <p:nvGrpSpPr>
-          <p:cNvPr id="14" name="그룹 13">
-            <a:extLst>
-              <a:ext uri="{FF2B5EF4-FFF2-40B4-BE49-F238E27FC236}">
-                <a16:creationId xmlns:a16="http://schemas.microsoft.com/office/drawing/2014/main" id="{C933598B-E681-580E-E035-E9FAD343C035}"/>
-              </a:ext>
-            </a:extLst>
-          </p:cNvPr>
-          <p:cNvGrpSpPr/>
-          <p:nvPr/>
-        </p:nvGrpSpPr>
-        <p:grpSpPr>
-          <a:xfrm>
-            <a:off x="8420401" y="2279815"/>
-            <a:ext cx="657710" cy="657710"/>
-            <a:chOff x="7556233" y="3820343"/>
-            <a:chExt cx="1108495" cy="1108495"/>
-          </a:xfrm>
-        </p:grpSpPr>
-        <p:sp>
-          <p:nvSpPr>
-            <p:cNvPr id="15" name="직사각형 14">
-              <a:extLst>
-                <a:ext uri="{FF2B5EF4-FFF2-40B4-BE49-F238E27FC236}">
-                  <a16:creationId xmlns:a16="http://schemas.microsoft.com/office/drawing/2014/main" id="{EC60877B-FC4F-1A3B-822D-0AA657C702C1}"/>
-                </a:ext>
-              </a:extLst>
-            </p:cNvPr>
-            <p:cNvSpPr/>
-            <p:nvPr/>
-          </p:nvSpPr>
-          <p:spPr>
-            <a:xfrm>
-              <a:off x="7556233" y="3820343"/>
-              <a:ext cx="1108495" cy="1108495"/>
-            </a:xfrm>
-            <a:prstGeom prst="rect">
-              <a:avLst/>
-            </a:prstGeom>
-            <a:solidFill>
-              <a:schemeClr val="accent6">
-                <a:lumMod val="40000"/>
-                <a:lumOff val="60000"/>
-              </a:schemeClr>
-            </a:solidFill>
-            <a:ln>
-              <a:solidFill>
-                <a:schemeClr val="tx1"/>
-              </a:solidFill>
-            </a:ln>
-          </p:spPr>
-          <p:style>
-            <a:lnRef idx="2">
-              <a:schemeClr val="accent1">
-                <a:shade val="15000"/>
-              </a:schemeClr>
-            </a:lnRef>
-            <a:fillRef idx="1">
-              <a:schemeClr val="accent1"/>
-            </a:fillRef>
-            <a:effectRef idx="0">
-              <a:schemeClr val="accent1"/>
-            </a:effectRef>
-            <a:fontRef idx="minor">
-              <a:schemeClr val="lt1"/>
-            </a:fontRef>
-          </p:style>
-          <p:txBody>
-            <a:bodyPr rtlCol="0" anchor="ctr"/>
-            <a:lstStyle/>
-            <a:p>
-              <a:pPr algn="ctr"/>
-              <a:endParaRPr lang="ko-KR" altLang="en-US" sz="1400">
-                <a:latin typeface="프리젠테이션 4 Regular" pitchFamily="2" charset="-127"/>
-                <a:ea typeface="프리젠테이션 4 Regular" pitchFamily="2" charset="-127"/>
-              </a:endParaRPr>
-            </a:p>
-          </p:txBody>
-        </p:sp>
-        <p:pic>
-          <p:nvPicPr>
-            <p:cNvPr id="16" name="그림 15" descr="블랙, 어둠이(가) 표시된 사진&#10;&#10;자동 생성된 설명">
-              <a:extLst>
-                <a:ext uri="{FF2B5EF4-FFF2-40B4-BE49-F238E27FC236}">
-                  <a16:creationId xmlns:a16="http://schemas.microsoft.com/office/drawing/2014/main" id="{620D5E55-9BFE-E709-E4F4-A2E75EE76BCE}"/>
-                </a:ext>
-              </a:extLst>
-            </p:cNvPr>
-            <p:cNvPicPr>
-              <a:picLocks noChangeAspect="1"/>
-            </p:cNvPicPr>
-            <p:nvPr/>
-          </p:nvPicPr>
-          <p:blipFill>
-            <a:blip r:embed="rId4">
-              <a:extLst>
-                <a:ext uri="{28A0092B-C50C-407E-A947-70E740481C1C}">
-                  <a14:useLocalDpi xmlns:a14="http://schemas.microsoft.com/office/drawing/2010/main" val="0"/>
-                </a:ext>
-              </a:extLst>
-            </a:blip>
-            <a:stretch>
-              <a:fillRect/>
-            </a:stretch>
-          </p:blipFill>
-          <p:spPr>
-            <a:xfrm>
-              <a:off x="7852407" y="4111722"/>
-              <a:ext cx="525737" cy="525737"/>
-            </a:xfrm>
-            <a:prstGeom prst="rect">
-              <a:avLst/>
-            </a:prstGeom>
-          </p:spPr>
-        </p:pic>
-      </p:grpSp>
-      <p:grpSp>
-        <p:nvGrpSpPr>
-          <p:cNvPr id="17" name="그룹 16">
-            <a:extLst>
-              <a:ext uri="{FF2B5EF4-FFF2-40B4-BE49-F238E27FC236}">
-                <a16:creationId xmlns:a16="http://schemas.microsoft.com/office/drawing/2014/main" id="{35181F52-261A-D92E-F3D3-5D6E0669EFF8}"/>
-              </a:ext>
-            </a:extLst>
-          </p:cNvPr>
-          <p:cNvGrpSpPr/>
-          <p:nvPr/>
-        </p:nvGrpSpPr>
-        <p:grpSpPr>
-          <a:xfrm>
-            <a:off x="9403268" y="2279815"/>
-            <a:ext cx="657710" cy="657710"/>
-            <a:chOff x="9773223" y="3820343"/>
-            <a:chExt cx="1108495" cy="1108495"/>
-          </a:xfrm>
-        </p:grpSpPr>
-        <p:sp>
-          <p:nvSpPr>
-            <p:cNvPr id="18" name="직사각형 17">
-              <a:extLst>
-                <a:ext uri="{FF2B5EF4-FFF2-40B4-BE49-F238E27FC236}">
-                  <a16:creationId xmlns:a16="http://schemas.microsoft.com/office/drawing/2014/main" id="{F6DF1B18-5821-ED3F-B056-8B16B1AB4187}"/>
-                </a:ext>
-              </a:extLst>
-            </p:cNvPr>
-            <p:cNvSpPr/>
-            <p:nvPr/>
-          </p:nvSpPr>
-          <p:spPr>
-            <a:xfrm>
-              <a:off x="9773223" y="3820343"/>
-              <a:ext cx="1108495" cy="1108495"/>
-            </a:xfrm>
-            <a:prstGeom prst="rect">
-              <a:avLst/>
-            </a:prstGeom>
-            <a:solidFill>
-              <a:schemeClr val="accent6">
-                <a:lumMod val="40000"/>
-                <a:lumOff val="60000"/>
-              </a:schemeClr>
-            </a:solidFill>
-            <a:ln>
-              <a:solidFill>
-                <a:schemeClr val="tx1"/>
-              </a:solidFill>
-            </a:ln>
-          </p:spPr>
-          <p:style>
-            <a:lnRef idx="2">
-              <a:schemeClr val="accent1">
-                <a:shade val="15000"/>
-              </a:schemeClr>
-            </a:lnRef>
-            <a:fillRef idx="1">
-              <a:schemeClr val="accent1"/>
-            </a:fillRef>
-            <a:effectRef idx="0">
-              <a:schemeClr val="accent1"/>
-            </a:effectRef>
-            <a:fontRef idx="minor">
-              <a:schemeClr val="lt1"/>
-            </a:fontRef>
-          </p:style>
-          <p:txBody>
-            <a:bodyPr rtlCol="0" anchor="ctr"/>
-            <a:lstStyle/>
-            <a:p>
-              <a:pPr algn="ctr"/>
-              <a:endParaRPr lang="ko-KR" altLang="en-US" sz="1400" dirty="0">
-                <a:latin typeface="프리젠테이션 4 Regular" pitchFamily="2" charset="-127"/>
-                <a:ea typeface="프리젠테이션 4 Regular" pitchFamily="2" charset="-127"/>
-              </a:endParaRPr>
-            </a:p>
-          </p:txBody>
-        </p:sp>
-        <p:pic>
-          <p:nvPicPr>
-            <p:cNvPr id="19" name="그림 18" descr="블랙, 어둠이(가) 표시된 사진&#10;&#10;자동 생성된 설명">
-              <a:extLst>
-                <a:ext uri="{FF2B5EF4-FFF2-40B4-BE49-F238E27FC236}">
-                  <a16:creationId xmlns:a16="http://schemas.microsoft.com/office/drawing/2014/main" id="{2A6585FB-0DB2-DDDB-AAE3-DD76DFAFF0B7}"/>
-                </a:ext>
-              </a:extLst>
-            </p:cNvPr>
-            <p:cNvPicPr>
-              <a:picLocks noChangeAspect="1"/>
-            </p:cNvPicPr>
-            <p:nvPr/>
-          </p:nvPicPr>
-          <p:blipFill>
-            <a:blip r:embed="rId5">
-              <a:extLst>
-                <a:ext uri="{28A0092B-C50C-407E-A947-70E740481C1C}">
-                  <a14:useLocalDpi xmlns:a14="http://schemas.microsoft.com/office/drawing/2010/main" val="0"/>
-                </a:ext>
-              </a:extLst>
-            </a:blip>
-            <a:stretch>
-              <a:fillRect/>
-            </a:stretch>
-          </p:blipFill>
-          <p:spPr>
-            <a:xfrm>
-              <a:off x="9945204" y="4003068"/>
-              <a:ext cx="886163" cy="886163"/>
-            </a:xfrm>
-            <a:prstGeom prst="rect">
-              <a:avLst/>
-            </a:prstGeom>
-          </p:spPr>
-        </p:pic>
-      </p:grpSp>
-      <p:sp>
-        <p:nvSpPr>
-          <p:cNvPr id="20" name="직사각형 19">
-            <a:extLst>
-              <a:ext uri="{FF2B5EF4-FFF2-40B4-BE49-F238E27FC236}">
-                <a16:creationId xmlns:a16="http://schemas.microsoft.com/office/drawing/2014/main" id="{AF14328D-78C2-AEC2-7E43-31C430DC4089}"/>
-              </a:ext>
-            </a:extLst>
-          </p:cNvPr>
-          <p:cNvSpPr/>
-          <p:nvPr/>
-        </p:nvSpPr>
-        <p:spPr>
-          <a:xfrm>
-            <a:off x="8342646" y="3677315"/>
-            <a:ext cx="2781037" cy="914400"/>
-          </a:xfrm>
-          <a:prstGeom prst="rect">
-            <a:avLst/>
-          </a:prstGeom>
-          <a:solidFill>
-            <a:schemeClr val="bg1"/>
-          </a:solidFill>
-        </p:spPr>
-        <p:style>
-          <a:lnRef idx="2">
-            <a:schemeClr val="accent1">
-              <a:shade val="15000"/>
-            </a:schemeClr>
-          </a:lnRef>
-          <a:fillRef idx="1">
-            <a:schemeClr val="accent1"/>
-          </a:fillRef>
-          <a:effectRef idx="0">
-            <a:schemeClr val="accent1"/>
-          </a:effectRef>
-          <a:fontRef idx="minor">
-            <a:schemeClr val="lt1"/>
-          </a:fontRef>
-        </p:style>
-        <p:txBody>
-          <a:bodyPr rtlCol="0" anchor="ctr"/>
-          <a:lstStyle/>
-          <a:p>
-            <a:pPr algn="ctr"/>
-            <a:r>
-              <a:rPr lang="ko-KR" altLang="en-US" sz="1400" dirty="0">
-                <a:solidFill>
-                  <a:schemeClr val="tx1"/>
-                </a:solidFill>
-                <a:latin typeface="프리젠테이션 4 Regular" pitchFamily="2" charset="-127"/>
-                <a:ea typeface="프리젠테이션 4 Regular" pitchFamily="2" charset="-127"/>
-              </a:rPr>
-              <a:t>마을 발전</a:t>
-            </a:r>
-          </a:p>
-        </p:txBody>
-      </p:sp>
-      <p:grpSp>
-        <p:nvGrpSpPr>
-          <p:cNvPr id="21" name="그룹 20">
-            <a:extLst>
-              <a:ext uri="{FF2B5EF4-FFF2-40B4-BE49-F238E27FC236}">
-                <a16:creationId xmlns:a16="http://schemas.microsoft.com/office/drawing/2014/main" id="{E1BFEA6F-4B0D-F932-346C-0D11DC9D686E}"/>
-              </a:ext>
-            </a:extLst>
-          </p:cNvPr>
-          <p:cNvGrpSpPr/>
-          <p:nvPr/>
-        </p:nvGrpSpPr>
-        <p:grpSpPr>
-          <a:xfrm>
-            <a:off x="10421862" y="3476805"/>
-            <a:ext cx="657710" cy="657710"/>
-            <a:chOff x="7556233" y="1603353"/>
-            <a:chExt cx="1108495" cy="1108495"/>
-          </a:xfrm>
-        </p:grpSpPr>
-        <p:sp>
-          <p:nvSpPr>
-            <p:cNvPr id="22" name="직사각형 21">
-              <a:extLst>
-                <a:ext uri="{FF2B5EF4-FFF2-40B4-BE49-F238E27FC236}">
-                  <a16:creationId xmlns:a16="http://schemas.microsoft.com/office/drawing/2014/main" id="{1152425D-AE92-658E-ADDF-FA2151CD69DB}"/>
-                </a:ext>
-              </a:extLst>
-            </p:cNvPr>
-            <p:cNvSpPr/>
-            <p:nvPr/>
-          </p:nvSpPr>
-          <p:spPr>
-            <a:xfrm>
-              <a:off x="7556233" y="1603353"/>
-              <a:ext cx="1108495" cy="1108495"/>
-            </a:xfrm>
-            <a:prstGeom prst="rect">
-              <a:avLst/>
-            </a:prstGeom>
-            <a:solidFill>
-              <a:srgbClr val="0070C0"/>
-            </a:solidFill>
-            <a:ln>
-              <a:solidFill>
-                <a:schemeClr val="tx1"/>
-              </a:solidFill>
-            </a:ln>
-          </p:spPr>
-          <p:style>
-            <a:lnRef idx="2">
-              <a:schemeClr val="accent1">
-                <a:shade val="15000"/>
-              </a:schemeClr>
-            </a:lnRef>
-            <a:fillRef idx="1">
-              <a:schemeClr val="accent1"/>
-            </a:fillRef>
-            <a:effectRef idx="0">
-              <a:schemeClr val="accent1"/>
-            </a:effectRef>
-            <a:fontRef idx="minor">
-              <a:schemeClr val="lt1"/>
-            </a:fontRef>
-          </p:style>
-          <p:txBody>
-            <a:bodyPr rtlCol="0" anchor="ctr"/>
-            <a:lstStyle/>
-            <a:p>
-              <a:pPr algn="ctr"/>
-              <a:endParaRPr lang="ko-KR" altLang="en-US" sz="1400">
-                <a:latin typeface="프리젠테이션 4 Regular" pitchFamily="2" charset="-127"/>
-                <a:ea typeface="프리젠테이션 4 Regular" pitchFamily="2" charset="-127"/>
-              </a:endParaRPr>
-            </a:p>
-          </p:txBody>
-        </p:sp>
-        <p:pic>
-          <p:nvPicPr>
-            <p:cNvPr id="23" name="그림 22" descr="블랙, 어둠이(가) 표시된 사진&#10;&#10;자동 생성된 설명">
-              <a:extLst>
-                <a:ext uri="{FF2B5EF4-FFF2-40B4-BE49-F238E27FC236}">
-                  <a16:creationId xmlns:a16="http://schemas.microsoft.com/office/drawing/2014/main" id="{FBCA720F-5C8E-6523-1087-0F95AA1E02B8}"/>
-                </a:ext>
-              </a:extLst>
-            </p:cNvPr>
-            <p:cNvPicPr>
-              <a:picLocks noChangeAspect="1"/>
-            </p:cNvPicPr>
-            <p:nvPr/>
-          </p:nvPicPr>
-          <p:blipFill>
-            <a:blip r:embed="rId6">
-              <a:extLst>
-                <a:ext uri="{28A0092B-C50C-407E-A947-70E740481C1C}">
-                  <a14:useLocalDpi xmlns:a14="http://schemas.microsoft.com/office/drawing/2010/main" val="0"/>
-                </a:ext>
-              </a:extLst>
-            </a:blip>
-            <a:stretch>
-              <a:fillRect/>
-            </a:stretch>
-          </p:blipFill>
-          <p:spPr>
-            <a:xfrm>
-              <a:off x="7701416" y="1840560"/>
-              <a:ext cx="676728" cy="676728"/>
-            </a:xfrm>
-            <a:prstGeom prst="rect">
-              <a:avLst/>
-            </a:prstGeom>
-          </p:spPr>
-        </p:pic>
-      </p:grpSp>
-      <p:sp>
-        <p:nvSpPr>
-          <p:cNvPr id="24" name="직사각형 23">
-            <a:extLst>
-              <a:ext uri="{FF2B5EF4-FFF2-40B4-BE49-F238E27FC236}">
-                <a16:creationId xmlns:a16="http://schemas.microsoft.com/office/drawing/2014/main" id="{812B1053-99F8-BB58-8F6E-F75715CB6615}"/>
-              </a:ext>
-            </a:extLst>
-          </p:cNvPr>
-          <p:cNvSpPr/>
-          <p:nvPr/>
-        </p:nvSpPr>
-        <p:spPr>
-          <a:xfrm>
-            <a:off x="8377688" y="4746268"/>
-            <a:ext cx="2781037" cy="914400"/>
-          </a:xfrm>
-          <a:prstGeom prst="rect">
-            <a:avLst/>
-          </a:prstGeom>
-          <a:solidFill>
-            <a:schemeClr val="bg1"/>
-          </a:solidFill>
-        </p:spPr>
-        <p:style>
-          <a:lnRef idx="2">
-            <a:schemeClr val="accent1">
-              <a:shade val="15000"/>
-            </a:schemeClr>
-          </a:lnRef>
-          <a:fillRef idx="1">
-            <a:schemeClr val="accent1"/>
-          </a:fillRef>
-          <a:effectRef idx="0">
-            <a:schemeClr val="accent1"/>
-          </a:effectRef>
-          <a:fontRef idx="minor">
-            <a:schemeClr val="lt1"/>
-          </a:fontRef>
-        </p:style>
-        <p:txBody>
-          <a:bodyPr rtlCol="0" anchor="ctr"/>
-          <a:lstStyle/>
-          <a:p>
-            <a:pPr algn="ctr"/>
-            <a:r>
-              <a:rPr lang="ko-KR" altLang="en-US" sz="1400" dirty="0">
-                <a:solidFill>
-                  <a:schemeClr val="tx1"/>
-                </a:solidFill>
-                <a:latin typeface="프리젠테이션 4 Regular" pitchFamily="2" charset="-127"/>
-                <a:ea typeface="프리젠테이션 4 Regular" pitchFamily="2" charset="-127"/>
-              </a:rPr>
-              <a:t>오벨리스크 강화</a:t>
-            </a:r>
-          </a:p>
-        </p:txBody>
-      </p:sp>
-      <p:grpSp>
-        <p:nvGrpSpPr>
-          <p:cNvPr id="25" name="그룹 24">
-            <a:extLst>
-              <a:ext uri="{FF2B5EF4-FFF2-40B4-BE49-F238E27FC236}">
-                <a16:creationId xmlns:a16="http://schemas.microsoft.com/office/drawing/2014/main" id="{BCCCAEDB-32C3-326A-3978-A9C421C29A26}"/>
-              </a:ext>
-            </a:extLst>
-          </p:cNvPr>
-          <p:cNvGrpSpPr/>
-          <p:nvPr/>
-        </p:nvGrpSpPr>
-        <p:grpSpPr>
-          <a:xfrm>
-            <a:off x="10703110" y="4650500"/>
-            <a:ext cx="732633" cy="732633"/>
-            <a:chOff x="8664728" y="2711848"/>
-            <a:chExt cx="1108495" cy="1108495"/>
-          </a:xfrm>
-        </p:grpSpPr>
-        <p:sp>
-          <p:nvSpPr>
-            <p:cNvPr id="26" name="직사각형 25">
-              <a:extLst>
-                <a:ext uri="{FF2B5EF4-FFF2-40B4-BE49-F238E27FC236}">
-                  <a16:creationId xmlns:a16="http://schemas.microsoft.com/office/drawing/2014/main" id="{F0312CE3-8D3F-2C5D-ECFB-C4511618BCC6}"/>
-                </a:ext>
-              </a:extLst>
-            </p:cNvPr>
-            <p:cNvSpPr/>
-            <p:nvPr/>
-          </p:nvSpPr>
-          <p:spPr>
-            <a:xfrm>
-              <a:off x="8664728" y="2711848"/>
-              <a:ext cx="1108495" cy="1108495"/>
-            </a:xfrm>
-            <a:prstGeom prst="rect">
-              <a:avLst/>
-            </a:prstGeom>
-            <a:solidFill>
-              <a:schemeClr val="bg1"/>
-            </a:solidFill>
-            <a:ln>
-              <a:solidFill>
-                <a:schemeClr val="tx1"/>
-              </a:solidFill>
-            </a:ln>
-          </p:spPr>
-          <p:style>
-            <a:lnRef idx="2">
-              <a:schemeClr val="accent1">
-                <a:shade val="15000"/>
-              </a:schemeClr>
-            </a:lnRef>
-            <a:fillRef idx="1">
-              <a:schemeClr val="accent1"/>
-            </a:fillRef>
-            <a:effectRef idx="0">
-              <a:schemeClr val="accent1"/>
-            </a:effectRef>
-            <a:fontRef idx="minor">
-              <a:schemeClr val="lt1"/>
-            </a:fontRef>
-          </p:style>
-          <p:txBody>
-            <a:bodyPr rtlCol="0" anchor="ctr"/>
-            <a:lstStyle/>
-            <a:p>
-              <a:pPr algn="ctr"/>
-              <a:endParaRPr lang="ko-KR" altLang="en-US" sz="1400">
-                <a:latin typeface="프리젠테이션 4 Regular" pitchFamily="2" charset="-127"/>
-                <a:ea typeface="프리젠테이션 4 Regular" pitchFamily="2" charset="-127"/>
-              </a:endParaRPr>
-            </a:p>
-          </p:txBody>
-        </p:sp>
-        <p:pic>
-          <p:nvPicPr>
-            <p:cNvPr id="27" name="그림 26" descr="블랙, 어둠이(가) 표시된 사진&#10;&#10;자동 생성된 설명">
-              <a:extLst>
-                <a:ext uri="{FF2B5EF4-FFF2-40B4-BE49-F238E27FC236}">
-                  <a16:creationId xmlns:a16="http://schemas.microsoft.com/office/drawing/2014/main" id="{39976DC9-CE2F-6DBD-51E1-F48F7397D51D}"/>
-                </a:ext>
-              </a:extLst>
-            </p:cNvPr>
-            <p:cNvPicPr>
-              <a:picLocks noChangeAspect="1"/>
-            </p:cNvPicPr>
-            <p:nvPr/>
-          </p:nvPicPr>
-          <p:blipFill>
-            <a:blip r:embed="rId7">
-              <a:extLst>
-                <a:ext uri="{28A0092B-C50C-407E-A947-70E740481C1C}">
-                  <a14:useLocalDpi xmlns:a14="http://schemas.microsoft.com/office/drawing/2010/main" val="0"/>
-                </a:ext>
-              </a:extLst>
-            </a:blip>
-            <a:stretch>
-              <a:fillRect/>
-            </a:stretch>
-          </p:blipFill>
-          <p:spPr>
-            <a:xfrm>
-              <a:off x="8728082" y="2761343"/>
-              <a:ext cx="900001" cy="900001"/>
-            </a:xfrm>
-            <a:prstGeom prst="rect">
-              <a:avLst/>
-            </a:prstGeom>
-          </p:spPr>
-        </p:pic>
-      </p:grpSp>
-      <p:sp>
-        <p:nvSpPr>
-          <p:cNvPr id="28" name="순서도: 대체 처리 27">
-            <a:extLst>
-              <a:ext uri="{FF2B5EF4-FFF2-40B4-BE49-F238E27FC236}">
-                <a16:creationId xmlns:a16="http://schemas.microsoft.com/office/drawing/2014/main" id="{A650DD87-DB10-0531-C370-1FB75FDFEB26}"/>
-              </a:ext>
-            </a:extLst>
-          </p:cNvPr>
-          <p:cNvSpPr/>
-          <p:nvPr/>
-        </p:nvSpPr>
-        <p:spPr>
-          <a:xfrm>
-            <a:off x="4503293" y="3979067"/>
-            <a:ext cx="2822909" cy="612648"/>
-          </a:xfrm>
-          <a:prstGeom prst="flowChartAlternateProcess">
-            <a:avLst/>
-          </a:prstGeom>
-          <a:solidFill>
-            <a:schemeClr val="accent6">
-              <a:lumMod val="50000"/>
-              <a:alpha val="47000"/>
-            </a:schemeClr>
-          </a:solidFill>
-        </p:spPr>
-        <p:style>
-          <a:lnRef idx="2">
-            <a:schemeClr val="accent1">
-              <a:shade val="15000"/>
-            </a:schemeClr>
-          </a:lnRef>
-          <a:fillRef idx="1">
-            <a:schemeClr val="accent1"/>
-          </a:fillRef>
-          <a:effectRef idx="0">
-            <a:schemeClr val="accent1"/>
-          </a:effectRef>
-          <a:fontRef idx="minor">
-            <a:schemeClr val="lt1"/>
-          </a:fontRef>
-        </p:style>
-        <p:txBody>
-          <a:bodyPr rtlCol="0" anchor="ctr"/>
-          <a:lstStyle/>
-          <a:p>
-            <a:pPr algn="ctr"/>
-            <a:r>
-              <a:rPr lang="ko-KR" altLang="en-US" sz="1400" dirty="0">
-                <a:latin typeface="프리젠테이션 4 Regular" pitchFamily="2" charset="-127"/>
-                <a:ea typeface="프리젠테이션 4 Regular" pitchFamily="2" charset="-127"/>
-              </a:rPr>
-              <a:t>골드 사용</a:t>
-            </a:r>
-          </a:p>
-        </p:txBody>
-      </p:sp>
-      <p:sp>
-        <p:nvSpPr>
-          <p:cNvPr id="29" name="사다리꼴 28">
-            <a:extLst>
-              <a:ext uri="{FF2B5EF4-FFF2-40B4-BE49-F238E27FC236}">
-                <a16:creationId xmlns:a16="http://schemas.microsoft.com/office/drawing/2014/main" id="{0DC5213C-4663-F491-8B8A-B575CC691018}"/>
-              </a:ext>
-            </a:extLst>
-          </p:cNvPr>
-          <p:cNvSpPr/>
-          <p:nvPr/>
-        </p:nvSpPr>
-        <p:spPr>
-          <a:xfrm>
-            <a:off x="4570258" y="4789079"/>
-            <a:ext cx="2644719" cy="383102"/>
-          </a:xfrm>
-          <a:prstGeom prst="trapezoid">
-            <a:avLst/>
-          </a:prstGeom>
-          <a:solidFill>
-            <a:schemeClr val="accent4">
-              <a:lumMod val="75000"/>
-            </a:schemeClr>
-          </a:solidFill>
-        </p:spPr>
-        <p:style>
-          <a:lnRef idx="2">
-            <a:schemeClr val="accent1">
-              <a:shade val="15000"/>
-            </a:schemeClr>
-          </a:lnRef>
-          <a:fillRef idx="1">
-            <a:schemeClr val="accent1"/>
-          </a:fillRef>
-          <a:effectRef idx="0">
-            <a:schemeClr val="accent1"/>
-          </a:effectRef>
-          <a:fontRef idx="minor">
-            <a:schemeClr val="lt1"/>
-          </a:fontRef>
-        </p:style>
-        <p:txBody>
-          <a:bodyPr rtlCol="0" anchor="ctr"/>
-          <a:lstStyle/>
-          <a:p>
-            <a:pPr algn="ctr"/>
-            <a:r>
-              <a:rPr lang="en-US" altLang="ko-KR" sz="1400" dirty="0">
-                <a:latin typeface="프리젠테이션 4 Regular" pitchFamily="2" charset="-127"/>
-                <a:ea typeface="프리젠테이션 4 Regular" pitchFamily="2" charset="-127"/>
-              </a:rPr>
-              <a:t>HP</a:t>
-            </a:r>
-            <a:r>
-              <a:rPr lang="ko-KR" altLang="en-US" sz="1400" dirty="0">
-                <a:latin typeface="프리젠테이션 4 Regular" pitchFamily="2" charset="-127"/>
-                <a:ea typeface="프리젠테이션 4 Regular" pitchFamily="2" charset="-127"/>
-              </a:rPr>
-              <a:t> </a:t>
-            </a:r>
-            <a:r>
-              <a:rPr lang="en-US" altLang="ko-KR" sz="1400" dirty="0">
-                <a:latin typeface="프리젠테이션 4 Regular" pitchFamily="2" charset="-127"/>
-                <a:ea typeface="프리젠테이션 4 Regular" pitchFamily="2" charset="-127"/>
-              </a:rPr>
-              <a:t>==</a:t>
-            </a:r>
-            <a:r>
-              <a:rPr lang="ko-KR" altLang="en-US" sz="1400" dirty="0">
-                <a:latin typeface="프리젠테이션 4 Regular" pitchFamily="2" charset="-127"/>
-                <a:ea typeface="프리젠테이션 4 Regular" pitchFamily="2" charset="-127"/>
-              </a:rPr>
-              <a:t> </a:t>
-            </a:r>
-            <a:r>
-              <a:rPr lang="en-US" altLang="ko-KR" sz="1400" dirty="0">
-                <a:latin typeface="프리젠테이션 4 Regular" pitchFamily="2" charset="-127"/>
-                <a:ea typeface="프리젠테이션 4 Regular" pitchFamily="2" charset="-127"/>
-              </a:rPr>
-              <a:t>0</a:t>
-            </a:r>
-            <a:r>
-              <a:rPr lang="ko-KR" altLang="en-US" sz="1400" dirty="0">
-                <a:latin typeface="프리젠테이션 4 Regular" pitchFamily="2" charset="-127"/>
-                <a:ea typeface="프리젠테이션 4 Regular" pitchFamily="2" charset="-127"/>
-              </a:rPr>
-              <a:t> </a:t>
-            </a:r>
-            <a:r>
-              <a:rPr lang="en-US" altLang="ko-KR" sz="1400" dirty="0">
-                <a:latin typeface="프리젠테이션 4 Regular" pitchFamily="2" charset="-127"/>
-                <a:ea typeface="프리젠테이션 4 Regular" pitchFamily="2" charset="-127"/>
-              </a:rPr>
-              <a:t>OR</a:t>
-            </a:r>
-            <a:r>
-              <a:rPr lang="ko-KR" altLang="en-US" sz="1400" dirty="0">
-                <a:latin typeface="프리젠테이션 4 Regular" pitchFamily="2" charset="-127"/>
-                <a:ea typeface="프리젠테이션 4 Regular" pitchFamily="2" charset="-127"/>
-              </a:rPr>
-              <a:t> </a:t>
-            </a:r>
-            <a:r>
-              <a:rPr lang="en-US" altLang="ko-KR" sz="1400" dirty="0">
-                <a:latin typeface="프리젠테이션 4 Regular" pitchFamily="2" charset="-127"/>
-                <a:ea typeface="프리젠테이션 4 Regular" pitchFamily="2" charset="-127"/>
-              </a:rPr>
-              <a:t>30</a:t>
-            </a:r>
-            <a:r>
-              <a:rPr lang="ko-KR" altLang="en-US" sz="1400" dirty="0">
-                <a:latin typeface="프리젠테이션 4 Regular" pitchFamily="2" charset="-127"/>
-                <a:ea typeface="프리젠테이션 4 Regular" pitchFamily="2" charset="-127"/>
-              </a:rPr>
-              <a:t>초 경과</a:t>
-            </a:r>
-          </a:p>
-        </p:txBody>
-      </p:sp>
-      <p:cxnSp>
-        <p:nvCxnSpPr>
-          <p:cNvPr id="30" name="직선 연결선 29">
-            <a:extLst>
-              <a:ext uri="{FF2B5EF4-FFF2-40B4-BE49-F238E27FC236}">
-                <a16:creationId xmlns:a16="http://schemas.microsoft.com/office/drawing/2014/main" id="{2FD12A55-734C-ED0A-55F2-BD7815246002}"/>
-              </a:ext>
-            </a:extLst>
-          </p:cNvPr>
-          <p:cNvCxnSpPr>
-            <a:cxnSpLocks/>
-          </p:cNvCxnSpPr>
-          <p:nvPr/>
-        </p:nvCxnSpPr>
-        <p:spPr>
-          <a:xfrm>
-            <a:off x="3776449" y="2196212"/>
-            <a:ext cx="0" cy="2827270"/>
-          </a:xfrm>
-          <a:prstGeom prst="line">
-            <a:avLst/>
-          </a:prstGeom>
-          <a:ln w="57150">
-            <a:solidFill>
-              <a:srgbClr val="FF0000"/>
-            </a:solidFill>
-          </a:ln>
-        </p:spPr>
-        <p:style>
-          <a:lnRef idx="2">
-            <a:schemeClr val="accent1"/>
-          </a:lnRef>
-          <a:fillRef idx="0">
-            <a:schemeClr val="accent1"/>
-          </a:fillRef>
-          <a:effectRef idx="1">
-            <a:schemeClr val="accent1"/>
-          </a:effectRef>
-          <a:fontRef idx="minor">
-            <a:schemeClr val="tx1"/>
-          </a:fontRef>
-        </p:style>
-      </p:cxnSp>
-      <p:cxnSp>
-        <p:nvCxnSpPr>
-          <p:cNvPr id="31" name="직선 연결선 30">
-            <a:extLst>
-              <a:ext uri="{FF2B5EF4-FFF2-40B4-BE49-F238E27FC236}">
-                <a16:creationId xmlns:a16="http://schemas.microsoft.com/office/drawing/2014/main" id="{424239E1-7150-1B9A-310C-A005568A1090}"/>
-              </a:ext>
-            </a:extLst>
-          </p:cNvPr>
-          <p:cNvCxnSpPr>
-            <a:cxnSpLocks/>
-          </p:cNvCxnSpPr>
-          <p:nvPr/>
-        </p:nvCxnSpPr>
-        <p:spPr>
-          <a:xfrm>
-            <a:off x="3740696" y="2196212"/>
-            <a:ext cx="646608" cy="0"/>
-          </a:xfrm>
-          <a:prstGeom prst="line">
-            <a:avLst/>
-          </a:prstGeom>
-          <a:ln w="38100" cap="flat" cmpd="sng" algn="ctr">
-            <a:solidFill>
-              <a:schemeClr val="accent6"/>
-            </a:solidFill>
-            <a:prstDash val="solid"/>
-            <a:round/>
-            <a:headEnd type="none" w="med" len="med"/>
-            <a:tailEnd type="arrow" w="med" len="med"/>
-          </a:ln>
-        </p:spPr>
-        <p:style>
-          <a:lnRef idx="0">
-            <a:scrgbClr r="0" g="0" b="0"/>
-          </a:lnRef>
-          <a:fillRef idx="0">
-            <a:scrgbClr r="0" g="0" b="0"/>
-          </a:fillRef>
-          <a:effectRef idx="0">
-            <a:scrgbClr r="0" g="0" b="0"/>
-          </a:effectRef>
-          <a:fontRef idx="minor">
-            <a:schemeClr val="tx1"/>
-          </a:fontRef>
-        </p:style>
-      </p:cxnSp>
-      <p:cxnSp>
-        <p:nvCxnSpPr>
-          <p:cNvPr id="32" name="직선 연결선 31">
-            <a:extLst>
-              <a:ext uri="{FF2B5EF4-FFF2-40B4-BE49-F238E27FC236}">
-                <a16:creationId xmlns:a16="http://schemas.microsoft.com/office/drawing/2014/main" id="{F54C958D-5FF6-38C8-EE3D-95165FD32688}"/>
-              </a:ext>
-            </a:extLst>
-          </p:cNvPr>
-          <p:cNvCxnSpPr>
-            <a:cxnSpLocks/>
-          </p:cNvCxnSpPr>
-          <p:nvPr/>
-        </p:nvCxnSpPr>
-        <p:spPr>
-          <a:xfrm>
-            <a:off x="3740696" y="5023482"/>
-            <a:ext cx="646608" cy="0"/>
-          </a:xfrm>
-          <a:prstGeom prst="line">
-            <a:avLst/>
-          </a:prstGeom>
-          <a:ln w="57150">
-            <a:solidFill>
-              <a:srgbClr val="FF0000"/>
-            </a:solidFill>
-          </a:ln>
-        </p:spPr>
-        <p:style>
-          <a:lnRef idx="2">
-            <a:schemeClr val="accent1"/>
-          </a:lnRef>
-          <a:fillRef idx="0">
-            <a:schemeClr val="accent1"/>
-          </a:fillRef>
-          <a:effectRef idx="1">
-            <a:schemeClr val="accent1"/>
-          </a:effectRef>
-          <a:fontRef idx="minor">
-            <a:schemeClr val="tx1"/>
-          </a:fontRef>
-        </p:style>
-      </p:cxnSp>
-      <p:sp>
-        <p:nvSpPr>
-          <p:cNvPr id="33" name="사다리꼴 32">
-            <a:extLst>
-              <a:ext uri="{FF2B5EF4-FFF2-40B4-BE49-F238E27FC236}">
-                <a16:creationId xmlns:a16="http://schemas.microsoft.com/office/drawing/2014/main" id="{414B96F9-BD52-5A81-1504-672F20E2E9FB}"/>
-              </a:ext>
-            </a:extLst>
-          </p:cNvPr>
-          <p:cNvSpPr/>
-          <p:nvPr/>
-        </p:nvSpPr>
-        <p:spPr>
-          <a:xfrm>
-            <a:off x="1736071" y="3744588"/>
-            <a:ext cx="1688360" cy="383102"/>
-          </a:xfrm>
-          <a:prstGeom prst="trapezoid">
-            <a:avLst/>
-          </a:prstGeom>
-          <a:solidFill>
-            <a:schemeClr val="accent4">
-              <a:lumMod val="75000"/>
-            </a:schemeClr>
-          </a:solidFill>
-        </p:spPr>
-        <p:style>
-          <a:lnRef idx="2">
-            <a:schemeClr val="accent1">
-              <a:shade val="15000"/>
-            </a:schemeClr>
-          </a:lnRef>
-          <a:fillRef idx="1">
-            <a:schemeClr val="accent1"/>
-          </a:fillRef>
-          <a:effectRef idx="0">
-            <a:schemeClr val="accent1"/>
-          </a:effectRef>
-          <a:fontRef idx="minor">
-            <a:schemeClr val="lt1"/>
-          </a:fontRef>
-        </p:style>
-        <p:txBody>
-          <a:bodyPr rtlCol="0" anchor="ctr"/>
-          <a:lstStyle/>
-          <a:p>
-            <a:pPr algn="ctr"/>
-            <a:r>
-              <a:rPr lang="en-US" altLang="ko-KR" sz="1400" dirty="0">
-                <a:latin typeface="프리젠테이션 4 Regular" pitchFamily="2" charset="-127"/>
-                <a:ea typeface="프리젠테이션 4 Regular" pitchFamily="2" charset="-127"/>
-              </a:rPr>
-              <a:t>10</a:t>
-            </a:r>
-            <a:r>
-              <a:rPr lang="ko-KR" altLang="en-US" sz="1400" dirty="0">
-                <a:latin typeface="프리젠테이션 4 Regular" pitchFamily="2" charset="-127"/>
-                <a:ea typeface="프리젠테이션 4 Regular" pitchFamily="2" charset="-127"/>
-              </a:rPr>
-              <a:t>번 반복했다면</a:t>
-            </a:r>
-          </a:p>
-        </p:txBody>
-      </p:sp>
-      <p:sp>
-        <p:nvSpPr>
-          <p:cNvPr id="34" name="직사각형 33">
-            <a:extLst>
-              <a:ext uri="{FF2B5EF4-FFF2-40B4-BE49-F238E27FC236}">
-                <a16:creationId xmlns:a16="http://schemas.microsoft.com/office/drawing/2014/main" id="{E9C61704-C6A2-837F-ECA9-B33C43B7F4BE}"/>
-              </a:ext>
-            </a:extLst>
-          </p:cNvPr>
-          <p:cNvSpPr/>
-          <p:nvPr/>
-        </p:nvSpPr>
-        <p:spPr>
-          <a:xfrm>
-            <a:off x="1927715" y="3294213"/>
-            <a:ext cx="1305071" cy="383102"/>
+            <a:off x="2019300" y="1743075"/>
+            <a:ext cx="1962153" cy="1323439"/>
           </a:xfrm>
           <a:prstGeom prst="rect">
             <a:avLst/>
@@ -6185,143 +5363,388 @@
               <a:lumMod val="95000"/>
             </a:schemeClr>
           </a:solidFill>
-        </p:spPr>
-        <p:style>
-          <a:lnRef idx="2">
-            <a:schemeClr val="accent1">
-              <a:shade val="15000"/>
-            </a:schemeClr>
-          </a:lnRef>
-          <a:fillRef idx="1">
-            <a:schemeClr val="accent1"/>
-          </a:fillRef>
-          <a:effectRef idx="0">
-            <a:schemeClr val="accent1"/>
-          </a:effectRef>
-          <a:fontRef idx="minor">
-            <a:schemeClr val="lt1"/>
-          </a:fontRef>
-        </p:style>
-        <p:txBody>
-          <a:bodyPr rtlCol="0" anchor="ctr"/>
-          <a:lstStyle/>
-          <a:p>
-            <a:pPr algn="ctr"/>
-            <a:r>
-              <a:rPr lang="ko-KR" altLang="en-US" sz="1400" dirty="0">
-                <a:solidFill>
-                  <a:schemeClr val="tx1"/>
-                </a:solidFill>
-                <a:latin typeface="프리젠테이션 4 Regular" pitchFamily="2" charset="-127"/>
-                <a:ea typeface="프리젠테이션 4 Regular" pitchFamily="2" charset="-127"/>
-              </a:rPr>
-              <a:t>반복</a:t>
-            </a:r>
-          </a:p>
-        </p:txBody>
-      </p:sp>
-      <p:cxnSp>
-        <p:nvCxnSpPr>
-          <p:cNvPr id="35" name="직선 연결선 34">
-            <a:extLst>
-              <a:ext uri="{FF2B5EF4-FFF2-40B4-BE49-F238E27FC236}">
-                <a16:creationId xmlns:a16="http://schemas.microsoft.com/office/drawing/2014/main" id="{F5F22764-4A2C-8F49-CB84-671483140924}"/>
-              </a:ext>
-            </a:extLst>
-          </p:cNvPr>
-          <p:cNvCxnSpPr>
-            <a:cxnSpLocks/>
-          </p:cNvCxnSpPr>
-          <p:nvPr/>
-        </p:nvCxnSpPr>
-        <p:spPr>
-          <a:xfrm>
-            <a:off x="2580250" y="4127690"/>
-            <a:ext cx="0" cy="1904810"/>
-          </a:xfrm>
-          <a:prstGeom prst="line">
-            <a:avLst/>
-          </a:prstGeom>
           <a:ln w="57150">
             <a:solidFill>
-              <a:srgbClr val="FF0000"/>
+              <a:schemeClr val="accent6"/>
             </a:solidFill>
           </a:ln>
         </p:spPr>
-        <p:style>
-          <a:lnRef idx="2">
-            <a:schemeClr val="accent1"/>
-          </a:lnRef>
-          <a:fillRef idx="0">
-            <a:schemeClr val="accent1"/>
-          </a:fillRef>
-          <a:effectRef idx="1">
-            <a:schemeClr val="accent1"/>
-          </a:effectRef>
-          <a:fontRef idx="minor">
-            <a:schemeClr val="tx1"/>
-          </a:fontRef>
-        </p:style>
-      </p:cxnSp>
-      <p:cxnSp>
-        <p:nvCxnSpPr>
-          <p:cNvPr id="36" name="직선 연결선 35">
-            <a:extLst>
-              <a:ext uri="{FF2B5EF4-FFF2-40B4-BE49-F238E27FC236}">
-                <a16:creationId xmlns:a16="http://schemas.microsoft.com/office/drawing/2014/main" id="{1FF1BF76-332A-909F-3B45-9C6346A7D0C3}"/>
-              </a:ext>
-            </a:extLst>
-          </p:cNvPr>
-          <p:cNvCxnSpPr>
-            <a:cxnSpLocks/>
-          </p:cNvCxnSpPr>
+        <p:txBody>
+          <a:bodyPr wrap="square" rtlCol="0">
+            <a:spAutoFit/>
+          </a:bodyPr>
+          <a:lstStyle/>
+          <a:p>
+            <a:r>
+              <a:rPr lang="ko-KR" altLang="en-US" sz="1600" dirty="0">
+                <a:latin typeface="HY헤드라인M" panose="02030600000101010101" pitchFamily="18" charset="-127"/>
+                <a:ea typeface="HY헤드라인M" panose="02030600000101010101" pitchFamily="18" charset="-127"/>
+              </a:rPr>
+              <a:t>존재하는 무기 </a:t>
+            </a:r>
+            <a:r>
+              <a:rPr lang="ko-KR" altLang="en-US" sz="1600" dirty="0" err="1">
+                <a:latin typeface="HY헤드라인M" panose="02030600000101010101" pitchFamily="18" charset="-127"/>
+                <a:ea typeface="HY헤드라인M" panose="02030600000101010101" pitchFamily="18" charset="-127"/>
+              </a:rPr>
+              <a:t>스탯</a:t>
+            </a:r>
+            <a:endParaRPr lang="en-US" altLang="ko-KR" sz="1600" dirty="0">
+              <a:latin typeface="HY헤드라인M" panose="02030600000101010101" pitchFamily="18" charset="-127"/>
+              <a:ea typeface="HY헤드라인M" panose="02030600000101010101" pitchFamily="18" charset="-127"/>
+            </a:endParaRPr>
+          </a:p>
+          <a:p>
+            <a:br>
+              <a:rPr lang="en-US" altLang="ko-KR" sz="1600" dirty="0">
+                <a:latin typeface="HY헤드라인M" panose="02030600000101010101" pitchFamily="18" charset="-127"/>
+                <a:ea typeface="HY헤드라인M" panose="02030600000101010101" pitchFamily="18" charset="-127"/>
+              </a:rPr>
+            </a:br>
+            <a:r>
+              <a:rPr lang="ko-KR" altLang="en-US" sz="1600" dirty="0">
+                <a:latin typeface="HY헤드라인M" panose="02030600000101010101" pitchFamily="18" charset="-127"/>
+                <a:ea typeface="HY헤드라인M" panose="02030600000101010101" pitchFamily="18" charset="-127"/>
+              </a:rPr>
+              <a:t>무기 범위</a:t>
+            </a:r>
+            <a:endParaRPr lang="en-US" altLang="ko-KR" sz="1600" dirty="0">
+              <a:latin typeface="HY헤드라인M" panose="02030600000101010101" pitchFamily="18" charset="-127"/>
+              <a:ea typeface="HY헤드라인M" panose="02030600000101010101" pitchFamily="18" charset="-127"/>
+            </a:endParaRPr>
+          </a:p>
+          <a:p>
+            <a:r>
+              <a:rPr lang="ko-KR" altLang="en-US" sz="1600" dirty="0">
+                <a:latin typeface="HY헤드라인M" panose="02030600000101010101" pitchFamily="18" charset="-127"/>
+                <a:ea typeface="HY헤드라인M" panose="02030600000101010101" pitchFamily="18" charset="-127"/>
+              </a:rPr>
+              <a:t>공격력</a:t>
+            </a:r>
+            <a:br>
+              <a:rPr lang="en-US" altLang="ko-KR" sz="1600" dirty="0">
+                <a:latin typeface="HY헤드라인M" panose="02030600000101010101" pitchFamily="18" charset="-127"/>
+                <a:ea typeface="HY헤드라인M" panose="02030600000101010101" pitchFamily="18" charset="-127"/>
+              </a:rPr>
+            </a:br>
+            <a:r>
+              <a:rPr lang="ko-KR" altLang="en-US" sz="1600" dirty="0">
+                <a:latin typeface="HY헤드라인M" panose="02030600000101010101" pitchFamily="18" charset="-127"/>
+                <a:ea typeface="HY헤드라인M" panose="02030600000101010101" pitchFamily="18" charset="-127"/>
+              </a:rPr>
+              <a:t>무기 공격 속도</a:t>
+            </a:r>
+            <a:endParaRPr lang="en-US" altLang="ko-KR" sz="1600" dirty="0">
+              <a:latin typeface="HY헤드라인M" panose="02030600000101010101" pitchFamily="18" charset="-127"/>
+              <a:ea typeface="HY헤드라인M" panose="02030600000101010101" pitchFamily="18" charset="-127"/>
+            </a:endParaRPr>
+          </a:p>
+        </p:txBody>
+      </p:sp>
+      <p:pic>
+        <p:nvPicPr>
+          <p:cNvPr id="11" name="그래픽 10" descr="배지 하트 단색으로 채워진">
+            <a:extLst>
+              <a:ext uri="{FF2B5EF4-FFF2-40B4-BE49-F238E27FC236}">
+                <a16:creationId xmlns:a16="http://schemas.microsoft.com/office/drawing/2014/main" id="{94C687E7-33DA-0CE5-E917-B78373CD8404}"/>
+              </a:ext>
+            </a:extLst>
+          </p:cNvPr>
+          <p:cNvPicPr>
+            <a:picLocks noChangeAspect="1"/>
+          </p:cNvPicPr>
           <p:nvPr/>
-        </p:nvCxnSpPr>
+        </p:nvPicPr>
+        <p:blipFill>
+          <a:blip r:embed="rId4">
+            <a:extLst>
+              <a:ext uri="{96DAC541-7B7A-43D3-8B79-37D633B846F1}">
+                <asvg:svgBlip xmlns:asvg="http://schemas.microsoft.com/office/drawing/2016/SVG/main" r:embed="rId5"/>
+              </a:ext>
+            </a:extLst>
+          </a:blip>
+          <a:stretch>
+            <a:fillRect/>
+          </a:stretch>
+        </p:blipFill>
         <p:spPr>
           <a:xfrm>
-            <a:off x="2580250" y="6032500"/>
-            <a:ext cx="1483750" cy="0"/>
+            <a:off x="3795041" y="5037906"/>
+            <a:ext cx="914400" cy="914400"/>
           </a:xfrm>
-          <a:prstGeom prst="line">
+          <a:prstGeom prst="rect">
             <a:avLst/>
           </a:prstGeom>
-          <a:ln w="57150">
-            <a:solidFill>
-              <a:srgbClr val="FF0000"/>
-            </a:solidFill>
-          </a:ln>
         </p:spPr>
-        <p:style>
-          <a:lnRef idx="2">
-            <a:schemeClr val="accent1"/>
-          </a:lnRef>
-          <a:fillRef idx="0">
-            <a:schemeClr val="accent1"/>
-          </a:fillRef>
-          <a:effectRef idx="1">
-            <a:schemeClr val="accent1"/>
-          </a:effectRef>
-          <a:fontRef idx="minor">
-            <a:schemeClr val="tx1"/>
-          </a:fontRef>
-        </p:style>
-      </p:cxnSp>
+      </p:pic>
+      <p:pic>
+        <p:nvPicPr>
+          <p:cNvPr id="14" name="그래픽 13" descr="배지 하트 단색으로 채워진">
+            <a:extLst>
+              <a:ext uri="{FF2B5EF4-FFF2-40B4-BE49-F238E27FC236}">
+                <a16:creationId xmlns:a16="http://schemas.microsoft.com/office/drawing/2014/main" id="{C39AE4C2-91D7-9E01-3A8B-E3C46E2F6D3E}"/>
+              </a:ext>
+            </a:extLst>
+          </p:cNvPr>
+          <p:cNvPicPr>
+            <a:picLocks noChangeAspect="1"/>
+          </p:cNvPicPr>
+          <p:nvPr/>
+        </p:nvPicPr>
+        <p:blipFill>
+          <a:blip r:embed="rId4">
+            <a:extLst>
+              <a:ext uri="{96DAC541-7B7A-43D3-8B79-37D633B846F1}">
+                <asvg:svgBlip xmlns:asvg="http://schemas.microsoft.com/office/drawing/2016/SVG/main" r:embed="rId5"/>
+              </a:ext>
+            </a:extLst>
+          </a:blip>
+          <a:stretch>
+            <a:fillRect/>
+          </a:stretch>
+        </p:blipFill>
+        <p:spPr>
+          <a:xfrm>
+            <a:off x="4709441" y="5037906"/>
+            <a:ext cx="914400" cy="914400"/>
+          </a:xfrm>
+          <a:prstGeom prst="rect">
+            <a:avLst/>
+          </a:prstGeom>
+        </p:spPr>
+      </p:pic>
+      <p:pic>
+        <p:nvPicPr>
+          <p:cNvPr id="15" name="그래픽 14" descr="배지 하트 단색으로 채워진">
+            <a:extLst>
+              <a:ext uri="{FF2B5EF4-FFF2-40B4-BE49-F238E27FC236}">
+                <a16:creationId xmlns:a16="http://schemas.microsoft.com/office/drawing/2014/main" id="{EE3DAD8F-1E5B-01DD-EDE1-69E8A7855D02}"/>
+              </a:ext>
+            </a:extLst>
+          </p:cNvPr>
+          <p:cNvPicPr>
+            <a:picLocks noChangeAspect="1"/>
+          </p:cNvPicPr>
+          <p:nvPr/>
+        </p:nvPicPr>
+        <p:blipFill>
+          <a:blip r:embed="rId4">
+            <a:extLst>
+              <a:ext uri="{96DAC541-7B7A-43D3-8B79-37D633B846F1}">
+                <asvg:svgBlip xmlns:asvg="http://schemas.microsoft.com/office/drawing/2016/SVG/main" r:embed="rId5"/>
+              </a:ext>
+            </a:extLst>
+          </a:blip>
+          <a:stretch>
+            <a:fillRect/>
+          </a:stretch>
+        </p:blipFill>
+        <p:spPr>
+          <a:xfrm>
+            <a:off x="5623841" y="5037906"/>
+            <a:ext cx="914400" cy="914400"/>
+          </a:xfrm>
+          <a:prstGeom prst="rect">
+            <a:avLst/>
+          </a:prstGeom>
+        </p:spPr>
+      </p:pic>
+      <p:pic>
+        <p:nvPicPr>
+          <p:cNvPr id="16" name="그래픽 15" descr="배지 하트 단색으로 채워진">
+            <a:extLst>
+              <a:ext uri="{FF2B5EF4-FFF2-40B4-BE49-F238E27FC236}">
+                <a16:creationId xmlns:a16="http://schemas.microsoft.com/office/drawing/2014/main" id="{4947E32C-6721-FA94-3C66-94FBDFF808C6}"/>
+              </a:ext>
+            </a:extLst>
+          </p:cNvPr>
+          <p:cNvPicPr>
+            <a:picLocks noChangeAspect="1"/>
+          </p:cNvPicPr>
+          <p:nvPr/>
+        </p:nvPicPr>
+        <p:blipFill>
+          <a:blip r:embed="rId4">
+            <a:extLst>
+              <a:ext uri="{96DAC541-7B7A-43D3-8B79-37D633B846F1}">
+                <asvg:svgBlip xmlns:asvg="http://schemas.microsoft.com/office/drawing/2016/SVG/main" r:embed="rId5"/>
+              </a:ext>
+            </a:extLst>
+          </a:blip>
+          <a:stretch>
+            <a:fillRect/>
+          </a:stretch>
+        </p:blipFill>
+        <p:spPr>
+          <a:xfrm>
+            <a:off x="6540284" y="5037906"/>
+            <a:ext cx="914400" cy="914400"/>
+          </a:xfrm>
+          <a:prstGeom prst="rect">
+            <a:avLst/>
+          </a:prstGeom>
+        </p:spPr>
+      </p:pic>
+      <p:pic>
+        <p:nvPicPr>
+          <p:cNvPr id="17" name="그래픽 16" descr="배지 하트 단색으로 채워진">
+            <a:extLst>
+              <a:ext uri="{FF2B5EF4-FFF2-40B4-BE49-F238E27FC236}">
+                <a16:creationId xmlns:a16="http://schemas.microsoft.com/office/drawing/2014/main" id="{8E9142BF-5911-519D-1DB1-EA081BF6EBC9}"/>
+              </a:ext>
+            </a:extLst>
+          </p:cNvPr>
+          <p:cNvPicPr>
+            <a:picLocks noChangeAspect="1"/>
+          </p:cNvPicPr>
+          <p:nvPr/>
+        </p:nvPicPr>
+        <p:blipFill>
+          <a:blip r:embed="rId4">
+            <a:extLst>
+              <a:ext uri="{96DAC541-7B7A-43D3-8B79-37D633B846F1}">
+                <asvg:svgBlip xmlns:asvg="http://schemas.microsoft.com/office/drawing/2016/SVG/main" r:embed="rId5"/>
+              </a:ext>
+            </a:extLst>
+          </a:blip>
+          <a:stretch>
+            <a:fillRect/>
+          </a:stretch>
+        </p:blipFill>
+        <p:spPr>
+          <a:xfrm>
+            <a:off x="7452641" y="5026744"/>
+            <a:ext cx="914400" cy="914400"/>
+          </a:xfrm>
+          <a:prstGeom prst="rect">
+            <a:avLst/>
+          </a:prstGeom>
+        </p:spPr>
+      </p:pic>
+      <p:pic>
+        <p:nvPicPr>
+          <p:cNvPr id="19" name="그래픽 18" descr="배지 하트 단색으로 채워진">
+            <a:extLst>
+              <a:ext uri="{FF2B5EF4-FFF2-40B4-BE49-F238E27FC236}">
+                <a16:creationId xmlns:a16="http://schemas.microsoft.com/office/drawing/2014/main" id="{A6D35BE4-4266-264B-433B-1180F86A7D9E}"/>
+              </a:ext>
+            </a:extLst>
+          </p:cNvPr>
+          <p:cNvPicPr>
+            <a:picLocks noChangeAspect="1"/>
+          </p:cNvPicPr>
+          <p:nvPr/>
+        </p:nvPicPr>
+        <p:blipFill>
+          <a:blip r:embed="rId4">
+            <a:extLst>
+              <a:ext uri="{96DAC541-7B7A-43D3-8B79-37D633B846F1}">
+                <asvg:svgBlip xmlns:asvg="http://schemas.microsoft.com/office/drawing/2016/SVG/main" r:embed="rId5"/>
+              </a:ext>
+            </a:extLst>
+          </a:blip>
+          <a:stretch>
+            <a:fillRect/>
+          </a:stretch>
+        </p:blipFill>
+        <p:spPr>
+          <a:xfrm>
+            <a:off x="4709441" y="1085031"/>
+            <a:ext cx="914400" cy="914400"/>
+          </a:xfrm>
+          <a:prstGeom prst="rect">
+            <a:avLst/>
+          </a:prstGeom>
+        </p:spPr>
+      </p:pic>
+      <p:pic>
+        <p:nvPicPr>
+          <p:cNvPr id="20" name="그래픽 19" descr="배지 하트 단색으로 채워진">
+            <a:extLst>
+              <a:ext uri="{FF2B5EF4-FFF2-40B4-BE49-F238E27FC236}">
+                <a16:creationId xmlns:a16="http://schemas.microsoft.com/office/drawing/2014/main" id="{3FFB622E-E8C7-12D4-E980-965784A6AA71}"/>
+              </a:ext>
+            </a:extLst>
+          </p:cNvPr>
+          <p:cNvPicPr>
+            <a:picLocks noChangeAspect="1"/>
+          </p:cNvPicPr>
+          <p:nvPr/>
+        </p:nvPicPr>
+        <p:blipFill>
+          <a:blip r:embed="rId4">
+            <a:extLst>
+              <a:ext uri="{96DAC541-7B7A-43D3-8B79-37D633B846F1}">
+                <asvg:svgBlip xmlns:asvg="http://schemas.microsoft.com/office/drawing/2016/SVG/main" r:embed="rId5"/>
+              </a:ext>
+            </a:extLst>
+          </a:blip>
+          <a:stretch>
+            <a:fillRect/>
+          </a:stretch>
+        </p:blipFill>
+        <p:spPr>
+          <a:xfrm>
+            <a:off x="5623841" y="1085031"/>
+            <a:ext cx="914400" cy="914400"/>
+          </a:xfrm>
+          <a:prstGeom prst="rect">
+            <a:avLst/>
+          </a:prstGeom>
+        </p:spPr>
+      </p:pic>
+      <p:pic>
+        <p:nvPicPr>
+          <p:cNvPr id="21" name="그래픽 20" descr="배지 하트 단색으로 채워진">
+            <a:extLst>
+              <a:ext uri="{FF2B5EF4-FFF2-40B4-BE49-F238E27FC236}">
+                <a16:creationId xmlns:a16="http://schemas.microsoft.com/office/drawing/2014/main" id="{29E79303-16A0-4453-FD0E-F967E309D89F}"/>
+              </a:ext>
+            </a:extLst>
+          </p:cNvPr>
+          <p:cNvPicPr>
+            <a:picLocks noChangeAspect="1"/>
+          </p:cNvPicPr>
+          <p:nvPr/>
+        </p:nvPicPr>
+        <p:blipFill>
+          <a:blip r:embed="rId4">
+            <a:extLst>
+              <a:ext uri="{96DAC541-7B7A-43D3-8B79-37D633B846F1}">
+                <asvg:svgBlip xmlns:asvg="http://schemas.microsoft.com/office/drawing/2016/SVG/main" r:embed="rId5"/>
+              </a:ext>
+            </a:extLst>
+          </a:blip>
+          <a:stretch>
+            <a:fillRect/>
+          </a:stretch>
+        </p:blipFill>
+        <p:spPr>
+          <a:xfrm>
+            <a:off x="6540284" y="1085031"/>
+            <a:ext cx="914400" cy="914400"/>
+          </a:xfrm>
+          <a:prstGeom prst="rect">
+            <a:avLst/>
+          </a:prstGeom>
+        </p:spPr>
+      </p:pic>
       <p:sp>
         <p:nvSpPr>
-          <p:cNvPr id="37" name="직사각형 36">
-            <a:extLst>
-              <a:ext uri="{FF2B5EF4-FFF2-40B4-BE49-F238E27FC236}">
-                <a16:creationId xmlns:a16="http://schemas.microsoft.com/office/drawing/2014/main" id="{059D7893-4DA1-684C-9B19-4993BE73F2EA}"/>
-              </a:ext>
-            </a:extLst>
-          </p:cNvPr>
-          <p:cNvSpPr/>
+          <p:cNvPr id="25" name="TextBox 24">
+            <a:extLst>
+              <a:ext uri="{FF2B5EF4-FFF2-40B4-BE49-F238E27FC236}">
+                <a16:creationId xmlns:a16="http://schemas.microsoft.com/office/drawing/2014/main" id="{DA78890C-6354-315B-080E-F82381822FA4}"/>
+              </a:ext>
+            </a:extLst>
+          </p:cNvPr>
+          <p:cNvSpPr txBox="1"/>
           <p:nvPr/>
         </p:nvSpPr>
         <p:spPr>
           <a:xfrm>
-            <a:off x="4503293" y="5637749"/>
-            <a:ext cx="2781037" cy="914400"/>
+            <a:off x="2019299" y="1361792"/>
+            <a:ext cx="1962153" cy="338554"/>
           </a:xfrm>
           <a:prstGeom prst="rect">
             <a:avLst/>
@@ -6331,121 +5754,101 @@
               <a:lumMod val="95000"/>
             </a:schemeClr>
           </a:solidFill>
+          <a:ln w="57150">
+            <a:solidFill>
+              <a:schemeClr val="accent6"/>
+            </a:solidFill>
+          </a:ln>
         </p:spPr>
-        <p:style>
-          <a:lnRef idx="2">
-            <a:schemeClr val="accent1">
-              <a:shade val="15000"/>
-            </a:schemeClr>
-          </a:lnRef>
-          <a:fillRef idx="1">
-            <a:schemeClr val="accent1"/>
-          </a:fillRef>
-          <a:effectRef idx="0">
-            <a:schemeClr val="accent1"/>
-          </a:effectRef>
-          <a:fontRef idx="minor">
-            <a:schemeClr val="lt1"/>
-          </a:fontRef>
-        </p:style>
         <p:txBody>
-          <a:bodyPr rtlCol="0" anchor="ctr"/>
+          <a:bodyPr wrap="square" rtlCol="0">
+            <a:spAutoFit/>
+          </a:bodyPr>
           <a:lstStyle/>
           <a:p>
-            <a:pPr algn="ctr"/>
-            <a:r>
-              <a:rPr lang="ko-KR" altLang="en-US" sz="1400" dirty="0">
-                <a:solidFill>
-                  <a:schemeClr val="tx1"/>
-                </a:solidFill>
-                <a:latin typeface="프리젠테이션 4 Regular" pitchFamily="2" charset="-127"/>
-                <a:ea typeface="프리젠테이션 4 Regular" pitchFamily="2" charset="-127"/>
-              </a:rPr>
-              <a:t>오벨리스크 위치에</a:t>
-            </a:r>
-            <a:endParaRPr lang="en-US" altLang="ko-KR" sz="1400" dirty="0">
-              <a:solidFill>
-                <a:schemeClr val="tx1"/>
-              </a:solidFill>
-              <a:latin typeface="프리젠테이션 4 Regular" pitchFamily="2" charset="-127"/>
-              <a:ea typeface="프리젠테이션 4 Regular" pitchFamily="2" charset="-127"/>
-            </a:endParaRPr>
-          </a:p>
-          <a:p>
-            <a:pPr algn="ctr"/>
-            <a:r>
-              <a:rPr lang="ko-KR" altLang="en-US" sz="1400" dirty="0">
-                <a:solidFill>
-                  <a:schemeClr val="tx1"/>
-                </a:solidFill>
-                <a:latin typeface="프리젠테이션 4 Regular" pitchFamily="2" charset="-127"/>
-                <a:ea typeface="프리젠테이션 4 Regular" pitchFamily="2" charset="-127"/>
-              </a:rPr>
-              <a:t>보스 등장</a:t>
+            <a:r>
+              <a:rPr lang="ko-KR" altLang="en-US" sz="1600" dirty="0">
+                <a:latin typeface="HY헤드라인M" panose="02030600000101010101" pitchFamily="18" charset="-127"/>
+                <a:ea typeface="HY헤드라인M" panose="02030600000101010101" pitchFamily="18" charset="-127"/>
+              </a:rPr>
+              <a:t>근접무기</a:t>
+            </a:r>
+            <a:r>
+              <a:rPr lang="en-US" altLang="ko-KR" sz="1600" dirty="0">
+                <a:latin typeface="HY헤드라인M" panose="02030600000101010101" pitchFamily="18" charset="-127"/>
+                <a:ea typeface="HY헤드라인M" panose="02030600000101010101" pitchFamily="18" charset="-127"/>
+              </a:rPr>
+              <a:t>(</a:t>
+            </a:r>
+            <a:r>
+              <a:rPr lang="ko-KR" altLang="en-US" sz="1600" dirty="0">
+                <a:latin typeface="HY헤드라인M" panose="02030600000101010101" pitchFamily="18" charset="-127"/>
+                <a:ea typeface="HY헤드라인M" panose="02030600000101010101" pitchFamily="18" charset="-127"/>
+              </a:rPr>
+              <a:t>망치 도끼</a:t>
+            </a:r>
+            <a:r>
+              <a:rPr lang="en-US" altLang="ko-KR" sz="1600" dirty="0">
+                <a:latin typeface="HY헤드라인M" panose="02030600000101010101" pitchFamily="18" charset="-127"/>
+                <a:ea typeface="HY헤드라인M" panose="02030600000101010101" pitchFamily="18" charset="-127"/>
+              </a:rPr>
+              <a:t>)</a:t>
             </a:r>
           </a:p>
         </p:txBody>
       </p:sp>
-      <p:cxnSp>
-        <p:nvCxnSpPr>
-          <p:cNvPr id="38" name="직선 화살표 연결선 37">
-            <a:extLst>
-              <a:ext uri="{FF2B5EF4-FFF2-40B4-BE49-F238E27FC236}">
-                <a16:creationId xmlns:a16="http://schemas.microsoft.com/office/drawing/2014/main" id="{CB8FE32E-F5F7-6FB9-88BB-8D252C5DC82A}"/>
-              </a:ext>
-            </a:extLst>
-          </p:cNvPr>
-          <p:cNvCxnSpPr>
-            <a:stCxn id="34" idx="0"/>
-          </p:cNvCxnSpPr>
+      <p:pic>
+        <p:nvPicPr>
+          <p:cNvPr id="18" name="그래픽 17" descr="배지 하트 단색으로 채워진">
+            <a:extLst>
+              <a:ext uri="{FF2B5EF4-FFF2-40B4-BE49-F238E27FC236}">
+                <a16:creationId xmlns:a16="http://schemas.microsoft.com/office/drawing/2014/main" id="{339FB0E6-2C75-A715-F4DF-76BCC9401F77}"/>
+              </a:ext>
+            </a:extLst>
+          </p:cNvPr>
+          <p:cNvPicPr>
+            <a:picLocks noChangeAspect="1"/>
+          </p:cNvPicPr>
           <p:nvPr/>
-        </p:nvCxnSpPr>
+        </p:nvPicPr>
+        <p:blipFill>
+          <a:blip r:embed="rId4">
+            <a:extLst>
+              <a:ext uri="{96DAC541-7B7A-43D3-8B79-37D633B846F1}">
+                <asvg:svgBlip xmlns:asvg="http://schemas.microsoft.com/office/drawing/2016/SVG/main" r:embed="rId5"/>
+              </a:ext>
+            </a:extLst>
+          </a:blip>
+          <a:stretch>
+            <a:fillRect/>
+          </a:stretch>
+        </p:blipFill>
         <p:spPr>
-          <a:xfrm flipH="1" flipV="1">
-            <a:off x="2580250" y="2764640"/>
-            <a:ext cx="1" cy="529573"/>
+          <a:xfrm>
+            <a:off x="3795041" y="1085031"/>
+            <a:ext cx="914400" cy="914400"/>
           </a:xfrm>
-          <a:prstGeom prst="straightConnector1">
+          <a:prstGeom prst="rect">
             <a:avLst/>
           </a:prstGeom>
-          <a:ln w="28575">
-            <a:solidFill>
-              <a:srgbClr val="FFC000"/>
-            </a:solidFill>
-            <a:tailEnd type="triangle"/>
-          </a:ln>
         </p:spPr>
-        <p:style>
-          <a:lnRef idx="2">
-            <a:schemeClr val="accent1"/>
-          </a:lnRef>
-          <a:fillRef idx="0">
-            <a:schemeClr val="accent1"/>
-          </a:fillRef>
-          <a:effectRef idx="1">
-            <a:schemeClr val="accent1"/>
-          </a:effectRef>
-          <a:fontRef idx="minor">
-            <a:schemeClr val="tx1"/>
-          </a:fontRef>
-        </p:style>
-      </p:cxnSp>
+      </p:pic>
       <p:sp>
         <p:nvSpPr>
-          <p:cNvPr id="39" name="직사각형 38">
-            <a:extLst>
-              <a:ext uri="{FF2B5EF4-FFF2-40B4-BE49-F238E27FC236}">
-                <a16:creationId xmlns:a16="http://schemas.microsoft.com/office/drawing/2014/main" id="{88FEB05F-8E1A-7541-E53B-C2B5DE522933}"/>
-              </a:ext>
-            </a:extLst>
-          </p:cNvPr>
-          <p:cNvSpPr/>
+          <p:cNvPr id="27" name="TextBox 26">
+            <a:extLst>
+              <a:ext uri="{FF2B5EF4-FFF2-40B4-BE49-F238E27FC236}">
+                <a16:creationId xmlns:a16="http://schemas.microsoft.com/office/drawing/2014/main" id="{E08C612E-D6A1-4F52-F5C7-A4335B492E0E}"/>
+              </a:ext>
+            </a:extLst>
+          </p:cNvPr>
+          <p:cNvSpPr txBox="1"/>
           <p:nvPr/>
         </p:nvSpPr>
         <p:spPr>
           <a:xfrm>
-            <a:off x="1902709" y="2314265"/>
-            <a:ext cx="1305071" cy="383102"/>
+            <a:off x="8210548" y="1391186"/>
+            <a:ext cx="2114552" cy="338554"/>
           </a:xfrm>
           <a:prstGeom prst="rect">
             <a:avLst/>
@@ -6455,699 +5858,79 @@
               <a:lumMod val="95000"/>
             </a:schemeClr>
           </a:solidFill>
+          <a:ln w="57150">
+            <a:solidFill>
+              <a:schemeClr val="accent6"/>
+            </a:solidFill>
+          </a:ln>
         </p:spPr>
-        <p:style>
-          <a:lnRef idx="2">
-            <a:schemeClr val="accent1">
-              <a:shade val="15000"/>
-            </a:schemeClr>
-          </a:lnRef>
-          <a:fillRef idx="1">
-            <a:schemeClr val="accent1"/>
-          </a:fillRef>
-          <a:effectRef idx="0">
-            <a:schemeClr val="accent1"/>
-          </a:effectRef>
-          <a:fontRef idx="minor">
-            <a:schemeClr val="lt1"/>
-          </a:fontRef>
-        </p:style>
         <p:txBody>
-          <a:bodyPr rtlCol="0" anchor="ctr"/>
+          <a:bodyPr wrap="square" rtlCol="0">
+            <a:spAutoFit/>
+          </a:bodyPr>
           <a:lstStyle/>
           <a:p>
-            <a:pPr algn="ctr"/>
-            <a:r>
-              <a:rPr lang="ko-KR" altLang="en-US" sz="1400" dirty="0">
-                <a:solidFill>
-                  <a:schemeClr val="tx1"/>
-                </a:solidFill>
-                <a:latin typeface="프리젠테이션 4 Regular" pitchFamily="2" charset="-127"/>
-                <a:ea typeface="프리젠테이션 4 Regular" pitchFamily="2" charset="-127"/>
-              </a:rPr>
-              <a:t>적 </a:t>
-            </a:r>
-            <a:r>
-              <a:rPr lang="en-US" altLang="ko-KR" sz="1400" dirty="0">
-                <a:solidFill>
-                  <a:schemeClr val="tx1"/>
-                </a:solidFill>
-                <a:latin typeface="프리젠테이션 4 Regular" pitchFamily="2" charset="-127"/>
-                <a:ea typeface="프리젠테이션 4 Regular" pitchFamily="2" charset="-127"/>
-              </a:rPr>
-              <a:t>n</a:t>
-            </a:r>
-            <a:r>
-              <a:rPr lang="ko-KR" altLang="en-US" sz="1400" dirty="0">
-                <a:solidFill>
-                  <a:schemeClr val="tx1"/>
-                </a:solidFill>
-                <a:latin typeface="프리젠테이션 4 Regular" pitchFamily="2" charset="-127"/>
-                <a:ea typeface="프리젠테이션 4 Regular" pitchFamily="2" charset="-127"/>
-              </a:rPr>
-              <a:t>마리씩 추가</a:t>
-            </a:r>
+            <a:r>
+              <a:rPr lang="en-US" altLang="ko-KR" sz="1600" dirty="0">
+                <a:latin typeface="HY헤드라인M" panose="02030600000101010101" pitchFamily="18" charset="-127"/>
+                <a:ea typeface="HY헤드라인M" panose="02030600000101010101" pitchFamily="18" charset="-127"/>
+              </a:rPr>
+              <a:t>10</a:t>
+            </a:r>
+            <a:r>
+              <a:rPr lang="ko-KR" altLang="en-US" sz="1600" dirty="0">
+                <a:latin typeface="HY헤드라인M" panose="02030600000101010101" pitchFamily="18" charset="-127"/>
+                <a:ea typeface="HY헤드라인M" panose="02030600000101010101" pitchFamily="18" charset="-127"/>
+              </a:rPr>
+              <a:t>개의 세대</a:t>
+            </a:r>
+            <a:endParaRPr lang="en-US" altLang="ko-KR" sz="1600" dirty="0">
+              <a:latin typeface="HY헤드라인M" panose="02030600000101010101" pitchFamily="18" charset="-127"/>
+              <a:ea typeface="HY헤드라인M" panose="02030600000101010101" pitchFamily="18" charset="-127"/>
+            </a:endParaRPr>
           </a:p>
         </p:txBody>
       </p:sp>
-      <p:sp>
-        <p:nvSpPr>
-          <p:cNvPr id="40" name="사다리꼴 39">
-            <a:extLst>
-              <a:ext uri="{FF2B5EF4-FFF2-40B4-BE49-F238E27FC236}">
-                <a16:creationId xmlns:a16="http://schemas.microsoft.com/office/drawing/2014/main" id="{8F442CCD-5E55-3D55-E29B-BAAF1B552252}"/>
-              </a:ext>
-            </a:extLst>
-          </p:cNvPr>
-          <p:cNvSpPr/>
+      <p:pic>
+        <p:nvPicPr>
+          <p:cNvPr id="22" name="그래픽 21" descr="배지 하트 단색으로 채워진">
+            <a:extLst>
+              <a:ext uri="{FF2B5EF4-FFF2-40B4-BE49-F238E27FC236}">
+                <a16:creationId xmlns:a16="http://schemas.microsoft.com/office/drawing/2014/main" id="{47B6B587-1103-00F5-E9E2-F9CB4EF0C70D}"/>
+              </a:ext>
+            </a:extLst>
+          </p:cNvPr>
+          <p:cNvPicPr>
+            <a:picLocks noChangeAspect="1"/>
+          </p:cNvPicPr>
           <p:nvPr/>
-        </p:nvSpPr>
+        </p:nvPicPr>
+        <p:blipFill>
+          <a:blip r:embed="rId4">
+            <a:extLst>
+              <a:ext uri="{96DAC541-7B7A-43D3-8B79-37D633B846F1}">
+                <asvg:svgBlip xmlns:asvg="http://schemas.microsoft.com/office/drawing/2016/SVG/main" r:embed="rId5"/>
+              </a:ext>
+            </a:extLst>
+          </a:blip>
+          <a:stretch>
+            <a:fillRect/>
+          </a:stretch>
+        </p:blipFill>
         <p:spPr>
           <a:xfrm>
-            <a:off x="1741460" y="1849185"/>
-            <a:ext cx="1688360" cy="383102"/>
-          </a:xfrm>
-          <a:prstGeom prst="trapezoid">
-            <a:avLst/>
-          </a:prstGeom>
-          <a:solidFill>
-            <a:schemeClr val="accent4">
-              <a:lumMod val="75000"/>
-            </a:schemeClr>
-          </a:solidFill>
-        </p:spPr>
-        <p:style>
-          <a:lnRef idx="2">
-            <a:schemeClr val="accent1">
-              <a:shade val="15000"/>
-            </a:schemeClr>
-          </a:lnRef>
-          <a:fillRef idx="1">
-            <a:schemeClr val="accent1"/>
-          </a:fillRef>
-          <a:effectRef idx="0">
-            <a:schemeClr val="accent1"/>
-          </a:effectRef>
-          <a:fontRef idx="minor">
-            <a:schemeClr val="lt1"/>
-          </a:fontRef>
-        </p:style>
-        <p:txBody>
-          <a:bodyPr rtlCol="0" anchor="ctr"/>
-          <a:lstStyle/>
-          <a:p>
-            <a:pPr algn="ctr"/>
-            <a:r>
-              <a:rPr lang="ko-KR" altLang="en-US" sz="1400" dirty="0">
-                <a:latin typeface="프리젠테이션 4 Regular" pitchFamily="2" charset="-127"/>
-                <a:ea typeface="프리젠테이션 4 Regular" pitchFamily="2" charset="-127"/>
-              </a:rPr>
-              <a:t>특정 적 </a:t>
-            </a:r>
-            <a:r>
-              <a:rPr lang="en-US" altLang="ko-KR" sz="1400" dirty="0">
-                <a:latin typeface="프리젠테이션 4 Regular" pitchFamily="2" charset="-127"/>
-                <a:ea typeface="프리젠테이션 4 Regular" pitchFamily="2" charset="-127"/>
-              </a:rPr>
-              <a:t>&gt;= 5</a:t>
-            </a:r>
-            <a:endParaRPr lang="ko-KR" altLang="en-US" sz="1400" dirty="0">
-              <a:latin typeface="프리젠테이션 4 Regular" pitchFamily="2" charset="-127"/>
-              <a:ea typeface="프리젠테이션 4 Regular" pitchFamily="2" charset="-127"/>
-            </a:endParaRPr>
-          </a:p>
-        </p:txBody>
-      </p:sp>
-      <p:cxnSp>
-        <p:nvCxnSpPr>
-          <p:cNvPr id="41" name="직선 연결선 40">
-            <a:extLst>
-              <a:ext uri="{FF2B5EF4-FFF2-40B4-BE49-F238E27FC236}">
-                <a16:creationId xmlns:a16="http://schemas.microsoft.com/office/drawing/2014/main" id="{4CF634EF-996E-B547-6B78-33328275E92C}"/>
-              </a:ext>
-            </a:extLst>
-          </p:cNvPr>
-          <p:cNvCxnSpPr>
-            <a:cxnSpLocks/>
-            <a:endCxn id="40" idx="1"/>
-          </p:cNvCxnSpPr>
-          <p:nvPr/>
-        </p:nvCxnSpPr>
-        <p:spPr>
-          <a:xfrm>
-            <a:off x="1460500" y="2040736"/>
-            <a:ext cx="328848" cy="0"/>
-          </a:xfrm>
-          <a:prstGeom prst="line">
-            <a:avLst/>
-          </a:prstGeom>
-        </p:spPr>
-        <p:style>
-          <a:lnRef idx="2">
-            <a:schemeClr val="accent1"/>
-          </a:lnRef>
-          <a:fillRef idx="0">
-            <a:schemeClr val="accent1"/>
-          </a:fillRef>
-          <a:effectRef idx="1">
-            <a:schemeClr val="accent1"/>
-          </a:effectRef>
-          <a:fontRef idx="minor">
-            <a:schemeClr val="tx1"/>
-          </a:fontRef>
-        </p:style>
-      </p:cxnSp>
-      <p:sp>
-        <p:nvSpPr>
-          <p:cNvPr id="42" name="직사각형 41">
-            <a:extLst>
-              <a:ext uri="{FF2B5EF4-FFF2-40B4-BE49-F238E27FC236}">
-                <a16:creationId xmlns:a16="http://schemas.microsoft.com/office/drawing/2014/main" id="{A24B87D2-7188-0CE1-888C-C0E842A9C6DC}"/>
-              </a:ext>
-            </a:extLst>
-          </p:cNvPr>
-          <p:cNvSpPr/>
-          <p:nvPr/>
-        </p:nvSpPr>
-        <p:spPr>
-          <a:xfrm>
-            <a:off x="213609" y="1799520"/>
-            <a:ext cx="1305071" cy="383102"/>
+            <a:off x="7452641" y="1073869"/>
+            <a:ext cx="914400" cy="914400"/>
           </a:xfrm>
           <a:prstGeom prst="rect">
             <a:avLst/>
           </a:prstGeom>
-          <a:solidFill>
-            <a:schemeClr val="bg1">
-              <a:lumMod val="95000"/>
-            </a:schemeClr>
-          </a:solidFill>
         </p:spPr>
-        <p:style>
-          <a:lnRef idx="2">
-            <a:schemeClr val="accent1">
-              <a:shade val="15000"/>
-            </a:schemeClr>
-          </a:lnRef>
-          <a:fillRef idx="1">
-            <a:schemeClr val="accent1"/>
-          </a:fillRef>
-          <a:effectRef idx="0">
-            <a:schemeClr val="accent1"/>
-          </a:effectRef>
-          <a:fontRef idx="minor">
-            <a:schemeClr val="lt1"/>
-          </a:fontRef>
-        </p:style>
-        <p:txBody>
-          <a:bodyPr rtlCol="0" anchor="ctr"/>
-          <a:lstStyle/>
-          <a:p>
-            <a:pPr algn="ctr"/>
-            <a:r>
-              <a:rPr lang="ko-KR" altLang="en-US" sz="1400" dirty="0">
-                <a:solidFill>
-                  <a:schemeClr val="tx1"/>
-                </a:solidFill>
-                <a:latin typeface="프리젠테이션 4 Regular" pitchFamily="2" charset="-127"/>
-                <a:ea typeface="프리젠테이션 4 Regular" pitchFamily="2" charset="-127"/>
-              </a:rPr>
-              <a:t>해당 적 강화</a:t>
-            </a:r>
-          </a:p>
-        </p:txBody>
-      </p:sp>
-      <p:cxnSp>
-        <p:nvCxnSpPr>
-          <p:cNvPr id="43" name="직선 화살표 연결선 42">
-            <a:extLst>
-              <a:ext uri="{FF2B5EF4-FFF2-40B4-BE49-F238E27FC236}">
-                <a16:creationId xmlns:a16="http://schemas.microsoft.com/office/drawing/2014/main" id="{16B483CB-F836-0095-8BC1-3390FC176F44}"/>
-              </a:ext>
-            </a:extLst>
-          </p:cNvPr>
-          <p:cNvCxnSpPr>
-            <a:cxnSpLocks/>
-          </p:cNvCxnSpPr>
-          <p:nvPr/>
-        </p:nvCxnSpPr>
-        <p:spPr>
-          <a:xfrm>
-            <a:off x="2580250" y="6032500"/>
-            <a:ext cx="1525622" cy="0"/>
-          </a:xfrm>
-          <a:prstGeom prst="straightConnector1">
-            <a:avLst/>
-          </a:prstGeom>
-          <a:ln w="28575">
-            <a:solidFill>
-              <a:srgbClr val="FFC000"/>
-            </a:solidFill>
-            <a:tailEnd type="triangle"/>
-          </a:ln>
-        </p:spPr>
-        <p:style>
-          <a:lnRef idx="2">
-            <a:schemeClr val="accent1"/>
-          </a:lnRef>
-          <a:fillRef idx="0">
-            <a:schemeClr val="accent1"/>
-          </a:fillRef>
-          <a:effectRef idx="1">
-            <a:schemeClr val="accent1"/>
-          </a:effectRef>
-          <a:fontRef idx="minor">
-            <a:schemeClr val="tx1"/>
-          </a:fontRef>
-        </p:style>
-      </p:cxnSp>
-      <p:sp>
-        <p:nvSpPr>
-          <p:cNvPr id="44" name="직사각형 43">
-            <a:extLst>
-              <a:ext uri="{FF2B5EF4-FFF2-40B4-BE49-F238E27FC236}">
-                <a16:creationId xmlns:a16="http://schemas.microsoft.com/office/drawing/2014/main" id="{82EF1D47-CAE6-0A13-3555-F681E136F47E}"/>
-              </a:ext>
-            </a:extLst>
-          </p:cNvPr>
-          <p:cNvSpPr/>
-          <p:nvPr/>
-        </p:nvSpPr>
-        <p:spPr>
-          <a:xfrm>
-            <a:off x="4503293" y="3476805"/>
-            <a:ext cx="2781037" cy="1100533"/>
-          </a:xfrm>
-          <a:prstGeom prst="rect">
-            <a:avLst/>
-          </a:prstGeom>
-          <a:noFill/>
-          <a:ln w="38100">
-            <a:solidFill>
-              <a:srgbClr val="FFC000"/>
-            </a:solidFill>
-            <a:prstDash val="sysDash"/>
-          </a:ln>
-        </p:spPr>
-        <p:style>
-          <a:lnRef idx="2">
-            <a:schemeClr val="accent1">
-              <a:shade val="15000"/>
-            </a:schemeClr>
-          </a:lnRef>
-          <a:fillRef idx="1">
-            <a:schemeClr val="accent1"/>
-          </a:fillRef>
-          <a:effectRef idx="0">
-            <a:schemeClr val="accent1"/>
-          </a:effectRef>
-          <a:fontRef idx="minor">
-            <a:schemeClr val="lt1"/>
-          </a:fontRef>
-        </p:style>
-        <p:txBody>
-          <a:bodyPr rtlCol="0" anchor="ctr"/>
-          <a:lstStyle/>
-          <a:p>
-            <a:pPr algn="r"/>
-            <a:r>
-              <a:rPr lang="en-US" altLang="ko-KR" dirty="0">
-                <a:solidFill>
-                  <a:schemeClr val="accent5">
-                    <a:lumMod val="75000"/>
-                  </a:schemeClr>
-                </a:solidFill>
-                <a:latin typeface="HY견고딕" panose="02030600000101010101" pitchFamily="18" charset="-127"/>
-                <a:ea typeface="HY견고딕" panose="02030600000101010101" pitchFamily="18" charset="-127"/>
-              </a:rPr>
-              <a:t>(</a:t>
-            </a:r>
-            <a:r>
-              <a:rPr lang="ko-KR" altLang="en-US" dirty="0">
-                <a:solidFill>
-                  <a:schemeClr val="accent5">
-                    <a:lumMod val="75000"/>
-                  </a:schemeClr>
-                </a:solidFill>
-                <a:latin typeface="HY견고딕" panose="02030600000101010101" pitchFamily="18" charset="-127"/>
-                <a:ea typeface="HY견고딕" panose="02030600000101010101" pitchFamily="18" charset="-127"/>
-              </a:rPr>
-              <a:t>추가요소</a:t>
-            </a:r>
-            <a:r>
-              <a:rPr lang="en-US" altLang="ko-KR" dirty="0">
-                <a:solidFill>
-                  <a:schemeClr val="accent5">
-                    <a:lumMod val="75000"/>
-                  </a:schemeClr>
-                </a:solidFill>
-                <a:latin typeface="HY견고딕" panose="02030600000101010101" pitchFamily="18" charset="-127"/>
-                <a:ea typeface="HY견고딕" panose="02030600000101010101" pitchFamily="18" charset="-127"/>
-              </a:rPr>
-              <a:t>)</a:t>
-            </a:r>
-            <a:endParaRPr lang="ko-KR" altLang="en-US" dirty="0">
-              <a:solidFill>
-                <a:schemeClr val="accent5">
-                  <a:lumMod val="75000"/>
-                </a:schemeClr>
-              </a:solidFill>
-              <a:latin typeface="HY견고딕" panose="02030600000101010101" pitchFamily="18" charset="-127"/>
-              <a:ea typeface="HY견고딕" panose="02030600000101010101" pitchFamily="18" charset="-127"/>
-            </a:endParaRPr>
-          </a:p>
-        </p:txBody>
-      </p:sp>
-      <p:sp>
-        <p:nvSpPr>
-          <p:cNvPr id="45" name="직사각형 44">
-            <a:extLst>
-              <a:ext uri="{FF2B5EF4-FFF2-40B4-BE49-F238E27FC236}">
-                <a16:creationId xmlns:a16="http://schemas.microsoft.com/office/drawing/2014/main" id="{CC088C5E-B43C-E661-901D-C2EBCBFC1B33}"/>
-              </a:ext>
-            </a:extLst>
-          </p:cNvPr>
-          <p:cNvSpPr/>
-          <p:nvPr/>
-        </p:nvSpPr>
-        <p:spPr>
-          <a:xfrm>
-            <a:off x="8336094" y="2130546"/>
-            <a:ext cx="3192885" cy="3685791"/>
-          </a:xfrm>
-          <a:prstGeom prst="rect">
-            <a:avLst/>
-          </a:prstGeom>
-          <a:noFill/>
-          <a:ln w="38100">
-            <a:solidFill>
-              <a:srgbClr val="FFC000"/>
-            </a:solidFill>
-            <a:prstDash val="lgDashDot"/>
-          </a:ln>
-        </p:spPr>
-        <p:style>
-          <a:lnRef idx="2">
-            <a:schemeClr val="accent1">
-              <a:shade val="15000"/>
-            </a:schemeClr>
-          </a:lnRef>
-          <a:fillRef idx="1">
-            <a:schemeClr val="accent1"/>
-          </a:fillRef>
-          <a:effectRef idx="0">
-            <a:schemeClr val="accent1"/>
-          </a:effectRef>
-          <a:fontRef idx="minor">
-            <a:schemeClr val="lt1"/>
-          </a:fontRef>
-        </p:style>
-        <p:txBody>
-          <a:bodyPr rtlCol="0" anchor="ctr"/>
-          <a:lstStyle/>
-          <a:p>
-            <a:endParaRPr lang="en-US" altLang="ko-KR" dirty="0">
-              <a:solidFill>
-                <a:schemeClr val="accent5">
-                  <a:lumMod val="50000"/>
-                </a:schemeClr>
-              </a:solidFill>
-            </a:endParaRPr>
-          </a:p>
-          <a:p>
-            <a:endParaRPr lang="en-US" altLang="ko-KR" dirty="0">
-              <a:solidFill>
-                <a:schemeClr val="accent5">
-                  <a:lumMod val="50000"/>
-                </a:schemeClr>
-              </a:solidFill>
-            </a:endParaRPr>
-          </a:p>
-          <a:p>
-            <a:endParaRPr lang="en-US" altLang="ko-KR" dirty="0">
-              <a:solidFill>
-                <a:schemeClr val="accent5">
-                  <a:lumMod val="50000"/>
-                </a:schemeClr>
-              </a:solidFill>
-            </a:endParaRPr>
-          </a:p>
-          <a:p>
-            <a:endParaRPr lang="en-US" altLang="ko-KR" dirty="0">
-              <a:solidFill>
-                <a:schemeClr val="accent5">
-                  <a:lumMod val="50000"/>
-                </a:schemeClr>
-              </a:solidFill>
-            </a:endParaRPr>
-          </a:p>
-          <a:p>
-            <a:endParaRPr lang="en-US" altLang="ko-KR" dirty="0">
-              <a:solidFill>
-                <a:schemeClr val="accent5">
-                  <a:lumMod val="50000"/>
-                </a:schemeClr>
-              </a:solidFill>
-            </a:endParaRPr>
-          </a:p>
-          <a:p>
-            <a:endParaRPr lang="en-US" altLang="ko-KR" dirty="0">
-              <a:solidFill>
-                <a:schemeClr val="accent5">
-                  <a:lumMod val="50000"/>
-                </a:schemeClr>
-              </a:solidFill>
-            </a:endParaRPr>
-          </a:p>
-          <a:p>
-            <a:endParaRPr lang="en-US" altLang="ko-KR" dirty="0">
-              <a:solidFill>
-                <a:schemeClr val="accent5">
-                  <a:lumMod val="50000"/>
-                </a:schemeClr>
-              </a:solidFill>
-            </a:endParaRPr>
-          </a:p>
-          <a:p>
-            <a:endParaRPr lang="en-US" altLang="ko-KR" dirty="0">
-              <a:solidFill>
-                <a:schemeClr val="accent5">
-                  <a:lumMod val="50000"/>
-                </a:schemeClr>
-              </a:solidFill>
-            </a:endParaRPr>
-          </a:p>
-          <a:p>
-            <a:endParaRPr lang="en-US" altLang="ko-KR" dirty="0">
-              <a:solidFill>
-                <a:schemeClr val="accent5">
-                  <a:lumMod val="50000"/>
-                </a:schemeClr>
-              </a:solidFill>
-            </a:endParaRPr>
-          </a:p>
-          <a:p>
-            <a:endParaRPr lang="en-US" altLang="ko-KR" dirty="0">
-              <a:solidFill>
-                <a:schemeClr val="accent5">
-                  <a:lumMod val="50000"/>
-                </a:schemeClr>
-              </a:solidFill>
-            </a:endParaRPr>
-          </a:p>
-          <a:p>
-            <a:endParaRPr lang="en-US" altLang="ko-KR" dirty="0">
-              <a:solidFill>
-                <a:schemeClr val="accent5">
-                  <a:lumMod val="50000"/>
-                </a:schemeClr>
-              </a:solidFill>
-            </a:endParaRPr>
-          </a:p>
-          <a:p>
-            <a:r>
-              <a:rPr lang="en-US" altLang="ko-KR" b="1" dirty="0">
-                <a:solidFill>
-                  <a:schemeClr val="accent5">
-                    <a:lumMod val="50000"/>
-                  </a:schemeClr>
-                </a:solidFill>
-                <a:latin typeface="HY견고딕" panose="02030600000101010101" pitchFamily="18" charset="-127"/>
-                <a:ea typeface="HY견고딕" panose="02030600000101010101" pitchFamily="18" charset="-127"/>
-              </a:rPr>
-              <a:t>(</a:t>
-            </a:r>
-            <a:r>
-              <a:rPr lang="ko-KR" altLang="en-US" b="1" dirty="0">
-                <a:solidFill>
-                  <a:schemeClr val="accent5">
-                    <a:lumMod val="50000"/>
-                  </a:schemeClr>
-                </a:solidFill>
-                <a:latin typeface="HY견고딕" panose="02030600000101010101" pitchFamily="18" charset="-127"/>
-                <a:ea typeface="HY견고딕" panose="02030600000101010101" pitchFamily="18" charset="-127"/>
-              </a:rPr>
-              <a:t>추가요소</a:t>
-            </a:r>
-            <a:r>
-              <a:rPr lang="en-US" altLang="ko-KR" b="1" dirty="0">
-                <a:solidFill>
-                  <a:schemeClr val="accent5">
-                    <a:lumMod val="50000"/>
-                  </a:schemeClr>
-                </a:solidFill>
-                <a:latin typeface="HY견고딕" panose="02030600000101010101" pitchFamily="18" charset="-127"/>
-                <a:ea typeface="HY견고딕" panose="02030600000101010101" pitchFamily="18" charset="-127"/>
-              </a:rPr>
-              <a:t>)</a:t>
-            </a:r>
-            <a:endParaRPr lang="ko-KR" altLang="en-US" b="1" dirty="0">
-              <a:solidFill>
-                <a:schemeClr val="accent5">
-                  <a:lumMod val="50000"/>
-                </a:schemeClr>
-              </a:solidFill>
-              <a:latin typeface="HY견고딕" panose="02030600000101010101" pitchFamily="18" charset="-127"/>
-              <a:ea typeface="HY견고딕" panose="02030600000101010101" pitchFamily="18" charset="-127"/>
-            </a:endParaRPr>
-          </a:p>
-        </p:txBody>
-      </p:sp>
-      <p:cxnSp>
-        <p:nvCxnSpPr>
-          <p:cNvPr id="46" name="직선 연결선 45">
-            <a:extLst>
-              <a:ext uri="{FF2B5EF4-FFF2-40B4-BE49-F238E27FC236}">
-                <a16:creationId xmlns:a16="http://schemas.microsoft.com/office/drawing/2014/main" id="{D6CA80B3-2AC7-7460-65B8-D81FFC7FEF1A}"/>
-              </a:ext>
-            </a:extLst>
-          </p:cNvPr>
-          <p:cNvCxnSpPr>
-            <a:cxnSpLocks/>
-          </p:cNvCxnSpPr>
-          <p:nvPr/>
-        </p:nvCxnSpPr>
-        <p:spPr>
-          <a:xfrm>
-            <a:off x="3776449" y="3215107"/>
-            <a:ext cx="844060" cy="0"/>
-          </a:xfrm>
-          <a:prstGeom prst="line">
-            <a:avLst/>
-          </a:prstGeom>
-          <a:ln w="57150">
-            <a:solidFill>
-              <a:srgbClr val="FF0000"/>
-            </a:solidFill>
-          </a:ln>
-        </p:spPr>
-        <p:style>
-          <a:lnRef idx="2">
-            <a:schemeClr val="accent1"/>
-          </a:lnRef>
-          <a:fillRef idx="0">
-            <a:schemeClr val="accent1"/>
-          </a:fillRef>
-          <a:effectRef idx="1">
-            <a:schemeClr val="accent1"/>
-          </a:effectRef>
-          <a:fontRef idx="minor">
-            <a:schemeClr val="tx1"/>
-          </a:fontRef>
-        </p:style>
-      </p:cxnSp>
-      <p:sp>
-        <p:nvSpPr>
-          <p:cNvPr id="49" name="직사각형 48">
-            <a:extLst>
-              <a:ext uri="{FF2B5EF4-FFF2-40B4-BE49-F238E27FC236}">
-                <a16:creationId xmlns:a16="http://schemas.microsoft.com/office/drawing/2014/main" id="{D02DB82B-3BA0-5851-F1C8-329170C94BF1}"/>
-              </a:ext>
-            </a:extLst>
-          </p:cNvPr>
-          <p:cNvSpPr/>
-          <p:nvPr/>
-        </p:nvSpPr>
-        <p:spPr>
-          <a:xfrm>
-            <a:off x="8229600" y="6075736"/>
-            <a:ext cx="3340973" cy="578733"/>
-          </a:xfrm>
-          <a:prstGeom prst="rect">
-            <a:avLst/>
-          </a:prstGeom>
-          <a:noFill/>
-          <a:ln w="38100">
-            <a:solidFill>
-              <a:srgbClr val="FFC000"/>
-            </a:solidFill>
-            <a:prstDash val="lgDashDot"/>
-          </a:ln>
-        </p:spPr>
-        <p:style>
-          <a:lnRef idx="2">
-            <a:schemeClr val="accent1">
-              <a:shade val="15000"/>
-            </a:schemeClr>
-          </a:lnRef>
-          <a:fillRef idx="1">
-            <a:schemeClr val="accent1"/>
-          </a:fillRef>
-          <a:effectRef idx="0">
-            <a:schemeClr val="accent1"/>
-          </a:effectRef>
-          <a:fontRef idx="minor">
-            <a:schemeClr val="lt1"/>
-          </a:fontRef>
-        </p:style>
-        <p:txBody>
-          <a:bodyPr rtlCol="0" anchor="ctr"/>
-          <a:lstStyle/>
-          <a:p>
-            <a:r>
-              <a:rPr lang="ko-KR" altLang="en-US" dirty="0">
-                <a:solidFill>
-                  <a:schemeClr val="accent5">
-                    <a:lumMod val="50000"/>
-                  </a:schemeClr>
-                </a:solidFill>
-              </a:rPr>
-              <a:t>추가요소 </a:t>
-            </a:r>
-            <a:r>
-              <a:rPr lang="en-US" altLang="ko-KR" dirty="0">
-                <a:solidFill>
-                  <a:schemeClr val="accent5">
-                    <a:lumMod val="50000"/>
-                  </a:schemeClr>
-                </a:solidFill>
-              </a:rPr>
-              <a:t>: </a:t>
-            </a:r>
-            <a:r>
-              <a:rPr lang="ko-KR" altLang="en-US" dirty="0">
-                <a:solidFill>
-                  <a:schemeClr val="accent5">
-                    <a:lumMod val="50000"/>
-                  </a:schemeClr>
-                </a:solidFill>
-              </a:rPr>
-              <a:t>세부 내용 미정 </a:t>
-            </a:r>
-            <a:endParaRPr lang="en-US" altLang="ko-KR" dirty="0">
-              <a:solidFill>
-                <a:schemeClr val="accent5">
-                  <a:lumMod val="50000"/>
-                </a:schemeClr>
-              </a:solidFill>
-            </a:endParaRPr>
-          </a:p>
-        </p:txBody>
-      </p:sp>
+      </p:pic>
     </p:spTree>
     <p:extLst>
       <p:ext uri="{BB962C8B-B14F-4D97-AF65-F5344CB8AC3E}">
-        <p14:creationId xmlns:p14="http://schemas.microsoft.com/office/powerpoint/2010/main" val="3155627526"/>
+        <p14:creationId xmlns:p14="http://schemas.microsoft.com/office/powerpoint/2010/main" val="142982761"/>
       </p:ext>
     </p:extLst>
   </p:cSld>
@@ -9145,7 +7928,7 @@
           <p:nvPr/>
         </p:nvPicPr>
         <p:blipFill>
-          <a:blip r:embed="rId2">
+          <a:blip r:embed="rId3">
             <a:alphaModFix amt="24000"/>
             <a:extLst>
               <a:ext uri="{28A0092B-C50C-407E-A947-70E740481C1C}">
@@ -9235,8 +8018,8 @@
         </p:nvSpPr>
         <p:spPr>
           <a:xfrm>
-            <a:off x="599819" y="6059086"/>
-            <a:ext cx="6931319" cy="349725"/>
+            <a:off x="8862277" y="4557327"/>
+            <a:ext cx="3551376" cy="349725"/>
           </a:xfrm>
           <a:prstGeom prst="rect">
             <a:avLst/>
@@ -9319,7 +8102,7 @@
                 <a:latin typeface="HY헤드라인M" panose="02030600000101010101" pitchFamily="18" charset="-127"/>
                 <a:ea typeface="HY헤드라인M" panose="02030600000101010101" pitchFamily="18" charset="-127"/>
               </a:rPr>
-              <a:t>		Second</a:t>
+              <a:t>		</a:t>
             </a:r>
             <a:br>
               <a:rPr lang="en-US" altLang="ko-KR" sz="1600" dirty="0">
@@ -9357,9 +8140,85 @@
                 <a:latin typeface="HY헤드라인M" panose="02030600000101010101" pitchFamily="18" charset="-127"/>
                 <a:ea typeface="HY헤드라인M" panose="02030600000101010101" pitchFamily="18" charset="-127"/>
               </a:rPr>
-              <a:t>					10th</a:t>
-            </a:r>
-            <a:br>
+              <a:t>					</a:t>
+            </a:r>
+          </a:p>
+          <a:p>
+            <a:pPr latinLnBrk="0">
+              <a:lnSpc>
+                <a:spcPct val="90000"/>
+              </a:lnSpc>
+              <a:spcBef>
+                <a:spcPts val="1000"/>
+              </a:spcBef>
+            </a:pPr>
+            <a:r>
+              <a:rPr lang="ko-KR" altLang="en-US" sz="1600" dirty="0" err="1">
+                <a:solidFill>
+                  <a:schemeClr val="tx1">
+                    <a:lumMod val="85000"/>
+                    <a:lumOff val="15000"/>
+                  </a:schemeClr>
+                </a:solidFill>
+                <a:latin typeface="HY헤드라인M" panose="02030600000101010101" pitchFamily="18" charset="-127"/>
+                <a:ea typeface="HY헤드라인M" panose="02030600000101010101" pitchFamily="18" charset="-127"/>
+              </a:rPr>
+              <a:t>빠른전개</a:t>
+            </a:r>
+            <a:endParaRPr lang="en-US" altLang="ko-KR" sz="1600" dirty="0">
+              <a:solidFill>
+                <a:schemeClr val="tx1">
+                  <a:lumMod val="85000"/>
+                  <a:lumOff val="15000"/>
+                </a:schemeClr>
+              </a:solidFill>
+              <a:latin typeface="HY헤드라인M" panose="02030600000101010101" pitchFamily="18" charset="-127"/>
+              <a:ea typeface="HY헤드라인M" panose="02030600000101010101" pitchFamily="18" charset="-127"/>
+            </a:endParaRPr>
+          </a:p>
+          <a:p>
+            <a:pPr latinLnBrk="0">
+              <a:lnSpc>
+                <a:spcPct val="90000"/>
+              </a:lnSpc>
+              <a:spcBef>
+                <a:spcPts val="1000"/>
+              </a:spcBef>
+            </a:pPr>
+            <a:endParaRPr lang="en-US" altLang="ko-KR" sz="1600" dirty="0">
+              <a:solidFill>
+                <a:schemeClr val="tx1">
+                  <a:lumMod val="85000"/>
+                  <a:lumOff val="15000"/>
+                </a:schemeClr>
+              </a:solidFill>
+              <a:latin typeface="HY헤드라인M" panose="02030600000101010101" pitchFamily="18" charset="-127"/>
+              <a:ea typeface="HY헤드라인M" panose="02030600000101010101" pitchFamily="18" charset="-127"/>
+            </a:endParaRPr>
+          </a:p>
+          <a:p>
+            <a:pPr latinLnBrk="0">
+              <a:lnSpc>
+                <a:spcPct val="90000"/>
+              </a:lnSpc>
+              <a:spcBef>
+                <a:spcPts val="1000"/>
+              </a:spcBef>
+            </a:pPr>
+            <a:r>
+              <a:rPr lang="ko-KR" altLang="en-US" sz="1600" dirty="0">
+                <a:solidFill>
+                  <a:schemeClr val="tx1">
+                    <a:lumMod val="85000"/>
+                    <a:lumOff val="15000"/>
+                  </a:schemeClr>
+                </a:solidFill>
+                <a:latin typeface="HY헤드라인M" panose="02030600000101010101" pitchFamily="18" charset="-127"/>
+                <a:ea typeface="HY헤드라인M" panose="02030600000101010101" pitchFamily="18" charset="-127"/>
+              </a:rPr>
+              <a:t>핵 앤 슬래시</a:t>
+            </a:r>
+            <a:r>
               <a:rPr lang="en-US" altLang="ko-KR" sz="1600" dirty="0">
                 <a:solidFill>
                   <a:schemeClr val="tx1">
@@ -9370,71 +8229,7 @@
                 <a:latin typeface="HY헤드라인M" panose="02030600000101010101" pitchFamily="18" charset="-127"/>
                 <a:ea typeface="HY헤드라인M" panose="02030600000101010101" pitchFamily="18" charset="-127"/>
               </a:rPr>
-            </a:br>
-            <a:r>
-              <a:rPr lang="ko-KR" altLang="en-US" sz="1600" dirty="0">
-                <a:solidFill>
-                  <a:schemeClr val="tx1">
-                    <a:lumMod val="85000"/>
-                    <a:lumOff val="15000"/>
-                  </a:schemeClr>
-                </a:solidFill>
-                <a:latin typeface="HY헤드라인M" panose="02030600000101010101" pitchFamily="18" charset="-127"/>
-                <a:ea typeface="HY헤드라인M" panose="02030600000101010101" pitchFamily="18" charset="-127"/>
-              </a:rPr>
-              <a:t>핵 앤 </a:t>
-            </a:r>
-            <a:r>
-              <a:rPr lang="ko-KR" altLang="en-US" sz="1600" dirty="0" err="1">
-                <a:solidFill>
-                  <a:schemeClr val="tx1">
-                    <a:lumMod val="85000"/>
-                    <a:lumOff val="15000"/>
-                  </a:schemeClr>
-                </a:solidFill>
-                <a:latin typeface="HY헤드라인M" panose="02030600000101010101" pitchFamily="18" charset="-127"/>
-                <a:ea typeface="HY헤드라인M" panose="02030600000101010101" pitchFamily="18" charset="-127"/>
-              </a:rPr>
-              <a:t>슬래쉬</a:t>
-            </a:r>
-            <a:r>
-              <a:rPr lang="en-US" altLang="ko-KR" sz="1600" dirty="0">
-                <a:solidFill>
-                  <a:schemeClr val="tx1">
-                    <a:lumMod val="85000"/>
-                    <a:lumOff val="15000"/>
-                  </a:schemeClr>
-                </a:solidFill>
-                <a:latin typeface="HY헤드라인M" panose="02030600000101010101" pitchFamily="18" charset="-127"/>
-                <a:ea typeface="HY헤드라인M" panose="02030600000101010101" pitchFamily="18" charset="-127"/>
-              </a:rPr>
-              <a:t>				=</a:t>
-            </a:r>
-            <a:r>
-              <a:rPr lang="en-US" altLang="ko-KR" sz="1600" dirty="0" err="1">
-                <a:solidFill>
-                  <a:schemeClr val="tx1">
-                    <a:lumMod val="85000"/>
-                    <a:lumOff val="15000"/>
-                  </a:schemeClr>
-                </a:solidFill>
-                <a:latin typeface="HY헤드라인M" panose="02030600000101010101" pitchFamily="18" charset="-127"/>
-                <a:ea typeface="HY헤드라인M" panose="02030600000101010101" pitchFamily="18" charset="-127"/>
-              </a:rPr>
-              <a:t>SeconTh</a:t>
-            </a:r>
-            <a:r>
-              <a:rPr lang="en-US" altLang="ko-KR" sz="1600" dirty="0">
-                <a:solidFill>
-                  <a:schemeClr val="tx1">
-                    <a:lumMod val="85000"/>
-                    <a:lumOff val="15000"/>
-                  </a:schemeClr>
-                </a:solidFill>
-                <a:latin typeface="HY헤드라인M" panose="02030600000101010101" pitchFamily="18" charset="-127"/>
-                <a:ea typeface="HY헤드라인M" panose="02030600000101010101" pitchFamily="18" charset="-127"/>
-              </a:rPr>
-              <a:t> </a:t>
+              <a:t>				</a:t>
             </a:r>
           </a:p>
         </p:txBody>
@@ -9454,7 +8249,7 @@
           <p:nvPr/>
         </p:nvPicPr>
         <p:blipFill>
-          <a:blip r:embed="rId3">
+          <a:blip r:embed="rId4">
             <a:extLst>
               <a:ext uri="{28A0092B-C50C-407E-A947-70E740481C1C}">
                 <a14:useLocalDpi xmlns:a14="http://schemas.microsoft.com/office/drawing/2010/main" val="0"/>
@@ -9549,6 +8344,93 @@
                 </a:schemeClr>
               </a:solidFill>
             </a:endParaRPr>
+          </a:p>
+        </p:txBody>
+      </p:sp>
+      <p:sp>
+        <p:nvSpPr>
+          <p:cNvPr id="5" name="TextBox 4">
+            <a:extLst>
+              <a:ext uri="{FF2B5EF4-FFF2-40B4-BE49-F238E27FC236}">
+                <a16:creationId xmlns:a16="http://schemas.microsoft.com/office/drawing/2014/main" id="{20E4F1FC-DB4E-F6E3-6E3F-F3A5D9F03411}"/>
+              </a:ext>
+            </a:extLst>
+          </p:cNvPr>
+          <p:cNvSpPr txBox="1"/>
+          <p:nvPr/>
+        </p:nvSpPr>
+        <p:spPr>
+          <a:xfrm>
+            <a:off x="683491" y="5932370"/>
+            <a:ext cx="3137397" cy="369332"/>
+          </a:xfrm>
+          <a:prstGeom prst="rect">
+            <a:avLst/>
+          </a:prstGeom>
+          <a:noFill/>
+        </p:spPr>
+        <p:txBody>
+          <a:bodyPr wrap="none" rtlCol="0">
+            <a:spAutoFit/>
+          </a:bodyPr>
+          <a:lstStyle/>
+          <a:p>
+            <a:r>
+              <a:rPr lang="en-US" altLang="ko-KR" dirty="0">
+                <a:latin typeface="HY헤드라인M" panose="02030600000101010101" pitchFamily="18" charset="-127"/>
+                <a:ea typeface="HY헤드라인M" panose="02030600000101010101" pitchFamily="18" charset="-127"/>
+              </a:rPr>
+              <a:t>Second</a:t>
+            </a:r>
+            <a:r>
+              <a:rPr lang="ko-KR" altLang="en-US" dirty="0">
+                <a:latin typeface="HY헤드라인M" panose="02030600000101010101" pitchFamily="18" charset="-127"/>
+                <a:ea typeface="HY헤드라인M" panose="02030600000101010101" pitchFamily="18" charset="-127"/>
+              </a:rPr>
+              <a:t> </a:t>
+            </a:r>
+            <a:r>
+              <a:rPr lang="en-US" altLang="ko-KR" dirty="0">
+                <a:latin typeface="HY헤드라인M" panose="02030600000101010101" pitchFamily="18" charset="-127"/>
+                <a:ea typeface="HY헤드라인M" panose="02030600000101010101" pitchFamily="18" charset="-127"/>
+              </a:rPr>
+              <a:t>+</a:t>
+            </a:r>
+            <a:r>
+              <a:rPr lang="ko-KR" altLang="en-US" dirty="0">
+                <a:latin typeface="HY헤드라인M" panose="02030600000101010101" pitchFamily="18" charset="-127"/>
+                <a:ea typeface="HY헤드라인M" panose="02030600000101010101" pitchFamily="18" charset="-127"/>
+              </a:rPr>
+              <a:t> </a:t>
+            </a:r>
+            <a:r>
+              <a:rPr lang="en-US" altLang="ko-KR" dirty="0">
+                <a:latin typeface="HY헤드라인M" panose="02030600000101010101" pitchFamily="18" charset="-127"/>
+                <a:ea typeface="HY헤드라인M" panose="02030600000101010101" pitchFamily="18" charset="-127"/>
+              </a:rPr>
+              <a:t>10th = </a:t>
+            </a:r>
+            <a:r>
+              <a:rPr lang="en-US" altLang="ko-KR" dirty="0" err="1">
+                <a:latin typeface="HY헤드라인M" panose="02030600000101010101" pitchFamily="18" charset="-127"/>
+                <a:ea typeface="HY헤드라인M" panose="02030600000101010101" pitchFamily="18" charset="-127"/>
+              </a:rPr>
+              <a:t>Secon</a:t>
+            </a:r>
+            <a:r>
+              <a:rPr lang="ko-KR" altLang="en-US" dirty="0" err="1">
+                <a:latin typeface="HY헤드라인M" panose="02030600000101010101" pitchFamily="18" charset="-127"/>
+                <a:ea typeface="HY헤드라인M" panose="02030600000101010101" pitchFamily="18" charset="-127"/>
+              </a:rPr>
+              <a:t>Ｔ</a:t>
+            </a:r>
+            <a:r>
+              <a:rPr lang="en-US" altLang="ko-KR" dirty="0">
+                <a:latin typeface="HY헤드라인M" panose="02030600000101010101" pitchFamily="18" charset="-127"/>
+                <a:ea typeface="HY헤드라인M" panose="02030600000101010101" pitchFamily="18" charset="-127"/>
+              </a:rPr>
+              <a:t>h</a:t>
+            </a:r>
           </a:p>
         </p:txBody>
       </p:sp>
@@ -9668,7 +8550,7 @@
           <p:nvPr/>
         </p:nvPicPr>
         <p:blipFill>
-          <a:blip r:embed="rId2">
+          <a:blip r:embed="rId3">
             <a:alphaModFix amt="50000"/>
             <a:extLst>
               <a:ext uri="{28A0092B-C50C-407E-A947-70E740481C1C}">
@@ -10177,7 +9059,7 @@
           <p:nvPr/>
         </p:nvPicPr>
         <p:blipFill>
-          <a:blip r:embed="rId2">
+          <a:blip r:embed="rId3">
             <a:alphaModFix amt="51000"/>
             <a:extLst>
               <a:ext uri="{28A0092B-C50C-407E-A947-70E740481C1C}">
@@ -10634,7 +9516,7 @@
               <p:nvPr/>
             </p:nvPicPr>
             <p:blipFill>
-              <a:blip r:embed="rId3">
+              <a:blip r:embed="rId4">
                 <a:alphaModFix amt="20000"/>
                 <a:extLst>
                   <a:ext uri="{28A0092B-C50C-407E-A947-70E740481C1C}">
@@ -10753,7 +9635,7 @@
               <p:nvPr/>
             </p:nvPicPr>
             <p:blipFill>
-              <a:blip r:embed="rId4">
+              <a:blip r:embed="rId5">
                 <a:alphaModFix amt="20000"/>
                 <a:extLst>
                   <a:ext uri="{28A0092B-C50C-407E-A947-70E740481C1C}">
@@ -10791,7 +9673,7 @@
             <p:nvPr/>
           </p:nvPicPr>
           <p:blipFill>
-            <a:blip r:embed="rId5">
+            <a:blip r:embed="rId6">
               <a:extLst>
                 <a:ext uri="{28A0092B-C50C-407E-A947-70E740481C1C}">
                   <a14:useLocalDpi xmlns:a14="http://schemas.microsoft.com/office/drawing/2010/main" val="0"/>
@@ -10827,7 +9709,7 @@
             <p:nvPr/>
           </p:nvPicPr>
           <p:blipFill>
-            <a:blip r:embed="rId6">
+            <a:blip r:embed="rId7">
               <a:extLst>
                 <a:ext uri="{28A0092B-C50C-407E-A947-70E740481C1C}">
                   <a14:useLocalDpi xmlns:a14="http://schemas.microsoft.com/office/drawing/2010/main" val="0"/>
@@ -10863,7 +9745,7 @@
             <p:nvPr/>
           </p:nvPicPr>
           <p:blipFill>
-            <a:blip r:embed="rId7">
+            <a:blip r:embed="rId8">
               <a:extLst>
                 <a:ext uri="{28A0092B-C50C-407E-A947-70E740481C1C}">
                   <a14:useLocalDpi xmlns:a14="http://schemas.microsoft.com/office/drawing/2010/main" val="0"/>
@@ -10899,7 +9781,7 @@
             <p:nvPr/>
           </p:nvPicPr>
           <p:blipFill>
-            <a:blip r:embed="rId8">
+            <a:blip r:embed="rId9">
               <a:alphaModFix amt="20000"/>
               <a:extLst>
                 <a:ext uri="{28A0092B-C50C-407E-A947-70E740481C1C}">
@@ -10936,7 +9818,7 @@
             <p:nvPr/>
           </p:nvPicPr>
           <p:blipFill>
-            <a:blip r:embed="rId9">
+            <a:blip r:embed="rId10">
               <a:extLst>
                 <a:ext uri="{28A0092B-C50C-407E-A947-70E740481C1C}">
                   <a14:useLocalDpi xmlns:a14="http://schemas.microsoft.com/office/drawing/2010/main" val="0"/>
@@ -11050,7 +9932,7 @@
               <p:nvPr/>
             </p:nvPicPr>
             <p:blipFill>
-              <a:blip r:embed="rId10">
+              <a:blip r:embed="rId11">
                 <a:alphaModFix amt="20000"/>
                 <a:extLst>
                   <a:ext uri="{28A0092B-C50C-407E-A947-70E740481C1C}">
@@ -11166,7 +10048,7 @@
               <p:nvPr/>
             </p:nvPicPr>
             <p:blipFill>
-              <a:blip r:embed="rId11">
+              <a:blip r:embed="rId12">
                 <a:extLst>
                   <a:ext uri="{28A0092B-C50C-407E-A947-70E740481C1C}">
                     <a14:useLocalDpi xmlns:a14="http://schemas.microsoft.com/office/drawing/2010/main" val="0"/>
@@ -11204,12 +10086,12 @@
           <p:nvPr/>
         </p:nvPicPr>
         <p:blipFill>
-          <a:blip r:embed="rId12">
+          <a:blip r:embed="rId13">
             <a:alphaModFix amt="87000"/>
             <a:extLst>
               <a:ext uri="{BEBA8EAE-BF5A-486C-A8C5-ECC9F3942E4B}">
                 <a14:imgProps xmlns:a14="http://schemas.microsoft.com/office/drawing/2010/main">
-                  <a14:imgLayer r:embed="rId13">
+                  <a14:imgLayer r:embed="rId14">
                     <a14:imgEffect>
                       <a14:sharpenSoften amount="100000"/>
                     </a14:imgEffect>
@@ -11756,7 +10638,7 @@
           <p:nvPr/>
         </p:nvPicPr>
         <p:blipFill>
-          <a:blip r:embed="rId2">
+          <a:blip r:embed="rId3">
             <a:alphaModFix amt="51000"/>
             <a:extLst>
               <a:ext uri="{28A0092B-C50C-407E-A947-70E740481C1C}">
@@ -11792,7 +10674,7 @@
           <p:nvPr/>
         </p:nvPicPr>
         <p:blipFill>
-          <a:blip r:embed="rId3">
+          <a:blip r:embed="rId4">
             <a:extLst>
               <a:ext uri="{28A0092B-C50C-407E-A947-70E740481C1C}">
                 <a14:useLocalDpi xmlns:a14="http://schemas.microsoft.com/office/drawing/2010/main" val="0"/>
@@ -11833,7 +10715,7 @@
           <p:nvPr/>
         </p:nvPicPr>
         <p:blipFill>
-          <a:blip r:embed="rId4">
+          <a:blip r:embed="rId5">
             <a:extLst>
               <a:ext uri="{28A0092B-C50C-407E-A947-70E740481C1C}">
                 <a14:useLocalDpi xmlns:a14="http://schemas.microsoft.com/office/drawing/2010/main" val="0"/>
@@ -13396,925 +12278,6 @@
 </file>
 
 <file path=ppt/slides/slide7.xml><?xml version="1.0" encoding="utf-8"?>
-<p:sld xmlns:a="http://schemas.openxmlformats.org/drawingml/2006/main" xmlns:r="http://schemas.openxmlformats.org/officeDocument/2006/relationships" xmlns:p="http://schemas.openxmlformats.org/presentationml/2006/main">
-  <p:cSld>
-    <p:spTree>
-      <p:nvGrpSpPr>
-        <p:cNvPr id="1" name=""/>
-        <p:cNvGrpSpPr/>
-        <p:nvPr/>
-      </p:nvGrpSpPr>
-      <p:grpSpPr>
-        <a:xfrm>
-          <a:off x="0" y="0"/>
-          <a:ext cx="0" cy="0"/>
-          <a:chOff x="0" y="0"/>
-          <a:chExt cx="0" cy="0"/>
-        </a:xfrm>
-      </p:grpSpPr>
-      <p:pic>
-        <p:nvPicPr>
-          <p:cNvPr id="24" name="그림 23" descr="페인팅, 스케치, 예술, 그림이(가) 표시된 사진&#10;&#10;자동 생성된 설명">
-            <a:extLst>
-              <a:ext uri="{FF2B5EF4-FFF2-40B4-BE49-F238E27FC236}">
-                <a16:creationId xmlns:a16="http://schemas.microsoft.com/office/drawing/2014/main" id="{35277B03-5EDC-600A-D134-8DFBEAAB4736}"/>
-              </a:ext>
-            </a:extLst>
-          </p:cNvPr>
-          <p:cNvPicPr>
-            <a:picLocks noChangeAspect="1"/>
-          </p:cNvPicPr>
-          <p:nvPr/>
-        </p:nvPicPr>
-        <p:blipFill>
-          <a:blip r:embed="rId2">
-            <a:alphaModFix amt="51000"/>
-            <a:extLst>
-              <a:ext uri="{28A0092B-C50C-407E-A947-70E740481C1C}">
-                <a14:useLocalDpi xmlns:a14="http://schemas.microsoft.com/office/drawing/2010/main" val="0"/>
-              </a:ext>
-            </a:extLst>
-          </a:blip>
-          <a:srcRect t="50636" r="1" b="5619"/>
-          <a:stretch/>
-        </p:blipFill>
-        <p:spPr>
-          <a:xfrm>
-            <a:off x="20" y="10"/>
-            <a:ext cx="12188930" cy="6857990"/>
-          </a:xfrm>
-          <a:prstGeom prst="rect">
-            <a:avLst/>
-          </a:prstGeom>
-        </p:spPr>
-      </p:pic>
-      <p:pic>
-        <p:nvPicPr>
-          <p:cNvPr id="4" name="그림 3" descr="텍스트, 스크린샷, 직사각형이(가) 표시된 사진&#10;&#10;자동 생성된 설명">
-            <a:extLst>
-              <a:ext uri="{FF2B5EF4-FFF2-40B4-BE49-F238E27FC236}">
-                <a16:creationId xmlns:a16="http://schemas.microsoft.com/office/drawing/2014/main" id="{C4775D20-E2A6-E01B-44BA-EC4F73CEE240}"/>
-              </a:ext>
-            </a:extLst>
-          </p:cNvPr>
-          <p:cNvPicPr>
-            <a:picLocks noChangeAspect="1"/>
-          </p:cNvPicPr>
-          <p:nvPr/>
-        </p:nvPicPr>
-        <p:blipFill>
-          <a:blip r:embed="rId3">
-            <a:extLst>
-              <a:ext uri="{28A0092B-C50C-407E-A947-70E740481C1C}">
-                <a14:useLocalDpi xmlns:a14="http://schemas.microsoft.com/office/drawing/2010/main" val="0"/>
-              </a:ext>
-            </a:extLst>
-          </a:blip>
-          <a:srcRect l="56444" t="55972" r="36056" b="34861"/>
-          <a:stretch/>
-        </p:blipFill>
-        <p:spPr>
-          <a:xfrm>
-            <a:off x="3981453" y="1743075"/>
-            <a:ext cx="4229093" cy="3876675"/>
-          </a:xfrm>
-          <a:prstGeom prst="rect">
-            <a:avLst/>
-          </a:prstGeom>
-        </p:spPr>
-      </p:pic>
-      <p:sp>
-        <p:nvSpPr>
-          <p:cNvPr id="7" name="TextBox 6">
-            <a:extLst>
-              <a:ext uri="{FF2B5EF4-FFF2-40B4-BE49-F238E27FC236}">
-                <a16:creationId xmlns:a16="http://schemas.microsoft.com/office/drawing/2014/main" id="{F752DADF-E212-88A6-17F2-1FF9BD1200C8}"/>
-              </a:ext>
-            </a:extLst>
-          </p:cNvPr>
-          <p:cNvSpPr txBox="1"/>
-          <p:nvPr/>
-        </p:nvSpPr>
-        <p:spPr>
-          <a:xfrm>
-            <a:off x="8210546" y="1743075"/>
-            <a:ext cx="2114554" cy="3046988"/>
-          </a:xfrm>
-          <a:prstGeom prst="rect">
-            <a:avLst/>
-          </a:prstGeom>
-          <a:solidFill>
-            <a:schemeClr val="bg1">
-              <a:lumMod val="95000"/>
-            </a:schemeClr>
-          </a:solidFill>
-          <a:ln w="57150">
-            <a:solidFill>
-              <a:schemeClr val="accent6"/>
-            </a:solidFill>
-          </a:ln>
-        </p:spPr>
-        <p:txBody>
-          <a:bodyPr wrap="square" rtlCol="0">
-            <a:spAutoFit/>
-          </a:bodyPr>
-          <a:lstStyle/>
-          <a:p>
-            <a:r>
-              <a:rPr lang="ko-KR" altLang="en-US" sz="1600" dirty="0">
-                <a:latin typeface="HY헤드라인M" panose="02030600000101010101" pitchFamily="18" charset="-127"/>
-                <a:ea typeface="HY헤드라인M" panose="02030600000101010101" pitchFamily="18" charset="-127"/>
-              </a:rPr>
-              <a:t>플레이어 기본 </a:t>
-            </a:r>
-            <a:r>
-              <a:rPr lang="ko-KR" altLang="en-US" sz="1600" dirty="0" err="1">
-                <a:latin typeface="HY헤드라인M" panose="02030600000101010101" pitchFamily="18" charset="-127"/>
-                <a:ea typeface="HY헤드라인M" panose="02030600000101010101" pitchFamily="18" charset="-127"/>
-              </a:rPr>
-              <a:t>스탯</a:t>
-            </a:r>
-            <a:endParaRPr lang="en-US" altLang="ko-KR" sz="1600" dirty="0">
-              <a:latin typeface="HY헤드라인M" panose="02030600000101010101" pitchFamily="18" charset="-127"/>
-              <a:ea typeface="HY헤드라인M" panose="02030600000101010101" pitchFamily="18" charset="-127"/>
-            </a:endParaRPr>
-          </a:p>
-          <a:p>
-            <a:br>
-              <a:rPr lang="en-US" altLang="ko-KR" sz="1600" dirty="0">
-                <a:latin typeface="HY헤드라인M" panose="02030600000101010101" pitchFamily="18" charset="-127"/>
-                <a:ea typeface="HY헤드라인M" panose="02030600000101010101" pitchFamily="18" charset="-127"/>
-              </a:rPr>
-            </a:br>
-            <a:r>
-              <a:rPr lang="en-US" altLang="ko-KR" sz="1600" dirty="0">
-                <a:latin typeface="HY헤드라인M" panose="02030600000101010101" pitchFamily="18" charset="-127"/>
-                <a:ea typeface="HY헤드라인M" panose="02030600000101010101" pitchFamily="18" charset="-127"/>
-              </a:rPr>
-              <a:t>HP</a:t>
-            </a:r>
-          </a:p>
-          <a:p>
-            <a:r>
-              <a:rPr lang="ko-KR" altLang="en-US" sz="1600" dirty="0">
-                <a:latin typeface="HY헤드라인M" panose="02030600000101010101" pitchFamily="18" charset="-127"/>
-                <a:ea typeface="HY헤드라인M" panose="02030600000101010101" pitchFamily="18" charset="-127"/>
-              </a:rPr>
-              <a:t>공격력</a:t>
-            </a:r>
-            <a:br>
-              <a:rPr lang="en-US" altLang="ko-KR" sz="1600" dirty="0">
-                <a:latin typeface="HY헤드라인M" panose="02030600000101010101" pitchFamily="18" charset="-127"/>
-                <a:ea typeface="HY헤드라인M" panose="02030600000101010101" pitchFamily="18" charset="-127"/>
-              </a:rPr>
-            </a:br>
-            <a:r>
-              <a:rPr lang="ko-KR" altLang="en-US" sz="1600" dirty="0">
-                <a:latin typeface="HY헤드라인M" panose="02030600000101010101" pitchFamily="18" charset="-127"/>
-                <a:ea typeface="HY헤드라인M" panose="02030600000101010101" pitchFamily="18" charset="-127"/>
-              </a:rPr>
-              <a:t>속도</a:t>
-            </a:r>
-            <a:br>
-              <a:rPr lang="en-US" altLang="ko-KR" sz="1600" dirty="0">
-                <a:latin typeface="HY헤드라인M" panose="02030600000101010101" pitchFamily="18" charset="-127"/>
-                <a:ea typeface="HY헤드라인M" panose="02030600000101010101" pitchFamily="18" charset="-127"/>
-              </a:rPr>
-            </a:br>
-            <a:r>
-              <a:rPr lang="en-US" altLang="ko-KR" sz="1600" dirty="0">
-                <a:latin typeface="HY헤드라인M" panose="02030600000101010101" pitchFamily="18" charset="-127"/>
-                <a:ea typeface="HY헤드라인M" panose="02030600000101010101" pitchFamily="18" charset="-127"/>
-              </a:rPr>
-              <a:t>--</a:t>
-            </a:r>
-            <a:r>
-              <a:rPr lang="ko-KR" altLang="en-US" sz="1600" dirty="0">
-                <a:latin typeface="HY헤드라인M" panose="02030600000101010101" pitchFamily="18" charset="-127"/>
-                <a:ea typeface="HY헤드라인M" panose="02030600000101010101" pitchFamily="18" charset="-127"/>
-              </a:rPr>
-              <a:t>추가요소</a:t>
-            </a:r>
-            <a:r>
-              <a:rPr lang="en-US" altLang="ko-KR" sz="1600" dirty="0">
-                <a:latin typeface="HY헤드라인M" panose="02030600000101010101" pitchFamily="18" charset="-127"/>
-                <a:ea typeface="HY헤드라인M" panose="02030600000101010101" pitchFamily="18" charset="-127"/>
-              </a:rPr>
-              <a:t>--</a:t>
-            </a:r>
-          </a:p>
-          <a:p>
-            <a:r>
-              <a:rPr lang="en-US" altLang="ko-KR" sz="1600" dirty="0">
-                <a:latin typeface="HY헤드라인M" panose="02030600000101010101" pitchFamily="18" charset="-127"/>
-                <a:ea typeface="HY헤드라인M" panose="02030600000101010101" pitchFamily="18" charset="-127"/>
-              </a:rPr>
-              <a:t>+</a:t>
-            </a:r>
-            <a:r>
-              <a:rPr lang="ko-KR" altLang="en-US" sz="1600" dirty="0">
-                <a:latin typeface="HY헤드라인M" panose="02030600000101010101" pitchFamily="18" charset="-127"/>
-                <a:ea typeface="HY헤드라인M" panose="02030600000101010101" pitchFamily="18" charset="-127"/>
-              </a:rPr>
-              <a:t>공격속도</a:t>
-            </a:r>
-            <a:endParaRPr lang="en-US" altLang="ko-KR" sz="1600" dirty="0">
-              <a:latin typeface="HY헤드라인M" panose="02030600000101010101" pitchFamily="18" charset="-127"/>
-              <a:ea typeface="HY헤드라인M" panose="02030600000101010101" pitchFamily="18" charset="-127"/>
-            </a:endParaRPr>
-          </a:p>
-          <a:p>
-            <a:r>
-              <a:rPr lang="en-US" altLang="ko-KR" sz="1600" dirty="0">
-                <a:latin typeface="HY헤드라인M" panose="02030600000101010101" pitchFamily="18" charset="-127"/>
-                <a:ea typeface="HY헤드라인M" panose="02030600000101010101" pitchFamily="18" charset="-127"/>
-              </a:rPr>
-              <a:t>+</a:t>
-            </a:r>
-            <a:r>
-              <a:rPr lang="ko-KR" altLang="en-US" sz="1600" dirty="0">
-                <a:latin typeface="HY헤드라인M" panose="02030600000101010101" pitchFamily="18" charset="-127"/>
-                <a:ea typeface="HY헤드라인M" panose="02030600000101010101" pitchFamily="18" charset="-127"/>
-              </a:rPr>
-              <a:t>시간</a:t>
-            </a:r>
-            <a:endParaRPr lang="en-US" altLang="ko-KR" sz="1600" dirty="0">
-              <a:latin typeface="HY헤드라인M" panose="02030600000101010101" pitchFamily="18" charset="-127"/>
-              <a:ea typeface="HY헤드라인M" panose="02030600000101010101" pitchFamily="18" charset="-127"/>
-            </a:endParaRPr>
-          </a:p>
-          <a:p>
-            <a:r>
-              <a:rPr lang="en-US" altLang="ko-KR" sz="1600" dirty="0">
-                <a:latin typeface="HY헤드라인M" panose="02030600000101010101" pitchFamily="18" charset="-127"/>
-                <a:ea typeface="HY헤드라인M" panose="02030600000101010101" pitchFamily="18" charset="-127"/>
-              </a:rPr>
-              <a:t>+</a:t>
-            </a:r>
-            <a:r>
-              <a:rPr lang="ko-KR" altLang="en-US" sz="1600" dirty="0">
-                <a:latin typeface="HY헤드라인M" panose="02030600000101010101" pitchFamily="18" charset="-127"/>
-                <a:ea typeface="HY헤드라인M" panose="02030600000101010101" pitchFamily="18" charset="-127"/>
-              </a:rPr>
-              <a:t>특성</a:t>
-            </a:r>
-            <a:endParaRPr lang="en-US" altLang="ko-KR" sz="1600" dirty="0">
-              <a:latin typeface="HY헤드라인M" panose="02030600000101010101" pitchFamily="18" charset="-127"/>
-              <a:ea typeface="HY헤드라인M" panose="02030600000101010101" pitchFamily="18" charset="-127"/>
-            </a:endParaRPr>
-          </a:p>
-          <a:p>
-            <a:endParaRPr lang="en-US" altLang="ko-KR" sz="1600" dirty="0">
-              <a:latin typeface="HY헤드라인M" panose="02030600000101010101" pitchFamily="18" charset="-127"/>
-              <a:ea typeface="HY헤드라인M" panose="02030600000101010101" pitchFamily="18" charset="-127"/>
-            </a:endParaRPr>
-          </a:p>
-          <a:p>
-            <a:r>
-              <a:rPr lang="en-US" altLang="ko-KR" sz="1600" dirty="0">
-                <a:latin typeface="HY헤드라인M" panose="02030600000101010101" pitchFamily="18" charset="-127"/>
-                <a:ea typeface="HY헤드라인M" panose="02030600000101010101" pitchFamily="18" charset="-127"/>
-              </a:rPr>
-              <a:t>[</a:t>
-            </a:r>
-            <a:r>
-              <a:rPr lang="ko-KR" altLang="en-US" sz="1600" dirty="0">
-                <a:latin typeface="HY헤드라인M" panose="02030600000101010101" pitchFamily="18" charset="-127"/>
-                <a:ea typeface="HY헤드라인M" panose="02030600000101010101" pitchFamily="18" charset="-127"/>
-              </a:rPr>
-              <a:t>세대가 바뀔 때 마다 </a:t>
-            </a:r>
-            <a:r>
-              <a:rPr lang="ko-KR" altLang="en-US" sz="1600" dirty="0" err="1">
-                <a:latin typeface="HY헤드라인M" panose="02030600000101010101" pitchFamily="18" charset="-127"/>
-                <a:ea typeface="HY헤드라인M" panose="02030600000101010101" pitchFamily="18" charset="-127"/>
-              </a:rPr>
-              <a:t>스탯이</a:t>
-            </a:r>
-            <a:r>
-              <a:rPr lang="ko-KR" altLang="en-US" sz="1600" dirty="0">
-                <a:latin typeface="HY헤드라인M" panose="02030600000101010101" pitchFamily="18" charset="-127"/>
-                <a:ea typeface="HY헤드라인M" panose="02030600000101010101" pitchFamily="18" charset="-127"/>
-              </a:rPr>
-              <a:t> 변경됨</a:t>
-            </a:r>
-            <a:r>
-              <a:rPr lang="en-US" altLang="ko-KR" sz="1600" dirty="0">
-                <a:latin typeface="HY헤드라인M" panose="02030600000101010101" pitchFamily="18" charset="-127"/>
-                <a:ea typeface="HY헤드라인M" panose="02030600000101010101" pitchFamily="18" charset="-127"/>
-              </a:rPr>
-              <a:t>]</a:t>
-            </a:r>
-            <a:endParaRPr lang="ko-KR" altLang="en-US" sz="1600" dirty="0">
-              <a:latin typeface="HY헤드라인M" panose="02030600000101010101" pitchFamily="18" charset="-127"/>
-              <a:ea typeface="HY헤드라인M" panose="02030600000101010101" pitchFamily="18" charset="-127"/>
-            </a:endParaRPr>
-          </a:p>
-        </p:txBody>
-      </p:sp>
-      <p:sp>
-        <p:nvSpPr>
-          <p:cNvPr id="8" name="TextBox 7">
-            <a:extLst>
-              <a:ext uri="{FF2B5EF4-FFF2-40B4-BE49-F238E27FC236}">
-                <a16:creationId xmlns:a16="http://schemas.microsoft.com/office/drawing/2014/main" id="{64AE1E46-D2BF-A2CE-B1EE-13193AE07E81}"/>
-              </a:ext>
-            </a:extLst>
-          </p:cNvPr>
-          <p:cNvSpPr txBox="1"/>
-          <p:nvPr/>
-        </p:nvSpPr>
-        <p:spPr>
-          <a:xfrm>
-            <a:off x="2019300" y="1743075"/>
-            <a:ext cx="1962153" cy="1323439"/>
-          </a:xfrm>
-          <a:prstGeom prst="rect">
-            <a:avLst/>
-          </a:prstGeom>
-          <a:solidFill>
-            <a:schemeClr val="bg1">
-              <a:lumMod val="95000"/>
-            </a:schemeClr>
-          </a:solidFill>
-          <a:ln w="57150">
-            <a:solidFill>
-              <a:schemeClr val="accent6"/>
-            </a:solidFill>
-          </a:ln>
-        </p:spPr>
-        <p:txBody>
-          <a:bodyPr wrap="square" rtlCol="0">
-            <a:spAutoFit/>
-          </a:bodyPr>
-          <a:lstStyle/>
-          <a:p>
-            <a:r>
-              <a:rPr lang="ko-KR" altLang="en-US" sz="1600" dirty="0">
-                <a:latin typeface="HY헤드라인M" panose="02030600000101010101" pitchFamily="18" charset="-127"/>
-                <a:ea typeface="HY헤드라인M" panose="02030600000101010101" pitchFamily="18" charset="-127"/>
-              </a:rPr>
-              <a:t>존재하는 무기 </a:t>
-            </a:r>
-            <a:r>
-              <a:rPr lang="ko-KR" altLang="en-US" sz="1600" dirty="0" err="1">
-                <a:latin typeface="HY헤드라인M" panose="02030600000101010101" pitchFamily="18" charset="-127"/>
-                <a:ea typeface="HY헤드라인M" panose="02030600000101010101" pitchFamily="18" charset="-127"/>
-              </a:rPr>
-              <a:t>스탯</a:t>
-            </a:r>
-            <a:endParaRPr lang="en-US" altLang="ko-KR" sz="1600" dirty="0">
-              <a:latin typeface="HY헤드라인M" panose="02030600000101010101" pitchFamily="18" charset="-127"/>
-              <a:ea typeface="HY헤드라인M" panose="02030600000101010101" pitchFamily="18" charset="-127"/>
-            </a:endParaRPr>
-          </a:p>
-          <a:p>
-            <a:br>
-              <a:rPr lang="en-US" altLang="ko-KR" sz="1600" dirty="0">
-                <a:latin typeface="HY헤드라인M" panose="02030600000101010101" pitchFamily="18" charset="-127"/>
-                <a:ea typeface="HY헤드라인M" panose="02030600000101010101" pitchFamily="18" charset="-127"/>
-              </a:rPr>
-            </a:br>
-            <a:r>
-              <a:rPr lang="ko-KR" altLang="en-US" sz="1600" dirty="0">
-                <a:latin typeface="HY헤드라인M" panose="02030600000101010101" pitchFamily="18" charset="-127"/>
-                <a:ea typeface="HY헤드라인M" panose="02030600000101010101" pitchFamily="18" charset="-127"/>
-              </a:rPr>
-              <a:t>무기 범위</a:t>
-            </a:r>
-            <a:endParaRPr lang="en-US" altLang="ko-KR" sz="1600" dirty="0">
-              <a:latin typeface="HY헤드라인M" panose="02030600000101010101" pitchFamily="18" charset="-127"/>
-              <a:ea typeface="HY헤드라인M" panose="02030600000101010101" pitchFamily="18" charset="-127"/>
-            </a:endParaRPr>
-          </a:p>
-          <a:p>
-            <a:r>
-              <a:rPr lang="ko-KR" altLang="en-US" sz="1600" dirty="0">
-                <a:latin typeface="HY헤드라인M" panose="02030600000101010101" pitchFamily="18" charset="-127"/>
-                <a:ea typeface="HY헤드라인M" panose="02030600000101010101" pitchFamily="18" charset="-127"/>
-              </a:rPr>
-              <a:t>공격력</a:t>
-            </a:r>
-            <a:br>
-              <a:rPr lang="en-US" altLang="ko-KR" sz="1600" dirty="0">
-                <a:latin typeface="HY헤드라인M" panose="02030600000101010101" pitchFamily="18" charset="-127"/>
-                <a:ea typeface="HY헤드라인M" panose="02030600000101010101" pitchFamily="18" charset="-127"/>
-              </a:rPr>
-            </a:br>
-            <a:r>
-              <a:rPr lang="ko-KR" altLang="en-US" sz="1600" dirty="0">
-                <a:latin typeface="HY헤드라인M" panose="02030600000101010101" pitchFamily="18" charset="-127"/>
-                <a:ea typeface="HY헤드라인M" panose="02030600000101010101" pitchFamily="18" charset="-127"/>
-              </a:rPr>
-              <a:t>무기 공격 속도</a:t>
-            </a:r>
-            <a:endParaRPr lang="en-US" altLang="ko-KR" sz="1600" dirty="0">
-              <a:latin typeface="HY헤드라인M" panose="02030600000101010101" pitchFamily="18" charset="-127"/>
-              <a:ea typeface="HY헤드라인M" panose="02030600000101010101" pitchFamily="18" charset="-127"/>
-            </a:endParaRPr>
-          </a:p>
-        </p:txBody>
-      </p:sp>
-      <p:pic>
-        <p:nvPicPr>
-          <p:cNvPr id="11" name="그래픽 10" descr="배지 하트 단색으로 채워진">
-            <a:extLst>
-              <a:ext uri="{FF2B5EF4-FFF2-40B4-BE49-F238E27FC236}">
-                <a16:creationId xmlns:a16="http://schemas.microsoft.com/office/drawing/2014/main" id="{94C687E7-33DA-0CE5-E917-B78373CD8404}"/>
-              </a:ext>
-            </a:extLst>
-          </p:cNvPr>
-          <p:cNvPicPr>
-            <a:picLocks noChangeAspect="1"/>
-          </p:cNvPicPr>
-          <p:nvPr/>
-        </p:nvPicPr>
-        <p:blipFill>
-          <a:blip r:embed="rId4">
-            <a:extLst>
-              <a:ext uri="{96DAC541-7B7A-43D3-8B79-37D633B846F1}">
-                <asvg:svgBlip xmlns:asvg="http://schemas.microsoft.com/office/drawing/2016/SVG/main" r:embed="rId5"/>
-              </a:ext>
-            </a:extLst>
-          </a:blip>
-          <a:stretch>
-            <a:fillRect/>
-          </a:stretch>
-        </p:blipFill>
-        <p:spPr>
-          <a:xfrm>
-            <a:off x="3795041" y="5037906"/>
-            <a:ext cx="914400" cy="914400"/>
-          </a:xfrm>
-          <a:prstGeom prst="rect">
-            <a:avLst/>
-          </a:prstGeom>
-        </p:spPr>
-      </p:pic>
-      <p:pic>
-        <p:nvPicPr>
-          <p:cNvPr id="14" name="그래픽 13" descr="배지 하트 단색으로 채워진">
-            <a:extLst>
-              <a:ext uri="{FF2B5EF4-FFF2-40B4-BE49-F238E27FC236}">
-                <a16:creationId xmlns:a16="http://schemas.microsoft.com/office/drawing/2014/main" id="{C39AE4C2-91D7-9E01-3A8B-E3C46E2F6D3E}"/>
-              </a:ext>
-            </a:extLst>
-          </p:cNvPr>
-          <p:cNvPicPr>
-            <a:picLocks noChangeAspect="1"/>
-          </p:cNvPicPr>
-          <p:nvPr/>
-        </p:nvPicPr>
-        <p:blipFill>
-          <a:blip r:embed="rId4">
-            <a:extLst>
-              <a:ext uri="{96DAC541-7B7A-43D3-8B79-37D633B846F1}">
-                <asvg:svgBlip xmlns:asvg="http://schemas.microsoft.com/office/drawing/2016/SVG/main" r:embed="rId5"/>
-              </a:ext>
-            </a:extLst>
-          </a:blip>
-          <a:stretch>
-            <a:fillRect/>
-          </a:stretch>
-        </p:blipFill>
-        <p:spPr>
-          <a:xfrm>
-            <a:off x="4709441" y="5037906"/>
-            <a:ext cx="914400" cy="914400"/>
-          </a:xfrm>
-          <a:prstGeom prst="rect">
-            <a:avLst/>
-          </a:prstGeom>
-        </p:spPr>
-      </p:pic>
-      <p:pic>
-        <p:nvPicPr>
-          <p:cNvPr id="15" name="그래픽 14" descr="배지 하트 단색으로 채워진">
-            <a:extLst>
-              <a:ext uri="{FF2B5EF4-FFF2-40B4-BE49-F238E27FC236}">
-                <a16:creationId xmlns:a16="http://schemas.microsoft.com/office/drawing/2014/main" id="{EE3DAD8F-1E5B-01DD-EDE1-69E8A7855D02}"/>
-              </a:ext>
-            </a:extLst>
-          </p:cNvPr>
-          <p:cNvPicPr>
-            <a:picLocks noChangeAspect="1"/>
-          </p:cNvPicPr>
-          <p:nvPr/>
-        </p:nvPicPr>
-        <p:blipFill>
-          <a:blip r:embed="rId4">
-            <a:extLst>
-              <a:ext uri="{96DAC541-7B7A-43D3-8B79-37D633B846F1}">
-                <asvg:svgBlip xmlns:asvg="http://schemas.microsoft.com/office/drawing/2016/SVG/main" r:embed="rId5"/>
-              </a:ext>
-            </a:extLst>
-          </a:blip>
-          <a:stretch>
-            <a:fillRect/>
-          </a:stretch>
-        </p:blipFill>
-        <p:spPr>
-          <a:xfrm>
-            <a:off x="5623841" y="5037906"/>
-            <a:ext cx="914400" cy="914400"/>
-          </a:xfrm>
-          <a:prstGeom prst="rect">
-            <a:avLst/>
-          </a:prstGeom>
-        </p:spPr>
-      </p:pic>
-      <p:pic>
-        <p:nvPicPr>
-          <p:cNvPr id="16" name="그래픽 15" descr="배지 하트 단색으로 채워진">
-            <a:extLst>
-              <a:ext uri="{FF2B5EF4-FFF2-40B4-BE49-F238E27FC236}">
-                <a16:creationId xmlns:a16="http://schemas.microsoft.com/office/drawing/2014/main" id="{4947E32C-6721-FA94-3C66-94FBDFF808C6}"/>
-              </a:ext>
-            </a:extLst>
-          </p:cNvPr>
-          <p:cNvPicPr>
-            <a:picLocks noChangeAspect="1"/>
-          </p:cNvPicPr>
-          <p:nvPr/>
-        </p:nvPicPr>
-        <p:blipFill>
-          <a:blip r:embed="rId4">
-            <a:extLst>
-              <a:ext uri="{96DAC541-7B7A-43D3-8B79-37D633B846F1}">
-                <asvg:svgBlip xmlns:asvg="http://schemas.microsoft.com/office/drawing/2016/SVG/main" r:embed="rId5"/>
-              </a:ext>
-            </a:extLst>
-          </a:blip>
-          <a:stretch>
-            <a:fillRect/>
-          </a:stretch>
-        </p:blipFill>
-        <p:spPr>
-          <a:xfrm>
-            <a:off x="6540284" y="5037906"/>
-            <a:ext cx="914400" cy="914400"/>
-          </a:xfrm>
-          <a:prstGeom prst="rect">
-            <a:avLst/>
-          </a:prstGeom>
-        </p:spPr>
-      </p:pic>
-      <p:pic>
-        <p:nvPicPr>
-          <p:cNvPr id="17" name="그래픽 16" descr="배지 하트 단색으로 채워진">
-            <a:extLst>
-              <a:ext uri="{FF2B5EF4-FFF2-40B4-BE49-F238E27FC236}">
-                <a16:creationId xmlns:a16="http://schemas.microsoft.com/office/drawing/2014/main" id="{8E9142BF-5911-519D-1DB1-EA081BF6EBC9}"/>
-              </a:ext>
-            </a:extLst>
-          </p:cNvPr>
-          <p:cNvPicPr>
-            <a:picLocks noChangeAspect="1"/>
-          </p:cNvPicPr>
-          <p:nvPr/>
-        </p:nvPicPr>
-        <p:blipFill>
-          <a:blip r:embed="rId4">
-            <a:extLst>
-              <a:ext uri="{96DAC541-7B7A-43D3-8B79-37D633B846F1}">
-                <asvg:svgBlip xmlns:asvg="http://schemas.microsoft.com/office/drawing/2016/SVG/main" r:embed="rId5"/>
-              </a:ext>
-            </a:extLst>
-          </a:blip>
-          <a:stretch>
-            <a:fillRect/>
-          </a:stretch>
-        </p:blipFill>
-        <p:spPr>
-          <a:xfrm>
-            <a:off x="7452641" y="5026744"/>
-            <a:ext cx="914400" cy="914400"/>
-          </a:xfrm>
-          <a:prstGeom prst="rect">
-            <a:avLst/>
-          </a:prstGeom>
-        </p:spPr>
-      </p:pic>
-      <p:pic>
-        <p:nvPicPr>
-          <p:cNvPr id="19" name="그래픽 18" descr="배지 하트 단색으로 채워진">
-            <a:extLst>
-              <a:ext uri="{FF2B5EF4-FFF2-40B4-BE49-F238E27FC236}">
-                <a16:creationId xmlns:a16="http://schemas.microsoft.com/office/drawing/2014/main" id="{A6D35BE4-4266-264B-433B-1180F86A7D9E}"/>
-              </a:ext>
-            </a:extLst>
-          </p:cNvPr>
-          <p:cNvPicPr>
-            <a:picLocks noChangeAspect="1"/>
-          </p:cNvPicPr>
-          <p:nvPr/>
-        </p:nvPicPr>
-        <p:blipFill>
-          <a:blip r:embed="rId4">
-            <a:extLst>
-              <a:ext uri="{96DAC541-7B7A-43D3-8B79-37D633B846F1}">
-                <asvg:svgBlip xmlns:asvg="http://schemas.microsoft.com/office/drawing/2016/SVG/main" r:embed="rId5"/>
-              </a:ext>
-            </a:extLst>
-          </a:blip>
-          <a:stretch>
-            <a:fillRect/>
-          </a:stretch>
-        </p:blipFill>
-        <p:spPr>
-          <a:xfrm>
-            <a:off x="4709441" y="1085031"/>
-            <a:ext cx="914400" cy="914400"/>
-          </a:xfrm>
-          <a:prstGeom prst="rect">
-            <a:avLst/>
-          </a:prstGeom>
-        </p:spPr>
-      </p:pic>
-      <p:pic>
-        <p:nvPicPr>
-          <p:cNvPr id="20" name="그래픽 19" descr="배지 하트 단색으로 채워진">
-            <a:extLst>
-              <a:ext uri="{FF2B5EF4-FFF2-40B4-BE49-F238E27FC236}">
-                <a16:creationId xmlns:a16="http://schemas.microsoft.com/office/drawing/2014/main" id="{3FFB622E-E8C7-12D4-E980-965784A6AA71}"/>
-              </a:ext>
-            </a:extLst>
-          </p:cNvPr>
-          <p:cNvPicPr>
-            <a:picLocks noChangeAspect="1"/>
-          </p:cNvPicPr>
-          <p:nvPr/>
-        </p:nvPicPr>
-        <p:blipFill>
-          <a:blip r:embed="rId4">
-            <a:extLst>
-              <a:ext uri="{96DAC541-7B7A-43D3-8B79-37D633B846F1}">
-                <asvg:svgBlip xmlns:asvg="http://schemas.microsoft.com/office/drawing/2016/SVG/main" r:embed="rId5"/>
-              </a:ext>
-            </a:extLst>
-          </a:blip>
-          <a:stretch>
-            <a:fillRect/>
-          </a:stretch>
-        </p:blipFill>
-        <p:spPr>
-          <a:xfrm>
-            <a:off x="5623841" y="1085031"/>
-            <a:ext cx="914400" cy="914400"/>
-          </a:xfrm>
-          <a:prstGeom prst="rect">
-            <a:avLst/>
-          </a:prstGeom>
-        </p:spPr>
-      </p:pic>
-      <p:pic>
-        <p:nvPicPr>
-          <p:cNvPr id="21" name="그래픽 20" descr="배지 하트 단색으로 채워진">
-            <a:extLst>
-              <a:ext uri="{FF2B5EF4-FFF2-40B4-BE49-F238E27FC236}">
-                <a16:creationId xmlns:a16="http://schemas.microsoft.com/office/drawing/2014/main" id="{29E79303-16A0-4453-FD0E-F967E309D89F}"/>
-              </a:ext>
-            </a:extLst>
-          </p:cNvPr>
-          <p:cNvPicPr>
-            <a:picLocks noChangeAspect="1"/>
-          </p:cNvPicPr>
-          <p:nvPr/>
-        </p:nvPicPr>
-        <p:blipFill>
-          <a:blip r:embed="rId4">
-            <a:extLst>
-              <a:ext uri="{96DAC541-7B7A-43D3-8B79-37D633B846F1}">
-                <asvg:svgBlip xmlns:asvg="http://schemas.microsoft.com/office/drawing/2016/SVG/main" r:embed="rId5"/>
-              </a:ext>
-            </a:extLst>
-          </a:blip>
-          <a:stretch>
-            <a:fillRect/>
-          </a:stretch>
-        </p:blipFill>
-        <p:spPr>
-          <a:xfrm>
-            <a:off x="6540284" y="1085031"/>
-            <a:ext cx="914400" cy="914400"/>
-          </a:xfrm>
-          <a:prstGeom prst="rect">
-            <a:avLst/>
-          </a:prstGeom>
-        </p:spPr>
-      </p:pic>
-      <p:sp>
-        <p:nvSpPr>
-          <p:cNvPr id="25" name="TextBox 24">
-            <a:extLst>
-              <a:ext uri="{FF2B5EF4-FFF2-40B4-BE49-F238E27FC236}">
-                <a16:creationId xmlns:a16="http://schemas.microsoft.com/office/drawing/2014/main" id="{DA78890C-6354-315B-080E-F82381822FA4}"/>
-              </a:ext>
-            </a:extLst>
-          </p:cNvPr>
-          <p:cNvSpPr txBox="1"/>
-          <p:nvPr/>
-        </p:nvSpPr>
-        <p:spPr>
-          <a:xfrm>
-            <a:off x="2019299" y="1361792"/>
-            <a:ext cx="1962153" cy="338554"/>
-          </a:xfrm>
-          <a:prstGeom prst="rect">
-            <a:avLst/>
-          </a:prstGeom>
-          <a:solidFill>
-            <a:schemeClr val="bg1">
-              <a:lumMod val="95000"/>
-            </a:schemeClr>
-          </a:solidFill>
-          <a:ln w="57150">
-            <a:solidFill>
-              <a:schemeClr val="accent6"/>
-            </a:solidFill>
-          </a:ln>
-        </p:spPr>
-        <p:txBody>
-          <a:bodyPr wrap="square" rtlCol="0">
-            <a:spAutoFit/>
-          </a:bodyPr>
-          <a:lstStyle/>
-          <a:p>
-            <a:r>
-              <a:rPr lang="ko-KR" altLang="en-US" sz="1600" dirty="0">
-                <a:latin typeface="HY헤드라인M" panose="02030600000101010101" pitchFamily="18" charset="-127"/>
-                <a:ea typeface="HY헤드라인M" panose="02030600000101010101" pitchFamily="18" charset="-127"/>
-              </a:rPr>
-              <a:t>근접무기</a:t>
-            </a:r>
-            <a:r>
-              <a:rPr lang="en-US" altLang="ko-KR" sz="1600" dirty="0">
-                <a:latin typeface="HY헤드라인M" panose="02030600000101010101" pitchFamily="18" charset="-127"/>
-                <a:ea typeface="HY헤드라인M" panose="02030600000101010101" pitchFamily="18" charset="-127"/>
-              </a:rPr>
-              <a:t>(</a:t>
-            </a:r>
-            <a:r>
-              <a:rPr lang="ko-KR" altLang="en-US" sz="1600" dirty="0">
-                <a:latin typeface="HY헤드라인M" panose="02030600000101010101" pitchFamily="18" charset="-127"/>
-                <a:ea typeface="HY헤드라인M" panose="02030600000101010101" pitchFamily="18" charset="-127"/>
-              </a:rPr>
-              <a:t>망치 도끼</a:t>
-            </a:r>
-            <a:r>
-              <a:rPr lang="en-US" altLang="ko-KR" sz="1600" dirty="0">
-                <a:latin typeface="HY헤드라인M" panose="02030600000101010101" pitchFamily="18" charset="-127"/>
-                <a:ea typeface="HY헤드라인M" panose="02030600000101010101" pitchFamily="18" charset="-127"/>
-              </a:rPr>
-              <a:t>)</a:t>
-            </a:r>
-          </a:p>
-        </p:txBody>
-      </p:sp>
-      <p:pic>
-        <p:nvPicPr>
-          <p:cNvPr id="18" name="그래픽 17" descr="배지 하트 단색으로 채워진">
-            <a:extLst>
-              <a:ext uri="{FF2B5EF4-FFF2-40B4-BE49-F238E27FC236}">
-                <a16:creationId xmlns:a16="http://schemas.microsoft.com/office/drawing/2014/main" id="{339FB0E6-2C75-A715-F4DF-76BCC9401F77}"/>
-              </a:ext>
-            </a:extLst>
-          </p:cNvPr>
-          <p:cNvPicPr>
-            <a:picLocks noChangeAspect="1"/>
-          </p:cNvPicPr>
-          <p:nvPr/>
-        </p:nvPicPr>
-        <p:blipFill>
-          <a:blip r:embed="rId4">
-            <a:extLst>
-              <a:ext uri="{96DAC541-7B7A-43D3-8B79-37D633B846F1}">
-                <asvg:svgBlip xmlns:asvg="http://schemas.microsoft.com/office/drawing/2016/SVG/main" r:embed="rId5"/>
-              </a:ext>
-            </a:extLst>
-          </a:blip>
-          <a:stretch>
-            <a:fillRect/>
-          </a:stretch>
-        </p:blipFill>
-        <p:spPr>
-          <a:xfrm>
-            <a:off x="3795041" y="1085031"/>
-            <a:ext cx="914400" cy="914400"/>
-          </a:xfrm>
-          <a:prstGeom prst="rect">
-            <a:avLst/>
-          </a:prstGeom>
-        </p:spPr>
-      </p:pic>
-      <p:sp>
-        <p:nvSpPr>
-          <p:cNvPr id="27" name="TextBox 26">
-            <a:extLst>
-              <a:ext uri="{FF2B5EF4-FFF2-40B4-BE49-F238E27FC236}">
-                <a16:creationId xmlns:a16="http://schemas.microsoft.com/office/drawing/2014/main" id="{E08C612E-D6A1-4F52-F5C7-A4335B492E0E}"/>
-              </a:ext>
-            </a:extLst>
-          </p:cNvPr>
-          <p:cNvSpPr txBox="1"/>
-          <p:nvPr/>
-        </p:nvSpPr>
-        <p:spPr>
-          <a:xfrm>
-            <a:off x="8210548" y="1391186"/>
-            <a:ext cx="2114552" cy="338554"/>
-          </a:xfrm>
-          <a:prstGeom prst="rect">
-            <a:avLst/>
-          </a:prstGeom>
-          <a:solidFill>
-            <a:schemeClr val="bg1">
-              <a:lumMod val="95000"/>
-            </a:schemeClr>
-          </a:solidFill>
-          <a:ln w="57150">
-            <a:solidFill>
-              <a:schemeClr val="accent6"/>
-            </a:solidFill>
-          </a:ln>
-        </p:spPr>
-        <p:txBody>
-          <a:bodyPr wrap="square" rtlCol="0">
-            <a:spAutoFit/>
-          </a:bodyPr>
-          <a:lstStyle/>
-          <a:p>
-            <a:r>
-              <a:rPr lang="en-US" altLang="ko-KR" sz="1600" dirty="0">
-                <a:latin typeface="HY헤드라인M" panose="02030600000101010101" pitchFamily="18" charset="-127"/>
-                <a:ea typeface="HY헤드라인M" panose="02030600000101010101" pitchFamily="18" charset="-127"/>
-              </a:rPr>
-              <a:t>10</a:t>
-            </a:r>
-            <a:r>
-              <a:rPr lang="ko-KR" altLang="en-US" sz="1600" dirty="0">
-                <a:latin typeface="HY헤드라인M" panose="02030600000101010101" pitchFamily="18" charset="-127"/>
-                <a:ea typeface="HY헤드라인M" panose="02030600000101010101" pitchFamily="18" charset="-127"/>
-              </a:rPr>
-              <a:t>개의 세대</a:t>
-            </a:r>
-            <a:endParaRPr lang="en-US" altLang="ko-KR" sz="1600" dirty="0">
-              <a:latin typeface="HY헤드라인M" panose="02030600000101010101" pitchFamily="18" charset="-127"/>
-              <a:ea typeface="HY헤드라인M" panose="02030600000101010101" pitchFamily="18" charset="-127"/>
-            </a:endParaRPr>
-          </a:p>
-        </p:txBody>
-      </p:sp>
-      <p:pic>
-        <p:nvPicPr>
-          <p:cNvPr id="22" name="그래픽 21" descr="배지 하트 단색으로 채워진">
-            <a:extLst>
-              <a:ext uri="{FF2B5EF4-FFF2-40B4-BE49-F238E27FC236}">
-                <a16:creationId xmlns:a16="http://schemas.microsoft.com/office/drawing/2014/main" id="{47B6B587-1103-00F5-E9E2-F9CB4EF0C70D}"/>
-              </a:ext>
-            </a:extLst>
-          </p:cNvPr>
-          <p:cNvPicPr>
-            <a:picLocks noChangeAspect="1"/>
-          </p:cNvPicPr>
-          <p:nvPr/>
-        </p:nvPicPr>
-        <p:blipFill>
-          <a:blip r:embed="rId4">
-            <a:extLst>
-              <a:ext uri="{96DAC541-7B7A-43D3-8B79-37D633B846F1}">
-                <asvg:svgBlip xmlns:asvg="http://schemas.microsoft.com/office/drawing/2016/SVG/main" r:embed="rId5"/>
-              </a:ext>
-            </a:extLst>
-          </a:blip>
-          <a:stretch>
-            <a:fillRect/>
-          </a:stretch>
-        </p:blipFill>
-        <p:spPr>
-          <a:xfrm>
-            <a:off x="7452641" y="1073869"/>
-            <a:ext cx="914400" cy="914400"/>
-          </a:xfrm>
-          <a:prstGeom prst="rect">
-            <a:avLst/>
-          </a:prstGeom>
-        </p:spPr>
-      </p:pic>
-    </p:spTree>
-    <p:extLst>
-      <p:ext uri="{BB962C8B-B14F-4D97-AF65-F5344CB8AC3E}">
-        <p14:creationId xmlns:p14="http://schemas.microsoft.com/office/powerpoint/2010/main" val="142982761"/>
-      </p:ext>
-    </p:extLst>
-  </p:cSld>
-  <p:clrMapOvr>
-    <a:masterClrMapping/>
-  </p:clrMapOvr>
-</p:sld>
-</file>
-
-<file path=ppt/slides/slide8.xml><?xml version="1.0" encoding="utf-8"?>
 <p:sld xmlns:a="http://schemas.openxmlformats.org/drawingml/2006/main" xmlns:r="http://schemas.openxmlformats.org/officeDocument/2006/relationships" xmlns:p="http://schemas.openxmlformats.org/presentationml/2006/main">
   <p:cSld>
     <p:spTree>
@@ -15474,7 +13437,7 @@
 </p:sld>
 </file>
 
-<file path=ppt/slides/slide9.xml><?xml version="1.0" encoding="utf-8"?>
+<file path=ppt/slides/slide8.xml><?xml version="1.0" encoding="utf-8"?>
 <p:sld xmlns:a="http://schemas.openxmlformats.org/drawingml/2006/main" xmlns:r="http://schemas.openxmlformats.org/officeDocument/2006/relationships" xmlns:p="http://schemas.openxmlformats.org/presentationml/2006/main">
   <p:cSld>
     <p:bg>
@@ -16052,6 +14015,2659 @@
     <p:extLst>
       <p:ext uri="{BB962C8B-B14F-4D97-AF65-F5344CB8AC3E}">
         <p14:creationId xmlns:p14="http://schemas.microsoft.com/office/powerpoint/2010/main" val="2551495297"/>
+      </p:ext>
+    </p:extLst>
+  </p:cSld>
+  <p:clrMapOvr>
+    <a:masterClrMapping/>
+  </p:clrMapOvr>
+</p:sld>
+</file>
+
+<file path=ppt/slides/slide9.xml><?xml version="1.0" encoding="utf-8"?>
+<p:sld xmlns:a="http://schemas.openxmlformats.org/drawingml/2006/main" xmlns:r="http://schemas.openxmlformats.org/officeDocument/2006/relationships" xmlns:p="http://schemas.openxmlformats.org/presentationml/2006/main">
+  <p:cSld>
+    <p:spTree>
+      <p:nvGrpSpPr>
+        <p:cNvPr id="1" name=""/>
+        <p:cNvGrpSpPr/>
+        <p:nvPr/>
+      </p:nvGrpSpPr>
+      <p:grpSpPr>
+        <a:xfrm>
+          <a:off x="0" y="0"/>
+          <a:ext cx="0" cy="0"/>
+          <a:chOff x="0" y="0"/>
+          <a:chExt cx="0" cy="0"/>
+        </a:xfrm>
+      </p:grpSpPr>
+      <p:pic>
+        <p:nvPicPr>
+          <p:cNvPr id="47" name="그림 46" descr="페인팅, 스케치, 예술, 그림이(가) 표시된 사진&#10;&#10;자동 생성된 설명">
+            <a:extLst>
+              <a:ext uri="{FF2B5EF4-FFF2-40B4-BE49-F238E27FC236}">
+                <a16:creationId xmlns:a16="http://schemas.microsoft.com/office/drawing/2014/main" id="{C7E75FCB-E5A9-30F5-29EA-131112D7BDD7}"/>
+              </a:ext>
+            </a:extLst>
+          </p:cNvPr>
+          <p:cNvPicPr>
+            <a:picLocks noChangeAspect="1"/>
+          </p:cNvPicPr>
+          <p:nvPr/>
+        </p:nvPicPr>
+        <p:blipFill>
+          <a:blip r:embed="rId2">
+            <a:alphaModFix amt="51000"/>
+            <a:extLst>
+              <a:ext uri="{28A0092B-C50C-407E-A947-70E740481C1C}">
+                <a14:useLocalDpi xmlns:a14="http://schemas.microsoft.com/office/drawing/2010/main" val="0"/>
+              </a:ext>
+            </a:extLst>
+          </a:blip>
+          <a:srcRect t="50636" r="1" b="5619"/>
+          <a:stretch/>
+        </p:blipFill>
+        <p:spPr>
+          <a:xfrm>
+            <a:off x="3070" y="0"/>
+            <a:ext cx="12188930" cy="6857990"/>
+          </a:xfrm>
+          <a:prstGeom prst="rect">
+            <a:avLst/>
+          </a:prstGeom>
+        </p:spPr>
+      </p:pic>
+      <p:sp>
+        <p:nvSpPr>
+          <p:cNvPr id="2" name="TextBox 1">
+            <a:extLst>
+              <a:ext uri="{FF2B5EF4-FFF2-40B4-BE49-F238E27FC236}">
+                <a16:creationId xmlns:a16="http://schemas.microsoft.com/office/drawing/2014/main" id="{BA8EB800-0BFD-3C77-3B31-28C9F6621FC5}"/>
+              </a:ext>
+            </a:extLst>
+          </p:cNvPr>
+          <p:cNvSpPr txBox="1"/>
+          <p:nvPr/>
+        </p:nvSpPr>
+        <p:spPr>
+          <a:xfrm>
+            <a:off x="5206861" y="146624"/>
+            <a:ext cx="1415772" cy="369332"/>
+          </a:xfrm>
+          <a:prstGeom prst="rect">
+            <a:avLst/>
+          </a:prstGeom>
+          <a:noFill/>
+          <a:ln w="9525" cap="flat" cmpd="sng" algn="ctr">
+            <a:solidFill>
+              <a:schemeClr val="dk1"/>
+            </a:solidFill>
+            <a:prstDash val="solid"/>
+            <a:round/>
+            <a:headEnd type="none" w="med" len="med"/>
+            <a:tailEnd type="none" w="med" len="med"/>
+          </a:ln>
+        </p:spPr>
+        <p:style>
+          <a:lnRef idx="0">
+            <a:scrgbClr r="0" g="0" b="0"/>
+          </a:lnRef>
+          <a:fillRef idx="0">
+            <a:scrgbClr r="0" g="0" b="0"/>
+          </a:fillRef>
+          <a:effectRef idx="0">
+            <a:scrgbClr r="0" g="0" b="0"/>
+          </a:effectRef>
+          <a:fontRef idx="minor">
+            <a:schemeClr val="dk1"/>
+          </a:fontRef>
+        </p:style>
+        <p:txBody>
+          <a:bodyPr wrap="none" rtlCol="0">
+            <a:spAutoFit/>
+          </a:bodyPr>
+          <a:lstStyle/>
+          <a:p>
+            <a:r>
+              <a:rPr lang="ko-KR" altLang="en-US" dirty="0">
+                <a:latin typeface="HY견고딕" panose="02030600000101010101" pitchFamily="18" charset="-127"/>
+                <a:ea typeface="HY견고딕" panose="02030600000101010101" pitchFamily="18" charset="-127"/>
+              </a:rPr>
+              <a:t>플로우 차트</a:t>
+            </a:r>
+          </a:p>
+        </p:txBody>
+      </p:sp>
+      <p:sp>
+        <p:nvSpPr>
+          <p:cNvPr id="3" name="다이아몬드 2">
+            <a:extLst>
+              <a:ext uri="{FF2B5EF4-FFF2-40B4-BE49-F238E27FC236}">
+                <a16:creationId xmlns:a16="http://schemas.microsoft.com/office/drawing/2014/main" id="{F4C5E67F-5E76-8CA3-F62B-C36D5750974F}"/>
+              </a:ext>
+            </a:extLst>
+          </p:cNvPr>
+          <p:cNvSpPr/>
+          <p:nvPr/>
+        </p:nvSpPr>
+        <p:spPr>
+          <a:xfrm>
+            <a:off x="4297205" y="763051"/>
+            <a:ext cx="3235084" cy="914400"/>
+          </a:xfrm>
+          <a:prstGeom prst="diamond">
+            <a:avLst/>
+          </a:prstGeom>
+        </p:spPr>
+        <p:style>
+          <a:lnRef idx="2">
+            <a:schemeClr val="accent1">
+              <a:shade val="15000"/>
+            </a:schemeClr>
+          </a:lnRef>
+          <a:fillRef idx="1">
+            <a:schemeClr val="accent1"/>
+          </a:fillRef>
+          <a:effectRef idx="0">
+            <a:schemeClr val="accent1"/>
+          </a:effectRef>
+          <a:fontRef idx="minor">
+            <a:schemeClr val="lt1"/>
+          </a:fontRef>
+        </p:style>
+        <p:txBody>
+          <a:bodyPr rtlCol="0" anchor="ctr"/>
+          <a:lstStyle/>
+          <a:p>
+            <a:pPr algn="ctr"/>
+            <a:r>
+              <a:rPr lang="ko-KR" altLang="en-US" sz="1400">
+                <a:latin typeface="프리젠테이션 4 Regular" pitchFamily="2" charset="-127"/>
+                <a:ea typeface="프리젠테이션 4 Regular" pitchFamily="2" charset="-127"/>
+              </a:rPr>
+              <a:t>게임 시작</a:t>
+            </a:r>
+          </a:p>
+        </p:txBody>
+      </p:sp>
+      <p:sp>
+        <p:nvSpPr>
+          <p:cNvPr id="4" name="직사각형 3">
+            <a:extLst>
+              <a:ext uri="{FF2B5EF4-FFF2-40B4-BE49-F238E27FC236}">
+                <a16:creationId xmlns:a16="http://schemas.microsoft.com/office/drawing/2014/main" id="{6AE1B89D-3FBC-95CF-6D2C-319607997D0A}"/>
+              </a:ext>
+            </a:extLst>
+          </p:cNvPr>
+          <p:cNvSpPr/>
+          <p:nvPr/>
+        </p:nvSpPr>
+        <p:spPr>
+          <a:xfrm>
+            <a:off x="4456071" y="1823462"/>
+            <a:ext cx="2781037" cy="914400"/>
+          </a:xfrm>
+          <a:prstGeom prst="rect">
+            <a:avLst/>
+          </a:prstGeom>
+          <a:solidFill>
+            <a:schemeClr val="bg1">
+              <a:lumMod val="95000"/>
+            </a:schemeClr>
+          </a:solidFill>
+        </p:spPr>
+        <p:style>
+          <a:lnRef idx="2">
+            <a:schemeClr val="accent1">
+              <a:shade val="15000"/>
+            </a:schemeClr>
+          </a:lnRef>
+          <a:fillRef idx="1">
+            <a:schemeClr val="accent1"/>
+          </a:fillRef>
+          <a:effectRef idx="0">
+            <a:schemeClr val="accent1"/>
+          </a:effectRef>
+          <a:fontRef idx="minor">
+            <a:schemeClr val="lt1"/>
+          </a:fontRef>
+        </p:style>
+        <p:txBody>
+          <a:bodyPr rtlCol="0" anchor="ctr"/>
+          <a:lstStyle/>
+          <a:p>
+            <a:pPr algn="ctr"/>
+            <a:r>
+              <a:rPr lang="ko-KR" altLang="en-US" sz="1400" dirty="0">
+                <a:solidFill>
+                  <a:schemeClr val="tx1"/>
+                </a:solidFill>
+                <a:latin typeface="프리젠테이션 4 Regular" pitchFamily="2" charset="-127"/>
+                <a:ea typeface="프리젠테이션 4 Regular" pitchFamily="2" charset="-127"/>
+              </a:rPr>
+              <a:t>플레이어 체력</a:t>
+            </a:r>
+            <a:r>
+              <a:rPr lang="en-US" altLang="ko-KR" sz="1400" dirty="0">
+                <a:solidFill>
+                  <a:schemeClr val="tx1"/>
+                </a:solidFill>
+                <a:latin typeface="프리젠테이션 4 Regular" pitchFamily="2" charset="-127"/>
+                <a:ea typeface="프리젠테이션 4 Regular" pitchFamily="2" charset="-127"/>
+              </a:rPr>
+              <a:t>, </a:t>
+            </a:r>
+            <a:r>
+              <a:rPr lang="ko-KR" altLang="en-US" sz="1400" dirty="0">
+                <a:solidFill>
+                  <a:schemeClr val="tx1"/>
+                </a:solidFill>
+                <a:latin typeface="프리젠테이션 4 Regular" pitchFamily="2" charset="-127"/>
+                <a:ea typeface="프리젠테이션 4 Regular" pitchFamily="2" charset="-127"/>
+              </a:rPr>
+              <a:t>위치 </a:t>
+            </a:r>
+            <a:endParaRPr lang="en-US" altLang="ko-KR" sz="1400" dirty="0">
+              <a:solidFill>
+                <a:schemeClr val="tx1"/>
+              </a:solidFill>
+              <a:latin typeface="프리젠테이션 4 Regular" pitchFamily="2" charset="-127"/>
+              <a:ea typeface="프리젠테이션 4 Regular" pitchFamily="2" charset="-127"/>
+            </a:endParaRPr>
+          </a:p>
+          <a:p>
+            <a:pPr algn="ctr"/>
+            <a:r>
+              <a:rPr lang="ko-KR" altLang="en-US" sz="1400" dirty="0">
+                <a:solidFill>
+                  <a:schemeClr val="tx1"/>
+                </a:solidFill>
+                <a:latin typeface="프리젠테이션 4 Regular" pitchFamily="2" charset="-127"/>
+                <a:ea typeface="프리젠테이션 4 Regular" pitchFamily="2" charset="-127"/>
+              </a:rPr>
+              <a:t>초기화</a:t>
+            </a:r>
+          </a:p>
+        </p:txBody>
+      </p:sp>
+      <p:sp>
+        <p:nvSpPr>
+          <p:cNvPr id="5" name="사다리꼴 4">
+            <a:extLst>
+              <a:ext uri="{FF2B5EF4-FFF2-40B4-BE49-F238E27FC236}">
+                <a16:creationId xmlns:a16="http://schemas.microsoft.com/office/drawing/2014/main" id="{706AD74A-46E6-4A46-497D-D489647A8569}"/>
+              </a:ext>
+            </a:extLst>
+          </p:cNvPr>
+          <p:cNvSpPr/>
+          <p:nvPr/>
+        </p:nvSpPr>
+        <p:spPr>
+          <a:xfrm>
+            <a:off x="4592389" y="3036273"/>
+            <a:ext cx="2644719" cy="383102"/>
+          </a:xfrm>
+          <a:prstGeom prst="trapezoid">
+            <a:avLst/>
+          </a:prstGeom>
+          <a:solidFill>
+            <a:schemeClr val="accent4">
+              <a:lumMod val="75000"/>
+            </a:schemeClr>
+          </a:solidFill>
+        </p:spPr>
+        <p:style>
+          <a:lnRef idx="2">
+            <a:schemeClr val="accent1">
+              <a:shade val="15000"/>
+            </a:schemeClr>
+          </a:lnRef>
+          <a:fillRef idx="1">
+            <a:schemeClr val="accent1"/>
+          </a:fillRef>
+          <a:effectRef idx="0">
+            <a:schemeClr val="accent1"/>
+          </a:effectRef>
+          <a:fontRef idx="minor">
+            <a:schemeClr val="lt1"/>
+          </a:fontRef>
+        </p:style>
+        <p:txBody>
+          <a:bodyPr rtlCol="0" anchor="ctr"/>
+          <a:lstStyle/>
+          <a:p>
+            <a:pPr algn="ctr"/>
+            <a:r>
+              <a:rPr lang="ko-KR" altLang="en-US" sz="1400" dirty="0">
+                <a:latin typeface="프리젠테이션 4 Regular" pitchFamily="2" charset="-127"/>
+                <a:ea typeface="프리젠테이션 4 Regular" pitchFamily="2" charset="-127"/>
+              </a:rPr>
+              <a:t>적 </a:t>
+            </a:r>
+            <a:r>
+              <a:rPr lang="ko-KR" altLang="en-US" sz="1400" dirty="0" err="1">
+                <a:latin typeface="프리젠테이션 4 Regular" pitchFamily="2" charset="-127"/>
+                <a:ea typeface="프리젠테이션 4 Regular" pitchFamily="2" charset="-127"/>
+              </a:rPr>
+              <a:t>저치</a:t>
+            </a:r>
+            <a:r>
+              <a:rPr lang="ko-KR" altLang="en-US" sz="1400" dirty="0">
+                <a:latin typeface="프리젠테이션 4 Regular" pitchFamily="2" charset="-127"/>
+                <a:ea typeface="프리젠테이션 4 Regular" pitchFamily="2" charset="-127"/>
+              </a:rPr>
+              <a:t> 시</a:t>
+            </a:r>
+          </a:p>
+        </p:txBody>
+      </p:sp>
+      <p:sp>
+        <p:nvSpPr>
+          <p:cNvPr id="6" name="직사각형 5">
+            <a:extLst>
+              <a:ext uri="{FF2B5EF4-FFF2-40B4-BE49-F238E27FC236}">
+                <a16:creationId xmlns:a16="http://schemas.microsoft.com/office/drawing/2014/main" id="{9D7CCEE5-73C0-70D6-AFED-905F2A5FD7FC}"/>
+              </a:ext>
+            </a:extLst>
+          </p:cNvPr>
+          <p:cNvSpPr/>
+          <p:nvPr/>
+        </p:nvSpPr>
+        <p:spPr>
+          <a:xfrm>
+            <a:off x="4524229" y="3483046"/>
+            <a:ext cx="2781037" cy="383102"/>
+          </a:xfrm>
+          <a:prstGeom prst="rect">
+            <a:avLst/>
+          </a:prstGeom>
+          <a:solidFill>
+            <a:schemeClr val="bg1">
+              <a:lumMod val="95000"/>
+              <a:alpha val="47000"/>
+            </a:schemeClr>
+          </a:solidFill>
+        </p:spPr>
+        <p:style>
+          <a:lnRef idx="2">
+            <a:schemeClr val="accent1">
+              <a:shade val="15000"/>
+            </a:schemeClr>
+          </a:lnRef>
+          <a:fillRef idx="1">
+            <a:schemeClr val="accent1"/>
+          </a:fillRef>
+          <a:effectRef idx="0">
+            <a:schemeClr val="accent1"/>
+          </a:effectRef>
+          <a:fontRef idx="minor">
+            <a:schemeClr val="lt1"/>
+          </a:fontRef>
+        </p:style>
+        <p:txBody>
+          <a:bodyPr rtlCol="0" anchor="ctr"/>
+          <a:lstStyle/>
+          <a:p>
+            <a:pPr algn="ctr"/>
+            <a:r>
+              <a:rPr lang="ko-KR" altLang="en-US" sz="1400" dirty="0">
+                <a:solidFill>
+                  <a:schemeClr val="tx1"/>
+                </a:solidFill>
+                <a:latin typeface="프리젠테이션 4 Regular" pitchFamily="2" charset="-127"/>
+                <a:ea typeface="프리젠테이션 4 Regular" pitchFamily="2" charset="-127"/>
+              </a:rPr>
+              <a:t>골드 획득</a:t>
+            </a:r>
+          </a:p>
+        </p:txBody>
+      </p:sp>
+      <p:cxnSp>
+        <p:nvCxnSpPr>
+          <p:cNvPr id="7" name="직선 연결선 6">
+            <a:extLst>
+              <a:ext uri="{FF2B5EF4-FFF2-40B4-BE49-F238E27FC236}">
+                <a16:creationId xmlns:a16="http://schemas.microsoft.com/office/drawing/2014/main" id="{CA574066-24BF-82EA-4B1E-F1E3474CDC2F}"/>
+              </a:ext>
+            </a:extLst>
+          </p:cNvPr>
+          <p:cNvCxnSpPr>
+            <a:cxnSpLocks/>
+            <a:stCxn id="28" idx="3"/>
+            <a:endCxn id="24" idx="1"/>
+          </p:cNvCxnSpPr>
+          <p:nvPr/>
+        </p:nvCxnSpPr>
+        <p:spPr>
+          <a:xfrm>
+            <a:off x="7326202" y="4285391"/>
+            <a:ext cx="1051486" cy="918077"/>
+          </a:xfrm>
+          <a:prstGeom prst="line">
+            <a:avLst/>
+          </a:prstGeom>
+        </p:spPr>
+        <p:style>
+          <a:lnRef idx="2">
+            <a:schemeClr val="accent1"/>
+          </a:lnRef>
+          <a:fillRef idx="0">
+            <a:schemeClr val="accent1"/>
+          </a:fillRef>
+          <a:effectRef idx="1">
+            <a:schemeClr val="accent1"/>
+          </a:effectRef>
+          <a:fontRef idx="minor">
+            <a:schemeClr val="tx1"/>
+          </a:fontRef>
+        </p:style>
+      </p:cxnSp>
+      <p:cxnSp>
+        <p:nvCxnSpPr>
+          <p:cNvPr id="8" name="직선 연결선 7">
+            <a:extLst>
+              <a:ext uri="{FF2B5EF4-FFF2-40B4-BE49-F238E27FC236}">
+                <a16:creationId xmlns:a16="http://schemas.microsoft.com/office/drawing/2014/main" id="{A9430E8C-034F-E86A-55F7-ADDA35051BD4}"/>
+              </a:ext>
+            </a:extLst>
+          </p:cNvPr>
+          <p:cNvCxnSpPr>
+            <a:cxnSpLocks/>
+            <a:stCxn id="28" idx="3"/>
+            <a:endCxn id="10" idx="1"/>
+          </p:cNvCxnSpPr>
+          <p:nvPr/>
+        </p:nvCxnSpPr>
+        <p:spPr>
+          <a:xfrm flipV="1">
+            <a:off x="7326202" y="3124347"/>
+            <a:ext cx="1016444" cy="1161044"/>
+          </a:xfrm>
+          <a:prstGeom prst="line">
+            <a:avLst/>
+          </a:prstGeom>
+        </p:spPr>
+        <p:style>
+          <a:lnRef idx="2">
+            <a:schemeClr val="accent1"/>
+          </a:lnRef>
+          <a:fillRef idx="0">
+            <a:schemeClr val="accent1"/>
+          </a:fillRef>
+          <a:effectRef idx="1">
+            <a:schemeClr val="accent1"/>
+          </a:effectRef>
+          <a:fontRef idx="minor">
+            <a:schemeClr val="tx1"/>
+          </a:fontRef>
+        </p:style>
+      </p:cxnSp>
+      <p:cxnSp>
+        <p:nvCxnSpPr>
+          <p:cNvPr id="9" name="직선 연결선 8">
+            <a:extLst>
+              <a:ext uri="{FF2B5EF4-FFF2-40B4-BE49-F238E27FC236}">
+                <a16:creationId xmlns:a16="http://schemas.microsoft.com/office/drawing/2014/main" id="{D576544A-0055-3543-A37A-DBB8303F2403}"/>
+              </a:ext>
+            </a:extLst>
+          </p:cNvPr>
+          <p:cNvCxnSpPr>
+            <a:cxnSpLocks/>
+            <a:stCxn id="28" idx="3"/>
+            <a:endCxn id="20" idx="1"/>
+          </p:cNvCxnSpPr>
+          <p:nvPr/>
+        </p:nvCxnSpPr>
+        <p:spPr>
+          <a:xfrm flipV="1">
+            <a:off x="7326202" y="4134515"/>
+            <a:ext cx="1016444" cy="150876"/>
+          </a:xfrm>
+          <a:prstGeom prst="line">
+            <a:avLst/>
+          </a:prstGeom>
+        </p:spPr>
+        <p:style>
+          <a:lnRef idx="2">
+            <a:schemeClr val="accent1"/>
+          </a:lnRef>
+          <a:fillRef idx="0">
+            <a:schemeClr val="accent1"/>
+          </a:fillRef>
+          <a:effectRef idx="1">
+            <a:schemeClr val="accent1"/>
+          </a:effectRef>
+          <a:fontRef idx="minor">
+            <a:schemeClr val="tx1"/>
+          </a:fontRef>
+        </p:style>
+      </p:cxnSp>
+      <p:sp>
+        <p:nvSpPr>
+          <p:cNvPr id="10" name="직사각형 9">
+            <a:extLst>
+              <a:ext uri="{FF2B5EF4-FFF2-40B4-BE49-F238E27FC236}">
+                <a16:creationId xmlns:a16="http://schemas.microsoft.com/office/drawing/2014/main" id="{E7BE8FB8-3751-76FB-AA4D-76C6E5B1282D}"/>
+              </a:ext>
+            </a:extLst>
+          </p:cNvPr>
+          <p:cNvSpPr/>
+          <p:nvPr/>
+        </p:nvSpPr>
+        <p:spPr>
+          <a:xfrm>
+            <a:off x="8342646" y="2667147"/>
+            <a:ext cx="2781037" cy="914400"/>
+          </a:xfrm>
+          <a:prstGeom prst="rect">
+            <a:avLst/>
+          </a:prstGeom>
+          <a:solidFill>
+            <a:schemeClr val="bg1"/>
+          </a:solidFill>
+        </p:spPr>
+        <p:style>
+          <a:lnRef idx="2">
+            <a:schemeClr val="accent1">
+              <a:shade val="15000"/>
+            </a:schemeClr>
+          </a:lnRef>
+          <a:fillRef idx="1">
+            <a:schemeClr val="accent1"/>
+          </a:fillRef>
+          <a:effectRef idx="0">
+            <a:schemeClr val="accent1"/>
+          </a:effectRef>
+          <a:fontRef idx="minor">
+            <a:schemeClr val="lt1"/>
+          </a:fontRef>
+        </p:style>
+        <p:txBody>
+          <a:bodyPr rtlCol="0" anchor="ctr"/>
+          <a:lstStyle/>
+          <a:p>
+            <a:pPr algn="ctr"/>
+            <a:r>
+              <a:rPr lang="ko-KR" altLang="en-US" sz="1400" dirty="0" err="1">
+                <a:solidFill>
+                  <a:schemeClr val="tx1"/>
+                </a:solidFill>
+                <a:latin typeface="프리젠테이션 4 Regular" pitchFamily="2" charset="-127"/>
+                <a:ea typeface="프리젠테이션 4 Regular" pitchFamily="2" charset="-127"/>
+              </a:rPr>
+              <a:t>스탯</a:t>
+            </a:r>
+            <a:r>
+              <a:rPr lang="ko-KR" altLang="en-US" sz="1400" dirty="0">
+                <a:solidFill>
+                  <a:schemeClr val="tx1"/>
+                </a:solidFill>
+                <a:latin typeface="프리젠테이션 4 Regular" pitchFamily="2" charset="-127"/>
+                <a:ea typeface="프리젠테이션 4 Regular" pitchFamily="2" charset="-127"/>
+              </a:rPr>
+              <a:t> 강화</a:t>
+            </a:r>
+          </a:p>
+        </p:txBody>
+      </p:sp>
+      <p:grpSp>
+        <p:nvGrpSpPr>
+          <p:cNvPr id="11" name="그룹 10">
+            <a:extLst>
+              <a:ext uri="{FF2B5EF4-FFF2-40B4-BE49-F238E27FC236}">
+                <a16:creationId xmlns:a16="http://schemas.microsoft.com/office/drawing/2014/main" id="{08F34F98-A542-C1A3-7E44-3EA4558897DA}"/>
+              </a:ext>
+            </a:extLst>
+          </p:cNvPr>
+          <p:cNvGrpSpPr/>
+          <p:nvPr/>
+        </p:nvGrpSpPr>
+        <p:grpSpPr>
+          <a:xfrm>
+            <a:off x="10355768" y="2189546"/>
+            <a:ext cx="702798" cy="702798"/>
+            <a:chOff x="9773223" y="1603353"/>
+            <a:chExt cx="1108495" cy="1108495"/>
+          </a:xfrm>
+        </p:grpSpPr>
+        <p:sp>
+          <p:nvSpPr>
+            <p:cNvPr id="12" name="직사각형 11">
+              <a:extLst>
+                <a:ext uri="{FF2B5EF4-FFF2-40B4-BE49-F238E27FC236}">
+                  <a16:creationId xmlns:a16="http://schemas.microsoft.com/office/drawing/2014/main" id="{E160911A-EECB-02D3-72E0-B1C36F06D280}"/>
+                </a:ext>
+              </a:extLst>
+            </p:cNvPr>
+            <p:cNvSpPr/>
+            <p:nvPr/>
+          </p:nvSpPr>
+          <p:spPr>
+            <a:xfrm>
+              <a:off x="9773223" y="1603353"/>
+              <a:ext cx="1108495" cy="1108495"/>
+            </a:xfrm>
+            <a:prstGeom prst="rect">
+              <a:avLst/>
+            </a:prstGeom>
+            <a:solidFill>
+              <a:schemeClr val="accent6">
+                <a:lumMod val="40000"/>
+                <a:lumOff val="60000"/>
+              </a:schemeClr>
+            </a:solidFill>
+            <a:ln>
+              <a:solidFill>
+                <a:schemeClr val="tx1"/>
+              </a:solidFill>
+            </a:ln>
+          </p:spPr>
+          <p:style>
+            <a:lnRef idx="2">
+              <a:schemeClr val="accent1">
+                <a:shade val="15000"/>
+              </a:schemeClr>
+            </a:lnRef>
+            <a:fillRef idx="1">
+              <a:schemeClr val="accent1"/>
+            </a:fillRef>
+            <a:effectRef idx="0">
+              <a:schemeClr val="accent1"/>
+            </a:effectRef>
+            <a:fontRef idx="minor">
+              <a:schemeClr val="lt1"/>
+            </a:fontRef>
+          </p:style>
+          <p:txBody>
+            <a:bodyPr rtlCol="0" anchor="ctr"/>
+            <a:lstStyle/>
+            <a:p>
+              <a:pPr algn="ctr"/>
+              <a:endParaRPr lang="ko-KR" altLang="en-US" sz="1400">
+                <a:latin typeface="프리젠테이션 4 Regular" pitchFamily="2" charset="-127"/>
+                <a:ea typeface="프리젠테이션 4 Regular" pitchFamily="2" charset="-127"/>
+              </a:endParaRPr>
+            </a:p>
+          </p:txBody>
+        </p:sp>
+        <p:pic>
+          <p:nvPicPr>
+            <p:cNvPr id="13" name="그림 12" descr="블랙, 어둠이(가) 표시된 사진&#10;&#10;자동 생성된 설명">
+              <a:extLst>
+                <a:ext uri="{FF2B5EF4-FFF2-40B4-BE49-F238E27FC236}">
+                  <a16:creationId xmlns:a16="http://schemas.microsoft.com/office/drawing/2014/main" id="{734EAA02-EF9C-FE9F-5A4B-249A0FF5EEBD}"/>
+                </a:ext>
+              </a:extLst>
+            </p:cNvPr>
+            <p:cNvPicPr>
+              <a:picLocks noChangeAspect="1"/>
+            </p:cNvPicPr>
+            <p:nvPr/>
+          </p:nvPicPr>
+          <p:blipFill>
+            <a:blip r:embed="rId3">
+              <a:extLst>
+                <a:ext uri="{28A0092B-C50C-407E-A947-70E740481C1C}">
+                  <a14:useLocalDpi xmlns:a14="http://schemas.microsoft.com/office/drawing/2010/main" val="0"/>
+                </a:ext>
+              </a:extLst>
+            </a:blip>
+            <a:stretch>
+              <a:fillRect/>
+            </a:stretch>
+          </p:blipFill>
+          <p:spPr>
+            <a:xfrm>
+              <a:off x="9877470" y="1728924"/>
+              <a:ext cx="899999" cy="899999"/>
+            </a:xfrm>
+            <a:prstGeom prst="rect">
+              <a:avLst/>
+            </a:prstGeom>
+          </p:spPr>
+        </p:pic>
+      </p:grpSp>
+      <p:grpSp>
+        <p:nvGrpSpPr>
+          <p:cNvPr id="14" name="그룹 13">
+            <a:extLst>
+              <a:ext uri="{FF2B5EF4-FFF2-40B4-BE49-F238E27FC236}">
+                <a16:creationId xmlns:a16="http://schemas.microsoft.com/office/drawing/2014/main" id="{C933598B-E681-580E-E035-E9FAD343C035}"/>
+              </a:ext>
+            </a:extLst>
+          </p:cNvPr>
+          <p:cNvGrpSpPr/>
+          <p:nvPr/>
+        </p:nvGrpSpPr>
+        <p:grpSpPr>
+          <a:xfrm>
+            <a:off x="8420401" y="2279815"/>
+            <a:ext cx="657710" cy="657710"/>
+            <a:chOff x="7556233" y="3820343"/>
+            <a:chExt cx="1108495" cy="1108495"/>
+          </a:xfrm>
+        </p:grpSpPr>
+        <p:sp>
+          <p:nvSpPr>
+            <p:cNvPr id="15" name="직사각형 14">
+              <a:extLst>
+                <a:ext uri="{FF2B5EF4-FFF2-40B4-BE49-F238E27FC236}">
+                  <a16:creationId xmlns:a16="http://schemas.microsoft.com/office/drawing/2014/main" id="{EC60877B-FC4F-1A3B-822D-0AA657C702C1}"/>
+                </a:ext>
+              </a:extLst>
+            </p:cNvPr>
+            <p:cNvSpPr/>
+            <p:nvPr/>
+          </p:nvSpPr>
+          <p:spPr>
+            <a:xfrm>
+              <a:off x="7556233" y="3820343"/>
+              <a:ext cx="1108495" cy="1108495"/>
+            </a:xfrm>
+            <a:prstGeom prst="rect">
+              <a:avLst/>
+            </a:prstGeom>
+            <a:solidFill>
+              <a:schemeClr val="accent6">
+                <a:lumMod val="40000"/>
+                <a:lumOff val="60000"/>
+              </a:schemeClr>
+            </a:solidFill>
+            <a:ln>
+              <a:solidFill>
+                <a:schemeClr val="tx1"/>
+              </a:solidFill>
+            </a:ln>
+          </p:spPr>
+          <p:style>
+            <a:lnRef idx="2">
+              <a:schemeClr val="accent1">
+                <a:shade val="15000"/>
+              </a:schemeClr>
+            </a:lnRef>
+            <a:fillRef idx="1">
+              <a:schemeClr val="accent1"/>
+            </a:fillRef>
+            <a:effectRef idx="0">
+              <a:schemeClr val="accent1"/>
+            </a:effectRef>
+            <a:fontRef idx="minor">
+              <a:schemeClr val="lt1"/>
+            </a:fontRef>
+          </p:style>
+          <p:txBody>
+            <a:bodyPr rtlCol="0" anchor="ctr"/>
+            <a:lstStyle/>
+            <a:p>
+              <a:pPr algn="ctr"/>
+              <a:endParaRPr lang="ko-KR" altLang="en-US" sz="1400">
+                <a:latin typeface="프리젠테이션 4 Regular" pitchFamily="2" charset="-127"/>
+                <a:ea typeface="프리젠테이션 4 Regular" pitchFamily="2" charset="-127"/>
+              </a:endParaRPr>
+            </a:p>
+          </p:txBody>
+        </p:sp>
+        <p:pic>
+          <p:nvPicPr>
+            <p:cNvPr id="16" name="그림 15" descr="블랙, 어둠이(가) 표시된 사진&#10;&#10;자동 생성된 설명">
+              <a:extLst>
+                <a:ext uri="{FF2B5EF4-FFF2-40B4-BE49-F238E27FC236}">
+                  <a16:creationId xmlns:a16="http://schemas.microsoft.com/office/drawing/2014/main" id="{620D5E55-9BFE-E709-E4F4-A2E75EE76BCE}"/>
+                </a:ext>
+              </a:extLst>
+            </p:cNvPr>
+            <p:cNvPicPr>
+              <a:picLocks noChangeAspect="1"/>
+            </p:cNvPicPr>
+            <p:nvPr/>
+          </p:nvPicPr>
+          <p:blipFill>
+            <a:blip r:embed="rId4">
+              <a:extLst>
+                <a:ext uri="{28A0092B-C50C-407E-A947-70E740481C1C}">
+                  <a14:useLocalDpi xmlns:a14="http://schemas.microsoft.com/office/drawing/2010/main" val="0"/>
+                </a:ext>
+              </a:extLst>
+            </a:blip>
+            <a:stretch>
+              <a:fillRect/>
+            </a:stretch>
+          </p:blipFill>
+          <p:spPr>
+            <a:xfrm>
+              <a:off x="7852407" y="4111722"/>
+              <a:ext cx="525737" cy="525737"/>
+            </a:xfrm>
+            <a:prstGeom prst="rect">
+              <a:avLst/>
+            </a:prstGeom>
+          </p:spPr>
+        </p:pic>
+      </p:grpSp>
+      <p:grpSp>
+        <p:nvGrpSpPr>
+          <p:cNvPr id="17" name="그룹 16">
+            <a:extLst>
+              <a:ext uri="{FF2B5EF4-FFF2-40B4-BE49-F238E27FC236}">
+                <a16:creationId xmlns:a16="http://schemas.microsoft.com/office/drawing/2014/main" id="{35181F52-261A-D92E-F3D3-5D6E0669EFF8}"/>
+              </a:ext>
+            </a:extLst>
+          </p:cNvPr>
+          <p:cNvGrpSpPr/>
+          <p:nvPr/>
+        </p:nvGrpSpPr>
+        <p:grpSpPr>
+          <a:xfrm>
+            <a:off x="9403268" y="2279815"/>
+            <a:ext cx="657710" cy="657710"/>
+            <a:chOff x="9773223" y="3820343"/>
+            <a:chExt cx="1108495" cy="1108495"/>
+          </a:xfrm>
+        </p:grpSpPr>
+        <p:sp>
+          <p:nvSpPr>
+            <p:cNvPr id="18" name="직사각형 17">
+              <a:extLst>
+                <a:ext uri="{FF2B5EF4-FFF2-40B4-BE49-F238E27FC236}">
+                  <a16:creationId xmlns:a16="http://schemas.microsoft.com/office/drawing/2014/main" id="{F6DF1B18-5821-ED3F-B056-8B16B1AB4187}"/>
+                </a:ext>
+              </a:extLst>
+            </p:cNvPr>
+            <p:cNvSpPr/>
+            <p:nvPr/>
+          </p:nvSpPr>
+          <p:spPr>
+            <a:xfrm>
+              <a:off x="9773223" y="3820343"/>
+              <a:ext cx="1108495" cy="1108495"/>
+            </a:xfrm>
+            <a:prstGeom prst="rect">
+              <a:avLst/>
+            </a:prstGeom>
+            <a:solidFill>
+              <a:schemeClr val="accent6">
+                <a:lumMod val="40000"/>
+                <a:lumOff val="60000"/>
+              </a:schemeClr>
+            </a:solidFill>
+            <a:ln>
+              <a:solidFill>
+                <a:schemeClr val="tx1"/>
+              </a:solidFill>
+            </a:ln>
+          </p:spPr>
+          <p:style>
+            <a:lnRef idx="2">
+              <a:schemeClr val="accent1">
+                <a:shade val="15000"/>
+              </a:schemeClr>
+            </a:lnRef>
+            <a:fillRef idx="1">
+              <a:schemeClr val="accent1"/>
+            </a:fillRef>
+            <a:effectRef idx="0">
+              <a:schemeClr val="accent1"/>
+            </a:effectRef>
+            <a:fontRef idx="minor">
+              <a:schemeClr val="lt1"/>
+            </a:fontRef>
+          </p:style>
+          <p:txBody>
+            <a:bodyPr rtlCol="0" anchor="ctr"/>
+            <a:lstStyle/>
+            <a:p>
+              <a:pPr algn="ctr"/>
+              <a:endParaRPr lang="ko-KR" altLang="en-US" sz="1400" dirty="0">
+                <a:latin typeface="프리젠테이션 4 Regular" pitchFamily="2" charset="-127"/>
+                <a:ea typeface="프리젠테이션 4 Regular" pitchFamily="2" charset="-127"/>
+              </a:endParaRPr>
+            </a:p>
+          </p:txBody>
+        </p:sp>
+        <p:pic>
+          <p:nvPicPr>
+            <p:cNvPr id="19" name="그림 18" descr="블랙, 어둠이(가) 표시된 사진&#10;&#10;자동 생성된 설명">
+              <a:extLst>
+                <a:ext uri="{FF2B5EF4-FFF2-40B4-BE49-F238E27FC236}">
+                  <a16:creationId xmlns:a16="http://schemas.microsoft.com/office/drawing/2014/main" id="{2A6585FB-0DB2-DDDB-AAE3-DD76DFAFF0B7}"/>
+                </a:ext>
+              </a:extLst>
+            </p:cNvPr>
+            <p:cNvPicPr>
+              <a:picLocks noChangeAspect="1"/>
+            </p:cNvPicPr>
+            <p:nvPr/>
+          </p:nvPicPr>
+          <p:blipFill>
+            <a:blip r:embed="rId5">
+              <a:extLst>
+                <a:ext uri="{28A0092B-C50C-407E-A947-70E740481C1C}">
+                  <a14:useLocalDpi xmlns:a14="http://schemas.microsoft.com/office/drawing/2010/main" val="0"/>
+                </a:ext>
+              </a:extLst>
+            </a:blip>
+            <a:stretch>
+              <a:fillRect/>
+            </a:stretch>
+          </p:blipFill>
+          <p:spPr>
+            <a:xfrm>
+              <a:off x="9945204" y="4003068"/>
+              <a:ext cx="886163" cy="886163"/>
+            </a:xfrm>
+            <a:prstGeom prst="rect">
+              <a:avLst/>
+            </a:prstGeom>
+          </p:spPr>
+        </p:pic>
+      </p:grpSp>
+      <p:sp>
+        <p:nvSpPr>
+          <p:cNvPr id="20" name="직사각형 19">
+            <a:extLst>
+              <a:ext uri="{FF2B5EF4-FFF2-40B4-BE49-F238E27FC236}">
+                <a16:creationId xmlns:a16="http://schemas.microsoft.com/office/drawing/2014/main" id="{AF14328D-78C2-AEC2-7E43-31C430DC4089}"/>
+              </a:ext>
+            </a:extLst>
+          </p:cNvPr>
+          <p:cNvSpPr/>
+          <p:nvPr/>
+        </p:nvSpPr>
+        <p:spPr>
+          <a:xfrm>
+            <a:off x="8342646" y="3677315"/>
+            <a:ext cx="2781037" cy="914400"/>
+          </a:xfrm>
+          <a:prstGeom prst="rect">
+            <a:avLst/>
+          </a:prstGeom>
+          <a:solidFill>
+            <a:schemeClr val="bg1"/>
+          </a:solidFill>
+        </p:spPr>
+        <p:style>
+          <a:lnRef idx="2">
+            <a:schemeClr val="accent1">
+              <a:shade val="15000"/>
+            </a:schemeClr>
+          </a:lnRef>
+          <a:fillRef idx="1">
+            <a:schemeClr val="accent1"/>
+          </a:fillRef>
+          <a:effectRef idx="0">
+            <a:schemeClr val="accent1"/>
+          </a:effectRef>
+          <a:fontRef idx="minor">
+            <a:schemeClr val="lt1"/>
+          </a:fontRef>
+        </p:style>
+        <p:txBody>
+          <a:bodyPr rtlCol="0" anchor="ctr"/>
+          <a:lstStyle/>
+          <a:p>
+            <a:pPr algn="ctr"/>
+            <a:r>
+              <a:rPr lang="ko-KR" altLang="en-US" sz="1400" dirty="0">
+                <a:solidFill>
+                  <a:schemeClr val="tx1"/>
+                </a:solidFill>
+                <a:latin typeface="프리젠테이션 4 Regular" pitchFamily="2" charset="-127"/>
+                <a:ea typeface="프리젠테이션 4 Regular" pitchFamily="2" charset="-127"/>
+              </a:rPr>
+              <a:t>마을 발전</a:t>
+            </a:r>
+          </a:p>
+        </p:txBody>
+      </p:sp>
+      <p:grpSp>
+        <p:nvGrpSpPr>
+          <p:cNvPr id="21" name="그룹 20">
+            <a:extLst>
+              <a:ext uri="{FF2B5EF4-FFF2-40B4-BE49-F238E27FC236}">
+                <a16:creationId xmlns:a16="http://schemas.microsoft.com/office/drawing/2014/main" id="{E1BFEA6F-4B0D-F932-346C-0D11DC9D686E}"/>
+              </a:ext>
+            </a:extLst>
+          </p:cNvPr>
+          <p:cNvGrpSpPr/>
+          <p:nvPr/>
+        </p:nvGrpSpPr>
+        <p:grpSpPr>
+          <a:xfrm>
+            <a:off x="10421862" y="3476805"/>
+            <a:ext cx="657710" cy="657710"/>
+            <a:chOff x="7556233" y="1603353"/>
+            <a:chExt cx="1108495" cy="1108495"/>
+          </a:xfrm>
+        </p:grpSpPr>
+        <p:sp>
+          <p:nvSpPr>
+            <p:cNvPr id="22" name="직사각형 21">
+              <a:extLst>
+                <a:ext uri="{FF2B5EF4-FFF2-40B4-BE49-F238E27FC236}">
+                  <a16:creationId xmlns:a16="http://schemas.microsoft.com/office/drawing/2014/main" id="{1152425D-AE92-658E-ADDF-FA2151CD69DB}"/>
+                </a:ext>
+              </a:extLst>
+            </p:cNvPr>
+            <p:cNvSpPr/>
+            <p:nvPr/>
+          </p:nvSpPr>
+          <p:spPr>
+            <a:xfrm>
+              <a:off x="7556233" y="1603353"/>
+              <a:ext cx="1108495" cy="1108495"/>
+            </a:xfrm>
+            <a:prstGeom prst="rect">
+              <a:avLst/>
+            </a:prstGeom>
+            <a:solidFill>
+              <a:srgbClr val="0070C0"/>
+            </a:solidFill>
+            <a:ln>
+              <a:solidFill>
+                <a:schemeClr val="tx1"/>
+              </a:solidFill>
+            </a:ln>
+          </p:spPr>
+          <p:style>
+            <a:lnRef idx="2">
+              <a:schemeClr val="accent1">
+                <a:shade val="15000"/>
+              </a:schemeClr>
+            </a:lnRef>
+            <a:fillRef idx="1">
+              <a:schemeClr val="accent1"/>
+            </a:fillRef>
+            <a:effectRef idx="0">
+              <a:schemeClr val="accent1"/>
+            </a:effectRef>
+            <a:fontRef idx="minor">
+              <a:schemeClr val="lt1"/>
+            </a:fontRef>
+          </p:style>
+          <p:txBody>
+            <a:bodyPr rtlCol="0" anchor="ctr"/>
+            <a:lstStyle/>
+            <a:p>
+              <a:pPr algn="ctr"/>
+              <a:endParaRPr lang="ko-KR" altLang="en-US" sz="1400">
+                <a:latin typeface="프리젠테이션 4 Regular" pitchFamily="2" charset="-127"/>
+                <a:ea typeface="프리젠테이션 4 Regular" pitchFamily="2" charset="-127"/>
+              </a:endParaRPr>
+            </a:p>
+          </p:txBody>
+        </p:sp>
+        <p:pic>
+          <p:nvPicPr>
+            <p:cNvPr id="23" name="그림 22" descr="블랙, 어둠이(가) 표시된 사진&#10;&#10;자동 생성된 설명">
+              <a:extLst>
+                <a:ext uri="{FF2B5EF4-FFF2-40B4-BE49-F238E27FC236}">
+                  <a16:creationId xmlns:a16="http://schemas.microsoft.com/office/drawing/2014/main" id="{FBCA720F-5C8E-6523-1087-0F95AA1E02B8}"/>
+                </a:ext>
+              </a:extLst>
+            </p:cNvPr>
+            <p:cNvPicPr>
+              <a:picLocks noChangeAspect="1"/>
+            </p:cNvPicPr>
+            <p:nvPr/>
+          </p:nvPicPr>
+          <p:blipFill>
+            <a:blip r:embed="rId6">
+              <a:extLst>
+                <a:ext uri="{28A0092B-C50C-407E-A947-70E740481C1C}">
+                  <a14:useLocalDpi xmlns:a14="http://schemas.microsoft.com/office/drawing/2010/main" val="0"/>
+                </a:ext>
+              </a:extLst>
+            </a:blip>
+            <a:stretch>
+              <a:fillRect/>
+            </a:stretch>
+          </p:blipFill>
+          <p:spPr>
+            <a:xfrm>
+              <a:off x="7701416" y="1840560"/>
+              <a:ext cx="676728" cy="676728"/>
+            </a:xfrm>
+            <a:prstGeom prst="rect">
+              <a:avLst/>
+            </a:prstGeom>
+          </p:spPr>
+        </p:pic>
+      </p:grpSp>
+      <p:sp>
+        <p:nvSpPr>
+          <p:cNvPr id="24" name="직사각형 23">
+            <a:extLst>
+              <a:ext uri="{FF2B5EF4-FFF2-40B4-BE49-F238E27FC236}">
+                <a16:creationId xmlns:a16="http://schemas.microsoft.com/office/drawing/2014/main" id="{812B1053-99F8-BB58-8F6E-F75715CB6615}"/>
+              </a:ext>
+            </a:extLst>
+          </p:cNvPr>
+          <p:cNvSpPr/>
+          <p:nvPr/>
+        </p:nvSpPr>
+        <p:spPr>
+          <a:xfrm>
+            <a:off x="8377688" y="4746268"/>
+            <a:ext cx="2781037" cy="914400"/>
+          </a:xfrm>
+          <a:prstGeom prst="rect">
+            <a:avLst/>
+          </a:prstGeom>
+          <a:solidFill>
+            <a:schemeClr val="bg1"/>
+          </a:solidFill>
+        </p:spPr>
+        <p:style>
+          <a:lnRef idx="2">
+            <a:schemeClr val="accent1">
+              <a:shade val="15000"/>
+            </a:schemeClr>
+          </a:lnRef>
+          <a:fillRef idx="1">
+            <a:schemeClr val="accent1"/>
+          </a:fillRef>
+          <a:effectRef idx="0">
+            <a:schemeClr val="accent1"/>
+          </a:effectRef>
+          <a:fontRef idx="minor">
+            <a:schemeClr val="lt1"/>
+          </a:fontRef>
+        </p:style>
+        <p:txBody>
+          <a:bodyPr rtlCol="0" anchor="ctr"/>
+          <a:lstStyle/>
+          <a:p>
+            <a:pPr algn="ctr"/>
+            <a:r>
+              <a:rPr lang="ko-KR" altLang="en-US" sz="1400" dirty="0">
+                <a:solidFill>
+                  <a:schemeClr val="tx1"/>
+                </a:solidFill>
+                <a:latin typeface="프리젠테이션 4 Regular" pitchFamily="2" charset="-127"/>
+                <a:ea typeface="프리젠테이션 4 Regular" pitchFamily="2" charset="-127"/>
+              </a:rPr>
+              <a:t>오벨리스크 강화</a:t>
+            </a:r>
+          </a:p>
+        </p:txBody>
+      </p:sp>
+      <p:grpSp>
+        <p:nvGrpSpPr>
+          <p:cNvPr id="25" name="그룹 24">
+            <a:extLst>
+              <a:ext uri="{FF2B5EF4-FFF2-40B4-BE49-F238E27FC236}">
+                <a16:creationId xmlns:a16="http://schemas.microsoft.com/office/drawing/2014/main" id="{BCCCAEDB-32C3-326A-3978-A9C421C29A26}"/>
+              </a:ext>
+            </a:extLst>
+          </p:cNvPr>
+          <p:cNvGrpSpPr/>
+          <p:nvPr/>
+        </p:nvGrpSpPr>
+        <p:grpSpPr>
+          <a:xfrm>
+            <a:off x="10703110" y="4650500"/>
+            <a:ext cx="732633" cy="732633"/>
+            <a:chOff x="8664728" y="2711848"/>
+            <a:chExt cx="1108495" cy="1108495"/>
+          </a:xfrm>
+        </p:grpSpPr>
+        <p:sp>
+          <p:nvSpPr>
+            <p:cNvPr id="26" name="직사각형 25">
+              <a:extLst>
+                <a:ext uri="{FF2B5EF4-FFF2-40B4-BE49-F238E27FC236}">
+                  <a16:creationId xmlns:a16="http://schemas.microsoft.com/office/drawing/2014/main" id="{F0312CE3-8D3F-2C5D-ECFB-C4511618BCC6}"/>
+                </a:ext>
+              </a:extLst>
+            </p:cNvPr>
+            <p:cNvSpPr/>
+            <p:nvPr/>
+          </p:nvSpPr>
+          <p:spPr>
+            <a:xfrm>
+              <a:off x="8664728" y="2711848"/>
+              <a:ext cx="1108495" cy="1108495"/>
+            </a:xfrm>
+            <a:prstGeom prst="rect">
+              <a:avLst/>
+            </a:prstGeom>
+            <a:solidFill>
+              <a:schemeClr val="bg1"/>
+            </a:solidFill>
+            <a:ln>
+              <a:solidFill>
+                <a:schemeClr val="tx1"/>
+              </a:solidFill>
+            </a:ln>
+          </p:spPr>
+          <p:style>
+            <a:lnRef idx="2">
+              <a:schemeClr val="accent1">
+                <a:shade val="15000"/>
+              </a:schemeClr>
+            </a:lnRef>
+            <a:fillRef idx="1">
+              <a:schemeClr val="accent1"/>
+            </a:fillRef>
+            <a:effectRef idx="0">
+              <a:schemeClr val="accent1"/>
+            </a:effectRef>
+            <a:fontRef idx="minor">
+              <a:schemeClr val="lt1"/>
+            </a:fontRef>
+          </p:style>
+          <p:txBody>
+            <a:bodyPr rtlCol="0" anchor="ctr"/>
+            <a:lstStyle/>
+            <a:p>
+              <a:pPr algn="ctr"/>
+              <a:endParaRPr lang="ko-KR" altLang="en-US" sz="1400">
+                <a:latin typeface="프리젠테이션 4 Regular" pitchFamily="2" charset="-127"/>
+                <a:ea typeface="프리젠테이션 4 Regular" pitchFamily="2" charset="-127"/>
+              </a:endParaRPr>
+            </a:p>
+          </p:txBody>
+        </p:sp>
+        <p:pic>
+          <p:nvPicPr>
+            <p:cNvPr id="27" name="그림 26" descr="블랙, 어둠이(가) 표시된 사진&#10;&#10;자동 생성된 설명">
+              <a:extLst>
+                <a:ext uri="{FF2B5EF4-FFF2-40B4-BE49-F238E27FC236}">
+                  <a16:creationId xmlns:a16="http://schemas.microsoft.com/office/drawing/2014/main" id="{39976DC9-CE2F-6DBD-51E1-F48F7397D51D}"/>
+                </a:ext>
+              </a:extLst>
+            </p:cNvPr>
+            <p:cNvPicPr>
+              <a:picLocks noChangeAspect="1"/>
+            </p:cNvPicPr>
+            <p:nvPr/>
+          </p:nvPicPr>
+          <p:blipFill>
+            <a:blip r:embed="rId7">
+              <a:extLst>
+                <a:ext uri="{28A0092B-C50C-407E-A947-70E740481C1C}">
+                  <a14:useLocalDpi xmlns:a14="http://schemas.microsoft.com/office/drawing/2010/main" val="0"/>
+                </a:ext>
+              </a:extLst>
+            </a:blip>
+            <a:stretch>
+              <a:fillRect/>
+            </a:stretch>
+          </p:blipFill>
+          <p:spPr>
+            <a:xfrm>
+              <a:off x="8728082" y="2761343"/>
+              <a:ext cx="900001" cy="900001"/>
+            </a:xfrm>
+            <a:prstGeom prst="rect">
+              <a:avLst/>
+            </a:prstGeom>
+          </p:spPr>
+        </p:pic>
+      </p:grpSp>
+      <p:sp>
+        <p:nvSpPr>
+          <p:cNvPr id="28" name="순서도: 대체 처리 27">
+            <a:extLst>
+              <a:ext uri="{FF2B5EF4-FFF2-40B4-BE49-F238E27FC236}">
+                <a16:creationId xmlns:a16="http://schemas.microsoft.com/office/drawing/2014/main" id="{A650DD87-DB10-0531-C370-1FB75FDFEB26}"/>
+              </a:ext>
+            </a:extLst>
+          </p:cNvPr>
+          <p:cNvSpPr/>
+          <p:nvPr/>
+        </p:nvSpPr>
+        <p:spPr>
+          <a:xfrm>
+            <a:off x="4503293" y="3979067"/>
+            <a:ext cx="2822909" cy="612648"/>
+          </a:xfrm>
+          <a:prstGeom prst="flowChartAlternateProcess">
+            <a:avLst/>
+          </a:prstGeom>
+          <a:solidFill>
+            <a:schemeClr val="accent6">
+              <a:lumMod val="50000"/>
+              <a:alpha val="47000"/>
+            </a:schemeClr>
+          </a:solidFill>
+        </p:spPr>
+        <p:style>
+          <a:lnRef idx="2">
+            <a:schemeClr val="accent1">
+              <a:shade val="15000"/>
+            </a:schemeClr>
+          </a:lnRef>
+          <a:fillRef idx="1">
+            <a:schemeClr val="accent1"/>
+          </a:fillRef>
+          <a:effectRef idx="0">
+            <a:schemeClr val="accent1"/>
+          </a:effectRef>
+          <a:fontRef idx="minor">
+            <a:schemeClr val="lt1"/>
+          </a:fontRef>
+        </p:style>
+        <p:txBody>
+          <a:bodyPr rtlCol="0" anchor="ctr"/>
+          <a:lstStyle/>
+          <a:p>
+            <a:pPr algn="ctr"/>
+            <a:r>
+              <a:rPr lang="ko-KR" altLang="en-US" sz="1400" dirty="0">
+                <a:latin typeface="프리젠테이션 4 Regular" pitchFamily="2" charset="-127"/>
+                <a:ea typeface="프리젠테이션 4 Regular" pitchFamily="2" charset="-127"/>
+              </a:rPr>
+              <a:t>골드 사용</a:t>
+            </a:r>
+          </a:p>
+        </p:txBody>
+      </p:sp>
+      <p:sp>
+        <p:nvSpPr>
+          <p:cNvPr id="29" name="사다리꼴 28">
+            <a:extLst>
+              <a:ext uri="{FF2B5EF4-FFF2-40B4-BE49-F238E27FC236}">
+                <a16:creationId xmlns:a16="http://schemas.microsoft.com/office/drawing/2014/main" id="{0DC5213C-4663-F491-8B8A-B575CC691018}"/>
+              </a:ext>
+            </a:extLst>
+          </p:cNvPr>
+          <p:cNvSpPr/>
+          <p:nvPr/>
+        </p:nvSpPr>
+        <p:spPr>
+          <a:xfrm>
+            <a:off x="4570258" y="4789079"/>
+            <a:ext cx="2644719" cy="383102"/>
+          </a:xfrm>
+          <a:prstGeom prst="trapezoid">
+            <a:avLst/>
+          </a:prstGeom>
+          <a:solidFill>
+            <a:schemeClr val="accent4">
+              <a:lumMod val="75000"/>
+            </a:schemeClr>
+          </a:solidFill>
+        </p:spPr>
+        <p:style>
+          <a:lnRef idx="2">
+            <a:schemeClr val="accent1">
+              <a:shade val="15000"/>
+            </a:schemeClr>
+          </a:lnRef>
+          <a:fillRef idx="1">
+            <a:schemeClr val="accent1"/>
+          </a:fillRef>
+          <a:effectRef idx="0">
+            <a:schemeClr val="accent1"/>
+          </a:effectRef>
+          <a:fontRef idx="minor">
+            <a:schemeClr val="lt1"/>
+          </a:fontRef>
+        </p:style>
+        <p:txBody>
+          <a:bodyPr rtlCol="0" anchor="ctr"/>
+          <a:lstStyle/>
+          <a:p>
+            <a:pPr algn="ctr"/>
+            <a:r>
+              <a:rPr lang="en-US" altLang="ko-KR" sz="1400" dirty="0">
+                <a:latin typeface="프리젠테이션 4 Regular" pitchFamily="2" charset="-127"/>
+                <a:ea typeface="프리젠테이션 4 Regular" pitchFamily="2" charset="-127"/>
+              </a:rPr>
+              <a:t>HP</a:t>
+            </a:r>
+            <a:r>
+              <a:rPr lang="ko-KR" altLang="en-US" sz="1400" dirty="0">
+                <a:latin typeface="프리젠테이션 4 Regular" pitchFamily="2" charset="-127"/>
+                <a:ea typeface="프리젠테이션 4 Regular" pitchFamily="2" charset="-127"/>
+              </a:rPr>
+              <a:t> </a:t>
+            </a:r>
+            <a:r>
+              <a:rPr lang="en-US" altLang="ko-KR" sz="1400" dirty="0">
+                <a:latin typeface="프리젠테이션 4 Regular" pitchFamily="2" charset="-127"/>
+                <a:ea typeface="프리젠테이션 4 Regular" pitchFamily="2" charset="-127"/>
+              </a:rPr>
+              <a:t>==</a:t>
+            </a:r>
+            <a:r>
+              <a:rPr lang="ko-KR" altLang="en-US" sz="1400" dirty="0">
+                <a:latin typeface="프리젠테이션 4 Regular" pitchFamily="2" charset="-127"/>
+                <a:ea typeface="프리젠테이션 4 Regular" pitchFamily="2" charset="-127"/>
+              </a:rPr>
+              <a:t> </a:t>
+            </a:r>
+            <a:r>
+              <a:rPr lang="en-US" altLang="ko-KR" sz="1400" dirty="0">
+                <a:latin typeface="프리젠테이션 4 Regular" pitchFamily="2" charset="-127"/>
+                <a:ea typeface="프리젠테이션 4 Regular" pitchFamily="2" charset="-127"/>
+              </a:rPr>
+              <a:t>0</a:t>
+            </a:r>
+            <a:r>
+              <a:rPr lang="ko-KR" altLang="en-US" sz="1400" dirty="0">
+                <a:latin typeface="프리젠테이션 4 Regular" pitchFamily="2" charset="-127"/>
+                <a:ea typeface="프리젠테이션 4 Regular" pitchFamily="2" charset="-127"/>
+              </a:rPr>
+              <a:t> </a:t>
+            </a:r>
+            <a:r>
+              <a:rPr lang="en-US" altLang="ko-KR" sz="1400" dirty="0">
+                <a:latin typeface="프리젠테이션 4 Regular" pitchFamily="2" charset="-127"/>
+                <a:ea typeface="프리젠테이션 4 Regular" pitchFamily="2" charset="-127"/>
+              </a:rPr>
+              <a:t>OR</a:t>
+            </a:r>
+            <a:r>
+              <a:rPr lang="ko-KR" altLang="en-US" sz="1400" dirty="0">
+                <a:latin typeface="프리젠테이션 4 Regular" pitchFamily="2" charset="-127"/>
+                <a:ea typeface="프리젠테이션 4 Regular" pitchFamily="2" charset="-127"/>
+              </a:rPr>
+              <a:t> </a:t>
+            </a:r>
+            <a:r>
+              <a:rPr lang="en-US" altLang="ko-KR" sz="1400" dirty="0">
+                <a:latin typeface="프리젠테이션 4 Regular" pitchFamily="2" charset="-127"/>
+                <a:ea typeface="프리젠테이션 4 Regular" pitchFamily="2" charset="-127"/>
+              </a:rPr>
+              <a:t>30</a:t>
+            </a:r>
+            <a:r>
+              <a:rPr lang="ko-KR" altLang="en-US" sz="1400" dirty="0">
+                <a:latin typeface="프리젠테이션 4 Regular" pitchFamily="2" charset="-127"/>
+                <a:ea typeface="프리젠테이션 4 Regular" pitchFamily="2" charset="-127"/>
+              </a:rPr>
+              <a:t>초 경과</a:t>
+            </a:r>
+          </a:p>
+        </p:txBody>
+      </p:sp>
+      <p:cxnSp>
+        <p:nvCxnSpPr>
+          <p:cNvPr id="30" name="직선 연결선 29">
+            <a:extLst>
+              <a:ext uri="{FF2B5EF4-FFF2-40B4-BE49-F238E27FC236}">
+                <a16:creationId xmlns:a16="http://schemas.microsoft.com/office/drawing/2014/main" id="{2FD12A55-734C-ED0A-55F2-BD7815246002}"/>
+              </a:ext>
+            </a:extLst>
+          </p:cNvPr>
+          <p:cNvCxnSpPr>
+            <a:cxnSpLocks/>
+          </p:cNvCxnSpPr>
+          <p:nvPr/>
+        </p:nvCxnSpPr>
+        <p:spPr>
+          <a:xfrm>
+            <a:off x="3776449" y="2196212"/>
+            <a:ext cx="0" cy="2827270"/>
+          </a:xfrm>
+          <a:prstGeom prst="line">
+            <a:avLst/>
+          </a:prstGeom>
+          <a:ln w="57150">
+            <a:solidFill>
+              <a:srgbClr val="FF0000"/>
+            </a:solidFill>
+          </a:ln>
+        </p:spPr>
+        <p:style>
+          <a:lnRef idx="2">
+            <a:schemeClr val="accent1"/>
+          </a:lnRef>
+          <a:fillRef idx="0">
+            <a:schemeClr val="accent1"/>
+          </a:fillRef>
+          <a:effectRef idx="1">
+            <a:schemeClr val="accent1"/>
+          </a:effectRef>
+          <a:fontRef idx="minor">
+            <a:schemeClr val="tx1"/>
+          </a:fontRef>
+        </p:style>
+      </p:cxnSp>
+      <p:cxnSp>
+        <p:nvCxnSpPr>
+          <p:cNvPr id="31" name="직선 연결선 30">
+            <a:extLst>
+              <a:ext uri="{FF2B5EF4-FFF2-40B4-BE49-F238E27FC236}">
+                <a16:creationId xmlns:a16="http://schemas.microsoft.com/office/drawing/2014/main" id="{424239E1-7150-1B9A-310C-A005568A1090}"/>
+              </a:ext>
+            </a:extLst>
+          </p:cNvPr>
+          <p:cNvCxnSpPr>
+            <a:cxnSpLocks/>
+          </p:cNvCxnSpPr>
+          <p:nvPr/>
+        </p:nvCxnSpPr>
+        <p:spPr>
+          <a:xfrm>
+            <a:off x="3740696" y="2196212"/>
+            <a:ext cx="646608" cy="0"/>
+          </a:xfrm>
+          <a:prstGeom prst="line">
+            <a:avLst/>
+          </a:prstGeom>
+          <a:ln w="38100" cap="flat" cmpd="sng" algn="ctr">
+            <a:solidFill>
+              <a:schemeClr val="accent6"/>
+            </a:solidFill>
+            <a:prstDash val="solid"/>
+            <a:round/>
+            <a:headEnd type="none" w="med" len="med"/>
+            <a:tailEnd type="arrow" w="med" len="med"/>
+          </a:ln>
+        </p:spPr>
+        <p:style>
+          <a:lnRef idx="0">
+            <a:scrgbClr r="0" g="0" b="0"/>
+          </a:lnRef>
+          <a:fillRef idx="0">
+            <a:scrgbClr r="0" g="0" b="0"/>
+          </a:fillRef>
+          <a:effectRef idx="0">
+            <a:scrgbClr r="0" g="0" b="0"/>
+          </a:effectRef>
+          <a:fontRef idx="minor">
+            <a:schemeClr val="tx1"/>
+          </a:fontRef>
+        </p:style>
+      </p:cxnSp>
+      <p:cxnSp>
+        <p:nvCxnSpPr>
+          <p:cNvPr id="32" name="직선 연결선 31">
+            <a:extLst>
+              <a:ext uri="{FF2B5EF4-FFF2-40B4-BE49-F238E27FC236}">
+                <a16:creationId xmlns:a16="http://schemas.microsoft.com/office/drawing/2014/main" id="{F54C958D-5FF6-38C8-EE3D-95165FD32688}"/>
+              </a:ext>
+            </a:extLst>
+          </p:cNvPr>
+          <p:cNvCxnSpPr>
+            <a:cxnSpLocks/>
+          </p:cNvCxnSpPr>
+          <p:nvPr/>
+        </p:nvCxnSpPr>
+        <p:spPr>
+          <a:xfrm>
+            <a:off x="3740696" y="5023482"/>
+            <a:ext cx="646608" cy="0"/>
+          </a:xfrm>
+          <a:prstGeom prst="line">
+            <a:avLst/>
+          </a:prstGeom>
+          <a:ln w="57150">
+            <a:solidFill>
+              <a:srgbClr val="FF0000"/>
+            </a:solidFill>
+          </a:ln>
+        </p:spPr>
+        <p:style>
+          <a:lnRef idx="2">
+            <a:schemeClr val="accent1"/>
+          </a:lnRef>
+          <a:fillRef idx="0">
+            <a:schemeClr val="accent1"/>
+          </a:fillRef>
+          <a:effectRef idx="1">
+            <a:schemeClr val="accent1"/>
+          </a:effectRef>
+          <a:fontRef idx="minor">
+            <a:schemeClr val="tx1"/>
+          </a:fontRef>
+        </p:style>
+      </p:cxnSp>
+      <p:sp>
+        <p:nvSpPr>
+          <p:cNvPr id="33" name="사다리꼴 32">
+            <a:extLst>
+              <a:ext uri="{FF2B5EF4-FFF2-40B4-BE49-F238E27FC236}">
+                <a16:creationId xmlns:a16="http://schemas.microsoft.com/office/drawing/2014/main" id="{414B96F9-BD52-5A81-1504-672F20E2E9FB}"/>
+              </a:ext>
+            </a:extLst>
+          </p:cNvPr>
+          <p:cNvSpPr/>
+          <p:nvPr/>
+        </p:nvSpPr>
+        <p:spPr>
+          <a:xfrm>
+            <a:off x="1736071" y="3744588"/>
+            <a:ext cx="1688360" cy="383102"/>
+          </a:xfrm>
+          <a:prstGeom prst="trapezoid">
+            <a:avLst/>
+          </a:prstGeom>
+          <a:solidFill>
+            <a:schemeClr val="accent4">
+              <a:lumMod val="75000"/>
+            </a:schemeClr>
+          </a:solidFill>
+        </p:spPr>
+        <p:style>
+          <a:lnRef idx="2">
+            <a:schemeClr val="accent1">
+              <a:shade val="15000"/>
+            </a:schemeClr>
+          </a:lnRef>
+          <a:fillRef idx="1">
+            <a:schemeClr val="accent1"/>
+          </a:fillRef>
+          <a:effectRef idx="0">
+            <a:schemeClr val="accent1"/>
+          </a:effectRef>
+          <a:fontRef idx="minor">
+            <a:schemeClr val="lt1"/>
+          </a:fontRef>
+        </p:style>
+        <p:txBody>
+          <a:bodyPr rtlCol="0" anchor="ctr"/>
+          <a:lstStyle/>
+          <a:p>
+            <a:pPr algn="ctr"/>
+            <a:r>
+              <a:rPr lang="en-US" altLang="ko-KR" sz="1400" dirty="0">
+                <a:latin typeface="프리젠테이션 4 Regular" pitchFamily="2" charset="-127"/>
+                <a:ea typeface="프리젠테이션 4 Regular" pitchFamily="2" charset="-127"/>
+              </a:rPr>
+              <a:t>10</a:t>
+            </a:r>
+            <a:r>
+              <a:rPr lang="ko-KR" altLang="en-US" sz="1400" dirty="0">
+                <a:latin typeface="프리젠테이션 4 Regular" pitchFamily="2" charset="-127"/>
+                <a:ea typeface="프리젠테이션 4 Regular" pitchFamily="2" charset="-127"/>
+              </a:rPr>
+              <a:t>번 반복했다면</a:t>
+            </a:r>
+          </a:p>
+        </p:txBody>
+      </p:sp>
+      <p:sp>
+        <p:nvSpPr>
+          <p:cNvPr id="34" name="직사각형 33">
+            <a:extLst>
+              <a:ext uri="{FF2B5EF4-FFF2-40B4-BE49-F238E27FC236}">
+                <a16:creationId xmlns:a16="http://schemas.microsoft.com/office/drawing/2014/main" id="{E9C61704-C6A2-837F-ECA9-B33C43B7F4BE}"/>
+              </a:ext>
+            </a:extLst>
+          </p:cNvPr>
+          <p:cNvSpPr/>
+          <p:nvPr/>
+        </p:nvSpPr>
+        <p:spPr>
+          <a:xfrm>
+            <a:off x="1927715" y="3294213"/>
+            <a:ext cx="1305071" cy="383102"/>
+          </a:xfrm>
+          <a:prstGeom prst="rect">
+            <a:avLst/>
+          </a:prstGeom>
+          <a:solidFill>
+            <a:schemeClr val="bg1">
+              <a:lumMod val="95000"/>
+            </a:schemeClr>
+          </a:solidFill>
+        </p:spPr>
+        <p:style>
+          <a:lnRef idx="2">
+            <a:schemeClr val="accent1">
+              <a:shade val="15000"/>
+            </a:schemeClr>
+          </a:lnRef>
+          <a:fillRef idx="1">
+            <a:schemeClr val="accent1"/>
+          </a:fillRef>
+          <a:effectRef idx="0">
+            <a:schemeClr val="accent1"/>
+          </a:effectRef>
+          <a:fontRef idx="minor">
+            <a:schemeClr val="lt1"/>
+          </a:fontRef>
+        </p:style>
+        <p:txBody>
+          <a:bodyPr rtlCol="0" anchor="ctr"/>
+          <a:lstStyle/>
+          <a:p>
+            <a:pPr algn="ctr"/>
+            <a:r>
+              <a:rPr lang="ko-KR" altLang="en-US" sz="1400" dirty="0">
+                <a:solidFill>
+                  <a:schemeClr val="tx1"/>
+                </a:solidFill>
+                <a:latin typeface="프리젠테이션 4 Regular" pitchFamily="2" charset="-127"/>
+                <a:ea typeface="프리젠테이션 4 Regular" pitchFamily="2" charset="-127"/>
+              </a:rPr>
+              <a:t>반복</a:t>
+            </a:r>
+          </a:p>
+        </p:txBody>
+      </p:sp>
+      <p:cxnSp>
+        <p:nvCxnSpPr>
+          <p:cNvPr id="35" name="직선 연결선 34">
+            <a:extLst>
+              <a:ext uri="{FF2B5EF4-FFF2-40B4-BE49-F238E27FC236}">
+                <a16:creationId xmlns:a16="http://schemas.microsoft.com/office/drawing/2014/main" id="{F5F22764-4A2C-8F49-CB84-671483140924}"/>
+              </a:ext>
+            </a:extLst>
+          </p:cNvPr>
+          <p:cNvCxnSpPr>
+            <a:cxnSpLocks/>
+          </p:cNvCxnSpPr>
+          <p:nvPr/>
+        </p:nvCxnSpPr>
+        <p:spPr>
+          <a:xfrm>
+            <a:off x="2580250" y="4127690"/>
+            <a:ext cx="0" cy="1904810"/>
+          </a:xfrm>
+          <a:prstGeom prst="line">
+            <a:avLst/>
+          </a:prstGeom>
+          <a:ln w="57150">
+            <a:solidFill>
+              <a:srgbClr val="FF0000"/>
+            </a:solidFill>
+          </a:ln>
+        </p:spPr>
+        <p:style>
+          <a:lnRef idx="2">
+            <a:schemeClr val="accent1"/>
+          </a:lnRef>
+          <a:fillRef idx="0">
+            <a:schemeClr val="accent1"/>
+          </a:fillRef>
+          <a:effectRef idx="1">
+            <a:schemeClr val="accent1"/>
+          </a:effectRef>
+          <a:fontRef idx="minor">
+            <a:schemeClr val="tx1"/>
+          </a:fontRef>
+        </p:style>
+      </p:cxnSp>
+      <p:cxnSp>
+        <p:nvCxnSpPr>
+          <p:cNvPr id="36" name="직선 연결선 35">
+            <a:extLst>
+              <a:ext uri="{FF2B5EF4-FFF2-40B4-BE49-F238E27FC236}">
+                <a16:creationId xmlns:a16="http://schemas.microsoft.com/office/drawing/2014/main" id="{1FF1BF76-332A-909F-3B45-9C6346A7D0C3}"/>
+              </a:ext>
+            </a:extLst>
+          </p:cNvPr>
+          <p:cNvCxnSpPr>
+            <a:cxnSpLocks/>
+          </p:cNvCxnSpPr>
+          <p:nvPr/>
+        </p:nvCxnSpPr>
+        <p:spPr>
+          <a:xfrm>
+            <a:off x="2580250" y="6032500"/>
+            <a:ext cx="1483750" cy="0"/>
+          </a:xfrm>
+          <a:prstGeom prst="line">
+            <a:avLst/>
+          </a:prstGeom>
+          <a:ln w="57150">
+            <a:solidFill>
+              <a:srgbClr val="FF0000"/>
+            </a:solidFill>
+          </a:ln>
+        </p:spPr>
+        <p:style>
+          <a:lnRef idx="2">
+            <a:schemeClr val="accent1"/>
+          </a:lnRef>
+          <a:fillRef idx="0">
+            <a:schemeClr val="accent1"/>
+          </a:fillRef>
+          <a:effectRef idx="1">
+            <a:schemeClr val="accent1"/>
+          </a:effectRef>
+          <a:fontRef idx="minor">
+            <a:schemeClr val="tx1"/>
+          </a:fontRef>
+        </p:style>
+      </p:cxnSp>
+      <p:sp>
+        <p:nvSpPr>
+          <p:cNvPr id="37" name="직사각형 36">
+            <a:extLst>
+              <a:ext uri="{FF2B5EF4-FFF2-40B4-BE49-F238E27FC236}">
+                <a16:creationId xmlns:a16="http://schemas.microsoft.com/office/drawing/2014/main" id="{059D7893-4DA1-684C-9B19-4993BE73F2EA}"/>
+              </a:ext>
+            </a:extLst>
+          </p:cNvPr>
+          <p:cNvSpPr/>
+          <p:nvPr/>
+        </p:nvSpPr>
+        <p:spPr>
+          <a:xfrm>
+            <a:off x="4503293" y="5637749"/>
+            <a:ext cx="2781037" cy="914400"/>
+          </a:xfrm>
+          <a:prstGeom prst="rect">
+            <a:avLst/>
+          </a:prstGeom>
+          <a:solidFill>
+            <a:schemeClr val="bg1">
+              <a:lumMod val="95000"/>
+            </a:schemeClr>
+          </a:solidFill>
+        </p:spPr>
+        <p:style>
+          <a:lnRef idx="2">
+            <a:schemeClr val="accent1">
+              <a:shade val="15000"/>
+            </a:schemeClr>
+          </a:lnRef>
+          <a:fillRef idx="1">
+            <a:schemeClr val="accent1"/>
+          </a:fillRef>
+          <a:effectRef idx="0">
+            <a:schemeClr val="accent1"/>
+          </a:effectRef>
+          <a:fontRef idx="minor">
+            <a:schemeClr val="lt1"/>
+          </a:fontRef>
+        </p:style>
+        <p:txBody>
+          <a:bodyPr rtlCol="0" anchor="ctr"/>
+          <a:lstStyle/>
+          <a:p>
+            <a:pPr algn="ctr"/>
+            <a:r>
+              <a:rPr lang="ko-KR" altLang="en-US" sz="1400" dirty="0">
+                <a:solidFill>
+                  <a:schemeClr val="tx1"/>
+                </a:solidFill>
+                <a:latin typeface="프리젠테이션 4 Regular" pitchFamily="2" charset="-127"/>
+                <a:ea typeface="프리젠테이션 4 Regular" pitchFamily="2" charset="-127"/>
+              </a:rPr>
+              <a:t>오벨리스크 위치에</a:t>
+            </a:r>
+            <a:endParaRPr lang="en-US" altLang="ko-KR" sz="1400" dirty="0">
+              <a:solidFill>
+                <a:schemeClr val="tx1"/>
+              </a:solidFill>
+              <a:latin typeface="프리젠테이션 4 Regular" pitchFamily="2" charset="-127"/>
+              <a:ea typeface="프리젠테이션 4 Regular" pitchFamily="2" charset="-127"/>
+            </a:endParaRPr>
+          </a:p>
+          <a:p>
+            <a:pPr algn="ctr"/>
+            <a:r>
+              <a:rPr lang="ko-KR" altLang="en-US" sz="1400" dirty="0">
+                <a:solidFill>
+                  <a:schemeClr val="tx1"/>
+                </a:solidFill>
+                <a:latin typeface="프리젠테이션 4 Regular" pitchFamily="2" charset="-127"/>
+                <a:ea typeface="프리젠테이션 4 Regular" pitchFamily="2" charset="-127"/>
+              </a:rPr>
+              <a:t>보스 등장</a:t>
+            </a:r>
+          </a:p>
+        </p:txBody>
+      </p:sp>
+      <p:cxnSp>
+        <p:nvCxnSpPr>
+          <p:cNvPr id="38" name="직선 화살표 연결선 37">
+            <a:extLst>
+              <a:ext uri="{FF2B5EF4-FFF2-40B4-BE49-F238E27FC236}">
+                <a16:creationId xmlns:a16="http://schemas.microsoft.com/office/drawing/2014/main" id="{CB8FE32E-F5F7-6FB9-88BB-8D252C5DC82A}"/>
+              </a:ext>
+            </a:extLst>
+          </p:cNvPr>
+          <p:cNvCxnSpPr>
+            <a:stCxn id="34" idx="0"/>
+          </p:cNvCxnSpPr>
+          <p:nvPr/>
+        </p:nvCxnSpPr>
+        <p:spPr>
+          <a:xfrm flipH="1" flipV="1">
+            <a:off x="2580250" y="2764640"/>
+            <a:ext cx="1" cy="529573"/>
+          </a:xfrm>
+          <a:prstGeom prst="straightConnector1">
+            <a:avLst/>
+          </a:prstGeom>
+          <a:ln w="28575">
+            <a:solidFill>
+              <a:srgbClr val="FFC000"/>
+            </a:solidFill>
+            <a:tailEnd type="triangle"/>
+          </a:ln>
+        </p:spPr>
+        <p:style>
+          <a:lnRef idx="2">
+            <a:schemeClr val="accent1"/>
+          </a:lnRef>
+          <a:fillRef idx="0">
+            <a:schemeClr val="accent1"/>
+          </a:fillRef>
+          <a:effectRef idx="1">
+            <a:schemeClr val="accent1"/>
+          </a:effectRef>
+          <a:fontRef idx="minor">
+            <a:schemeClr val="tx1"/>
+          </a:fontRef>
+        </p:style>
+      </p:cxnSp>
+      <p:sp>
+        <p:nvSpPr>
+          <p:cNvPr id="39" name="직사각형 38">
+            <a:extLst>
+              <a:ext uri="{FF2B5EF4-FFF2-40B4-BE49-F238E27FC236}">
+                <a16:creationId xmlns:a16="http://schemas.microsoft.com/office/drawing/2014/main" id="{88FEB05F-8E1A-7541-E53B-C2B5DE522933}"/>
+              </a:ext>
+            </a:extLst>
+          </p:cNvPr>
+          <p:cNvSpPr/>
+          <p:nvPr/>
+        </p:nvSpPr>
+        <p:spPr>
+          <a:xfrm>
+            <a:off x="1902709" y="2314265"/>
+            <a:ext cx="1305071" cy="383102"/>
+          </a:xfrm>
+          <a:prstGeom prst="rect">
+            <a:avLst/>
+          </a:prstGeom>
+          <a:solidFill>
+            <a:schemeClr val="bg1">
+              <a:lumMod val="95000"/>
+            </a:schemeClr>
+          </a:solidFill>
+        </p:spPr>
+        <p:style>
+          <a:lnRef idx="2">
+            <a:schemeClr val="accent1">
+              <a:shade val="15000"/>
+            </a:schemeClr>
+          </a:lnRef>
+          <a:fillRef idx="1">
+            <a:schemeClr val="accent1"/>
+          </a:fillRef>
+          <a:effectRef idx="0">
+            <a:schemeClr val="accent1"/>
+          </a:effectRef>
+          <a:fontRef idx="minor">
+            <a:schemeClr val="lt1"/>
+          </a:fontRef>
+        </p:style>
+        <p:txBody>
+          <a:bodyPr rtlCol="0" anchor="ctr"/>
+          <a:lstStyle/>
+          <a:p>
+            <a:pPr algn="ctr"/>
+            <a:r>
+              <a:rPr lang="ko-KR" altLang="en-US" sz="1400" dirty="0">
+                <a:solidFill>
+                  <a:schemeClr val="tx1"/>
+                </a:solidFill>
+                <a:latin typeface="프리젠테이션 4 Regular" pitchFamily="2" charset="-127"/>
+                <a:ea typeface="프리젠테이션 4 Regular" pitchFamily="2" charset="-127"/>
+              </a:rPr>
+              <a:t>적 </a:t>
+            </a:r>
+            <a:r>
+              <a:rPr lang="en-US" altLang="ko-KR" sz="1400" dirty="0">
+                <a:solidFill>
+                  <a:schemeClr val="tx1"/>
+                </a:solidFill>
+                <a:latin typeface="프리젠테이션 4 Regular" pitchFamily="2" charset="-127"/>
+                <a:ea typeface="프리젠테이션 4 Regular" pitchFamily="2" charset="-127"/>
+              </a:rPr>
+              <a:t>n</a:t>
+            </a:r>
+            <a:r>
+              <a:rPr lang="ko-KR" altLang="en-US" sz="1400" dirty="0">
+                <a:solidFill>
+                  <a:schemeClr val="tx1"/>
+                </a:solidFill>
+                <a:latin typeface="프리젠테이션 4 Regular" pitchFamily="2" charset="-127"/>
+                <a:ea typeface="프리젠테이션 4 Regular" pitchFamily="2" charset="-127"/>
+              </a:rPr>
+              <a:t>마리씩 추가</a:t>
+            </a:r>
+          </a:p>
+        </p:txBody>
+      </p:sp>
+      <p:sp>
+        <p:nvSpPr>
+          <p:cNvPr id="40" name="사다리꼴 39">
+            <a:extLst>
+              <a:ext uri="{FF2B5EF4-FFF2-40B4-BE49-F238E27FC236}">
+                <a16:creationId xmlns:a16="http://schemas.microsoft.com/office/drawing/2014/main" id="{8F442CCD-5E55-3D55-E29B-BAAF1B552252}"/>
+              </a:ext>
+            </a:extLst>
+          </p:cNvPr>
+          <p:cNvSpPr/>
+          <p:nvPr/>
+        </p:nvSpPr>
+        <p:spPr>
+          <a:xfrm>
+            <a:off x="1741460" y="1849185"/>
+            <a:ext cx="1688360" cy="383102"/>
+          </a:xfrm>
+          <a:prstGeom prst="trapezoid">
+            <a:avLst/>
+          </a:prstGeom>
+          <a:solidFill>
+            <a:schemeClr val="accent4">
+              <a:lumMod val="75000"/>
+            </a:schemeClr>
+          </a:solidFill>
+        </p:spPr>
+        <p:style>
+          <a:lnRef idx="2">
+            <a:schemeClr val="accent1">
+              <a:shade val="15000"/>
+            </a:schemeClr>
+          </a:lnRef>
+          <a:fillRef idx="1">
+            <a:schemeClr val="accent1"/>
+          </a:fillRef>
+          <a:effectRef idx="0">
+            <a:schemeClr val="accent1"/>
+          </a:effectRef>
+          <a:fontRef idx="minor">
+            <a:schemeClr val="lt1"/>
+          </a:fontRef>
+        </p:style>
+        <p:txBody>
+          <a:bodyPr rtlCol="0" anchor="ctr"/>
+          <a:lstStyle/>
+          <a:p>
+            <a:pPr algn="ctr"/>
+            <a:r>
+              <a:rPr lang="ko-KR" altLang="en-US" sz="1400" dirty="0">
+                <a:latin typeface="프리젠테이션 4 Regular" pitchFamily="2" charset="-127"/>
+                <a:ea typeface="프리젠테이션 4 Regular" pitchFamily="2" charset="-127"/>
+              </a:rPr>
+              <a:t>특정 적 </a:t>
+            </a:r>
+            <a:r>
+              <a:rPr lang="en-US" altLang="ko-KR" sz="1400" dirty="0">
+                <a:latin typeface="프리젠테이션 4 Regular" pitchFamily="2" charset="-127"/>
+                <a:ea typeface="프리젠테이션 4 Regular" pitchFamily="2" charset="-127"/>
+              </a:rPr>
+              <a:t>&gt;= 5</a:t>
+            </a:r>
+            <a:endParaRPr lang="ko-KR" altLang="en-US" sz="1400" dirty="0">
+              <a:latin typeface="프리젠테이션 4 Regular" pitchFamily="2" charset="-127"/>
+              <a:ea typeface="프리젠테이션 4 Regular" pitchFamily="2" charset="-127"/>
+            </a:endParaRPr>
+          </a:p>
+        </p:txBody>
+      </p:sp>
+      <p:cxnSp>
+        <p:nvCxnSpPr>
+          <p:cNvPr id="41" name="직선 연결선 40">
+            <a:extLst>
+              <a:ext uri="{FF2B5EF4-FFF2-40B4-BE49-F238E27FC236}">
+                <a16:creationId xmlns:a16="http://schemas.microsoft.com/office/drawing/2014/main" id="{4CF634EF-996E-B547-6B78-33328275E92C}"/>
+              </a:ext>
+            </a:extLst>
+          </p:cNvPr>
+          <p:cNvCxnSpPr>
+            <a:cxnSpLocks/>
+            <a:endCxn id="40" idx="1"/>
+          </p:cNvCxnSpPr>
+          <p:nvPr/>
+        </p:nvCxnSpPr>
+        <p:spPr>
+          <a:xfrm>
+            <a:off x="1460500" y="2040736"/>
+            <a:ext cx="328848" cy="0"/>
+          </a:xfrm>
+          <a:prstGeom prst="line">
+            <a:avLst/>
+          </a:prstGeom>
+        </p:spPr>
+        <p:style>
+          <a:lnRef idx="2">
+            <a:schemeClr val="accent1"/>
+          </a:lnRef>
+          <a:fillRef idx="0">
+            <a:schemeClr val="accent1"/>
+          </a:fillRef>
+          <a:effectRef idx="1">
+            <a:schemeClr val="accent1"/>
+          </a:effectRef>
+          <a:fontRef idx="minor">
+            <a:schemeClr val="tx1"/>
+          </a:fontRef>
+        </p:style>
+      </p:cxnSp>
+      <p:sp>
+        <p:nvSpPr>
+          <p:cNvPr id="42" name="직사각형 41">
+            <a:extLst>
+              <a:ext uri="{FF2B5EF4-FFF2-40B4-BE49-F238E27FC236}">
+                <a16:creationId xmlns:a16="http://schemas.microsoft.com/office/drawing/2014/main" id="{A24B87D2-7188-0CE1-888C-C0E842A9C6DC}"/>
+              </a:ext>
+            </a:extLst>
+          </p:cNvPr>
+          <p:cNvSpPr/>
+          <p:nvPr/>
+        </p:nvSpPr>
+        <p:spPr>
+          <a:xfrm>
+            <a:off x="213609" y="1799520"/>
+            <a:ext cx="1305071" cy="383102"/>
+          </a:xfrm>
+          <a:prstGeom prst="rect">
+            <a:avLst/>
+          </a:prstGeom>
+          <a:solidFill>
+            <a:schemeClr val="bg1">
+              <a:lumMod val="95000"/>
+            </a:schemeClr>
+          </a:solidFill>
+        </p:spPr>
+        <p:style>
+          <a:lnRef idx="2">
+            <a:schemeClr val="accent1">
+              <a:shade val="15000"/>
+            </a:schemeClr>
+          </a:lnRef>
+          <a:fillRef idx="1">
+            <a:schemeClr val="accent1"/>
+          </a:fillRef>
+          <a:effectRef idx="0">
+            <a:schemeClr val="accent1"/>
+          </a:effectRef>
+          <a:fontRef idx="minor">
+            <a:schemeClr val="lt1"/>
+          </a:fontRef>
+        </p:style>
+        <p:txBody>
+          <a:bodyPr rtlCol="0" anchor="ctr"/>
+          <a:lstStyle/>
+          <a:p>
+            <a:pPr algn="ctr"/>
+            <a:r>
+              <a:rPr lang="ko-KR" altLang="en-US" sz="1400" dirty="0">
+                <a:solidFill>
+                  <a:schemeClr val="tx1"/>
+                </a:solidFill>
+                <a:latin typeface="프리젠테이션 4 Regular" pitchFamily="2" charset="-127"/>
+                <a:ea typeface="프리젠테이션 4 Regular" pitchFamily="2" charset="-127"/>
+              </a:rPr>
+              <a:t>해당 적 강화</a:t>
+            </a:r>
+          </a:p>
+        </p:txBody>
+      </p:sp>
+      <p:cxnSp>
+        <p:nvCxnSpPr>
+          <p:cNvPr id="43" name="직선 화살표 연결선 42">
+            <a:extLst>
+              <a:ext uri="{FF2B5EF4-FFF2-40B4-BE49-F238E27FC236}">
+                <a16:creationId xmlns:a16="http://schemas.microsoft.com/office/drawing/2014/main" id="{16B483CB-F836-0095-8BC1-3390FC176F44}"/>
+              </a:ext>
+            </a:extLst>
+          </p:cNvPr>
+          <p:cNvCxnSpPr>
+            <a:cxnSpLocks/>
+          </p:cNvCxnSpPr>
+          <p:nvPr/>
+        </p:nvCxnSpPr>
+        <p:spPr>
+          <a:xfrm>
+            <a:off x="2580250" y="6032500"/>
+            <a:ext cx="1525622" cy="0"/>
+          </a:xfrm>
+          <a:prstGeom prst="straightConnector1">
+            <a:avLst/>
+          </a:prstGeom>
+          <a:ln w="28575">
+            <a:solidFill>
+              <a:srgbClr val="FFC000"/>
+            </a:solidFill>
+            <a:tailEnd type="triangle"/>
+          </a:ln>
+        </p:spPr>
+        <p:style>
+          <a:lnRef idx="2">
+            <a:schemeClr val="accent1"/>
+          </a:lnRef>
+          <a:fillRef idx="0">
+            <a:schemeClr val="accent1"/>
+          </a:fillRef>
+          <a:effectRef idx="1">
+            <a:schemeClr val="accent1"/>
+          </a:effectRef>
+          <a:fontRef idx="minor">
+            <a:schemeClr val="tx1"/>
+          </a:fontRef>
+        </p:style>
+      </p:cxnSp>
+      <p:sp>
+        <p:nvSpPr>
+          <p:cNvPr id="44" name="직사각형 43">
+            <a:extLst>
+              <a:ext uri="{FF2B5EF4-FFF2-40B4-BE49-F238E27FC236}">
+                <a16:creationId xmlns:a16="http://schemas.microsoft.com/office/drawing/2014/main" id="{82EF1D47-CAE6-0A13-3555-F681E136F47E}"/>
+              </a:ext>
+            </a:extLst>
+          </p:cNvPr>
+          <p:cNvSpPr/>
+          <p:nvPr/>
+        </p:nvSpPr>
+        <p:spPr>
+          <a:xfrm>
+            <a:off x="4503293" y="3476805"/>
+            <a:ext cx="2781037" cy="1100533"/>
+          </a:xfrm>
+          <a:prstGeom prst="rect">
+            <a:avLst/>
+          </a:prstGeom>
+          <a:noFill/>
+          <a:ln w="38100">
+            <a:solidFill>
+              <a:srgbClr val="FFC000"/>
+            </a:solidFill>
+            <a:prstDash val="sysDash"/>
+          </a:ln>
+        </p:spPr>
+        <p:style>
+          <a:lnRef idx="2">
+            <a:schemeClr val="accent1">
+              <a:shade val="15000"/>
+            </a:schemeClr>
+          </a:lnRef>
+          <a:fillRef idx="1">
+            <a:schemeClr val="accent1"/>
+          </a:fillRef>
+          <a:effectRef idx="0">
+            <a:schemeClr val="accent1"/>
+          </a:effectRef>
+          <a:fontRef idx="minor">
+            <a:schemeClr val="lt1"/>
+          </a:fontRef>
+        </p:style>
+        <p:txBody>
+          <a:bodyPr rtlCol="0" anchor="ctr"/>
+          <a:lstStyle/>
+          <a:p>
+            <a:pPr algn="r"/>
+            <a:r>
+              <a:rPr lang="en-US" altLang="ko-KR" dirty="0">
+                <a:solidFill>
+                  <a:schemeClr val="accent5">
+                    <a:lumMod val="75000"/>
+                  </a:schemeClr>
+                </a:solidFill>
+                <a:latin typeface="HY견고딕" panose="02030600000101010101" pitchFamily="18" charset="-127"/>
+                <a:ea typeface="HY견고딕" panose="02030600000101010101" pitchFamily="18" charset="-127"/>
+              </a:rPr>
+              <a:t>(</a:t>
+            </a:r>
+            <a:r>
+              <a:rPr lang="ko-KR" altLang="en-US" dirty="0">
+                <a:solidFill>
+                  <a:schemeClr val="accent5">
+                    <a:lumMod val="75000"/>
+                  </a:schemeClr>
+                </a:solidFill>
+                <a:latin typeface="HY견고딕" panose="02030600000101010101" pitchFamily="18" charset="-127"/>
+                <a:ea typeface="HY견고딕" panose="02030600000101010101" pitchFamily="18" charset="-127"/>
+              </a:rPr>
+              <a:t>추가요소</a:t>
+            </a:r>
+            <a:r>
+              <a:rPr lang="en-US" altLang="ko-KR" dirty="0">
+                <a:solidFill>
+                  <a:schemeClr val="accent5">
+                    <a:lumMod val="75000"/>
+                  </a:schemeClr>
+                </a:solidFill>
+                <a:latin typeface="HY견고딕" panose="02030600000101010101" pitchFamily="18" charset="-127"/>
+                <a:ea typeface="HY견고딕" panose="02030600000101010101" pitchFamily="18" charset="-127"/>
+              </a:rPr>
+              <a:t>)</a:t>
+            </a:r>
+            <a:endParaRPr lang="ko-KR" altLang="en-US" dirty="0">
+              <a:solidFill>
+                <a:schemeClr val="accent5">
+                  <a:lumMod val="75000"/>
+                </a:schemeClr>
+              </a:solidFill>
+              <a:latin typeface="HY견고딕" panose="02030600000101010101" pitchFamily="18" charset="-127"/>
+              <a:ea typeface="HY견고딕" panose="02030600000101010101" pitchFamily="18" charset="-127"/>
+            </a:endParaRPr>
+          </a:p>
+        </p:txBody>
+      </p:sp>
+      <p:sp>
+        <p:nvSpPr>
+          <p:cNvPr id="45" name="직사각형 44">
+            <a:extLst>
+              <a:ext uri="{FF2B5EF4-FFF2-40B4-BE49-F238E27FC236}">
+                <a16:creationId xmlns:a16="http://schemas.microsoft.com/office/drawing/2014/main" id="{CC088C5E-B43C-E661-901D-C2EBCBFC1B33}"/>
+              </a:ext>
+            </a:extLst>
+          </p:cNvPr>
+          <p:cNvSpPr/>
+          <p:nvPr/>
+        </p:nvSpPr>
+        <p:spPr>
+          <a:xfrm>
+            <a:off x="8336094" y="2130546"/>
+            <a:ext cx="3192885" cy="3685791"/>
+          </a:xfrm>
+          <a:prstGeom prst="rect">
+            <a:avLst/>
+          </a:prstGeom>
+          <a:noFill/>
+          <a:ln w="38100">
+            <a:solidFill>
+              <a:srgbClr val="FFC000"/>
+            </a:solidFill>
+            <a:prstDash val="lgDashDot"/>
+          </a:ln>
+        </p:spPr>
+        <p:style>
+          <a:lnRef idx="2">
+            <a:schemeClr val="accent1">
+              <a:shade val="15000"/>
+            </a:schemeClr>
+          </a:lnRef>
+          <a:fillRef idx="1">
+            <a:schemeClr val="accent1"/>
+          </a:fillRef>
+          <a:effectRef idx="0">
+            <a:schemeClr val="accent1"/>
+          </a:effectRef>
+          <a:fontRef idx="minor">
+            <a:schemeClr val="lt1"/>
+          </a:fontRef>
+        </p:style>
+        <p:txBody>
+          <a:bodyPr rtlCol="0" anchor="ctr"/>
+          <a:lstStyle/>
+          <a:p>
+            <a:endParaRPr lang="en-US" altLang="ko-KR" dirty="0">
+              <a:solidFill>
+                <a:schemeClr val="accent5">
+                  <a:lumMod val="50000"/>
+                </a:schemeClr>
+              </a:solidFill>
+            </a:endParaRPr>
+          </a:p>
+          <a:p>
+            <a:endParaRPr lang="en-US" altLang="ko-KR" dirty="0">
+              <a:solidFill>
+                <a:schemeClr val="accent5">
+                  <a:lumMod val="50000"/>
+                </a:schemeClr>
+              </a:solidFill>
+            </a:endParaRPr>
+          </a:p>
+          <a:p>
+            <a:endParaRPr lang="en-US" altLang="ko-KR" dirty="0">
+              <a:solidFill>
+                <a:schemeClr val="accent5">
+                  <a:lumMod val="50000"/>
+                </a:schemeClr>
+              </a:solidFill>
+            </a:endParaRPr>
+          </a:p>
+          <a:p>
+            <a:endParaRPr lang="en-US" altLang="ko-KR" dirty="0">
+              <a:solidFill>
+                <a:schemeClr val="accent5">
+                  <a:lumMod val="50000"/>
+                </a:schemeClr>
+              </a:solidFill>
+            </a:endParaRPr>
+          </a:p>
+          <a:p>
+            <a:endParaRPr lang="en-US" altLang="ko-KR" dirty="0">
+              <a:solidFill>
+                <a:schemeClr val="accent5">
+                  <a:lumMod val="50000"/>
+                </a:schemeClr>
+              </a:solidFill>
+            </a:endParaRPr>
+          </a:p>
+          <a:p>
+            <a:endParaRPr lang="en-US" altLang="ko-KR" dirty="0">
+              <a:solidFill>
+                <a:schemeClr val="accent5">
+                  <a:lumMod val="50000"/>
+                </a:schemeClr>
+              </a:solidFill>
+            </a:endParaRPr>
+          </a:p>
+          <a:p>
+            <a:endParaRPr lang="en-US" altLang="ko-KR" dirty="0">
+              <a:solidFill>
+                <a:schemeClr val="accent5">
+                  <a:lumMod val="50000"/>
+                </a:schemeClr>
+              </a:solidFill>
+            </a:endParaRPr>
+          </a:p>
+          <a:p>
+            <a:endParaRPr lang="en-US" altLang="ko-KR" dirty="0">
+              <a:solidFill>
+                <a:schemeClr val="accent5">
+                  <a:lumMod val="50000"/>
+                </a:schemeClr>
+              </a:solidFill>
+            </a:endParaRPr>
+          </a:p>
+          <a:p>
+            <a:endParaRPr lang="en-US" altLang="ko-KR" dirty="0">
+              <a:solidFill>
+                <a:schemeClr val="accent5">
+                  <a:lumMod val="50000"/>
+                </a:schemeClr>
+              </a:solidFill>
+            </a:endParaRPr>
+          </a:p>
+          <a:p>
+            <a:endParaRPr lang="en-US" altLang="ko-KR" dirty="0">
+              <a:solidFill>
+                <a:schemeClr val="accent5">
+                  <a:lumMod val="50000"/>
+                </a:schemeClr>
+              </a:solidFill>
+            </a:endParaRPr>
+          </a:p>
+          <a:p>
+            <a:endParaRPr lang="en-US" altLang="ko-KR" dirty="0">
+              <a:solidFill>
+                <a:schemeClr val="accent5">
+                  <a:lumMod val="50000"/>
+                </a:schemeClr>
+              </a:solidFill>
+            </a:endParaRPr>
+          </a:p>
+          <a:p>
+            <a:r>
+              <a:rPr lang="en-US" altLang="ko-KR" b="1" dirty="0">
+                <a:solidFill>
+                  <a:schemeClr val="accent5">
+                    <a:lumMod val="50000"/>
+                  </a:schemeClr>
+                </a:solidFill>
+                <a:latin typeface="HY견고딕" panose="02030600000101010101" pitchFamily="18" charset="-127"/>
+                <a:ea typeface="HY견고딕" panose="02030600000101010101" pitchFamily="18" charset="-127"/>
+              </a:rPr>
+              <a:t>(</a:t>
+            </a:r>
+            <a:r>
+              <a:rPr lang="ko-KR" altLang="en-US" b="1" dirty="0">
+                <a:solidFill>
+                  <a:schemeClr val="accent5">
+                    <a:lumMod val="50000"/>
+                  </a:schemeClr>
+                </a:solidFill>
+                <a:latin typeface="HY견고딕" panose="02030600000101010101" pitchFamily="18" charset="-127"/>
+                <a:ea typeface="HY견고딕" panose="02030600000101010101" pitchFamily="18" charset="-127"/>
+              </a:rPr>
+              <a:t>추가요소</a:t>
+            </a:r>
+            <a:r>
+              <a:rPr lang="en-US" altLang="ko-KR" b="1" dirty="0">
+                <a:solidFill>
+                  <a:schemeClr val="accent5">
+                    <a:lumMod val="50000"/>
+                  </a:schemeClr>
+                </a:solidFill>
+                <a:latin typeface="HY견고딕" panose="02030600000101010101" pitchFamily="18" charset="-127"/>
+                <a:ea typeface="HY견고딕" panose="02030600000101010101" pitchFamily="18" charset="-127"/>
+              </a:rPr>
+              <a:t>)</a:t>
+            </a:r>
+            <a:endParaRPr lang="ko-KR" altLang="en-US" b="1" dirty="0">
+              <a:solidFill>
+                <a:schemeClr val="accent5">
+                  <a:lumMod val="50000"/>
+                </a:schemeClr>
+              </a:solidFill>
+              <a:latin typeface="HY견고딕" panose="02030600000101010101" pitchFamily="18" charset="-127"/>
+              <a:ea typeface="HY견고딕" panose="02030600000101010101" pitchFamily="18" charset="-127"/>
+            </a:endParaRPr>
+          </a:p>
+        </p:txBody>
+      </p:sp>
+      <p:cxnSp>
+        <p:nvCxnSpPr>
+          <p:cNvPr id="46" name="직선 연결선 45">
+            <a:extLst>
+              <a:ext uri="{FF2B5EF4-FFF2-40B4-BE49-F238E27FC236}">
+                <a16:creationId xmlns:a16="http://schemas.microsoft.com/office/drawing/2014/main" id="{D6CA80B3-2AC7-7460-65B8-D81FFC7FEF1A}"/>
+              </a:ext>
+            </a:extLst>
+          </p:cNvPr>
+          <p:cNvCxnSpPr>
+            <a:cxnSpLocks/>
+          </p:cNvCxnSpPr>
+          <p:nvPr/>
+        </p:nvCxnSpPr>
+        <p:spPr>
+          <a:xfrm>
+            <a:off x="3776449" y="3215107"/>
+            <a:ext cx="844060" cy="0"/>
+          </a:xfrm>
+          <a:prstGeom prst="line">
+            <a:avLst/>
+          </a:prstGeom>
+          <a:ln w="57150">
+            <a:solidFill>
+              <a:srgbClr val="FF0000"/>
+            </a:solidFill>
+          </a:ln>
+        </p:spPr>
+        <p:style>
+          <a:lnRef idx="2">
+            <a:schemeClr val="accent1"/>
+          </a:lnRef>
+          <a:fillRef idx="0">
+            <a:schemeClr val="accent1"/>
+          </a:fillRef>
+          <a:effectRef idx="1">
+            <a:schemeClr val="accent1"/>
+          </a:effectRef>
+          <a:fontRef idx="minor">
+            <a:schemeClr val="tx1"/>
+          </a:fontRef>
+        </p:style>
+      </p:cxnSp>
+      <p:sp>
+        <p:nvSpPr>
+          <p:cNvPr id="49" name="직사각형 48">
+            <a:extLst>
+              <a:ext uri="{FF2B5EF4-FFF2-40B4-BE49-F238E27FC236}">
+                <a16:creationId xmlns:a16="http://schemas.microsoft.com/office/drawing/2014/main" id="{D02DB82B-3BA0-5851-F1C8-329170C94BF1}"/>
+              </a:ext>
+            </a:extLst>
+          </p:cNvPr>
+          <p:cNvSpPr/>
+          <p:nvPr/>
+        </p:nvSpPr>
+        <p:spPr>
+          <a:xfrm>
+            <a:off x="8229600" y="6075736"/>
+            <a:ext cx="3340973" cy="578733"/>
+          </a:xfrm>
+          <a:prstGeom prst="rect">
+            <a:avLst/>
+          </a:prstGeom>
+          <a:noFill/>
+          <a:ln w="38100">
+            <a:solidFill>
+              <a:srgbClr val="FFC000"/>
+            </a:solidFill>
+            <a:prstDash val="lgDashDot"/>
+          </a:ln>
+        </p:spPr>
+        <p:style>
+          <a:lnRef idx="2">
+            <a:schemeClr val="accent1">
+              <a:shade val="15000"/>
+            </a:schemeClr>
+          </a:lnRef>
+          <a:fillRef idx="1">
+            <a:schemeClr val="accent1"/>
+          </a:fillRef>
+          <a:effectRef idx="0">
+            <a:schemeClr val="accent1"/>
+          </a:effectRef>
+          <a:fontRef idx="minor">
+            <a:schemeClr val="lt1"/>
+          </a:fontRef>
+        </p:style>
+        <p:txBody>
+          <a:bodyPr rtlCol="0" anchor="ctr"/>
+          <a:lstStyle/>
+          <a:p>
+            <a:r>
+              <a:rPr lang="ko-KR" altLang="en-US" dirty="0">
+                <a:solidFill>
+                  <a:schemeClr val="accent5">
+                    <a:lumMod val="50000"/>
+                  </a:schemeClr>
+                </a:solidFill>
+              </a:rPr>
+              <a:t>추가요소 </a:t>
+            </a:r>
+            <a:r>
+              <a:rPr lang="en-US" altLang="ko-KR" dirty="0">
+                <a:solidFill>
+                  <a:schemeClr val="accent5">
+                    <a:lumMod val="50000"/>
+                  </a:schemeClr>
+                </a:solidFill>
+              </a:rPr>
+              <a:t>: </a:t>
+            </a:r>
+            <a:r>
+              <a:rPr lang="ko-KR" altLang="en-US" dirty="0">
+                <a:solidFill>
+                  <a:schemeClr val="accent5">
+                    <a:lumMod val="50000"/>
+                  </a:schemeClr>
+                </a:solidFill>
+              </a:rPr>
+              <a:t>세부 내용 미정 </a:t>
+            </a:r>
+            <a:endParaRPr lang="en-US" altLang="ko-KR" dirty="0">
+              <a:solidFill>
+                <a:schemeClr val="accent5">
+                  <a:lumMod val="50000"/>
+                </a:schemeClr>
+              </a:solidFill>
+            </a:endParaRPr>
+          </a:p>
+        </p:txBody>
+      </p:sp>
+    </p:spTree>
+    <p:extLst>
+      <p:ext uri="{BB962C8B-B14F-4D97-AF65-F5344CB8AC3E}">
+        <p14:creationId xmlns:p14="http://schemas.microsoft.com/office/powerpoint/2010/main" val="3155627526"/>
       </p:ext>
     </p:extLst>
   </p:cSld>

--- a/2DGP_project1.pptx
+++ b/2DGP_project1.pptx
@@ -8018,8 +8018,8 @@
         </p:nvSpPr>
         <p:spPr>
           <a:xfrm>
-            <a:off x="8862277" y="4557327"/>
-            <a:ext cx="3551376" cy="349725"/>
+            <a:off x="8371114" y="4554765"/>
+            <a:ext cx="3820866" cy="2111328"/>
           </a:xfrm>
           <a:prstGeom prst="rect">
             <a:avLst/>
@@ -8140,7 +8140,7 @@
                 <a:latin typeface="HY헤드라인M" panose="02030600000101010101" pitchFamily="18" charset="-127"/>
                 <a:ea typeface="HY헤드라인M" panose="02030600000101010101" pitchFamily="18" charset="-127"/>
               </a:rPr>
-              <a:t>					</a:t>
+              <a:t>			</a:t>
             </a:r>
           </a:p>
           <a:p>
@@ -8153,7 +8153,7 @@
               </a:spcBef>
             </a:pPr>
             <a:r>
-              <a:rPr lang="ko-KR" altLang="en-US" sz="1600" dirty="0" err="1">
+              <a:rPr lang="ko-KR" altLang="en-US" sz="1600" dirty="0">
                 <a:solidFill>
                   <a:schemeClr val="tx1">
                     <a:lumMod val="85000"/>
@@ -8163,18 +8163,21 @@
                 <a:latin typeface="HY헤드라인M" panose="02030600000101010101" pitchFamily="18" charset="-127"/>
                 <a:ea typeface="HY헤드라인M" panose="02030600000101010101" pitchFamily="18" charset="-127"/>
               </a:rPr>
-              <a:t>빠른전개</a:t>
-            </a:r>
-            <a:endParaRPr lang="en-US" altLang="ko-KR" sz="1600" dirty="0">
-              <a:solidFill>
-                <a:schemeClr val="tx1">
-                  <a:lumMod val="85000"/>
-                  <a:lumOff val="15000"/>
-                </a:schemeClr>
-              </a:solidFill>
-              <a:latin typeface="HY헤드라인M" panose="02030600000101010101" pitchFamily="18" charset="-127"/>
-              <a:ea typeface="HY헤드라인M" panose="02030600000101010101" pitchFamily="18" charset="-127"/>
-            </a:endParaRPr>
+              <a:t>핵 앤 슬래시 </a:t>
+            </a:r>
+            <a:r>
+              <a:rPr lang="en-US" altLang="ko-KR" sz="1600" dirty="0">
+                <a:solidFill>
+                  <a:schemeClr val="tx1">
+                    <a:lumMod val="85000"/>
+                    <a:lumOff val="15000"/>
+                  </a:schemeClr>
+                </a:solidFill>
+                <a:latin typeface="HY헤드라인M" panose="02030600000101010101" pitchFamily="18" charset="-127"/>
+                <a:ea typeface="HY헤드라인M" panose="02030600000101010101" pitchFamily="18" charset="-127"/>
+              </a:rPr>
+              <a:t>	</a:t>
+            </a:r>
           </a:p>
           <a:p>
             <a:pPr latinLnBrk="0">
@@ -8216,8 +8219,142 @@
                 <a:latin typeface="HY헤드라인M" panose="02030600000101010101" pitchFamily="18" charset="-127"/>
                 <a:ea typeface="HY헤드라인M" panose="02030600000101010101" pitchFamily="18" charset="-127"/>
               </a:rPr>
-              <a:t>핵 앤 슬래시</a:t>
-            </a:r>
+              <a:t>재미요소</a:t>
+            </a:r>
+            <a:r>
+              <a:rPr lang="en-US" altLang="ko-KR" sz="1600" dirty="0">
+                <a:solidFill>
+                  <a:schemeClr val="tx1">
+                    <a:lumMod val="85000"/>
+                    <a:lumOff val="15000"/>
+                  </a:schemeClr>
+                </a:solidFill>
+                <a:latin typeface="HY헤드라인M" panose="02030600000101010101" pitchFamily="18" charset="-127"/>
+                <a:ea typeface="HY헤드라인M" panose="02030600000101010101" pitchFamily="18" charset="-127"/>
+              </a:rPr>
+              <a:t>:	</a:t>
+            </a:r>
+          </a:p>
+          <a:p>
+            <a:pPr latinLnBrk="0">
+              <a:lnSpc>
+                <a:spcPct val="90000"/>
+              </a:lnSpc>
+              <a:spcBef>
+                <a:spcPts val="1000"/>
+              </a:spcBef>
+            </a:pPr>
+            <a:r>
+              <a:rPr lang="ko-KR" altLang="en-US" sz="1600" dirty="0" err="1">
+                <a:solidFill>
+                  <a:schemeClr val="tx1">
+                    <a:lumMod val="85000"/>
+                    <a:lumOff val="15000"/>
+                  </a:schemeClr>
+                </a:solidFill>
+                <a:latin typeface="HY헤드라인M" panose="02030600000101010101" pitchFamily="18" charset="-127"/>
+                <a:ea typeface="HY헤드라인M" panose="02030600000101010101" pitchFamily="18" charset="-127"/>
+              </a:rPr>
+              <a:t>빠른전개</a:t>
+            </a:r>
+            <a:r>
+              <a:rPr lang="en-US" altLang="ko-KR" sz="1600" dirty="0">
+                <a:solidFill>
+                  <a:schemeClr val="tx1">
+                    <a:lumMod val="85000"/>
+                    <a:lumOff val="15000"/>
+                  </a:schemeClr>
+                </a:solidFill>
+                <a:latin typeface="HY헤드라인M" panose="02030600000101010101" pitchFamily="18" charset="-127"/>
+                <a:ea typeface="HY헤드라인M" panose="02030600000101010101" pitchFamily="18" charset="-127"/>
+              </a:rPr>
+              <a:t>, </a:t>
+            </a:r>
+            <a:r>
+              <a:rPr lang="ko-KR" altLang="en-US" sz="1600" dirty="0">
+                <a:solidFill>
+                  <a:schemeClr val="tx1">
+                    <a:lumMod val="85000"/>
+                    <a:lumOff val="15000"/>
+                  </a:schemeClr>
+                </a:solidFill>
+                <a:latin typeface="HY헤드라인M" panose="02030600000101010101" pitchFamily="18" charset="-127"/>
+                <a:ea typeface="HY헤드라인M" panose="02030600000101010101" pitchFamily="18" charset="-127"/>
+              </a:rPr>
+              <a:t>경쾌한 </a:t>
+            </a:r>
+            <a:r>
+              <a:rPr lang="ko-KR" altLang="en-US" sz="1600" dirty="0" err="1">
+                <a:solidFill>
+                  <a:schemeClr val="tx1">
+                    <a:lumMod val="85000"/>
+                    <a:lumOff val="15000"/>
+                  </a:schemeClr>
+                </a:solidFill>
+                <a:latin typeface="HY헤드라인M" panose="02030600000101010101" pitchFamily="18" charset="-127"/>
+                <a:ea typeface="HY헤드라인M" panose="02030600000101010101" pitchFamily="18" charset="-127"/>
+              </a:rPr>
+              <a:t>타격감</a:t>
+            </a:r>
+            <a:r>
+              <a:rPr lang="en-US" altLang="ko-KR" sz="1600" dirty="0">
+                <a:solidFill>
+                  <a:schemeClr val="tx1">
+                    <a:lumMod val="85000"/>
+                    <a:lumOff val="15000"/>
+                  </a:schemeClr>
+                </a:solidFill>
+                <a:latin typeface="HY헤드라인M" panose="02030600000101010101" pitchFamily="18" charset="-127"/>
+                <a:ea typeface="HY헤드라인M" panose="02030600000101010101" pitchFamily="18" charset="-127"/>
+              </a:rPr>
+              <a:t>, </a:t>
+            </a:r>
+            <a:r>
+              <a:rPr lang="ko-KR" altLang="en-US" sz="1600" dirty="0">
+                <a:solidFill>
+                  <a:schemeClr val="tx1">
+                    <a:lumMod val="85000"/>
+                    <a:lumOff val="15000"/>
+                  </a:schemeClr>
+                </a:solidFill>
+                <a:latin typeface="HY헤드라인M" panose="02030600000101010101" pitchFamily="18" charset="-127"/>
+                <a:ea typeface="HY헤드라인M" panose="02030600000101010101" pitchFamily="18" charset="-127"/>
+              </a:rPr>
+              <a:t>바뀌는 </a:t>
+            </a:r>
+            <a:r>
+              <a:rPr lang="ko-KR" altLang="en-US" sz="1600" dirty="0" err="1">
+                <a:solidFill>
+                  <a:schemeClr val="tx1">
+                    <a:lumMod val="85000"/>
+                    <a:lumOff val="15000"/>
+                  </a:schemeClr>
+                </a:solidFill>
+                <a:latin typeface="HY헤드라인M" panose="02030600000101010101" pitchFamily="18" charset="-127"/>
+                <a:ea typeface="HY헤드라인M" panose="02030600000101010101" pitchFamily="18" charset="-127"/>
+              </a:rPr>
+              <a:t>스탯</a:t>
+            </a:r>
+            <a:endParaRPr lang="en-US" altLang="ko-KR" sz="1600" dirty="0">
+              <a:solidFill>
+                <a:schemeClr val="tx1">
+                  <a:lumMod val="85000"/>
+                  <a:lumOff val="15000"/>
+                </a:schemeClr>
+              </a:solidFill>
+              <a:latin typeface="HY헤드라인M" panose="02030600000101010101" pitchFamily="18" charset="-127"/>
+              <a:ea typeface="HY헤드라인M" panose="02030600000101010101" pitchFamily="18" charset="-127"/>
+            </a:endParaRPr>
+          </a:p>
+          <a:p>
+            <a:pPr latinLnBrk="0">
+              <a:lnSpc>
+                <a:spcPct val="90000"/>
+              </a:lnSpc>
+              <a:spcBef>
+                <a:spcPts val="1000"/>
+              </a:spcBef>
+            </a:pPr>
             <a:r>
               <a:rPr lang="en-US" altLang="ko-KR" sz="1600" dirty="0">
                 <a:solidFill>

--- a/2DGP_project1.pptx
+++ b/2DGP_project1.pptx
@@ -7979,7 +7979,7 @@
           <a:p>
             <a:pPr latinLnBrk="0"/>
             <a:r>
-              <a:rPr lang="ko-KR" altLang="en-US" sz="9600" dirty="0" err="1">
+              <a:rPr lang="ko-KR" altLang="en-US" sz="9600" b="1" dirty="0" err="1">
                 <a:solidFill>
                   <a:schemeClr val="tx1">
                     <a:lumMod val="85000"/>
@@ -7991,7 +7991,7 @@
               </a:rPr>
               <a:t>게임컨셉</a:t>
             </a:r>
-            <a:endParaRPr lang="en-US" altLang="ko-KR" sz="9600" dirty="0">
+            <a:endParaRPr lang="en-US" altLang="ko-KR" sz="9600" b="1" dirty="0">
               <a:solidFill>
                 <a:schemeClr val="tx1">
                   <a:lumMod val="85000"/>
